--- a/fig_block.pptx
+++ b/fig_block.pptx
@@ -5,12 +5,13 @@
     <p:sldMasterId id="2147483648" r:id="rId1"/>
   </p:sldMasterIdLst>
   <p:notesMasterIdLst>
-    <p:notesMasterId r:id="rId5"/>
+    <p:notesMasterId r:id="rId6"/>
   </p:notesMasterIdLst>
   <p:sldIdLst>
     <p:sldId id="257" r:id="rId2"/>
     <p:sldId id="258" r:id="rId3"/>
     <p:sldId id="256" r:id="rId4"/>
+    <p:sldId id="259" r:id="rId5"/>
   </p:sldIdLst>
   <p:sldSz cx="12192000" cy="6858000"/>
   <p:notesSz cx="6858000" cy="9144000"/>
@@ -199,7 +200,7 @@
           <a:p>
             <a:fld id="{6E5555FC-1C24-D242-9DBA-D8E21E687854}" type="datetimeFigureOut">
               <a:rPr kumimoji="1" lang="ja-JP" altLang="en-US" smtClean="0"/>
-              <a:t>2025/11/28</a:t>
+              <a:t>2025/12/1</a:t>
             </a:fld>
             <a:endParaRPr kumimoji="1" lang="ja-JP" altLang="en-US"/>
           </a:p>
@@ -729,7 +730,7 @@
           <a:p>
             <a:fld id="{7D9FA69C-DAD2-554C-9FC0-6F806BE9F0DF}" type="datetimeFigureOut">
               <a:rPr kumimoji="1" lang="ja-JP" altLang="en-US" smtClean="0"/>
-              <a:t>2025/11/28</a:t>
+              <a:t>2025/12/1</a:t>
             </a:fld>
             <a:endParaRPr kumimoji="1" lang="ja-JP" altLang="en-US"/>
           </a:p>
@@ -959,7 +960,7 @@
           <a:p>
             <a:fld id="{7D9FA69C-DAD2-554C-9FC0-6F806BE9F0DF}" type="datetimeFigureOut">
               <a:rPr kumimoji="1" lang="ja-JP" altLang="en-US" smtClean="0"/>
-              <a:t>2025/11/28</a:t>
+              <a:t>2025/12/1</a:t>
             </a:fld>
             <a:endParaRPr kumimoji="1" lang="ja-JP" altLang="en-US"/>
           </a:p>
@@ -1199,7 +1200,7 @@
           <a:p>
             <a:fld id="{7D9FA69C-DAD2-554C-9FC0-6F806BE9F0DF}" type="datetimeFigureOut">
               <a:rPr kumimoji="1" lang="ja-JP" altLang="en-US" smtClean="0"/>
-              <a:t>2025/11/28</a:t>
+              <a:t>2025/12/1</a:t>
             </a:fld>
             <a:endParaRPr kumimoji="1" lang="ja-JP" altLang="en-US"/>
           </a:p>
@@ -1429,7 +1430,7 @@
           <a:p>
             <a:fld id="{7D9FA69C-DAD2-554C-9FC0-6F806BE9F0DF}" type="datetimeFigureOut">
               <a:rPr kumimoji="1" lang="ja-JP" altLang="en-US" smtClean="0"/>
-              <a:t>2025/11/28</a:t>
+              <a:t>2025/12/1</a:t>
             </a:fld>
             <a:endParaRPr kumimoji="1" lang="ja-JP" altLang="en-US"/>
           </a:p>
@@ -1704,7 +1705,7 @@
           <a:p>
             <a:fld id="{7D9FA69C-DAD2-554C-9FC0-6F806BE9F0DF}" type="datetimeFigureOut">
               <a:rPr kumimoji="1" lang="ja-JP" altLang="en-US" smtClean="0"/>
-              <a:t>2025/11/28</a:t>
+              <a:t>2025/12/1</a:t>
             </a:fld>
             <a:endParaRPr kumimoji="1" lang="ja-JP" altLang="en-US"/>
           </a:p>
@@ -2033,7 +2034,7 @@
           <a:p>
             <a:fld id="{7D9FA69C-DAD2-554C-9FC0-6F806BE9F0DF}" type="datetimeFigureOut">
               <a:rPr kumimoji="1" lang="ja-JP" altLang="en-US" smtClean="0"/>
-              <a:t>2025/11/28</a:t>
+              <a:t>2025/12/1</a:t>
             </a:fld>
             <a:endParaRPr kumimoji="1" lang="ja-JP" altLang="en-US"/>
           </a:p>
@@ -2509,7 +2510,7 @@
           <a:p>
             <a:fld id="{7D9FA69C-DAD2-554C-9FC0-6F806BE9F0DF}" type="datetimeFigureOut">
               <a:rPr kumimoji="1" lang="ja-JP" altLang="en-US" smtClean="0"/>
-              <a:t>2025/11/28</a:t>
+              <a:t>2025/12/1</a:t>
             </a:fld>
             <a:endParaRPr kumimoji="1" lang="ja-JP" altLang="en-US"/>
           </a:p>
@@ -2650,7 +2651,7 @@
           <a:p>
             <a:fld id="{7D9FA69C-DAD2-554C-9FC0-6F806BE9F0DF}" type="datetimeFigureOut">
               <a:rPr kumimoji="1" lang="ja-JP" altLang="en-US" smtClean="0"/>
-              <a:t>2025/11/28</a:t>
+              <a:t>2025/12/1</a:t>
             </a:fld>
             <a:endParaRPr kumimoji="1" lang="ja-JP" altLang="en-US"/>
           </a:p>
@@ -2763,7 +2764,7 @@
           <a:p>
             <a:fld id="{7D9FA69C-DAD2-554C-9FC0-6F806BE9F0DF}" type="datetimeFigureOut">
               <a:rPr kumimoji="1" lang="ja-JP" altLang="en-US" smtClean="0"/>
-              <a:t>2025/11/28</a:t>
+              <a:t>2025/12/1</a:t>
             </a:fld>
             <a:endParaRPr kumimoji="1" lang="ja-JP" altLang="en-US"/>
           </a:p>
@@ -3106,7 +3107,7 @@
           <a:p>
             <a:fld id="{7D9FA69C-DAD2-554C-9FC0-6F806BE9F0DF}" type="datetimeFigureOut">
               <a:rPr kumimoji="1" lang="ja-JP" altLang="en-US" smtClean="0"/>
-              <a:t>2025/11/28</a:t>
+              <a:t>2025/12/1</a:t>
             </a:fld>
             <a:endParaRPr kumimoji="1" lang="ja-JP" altLang="en-US"/>
           </a:p>
@@ -3394,7 +3395,7 @@
           <a:p>
             <a:fld id="{7D9FA69C-DAD2-554C-9FC0-6F806BE9F0DF}" type="datetimeFigureOut">
               <a:rPr kumimoji="1" lang="ja-JP" altLang="en-US" smtClean="0"/>
-              <a:t>2025/11/28</a:t>
+              <a:t>2025/12/1</a:t>
             </a:fld>
             <a:endParaRPr kumimoji="1" lang="ja-JP" altLang="en-US"/>
           </a:p>
@@ -3667,7 +3668,7 @@
           <a:p>
             <a:fld id="{7D9FA69C-DAD2-554C-9FC0-6F806BE9F0DF}" type="datetimeFigureOut">
               <a:rPr kumimoji="1" lang="ja-JP" altLang="en-US" smtClean="0"/>
-              <a:t>2025/11/28</a:t>
+              <a:t>2025/12/1</a:t>
             </a:fld>
             <a:endParaRPr kumimoji="1" lang="ja-JP" altLang="en-US"/>
           </a:p>
@@ -7517,10 +7518,10 @@
       </p:grpSpPr>
       <p:sp>
         <p:nvSpPr>
-          <p:cNvPr id="3" name="正方形/長方形 2">
+          <p:cNvPr id="4" name="角丸四角形 3">
             <a:extLst>
               <a:ext uri="{FF2B5EF4-FFF2-40B4-BE49-F238E27FC236}">
-                <a16:creationId xmlns:a16="http://schemas.microsoft.com/office/drawing/2014/main" id="{69B8CFB9-3EE2-7FD6-6FD0-81EE731DFD12}"/>
+                <a16:creationId xmlns:a16="http://schemas.microsoft.com/office/drawing/2014/main" id="{A887476B-B504-D961-CF44-87D8C4AC7F80}"/>
               </a:ext>
             </a:extLst>
           </p:cNvPr>
@@ -7529,33 +7530,33 @@
         </p:nvSpPr>
         <p:spPr>
           <a:xfrm>
-            <a:off x="9029075" y="3536821"/>
-            <a:ext cx="2195384" cy="793092"/>
+            <a:off x="4897629" y="5021397"/>
+            <a:ext cx="2275368" cy="956930"/>
           </a:xfrm>
-          <a:prstGeom prst="rect">
+          <a:prstGeom prst="roundRect">
             <a:avLst/>
           </a:prstGeom>
-          <a:ln>
+          <a:noFill/>
+          <a:ln w="60325">
             <a:solidFill>
-              <a:schemeClr val="tx2">
-                <a:lumMod val="90000"/>
-                <a:lumOff val="10000"/>
-              </a:schemeClr>
+              <a:srgbClr val="FF0000"/>
             </a:solidFill>
           </a:ln>
         </p:spPr>
         <p:style>
           <a:lnRef idx="2">
-            <a:schemeClr val="accent1"/>
+            <a:schemeClr val="accent1">
+              <a:shade val="15000"/>
+            </a:schemeClr>
           </a:lnRef>
           <a:fillRef idx="1">
-            <a:schemeClr val="lt1"/>
+            <a:schemeClr val="accent1"/>
           </a:fillRef>
           <a:effectRef idx="0">
             <a:schemeClr val="accent1"/>
           </a:effectRef>
           <a:fontRef idx="minor">
-            <a:schemeClr val="dk1"/>
+            <a:schemeClr val="lt1"/>
           </a:fontRef>
         </p:style>
         <p:txBody>
@@ -7563,179 +7564,50 @@
           <a:lstStyle/>
           <a:p>
             <a:pPr algn="ctr"/>
-            <a:r>
-              <a:rPr lang="en-US" altLang="ja-JP" b="1" dirty="0">
-                <a:latin typeface="Hiragino Kaku Gothic ProN W3" panose="020B0300000000000000" pitchFamily="34" charset="-128"/>
-                <a:ea typeface="Hiragino Kaku Gothic ProN W3" panose="020B0300000000000000" pitchFamily="34" charset="-128"/>
-                <a:cs typeface="Arial" panose="020B0604020202020204" pitchFamily="34" charset="0"/>
-              </a:rPr>
-              <a:t>Subject</a:t>
-            </a:r>
-          </a:p>
-          <a:p>
-            <a:pPr algn="ctr"/>
-            <a:r>
-              <a:rPr lang="en-US" altLang="ja-JP" sz="1400" b="1" dirty="0">
-                <a:latin typeface="Hiragino Kaku Gothic ProN W3" panose="020B0300000000000000" pitchFamily="34" charset="-128"/>
-                <a:ea typeface="Hiragino Kaku Gothic ProN W3" panose="020B0300000000000000" pitchFamily="34" charset="-128"/>
-                <a:cs typeface="Arial" panose="020B0604020202020204" pitchFamily="34" charset="0"/>
-              </a:rPr>
-              <a:t>(UVA/Padova Model)</a:t>
-            </a:r>
-            <a:endParaRPr kumimoji="1" lang="ja-JP" altLang="en-US" sz="1400" b="1">
-              <a:latin typeface="Hiragino Kaku Gothic ProN W3" panose="020B0300000000000000" pitchFamily="34" charset="-128"/>
-              <a:ea typeface="Hiragino Kaku Gothic ProN W3" panose="020B0300000000000000" pitchFamily="34" charset="-128"/>
-              <a:cs typeface="Arial" panose="020B0604020202020204" pitchFamily="34" charset="0"/>
-            </a:endParaRPr>
-          </a:p>
-        </p:txBody>
-      </p:sp>
-      <p:sp>
-        <p:nvSpPr>
-          <p:cNvPr id="6" name="正方形/長方形 5">
-            <a:extLst>
-              <a:ext uri="{FF2B5EF4-FFF2-40B4-BE49-F238E27FC236}">
-                <a16:creationId xmlns:a16="http://schemas.microsoft.com/office/drawing/2014/main" id="{933E9AA3-8A4A-0768-783D-10BA35672FB7}"/>
-              </a:ext>
-            </a:extLst>
-          </p:cNvPr>
-          <p:cNvSpPr/>
-          <p:nvPr/>
-        </p:nvSpPr>
-        <p:spPr>
-          <a:xfrm>
-            <a:off x="4712321" y="1931662"/>
-            <a:ext cx="1952849" cy="734540"/>
-          </a:xfrm>
-          <a:prstGeom prst="rect">
-            <a:avLst/>
-          </a:prstGeom>
-          <a:ln>
-            <a:solidFill>
-              <a:schemeClr val="tx2">
-                <a:lumMod val="90000"/>
-                <a:lumOff val="10000"/>
-              </a:schemeClr>
-            </a:solidFill>
-          </a:ln>
-        </p:spPr>
-        <p:style>
-          <a:lnRef idx="2">
-            <a:schemeClr val="accent1"/>
-          </a:lnRef>
-          <a:fillRef idx="1">
-            <a:schemeClr val="lt1"/>
-          </a:fillRef>
-          <a:effectRef idx="0">
-            <a:schemeClr val="accent1"/>
-          </a:effectRef>
-          <a:fontRef idx="minor">
-            <a:schemeClr val="dk1"/>
-          </a:fontRef>
-        </p:style>
-        <p:txBody>
-          <a:bodyPr rtlCol="0" anchor="ctr"/>
-          <a:lstStyle/>
-          <a:p>
-            <a:pPr algn="ctr"/>
-            <a:r>
-              <a:rPr kumimoji="1" lang="en-US" altLang="ja-JP" sz="1400" b="1" dirty="0">
-                <a:latin typeface="Hiragino Kaku Gothic ProN W3" panose="020B0300000000000000" pitchFamily="34" charset="-128"/>
-                <a:ea typeface="Hiragino Kaku Gothic ProN W3" panose="020B0300000000000000" pitchFamily="34" charset="-128"/>
-                <a:cs typeface="Arial" panose="020B0604020202020204" pitchFamily="34" charset="0"/>
-              </a:rPr>
-              <a:t>Gastrointestinal</a:t>
-            </a:r>
-          </a:p>
-          <a:p>
-            <a:pPr algn="ctr"/>
-            <a:r>
-              <a:rPr lang="en-US" altLang="ja-JP" sz="1400" b="1" dirty="0" err="1">
-                <a:latin typeface="Hiragino Kaku Gothic ProN W3" panose="020B0300000000000000" pitchFamily="34" charset="-128"/>
-                <a:ea typeface="Hiragino Kaku Gothic ProN W3" panose="020B0300000000000000" pitchFamily="34" charset="-128"/>
-                <a:cs typeface="Arial" panose="020B0604020202020204" pitchFamily="34" charset="0"/>
-              </a:rPr>
-              <a:t>submodel</a:t>
-            </a:r>
-            <a:endParaRPr lang="en-US" altLang="ja-JP" sz="1400" b="1" dirty="0">
-              <a:latin typeface="Hiragino Kaku Gothic ProN W3" panose="020B0300000000000000" pitchFamily="34" charset="-128"/>
-              <a:ea typeface="Hiragino Kaku Gothic ProN W3" panose="020B0300000000000000" pitchFamily="34" charset="-128"/>
-              <a:cs typeface="Arial" panose="020B0604020202020204" pitchFamily="34" charset="0"/>
-            </a:endParaRPr>
-          </a:p>
-          <a:p>
-            <a:pPr algn="ctr"/>
-            <a:r>
-              <a:rPr kumimoji="1" lang="en-US" altLang="ja-JP" sz="1400" b="1" dirty="0">
-                <a:latin typeface="Hiragino Kaku Gothic ProN W3" panose="020B0300000000000000" pitchFamily="34" charset="-128"/>
-                <a:ea typeface="Hiragino Kaku Gothic ProN W3" panose="020B0300000000000000" pitchFamily="34" charset="-128"/>
-                <a:cs typeface="Arial" panose="020B0604020202020204" pitchFamily="34" charset="0"/>
-              </a:rPr>
-              <a:t>(</a:t>
-            </a:r>
-            <a:r>
-              <a:rPr kumimoji="1" lang="en-US" altLang="ja-JP" sz="1400" b="1" dirty="0">
-                <a:solidFill>
-                  <a:srgbClr val="FF0000"/>
-                </a:solidFill>
-                <a:latin typeface="Hiragino Kaku Gothic ProN W3" panose="020B0300000000000000" pitchFamily="34" charset="-128"/>
-                <a:ea typeface="Hiragino Kaku Gothic ProN W3" panose="020B0300000000000000" pitchFamily="34" charset="-128"/>
-                <a:cs typeface="Arial" panose="020B0604020202020204" pitchFamily="34" charset="0"/>
-              </a:rPr>
-              <a:t>switched system</a:t>
-            </a:r>
-            <a:r>
-              <a:rPr kumimoji="1" lang="en-US" altLang="ja-JP" sz="1400" b="1" dirty="0">
-                <a:latin typeface="Hiragino Kaku Gothic ProN W3" panose="020B0300000000000000" pitchFamily="34" charset="-128"/>
-                <a:ea typeface="Hiragino Kaku Gothic ProN W3" panose="020B0300000000000000" pitchFamily="34" charset="-128"/>
-                <a:cs typeface="Arial" panose="020B0604020202020204" pitchFamily="34" charset="0"/>
-              </a:rPr>
-              <a:t>)</a:t>
-            </a:r>
-            <a:endParaRPr kumimoji="1" lang="ja-JP" altLang="en-US" sz="1400" b="1">
-              <a:latin typeface="Hiragino Kaku Gothic ProN W3" panose="020B0300000000000000" pitchFamily="34" charset="-128"/>
-              <a:ea typeface="Hiragino Kaku Gothic ProN W3" panose="020B0300000000000000" pitchFamily="34" charset="-128"/>
-              <a:cs typeface="Arial" panose="020B0604020202020204" pitchFamily="34" charset="0"/>
-            </a:endParaRPr>
+            <a:endParaRPr kumimoji="1" lang="ja-JP" altLang="en-US"/>
           </a:p>
         </p:txBody>
       </p:sp>
       <p:grpSp>
         <p:nvGrpSpPr>
-          <p:cNvPr id="67" name="グループ化 66">
+          <p:cNvPr id="2" name="グループ化 1">
             <a:extLst>
               <a:ext uri="{FF2B5EF4-FFF2-40B4-BE49-F238E27FC236}">
-                <a16:creationId xmlns:a16="http://schemas.microsoft.com/office/drawing/2014/main" id="{35DC7AA0-9DB6-78A9-70AC-83E0D668A83F}"/>
+                <a16:creationId xmlns:a16="http://schemas.microsoft.com/office/drawing/2014/main" id="{39961B82-6CA2-11E8-63C0-8FB31E7AAFD1}"/>
               </a:ext>
             </a:extLst>
           </p:cNvPr>
-          <p:cNvGrpSpPr/>
+          <p:cNvGrpSpPr>
+            <a:grpSpLocks noGrp="1" noUngrp="1" noRot="1" noMove="1" noResize="1"/>
+          </p:cNvGrpSpPr>
           <p:nvPr/>
         </p:nvGrpSpPr>
         <p:grpSpPr>
           <a:xfrm>
-            <a:off x="2244780" y="2938800"/>
-            <a:ext cx="6094482" cy="1989135"/>
-            <a:chOff x="3047283" y="2904075"/>
-            <a:chExt cx="6094482" cy="1989135"/>
+            <a:off x="666370" y="1296365"/>
+            <a:ext cx="11312270" cy="4549579"/>
+            <a:chOff x="666370" y="1296365"/>
+            <a:chExt cx="11312270" cy="4549579"/>
           </a:xfrm>
         </p:grpSpPr>
         <p:sp>
           <p:nvSpPr>
-            <p:cNvPr id="26" name="正方形/長方形 25">
+            <p:cNvPr id="3" name="正方形/長方形 2">
               <a:extLst>
                 <a:ext uri="{FF2B5EF4-FFF2-40B4-BE49-F238E27FC236}">
-                  <a16:creationId xmlns:a16="http://schemas.microsoft.com/office/drawing/2014/main" id="{D788DBA3-9147-82CA-36BE-48CEE55D920C}"/>
+                  <a16:creationId xmlns:a16="http://schemas.microsoft.com/office/drawing/2014/main" id="{69B8CFB9-3EE2-7FD6-6FD0-81EE731DFD12}"/>
                 </a:ext>
               </a:extLst>
             </p:cNvPr>
-            <p:cNvSpPr/>
+            <p:cNvSpPr>
+              <a:spLocks noGrp="1" noRot="1" noMove="1" noResize="1" noEditPoints="1" noAdjustHandles="1" noChangeArrowheads="1" noChangeShapeType="1"/>
+            </p:cNvSpPr>
             <p:nvPr/>
           </p:nvSpPr>
           <p:spPr>
             <a:xfrm>
-              <a:off x="3047283" y="2904075"/>
-              <a:ext cx="6094482" cy="1989135"/>
+              <a:off x="9029075" y="3536821"/>
+              <a:ext cx="2195384" cy="793092"/>
             </a:xfrm>
             <a:prstGeom prst="rect">
               <a:avLst/>
@@ -7768,37 +7640,50 @@
             <a:lstStyle/>
             <a:p>
               <a:pPr algn="ctr"/>
-              <a:endParaRPr kumimoji="1" lang="ja-JP" altLang="en-US">
-                <a:ln w="0"/>
-                <a:solidFill>
-                  <a:schemeClr val="tx1"/>
-                </a:solidFill>
-                <a:effectLst>
-                  <a:outerShdw blurRad="38100" dist="19050" dir="2700000" algn="tl" rotWithShape="0">
-                    <a:schemeClr val="dk1">
-                      <a:alpha val="40000"/>
-                    </a:schemeClr>
-                  </a:outerShdw>
-                </a:effectLst>
+              <a:r>
+                <a:rPr lang="en-US" altLang="ja-JP" b="1" dirty="0">
+                  <a:latin typeface="Hiragino Kaku Gothic ProN W3" panose="020B0300000000000000" pitchFamily="34" charset="-128"/>
+                  <a:ea typeface="Hiragino Kaku Gothic ProN W3" panose="020B0300000000000000" pitchFamily="34" charset="-128"/>
+                  <a:cs typeface="Arial" panose="020B0604020202020204" pitchFamily="34" charset="0"/>
+                </a:rPr>
+                <a:t>Subject</a:t>
+              </a:r>
+            </a:p>
+            <a:p>
+              <a:pPr algn="ctr"/>
+              <a:r>
+                <a:rPr lang="en-US" altLang="ja-JP" sz="1400" b="1" dirty="0">
+                  <a:latin typeface="Hiragino Kaku Gothic ProN W3" panose="020B0300000000000000" pitchFamily="34" charset="-128"/>
+                  <a:ea typeface="Hiragino Kaku Gothic ProN W3" panose="020B0300000000000000" pitchFamily="34" charset="-128"/>
+                  <a:cs typeface="Arial" panose="020B0604020202020204" pitchFamily="34" charset="0"/>
+                </a:rPr>
+                <a:t>(UVA/Padova Model)</a:t>
+              </a:r>
+              <a:endParaRPr kumimoji="1" lang="ja-JP" altLang="en-US" sz="1400" b="1">
+                <a:latin typeface="Hiragino Kaku Gothic ProN W3" panose="020B0300000000000000" pitchFamily="34" charset="-128"/>
+                <a:ea typeface="Hiragino Kaku Gothic ProN W3" panose="020B0300000000000000" pitchFamily="34" charset="-128"/>
+                <a:cs typeface="Arial" panose="020B0604020202020204" pitchFamily="34" charset="0"/>
               </a:endParaRPr>
             </a:p>
           </p:txBody>
         </p:sp>
         <p:sp>
           <p:nvSpPr>
-            <p:cNvPr id="7" name="正方形/長方形 6">
+            <p:cNvPr id="6" name="正方形/長方形 5">
               <a:extLst>
                 <a:ext uri="{FF2B5EF4-FFF2-40B4-BE49-F238E27FC236}">
-                  <a16:creationId xmlns:a16="http://schemas.microsoft.com/office/drawing/2014/main" id="{36EB6BFF-2872-3F0B-4662-0D97C3102E66}"/>
+                  <a16:creationId xmlns:a16="http://schemas.microsoft.com/office/drawing/2014/main" id="{933E9AA3-8A4A-0768-783D-10BA35672FB7}"/>
                 </a:ext>
               </a:extLst>
             </p:cNvPr>
-            <p:cNvSpPr/>
+            <p:cNvSpPr>
+              <a:spLocks noGrp="1" noRot="1" noMove="1" noResize="1" noEditPoints="1" noAdjustHandles="1" noChangeArrowheads="1" noChangeShapeType="1"/>
+            </p:cNvSpPr>
             <p:nvPr/>
           </p:nvSpPr>
           <p:spPr>
             <a:xfrm>
-              <a:off x="3175590" y="3899127"/>
+              <a:off x="4712321" y="1931662"/>
               <a:ext cx="1952849" cy="734540"/>
             </a:xfrm>
             <a:prstGeom prst="rect">
@@ -7838,19 +7723,24 @@
                   <a:ea typeface="Hiragino Kaku Gothic ProN W3" panose="020B0300000000000000" pitchFamily="34" charset="-128"/>
                   <a:cs typeface="Arial" panose="020B0604020202020204" pitchFamily="34" charset="0"/>
                 </a:rPr>
-                <a:t>Subcutaneous</a:t>
+                <a:t>Gastrointestinal</a:t>
               </a:r>
             </a:p>
             <a:p>
               <a:pPr algn="ctr"/>
               <a:r>
-                <a:rPr lang="en-US" altLang="ja-JP" sz="1400" b="1" dirty="0">
+                <a:rPr lang="en-US" altLang="ja-JP" sz="1400" b="1" dirty="0" err="1">
                   <a:latin typeface="Hiragino Kaku Gothic ProN W3" panose="020B0300000000000000" pitchFamily="34" charset="-128"/>
                   <a:ea typeface="Hiragino Kaku Gothic ProN W3" panose="020B0300000000000000" pitchFamily="34" charset="-128"/>
                   <a:cs typeface="Arial" panose="020B0604020202020204" pitchFamily="34" charset="0"/>
                 </a:rPr>
-                <a:t>Insulin</a:t>
+                <a:t>submodel</a:t>
               </a:r>
+              <a:endParaRPr lang="en-US" altLang="ja-JP" sz="1400" b="1" dirty="0">
+                <a:latin typeface="Hiragino Kaku Gothic ProN W3" panose="020B0300000000000000" pitchFamily="34" charset="-128"/>
+                <a:ea typeface="Hiragino Kaku Gothic ProN W3" panose="020B0300000000000000" pitchFamily="34" charset="-128"/>
+                <a:cs typeface="Arial" panose="020B0604020202020204" pitchFamily="34" charset="0"/>
+              </a:endParaRPr>
             </a:p>
             <a:p>
               <a:pPr algn="ctr"/>
@@ -7860,15 +7750,26 @@
                   <a:ea typeface="Hiragino Kaku Gothic ProN W3" panose="020B0300000000000000" pitchFamily="34" charset="-128"/>
                   <a:cs typeface="Arial" panose="020B0604020202020204" pitchFamily="34" charset="0"/>
                 </a:rPr>
-                <a:t>Kinetic </a:t>
+                <a:t>(</a:t>
               </a:r>
               <a:r>
-                <a:rPr kumimoji="1" lang="en-US" altLang="ja-JP" sz="1400" b="1" dirty="0" err="1">
+                <a:rPr kumimoji="1" lang="en-US" altLang="ja-JP" sz="1400" b="1" dirty="0">
+                  <a:solidFill>
+                    <a:srgbClr val="FF0000"/>
+                  </a:solidFill>
                   <a:latin typeface="Hiragino Kaku Gothic ProN W3" panose="020B0300000000000000" pitchFamily="34" charset="-128"/>
                   <a:ea typeface="Hiragino Kaku Gothic ProN W3" panose="020B0300000000000000" pitchFamily="34" charset="-128"/>
                   <a:cs typeface="Arial" panose="020B0604020202020204" pitchFamily="34" charset="0"/>
                 </a:rPr>
-                <a:t>submodel</a:t>
+                <a:t>switched system</a:t>
+              </a:r>
+              <a:r>
+                <a:rPr kumimoji="1" lang="en-US" altLang="ja-JP" sz="1400" b="1" dirty="0">
+                  <a:latin typeface="Hiragino Kaku Gothic ProN W3" panose="020B0300000000000000" pitchFamily="34" charset="-128"/>
+                  <a:ea typeface="Hiragino Kaku Gothic ProN W3" panose="020B0300000000000000" pitchFamily="34" charset="-128"/>
+                  <a:cs typeface="Arial" panose="020B0604020202020204" pitchFamily="34" charset="0"/>
+                </a:rPr>
+                <a:t>)</a:t>
               </a:r>
               <a:endParaRPr kumimoji="1" lang="ja-JP" altLang="en-US" sz="1400" b="1">
                 <a:latin typeface="Hiragino Kaku Gothic ProN W3" panose="020B0300000000000000" pitchFamily="34" charset="-128"/>
@@ -7878,22 +7779,734 @@
             </a:p>
           </p:txBody>
         </p:sp>
-        <p:sp>
-          <p:nvSpPr>
-            <p:cNvPr id="8" name="正方形/長方形 7">
+        <p:grpSp>
+          <p:nvGrpSpPr>
+            <p:cNvPr id="67" name="グループ化 66">
               <a:extLst>
                 <a:ext uri="{FF2B5EF4-FFF2-40B4-BE49-F238E27FC236}">
-                  <a16:creationId xmlns:a16="http://schemas.microsoft.com/office/drawing/2014/main" id="{DF45FADA-EE35-4D13-8CE4-61A06B5FCF05}"/>
+                  <a16:creationId xmlns:a16="http://schemas.microsoft.com/office/drawing/2014/main" id="{35DC7AA0-9DB6-78A9-70AC-83E0D668A83F}"/>
                 </a:ext>
               </a:extLst>
             </p:cNvPr>
-            <p:cNvSpPr/>
+            <p:cNvGrpSpPr>
+              <a:grpSpLocks noGrp="1" noUngrp="1" noRot="1" noMove="1" noResize="1"/>
+            </p:cNvGrpSpPr>
+            <p:nvPr/>
+          </p:nvGrpSpPr>
+          <p:grpSpPr>
+            <a:xfrm>
+              <a:off x="2244780" y="2938800"/>
+              <a:ext cx="6094482" cy="1989135"/>
+              <a:chOff x="3047283" y="2904075"/>
+              <a:chExt cx="6094482" cy="1989135"/>
+            </a:xfrm>
+          </p:grpSpPr>
+          <p:sp>
+            <p:nvSpPr>
+              <p:cNvPr id="26" name="正方形/長方形 25">
+                <a:extLst>
+                  <a:ext uri="{FF2B5EF4-FFF2-40B4-BE49-F238E27FC236}">
+                    <a16:creationId xmlns:a16="http://schemas.microsoft.com/office/drawing/2014/main" id="{D788DBA3-9147-82CA-36BE-48CEE55D920C}"/>
+                  </a:ext>
+                </a:extLst>
+              </p:cNvPr>
+              <p:cNvSpPr>
+                <a:spLocks noGrp="1" noRot="1" noMove="1" noResize="1" noEditPoints="1" noAdjustHandles="1" noChangeArrowheads="1" noChangeShapeType="1"/>
+              </p:cNvSpPr>
+              <p:nvPr/>
+            </p:nvSpPr>
+            <p:spPr>
+              <a:xfrm>
+                <a:off x="3047283" y="2904075"/>
+                <a:ext cx="6094482" cy="1989135"/>
+              </a:xfrm>
+              <a:prstGeom prst="rect">
+                <a:avLst/>
+              </a:prstGeom>
+              <a:ln>
+                <a:solidFill>
+                  <a:schemeClr val="tx2">
+                    <a:lumMod val="90000"/>
+                    <a:lumOff val="10000"/>
+                  </a:schemeClr>
+                </a:solidFill>
+              </a:ln>
+            </p:spPr>
+            <p:style>
+              <a:lnRef idx="2">
+                <a:schemeClr val="accent1"/>
+              </a:lnRef>
+              <a:fillRef idx="1">
+                <a:schemeClr val="lt1"/>
+              </a:fillRef>
+              <a:effectRef idx="0">
+                <a:schemeClr val="accent1"/>
+              </a:effectRef>
+              <a:fontRef idx="minor">
+                <a:schemeClr val="dk1"/>
+              </a:fontRef>
+            </p:style>
+            <p:txBody>
+              <a:bodyPr rtlCol="0" anchor="ctr"/>
+              <a:lstStyle/>
+              <a:p>
+                <a:pPr algn="ctr"/>
+                <a:endParaRPr kumimoji="1" lang="ja-JP" altLang="en-US">
+                  <a:ln w="0"/>
+                  <a:solidFill>
+                    <a:schemeClr val="tx1"/>
+                  </a:solidFill>
+                  <a:effectLst>
+                    <a:outerShdw blurRad="38100" dist="19050" dir="2700000" algn="tl" rotWithShape="0">
+                      <a:schemeClr val="dk1">
+                        <a:alpha val="40000"/>
+                      </a:schemeClr>
+                    </a:outerShdw>
+                  </a:effectLst>
+                </a:endParaRPr>
+              </a:p>
+            </p:txBody>
+          </p:sp>
+          <p:sp>
+            <p:nvSpPr>
+              <p:cNvPr id="7" name="正方形/長方形 6">
+                <a:extLst>
+                  <a:ext uri="{FF2B5EF4-FFF2-40B4-BE49-F238E27FC236}">
+                    <a16:creationId xmlns:a16="http://schemas.microsoft.com/office/drawing/2014/main" id="{36EB6BFF-2872-3F0B-4662-0D97C3102E66}"/>
+                  </a:ext>
+                </a:extLst>
+              </p:cNvPr>
+              <p:cNvSpPr>
+                <a:spLocks noGrp="1" noRot="1" noMove="1" noResize="1" noEditPoints="1" noAdjustHandles="1" noChangeArrowheads="1" noChangeShapeType="1"/>
+              </p:cNvSpPr>
+              <p:nvPr/>
+            </p:nvSpPr>
+            <p:spPr>
+              <a:xfrm>
+                <a:off x="3175590" y="3899127"/>
+                <a:ext cx="1952849" cy="734540"/>
+              </a:xfrm>
+              <a:prstGeom prst="rect">
+                <a:avLst/>
+              </a:prstGeom>
+              <a:ln>
+                <a:solidFill>
+                  <a:schemeClr val="tx2">
+                    <a:lumMod val="90000"/>
+                    <a:lumOff val="10000"/>
+                  </a:schemeClr>
+                </a:solidFill>
+              </a:ln>
+            </p:spPr>
+            <p:style>
+              <a:lnRef idx="2">
+                <a:schemeClr val="accent1"/>
+              </a:lnRef>
+              <a:fillRef idx="1">
+                <a:schemeClr val="lt1"/>
+              </a:fillRef>
+              <a:effectRef idx="0">
+                <a:schemeClr val="accent1"/>
+              </a:effectRef>
+              <a:fontRef idx="minor">
+                <a:schemeClr val="dk1"/>
+              </a:fontRef>
+            </p:style>
+            <p:txBody>
+              <a:bodyPr rtlCol="0" anchor="ctr"/>
+              <a:lstStyle/>
+              <a:p>
+                <a:pPr algn="ctr"/>
+                <a:r>
+                  <a:rPr kumimoji="1" lang="en-US" altLang="ja-JP" sz="1400" b="1" dirty="0">
+                    <a:latin typeface="Hiragino Kaku Gothic ProN W3" panose="020B0300000000000000" pitchFamily="34" charset="-128"/>
+                    <a:ea typeface="Hiragino Kaku Gothic ProN W3" panose="020B0300000000000000" pitchFamily="34" charset="-128"/>
+                    <a:cs typeface="Arial" panose="020B0604020202020204" pitchFamily="34" charset="0"/>
+                  </a:rPr>
+                  <a:t>Subcutaneous</a:t>
+                </a:r>
+              </a:p>
+              <a:p>
+                <a:pPr algn="ctr"/>
+                <a:r>
+                  <a:rPr lang="en-US" altLang="ja-JP" sz="1400" b="1" dirty="0">
+                    <a:latin typeface="Hiragino Kaku Gothic ProN W3" panose="020B0300000000000000" pitchFamily="34" charset="-128"/>
+                    <a:ea typeface="Hiragino Kaku Gothic ProN W3" panose="020B0300000000000000" pitchFamily="34" charset="-128"/>
+                    <a:cs typeface="Arial" panose="020B0604020202020204" pitchFamily="34" charset="0"/>
+                  </a:rPr>
+                  <a:t>Insulin</a:t>
+                </a:r>
+              </a:p>
+              <a:p>
+                <a:pPr algn="ctr"/>
+                <a:r>
+                  <a:rPr kumimoji="1" lang="en-US" altLang="ja-JP" sz="1400" b="1" dirty="0">
+                    <a:latin typeface="Hiragino Kaku Gothic ProN W3" panose="020B0300000000000000" pitchFamily="34" charset="-128"/>
+                    <a:ea typeface="Hiragino Kaku Gothic ProN W3" panose="020B0300000000000000" pitchFamily="34" charset="-128"/>
+                    <a:cs typeface="Arial" panose="020B0604020202020204" pitchFamily="34" charset="0"/>
+                  </a:rPr>
+                  <a:t>Kinetic </a:t>
+                </a:r>
+                <a:r>
+                  <a:rPr kumimoji="1" lang="en-US" altLang="ja-JP" sz="1400" b="1" dirty="0" err="1">
+                    <a:latin typeface="Hiragino Kaku Gothic ProN W3" panose="020B0300000000000000" pitchFamily="34" charset="-128"/>
+                    <a:ea typeface="Hiragino Kaku Gothic ProN W3" panose="020B0300000000000000" pitchFamily="34" charset="-128"/>
+                    <a:cs typeface="Arial" panose="020B0604020202020204" pitchFamily="34" charset="0"/>
+                  </a:rPr>
+                  <a:t>submodel</a:t>
+                </a:r>
+                <a:endParaRPr kumimoji="1" lang="ja-JP" altLang="en-US" sz="1400" b="1">
+                  <a:latin typeface="Hiragino Kaku Gothic ProN W3" panose="020B0300000000000000" pitchFamily="34" charset="-128"/>
+                  <a:ea typeface="Hiragino Kaku Gothic ProN W3" panose="020B0300000000000000" pitchFamily="34" charset="-128"/>
+                  <a:cs typeface="Arial" panose="020B0604020202020204" pitchFamily="34" charset="0"/>
+                </a:endParaRPr>
+              </a:p>
+            </p:txBody>
+          </p:sp>
+          <p:sp>
+            <p:nvSpPr>
+              <p:cNvPr id="8" name="正方形/長方形 7">
+                <a:extLst>
+                  <a:ext uri="{FF2B5EF4-FFF2-40B4-BE49-F238E27FC236}">
+                    <a16:creationId xmlns:a16="http://schemas.microsoft.com/office/drawing/2014/main" id="{DF45FADA-EE35-4D13-8CE4-61A06B5FCF05}"/>
+                  </a:ext>
+                </a:extLst>
+              </p:cNvPr>
+              <p:cNvSpPr>
+                <a:spLocks noGrp="1" noRot="1" noMove="1" noResize="1" noEditPoints="1" noAdjustHandles="1" noChangeArrowheads="1" noChangeShapeType="1"/>
+              </p:cNvSpPr>
+              <p:nvPr/>
+            </p:nvSpPr>
+            <p:spPr>
+              <a:xfrm>
+                <a:off x="5190795" y="3307271"/>
+                <a:ext cx="1810410" cy="734532"/>
+              </a:xfrm>
+              <a:prstGeom prst="rect">
+                <a:avLst/>
+              </a:prstGeom>
+              <a:ln>
+                <a:solidFill>
+                  <a:schemeClr val="tx2">
+                    <a:lumMod val="90000"/>
+                    <a:lumOff val="10000"/>
+                  </a:schemeClr>
+                </a:solidFill>
+              </a:ln>
+            </p:spPr>
+            <p:style>
+              <a:lnRef idx="2">
+                <a:schemeClr val="accent1"/>
+              </a:lnRef>
+              <a:fillRef idx="1">
+                <a:schemeClr val="lt1"/>
+              </a:fillRef>
+              <a:effectRef idx="0">
+                <a:schemeClr val="accent1"/>
+              </a:effectRef>
+              <a:fontRef idx="minor">
+                <a:schemeClr val="dk1"/>
+              </a:fontRef>
+            </p:style>
+            <p:txBody>
+              <a:bodyPr rtlCol="0" anchor="ctr"/>
+              <a:lstStyle/>
+              <a:p>
+                <a:pPr algn="ctr"/>
+                <a:r>
+                  <a:rPr kumimoji="1" lang="en-US" altLang="ja-JP" sz="1400" b="1" dirty="0">
+                    <a:latin typeface="Hiragino Kaku Gothic ProN W3" panose="020B0300000000000000" pitchFamily="34" charset="-128"/>
+                    <a:ea typeface="Hiragino Kaku Gothic ProN W3" panose="020B0300000000000000" pitchFamily="34" charset="-128"/>
+                    <a:cs typeface="Arial" panose="020B0604020202020204" pitchFamily="34" charset="0"/>
+                  </a:rPr>
+                  <a:t>Core </a:t>
+                </a:r>
+                <a:r>
+                  <a:rPr kumimoji="1" lang="en-US" altLang="ja-JP" sz="1400" b="1" dirty="0" err="1">
+                    <a:latin typeface="Hiragino Kaku Gothic ProN W3" panose="020B0300000000000000" pitchFamily="34" charset="-128"/>
+                    <a:ea typeface="Hiragino Kaku Gothic ProN W3" panose="020B0300000000000000" pitchFamily="34" charset="-128"/>
+                    <a:cs typeface="Arial" panose="020B0604020202020204" pitchFamily="34" charset="0"/>
+                  </a:rPr>
+                  <a:t>submodel</a:t>
+                </a:r>
+                <a:endParaRPr kumimoji="1" lang="en-US" altLang="ja-JP" sz="1400" b="1" dirty="0">
+                  <a:latin typeface="Hiragino Kaku Gothic ProN W3" panose="020B0300000000000000" pitchFamily="34" charset="-128"/>
+                  <a:ea typeface="Hiragino Kaku Gothic ProN W3" panose="020B0300000000000000" pitchFamily="34" charset="-128"/>
+                  <a:cs typeface="Arial" panose="020B0604020202020204" pitchFamily="34" charset="0"/>
+                </a:endParaRPr>
+              </a:p>
+              <a:p>
+                <a:pPr algn="ctr"/>
+                <a:r>
+                  <a:rPr lang="en-US" altLang="ja-JP" sz="1400" b="1" dirty="0">
+                    <a:latin typeface="Hiragino Kaku Gothic ProN W3" panose="020B0300000000000000" pitchFamily="34" charset="-128"/>
+                    <a:ea typeface="Hiragino Kaku Gothic ProN W3" panose="020B0300000000000000" pitchFamily="34" charset="-128"/>
+                    <a:cs typeface="Arial" panose="020B0604020202020204" pitchFamily="34" charset="0"/>
+                  </a:rPr>
+                  <a:t>(Bergman model)</a:t>
+                </a:r>
+                <a:endParaRPr kumimoji="1" lang="ja-JP" altLang="en-US" sz="1400" b="1">
+                  <a:latin typeface="Hiragino Kaku Gothic ProN W3" panose="020B0300000000000000" pitchFamily="34" charset="-128"/>
+                  <a:ea typeface="Hiragino Kaku Gothic ProN W3" panose="020B0300000000000000" pitchFamily="34" charset="-128"/>
+                  <a:cs typeface="Arial" panose="020B0604020202020204" pitchFamily="34" charset="0"/>
+                </a:endParaRPr>
+              </a:p>
+            </p:txBody>
+          </p:sp>
+          <p:cxnSp>
+            <p:nvCxnSpPr>
+              <p:cNvPr id="13" name="カギ線コネクタ 12">
+                <a:extLst>
+                  <a:ext uri="{FF2B5EF4-FFF2-40B4-BE49-F238E27FC236}">
+                    <a16:creationId xmlns:a16="http://schemas.microsoft.com/office/drawing/2014/main" id="{C925BCA5-8017-917F-21AC-6AAED48A28CB}"/>
+                  </a:ext>
+                </a:extLst>
+              </p:cNvPr>
+              <p:cNvCxnSpPr>
+                <a:cxnSpLocks noGrp="1" noRot="1" noMove="1" noResize="1" noEditPoints="1" noAdjustHandles="1" noChangeArrowheads="1" noChangeShapeType="1"/>
+                <a:stCxn id="7" idx="3"/>
+                <a:endCxn id="8" idx="2"/>
+              </p:cNvCxnSpPr>
+              <p:nvPr/>
+            </p:nvCxnSpPr>
+            <p:spPr>
+              <a:xfrm flipV="1">
+                <a:off x="5128439" y="4041803"/>
+                <a:ext cx="967561" cy="224594"/>
+              </a:xfrm>
+              <a:prstGeom prst="bentConnector2">
+                <a:avLst/>
+              </a:prstGeom>
+              <a:ln>
+                <a:tailEnd type="triangle"/>
+              </a:ln>
+            </p:spPr>
+            <p:style>
+              <a:lnRef idx="2">
+                <a:schemeClr val="dk1"/>
+              </a:lnRef>
+              <a:fillRef idx="0">
+                <a:schemeClr val="dk1"/>
+              </a:fillRef>
+              <a:effectRef idx="1">
+                <a:schemeClr val="dk1"/>
+              </a:effectRef>
+              <a:fontRef idx="minor">
+                <a:schemeClr val="tx1"/>
+              </a:fontRef>
+            </p:style>
+          </p:cxnSp>
+          <p:sp>
+            <p:nvSpPr>
+              <p:cNvPr id="16" name="正方形/長方形 15">
+                <a:extLst>
+                  <a:ext uri="{FF2B5EF4-FFF2-40B4-BE49-F238E27FC236}">
+                    <a16:creationId xmlns:a16="http://schemas.microsoft.com/office/drawing/2014/main" id="{305665B6-7EAA-B33E-A011-65DE5A30E5DF}"/>
+                  </a:ext>
+                </a:extLst>
+              </p:cNvPr>
+              <p:cNvSpPr>
+                <a:spLocks noGrp="1" noRot="1" noMove="1" noResize="1" noEditPoints="1" noAdjustHandles="1" noChangeArrowheads="1" noChangeShapeType="1"/>
+              </p:cNvSpPr>
+              <p:nvPr/>
+            </p:nvSpPr>
+            <p:spPr>
+              <a:xfrm>
+                <a:off x="7215243" y="3307271"/>
+                <a:ext cx="1810410" cy="734532"/>
+              </a:xfrm>
+              <a:prstGeom prst="rect">
+                <a:avLst/>
+              </a:prstGeom>
+              <a:ln>
+                <a:solidFill>
+                  <a:schemeClr val="tx2">
+                    <a:lumMod val="90000"/>
+                    <a:lumOff val="10000"/>
+                  </a:schemeClr>
+                </a:solidFill>
+              </a:ln>
+            </p:spPr>
+            <p:style>
+              <a:lnRef idx="2">
+                <a:schemeClr val="accent1"/>
+              </a:lnRef>
+              <a:fillRef idx="1">
+                <a:schemeClr val="lt1"/>
+              </a:fillRef>
+              <a:effectRef idx="0">
+                <a:schemeClr val="accent1"/>
+              </a:effectRef>
+              <a:fontRef idx="minor">
+                <a:schemeClr val="dk1"/>
+              </a:fontRef>
+            </p:style>
+            <p:txBody>
+              <a:bodyPr rtlCol="0" anchor="ctr"/>
+              <a:lstStyle/>
+              <a:p>
+                <a:pPr algn="ctr"/>
+                <a:r>
+                  <a:rPr kumimoji="1" lang="en-US" altLang="ja-JP" sz="1400" b="1" dirty="0">
+                    <a:latin typeface="Hiragino Kaku Gothic ProN W3" panose="020B0300000000000000" pitchFamily="34" charset="-128"/>
+                    <a:ea typeface="Hiragino Kaku Gothic ProN W3" panose="020B0300000000000000" pitchFamily="34" charset="-128"/>
+                    <a:cs typeface="Arial" panose="020B0604020202020204" pitchFamily="34" charset="0"/>
+                  </a:rPr>
+                  <a:t>Nonlinear</a:t>
+                </a:r>
+              </a:p>
+              <a:p>
+                <a:pPr algn="ctr"/>
+                <a:r>
+                  <a:rPr lang="en-US" altLang="ja-JP" sz="1400" b="1" dirty="0">
+                    <a:latin typeface="Hiragino Kaku Gothic ProN W3" panose="020B0300000000000000" pitchFamily="34" charset="-128"/>
+                    <a:ea typeface="Hiragino Kaku Gothic ProN W3" panose="020B0300000000000000" pitchFamily="34" charset="-128"/>
+                    <a:cs typeface="Arial" panose="020B0604020202020204" pitchFamily="34" charset="0"/>
+                  </a:rPr>
+                  <a:t>Programing</a:t>
+                </a:r>
+                <a:endParaRPr kumimoji="1" lang="ja-JP" altLang="en-US" sz="1400" b="1">
+                  <a:latin typeface="Hiragino Kaku Gothic ProN W3" panose="020B0300000000000000" pitchFamily="34" charset="-128"/>
+                  <a:ea typeface="Hiragino Kaku Gothic ProN W3" panose="020B0300000000000000" pitchFamily="34" charset="-128"/>
+                  <a:cs typeface="Arial" panose="020B0604020202020204" pitchFamily="34" charset="0"/>
+                </a:endParaRPr>
+              </a:p>
+            </p:txBody>
+          </p:sp>
+          <p:sp>
+            <p:nvSpPr>
+              <p:cNvPr id="17" name="テキスト ボックス 16">
+                <a:extLst>
+                  <a:ext uri="{FF2B5EF4-FFF2-40B4-BE49-F238E27FC236}">
+                    <a16:creationId xmlns:a16="http://schemas.microsoft.com/office/drawing/2014/main" id="{801FEEF3-56E4-AE3A-F66C-E8125E87AB4B}"/>
+                  </a:ext>
+                </a:extLst>
+              </p:cNvPr>
+              <p:cNvSpPr txBox="1">
+                <a:spLocks noGrp="1" noRot="1" noMove="1" noResize="1" noEditPoints="1" noAdjustHandles="1" noChangeArrowheads="1" noChangeShapeType="1"/>
+              </p:cNvSpPr>
+              <p:nvPr/>
+            </p:nvSpPr>
+            <p:spPr>
+              <a:xfrm>
+                <a:off x="7336463" y="2937939"/>
+                <a:ext cx="1805302" cy="369332"/>
+              </a:xfrm>
+              <a:prstGeom prst="rect">
+                <a:avLst/>
+              </a:prstGeom>
+              <a:noFill/>
+            </p:spPr>
+            <p:txBody>
+              <a:bodyPr wrap="none" rtlCol="0">
+                <a:spAutoFit/>
+              </a:bodyPr>
+              <a:lstStyle/>
+              <a:p>
+                <a:r>
+                  <a:rPr kumimoji="1" lang="en-US" altLang="ja-JP" dirty="0"/>
+                  <a:t>Nonlinear MPC</a:t>
+                </a:r>
+                <a:endParaRPr kumimoji="1" lang="ja-JP" altLang="en-US"/>
+              </a:p>
+            </p:txBody>
+          </p:sp>
+        </p:grpSp>
+        <mc:AlternateContent xmlns:mc="http://schemas.openxmlformats.org/markup-compatibility/2006">
+          <mc:Choice xmlns:a14="http://schemas.microsoft.com/office/drawing/2010/main" Requires="a14">
+            <p:sp>
+              <p:nvSpPr>
+                <p:cNvPr id="40" name="テキスト ボックス 39">
+                  <a:extLst>
+                    <a:ext uri="{FF2B5EF4-FFF2-40B4-BE49-F238E27FC236}">
+                      <a16:creationId xmlns:a16="http://schemas.microsoft.com/office/drawing/2014/main" id="{734EFFAC-E569-D799-2CFE-8D3033625425}"/>
+                    </a:ext>
+                  </a:extLst>
+                </p:cNvPr>
+                <p:cNvSpPr txBox="1">
+                  <a:spLocks noGrp="1" noRot="1" noMove="1" noResize="1" noEditPoints="1" noAdjustHandles="1" noChangeArrowheads="1" noChangeShapeType="1"/>
+                </p:cNvSpPr>
+                <p:nvPr/>
+              </p:nvSpPr>
+              <p:spPr>
+                <a:xfrm>
+                  <a:off x="4001906" y="1966727"/>
+                  <a:ext cx="648059" cy="276999"/>
+                </a:xfrm>
+                <a:prstGeom prst="rect">
+                  <a:avLst/>
+                </a:prstGeom>
+                <a:noFill/>
+              </p:spPr>
+              <p:txBody>
+                <a:bodyPr wrap="square" lIns="0" tIns="0" rIns="0" bIns="0" rtlCol="0">
+                  <a:spAutoFit/>
+                </a:bodyPr>
+                <a:lstStyle/>
+                <a:p>
+                  <a:pPr/>
+                  <a14:m>
+                    <m:oMathPara xmlns:m="http://schemas.openxmlformats.org/officeDocument/2006/math">
+                      <m:oMathParaPr>
+                        <m:jc m:val="centerGroup"/>
+                      </m:oMathParaPr>
+                      <m:oMath xmlns:m="http://schemas.openxmlformats.org/officeDocument/2006/math">
+                        <m:sSub>
+                          <m:sSubPr>
+                            <m:ctrlPr>
+                              <a:rPr kumimoji="1" lang="en-US" altLang="ja-JP" b="0" i="1" smtClean="0">
+                                <a:latin typeface="Cambria Math" panose="02040503050406030204" pitchFamily="18" charset="0"/>
+                              </a:rPr>
+                            </m:ctrlPr>
+                          </m:sSubPr>
+                          <m:e>
+                            <m:r>
+                              <a:rPr kumimoji="1" lang="en-US" altLang="ja-JP" b="0" i="1" smtClean="0">
+                                <a:latin typeface="Cambria Math" panose="02040503050406030204" pitchFamily="18" charset="0"/>
+                              </a:rPr>
+                              <m:t>𝑅</m:t>
+                            </m:r>
+                          </m:e>
+                          <m:sub>
+                            <m:r>
+                              <a:rPr kumimoji="1" lang="en-US" altLang="ja-JP" b="0" i="1" smtClean="0">
+                                <a:latin typeface="Cambria Math" panose="02040503050406030204" pitchFamily="18" charset="0"/>
+                              </a:rPr>
+                              <m:t>𝑎</m:t>
+                            </m:r>
+                          </m:sub>
+                        </m:sSub>
+                      </m:oMath>
+                    </m:oMathPara>
+                  </a14:m>
+                  <a:endParaRPr kumimoji="1" lang="ja-JP" altLang="en-US"/>
+                </a:p>
+              </p:txBody>
+            </p:sp>
+          </mc:Choice>
+          <mc:Fallback>
+            <p:sp>
+              <p:nvSpPr>
+                <p:cNvPr id="40" name="テキスト ボックス 39">
+                  <a:extLst>
+                    <a:ext uri="{FF2B5EF4-FFF2-40B4-BE49-F238E27FC236}">
+                      <a16:creationId xmlns:a16="http://schemas.microsoft.com/office/drawing/2014/main" id="{734EFFAC-E569-D799-2CFE-8D3033625425}"/>
+                    </a:ext>
+                  </a:extLst>
+                </p:cNvPr>
+                <p:cNvSpPr txBox="1">
+                  <a:spLocks noGrp="1" noRot="1" noChangeAspect="1" noMove="1" noResize="1" noEditPoints="1" noAdjustHandles="1" noChangeArrowheads="1" noChangeShapeType="1" noTextEdit="1"/>
+                </p:cNvSpPr>
+                <p:nvPr/>
+              </p:nvSpPr>
+              <p:spPr>
+                <a:xfrm>
+                  <a:off x="4001906" y="1966727"/>
+                  <a:ext cx="648059" cy="276999"/>
+                </a:xfrm>
+                <a:prstGeom prst="rect">
+                  <a:avLst/>
+                </a:prstGeom>
+                <a:blipFill>
+                  <a:blip r:embed="rId3"/>
+                  <a:stretch>
+                    <a:fillRect b="-9091"/>
+                  </a:stretch>
+                </a:blipFill>
+              </p:spPr>
+              <p:txBody>
+                <a:bodyPr/>
+                <a:lstStyle/>
+                <a:p>
+                  <a:r>
+                    <a:rPr lang="ja-JP" altLang="en-US">
+                      <a:noFill/>
+                    </a:rPr>
+                    <a:t> </a:t>
+                  </a:r>
+                </a:p>
+              </p:txBody>
+            </p:sp>
+          </mc:Fallback>
+        </mc:AlternateContent>
+        <mc:AlternateContent xmlns:mc="http://schemas.openxmlformats.org/markup-compatibility/2006">
+          <mc:Choice xmlns:a14="http://schemas.microsoft.com/office/drawing/2010/main" Requires="a14">
+            <p:sp>
+              <p:nvSpPr>
+                <p:cNvPr id="58" name="テキスト ボックス 57">
+                  <a:extLst>
+                    <a:ext uri="{FF2B5EF4-FFF2-40B4-BE49-F238E27FC236}">
+                      <a16:creationId xmlns:a16="http://schemas.microsoft.com/office/drawing/2014/main" id="{6AFB9704-070A-D042-91BA-9265A08C5AC7}"/>
+                    </a:ext>
+                  </a:extLst>
+                </p:cNvPr>
+                <p:cNvSpPr txBox="1">
+                  <a:spLocks noGrp="1" noRot="1" noMove="1" noResize="1" noEditPoints="1" noAdjustHandles="1" noChangeArrowheads="1" noChangeShapeType="1"/>
+                </p:cNvSpPr>
+                <p:nvPr/>
+              </p:nvSpPr>
+              <p:spPr>
+                <a:xfrm>
+                  <a:off x="10034169" y="1612983"/>
+                  <a:ext cx="812337" cy="369332"/>
+                </a:xfrm>
+                <a:prstGeom prst="rect">
+                  <a:avLst/>
+                </a:prstGeom>
+                <a:noFill/>
+              </p:spPr>
+              <p:txBody>
+                <a:bodyPr wrap="square" rtlCol="0">
+                  <a:spAutoFit/>
+                </a:bodyPr>
+                <a:lstStyle/>
+                <a:p>
+                  <a:pPr/>
+                  <a14:m>
+                    <m:oMathPara xmlns:m="http://schemas.openxmlformats.org/officeDocument/2006/math">
+                      <m:oMathParaPr>
+                        <m:jc m:val="centerGroup"/>
+                      </m:oMathParaPr>
+                      <m:oMath xmlns:m="http://schemas.openxmlformats.org/officeDocument/2006/math">
+                        <m:sSub>
+                          <m:sSubPr>
+                            <m:ctrlPr>
+                              <a:rPr kumimoji="1" lang="en-US" altLang="ja-JP" i="1" smtClean="0">
+                                <a:latin typeface="Cambria Math" panose="02040503050406030204" pitchFamily="18" charset="0"/>
+                              </a:rPr>
+                            </m:ctrlPr>
+                          </m:sSubPr>
+                          <m:e>
+                            <m:r>
+                              <a:rPr kumimoji="1" lang="en-US" altLang="ja-JP" b="0" i="1" smtClean="0">
+                                <a:latin typeface="Cambria Math" panose="02040503050406030204" pitchFamily="18" charset="0"/>
+                              </a:rPr>
+                              <m:t>𝑑</m:t>
+                            </m:r>
+                          </m:e>
+                          <m:sub>
+                            <m:r>
+                              <a:rPr kumimoji="1" lang="en-US" altLang="ja-JP" b="0" i="1" smtClean="0">
+                                <a:latin typeface="Cambria Math" panose="02040503050406030204" pitchFamily="18" charset="0"/>
+                              </a:rPr>
+                              <m:t>𝑚𝑒𝑎𝑙</m:t>
+                            </m:r>
+                          </m:sub>
+                        </m:sSub>
+                      </m:oMath>
+                    </m:oMathPara>
+                  </a14:m>
+                  <a:endParaRPr kumimoji="1" lang="ja-JP" altLang="en-US"/>
+                </a:p>
+              </p:txBody>
+            </p:sp>
+          </mc:Choice>
+          <mc:Fallback>
+            <p:sp>
+              <p:nvSpPr>
+                <p:cNvPr id="58" name="テキスト ボックス 57">
+                  <a:extLst>
+                    <a:ext uri="{FF2B5EF4-FFF2-40B4-BE49-F238E27FC236}">
+                      <a16:creationId xmlns:a16="http://schemas.microsoft.com/office/drawing/2014/main" id="{6AFB9704-070A-D042-91BA-9265A08C5AC7}"/>
+                    </a:ext>
+                  </a:extLst>
+                </p:cNvPr>
+                <p:cNvSpPr txBox="1">
+                  <a:spLocks noGrp="1" noRot="1" noChangeAspect="1" noMove="1" noResize="1" noEditPoints="1" noAdjustHandles="1" noChangeArrowheads="1" noChangeShapeType="1" noTextEdit="1"/>
+                </p:cNvSpPr>
+                <p:nvPr/>
+              </p:nvSpPr>
+              <p:spPr>
+                <a:xfrm>
+                  <a:off x="10034169" y="1612983"/>
+                  <a:ext cx="812337" cy="369332"/>
+                </a:xfrm>
+                <a:prstGeom prst="rect">
+                  <a:avLst/>
+                </a:prstGeom>
+                <a:blipFill>
+                  <a:blip r:embed="rId4"/>
+                  <a:stretch>
+                    <a:fillRect/>
+                  </a:stretch>
+                </a:blipFill>
+              </p:spPr>
+              <p:txBody>
+                <a:bodyPr/>
+                <a:lstStyle/>
+                <a:p>
+                  <a:r>
+                    <a:rPr lang="ja-JP" altLang="en-US">
+                      <a:noFill/>
+                    </a:rPr>
+                    <a:t> </a:t>
+                  </a:r>
+                </a:p>
+              </p:txBody>
+            </p:sp>
+          </mc:Fallback>
+        </mc:AlternateContent>
+        <p:cxnSp>
+          <p:nvCxnSpPr>
+            <p:cNvPr id="60" name="直線矢印コネクタ 59">
+              <a:extLst>
+                <a:ext uri="{FF2B5EF4-FFF2-40B4-BE49-F238E27FC236}">
+                  <a16:creationId xmlns:a16="http://schemas.microsoft.com/office/drawing/2014/main" id="{8167024E-60DE-742F-9F66-45A11A95A9DF}"/>
+                </a:ext>
+              </a:extLst>
+            </p:cNvPr>
+            <p:cNvCxnSpPr>
+              <a:cxnSpLocks noGrp="1" noRot="1" noMove="1" noResize="1" noEditPoints="1" noAdjustHandles="1" noChangeArrowheads="1" noChangeShapeType="1"/>
+              <a:stCxn id="26" idx="3"/>
+              <a:endCxn id="3" idx="1"/>
+            </p:cNvCxnSpPr>
+            <p:nvPr/>
+          </p:nvCxnSpPr>
+          <p:spPr>
+            <a:xfrm flipV="1">
+              <a:off x="8339262" y="3933367"/>
+              <a:ext cx="689813" cy="1"/>
+            </a:xfrm>
+            <a:prstGeom prst="straightConnector1">
+              <a:avLst/>
+            </a:prstGeom>
+            <a:ln>
+              <a:tailEnd type="triangle"/>
+            </a:ln>
+          </p:spPr>
+          <p:style>
+            <a:lnRef idx="2">
+              <a:schemeClr val="dk1"/>
+            </a:lnRef>
+            <a:fillRef idx="0">
+              <a:schemeClr val="dk1"/>
+            </a:fillRef>
+            <a:effectRef idx="1">
+              <a:schemeClr val="dk1"/>
+            </a:effectRef>
+            <a:fontRef idx="minor">
+              <a:schemeClr val="tx1"/>
+            </a:fontRef>
+          </p:style>
+        </p:cxnSp>
+        <p:sp>
+          <p:nvSpPr>
+            <p:cNvPr id="63" name="正方形/長方形 62">
+              <a:extLst>
+                <a:ext uri="{FF2B5EF4-FFF2-40B4-BE49-F238E27FC236}">
+                  <a16:creationId xmlns:a16="http://schemas.microsoft.com/office/drawing/2014/main" id="{31B8921D-A561-6FC3-F76F-3E9C957441AD}"/>
+                </a:ext>
+              </a:extLst>
+            </p:cNvPr>
+            <p:cNvSpPr>
+              <a:spLocks noGrp="1" noRot="1" noMove="1" noResize="1" noEditPoints="1" noAdjustHandles="1" noChangeArrowheads="1" noChangeShapeType="1"/>
+            </p:cNvSpPr>
             <p:nvPr/>
           </p:nvSpPr>
           <p:spPr>
             <a:xfrm>
-              <a:off x="5190795" y="3307271"/>
-              <a:ext cx="1810410" cy="734532"/>
+              <a:off x="5238679" y="5214256"/>
+              <a:ext cx="1756657" cy="631688"/>
             </a:xfrm>
             <a:prstGeom prst="rect">
               <a:avLst/>
@@ -7932,62 +8545,418 @@
                   <a:ea typeface="Hiragino Kaku Gothic ProN W3" panose="020B0300000000000000" pitchFamily="34" charset="-128"/>
                   <a:cs typeface="Arial" panose="020B0604020202020204" pitchFamily="34" charset="0"/>
                 </a:rPr>
-                <a:t>Core </a:t>
+                <a:t>Extended Kalman filter</a:t>
               </a:r>
-              <a:r>
-                <a:rPr kumimoji="1" lang="en-US" altLang="ja-JP" sz="1400" b="1" dirty="0" err="1">
-                  <a:latin typeface="Hiragino Kaku Gothic ProN W3" panose="020B0300000000000000" pitchFamily="34" charset="-128"/>
-                  <a:ea typeface="Hiragino Kaku Gothic ProN W3" panose="020B0300000000000000" pitchFamily="34" charset="-128"/>
-                  <a:cs typeface="Arial" panose="020B0604020202020204" pitchFamily="34" charset="0"/>
-                </a:rPr>
-                <a:t>submodel</a:t>
-              </a:r>
-              <a:endParaRPr kumimoji="1" lang="en-US" altLang="ja-JP" sz="1400" b="1" dirty="0">
-                <a:latin typeface="Hiragino Kaku Gothic ProN W3" panose="020B0300000000000000" pitchFamily="34" charset="-128"/>
-                <a:ea typeface="Hiragino Kaku Gothic ProN W3" panose="020B0300000000000000" pitchFamily="34" charset="-128"/>
-                <a:cs typeface="Arial" panose="020B0604020202020204" pitchFamily="34" charset="0"/>
-              </a:endParaRPr>
-            </a:p>
-            <a:p>
-              <a:pPr algn="ctr"/>
-              <a:r>
-                <a:rPr lang="en-US" altLang="ja-JP" sz="1400" b="1" dirty="0">
-                  <a:latin typeface="Hiragino Kaku Gothic ProN W3" panose="020B0300000000000000" pitchFamily="34" charset="-128"/>
-                  <a:ea typeface="Hiragino Kaku Gothic ProN W3" panose="020B0300000000000000" pitchFamily="34" charset="-128"/>
-                  <a:cs typeface="Arial" panose="020B0604020202020204" pitchFamily="34" charset="0"/>
-                </a:rPr>
-                <a:t>(Bergman model)</a:t>
-              </a:r>
-              <a:endParaRPr kumimoji="1" lang="ja-JP" altLang="en-US" sz="1400" b="1">
-                <a:latin typeface="Hiragino Kaku Gothic ProN W3" panose="020B0300000000000000" pitchFamily="34" charset="-128"/>
-                <a:ea typeface="Hiragino Kaku Gothic ProN W3" panose="020B0300000000000000" pitchFamily="34" charset="-128"/>
-                <a:cs typeface="Arial" panose="020B0604020202020204" pitchFamily="34" charset="0"/>
-              </a:endParaRPr>
             </a:p>
           </p:txBody>
         </p:sp>
         <p:cxnSp>
           <p:nvCxnSpPr>
-            <p:cNvPr id="13" name="カギ線コネクタ 12">
+            <p:cNvPr id="66" name="カギ線コネクタ 65">
               <a:extLst>
                 <a:ext uri="{FF2B5EF4-FFF2-40B4-BE49-F238E27FC236}">
-                  <a16:creationId xmlns:a16="http://schemas.microsoft.com/office/drawing/2014/main" id="{C925BCA5-8017-917F-21AC-6AAED48A28CB}"/>
+                  <a16:creationId xmlns:a16="http://schemas.microsoft.com/office/drawing/2014/main" id="{CCF1FE39-CC61-E96F-12FD-9C90C20ED7FB}"/>
                 </a:ext>
               </a:extLst>
             </p:cNvPr>
             <p:cNvCxnSpPr>
-              <a:cxnSpLocks/>
-              <a:stCxn id="7" idx="3"/>
-              <a:endCxn id="8" idx="2"/>
+              <a:cxnSpLocks noGrp="1" noRot="1" noMove="1" noResize="1" noEditPoints="1" noAdjustHandles="1" noChangeArrowheads="1" noChangeShapeType="1"/>
+              <a:stCxn id="3" idx="3"/>
             </p:cNvCxnSpPr>
             <p:nvPr/>
           </p:nvCxnSpPr>
           <p:spPr>
-            <a:xfrm flipV="1">
-              <a:off x="5128439" y="4041803"/>
-              <a:ext cx="967561" cy="224594"/>
+            <a:xfrm flipH="1">
+              <a:off x="6995336" y="3933367"/>
+              <a:ext cx="4229123" cy="1760272"/>
             </a:xfrm>
-            <a:prstGeom prst="bentConnector2">
+            <a:prstGeom prst="bentConnector3">
+              <a:avLst>
+                <a:gd name="adj1" fmla="val -5405"/>
+              </a:avLst>
+            </a:prstGeom>
+            <a:ln>
+              <a:tailEnd type="triangle"/>
+            </a:ln>
+          </p:spPr>
+          <p:style>
+            <a:lnRef idx="2">
+              <a:schemeClr val="dk1"/>
+            </a:lnRef>
+            <a:fillRef idx="0">
+              <a:schemeClr val="dk1"/>
+            </a:fillRef>
+            <a:effectRef idx="1">
+              <a:schemeClr val="dk1"/>
+            </a:effectRef>
+            <a:fontRef idx="minor">
+              <a:schemeClr val="tx1"/>
+            </a:fontRef>
+          </p:style>
+        </p:cxnSp>
+        <p:cxnSp>
+          <p:nvCxnSpPr>
+            <p:cNvPr id="72" name="カギ線コネクタ 71">
+              <a:extLst>
+                <a:ext uri="{FF2B5EF4-FFF2-40B4-BE49-F238E27FC236}">
+                  <a16:creationId xmlns:a16="http://schemas.microsoft.com/office/drawing/2014/main" id="{DFC352B7-7927-2DE3-1D08-217F9904BCD2}"/>
+                </a:ext>
+              </a:extLst>
+            </p:cNvPr>
+            <p:cNvCxnSpPr>
+              <a:cxnSpLocks noGrp="1" noRot="1" noMove="1" noResize="1" noEditPoints="1" noAdjustHandles="1" noChangeArrowheads="1" noChangeShapeType="1"/>
+            </p:cNvCxnSpPr>
+            <p:nvPr/>
+          </p:nvCxnSpPr>
+          <p:spPr>
+            <a:xfrm rot="10800000" flipV="1">
+              <a:off x="6995336" y="3933367"/>
+              <a:ext cx="1688832" cy="1472010"/>
+            </a:xfrm>
+            <a:prstGeom prst="bentConnector3">
+              <a:avLst>
+                <a:gd name="adj1" fmla="val 654"/>
+              </a:avLst>
+            </a:prstGeom>
+            <a:ln>
+              <a:tailEnd type="triangle"/>
+            </a:ln>
+          </p:spPr>
+          <p:style>
+            <a:lnRef idx="2">
+              <a:schemeClr val="dk1"/>
+            </a:lnRef>
+            <a:fillRef idx="0">
+              <a:schemeClr val="dk1"/>
+            </a:fillRef>
+            <a:effectRef idx="1">
+              <a:schemeClr val="dk1"/>
+            </a:effectRef>
+            <a:fontRef idx="minor">
+              <a:schemeClr val="tx1"/>
+            </a:fontRef>
+          </p:style>
+        </p:cxnSp>
+        <mc:AlternateContent xmlns:mc="http://schemas.openxmlformats.org/markup-compatibility/2006">
+          <mc:Choice xmlns:a14="http://schemas.microsoft.com/office/drawing/2010/main" Requires="a14">
+            <p:sp>
+              <p:nvSpPr>
+                <p:cNvPr id="74" name="テキスト ボックス 73">
+                  <a:extLst>
+                    <a:ext uri="{FF2B5EF4-FFF2-40B4-BE49-F238E27FC236}">
+                      <a16:creationId xmlns:a16="http://schemas.microsoft.com/office/drawing/2014/main" id="{9FDA9973-9DCF-AE99-4F98-E6956E59CEFE}"/>
+                    </a:ext>
+                  </a:extLst>
+                </p:cNvPr>
+                <p:cNvSpPr txBox="1">
+                  <a:spLocks noGrp="1" noRot="1" noMove="1" noResize="1" noEditPoints="1" noAdjustHandles="1" noChangeArrowheads="1" noChangeShapeType="1"/>
+                </p:cNvSpPr>
+                <p:nvPr/>
+              </p:nvSpPr>
+              <p:spPr>
+                <a:xfrm>
+                  <a:off x="8381703" y="3586482"/>
+                  <a:ext cx="561500" cy="298415"/>
+                </a:xfrm>
+                <a:prstGeom prst="rect">
+                  <a:avLst/>
+                </a:prstGeom>
+                <a:noFill/>
+              </p:spPr>
+              <p:txBody>
+                <a:bodyPr wrap="none" lIns="0" tIns="0" rIns="0" bIns="0" rtlCol="0">
+                  <a:spAutoFit/>
+                </a:bodyPr>
+                <a:lstStyle/>
+                <a:p>
+                  <a:pPr/>
+                  <a14:m>
+                    <m:oMathPara xmlns:m="http://schemas.openxmlformats.org/officeDocument/2006/math">
+                      <m:oMathParaPr>
+                        <m:jc m:val="centerGroup"/>
+                      </m:oMathParaPr>
+                      <m:oMath xmlns:m="http://schemas.openxmlformats.org/officeDocument/2006/math">
+                        <m:sSub>
+                          <m:sSubPr>
+                            <m:ctrlPr>
+                              <a:rPr kumimoji="1" lang="en-US" altLang="ja-JP" b="0" i="1" smtClean="0">
+                                <a:latin typeface="Cambria Math" panose="02040503050406030204" pitchFamily="18" charset="0"/>
+                              </a:rPr>
+                            </m:ctrlPr>
+                          </m:sSubPr>
+                          <m:e>
+                            <m:r>
+                              <a:rPr kumimoji="1" lang="en-US" altLang="ja-JP" b="0" i="1" smtClean="0">
+                                <a:latin typeface="Cambria Math" panose="02040503050406030204" pitchFamily="18" charset="0"/>
+                              </a:rPr>
+                              <m:t>𝑢</m:t>
+                            </m:r>
+                          </m:e>
+                          <m:sub>
+                            <m:r>
+                              <a:rPr kumimoji="1" lang="en-US" altLang="ja-JP" b="0" i="1" smtClean="0">
+                                <a:latin typeface="Cambria Math" panose="02040503050406030204" pitchFamily="18" charset="0"/>
+                              </a:rPr>
+                              <m:t>𝑚𝑝𝑐</m:t>
+                            </m:r>
+                          </m:sub>
+                        </m:sSub>
+                      </m:oMath>
+                    </m:oMathPara>
+                  </a14:m>
+                  <a:endParaRPr kumimoji="1" lang="ja-JP" altLang="en-US"/>
+                </a:p>
+              </p:txBody>
+            </p:sp>
+          </mc:Choice>
+          <mc:Fallback>
+            <p:sp>
+              <p:nvSpPr>
+                <p:cNvPr id="74" name="テキスト ボックス 73">
+                  <a:extLst>
+                    <a:ext uri="{FF2B5EF4-FFF2-40B4-BE49-F238E27FC236}">
+                      <a16:creationId xmlns:a16="http://schemas.microsoft.com/office/drawing/2014/main" id="{9FDA9973-9DCF-AE99-4F98-E6956E59CEFE}"/>
+                    </a:ext>
+                  </a:extLst>
+                </p:cNvPr>
+                <p:cNvSpPr txBox="1">
+                  <a:spLocks noGrp="1" noRot="1" noChangeAspect="1" noMove="1" noResize="1" noEditPoints="1" noAdjustHandles="1" noChangeArrowheads="1" noChangeShapeType="1" noTextEdit="1"/>
+                </p:cNvSpPr>
+                <p:nvPr/>
+              </p:nvSpPr>
+              <p:spPr>
+                <a:xfrm>
+                  <a:off x="8381703" y="3586482"/>
+                  <a:ext cx="561500" cy="298415"/>
+                </a:xfrm>
+                <a:prstGeom prst="rect">
+                  <a:avLst/>
+                </a:prstGeom>
+                <a:blipFill>
+                  <a:blip r:embed="rId5"/>
+                  <a:stretch>
+                    <a:fillRect l="-4444" r="-2222" b="-25000"/>
+                  </a:stretch>
+                </a:blipFill>
+              </p:spPr>
+              <p:txBody>
+                <a:bodyPr/>
+                <a:lstStyle/>
+                <a:p>
+                  <a:r>
+                    <a:rPr lang="ja-JP" altLang="en-US">
+                      <a:noFill/>
+                    </a:rPr>
+                    <a:t> </a:t>
+                  </a:r>
+                </a:p>
+              </p:txBody>
+            </p:sp>
+          </mc:Fallback>
+        </mc:AlternateContent>
+        <mc:AlternateContent xmlns:mc="http://schemas.openxmlformats.org/markup-compatibility/2006">
+          <mc:Choice xmlns:a14="http://schemas.microsoft.com/office/drawing/2010/main" Requires="a14">
+            <p:sp>
+              <p:nvSpPr>
+                <p:cNvPr id="75" name="テキスト ボックス 74">
+                  <a:extLst>
+                    <a:ext uri="{FF2B5EF4-FFF2-40B4-BE49-F238E27FC236}">
+                      <a16:creationId xmlns:a16="http://schemas.microsoft.com/office/drawing/2014/main" id="{CC83AA41-DA11-9576-A0AD-900FD8E7C2B6}"/>
+                    </a:ext>
+                  </a:extLst>
+                </p:cNvPr>
+                <p:cNvSpPr txBox="1">
+                  <a:spLocks noGrp="1" noRot="1" noMove="1" noResize="1" noEditPoints="1" noAdjustHandles="1" noChangeArrowheads="1" noChangeShapeType="1"/>
+                </p:cNvSpPr>
+                <p:nvPr/>
+              </p:nvSpPr>
+              <p:spPr>
+                <a:xfrm>
+                  <a:off x="11490686" y="3656368"/>
+                  <a:ext cx="221727" cy="276999"/>
+                </a:xfrm>
+                <a:prstGeom prst="rect">
+                  <a:avLst/>
+                </a:prstGeom>
+                <a:noFill/>
+              </p:spPr>
+              <p:txBody>
+                <a:bodyPr wrap="none" lIns="0" tIns="0" rIns="0" bIns="0" rtlCol="0">
+                  <a:spAutoFit/>
+                </a:bodyPr>
+                <a:lstStyle/>
+                <a:p>
+                  <a:pPr/>
+                  <a14:m>
+                    <m:oMathPara xmlns:m="http://schemas.openxmlformats.org/officeDocument/2006/math">
+                      <m:oMathParaPr>
+                        <m:jc m:val="centerGroup"/>
+                      </m:oMathParaPr>
+                      <m:oMath xmlns:m="http://schemas.openxmlformats.org/officeDocument/2006/math">
+                        <m:r>
+                          <a:rPr kumimoji="1" lang="en-US" altLang="ja-JP" b="0" i="1" smtClean="0">
+                            <a:latin typeface="Cambria Math" panose="02040503050406030204" pitchFamily="18" charset="0"/>
+                          </a:rPr>
+                          <m:t>𝐺</m:t>
+                        </m:r>
+                      </m:oMath>
+                    </m:oMathPara>
+                  </a14:m>
+                  <a:endParaRPr kumimoji="1" lang="ja-JP" altLang="en-US"/>
+                </a:p>
+              </p:txBody>
+            </p:sp>
+          </mc:Choice>
+          <mc:Fallback>
+            <p:sp>
+              <p:nvSpPr>
+                <p:cNvPr id="75" name="テキスト ボックス 74">
+                  <a:extLst>
+                    <a:ext uri="{FF2B5EF4-FFF2-40B4-BE49-F238E27FC236}">
+                      <a16:creationId xmlns:a16="http://schemas.microsoft.com/office/drawing/2014/main" id="{CC83AA41-DA11-9576-A0AD-900FD8E7C2B6}"/>
+                    </a:ext>
+                  </a:extLst>
+                </p:cNvPr>
+                <p:cNvSpPr txBox="1">
+                  <a:spLocks noGrp="1" noRot="1" noChangeAspect="1" noMove="1" noResize="1" noEditPoints="1" noAdjustHandles="1" noChangeArrowheads="1" noChangeShapeType="1" noTextEdit="1"/>
+                </p:cNvSpPr>
+                <p:nvPr/>
+              </p:nvSpPr>
+              <p:spPr>
+                <a:xfrm>
+                  <a:off x="11490686" y="3656368"/>
+                  <a:ext cx="221727" cy="276999"/>
+                </a:xfrm>
+                <a:prstGeom prst="rect">
+                  <a:avLst/>
+                </a:prstGeom>
+                <a:blipFill>
+                  <a:blip r:embed="rId6"/>
+                  <a:stretch>
+                    <a:fillRect l="-21053" r="-10526" b="-9091"/>
+                  </a:stretch>
+                </a:blipFill>
+              </p:spPr>
+              <p:txBody>
+                <a:bodyPr/>
+                <a:lstStyle/>
+                <a:p>
+                  <a:r>
+                    <a:rPr lang="ja-JP" altLang="en-US">
+                      <a:noFill/>
+                    </a:rPr>
+                    <a:t> </a:t>
+                  </a:r>
+                </a:p>
+              </p:txBody>
+            </p:sp>
+          </mc:Fallback>
+        </mc:AlternateContent>
+        <p:cxnSp>
+          <p:nvCxnSpPr>
+            <p:cNvPr id="79" name="カギ線コネクタ 78">
+              <a:extLst>
+                <a:ext uri="{FF2B5EF4-FFF2-40B4-BE49-F238E27FC236}">
+                  <a16:creationId xmlns:a16="http://schemas.microsoft.com/office/drawing/2014/main" id="{50349986-A90A-AFCF-4624-C12BD347F9D8}"/>
+                </a:ext>
+              </a:extLst>
+            </p:cNvPr>
+            <p:cNvCxnSpPr>
+              <a:cxnSpLocks noGrp="1" noRot="1" noMove="1" noResize="1" noEditPoints="1" noAdjustHandles="1" noChangeArrowheads="1" noChangeShapeType="1"/>
+            </p:cNvCxnSpPr>
+            <p:nvPr/>
+          </p:nvCxnSpPr>
+          <p:spPr>
+            <a:xfrm rot="10800000">
+              <a:off x="2244780" y="4522090"/>
+              <a:ext cx="2993900" cy="916761"/>
+            </a:xfrm>
+            <a:prstGeom prst="bentConnector3">
+              <a:avLst>
+                <a:gd name="adj1" fmla="val 115337"/>
+              </a:avLst>
+            </a:prstGeom>
+            <a:ln>
+              <a:tailEnd type="triangle"/>
+            </a:ln>
+          </p:spPr>
+          <p:style>
+            <a:lnRef idx="2">
+              <a:schemeClr val="dk1"/>
+            </a:lnRef>
+            <a:fillRef idx="0">
+              <a:schemeClr val="dk1"/>
+            </a:fillRef>
+            <a:effectRef idx="1">
+              <a:schemeClr val="dk1"/>
+            </a:effectRef>
+            <a:fontRef idx="minor">
+              <a:schemeClr val="tx1"/>
+            </a:fontRef>
+          </p:style>
+        </p:cxnSp>
+        <p:cxnSp>
+          <p:nvCxnSpPr>
+            <p:cNvPr id="88" name="直線矢印コネクタ 87">
+              <a:extLst>
+                <a:ext uri="{FF2B5EF4-FFF2-40B4-BE49-F238E27FC236}">
+                  <a16:creationId xmlns:a16="http://schemas.microsoft.com/office/drawing/2014/main" id="{BD00C7EF-FF0D-8573-20CA-F2BF761707E2}"/>
+                </a:ext>
+              </a:extLst>
+            </p:cNvPr>
+            <p:cNvCxnSpPr>
+              <a:cxnSpLocks noGrp="1" noRot="1" noMove="1" noResize="1" noEditPoints="1" noAdjustHandles="1" noChangeArrowheads="1" noChangeShapeType="1"/>
+            </p:cNvCxnSpPr>
+            <p:nvPr/>
+          </p:nvCxnSpPr>
+          <p:spPr>
+            <a:xfrm>
+              <a:off x="10126767" y="1296365"/>
+              <a:ext cx="0" cy="2251586"/>
+            </a:xfrm>
+            <a:prstGeom prst="straightConnector1">
+              <a:avLst/>
+            </a:prstGeom>
+            <a:ln>
+              <a:tailEnd type="triangle"/>
+            </a:ln>
+          </p:spPr>
+          <p:style>
+            <a:lnRef idx="2">
+              <a:schemeClr val="dk1"/>
+            </a:lnRef>
+            <a:fillRef idx="0">
+              <a:schemeClr val="dk1"/>
+            </a:fillRef>
+            <a:effectRef idx="1">
+              <a:schemeClr val="dk1"/>
+            </a:effectRef>
+            <a:fontRef idx="minor">
+              <a:schemeClr val="tx1"/>
+            </a:fontRef>
+          </p:style>
+        </p:cxnSp>
+        <p:cxnSp>
+          <p:nvCxnSpPr>
+            <p:cNvPr id="92" name="直線矢印コネクタ 91">
+              <a:extLst>
+                <a:ext uri="{FF2B5EF4-FFF2-40B4-BE49-F238E27FC236}">
+                  <a16:creationId xmlns:a16="http://schemas.microsoft.com/office/drawing/2014/main" id="{0C522CAA-070B-AEE0-DE27-45FD4C8D549F}"/>
+                </a:ext>
+              </a:extLst>
+            </p:cNvPr>
+            <p:cNvCxnSpPr>
+              <a:cxnSpLocks noGrp="1" noRot="1" noMove="1" noResize="1" noEditPoints="1" noAdjustHandles="1" noChangeArrowheads="1" noChangeShapeType="1"/>
+              <a:endCxn id="6" idx="3"/>
+            </p:cNvCxnSpPr>
+            <p:nvPr/>
+          </p:nvCxnSpPr>
+          <p:spPr>
+            <a:xfrm flipH="1">
+              <a:off x="6665170" y="2298932"/>
+              <a:ext cx="3461597" cy="0"/>
+            </a:xfrm>
+            <a:prstGeom prst="straightConnector1">
               <a:avLst/>
             </a:prstGeom>
             <a:ln>
@@ -8011,45 +8980,41 @@
         </p:cxnSp>
         <p:sp>
           <p:nvSpPr>
-            <p:cNvPr id="16" name="正方形/長方形 15">
+            <p:cNvPr id="97" name="円/楕円 96">
               <a:extLst>
                 <a:ext uri="{FF2B5EF4-FFF2-40B4-BE49-F238E27FC236}">
-                  <a16:creationId xmlns:a16="http://schemas.microsoft.com/office/drawing/2014/main" id="{305665B6-7EAA-B33E-A011-65DE5A30E5DF}"/>
+                  <a16:creationId xmlns:a16="http://schemas.microsoft.com/office/drawing/2014/main" id="{894A0E35-E11A-82D3-5917-FC6051558DEC}"/>
                 </a:ext>
               </a:extLst>
             </p:cNvPr>
-            <p:cNvSpPr/>
+            <p:cNvSpPr>
+              <a:spLocks noGrp="1" noRot="1" noChangeAspect="1" noMove="1" noResize="1" noEditPoints="1" noAdjustHandles="1" noChangeArrowheads="1" noChangeShapeType="1"/>
+            </p:cNvSpPr>
             <p:nvPr/>
           </p:nvSpPr>
           <p:spPr>
             <a:xfrm>
-              <a:off x="7215243" y="3307271"/>
-              <a:ext cx="1810410" cy="734532"/>
+              <a:off x="10090768" y="2262931"/>
+              <a:ext cx="72000" cy="72001"/>
             </a:xfrm>
-            <a:prstGeom prst="rect">
+            <a:prstGeom prst="ellipse">
               <a:avLst/>
             </a:prstGeom>
-            <a:ln>
-              <a:solidFill>
-                <a:schemeClr val="tx2">
-                  <a:lumMod val="90000"/>
-                  <a:lumOff val="10000"/>
-                </a:schemeClr>
-              </a:solidFill>
-            </a:ln>
           </p:spPr>
           <p:style>
             <a:lnRef idx="2">
-              <a:schemeClr val="accent1"/>
+              <a:schemeClr val="dk1">
+                <a:shade val="15000"/>
+              </a:schemeClr>
             </a:lnRef>
             <a:fillRef idx="1">
-              <a:schemeClr val="lt1"/>
+              <a:schemeClr val="dk1"/>
             </a:fillRef>
             <a:effectRef idx="0">
-              <a:schemeClr val="accent1"/>
+              <a:schemeClr val="dk1"/>
             </a:effectRef>
             <a:fontRef idx="minor">
-              <a:schemeClr val="dk1"/>
+              <a:schemeClr val="lt1"/>
             </a:fontRef>
           </p:style>
           <p:txBody>
@@ -8057,78 +9022,442 @@
             <a:lstStyle/>
             <a:p>
               <a:pPr algn="ctr"/>
-              <a:r>
-                <a:rPr kumimoji="1" lang="en-US" altLang="ja-JP" sz="1400" b="1" dirty="0">
-                  <a:latin typeface="Hiragino Kaku Gothic ProN W3" panose="020B0300000000000000" pitchFamily="34" charset="-128"/>
-                  <a:ea typeface="Hiragino Kaku Gothic ProN W3" panose="020B0300000000000000" pitchFamily="34" charset="-128"/>
-                  <a:cs typeface="Arial" panose="020B0604020202020204" pitchFamily="34" charset="0"/>
-                </a:rPr>
-                <a:t>Nonlinear</a:t>
-              </a:r>
-            </a:p>
-            <a:p>
-              <a:pPr algn="ctr"/>
-              <a:r>
-                <a:rPr lang="en-US" altLang="ja-JP" sz="1400" b="1" dirty="0">
-                  <a:latin typeface="Hiragino Kaku Gothic ProN W3" panose="020B0300000000000000" pitchFamily="34" charset="-128"/>
-                  <a:ea typeface="Hiragino Kaku Gothic ProN W3" panose="020B0300000000000000" pitchFamily="34" charset="-128"/>
-                  <a:cs typeface="Arial" panose="020B0604020202020204" pitchFamily="34" charset="0"/>
-                </a:rPr>
-                <a:t>Programing</a:t>
-              </a:r>
-              <a:endParaRPr kumimoji="1" lang="ja-JP" altLang="en-US" sz="1400" b="1">
-                <a:latin typeface="Hiragino Kaku Gothic ProN W3" panose="020B0300000000000000" pitchFamily="34" charset="-128"/>
-                <a:ea typeface="Hiragino Kaku Gothic ProN W3" panose="020B0300000000000000" pitchFamily="34" charset="-128"/>
-                <a:cs typeface="Arial" panose="020B0604020202020204" pitchFamily="34" charset="0"/>
-              </a:endParaRPr>
-            </a:p>
-          </p:txBody>
-        </p:sp>
-        <p:sp>
-          <p:nvSpPr>
-            <p:cNvPr id="17" name="テキスト ボックス 16">
-              <a:extLst>
-                <a:ext uri="{FF2B5EF4-FFF2-40B4-BE49-F238E27FC236}">
-                  <a16:creationId xmlns:a16="http://schemas.microsoft.com/office/drawing/2014/main" id="{801FEEF3-56E4-AE3A-F66C-E8125E87AB4B}"/>
-                </a:ext>
-              </a:extLst>
-            </p:cNvPr>
-            <p:cNvSpPr txBox="1"/>
-            <p:nvPr/>
-          </p:nvSpPr>
-          <p:spPr>
-            <a:xfrm>
-              <a:off x="7336463" y="2937939"/>
-              <a:ext cx="1805302" cy="369332"/>
-            </a:xfrm>
-            <a:prstGeom prst="rect">
-              <a:avLst/>
-            </a:prstGeom>
-            <a:noFill/>
-          </p:spPr>
-          <p:txBody>
-            <a:bodyPr wrap="none" rtlCol="0">
-              <a:spAutoFit/>
-            </a:bodyPr>
-            <a:lstStyle/>
-            <a:p>
-              <a:r>
-                <a:rPr kumimoji="1" lang="en-US" altLang="ja-JP" dirty="0"/>
-                <a:t>Nonlinear MPC</a:t>
-              </a:r>
               <a:endParaRPr kumimoji="1" lang="ja-JP" altLang="en-US"/>
             </a:p>
           </p:txBody>
         </p:sp>
+        <p:cxnSp>
+          <p:nvCxnSpPr>
+            <p:cNvPr id="99" name="カギ線コネクタ 98">
+              <a:extLst>
+                <a:ext uri="{FF2B5EF4-FFF2-40B4-BE49-F238E27FC236}">
+                  <a16:creationId xmlns:a16="http://schemas.microsoft.com/office/drawing/2014/main" id="{DF5FA035-754E-8CF8-440A-F74CBE797D24}"/>
+                </a:ext>
+              </a:extLst>
+            </p:cNvPr>
+            <p:cNvCxnSpPr>
+              <a:cxnSpLocks noGrp="1" noRot="1" noMove="1" noResize="1" noEditPoints="1" noAdjustHandles="1" noChangeArrowheads="1" noChangeShapeType="1"/>
+              <a:stCxn id="6" idx="1"/>
+            </p:cNvCxnSpPr>
+            <p:nvPr/>
+          </p:nvCxnSpPr>
+          <p:spPr>
+            <a:xfrm rot="10800000" flipH="1" flipV="1">
+              <a:off x="4712321" y="2298932"/>
+              <a:ext cx="526358" cy="3471948"/>
+            </a:xfrm>
+            <a:prstGeom prst="bentConnector4">
+              <a:avLst>
+                <a:gd name="adj1" fmla="val -618644"/>
+                <a:gd name="adj2" fmla="val 100062"/>
+              </a:avLst>
+            </a:prstGeom>
+            <a:ln>
+              <a:tailEnd type="triangle"/>
+            </a:ln>
+          </p:spPr>
+          <p:style>
+            <a:lnRef idx="2">
+              <a:schemeClr val="dk1"/>
+            </a:lnRef>
+            <a:fillRef idx="0">
+              <a:schemeClr val="dk1"/>
+            </a:fillRef>
+            <a:effectRef idx="1">
+              <a:schemeClr val="dk1"/>
+            </a:effectRef>
+            <a:fontRef idx="minor">
+              <a:schemeClr val="tx1"/>
+            </a:fontRef>
+          </p:style>
+        </p:cxnSp>
+        <p:cxnSp>
+          <p:nvCxnSpPr>
+            <p:cNvPr id="103" name="直線矢印コネクタ 102">
+              <a:extLst>
+                <a:ext uri="{FF2B5EF4-FFF2-40B4-BE49-F238E27FC236}">
+                  <a16:creationId xmlns:a16="http://schemas.microsoft.com/office/drawing/2014/main" id="{6A63A33D-5255-7D80-7D0C-698AFB29E7DF}"/>
+                </a:ext>
+              </a:extLst>
+            </p:cNvPr>
+            <p:cNvCxnSpPr>
+              <a:cxnSpLocks noGrp="1" noRot="1" noMove="1" noResize="1" noEditPoints="1" noAdjustHandles="1" noChangeArrowheads="1" noChangeShapeType="1"/>
+            </p:cNvCxnSpPr>
+            <p:nvPr/>
+          </p:nvCxnSpPr>
+          <p:spPr>
+            <a:xfrm>
+              <a:off x="1453480" y="4076528"/>
+              <a:ext cx="791299" cy="0"/>
+            </a:xfrm>
+            <a:prstGeom prst="straightConnector1">
+              <a:avLst/>
+            </a:prstGeom>
+            <a:ln>
+              <a:tailEnd type="triangle"/>
+            </a:ln>
+          </p:spPr>
+          <p:style>
+            <a:lnRef idx="2">
+              <a:schemeClr val="dk1"/>
+            </a:lnRef>
+            <a:fillRef idx="0">
+              <a:schemeClr val="dk1"/>
+            </a:fillRef>
+            <a:effectRef idx="1">
+              <a:schemeClr val="dk1"/>
+            </a:effectRef>
+            <a:fontRef idx="minor">
+              <a:schemeClr val="tx1"/>
+            </a:fontRef>
+          </p:style>
+        </p:cxnSp>
+        <p:cxnSp>
+          <p:nvCxnSpPr>
+            <p:cNvPr id="105" name="直線矢印コネクタ 104">
+              <a:extLst>
+                <a:ext uri="{FF2B5EF4-FFF2-40B4-BE49-F238E27FC236}">
+                  <a16:creationId xmlns:a16="http://schemas.microsoft.com/office/drawing/2014/main" id="{1EB33FF0-3AC0-7E5B-F59B-47EF6E6A2F11}"/>
+                </a:ext>
+              </a:extLst>
+            </p:cNvPr>
+            <p:cNvCxnSpPr>
+              <a:cxnSpLocks noGrp="1" noRot="1" noMove="1" noResize="1" noEditPoints="1" noAdjustHandles="1" noChangeArrowheads="1" noChangeShapeType="1"/>
+              <a:stCxn id="3" idx="3"/>
+            </p:cNvCxnSpPr>
+            <p:nvPr/>
+          </p:nvCxnSpPr>
+          <p:spPr>
+            <a:xfrm>
+              <a:off x="11224459" y="3933367"/>
+              <a:ext cx="754181" cy="0"/>
+            </a:xfrm>
+            <a:prstGeom prst="straightConnector1">
+              <a:avLst/>
+            </a:prstGeom>
+            <a:ln>
+              <a:tailEnd type="triangle"/>
+            </a:ln>
+          </p:spPr>
+          <p:style>
+            <a:lnRef idx="2">
+              <a:schemeClr val="dk1"/>
+            </a:lnRef>
+            <a:fillRef idx="0">
+              <a:schemeClr val="dk1"/>
+            </a:fillRef>
+            <a:effectRef idx="1">
+              <a:schemeClr val="dk1"/>
+            </a:effectRef>
+            <a:fontRef idx="minor">
+              <a:schemeClr val="tx1"/>
+            </a:fontRef>
+          </p:style>
+        </p:cxnSp>
+        <p:cxnSp>
+          <p:nvCxnSpPr>
+            <p:cNvPr id="109" name="直線矢印コネクタ 108">
+              <a:extLst>
+                <a:ext uri="{FF2B5EF4-FFF2-40B4-BE49-F238E27FC236}">
+                  <a16:creationId xmlns:a16="http://schemas.microsoft.com/office/drawing/2014/main" id="{D5FFFEFB-A69F-8142-7E20-B37C1E4E2A59}"/>
+                </a:ext>
+              </a:extLst>
+            </p:cNvPr>
+            <p:cNvCxnSpPr>
+              <a:cxnSpLocks noGrp="1" noRot="1" noMove="1" noResize="1" noEditPoints="1" noAdjustHandles="1" noChangeArrowheads="1" noChangeShapeType="1"/>
+            </p:cNvCxnSpPr>
+            <p:nvPr/>
+          </p:nvCxnSpPr>
+          <p:spPr>
+            <a:xfrm>
+              <a:off x="666370" y="3614840"/>
+              <a:ext cx="1574219" cy="0"/>
+            </a:xfrm>
+            <a:prstGeom prst="straightConnector1">
+              <a:avLst/>
+            </a:prstGeom>
+            <a:ln>
+              <a:tailEnd type="triangle"/>
+            </a:ln>
+          </p:spPr>
+          <p:style>
+            <a:lnRef idx="2">
+              <a:schemeClr val="dk1"/>
+            </a:lnRef>
+            <a:fillRef idx="0">
+              <a:schemeClr val="dk1"/>
+            </a:fillRef>
+            <a:effectRef idx="1">
+              <a:schemeClr val="dk1"/>
+            </a:effectRef>
+            <a:fontRef idx="minor">
+              <a:schemeClr val="tx1"/>
+            </a:fontRef>
+          </p:style>
+        </p:cxnSp>
+        <mc:AlternateContent xmlns:mc="http://schemas.openxmlformats.org/markup-compatibility/2006">
+          <mc:Choice xmlns:a14="http://schemas.microsoft.com/office/drawing/2010/main" Requires="a14">
+            <p:sp>
+              <p:nvSpPr>
+                <p:cNvPr id="110" name="テキスト ボックス 109">
+                  <a:extLst>
+                    <a:ext uri="{FF2B5EF4-FFF2-40B4-BE49-F238E27FC236}">
+                      <a16:creationId xmlns:a16="http://schemas.microsoft.com/office/drawing/2014/main" id="{4BDAC5DB-32E2-5FC1-E68E-0F2E891DE56B}"/>
+                    </a:ext>
+                  </a:extLst>
+                </p:cNvPr>
+                <p:cNvSpPr txBox="1">
+                  <a:spLocks noGrp="1" noRot="1" noMove="1" noResize="1" noEditPoints="1" noAdjustHandles="1" noChangeArrowheads="1" noChangeShapeType="1"/>
+                </p:cNvSpPr>
+                <p:nvPr/>
+              </p:nvSpPr>
+              <p:spPr>
+                <a:xfrm>
+                  <a:off x="4956521" y="5166843"/>
+                  <a:ext cx="177933" cy="276999"/>
+                </a:xfrm>
+                <a:prstGeom prst="rect">
+                  <a:avLst/>
+                </a:prstGeom>
+                <a:noFill/>
+              </p:spPr>
+              <p:txBody>
+                <a:bodyPr wrap="none" lIns="0" tIns="0" rIns="0" bIns="0" rtlCol="0">
+                  <a:spAutoFit/>
+                </a:bodyPr>
+                <a:lstStyle/>
+                <a:p>
+                  <a:pPr/>
+                  <a14:m>
+                    <m:oMathPara xmlns:m="http://schemas.openxmlformats.org/officeDocument/2006/math">
+                      <m:oMathParaPr>
+                        <m:jc m:val="centerGroup"/>
+                      </m:oMathParaPr>
+                      <m:oMath xmlns:m="http://schemas.openxmlformats.org/officeDocument/2006/math">
+                        <m:r>
+                          <m:rPr>
+                            <m:sty m:val="p"/>
+                          </m:rPr>
+                          <a:rPr kumimoji="1" lang="en-US" altLang="ja-JP" b="0" i="1" smtClean="0">
+                            <a:latin typeface="Cambria Math" panose="02040503050406030204" pitchFamily="18" charset="0"/>
+                          </a:rPr>
+                          <m:t>x</m:t>
+                        </m:r>
+                        <m:r>
+                          <a:rPr kumimoji="1" lang="en-US" altLang="ja-JP" b="0" i="1" smtClean="0">
+                            <a:latin typeface="Cambria Math" panose="02040503050406030204" pitchFamily="18" charset="0"/>
+                          </a:rPr>
+                          <m:t>̂</m:t>
+                        </m:r>
+                      </m:oMath>
+                    </m:oMathPara>
+                  </a14:m>
+                  <a:endParaRPr kumimoji="1" lang="ja-JP" altLang="en-US"/>
+                </a:p>
+              </p:txBody>
+            </p:sp>
+          </mc:Choice>
+          <mc:Fallback>
+            <p:sp>
+              <p:nvSpPr>
+                <p:cNvPr id="110" name="テキスト ボックス 109">
+                  <a:extLst>
+                    <a:ext uri="{FF2B5EF4-FFF2-40B4-BE49-F238E27FC236}">
+                      <a16:creationId xmlns:a16="http://schemas.microsoft.com/office/drawing/2014/main" id="{4BDAC5DB-32E2-5FC1-E68E-0F2E891DE56B}"/>
+                    </a:ext>
+                  </a:extLst>
+                </p:cNvPr>
+                <p:cNvSpPr txBox="1">
+                  <a:spLocks noGrp="1" noRot="1" noChangeAspect="1" noMove="1" noResize="1" noEditPoints="1" noAdjustHandles="1" noChangeArrowheads="1" noChangeShapeType="1" noTextEdit="1"/>
+                </p:cNvSpPr>
+                <p:nvPr/>
+              </p:nvSpPr>
+              <p:spPr>
+                <a:xfrm>
+                  <a:off x="4956521" y="5166843"/>
+                  <a:ext cx="177933" cy="276999"/>
+                </a:xfrm>
+                <a:prstGeom prst="rect">
+                  <a:avLst/>
+                </a:prstGeom>
+                <a:blipFill>
+                  <a:blip r:embed="rId7"/>
+                  <a:stretch>
+                    <a:fillRect l="-26667" r="-26667" b="-9091"/>
+                  </a:stretch>
+                </a:blipFill>
+              </p:spPr>
+              <p:txBody>
+                <a:bodyPr/>
+                <a:lstStyle/>
+                <a:p>
+                  <a:r>
+                    <a:rPr lang="ja-JP" altLang="en-US">
+                      <a:noFill/>
+                    </a:rPr>
+                    <a:t> </a:t>
+                  </a:r>
+                </a:p>
+              </p:txBody>
+            </p:sp>
+          </mc:Fallback>
+        </mc:AlternateContent>
+        <mc:AlternateContent xmlns:mc="http://schemas.openxmlformats.org/markup-compatibility/2006">
+          <mc:Choice xmlns:a14="http://schemas.microsoft.com/office/drawing/2010/main" Requires="a14">
+            <p:sp>
+              <p:nvSpPr>
+                <p:cNvPr id="111" name="テキスト ボックス 110">
+                  <a:extLst>
+                    <a:ext uri="{FF2B5EF4-FFF2-40B4-BE49-F238E27FC236}">
+                      <a16:creationId xmlns:a16="http://schemas.microsoft.com/office/drawing/2014/main" id="{7B4D38FE-EB13-DA17-7BEF-90D8A0C3BBD1}"/>
+                    </a:ext>
+                  </a:extLst>
+                </p:cNvPr>
+                <p:cNvSpPr txBox="1">
+                  <a:spLocks noGrp="1" noRot="1" noMove="1" noResize="1" noEditPoints="1" noAdjustHandles="1" noChangeArrowheads="1" noChangeShapeType="1"/>
+                </p:cNvSpPr>
+                <p:nvPr/>
+              </p:nvSpPr>
+              <p:spPr>
+                <a:xfrm>
+                  <a:off x="717023" y="3237572"/>
+                  <a:ext cx="501035" cy="299249"/>
+                </a:xfrm>
+                <a:prstGeom prst="rect">
+                  <a:avLst/>
+                </a:prstGeom>
+                <a:noFill/>
+              </p:spPr>
+              <p:txBody>
+                <a:bodyPr wrap="none" lIns="0" tIns="0" rIns="0" bIns="0" rtlCol="0">
+                  <a:spAutoFit/>
+                </a:bodyPr>
+                <a:lstStyle/>
+                <a:p>
+                  <a:pPr/>
+                  <a14:m>
+                    <m:oMathPara xmlns:m="http://schemas.openxmlformats.org/officeDocument/2006/math">
+                      <m:oMathParaPr>
+                        <m:jc m:val="centerGroup"/>
+                      </m:oMathParaPr>
+                      <m:oMath xmlns:m="http://schemas.openxmlformats.org/officeDocument/2006/math">
+                        <m:sSub>
+                          <m:sSubPr>
+                            <m:ctrlPr>
+                              <a:rPr kumimoji="1" lang="en-US" altLang="ja-JP" b="0" i="1" smtClean="0">
+                                <a:latin typeface="Cambria Math" panose="02040503050406030204" pitchFamily="18" charset="0"/>
+                              </a:rPr>
+                            </m:ctrlPr>
+                          </m:sSubPr>
+                          <m:e>
+                            <m:r>
+                              <a:rPr kumimoji="1" lang="en-US" altLang="ja-JP" b="0" i="1" smtClean="0">
+                                <a:latin typeface="Cambria Math" panose="02040503050406030204" pitchFamily="18" charset="0"/>
+                              </a:rPr>
+                              <m:t>𝐺</m:t>
+                            </m:r>
+                          </m:e>
+                          <m:sub>
+                            <m:r>
+                              <a:rPr kumimoji="1" lang="en-US" altLang="ja-JP" b="0" i="1" smtClean="0">
+                                <a:latin typeface="Cambria Math" panose="02040503050406030204" pitchFamily="18" charset="0"/>
+                              </a:rPr>
+                              <m:t>𝑟𝑒𝑓</m:t>
+                            </m:r>
+                          </m:sub>
+                        </m:sSub>
+                      </m:oMath>
+                    </m:oMathPara>
+                  </a14:m>
+                  <a:endParaRPr kumimoji="1" lang="ja-JP" altLang="en-US"/>
+                </a:p>
+              </p:txBody>
+            </p:sp>
+          </mc:Choice>
+          <mc:Fallback>
+            <p:sp>
+              <p:nvSpPr>
+                <p:cNvPr id="111" name="テキスト ボックス 110">
+                  <a:extLst>
+                    <a:ext uri="{FF2B5EF4-FFF2-40B4-BE49-F238E27FC236}">
+                      <a16:creationId xmlns:a16="http://schemas.microsoft.com/office/drawing/2014/main" id="{7B4D38FE-EB13-DA17-7BEF-90D8A0C3BBD1}"/>
+                    </a:ext>
+                  </a:extLst>
+                </p:cNvPr>
+                <p:cNvSpPr txBox="1">
+                  <a:spLocks noGrp="1" noRot="1" noChangeAspect="1" noMove="1" noResize="1" noEditPoints="1" noAdjustHandles="1" noChangeArrowheads="1" noChangeShapeType="1" noTextEdit="1"/>
+                </p:cNvSpPr>
+                <p:nvPr/>
+              </p:nvSpPr>
+              <p:spPr>
+                <a:xfrm>
+                  <a:off x="717023" y="3237572"/>
+                  <a:ext cx="501035" cy="299249"/>
+                </a:xfrm>
+                <a:prstGeom prst="rect">
+                  <a:avLst/>
+                </a:prstGeom>
+                <a:blipFill>
+                  <a:blip r:embed="rId8"/>
+                  <a:stretch>
+                    <a:fillRect l="-10000" r="-7500" b="-24000"/>
+                  </a:stretch>
+                </a:blipFill>
+              </p:spPr>
+              <p:txBody>
+                <a:bodyPr/>
+                <a:lstStyle/>
+                <a:p>
+                  <a:r>
+                    <a:rPr lang="ja-JP" altLang="en-US">
+                      <a:noFill/>
+                    </a:rPr>
+                    <a:t> </a:t>
+                  </a:r>
+                </a:p>
+              </p:txBody>
+            </p:sp>
+          </mc:Fallback>
+        </mc:AlternateContent>
       </p:grpSp>
-      <mc:AlternateContent xmlns:mc="http://schemas.openxmlformats.org/markup-compatibility/2006">
-        <mc:Choice xmlns:a14="http://schemas.microsoft.com/office/drawing/2010/main" Requires="a14">
+    </p:spTree>
+    <p:extLst>
+      <p:ext uri="{BB962C8B-B14F-4D97-AF65-F5344CB8AC3E}">
+        <p14:creationId xmlns:p14="http://schemas.microsoft.com/office/powerpoint/2010/main" val="3016828487"/>
+      </p:ext>
+    </p:extLst>
+  </p:cSld>
+  <p:clrMapOvr>
+    <a:masterClrMapping/>
+  </p:clrMapOvr>
+</p:sld>
+</file>
+
+<file path=ppt/slides/slide4.xml><?xml version="1.0" encoding="utf-8"?>
+<p:sld xmlns:a="http://schemas.openxmlformats.org/drawingml/2006/main" xmlns:r="http://schemas.openxmlformats.org/officeDocument/2006/relationships" xmlns:p="http://schemas.openxmlformats.org/presentationml/2006/main">
+  <p:cSld>
+    <p:spTree>
+      <p:nvGrpSpPr>
+        <p:cNvPr id="1" name=""/>
+        <p:cNvGrpSpPr/>
+        <p:nvPr/>
+      </p:nvGrpSpPr>
+      <p:grpSpPr>
+        <a:xfrm>
+          <a:off x="0" y="0"/>
+          <a:ext cx="0" cy="0"/>
+          <a:chOff x="0" y="0"/>
+          <a:chExt cx="0" cy="0"/>
+        </a:xfrm>
+      </p:grpSpPr>
+      <mc:AlternateContent xmlns:mc="http://schemas.openxmlformats.org/markup-compatibility/2006" xmlns:a14="http://schemas.microsoft.com/office/drawing/2010/main">
+        <mc:Choice Requires="a14">
           <p:sp>
             <p:nvSpPr>
-              <p:cNvPr id="40" name="テキスト ボックス 39">
+              <p:cNvPr id="5" name="TextBox 405">
                 <a:extLst>
                   <a:ext uri="{FF2B5EF4-FFF2-40B4-BE49-F238E27FC236}">
-                    <a16:creationId xmlns:a16="http://schemas.microsoft.com/office/drawing/2014/main" id="{734EFFAC-E569-D799-2CFE-8D3033625425}"/>
+                    <a16:creationId xmlns:a16="http://schemas.microsoft.com/office/drawing/2014/main" id="{4062773A-75EB-BF17-2692-2A060830ACC8}"/>
                   </a:ext>
                 </a:extLst>
               </p:cNvPr>
@@ -8137,8 +9466,8 @@
             </p:nvSpPr>
             <p:spPr>
               <a:xfrm>
-                <a:off x="4001906" y="1966727"/>
-                <a:ext cx="648059" cy="276999"/>
+                <a:off x="788769" y="636783"/>
+                <a:ext cx="8123621" cy="884281"/>
               </a:xfrm>
               <a:prstGeom prst="rect">
                 <a:avLst/>
@@ -8151,52 +9480,606 @@
               </a:bodyPr>
               <a:lstStyle/>
               <a:p>
+                <a:pPr/>
                 <a14:m>
                   <m:oMathPara xmlns:m="http://schemas.openxmlformats.org/officeDocument/2006/math">
                     <m:oMathParaPr>
                       <m:jc m:val="centerGroup"/>
                     </m:oMathParaPr>
                     <m:oMath xmlns:m="http://schemas.openxmlformats.org/officeDocument/2006/math">
-                      <m:sSub>
-                        <m:sSubPr>
+                      <m:r>
+                        <a:rPr lang="en-US" b="0" i="1" smtClean="0">
+                          <a:latin typeface="Cambria Math" panose="02040503050406030204" pitchFamily="18" charset="0"/>
+                        </a:rPr>
+                        <m:t>𝑥</m:t>
+                      </m:r>
+                      <m:d>
+                        <m:dPr>
                           <m:ctrlPr>
-                            <a:rPr kumimoji="1" lang="en-US" altLang="ja-JP" b="0" i="1" smtClean="0">
+                            <a:rPr lang="en-US" b="0" i="1" smtClean="0">
                               <a:latin typeface="Cambria Math" panose="02040503050406030204" pitchFamily="18" charset="0"/>
                             </a:rPr>
                           </m:ctrlPr>
-                        </m:sSubPr>
+                        </m:dPr>
                         <m:e>
                           <m:r>
-                            <a:rPr kumimoji="1" lang="en-US" altLang="ja-JP" b="0" i="1" smtClean="0">
+                            <a:rPr lang="en-US" b="0" i="1" smtClean="0">
                               <a:latin typeface="Cambria Math" panose="02040503050406030204" pitchFamily="18" charset="0"/>
                             </a:rPr>
-                            <m:t>𝑅</m:t>
+                            <m:t>𝑘</m:t>
+                          </m:r>
+                          <m:r>
+                            <a:rPr lang="en-US" b="0" i="1" smtClean="0">
+                              <a:latin typeface="Cambria Math" panose="02040503050406030204" pitchFamily="18" charset="0"/>
+                            </a:rPr>
+                            <m:t>+1</m:t>
                           </m:r>
                         </m:e>
-                        <m:sub>
-                          <m:r>
-                            <a:rPr kumimoji="1" lang="en-US" altLang="ja-JP" b="0" i="1" smtClean="0">
+                      </m:d>
+                      <m:r>
+                        <a:rPr lang="en-US" i="1" smtClean="0">
+                          <a:latin typeface="Cambria Math" panose="02040503050406030204" pitchFamily="18" charset="0"/>
+                        </a:rPr>
+                        <m:t>=</m:t>
+                      </m:r>
+                      <m:d>
+                        <m:dPr>
+                          <m:begChr m:val="{"/>
+                          <m:endChr m:val=""/>
+                          <m:ctrlPr>
+                            <a:rPr lang="en-US" i="1" smtClean="0">
                               <a:latin typeface="Cambria Math" panose="02040503050406030204" pitchFamily="18" charset="0"/>
                             </a:rPr>
-                            <m:t>𝑎</m:t>
-                          </m:r>
-                        </m:sub>
-                      </m:sSub>
+                          </m:ctrlPr>
+                        </m:dPr>
+                        <m:e>
+                          <m:eqArr>
+                            <m:eqArrPr>
+                              <m:ctrlPr>
+                                <a:rPr lang="en-US" i="1" smtClean="0">
+                                  <a:latin typeface="Cambria Math" panose="02040503050406030204" pitchFamily="18" charset="0"/>
+                                </a:rPr>
+                              </m:ctrlPr>
+                            </m:eqArrPr>
+                            <m:e>
+                              <m:r>
+                                <a:rPr lang="en-US" i="1" smtClean="0">
+                                  <a:latin typeface="Cambria Math" panose="02040503050406030204" pitchFamily="18" charset="0"/>
+                                </a:rPr>
+                                <m:t>&amp;</m:t>
+                              </m:r>
+                              <m:r>
+                                <a:rPr lang="en-US" b="0" i="1" smtClean="0">
+                                  <a:latin typeface="Cambria Math" panose="02040503050406030204" pitchFamily="18" charset="0"/>
+                                </a:rPr>
+                                <m:t>𝜓</m:t>
+                              </m:r>
+                              <m:d>
+                                <m:dPr>
+                                  <m:ctrlPr>
+                                    <a:rPr lang="en-US" b="0" i="1" smtClean="0">
+                                      <a:latin typeface="Cambria Math" panose="02040503050406030204" pitchFamily="18" charset="0"/>
+                                    </a:rPr>
+                                  </m:ctrlPr>
+                                </m:dPr>
+                                <m:e>
+                                  <m:r>
+                                    <a:rPr lang="en-US" b="0" i="1" smtClean="0">
+                                      <a:latin typeface="Cambria Math" panose="02040503050406030204" pitchFamily="18" charset="0"/>
+                                    </a:rPr>
+                                    <m:t>𝑥</m:t>
+                                  </m:r>
+                                  <m:d>
+                                    <m:dPr>
+                                      <m:ctrlPr>
+                                        <a:rPr lang="en-US" b="0" i="1" smtClean="0">
+                                          <a:latin typeface="Cambria Math" panose="02040503050406030204" pitchFamily="18" charset="0"/>
+                                        </a:rPr>
+                                      </m:ctrlPr>
+                                    </m:dPr>
+                                    <m:e>
+                                      <m:r>
+                                        <a:rPr lang="en-US" b="0" i="1" smtClean="0">
+                                          <a:latin typeface="Cambria Math" panose="02040503050406030204" pitchFamily="18" charset="0"/>
+                                        </a:rPr>
+                                        <m:t>𝑘</m:t>
+                                      </m:r>
+                                    </m:e>
+                                  </m:d>
+                                  <m:r>
+                                    <a:rPr lang="en-US" b="0" i="1" smtClean="0">
+                                      <a:latin typeface="Cambria Math" panose="02040503050406030204" pitchFamily="18" charset="0"/>
+                                    </a:rPr>
+                                    <m:t>,</m:t>
+                                  </m:r>
+                                  <m:r>
+                                    <a:rPr lang="en-US" b="0" i="1" smtClean="0">
+                                      <a:latin typeface="Cambria Math" panose="02040503050406030204" pitchFamily="18" charset="0"/>
+                                    </a:rPr>
+                                    <m:t>𝑢</m:t>
+                                  </m:r>
+                                  <m:d>
+                                    <m:dPr>
+                                      <m:ctrlPr>
+                                        <a:rPr lang="en-US" b="0" i="1" smtClean="0">
+                                          <a:latin typeface="Cambria Math" panose="02040503050406030204" pitchFamily="18" charset="0"/>
+                                        </a:rPr>
+                                      </m:ctrlPr>
+                                    </m:dPr>
+                                    <m:e>
+                                      <m:r>
+                                        <a:rPr lang="en-US" b="0" i="1" smtClean="0">
+                                          <a:latin typeface="Cambria Math" panose="02040503050406030204" pitchFamily="18" charset="0"/>
+                                        </a:rPr>
+                                        <m:t>𝑘</m:t>
+                                      </m:r>
+                                    </m:e>
+                                  </m:d>
+                                  <m:r>
+                                    <a:rPr lang="en-US" b="0" i="1" smtClean="0">
+                                      <a:latin typeface="Cambria Math" panose="02040503050406030204" pitchFamily="18" charset="0"/>
+                                    </a:rPr>
+                                    <m:t>,</m:t>
+                                  </m:r>
+                                  <m:r>
+                                    <a:rPr lang="en-US" b="0" i="1" smtClean="0">
+                                      <a:solidFill>
+                                        <a:srgbClr val="C00000"/>
+                                      </a:solidFill>
+                                      <a:latin typeface="Cambria Math" panose="02040503050406030204" pitchFamily="18" charset="0"/>
+                                    </a:rPr>
+                                    <m:t>𝜃</m:t>
+                                  </m:r>
+                                  <m:r>
+                                    <a:rPr lang="en-US" b="0" i="1" smtClean="0">
+                                      <a:latin typeface="Cambria Math" panose="02040503050406030204" pitchFamily="18" charset="0"/>
+                                    </a:rPr>
+                                    <m:t>,</m:t>
+                                  </m:r>
+                                  <m:sSub>
+                                    <m:sSubPr>
+                                      <m:ctrlPr>
+                                        <a:rPr lang="en-US" b="0" i="1" smtClean="0">
+                                          <a:solidFill>
+                                            <a:srgbClr val="C00000"/>
+                                          </a:solidFill>
+                                          <a:latin typeface="Cambria Math" panose="02040503050406030204" pitchFamily="18" charset="0"/>
+                                        </a:rPr>
+                                      </m:ctrlPr>
+                                    </m:sSubPr>
+                                    <m:e>
+                                      <m:r>
+                                        <a:rPr lang="en-US" b="0" i="1" smtClean="0">
+                                          <a:solidFill>
+                                            <a:srgbClr val="C00000"/>
+                                          </a:solidFill>
+                                          <a:latin typeface="Cambria Math" panose="02040503050406030204" pitchFamily="18" charset="0"/>
+                                        </a:rPr>
+                                        <m:t>𝑘</m:t>
+                                      </m:r>
+                                    </m:e>
+                                    <m:sub>
+                                      <m:r>
+                                        <a:rPr lang="en-US" b="0" i="1" smtClean="0">
+                                          <a:solidFill>
+                                            <a:srgbClr val="C00000"/>
+                                          </a:solidFill>
+                                          <a:latin typeface="Cambria Math" panose="02040503050406030204" pitchFamily="18" charset="0"/>
+                                        </a:rPr>
+                                        <m:t>𝛾</m:t>
+                                      </m:r>
+                                      <m:r>
+                                        <a:rPr lang="en-US" b="0" i="1" smtClean="0">
+                                          <a:solidFill>
+                                            <a:srgbClr val="C00000"/>
+                                          </a:solidFill>
+                                          <a:latin typeface="Cambria Math" panose="02040503050406030204" pitchFamily="18" charset="0"/>
+                                        </a:rPr>
+                                        <m:t>0</m:t>
+                                      </m:r>
+                                    </m:sub>
+                                  </m:sSub>
+                                </m:e>
+                              </m:d>
+                              <m:r>
+                                <a:rPr lang="en-US" b="0" i="1" smtClean="0">
+                                  <a:latin typeface="Cambria Math" panose="02040503050406030204" pitchFamily="18" charset="0"/>
+                                </a:rPr>
+                                <m:t>     </m:t>
+                              </m:r>
+                              <m:r>
+                                <m:rPr>
+                                  <m:sty m:val="p"/>
+                                </m:rPr>
+                                <a:rPr lang="en-US" b="0" i="0" smtClean="0">
+                                  <a:latin typeface="Cambria Math" panose="02040503050406030204" pitchFamily="18" charset="0"/>
+                                </a:rPr>
+                                <m:t>if</m:t>
+                              </m:r>
+                              <m:r>
+                                <a:rPr lang="en-US" b="0" i="1" smtClean="0">
+                                  <a:latin typeface="Cambria Math" panose="02040503050406030204" pitchFamily="18" charset="0"/>
+                                </a:rPr>
+                                <m:t>  </m:t>
+                              </m:r>
+                              <m:sSub>
+                                <m:sSubPr>
+                                  <m:ctrlPr>
+                                    <a:rPr lang="en-US" b="0" i="1" smtClean="0">
+                                      <a:solidFill>
+                                        <a:srgbClr val="C00000"/>
+                                      </a:solidFill>
+                                      <a:latin typeface="Cambria Math" panose="02040503050406030204" pitchFamily="18" charset="0"/>
+                                    </a:rPr>
+                                  </m:ctrlPr>
+                                </m:sSubPr>
+                                <m:e>
+                                  <m:r>
+                                    <a:rPr lang="en-US" b="0" i="1" smtClean="0">
+                                      <a:solidFill>
+                                        <a:srgbClr val="C00000"/>
+                                      </a:solidFill>
+                                      <a:latin typeface="Cambria Math" panose="02040503050406030204" pitchFamily="18" charset="0"/>
+                                    </a:rPr>
+                                    <m:t>𝑞</m:t>
+                                  </m:r>
+                                </m:e>
+                                <m:sub>
+                                  <m:r>
+                                    <a:rPr lang="en-US" b="0" i="1" smtClean="0">
+                                      <a:solidFill>
+                                        <a:srgbClr val="C00000"/>
+                                      </a:solidFill>
+                                      <a:latin typeface="Cambria Math" panose="02040503050406030204" pitchFamily="18" charset="0"/>
+                                    </a:rPr>
+                                    <m:t>1</m:t>
+                                  </m:r>
+                                </m:sub>
+                              </m:sSub>
+                              <m:r>
+                                <a:rPr lang="en-US" b="0" i="1" smtClean="0">
+                                  <a:latin typeface="Cambria Math" panose="02040503050406030204" pitchFamily="18" charset="0"/>
+                                </a:rPr>
+                                <m:t>𝐷</m:t>
+                              </m:r>
+                              <m:d>
+                                <m:dPr>
+                                  <m:ctrlPr>
+                                    <a:rPr lang="en-US" b="0" i="1" smtClean="0">
+                                      <a:latin typeface="Cambria Math" panose="02040503050406030204" pitchFamily="18" charset="0"/>
+                                    </a:rPr>
+                                  </m:ctrlPr>
+                                </m:dPr>
+                                <m:e>
+                                  <m:r>
+                                    <a:rPr lang="en-US" b="0" i="1" smtClean="0">
+                                      <a:latin typeface="Cambria Math" panose="02040503050406030204" pitchFamily="18" charset="0"/>
+                                    </a:rPr>
+                                    <m:t>𝑘</m:t>
+                                  </m:r>
+                                </m:e>
+                              </m:d>
+                              <m:r>
+                                <a:rPr lang="en-US" b="0" i="1" smtClean="0">
+                                  <a:latin typeface="Cambria Math" panose="02040503050406030204" pitchFamily="18" charset="0"/>
+                                </a:rPr>
+                                <m:t>≤</m:t>
+                              </m:r>
+                              <m:r>
+                                <a:rPr lang="en-US" b="0" i="1" smtClean="0">
+                                  <a:latin typeface="Cambria Math" panose="02040503050406030204" pitchFamily="18" charset="0"/>
+                                </a:rPr>
+                                <m:t>𝑆𝑥</m:t>
+                              </m:r>
+                              <m:d>
+                                <m:dPr>
+                                  <m:ctrlPr>
+                                    <a:rPr lang="en-US" b="0" i="1" smtClean="0">
+                                      <a:latin typeface="Cambria Math" panose="02040503050406030204" pitchFamily="18" charset="0"/>
+                                    </a:rPr>
+                                  </m:ctrlPr>
+                                </m:dPr>
+                                <m:e>
+                                  <m:r>
+                                    <a:rPr lang="en-US" b="0" i="1" smtClean="0">
+                                      <a:latin typeface="Cambria Math" panose="02040503050406030204" pitchFamily="18" charset="0"/>
+                                    </a:rPr>
+                                    <m:t>𝑘</m:t>
+                                  </m:r>
+                                </m:e>
+                              </m:d>
+                              <m:r>
+                                <a:rPr lang="en-US" b="0" i="1" smtClean="0">
+                                  <a:latin typeface="Cambria Math" panose="02040503050406030204" pitchFamily="18" charset="0"/>
+                                </a:rPr>
+                                <m:t>&lt;</m:t>
+                              </m:r>
+                              <m:sSub>
+                                <m:sSubPr>
+                                  <m:ctrlPr>
+                                    <a:rPr lang="en-US" b="0" i="1" smtClean="0">
+                                      <a:solidFill>
+                                        <a:srgbClr val="C00000"/>
+                                      </a:solidFill>
+                                      <a:latin typeface="Cambria Math" panose="02040503050406030204" pitchFamily="18" charset="0"/>
+                                    </a:rPr>
+                                  </m:ctrlPr>
+                                </m:sSubPr>
+                                <m:e>
+                                  <m:r>
+                                    <a:rPr lang="en-US" b="0" i="1" smtClean="0">
+                                      <a:solidFill>
+                                        <a:srgbClr val="C00000"/>
+                                      </a:solidFill>
+                                      <a:latin typeface="Cambria Math" panose="02040503050406030204" pitchFamily="18" charset="0"/>
+                                    </a:rPr>
+                                    <m:t>𝑞</m:t>
+                                  </m:r>
+                                </m:e>
+                                <m:sub>
+                                  <m:r>
+                                    <a:rPr lang="en-US" b="0" i="1" smtClean="0">
+                                      <a:solidFill>
+                                        <a:srgbClr val="C00000"/>
+                                      </a:solidFill>
+                                      <a:latin typeface="Cambria Math" panose="02040503050406030204" pitchFamily="18" charset="0"/>
+                                    </a:rPr>
+                                    <m:t>2</m:t>
+                                  </m:r>
+                                </m:sub>
+                              </m:sSub>
+                              <m:r>
+                                <a:rPr lang="en-US" b="0" i="1" smtClean="0">
+                                  <a:latin typeface="Cambria Math" panose="02040503050406030204" pitchFamily="18" charset="0"/>
+                                </a:rPr>
+                                <m:t>𝐷</m:t>
+                              </m:r>
+                              <m:d>
+                                <m:dPr>
+                                  <m:ctrlPr>
+                                    <a:rPr lang="en-US" b="0" i="1" smtClean="0">
+                                      <a:latin typeface="Cambria Math" panose="02040503050406030204" pitchFamily="18" charset="0"/>
+                                    </a:rPr>
+                                  </m:ctrlPr>
+                                </m:dPr>
+                                <m:e>
+                                  <m:r>
+                                    <a:rPr lang="en-US" b="0" i="1" smtClean="0">
+                                      <a:latin typeface="Cambria Math" panose="02040503050406030204" pitchFamily="18" charset="0"/>
+                                    </a:rPr>
+                                    <m:t>𝑘</m:t>
+                                  </m:r>
+                                </m:e>
+                              </m:d>
+                              <m:r>
+                                <a:rPr lang="en-US" b="0" i="1" smtClean="0">
+                                  <a:latin typeface="Cambria Math" panose="02040503050406030204" pitchFamily="18" charset="0"/>
+                                </a:rPr>
+                                <m:t>,</m:t>
+                              </m:r>
+                              <m:r>
+                                <a:rPr lang="ja-JP" altLang="en-US" b="0" i="1" smtClean="0">
+                                  <a:latin typeface="Cambria Math" panose="02040503050406030204" pitchFamily="18" charset="0"/>
+                                </a:rPr>
+                                <m:t>　</m:t>
+                              </m:r>
+                              <m:r>
+                                <a:rPr lang="en-US" altLang="ja-JP" b="0" i="1" smtClean="0">
+                                  <a:latin typeface="Cambria Math" panose="02040503050406030204" pitchFamily="18" charset="0"/>
+                                </a:rPr>
+                                <m:t>(</m:t>
+                              </m:r>
+                              <m:r>
+                                <m:rPr>
+                                  <m:sty m:val="p"/>
+                                </m:rPr>
+                                <a:rPr lang="en-US" altLang="ja-JP" b="0" i="0" smtClean="0">
+                                  <a:latin typeface="Cambria Math" panose="02040503050406030204" pitchFamily="18" charset="0"/>
+                                </a:rPr>
+                                <m:t>mode</m:t>
+                              </m:r>
+                              <m:r>
+                                <a:rPr lang="en-US" altLang="ja-JP" b="0" i="1" smtClean="0">
+                                  <a:latin typeface="Cambria Math" panose="02040503050406030204" pitchFamily="18" charset="0"/>
+                                </a:rPr>
+                                <m:t> 0)</m:t>
+                              </m:r>
+                            </m:e>
+                            <m:e>
+                              <m:r>
+                                <a:rPr lang="en-US" i="1" smtClean="0">
+                                  <a:latin typeface="Cambria Math" panose="02040503050406030204" pitchFamily="18" charset="0"/>
+                                </a:rPr>
+                                <m:t>&amp;</m:t>
+                              </m:r>
+                              <m:r>
+                                <a:rPr lang="en-US" b="0" i="1" smtClean="0">
+                                  <a:latin typeface="Cambria Math" panose="02040503050406030204" pitchFamily="18" charset="0"/>
+                                </a:rPr>
+                                <m:t>𝜓</m:t>
+                              </m:r>
+                              <m:d>
+                                <m:dPr>
+                                  <m:ctrlPr>
+                                    <a:rPr lang="en-US" b="0" i="1" smtClean="0">
+                                      <a:latin typeface="Cambria Math" panose="02040503050406030204" pitchFamily="18" charset="0"/>
+                                    </a:rPr>
+                                  </m:ctrlPr>
+                                </m:dPr>
+                                <m:e>
+                                  <m:r>
+                                    <a:rPr lang="en-US" b="0" i="1" smtClean="0">
+                                      <a:latin typeface="Cambria Math" panose="02040503050406030204" pitchFamily="18" charset="0"/>
+                                    </a:rPr>
+                                    <m:t>𝑥</m:t>
+                                  </m:r>
+                                  <m:d>
+                                    <m:dPr>
+                                      <m:ctrlPr>
+                                        <a:rPr lang="en-US" b="0" i="1" smtClean="0">
+                                          <a:latin typeface="Cambria Math" panose="02040503050406030204" pitchFamily="18" charset="0"/>
+                                        </a:rPr>
+                                      </m:ctrlPr>
+                                    </m:dPr>
+                                    <m:e>
+                                      <m:r>
+                                        <a:rPr lang="en-US" b="0" i="1" smtClean="0">
+                                          <a:latin typeface="Cambria Math" panose="02040503050406030204" pitchFamily="18" charset="0"/>
+                                        </a:rPr>
+                                        <m:t>𝑘</m:t>
+                                      </m:r>
+                                    </m:e>
+                                  </m:d>
+                                  <m:r>
+                                    <a:rPr lang="en-US" b="0" i="1" smtClean="0">
+                                      <a:latin typeface="Cambria Math" panose="02040503050406030204" pitchFamily="18" charset="0"/>
+                                    </a:rPr>
+                                    <m:t>,</m:t>
+                                  </m:r>
+                                  <m:r>
+                                    <a:rPr lang="en-US" b="0" i="1" smtClean="0">
+                                      <a:latin typeface="Cambria Math" panose="02040503050406030204" pitchFamily="18" charset="0"/>
+                                    </a:rPr>
+                                    <m:t>𝑢</m:t>
+                                  </m:r>
+                                  <m:d>
+                                    <m:dPr>
+                                      <m:ctrlPr>
+                                        <a:rPr lang="en-US" b="0" i="1" smtClean="0">
+                                          <a:latin typeface="Cambria Math" panose="02040503050406030204" pitchFamily="18" charset="0"/>
+                                        </a:rPr>
+                                      </m:ctrlPr>
+                                    </m:dPr>
+                                    <m:e>
+                                      <m:r>
+                                        <a:rPr lang="en-US" b="0" i="1" smtClean="0">
+                                          <a:latin typeface="Cambria Math" panose="02040503050406030204" pitchFamily="18" charset="0"/>
+                                        </a:rPr>
+                                        <m:t>𝑘</m:t>
+                                      </m:r>
+                                    </m:e>
+                                  </m:d>
+                                  <m:r>
+                                    <a:rPr lang="en-US" b="0" i="1" smtClean="0">
+                                      <a:latin typeface="Cambria Math" panose="02040503050406030204" pitchFamily="18" charset="0"/>
+                                    </a:rPr>
+                                    <m:t>,</m:t>
+                                  </m:r>
+                                  <m:r>
+                                    <a:rPr lang="en-US" b="0" i="1" smtClean="0">
+                                      <a:solidFill>
+                                        <a:srgbClr val="C00000"/>
+                                      </a:solidFill>
+                                      <a:latin typeface="Cambria Math" panose="02040503050406030204" pitchFamily="18" charset="0"/>
+                                    </a:rPr>
+                                    <m:t>𝜃</m:t>
+                                  </m:r>
+                                  <m:r>
+                                    <a:rPr lang="en-US" b="0" i="1" smtClean="0">
+                                      <a:latin typeface="Cambria Math" panose="02040503050406030204" pitchFamily="18" charset="0"/>
+                                    </a:rPr>
+                                    <m:t>,</m:t>
+                                  </m:r>
+                                  <m:sSub>
+                                    <m:sSubPr>
+                                      <m:ctrlPr>
+                                        <a:rPr lang="en-US" b="0" i="1" smtClean="0">
+                                          <a:solidFill>
+                                            <a:srgbClr val="C00000"/>
+                                          </a:solidFill>
+                                          <a:latin typeface="Cambria Math" panose="02040503050406030204" pitchFamily="18" charset="0"/>
+                                        </a:rPr>
+                                      </m:ctrlPr>
+                                    </m:sSubPr>
+                                    <m:e>
+                                      <m:r>
+                                        <a:rPr lang="en-US" b="0" i="1" smtClean="0">
+                                          <a:solidFill>
+                                            <a:srgbClr val="C00000"/>
+                                          </a:solidFill>
+                                          <a:latin typeface="Cambria Math" panose="02040503050406030204" pitchFamily="18" charset="0"/>
+                                        </a:rPr>
+                                        <m:t>𝑘</m:t>
+                                      </m:r>
+                                    </m:e>
+                                    <m:sub>
+                                      <m:r>
+                                        <a:rPr lang="en-US" b="0" i="1" smtClean="0">
+                                          <a:solidFill>
+                                            <a:srgbClr val="C00000"/>
+                                          </a:solidFill>
+                                          <a:latin typeface="Cambria Math" panose="02040503050406030204" pitchFamily="18" charset="0"/>
+                                        </a:rPr>
+                                        <m:t>𝛾</m:t>
+                                      </m:r>
+                                      <m:r>
+                                        <a:rPr lang="en-US" b="0" i="1" smtClean="0">
+                                          <a:solidFill>
+                                            <a:srgbClr val="C00000"/>
+                                          </a:solidFill>
+                                          <a:latin typeface="Cambria Math" panose="02040503050406030204" pitchFamily="18" charset="0"/>
+                                        </a:rPr>
+                                        <m:t>1</m:t>
+                                      </m:r>
+                                    </m:sub>
+                                  </m:sSub>
+                                </m:e>
+                              </m:d>
+                              <m:r>
+                                <a:rPr lang="en-US" b="0" i="1" smtClean="0">
+                                  <a:latin typeface="Cambria Math" panose="02040503050406030204" pitchFamily="18" charset="0"/>
+                                </a:rPr>
+                                <m:t>     </m:t>
+                              </m:r>
+                              <m:r>
+                                <m:rPr>
+                                  <m:sty m:val="p"/>
+                                </m:rPr>
+                                <a:rPr lang="en-US" b="0" i="0" smtClean="0">
+                                  <a:latin typeface="Cambria Math" panose="02040503050406030204" pitchFamily="18" charset="0"/>
+                                </a:rPr>
+                                <m:t>otherwise</m:t>
+                              </m:r>
+                              <m:r>
+                                <a:rPr lang="en-US" b="0" i="1" smtClean="0">
+                                  <a:latin typeface="Cambria Math" panose="02040503050406030204" pitchFamily="18" charset="0"/>
+                                </a:rPr>
+                                <m:t>,                                   (</m:t>
+                              </m:r>
+                              <m:r>
+                                <m:rPr>
+                                  <m:sty m:val="p"/>
+                                </m:rPr>
+                                <a:rPr lang="en-US" b="0" i="0" smtClean="0">
+                                  <a:latin typeface="Cambria Math" panose="02040503050406030204" pitchFamily="18" charset="0"/>
+                                </a:rPr>
+                                <m:t>mode</m:t>
+                              </m:r>
+                              <m:r>
+                                <a:rPr lang="en-US" b="0" i="1" smtClean="0">
+                                  <a:latin typeface="Cambria Math" panose="02040503050406030204" pitchFamily="18" charset="0"/>
+                                </a:rPr>
+                                <m:t> 1)</m:t>
+                              </m:r>
+                            </m:e>
+                          </m:eqArr>
+                        </m:e>
+                      </m:d>
                     </m:oMath>
                   </m:oMathPara>
                 </a14:m>
-                <a:endParaRPr kumimoji="1" lang="ja-JP" altLang="en-US"/>
+                <a:endParaRPr lang="en-JP" dirty="0"/>
               </a:p>
             </p:txBody>
           </p:sp>
         </mc:Choice>
-        <mc:Fallback>
+        <mc:Fallback xmlns="">
           <p:sp>
             <p:nvSpPr>
-              <p:cNvPr id="40" name="テキスト ボックス 39">
+              <p:cNvPr id="5" name="TextBox 405">
                 <a:extLst>
                   <a:ext uri="{FF2B5EF4-FFF2-40B4-BE49-F238E27FC236}">
-                    <a16:creationId xmlns:a16="http://schemas.microsoft.com/office/drawing/2014/main" id="{734EFFAC-E569-D799-2CFE-8D3033625425}"/>
+                    <a16:creationId xmlns:a16="http://schemas.microsoft.com/office/drawing/2014/main" id="{4062773A-75EB-BF17-2692-2A060830ACC8}"/>
                   </a:ext>
                 </a:extLst>
               </p:cNvPr>
@@ -8207,16 +10090,16 @@
             </p:nvSpPr>
             <p:spPr>
               <a:xfrm>
-                <a:off x="4001906" y="1966727"/>
-                <a:ext cx="648059" cy="276999"/>
+                <a:off x="788769" y="636783"/>
+                <a:ext cx="8123621" cy="884281"/>
               </a:xfrm>
               <a:prstGeom prst="rect">
                 <a:avLst/>
               </a:prstGeom>
               <a:blipFill>
-                <a:blip r:embed="rId3"/>
+                <a:blip r:embed="rId2"/>
                 <a:stretch>
-                  <a:fillRect b="-9091"/>
+                  <a:fillRect l="-3276" t="-225000" b="-319444"/>
                 </a:stretch>
               </a:blipFill>
             </p:spPr>
@@ -8235,14 +10118,14 @@
           </p:sp>
         </mc:Fallback>
       </mc:AlternateContent>
-      <mc:AlternateContent xmlns:mc="http://schemas.openxmlformats.org/markup-compatibility/2006">
-        <mc:Choice xmlns:a14="http://schemas.microsoft.com/office/drawing/2010/main" Requires="a14">
+      <mc:AlternateContent xmlns:mc="http://schemas.openxmlformats.org/markup-compatibility/2006" xmlns:a14="http://schemas.microsoft.com/office/drawing/2010/main">
+        <mc:Choice Requires="a14">
           <p:sp>
             <p:nvSpPr>
-              <p:cNvPr id="58" name="テキスト ボックス 57">
+              <p:cNvPr id="6" name="TextBox 383">
                 <a:extLst>
                   <a:ext uri="{FF2B5EF4-FFF2-40B4-BE49-F238E27FC236}">
-                    <a16:creationId xmlns:a16="http://schemas.microsoft.com/office/drawing/2014/main" id="{6AFB9704-070A-D042-91BA-9265A08C5AC7}"/>
+                    <a16:creationId xmlns:a16="http://schemas.microsoft.com/office/drawing/2014/main" id="{97734043-6121-B54D-8AD5-8AD21F25F8B0}"/>
                   </a:ext>
                 </a:extLst>
               </p:cNvPr>
@@ -8251,8 +10134,932 @@
             </p:nvSpPr>
             <p:spPr>
               <a:xfrm>
-                <a:off x="10034169" y="1612983"/>
-                <a:ext cx="812337" cy="369332"/>
+                <a:off x="1129664" y="2592991"/>
+                <a:ext cx="4731344" cy="884281"/>
+              </a:xfrm>
+              <a:prstGeom prst="rect">
+                <a:avLst/>
+              </a:prstGeom>
+              <a:noFill/>
+            </p:spPr>
+            <p:txBody>
+              <a:bodyPr wrap="square" lIns="0" tIns="0" rIns="0" bIns="0" rtlCol="0">
+                <a:spAutoFit/>
+              </a:bodyPr>
+              <a:lstStyle/>
+              <a:p>
+                <a:pPr/>
+                <a14:m>
+                  <m:oMathPara xmlns:m="http://schemas.openxmlformats.org/officeDocument/2006/math">
+                    <m:oMathParaPr>
+                      <m:jc m:val="centerGroup"/>
+                    </m:oMathParaPr>
+                    <m:oMath xmlns:m="http://schemas.openxmlformats.org/officeDocument/2006/math">
+                      <m:r>
+                        <a:rPr lang="en-US" b="0" i="1" smtClean="0">
+                          <a:latin typeface="Cambria Math" panose="02040503050406030204" pitchFamily="18" charset="0"/>
+                        </a:rPr>
+                        <m:t>𝑥</m:t>
+                      </m:r>
+                      <m:d>
+                        <m:dPr>
+                          <m:ctrlPr>
+                            <a:rPr lang="en-US" b="0" i="1" smtClean="0">
+                              <a:latin typeface="Cambria Math" panose="02040503050406030204" pitchFamily="18" charset="0"/>
+                            </a:rPr>
+                          </m:ctrlPr>
+                        </m:dPr>
+                        <m:e>
+                          <m:r>
+                            <a:rPr lang="en-US" b="0" i="1" smtClean="0">
+                              <a:latin typeface="Cambria Math" panose="02040503050406030204" pitchFamily="18" charset="0"/>
+                            </a:rPr>
+                            <m:t>𝑘</m:t>
+                          </m:r>
+                          <m:r>
+                            <a:rPr lang="en-US" b="0" i="1" smtClean="0">
+                              <a:latin typeface="Cambria Math" panose="02040503050406030204" pitchFamily="18" charset="0"/>
+                            </a:rPr>
+                            <m:t>+1</m:t>
+                          </m:r>
+                        </m:e>
+                      </m:d>
+                      <m:r>
+                        <a:rPr lang="en-US" i="1" smtClean="0">
+                          <a:latin typeface="Cambria Math" panose="02040503050406030204" pitchFamily="18" charset="0"/>
+                        </a:rPr>
+                        <m:t>=</m:t>
+                      </m:r>
+                      <m:d>
+                        <m:dPr>
+                          <m:begChr m:val="{"/>
+                          <m:endChr m:val=""/>
+                          <m:ctrlPr>
+                            <a:rPr lang="en-US" i="1" smtClean="0">
+                              <a:latin typeface="Cambria Math" panose="02040503050406030204" pitchFamily="18" charset="0"/>
+                            </a:rPr>
+                          </m:ctrlPr>
+                        </m:dPr>
+                        <m:e>
+                          <m:eqArr>
+                            <m:eqArrPr>
+                              <m:ctrlPr>
+                                <a:rPr lang="en-US" i="1" smtClean="0">
+                                  <a:latin typeface="Cambria Math" panose="02040503050406030204" pitchFamily="18" charset="0"/>
+                                </a:rPr>
+                              </m:ctrlPr>
+                            </m:eqArrPr>
+                            <m:e>
+                              <m:r>
+                                <a:rPr lang="en-US" i="1" smtClean="0">
+                                  <a:latin typeface="Cambria Math" panose="02040503050406030204" pitchFamily="18" charset="0"/>
+                                </a:rPr>
+                                <m:t>&amp;</m:t>
+                              </m:r>
+                              <m:r>
+                                <a:rPr lang="en-US" b="0" i="1" smtClean="0">
+                                  <a:latin typeface="Cambria Math" panose="02040503050406030204" pitchFamily="18" charset="0"/>
+                                </a:rPr>
+                                <m:t>𝜓</m:t>
+                              </m:r>
+                              <m:d>
+                                <m:dPr>
+                                  <m:ctrlPr>
+                                    <a:rPr lang="en-US" b="0" i="1" smtClean="0">
+                                      <a:latin typeface="Cambria Math" panose="02040503050406030204" pitchFamily="18" charset="0"/>
+                                    </a:rPr>
+                                  </m:ctrlPr>
+                                </m:dPr>
+                                <m:e>
+                                  <m:r>
+                                    <a:rPr lang="en-US" b="0" i="1" smtClean="0">
+                                      <a:latin typeface="Cambria Math" panose="02040503050406030204" pitchFamily="18" charset="0"/>
+                                    </a:rPr>
+                                    <m:t>𝑥</m:t>
+                                  </m:r>
+                                  <m:d>
+                                    <m:dPr>
+                                      <m:ctrlPr>
+                                        <a:rPr lang="en-US" b="0" i="1" smtClean="0">
+                                          <a:latin typeface="Cambria Math" panose="02040503050406030204" pitchFamily="18" charset="0"/>
+                                        </a:rPr>
+                                      </m:ctrlPr>
+                                    </m:dPr>
+                                    <m:e>
+                                      <m:r>
+                                        <a:rPr lang="en-US" b="0" i="1" smtClean="0">
+                                          <a:latin typeface="Cambria Math" panose="02040503050406030204" pitchFamily="18" charset="0"/>
+                                        </a:rPr>
+                                        <m:t>𝑘</m:t>
+                                      </m:r>
+                                    </m:e>
+                                  </m:d>
+                                  <m:r>
+                                    <a:rPr lang="en-US" b="0" i="1" smtClean="0">
+                                      <a:latin typeface="Cambria Math" panose="02040503050406030204" pitchFamily="18" charset="0"/>
+                                    </a:rPr>
+                                    <m:t>,</m:t>
+                                  </m:r>
+                                  <m:r>
+                                    <a:rPr lang="en-US" b="0" i="1" smtClean="0">
+                                      <a:latin typeface="Cambria Math" panose="02040503050406030204" pitchFamily="18" charset="0"/>
+                                    </a:rPr>
+                                    <m:t>𝑢</m:t>
+                                  </m:r>
+                                  <m:d>
+                                    <m:dPr>
+                                      <m:ctrlPr>
+                                        <a:rPr lang="en-US" b="0" i="1" smtClean="0">
+                                          <a:latin typeface="Cambria Math" panose="02040503050406030204" pitchFamily="18" charset="0"/>
+                                        </a:rPr>
+                                      </m:ctrlPr>
+                                    </m:dPr>
+                                    <m:e>
+                                      <m:r>
+                                        <a:rPr lang="en-US" b="0" i="1" smtClean="0">
+                                          <a:latin typeface="Cambria Math" panose="02040503050406030204" pitchFamily="18" charset="0"/>
+                                        </a:rPr>
+                                        <m:t>𝑘</m:t>
+                                      </m:r>
+                                    </m:e>
+                                  </m:d>
+                                  <m:r>
+                                    <a:rPr lang="en-US" b="0" i="1" smtClean="0">
+                                      <a:latin typeface="Cambria Math" panose="02040503050406030204" pitchFamily="18" charset="0"/>
+                                    </a:rPr>
+                                    <m:t>,</m:t>
+                                  </m:r>
+                                  <m:r>
+                                    <a:rPr lang="en-US" b="0" i="1" smtClean="0">
+                                      <a:solidFill>
+                                        <a:srgbClr val="C00000"/>
+                                      </a:solidFill>
+                                      <a:latin typeface="Cambria Math" panose="02040503050406030204" pitchFamily="18" charset="0"/>
+                                    </a:rPr>
+                                    <m:t>𝜃</m:t>
+                                  </m:r>
+                                  <m:r>
+                                    <a:rPr lang="en-US" b="0" i="1" smtClean="0">
+                                      <a:latin typeface="Cambria Math" panose="02040503050406030204" pitchFamily="18" charset="0"/>
+                                    </a:rPr>
+                                    <m:t>,</m:t>
+                                  </m:r>
+                                  <m:sSub>
+                                    <m:sSubPr>
+                                      <m:ctrlPr>
+                                        <a:rPr lang="en-US" b="0" i="1" smtClean="0">
+                                          <a:solidFill>
+                                            <a:srgbClr val="C00000"/>
+                                          </a:solidFill>
+                                          <a:latin typeface="Cambria Math" panose="02040503050406030204" pitchFamily="18" charset="0"/>
+                                        </a:rPr>
+                                      </m:ctrlPr>
+                                    </m:sSubPr>
+                                    <m:e>
+                                      <m:r>
+                                        <a:rPr lang="en-US" b="0" i="1" smtClean="0">
+                                          <a:solidFill>
+                                            <a:srgbClr val="C00000"/>
+                                          </a:solidFill>
+                                          <a:latin typeface="Cambria Math" panose="02040503050406030204" pitchFamily="18" charset="0"/>
+                                        </a:rPr>
+                                        <m:t>𝑘</m:t>
+                                      </m:r>
+                                    </m:e>
+                                    <m:sub>
+                                      <m:r>
+                                        <a:rPr lang="en-US" b="0" i="1" smtClean="0">
+                                          <a:solidFill>
+                                            <a:srgbClr val="C00000"/>
+                                          </a:solidFill>
+                                          <a:latin typeface="Cambria Math" panose="02040503050406030204" pitchFamily="18" charset="0"/>
+                                        </a:rPr>
+                                        <m:t>𝛾</m:t>
+                                      </m:r>
+                                      <m:r>
+                                        <a:rPr lang="en-US" b="0" i="1" smtClean="0">
+                                          <a:solidFill>
+                                            <a:srgbClr val="C00000"/>
+                                          </a:solidFill>
+                                          <a:latin typeface="Cambria Math" panose="02040503050406030204" pitchFamily="18" charset="0"/>
+                                        </a:rPr>
+                                        <m:t>0</m:t>
+                                      </m:r>
+                                    </m:sub>
+                                  </m:sSub>
+                                </m:e>
+                              </m:d>
+                              <m:r>
+                                <a:rPr lang="en-US" b="0" i="1" smtClean="0">
+                                  <a:latin typeface="Cambria Math" panose="02040503050406030204" pitchFamily="18" charset="0"/>
+                                </a:rPr>
+                                <m:t>     </m:t>
+                              </m:r>
+                              <m:r>
+                                <m:rPr>
+                                  <m:sty m:val="p"/>
+                                </m:rPr>
+                                <a:rPr lang="en-US" b="0" i="0" smtClean="0">
+                                  <a:latin typeface="Cambria Math" panose="02040503050406030204" pitchFamily="18" charset="0"/>
+                                </a:rPr>
+                                <m:t>if</m:t>
+                              </m:r>
+                              <m:r>
+                                <a:rPr lang="en-US" b="0" i="1" smtClean="0">
+                                  <a:latin typeface="Cambria Math" panose="02040503050406030204" pitchFamily="18" charset="0"/>
+                                </a:rPr>
+                                <m:t>  </m:t>
+                              </m:r>
+                              <m:acc>
+                                <m:accPr>
+                                  <m:chr m:val="̂"/>
+                                  <m:ctrlPr>
+                                    <a:rPr lang="en-US" b="0" i="1" smtClean="0">
+                                      <a:latin typeface="Cambria Math" panose="02040503050406030204" pitchFamily="18" charset="0"/>
+                                    </a:rPr>
+                                  </m:ctrlPr>
+                                </m:accPr>
+                                <m:e>
+                                  <m:r>
+                                    <a:rPr lang="en-US" b="0" i="1" smtClean="0">
+                                      <a:latin typeface="Cambria Math" panose="02040503050406030204" pitchFamily="18" charset="0"/>
+                                    </a:rPr>
+                                    <m:t>𝑚</m:t>
+                                  </m:r>
+                                </m:e>
+                              </m:acc>
+                              <m:r>
+                                <a:rPr lang="en-US" b="0" i="1" smtClean="0">
+                                  <a:latin typeface="Cambria Math" panose="02040503050406030204" pitchFamily="18" charset="0"/>
+                                </a:rPr>
+                                <m:t>(</m:t>
+                              </m:r>
+                              <m:r>
+                                <a:rPr lang="en-US" b="0" i="1" smtClean="0">
+                                  <a:latin typeface="Cambria Math" panose="02040503050406030204" pitchFamily="18" charset="0"/>
+                                </a:rPr>
+                                <m:t>𝑘</m:t>
+                              </m:r>
+                              <m:r>
+                                <a:rPr lang="en-US" b="0" i="1" smtClean="0">
+                                  <a:latin typeface="Cambria Math" panose="02040503050406030204" pitchFamily="18" charset="0"/>
+                                </a:rPr>
+                                <m:t>)=0</m:t>
+                              </m:r>
+                            </m:e>
+                            <m:e>
+                              <m:r>
+                                <a:rPr lang="en-US" i="1" smtClean="0">
+                                  <a:latin typeface="Cambria Math" panose="02040503050406030204" pitchFamily="18" charset="0"/>
+                                </a:rPr>
+                                <m:t>&amp;</m:t>
+                              </m:r>
+                              <m:r>
+                                <a:rPr lang="en-US" b="0" i="1" smtClean="0">
+                                  <a:latin typeface="Cambria Math" panose="02040503050406030204" pitchFamily="18" charset="0"/>
+                                </a:rPr>
+                                <m:t>𝜓</m:t>
+                              </m:r>
+                              <m:d>
+                                <m:dPr>
+                                  <m:ctrlPr>
+                                    <a:rPr lang="en-US" b="0" i="1" smtClean="0">
+                                      <a:latin typeface="Cambria Math" panose="02040503050406030204" pitchFamily="18" charset="0"/>
+                                    </a:rPr>
+                                  </m:ctrlPr>
+                                </m:dPr>
+                                <m:e>
+                                  <m:r>
+                                    <a:rPr lang="en-US" b="0" i="1" smtClean="0">
+                                      <a:latin typeface="Cambria Math" panose="02040503050406030204" pitchFamily="18" charset="0"/>
+                                    </a:rPr>
+                                    <m:t>𝑥</m:t>
+                                  </m:r>
+                                  <m:d>
+                                    <m:dPr>
+                                      <m:ctrlPr>
+                                        <a:rPr lang="en-US" b="0" i="1" smtClean="0">
+                                          <a:latin typeface="Cambria Math" panose="02040503050406030204" pitchFamily="18" charset="0"/>
+                                        </a:rPr>
+                                      </m:ctrlPr>
+                                    </m:dPr>
+                                    <m:e>
+                                      <m:r>
+                                        <a:rPr lang="en-US" b="0" i="1" smtClean="0">
+                                          <a:latin typeface="Cambria Math" panose="02040503050406030204" pitchFamily="18" charset="0"/>
+                                        </a:rPr>
+                                        <m:t>𝑘</m:t>
+                                      </m:r>
+                                    </m:e>
+                                  </m:d>
+                                  <m:r>
+                                    <a:rPr lang="en-US" b="0" i="1" smtClean="0">
+                                      <a:latin typeface="Cambria Math" panose="02040503050406030204" pitchFamily="18" charset="0"/>
+                                    </a:rPr>
+                                    <m:t>,</m:t>
+                                  </m:r>
+                                  <m:r>
+                                    <a:rPr lang="en-US" b="0" i="1" smtClean="0">
+                                      <a:latin typeface="Cambria Math" panose="02040503050406030204" pitchFamily="18" charset="0"/>
+                                    </a:rPr>
+                                    <m:t>𝑢</m:t>
+                                  </m:r>
+                                  <m:d>
+                                    <m:dPr>
+                                      <m:ctrlPr>
+                                        <a:rPr lang="en-US" b="0" i="1" smtClean="0">
+                                          <a:latin typeface="Cambria Math" panose="02040503050406030204" pitchFamily="18" charset="0"/>
+                                        </a:rPr>
+                                      </m:ctrlPr>
+                                    </m:dPr>
+                                    <m:e>
+                                      <m:r>
+                                        <a:rPr lang="en-US" b="0" i="1" smtClean="0">
+                                          <a:latin typeface="Cambria Math" panose="02040503050406030204" pitchFamily="18" charset="0"/>
+                                        </a:rPr>
+                                        <m:t>𝑘</m:t>
+                                      </m:r>
+                                    </m:e>
+                                  </m:d>
+                                  <m:r>
+                                    <a:rPr lang="en-US" b="0" i="1" smtClean="0">
+                                      <a:latin typeface="Cambria Math" panose="02040503050406030204" pitchFamily="18" charset="0"/>
+                                    </a:rPr>
+                                    <m:t>,</m:t>
+                                  </m:r>
+                                  <m:r>
+                                    <a:rPr lang="en-US" b="0" i="1" smtClean="0">
+                                      <a:solidFill>
+                                        <a:srgbClr val="C00000"/>
+                                      </a:solidFill>
+                                      <a:latin typeface="Cambria Math" panose="02040503050406030204" pitchFamily="18" charset="0"/>
+                                    </a:rPr>
+                                    <m:t>𝜃</m:t>
+                                  </m:r>
+                                  <m:r>
+                                    <a:rPr lang="en-US" b="0" i="1" smtClean="0">
+                                      <a:latin typeface="Cambria Math" panose="02040503050406030204" pitchFamily="18" charset="0"/>
+                                    </a:rPr>
+                                    <m:t>,</m:t>
+                                  </m:r>
+                                  <m:sSub>
+                                    <m:sSubPr>
+                                      <m:ctrlPr>
+                                        <a:rPr lang="en-US" b="0" i="1" smtClean="0">
+                                          <a:solidFill>
+                                            <a:srgbClr val="C00000"/>
+                                          </a:solidFill>
+                                          <a:latin typeface="Cambria Math" panose="02040503050406030204" pitchFamily="18" charset="0"/>
+                                        </a:rPr>
+                                      </m:ctrlPr>
+                                    </m:sSubPr>
+                                    <m:e>
+                                      <m:r>
+                                        <a:rPr lang="en-US" b="0" i="1" smtClean="0">
+                                          <a:solidFill>
+                                            <a:srgbClr val="C00000"/>
+                                          </a:solidFill>
+                                          <a:latin typeface="Cambria Math" panose="02040503050406030204" pitchFamily="18" charset="0"/>
+                                        </a:rPr>
+                                        <m:t>𝑘</m:t>
+                                      </m:r>
+                                    </m:e>
+                                    <m:sub>
+                                      <m:r>
+                                        <a:rPr lang="en-US" b="0" i="1" smtClean="0">
+                                          <a:solidFill>
+                                            <a:srgbClr val="C00000"/>
+                                          </a:solidFill>
+                                          <a:latin typeface="Cambria Math" panose="02040503050406030204" pitchFamily="18" charset="0"/>
+                                        </a:rPr>
+                                        <m:t>𝛾</m:t>
+                                      </m:r>
+                                      <m:r>
+                                        <a:rPr lang="en-US" b="0" i="1" smtClean="0">
+                                          <a:solidFill>
+                                            <a:srgbClr val="C00000"/>
+                                          </a:solidFill>
+                                          <a:latin typeface="Cambria Math" panose="02040503050406030204" pitchFamily="18" charset="0"/>
+                                        </a:rPr>
+                                        <m:t>1</m:t>
+                                      </m:r>
+                                    </m:sub>
+                                  </m:sSub>
+                                </m:e>
+                              </m:d>
+                              <m:r>
+                                <a:rPr lang="en-US" b="0" i="1" smtClean="0">
+                                  <a:latin typeface="Cambria Math" panose="02040503050406030204" pitchFamily="18" charset="0"/>
+                                </a:rPr>
+                                <m:t>     </m:t>
+                              </m:r>
+                              <m:r>
+                                <m:rPr>
+                                  <m:sty m:val="p"/>
+                                </m:rPr>
+                                <a:rPr lang="en-US" b="0" i="0" smtClean="0">
+                                  <a:latin typeface="Cambria Math" panose="02040503050406030204" pitchFamily="18" charset="0"/>
+                                </a:rPr>
+                                <m:t>if</m:t>
+                              </m:r>
+                              <m:r>
+                                <a:rPr lang="en-US" b="0" i="1" smtClean="0">
+                                  <a:latin typeface="Cambria Math" panose="02040503050406030204" pitchFamily="18" charset="0"/>
+                                </a:rPr>
+                                <m:t>  </m:t>
+                              </m:r>
+                              <m:acc>
+                                <m:accPr>
+                                  <m:chr m:val="̂"/>
+                                  <m:ctrlPr>
+                                    <a:rPr lang="en-US" i="1">
+                                      <a:latin typeface="Cambria Math" panose="02040503050406030204" pitchFamily="18" charset="0"/>
+                                    </a:rPr>
+                                  </m:ctrlPr>
+                                </m:accPr>
+                                <m:e>
+                                  <m:r>
+                                    <a:rPr lang="en-US" i="1">
+                                      <a:latin typeface="Cambria Math" panose="02040503050406030204" pitchFamily="18" charset="0"/>
+                                    </a:rPr>
+                                    <m:t>𝑚</m:t>
+                                  </m:r>
+                                </m:e>
+                              </m:acc>
+                              <m:r>
+                                <a:rPr lang="en-US" i="1">
+                                  <a:latin typeface="Cambria Math" panose="02040503050406030204" pitchFamily="18" charset="0"/>
+                                </a:rPr>
+                                <m:t>(</m:t>
+                              </m:r>
+                              <m:r>
+                                <a:rPr lang="en-US" i="1">
+                                  <a:latin typeface="Cambria Math" panose="02040503050406030204" pitchFamily="18" charset="0"/>
+                                </a:rPr>
+                                <m:t>𝑘</m:t>
+                              </m:r>
+                              <m:r>
+                                <a:rPr lang="en-US" i="1">
+                                  <a:latin typeface="Cambria Math" panose="02040503050406030204" pitchFamily="18" charset="0"/>
+                                </a:rPr>
+                                <m:t>)=1</m:t>
+                              </m:r>
+                            </m:e>
+                          </m:eqArr>
+                        </m:e>
+                      </m:d>
+                    </m:oMath>
+                  </m:oMathPara>
+                </a14:m>
+                <a:endParaRPr lang="en-JP" sz="1600" dirty="0"/>
+              </a:p>
+            </p:txBody>
+          </p:sp>
+        </mc:Choice>
+        <mc:Fallback xmlns="">
+          <p:sp>
+            <p:nvSpPr>
+              <p:cNvPr id="6" name="TextBox 383">
+                <a:extLst>
+                  <a:ext uri="{FF2B5EF4-FFF2-40B4-BE49-F238E27FC236}">
+                    <a16:creationId xmlns:a16="http://schemas.microsoft.com/office/drawing/2014/main" id="{97734043-6121-B54D-8AD5-8AD21F25F8B0}"/>
+                  </a:ext>
+                </a:extLst>
+              </p:cNvPr>
+              <p:cNvSpPr txBox="1">
+                <a:spLocks noRot="1" noChangeAspect="1" noMove="1" noResize="1" noEditPoints="1" noAdjustHandles="1" noChangeArrowheads="1" noChangeShapeType="1" noTextEdit="1"/>
+              </p:cNvSpPr>
+              <p:nvPr/>
+            </p:nvSpPr>
+            <p:spPr>
+              <a:xfrm>
+                <a:off x="1129664" y="2592991"/>
+                <a:ext cx="4731344" cy="884281"/>
+              </a:xfrm>
+              <a:prstGeom prst="rect">
+                <a:avLst/>
+              </a:prstGeom>
+              <a:blipFill>
+                <a:blip r:embed="rId3"/>
+                <a:stretch>
+                  <a:fillRect l="-10963" t="-232857" r="-1604" b="-330000"/>
+                </a:stretch>
+              </a:blipFill>
+            </p:spPr>
+            <p:txBody>
+              <a:bodyPr/>
+              <a:lstStyle/>
+              <a:p>
+                <a:r>
+                  <a:rPr lang="ja-JP" altLang="en-US">
+                    <a:noFill/>
+                  </a:rPr>
+                  <a:t> </a:t>
+                </a:r>
+              </a:p>
+            </p:txBody>
+          </p:sp>
+        </mc:Fallback>
+      </mc:AlternateContent>
+      <mc:AlternateContent xmlns:mc="http://schemas.openxmlformats.org/markup-compatibility/2006" xmlns:a14="http://schemas.microsoft.com/office/drawing/2010/main">
+        <mc:Choice Requires="a14">
+          <p:sp>
+            <p:nvSpPr>
+              <p:cNvPr id="7" name="TextBox 384">
+                <a:extLst>
+                  <a:ext uri="{FF2B5EF4-FFF2-40B4-BE49-F238E27FC236}">
+                    <a16:creationId xmlns:a16="http://schemas.microsoft.com/office/drawing/2014/main" id="{4AEE9D72-BAE3-B94E-238F-76C29DEAE30A}"/>
+                  </a:ext>
+                </a:extLst>
+              </p:cNvPr>
+              <p:cNvSpPr txBox="1"/>
+              <p:nvPr/>
+            </p:nvSpPr>
+            <p:spPr>
+              <a:xfrm>
+                <a:off x="1129664" y="4700317"/>
+                <a:ext cx="2983810" cy="586699"/>
+              </a:xfrm>
+              <a:prstGeom prst="rect">
+                <a:avLst/>
+              </a:prstGeom>
+              <a:noFill/>
+            </p:spPr>
+            <p:txBody>
+              <a:bodyPr wrap="square" lIns="0" tIns="0" rIns="0" bIns="0" rtlCol="0">
+                <a:spAutoFit/>
+              </a:bodyPr>
+              <a:lstStyle/>
+              <a:p>
+                <a:pPr/>
+                <a14:m>
+                  <m:oMathPara xmlns:m="http://schemas.openxmlformats.org/officeDocument/2006/math">
+                    <m:oMathParaPr>
+                      <m:jc m:val="centerGroup"/>
+                    </m:oMathParaPr>
+                    <m:oMath xmlns:m="http://schemas.openxmlformats.org/officeDocument/2006/math">
+                      <m:sSub>
+                        <m:sSubPr>
+                          <m:ctrlPr>
+                            <a:rPr lang="en-US" b="0" i="1" smtClean="0">
+                              <a:solidFill>
+                                <a:srgbClr val="C00000"/>
+                              </a:solidFill>
+                              <a:latin typeface="Cambria Math" panose="02040503050406030204" pitchFamily="18" charset="0"/>
+                            </a:rPr>
+                          </m:ctrlPr>
+                        </m:sSubPr>
+                        <m:e>
+                          <m:r>
+                            <a:rPr lang="en-US" b="0" i="1" smtClean="0">
+                              <a:solidFill>
+                                <a:srgbClr val="C00000"/>
+                              </a:solidFill>
+                              <a:latin typeface="Cambria Math" panose="02040503050406030204" pitchFamily="18" charset="0"/>
+                            </a:rPr>
+                            <m:t>𝑞</m:t>
+                          </m:r>
+                        </m:e>
+                        <m:sub>
+                          <m:r>
+                            <a:rPr lang="en-US" b="0" i="1" smtClean="0">
+                              <a:solidFill>
+                                <a:srgbClr val="C00000"/>
+                              </a:solidFill>
+                              <a:latin typeface="Cambria Math" panose="02040503050406030204" pitchFamily="18" charset="0"/>
+                            </a:rPr>
+                            <m:t>1</m:t>
+                          </m:r>
+                        </m:sub>
+                      </m:sSub>
+                      <m:r>
+                        <a:rPr lang="en-US" b="0" i="1" smtClean="0">
+                          <a:latin typeface="Cambria Math" panose="02040503050406030204" pitchFamily="18" charset="0"/>
+                        </a:rPr>
+                        <m:t>=</m:t>
+                      </m:r>
+                      <m:f>
+                        <m:fPr>
+                          <m:ctrlPr>
+                            <a:rPr lang="en-US" b="0" i="1" smtClean="0">
+                              <a:latin typeface="Cambria Math" panose="02040503050406030204" pitchFamily="18" charset="0"/>
+                            </a:rPr>
+                          </m:ctrlPr>
+                        </m:fPr>
+                        <m:num>
+                          <m:r>
+                            <a:rPr lang="en-US" b="0" i="1" smtClean="0">
+                              <a:latin typeface="Cambria Math" panose="02040503050406030204" pitchFamily="18" charset="0"/>
+                            </a:rPr>
+                            <m:t>𝑆𝑥</m:t>
+                          </m:r>
+                          <m:d>
+                            <m:dPr>
+                              <m:ctrlPr>
+                                <a:rPr lang="en-US" b="0" i="1" smtClean="0">
+                                  <a:latin typeface="Cambria Math" panose="02040503050406030204" pitchFamily="18" charset="0"/>
+                                </a:rPr>
+                              </m:ctrlPr>
+                            </m:dPr>
+                            <m:e>
+                              <m:sSub>
+                                <m:sSubPr>
+                                  <m:ctrlPr>
+                                    <a:rPr lang="en-US" b="0" i="1" smtClean="0">
+                                      <a:latin typeface="Cambria Math" panose="02040503050406030204" pitchFamily="18" charset="0"/>
+                                    </a:rPr>
+                                  </m:ctrlPr>
+                                </m:sSubPr>
+                                <m:e>
+                                  <m:r>
+                                    <a:rPr lang="en-US" b="0" i="1" smtClean="0">
+                                      <a:latin typeface="Cambria Math" panose="02040503050406030204" pitchFamily="18" charset="0"/>
+                                    </a:rPr>
+                                    <m:t>𝑘</m:t>
+                                  </m:r>
+                                </m:e>
+                                <m:sub>
+                                  <m:r>
+                                    <a:rPr lang="en-US" b="0" i="1" smtClean="0">
+                                      <a:latin typeface="Cambria Math" panose="02040503050406030204" pitchFamily="18" charset="0"/>
+                                    </a:rPr>
+                                    <m:t>01</m:t>
+                                  </m:r>
+                                </m:sub>
+                              </m:sSub>
+                            </m:e>
+                          </m:d>
+                        </m:num>
+                        <m:den>
+                          <m:r>
+                            <a:rPr lang="en-US" b="0" i="1" smtClean="0">
+                              <a:latin typeface="Cambria Math" panose="02040503050406030204" pitchFamily="18" charset="0"/>
+                            </a:rPr>
+                            <m:t>𝐷</m:t>
+                          </m:r>
+                          <m:r>
+                            <a:rPr lang="en-US" b="0" i="1" smtClean="0">
+                              <a:latin typeface="Cambria Math" panose="02040503050406030204" pitchFamily="18" charset="0"/>
+                            </a:rPr>
+                            <m:t>(</m:t>
+                          </m:r>
+                          <m:sSub>
+                            <m:sSubPr>
+                              <m:ctrlPr>
+                                <a:rPr lang="en-US" b="0" i="1" smtClean="0">
+                                  <a:latin typeface="Cambria Math" panose="02040503050406030204" pitchFamily="18" charset="0"/>
+                                </a:rPr>
+                              </m:ctrlPr>
+                            </m:sSubPr>
+                            <m:e>
+                              <m:r>
+                                <a:rPr lang="en-US" b="0" i="1" smtClean="0">
+                                  <a:latin typeface="Cambria Math" panose="02040503050406030204" pitchFamily="18" charset="0"/>
+                                </a:rPr>
+                                <m:t>𝑘</m:t>
+                              </m:r>
+                            </m:e>
+                            <m:sub>
+                              <m:r>
+                                <a:rPr lang="en-US" b="0" i="1" smtClean="0">
+                                  <a:latin typeface="Cambria Math" panose="02040503050406030204" pitchFamily="18" charset="0"/>
+                                </a:rPr>
+                                <m:t>01</m:t>
+                              </m:r>
+                            </m:sub>
+                          </m:sSub>
+                          <m:r>
+                            <a:rPr lang="en-US" b="0" i="1" smtClean="0">
+                              <a:latin typeface="Cambria Math" panose="02040503050406030204" pitchFamily="18" charset="0"/>
+                            </a:rPr>
+                            <m:t>)</m:t>
+                          </m:r>
+                        </m:den>
+                      </m:f>
+                      <m:r>
+                        <a:rPr lang="en-US" b="0" i="1" smtClean="0">
+                          <a:latin typeface="Cambria Math" panose="02040503050406030204" pitchFamily="18" charset="0"/>
+                        </a:rPr>
+                        <m:t>, </m:t>
+                      </m:r>
+                      <m:sSub>
+                        <m:sSubPr>
+                          <m:ctrlPr>
+                            <a:rPr lang="en-US" b="0" i="1" smtClean="0">
+                              <a:solidFill>
+                                <a:srgbClr val="C00000"/>
+                              </a:solidFill>
+                              <a:latin typeface="Cambria Math" panose="02040503050406030204" pitchFamily="18" charset="0"/>
+                            </a:rPr>
+                          </m:ctrlPr>
+                        </m:sSubPr>
+                        <m:e>
+                          <m:r>
+                            <a:rPr lang="en-US" b="0" i="1" smtClean="0">
+                              <a:solidFill>
+                                <a:srgbClr val="C00000"/>
+                              </a:solidFill>
+                              <a:latin typeface="Cambria Math" panose="02040503050406030204" pitchFamily="18" charset="0"/>
+                            </a:rPr>
+                            <m:t> </m:t>
+                          </m:r>
+                          <m:r>
+                            <a:rPr lang="en-US" b="0" i="1" smtClean="0">
+                              <a:solidFill>
+                                <a:srgbClr val="C00000"/>
+                              </a:solidFill>
+                              <a:latin typeface="Cambria Math" panose="02040503050406030204" pitchFamily="18" charset="0"/>
+                            </a:rPr>
+                            <m:t>𝑞</m:t>
+                          </m:r>
+                        </m:e>
+                        <m:sub>
+                          <m:r>
+                            <a:rPr lang="en-US" b="0" i="1" smtClean="0">
+                              <a:solidFill>
+                                <a:srgbClr val="C00000"/>
+                              </a:solidFill>
+                              <a:latin typeface="Cambria Math" panose="02040503050406030204" pitchFamily="18" charset="0"/>
+                            </a:rPr>
+                            <m:t>2</m:t>
+                          </m:r>
+                        </m:sub>
+                      </m:sSub>
+                      <m:r>
+                        <a:rPr lang="en-US" b="0" i="1" smtClean="0">
+                          <a:latin typeface="Cambria Math" panose="02040503050406030204" pitchFamily="18" charset="0"/>
+                        </a:rPr>
+                        <m:t>=</m:t>
+                      </m:r>
+                      <m:f>
+                        <m:fPr>
+                          <m:ctrlPr>
+                            <a:rPr lang="en-US" b="0" i="1" smtClean="0">
+                              <a:latin typeface="Cambria Math" panose="02040503050406030204" pitchFamily="18" charset="0"/>
+                            </a:rPr>
+                          </m:ctrlPr>
+                        </m:fPr>
+                        <m:num>
+                          <m:r>
+                            <a:rPr lang="en-US" b="0" i="1" smtClean="0">
+                              <a:latin typeface="Cambria Math" panose="02040503050406030204" pitchFamily="18" charset="0"/>
+                            </a:rPr>
+                            <m:t>𝑆𝑥</m:t>
+                          </m:r>
+                          <m:d>
+                            <m:dPr>
+                              <m:ctrlPr>
+                                <a:rPr lang="en-US" b="0" i="1" smtClean="0">
+                                  <a:latin typeface="Cambria Math" panose="02040503050406030204" pitchFamily="18" charset="0"/>
+                                </a:rPr>
+                              </m:ctrlPr>
+                            </m:dPr>
+                            <m:e>
+                              <m:sSub>
+                                <m:sSubPr>
+                                  <m:ctrlPr>
+                                    <a:rPr lang="en-US" b="0" i="1" smtClean="0">
+                                      <a:latin typeface="Cambria Math" panose="02040503050406030204" pitchFamily="18" charset="0"/>
+                                    </a:rPr>
+                                  </m:ctrlPr>
+                                </m:sSubPr>
+                                <m:e>
+                                  <m:r>
+                                    <a:rPr lang="en-US" b="0" i="1" smtClean="0">
+                                      <a:latin typeface="Cambria Math" panose="02040503050406030204" pitchFamily="18" charset="0"/>
+                                    </a:rPr>
+                                    <m:t>𝑘</m:t>
+                                  </m:r>
+                                </m:e>
+                                <m:sub>
+                                  <m:r>
+                                    <a:rPr lang="en-US" b="0" i="1" smtClean="0">
+                                      <a:latin typeface="Cambria Math" panose="02040503050406030204" pitchFamily="18" charset="0"/>
+                                    </a:rPr>
+                                    <m:t>10</m:t>
+                                  </m:r>
+                                </m:sub>
+                              </m:sSub>
+                            </m:e>
+                          </m:d>
+                        </m:num>
+                        <m:den>
+                          <m:r>
+                            <a:rPr lang="en-US" b="0" i="1" smtClean="0">
+                              <a:latin typeface="Cambria Math" panose="02040503050406030204" pitchFamily="18" charset="0"/>
+                            </a:rPr>
+                            <m:t>𝐷</m:t>
+                          </m:r>
+                          <m:r>
+                            <a:rPr lang="en-US" b="0" i="1" smtClean="0">
+                              <a:latin typeface="Cambria Math" panose="02040503050406030204" pitchFamily="18" charset="0"/>
+                            </a:rPr>
+                            <m:t>(</m:t>
+                          </m:r>
+                          <m:sSub>
+                            <m:sSubPr>
+                              <m:ctrlPr>
+                                <a:rPr lang="en-US" b="0" i="1" smtClean="0">
+                                  <a:latin typeface="Cambria Math" panose="02040503050406030204" pitchFamily="18" charset="0"/>
+                                </a:rPr>
+                              </m:ctrlPr>
+                            </m:sSubPr>
+                            <m:e>
+                              <m:r>
+                                <a:rPr lang="en-US" b="0" i="1" smtClean="0">
+                                  <a:latin typeface="Cambria Math" panose="02040503050406030204" pitchFamily="18" charset="0"/>
+                                </a:rPr>
+                                <m:t>𝑘</m:t>
+                              </m:r>
+                            </m:e>
+                            <m:sub>
+                              <m:r>
+                                <a:rPr lang="en-US" b="0" i="1" smtClean="0">
+                                  <a:latin typeface="Cambria Math" panose="02040503050406030204" pitchFamily="18" charset="0"/>
+                                </a:rPr>
+                                <m:t>10</m:t>
+                              </m:r>
+                            </m:sub>
+                          </m:sSub>
+                          <m:r>
+                            <a:rPr lang="en-US" b="0" i="1" smtClean="0">
+                              <a:latin typeface="Cambria Math" panose="02040503050406030204" pitchFamily="18" charset="0"/>
+                            </a:rPr>
+                            <m:t>)</m:t>
+                          </m:r>
+                        </m:den>
+                      </m:f>
+                    </m:oMath>
+                  </m:oMathPara>
+                </a14:m>
+                <a:endParaRPr lang="en-JP" dirty="0"/>
+              </a:p>
+            </p:txBody>
+          </p:sp>
+        </mc:Choice>
+        <mc:Fallback xmlns="">
+          <p:sp>
+            <p:nvSpPr>
+              <p:cNvPr id="7" name="TextBox 384">
+                <a:extLst>
+                  <a:ext uri="{FF2B5EF4-FFF2-40B4-BE49-F238E27FC236}">
+                    <a16:creationId xmlns:a16="http://schemas.microsoft.com/office/drawing/2014/main" id="{4AEE9D72-BAE3-B94E-238F-76C29DEAE30A}"/>
+                  </a:ext>
+                </a:extLst>
+              </p:cNvPr>
+              <p:cNvSpPr txBox="1">
+                <a:spLocks noRot="1" noChangeAspect="1" noMove="1" noResize="1" noEditPoints="1" noAdjustHandles="1" noChangeArrowheads="1" noChangeShapeType="1" noTextEdit="1"/>
+              </p:cNvSpPr>
+              <p:nvPr/>
+            </p:nvSpPr>
+            <p:spPr>
+              <a:xfrm>
+                <a:off x="1129664" y="4700317"/>
+                <a:ext cx="2983810" cy="586699"/>
+              </a:xfrm>
+              <a:prstGeom prst="rect">
+                <a:avLst/>
+              </a:prstGeom>
+              <a:blipFill>
+                <a:blip r:embed="rId4"/>
+                <a:stretch>
+                  <a:fillRect b="-17021"/>
+                </a:stretch>
+              </a:blipFill>
+            </p:spPr>
+            <p:txBody>
+              <a:bodyPr/>
+              <a:lstStyle/>
+              <a:p>
+                <a:r>
+                  <a:rPr lang="ja-JP" altLang="en-US">
+                    <a:noFill/>
+                  </a:rPr>
+                  <a:t> </a:t>
+                </a:r>
+              </a:p>
+            </p:txBody>
+          </p:sp>
+        </mc:Fallback>
+      </mc:AlternateContent>
+      <mc:AlternateContent xmlns:mc="http://schemas.openxmlformats.org/markup-compatibility/2006" xmlns:a14="http://schemas.microsoft.com/office/drawing/2010/main">
+        <mc:Choice Requires="a14">
+          <p:sp>
+            <p:nvSpPr>
+              <p:cNvPr id="8" name="TextBox 399">
+                <a:extLst>
+                  <a:ext uri="{FF2B5EF4-FFF2-40B4-BE49-F238E27FC236}">
+                    <a16:creationId xmlns:a16="http://schemas.microsoft.com/office/drawing/2014/main" id="{47C9607B-4030-1198-2CFA-B1AA99844540}"/>
+                  </a:ext>
+                </a:extLst>
+              </p:cNvPr>
+              <p:cNvSpPr txBox="1"/>
+              <p:nvPr/>
+            </p:nvSpPr>
+            <p:spPr>
+              <a:xfrm>
+                <a:off x="584415" y="1618827"/>
+                <a:ext cx="3503918" cy="871457"/>
               </a:xfrm>
               <a:prstGeom prst="rect">
                 <a:avLst/>
@@ -8272,46 +11079,269 @@
                       <m:jc m:val="centerGroup"/>
                     </m:oMathParaPr>
                     <m:oMath xmlns:m="http://schemas.openxmlformats.org/officeDocument/2006/math">
-                      <m:sSub>
-                        <m:sSubPr>
+                      <m:func>
+                        <m:funcPr>
                           <m:ctrlPr>
-                            <a:rPr kumimoji="1" lang="en-US" altLang="ja-JP" i="1" smtClean="0">
+                            <a:rPr lang="en-US" b="0" i="1" smtClean="0">
                               <a:latin typeface="Cambria Math" panose="02040503050406030204" pitchFamily="18" charset="0"/>
                             </a:rPr>
                           </m:ctrlPr>
-                        </m:sSubPr>
+                        </m:funcPr>
+                        <m:fName>
+                          <m:limLow>
+                            <m:limLowPr>
+                              <m:ctrlPr>
+                                <a:rPr lang="en-US" b="0" i="1" smtClean="0">
+                                  <a:latin typeface="Cambria Math" panose="02040503050406030204" pitchFamily="18" charset="0"/>
+                                </a:rPr>
+                              </m:ctrlPr>
+                            </m:limLowPr>
+                            <m:e>
+                              <m:r>
+                                <m:rPr>
+                                  <m:sty m:val="p"/>
+                                </m:rPr>
+                                <a:rPr lang="en-US" b="0" i="0" smtClean="0">
+                                  <a:latin typeface="Cambria Math" panose="02040503050406030204" pitchFamily="18" charset="0"/>
+                                </a:rPr>
+                                <m:t>min</m:t>
+                              </m:r>
+                            </m:e>
+                            <m:lim>
+                              <m:r>
+                                <a:rPr lang="en-US" b="0" i="1" smtClean="0">
+                                  <a:latin typeface="Cambria Math" panose="02040503050406030204" pitchFamily="18" charset="0"/>
+                                </a:rPr>
+                                <m:t>𝜃</m:t>
+                              </m:r>
+                              <m:r>
+                                <a:rPr lang="en-US" b="0" i="1" smtClean="0">
+                                  <a:latin typeface="Cambria Math" panose="02040503050406030204" pitchFamily="18" charset="0"/>
+                                </a:rPr>
+                                <m:t>,</m:t>
+                              </m:r>
+                              <m:sSub>
+                                <m:sSubPr>
+                                  <m:ctrlPr>
+                                    <a:rPr lang="en-US" b="0" i="1" smtClean="0">
+                                      <a:latin typeface="Cambria Math" panose="02040503050406030204" pitchFamily="18" charset="0"/>
+                                    </a:rPr>
+                                  </m:ctrlPr>
+                                </m:sSubPr>
+                                <m:e>
+                                  <m:r>
+                                    <a:rPr lang="en-US" b="0" i="1" smtClean="0">
+                                      <a:latin typeface="Cambria Math" panose="02040503050406030204" pitchFamily="18" charset="0"/>
+                                    </a:rPr>
+                                    <m:t>𝑘</m:t>
+                                  </m:r>
+                                </m:e>
+                                <m:sub>
+                                  <m:r>
+                                    <a:rPr lang="en-US" b="0" i="1" smtClean="0">
+                                      <a:latin typeface="Cambria Math" panose="02040503050406030204" pitchFamily="18" charset="0"/>
+                                    </a:rPr>
+                                    <m:t>𝛾</m:t>
+                                  </m:r>
+                                  <m:r>
+                                    <a:rPr lang="en-US" b="0" i="1" smtClean="0">
+                                      <a:latin typeface="Cambria Math" panose="02040503050406030204" pitchFamily="18" charset="0"/>
+                                    </a:rPr>
+                                    <m:t>0</m:t>
+                                  </m:r>
+                                </m:sub>
+                              </m:sSub>
+                              <m:r>
+                                <a:rPr lang="en-US" b="0" i="1" smtClean="0">
+                                  <a:latin typeface="Cambria Math" panose="02040503050406030204" pitchFamily="18" charset="0"/>
+                                </a:rPr>
+                                <m:t>,</m:t>
+                              </m:r>
+                              <m:sSub>
+                                <m:sSubPr>
+                                  <m:ctrlPr>
+                                    <a:rPr lang="en-US" b="0" i="1" smtClean="0">
+                                      <a:latin typeface="Cambria Math" panose="02040503050406030204" pitchFamily="18" charset="0"/>
+                                    </a:rPr>
+                                  </m:ctrlPr>
+                                </m:sSubPr>
+                                <m:e>
+                                  <m:r>
+                                    <a:rPr lang="en-US" b="0" i="1" smtClean="0">
+                                      <a:latin typeface="Cambria Math" panose="02040503050406030204" pitchFamily="18" charset="0"/>
+                                    </a:rPr>
+                                    <m:t>𝑘</m:t>
+                                  </m:r>
+                                </m:e>
+                                <m:sub>
+                                  <m:r>
+                                    <a:rPr lang="en-US" b="0" i="1" smtClean="0">
+                                      <a:latin typeface="Cambria Math" panose="02040503050406030204" pitchFamily="18" charset="0"/>
+                                    </a:rPr>
+                                    <m:t>𝛾</m:t>
+                                  </m:r>
+                                  <m:r>
+                                    <a:rPr lang="en-US" b="0" i="1" smtClean="0">
+                                      <a:latin typeface="Cambria Math" panose="02040503050406030204" pitchFamily="18" charset="0"/>
+                                    </a:rPr>
+                                    <m:t>1</m:t>
+                                  </m:r>
+                                </m:sub>
+                              </m:sSub>
+                            </m:lim>
+                          </m:limLow>
+                        </m:fName>
                         <m:e>
-                          <m:r>
-                            <a:rPr kumimoji="1" lang="en-US" altLang="ja-JP" b="0" i="1" smtClean="0">
-                              <a:latin typeface="Cambria Math" panose="02040503050406030204" pitchFamily="18" charset="0"/>
-                            </a:rPr>
-                            <m:t>𝑑</m:t>
-                          </m:r>
+                          <m:nary>
+                            <m:naryPr>
+                              <m:chr m:val="∑"/>
+                              <m:ctrlPr>
+                                <a:rPr lang="en-US" b="0" i="1" smtClean="0">
+                                  <a:latin typeface="Cambria Math" panose="02040503050406030204" pitchFamily="18" charset="0"/>
+                                </a:rPr>
+                              </m:ctrlPr>
+                            </m:naryPr>
+                            <m:sub>
+                              <m:r>
+                                <m:rPr>
+                                  <m:brk m:alnAt="23"/>
+                                </m:rPr>
+                                <a:rPr lang="en-US" b="0" i="1" smtClean="0">
+                                  <a:latin typeface="Cambria Math" panose="02040503050406030204" pitchFamily="18" charset="0"/>
+                                </a:rPr>
+                                <m:t>𝑘</m:t>
+                              </m:r>
+                              <m:r>
+                                <a:rPr lang="en-US" b="0" i="1" smtClean="0">
+                                  <a:latin typeface="Cambria Math" panose="02040503050406030204" pitchFamily="18" charset="0"/>
+                                </a:rPr>
+                                <m:t>=0</m:t>
+                              </m:r>
+                            </m:sub>
+                            <m:sup>
+                              <m:r>
+                                <a:rPr lang="en-US" b="0" i="1" smtClean="0">
+                                  <a:latin typeface="Cambria Math" panose="02040503050406030204" pitchFamily="18" charset="0"/>
+                                </a:rPr>
+                                <m:t>𝑁</m:t>
+                              </m:r>
+                            </m:sup>
+                            <m:e>
+                              <m:sSub>
+                                <m:sSubPr>
+                                  <m:ctrlPr>
+                                    <a:rPr lang="en-US" b="0" i="1" smtClean="0">
+                                      <a:latin typeface="Cambria Math" panose="02040503050406030204" pitchFamily="18" charset="0"/>
+                                    </a:rPr>
+                                  </m:ctrlPr>
+                                </m:sSubPr>
+                                <m:e>
+                                  <m:d>
+                                    <m:dPr>
+                                      <m:begChr m:val="‖"/>
+                                      <m:endChr m:val="‖"/>
+                                      <m:ctrlPr>
+                                        <a:rPr lang="en-US" b="0" i="1" smtClean="0">
+                                          <a:latin typeface="Cambria Math" panose="02040503050406030204" pitchFamily="18" charset="0"/>
+                                        </a:rPr>
+                                      </m:ctrlPr>
+                                    </m:dPr>
+                                    <m:e>
+                                      <m:r>
+                                        <a:rPr lang="en-US" b="0" i="1" smtClean="0">
+                                          <a:latin typeface="Cambria Math" panose="02040503050406030204" pitchFamily="18" charset="0"/>
+                                        </a:rPr>
+                                        <m:t>𝑦</m:t>
+                                      </m:r>
+                                      <m:d>
+                                        <m:dPr>
+                                          <m:ctrlPr>
+                                            <a:rPr lang="en-US" b="0" i="1" smtClean="0">
+                                              <a:latin typeface="Cambria Math" panose="02040503050406030204" pitchFamily="18" charset="0"/>
+                                            </a:rPr>
+                                          </m:ctrlPr>
+                                        </m:dPr>
+                                        <m:e>
+                                          <m:r>
+                                            <a:rPr lang="en-US" b="0" i="1" smtClean="0">
+                                              <a:latin typeface="Cambria Math" panose="02040503050406030204" pitchFamily="18" charset="0"/>
+                                            </a:rPr>
+                                            <m:t>𝑘</m:t>
+                                          </m:r>
+                                        </m:e>
+                                      </m:d>
+                                      <m:r>
+                                        <a:rPr lang="en-US" b="0" i="1" smtClean="0">
+                                          <a:latin typeface="Cambria Math" panose="02040503050406030204" pitchFamily="18" charset="0"/>
+                                        </a:rPr>
+                                        <m:t>−</m:t>
+                                      </m:r>
+                                      <m:acc>
+                                        <m:accPr>
+                                          <m:chr m:val="̂"/>
+                                          <m:ctrlPr>
+                                            <a:rPr lang="en-US" b="0" i="1" smtClean="0">
+                                              <a:latin typeface="Cambria Math" panose="02040503050406030204" pitchFamily="18" charset="0"/>
+                                            </a:rPr>
+                                          </m:ctrlPr>
+                                        </m:accPr>
+                                        <m:e>
+                                          <m:r>
+                                            <a:rPr lang="en-US" b="0" i="1" smtClean="0">
+                                              <a:latin typeface="Cambria Math" panose="02040503050406030204" pitchFamily="18" charset="0"/>
+                                            </a:rPr>
+                                            <m:t>𝑦</m:t>
+                                          </m:r>
+                                        </m:e>
+                                      </m:acc>
+                                      <m:d>
+                                        <m:dPr>
+                                          <m:ctrlPr>
+                                            <a:rPr lang="en-US" b="0" i="1" smtClean="0">
+                                              <a:latin typeface="Cambria Math" panose="02040503050406030204" pitchFamily="18" charset="0"/>
+                                            </a:rPr>
+                                          </m:ctrlPr>
+                                        </m:dPr>
+                                        <m:e>
+                                          <m:r>
+                                            <a:rPr lang="en-US" b="0" i="1" smtClean="0">
+                                              <a:latin typeface="Cambria Math" panose="02040503050406030204" pitchFamily="18" charset="0"/>
+                                            </a:rPr>
+                                            <m:t>𝑘</m:t>
+                                          </m:r>
+                                        </m:e>
+                                      </m:d>
+                                    </m:e>
+                                  </m:d>
+                                </m:e>
+                                <m:sub>
+                                  <m:r>
+                                    <a:rPr lang="en-US" b="0" i="1" smtClean="0">
+                                      <a:latin typeface="Cambria Math" panose="02040503050406030204" pitchFamily="18" charset="0"/>
+                                    </a:rPr>
+                                    <m:t>2</m:t>
+                                  </m:r>
+                                </m:sub>
+                              </m:sSub>
+                            </m:e>
+                          </m:nary>
                         </m:e>
-                        <m:sub>
-                          <m:r>
-                            <a:rPr kumimoji="1" lang="en-US" altLang="ja-JP" b="0" i="1" smtClean="0">
-                              <a:latin typeface="Cambria Math" panose="02040503050406030204" pitchFamily="18" charset="0"/>
-                            </a:rPr>
-                            <m:t>𝑚𝑒𝑎𝑙</m:t>
-                          </m:r>
-                        </m:sub>
-                      </m:sSub>
+                      </m:func>
                     </m:oMath>
                   </m:oMathPara>
                 </a14:m>
-                <a:endParaRPr kumimoji="1" lang="ja-JP" altLang="en-US"/>
+                <a:endParaRPr lang="en-JP" sz="1600" dirty="0"/>
               </a:p>
             </p:txBody>
           </p:sp>
         </mc:Choice>
-        <mc:Fallback>
+        <mc:Fallback xmlns="">
           <p:sp>
             <p:nvSpPr>
-              <p:cNvPr id="58" name="テキスト ボックス 57">
+              <p:cNvPr id="8" name="TextBox 399">
                 <a:extLst>
                   <a:ext uri="{FF2B5EF4-FFF2-40B4-BE49-F238E27FC236}">
-                    <a16:creationId xmlns:a16="http://schemas.microsoft.com/office/drawing/2014/main" id="{6AFB9704-070A-D042-91BA-9265A08C5AC7}"/>
+                    <a16:creationId xmlns:a16="http://schemas.microsoft.com/office/drawing/2014/main" id="{47C9607B-4030-1198-2CFA-B1AA99844540}"/>
                   </a:ext>
                 </a:extLst>
               </p:cNvPr>
@@ -8322,16 +11352,16 @@
             </p:nvSpPr>
             <p:spPr>
               <a:xfrm>
-                <a:off x="10034169" y="1612983"/>
-                <a:ext cx="812337" cy="369332"/>
+                <a:off x="584415" y="1618827"/>
+                <a:ext cx="3503918" cy="871457"/>
               </a:xfrm>
               <a:prstGeom prst="rect">
                 <a:avLst/>
               </a:prstGeom>
               <a:blipFill>
-                <a:blip r:embed="rId4"/>
+                <a:blip r:embed="rId5"/>
                 <a:stretch>
-                  <a:fillRect/>
+                  <a:fillRect t="-94286" b="-148571"/>
                 </a:stretch>
               </a:blipFill>
             </p:spPr>
@@ -8350,201 +11380,14 @@
           </p:sp>
         </mc:Fallback>
       </mc:AlternateContent>
-      <p:cxnSp>
-        <p:nvCxnSpPr>
-          <p:cNvPr id="60" name="直線矢印コネクタ 59">
-            <a:extLst>
-              <a:ext uri="{FF2B5EF4-FFF2-40B4-BE49-F238E27FC236}">
-                <a16:creationId xmlns:a16="http://schemas.microsoft.com/office/drawing/2014/main" id="{8167024E-60DE-742F-9F66-45A11A95A9DF}"/>
-              </a:ext>
-            </a:extLst>
-          </p:cNvPr>
-          <p:cNvCxnSpPr>
-            <a:cxnSpLocks/>
-            <a:stCxn id="26" idx="3"/>
-            <a:endCxn id="3" idx="1"/>
-          </p:cNvCxnSpPr>
-          <p:nvPr/>
-        </p:nvCxnSpPr>
-        <p:spPr>
-          <a:xfrm flipV="1">
-            <a:off x="8339262" y="3933367"/>
-            <a:ext cx="689813" cy="1"/>
-          </a:xfrm>
-          <a:prstGeom prst="straightConnector1">
-            <a:avLst/>
-          </a:prstGeom>
-          <a:ln>
-            <a:tailEnd type="triangle"/>
-          </a:ln>
-        </p:spPr>
-        <p:style>
-          <a:lnRef idx="2">
-            <a:schemeClr val="dk1"/>
-          </a:lnRef>
-          <a:fillRef idx="0">
-            <a:schemeClr val="dk1"/>
-          </a:fillRef>
-          <a:effectRef idx="1">
-            <a:schemeClr val="dk1"/>
-          </a:effectRef>
-          <a:fontRef idx="minor">
-            <a:schemeClr val="tx1"/>
-          </a:fontRef>
-        </p:style>
-      </p:cxnSp>
-      <p:sp>
-        <p:nvSpPr>
-          <p:cNvPr id="63" name="正方形/長方形 62">
-            <a:extLst>
-              <a:ext uri="{FF2B5EF4-FFF2-40B4-BE49-F238E27FC236}">
-                <a16:creationId xmlns:a16="http://schemas.microsoft.com/office/drawing/2014/main" id="{31B8921D-A561-6FC3-F76F-3E9C957441AD}"/>
-              </a:ext>
-            </a:extLst>
-          </p:cNvPr>
-          <p:cNvSpPr/>
-          <p:nvPr/>
-        </p:nvSpPr>
-        <p:spPr>
-          <a:xfrm>
-            <a:off x="5238679" y="5214256"/>
-            <a:ext cx="1756657" cy="631688"/>
-          </a:xfrm>
-          <a:prstGeom prst="rect">
-            <a:avLst/>
-          </a:prstGeom>
-          <a:ln>
-            <a:solidFill>
-              <a:schemeClr val="tx2">
-                <a:lumMod val="90000"/>
-                <a:lumOff val="10000"/>
-              </a:schemeClr>
-            </a:solidFill>
-          </a:ln>
-        </p:spPr>
-        <p:style>
-          <a:lnRef idx="2">
-            <a:schemeClr val="accent1"/>
-          </a:lnRef>
-          <a:fillRef idx="1">
-            <a:schemeClr val="lt1"/>
-          </a:fillRef>
-          <a:effectRef idx="0">
-            <a:schemeClr val="accent1"/>
-          </a:effectRef>
-          <a:fontRef idx="minor">
-            <a:schemeClr val="dk1"/>
-          </a:fontRef>
-        </p:style>
-        <p:txBody>
-          <a:bodyPr rtlCol="0" anchor="ctr"/>
-          <a:lstStyle/>
-          <a:p>
-            <a:pPr algn="ctr"/>
-            <a:r>
-              <a:rPr kumimoji="1" lang="en-US" altLang="ja-JP" sz="1400" b="1" dirty="0">
-                <a:latin typeface="Hiragino Kaku Gothic ProN W3" panose="020B0300000000000000" pitchFamily="34" charset="-128"/>
-                <a:ea typeface="Hiragino Kaku Gothic ProN W3" panose="020B0300000000000000" pitchFamily="34" charset="-128"/>
-                <a:cs typeface="Arial" panose="020B0604020202020204" pitchFamily="34" charset="0"/>
-              </a:rPr>
-              <a:t>Extended Kalman filter</a:t>
-            </a:r>
-          </a:p>
-        </p:txBody>
-      </p:sp>
-      <p:cxnSp>
-        <p:nvCxnSpPr>
-          <p:cNvPr id="66" name="カギ線コネクタ 65">
-            <a:extLst>
-              <a:ext uri="{FF2B5EF4-FFF2-40B4-BE49-F238E27FC236}">
-                <a16:creationId xmlns:a16="http://schemas.microsoft.com/office/drawing/2014/main" id="{CCF1FE39-CC61-E96F-12FD-9C90C20ED7FB}"/>
-              </a:ext>
-            </a:extLst>
-          </p:cNvPr>
-          <p:cNvCxnSpPr>
-            <a:cxnSpLocks/>
-            <a:stCxn id="3" idx="3"/>
-          </p:cNvCxnSpPr>
-          <p:nvPr/>
-        </p:nvCxnSpPr>
-        <p:spPr>
-          <a:xfrm flipH="1">
-            <a:off x="6995336" y="3933367"/>
-            <a:ext cx="4229123" cy="1760272"/>
-          </a:xfrm>
-          <a:prstGeom prst="bentConnector3">
-            <a:avLst>
-              <a:gd name="adj1" fmla="val -5405"/>
-            </a:avLst>
-          </a:prstGeom>
-          <a:ln>
-            <a:tailEnd type="triangle"/>
-          </a:ln>
-        </p:spPr>
-        <p:style>
-          <a:lnRef idx="2">
-            <a:schemeClr val="dk1"/>
-          </a:lnRef>
-          <a:fillRef idx="0">
-            <a:schemeClr val="dk1"/>
-          </a:fillRef>
-          <a:effectRef idx="1">
-            <a:schemeClr val="dk1"/>
-          </a:effectRef>
-          <a:fontRef idx="minor">
-            <a:schemeClr val="tx1"/>
-          </a:fontRef>
-        </p:style>
-      </p:cxnSp>
-      <p:cxnSp>
-        <p:nvCxnSpPr>
-          <p:cNvPr id="72" name="カギ線コネクタ 71">
-            <a:extLst>
-              <a:ext uri="{FF2B5EF4-FFF2-40B4-BE49-F238E27FC236}">
-                <a16:creationId xmlns:a16="http://schemas.microsoft.com/office/drawing/2014/main" id="{DFC352B7-7927-2DE3-1D08-217F9904BCD2}"/>
-              </a:ext>
-            </a:extLst>
-          </p:cNvPr>
-          <p:cNvCxnSpPr/>
-          <p:nvPr/>
-        </p:nvCxnSpPr>
-        <p:spPr>
-          <a:xfrm rot="10800000" flipV="1">
-            <a:off x="6995336" y="3933367"/>
-            <a:ext cx="1688832" cy="1472010"/>
-          </a:xfrm>
-          <a:prstGeom prst="bentConnector3">
-            <a:avLst>
-              <a:gd name="adj1" fmla="val 654"/>
-            </a:avLst>
-          </a:prstGeom>
-          <a:ln>
-            <a:tailEnd type="triangle"/>
-          </a:ln>
-        </p:spPr>
-        <p:style>
-          <a:lnRef idx="2">
-            <a:schemeClr val="dk1"/>
-          </a:lnRef>
-          <a:fillRef idx="0">
-            <a:schemeClr val="dk1"/>
-          </a:fillRef>
-          <a:effectRef idx="1">
-            <a:schemeClr val="dk1"/>
-          </a:effectRef>
-          <a:fontRef idx="minor">
-            <a:schemeClr val="tx1"/>
-          </a:fontRef>
-        </p:style>
-      </p:cxnSp>
-      <mc:AlternateContent xmlns:mc="http://schemas.openxmlformats.org/markup-compatibility/2006">
-        <mc:Choice xmlns:a14="http://schemas.microsoft.com/office/drawing/2010/main" Requires="a14">
+      <mc:AlternateContent xmlns:mc="http://schemas.openxmlformats.org/markup-compatibility/2006" xmlns:a14="http://schemas.microsoft.com/office/drawing/2010/main">
+        <mc:Choice Requires="a14">
           <p:sp>
             <p:nvSpPr>
-              <p:cNvPr id="74" name="テキスト ボックス 73">
+              <p:cNvPr id="9" name="TextBox 404">
                 <a:extLst>
                   <a:ext uri="{FF2B5EF4-FFF2-40B4-BE49-F238E27FC236}">
-                    <a16:creationId xmlns:a16="http://schemas.microsoft.com/office/drawing/2014/main" id="{9FDA9973-9DCF-AE99-4F98-E6956E59CEFE}"/>
+                    <a16:creationId xmlns:a16="http://schemas.microsoft.com/office/drawing/2014/main" id="{D22B2661-4C85-FD6A-32E0-01DE88002FCE}"/>
                   </a:ext>
                 </a:extLst>
               </p:cNvPr>
@@ -8553,8 +11396,8 @@
             </p:nvSpPr>
             <p:spPr>
               <a:xfrm>
-                <a:off x="8381703" y="3586482"/>
-                <a:ext cx="561500" cy="298415"/>
+                <a:off x="1120620" y="3713329"/>
+                <a:ext cx="4289444" cy="835870"/>
               </a:xfrm>
               <a:prstGeom prst="rect">
                 <a:avLst/>
@@ -8562,57 +11405,273 @@
               <a:noFill/>
             </p:spPr>
             <p:txBody>
-              <a:bodyPr wrap="none" lIns="0" tIns="0" rIns="0" bIns="0" rtlCol="0">
+              <a:bodyPr wrap="square" lIns="0" tIns="0" rIns="0" bIns="0" rtlCol="0">
                 <a:spAutoFit/>
               </a:bodyPr>
               <a:lstStyle/>
               <a:p>
                 <a14:m>
-                  <m:oMathPara xmlns:m="http://schemas.openxmlformats.org/officeDocument/2006/math">
-                    <m:oMathParaPr>
-                      <m:jc m:val="centerGroup"/>
-                    </m:oMathParaPr>
-                    <m:oMath xmlns:m="http://schemas.openxmlformats.org/officeDocument/2006/math">
-                      <m:sSub>
-                        <m:sSubPr>
-                          <m:ctrlPr>
-                            <a:rPr kumimoji="1" lang="en-US" altLang="ja-JP" b="0" i="1" smtClean="0">
-                              <a:latin typeface="Cambria Math" panose="02040503050406030204" pitchFamily="18" charset="0"/>
-                            </a:rPr>
-                          </m:ctrlPr>
-                        </m:sSubPr>
-                        <m:e>
-                          <m:r>
-                            <a:rPr kumimoji="1" lang="en-US" altLang="ja-JP" b="0" i="1" smtClean="0">
-                              <a:latin typeface="Cambria Math" panose="02040503050406030204" pitchFamily="18" charset="0"/>
-                            </a:rPr>
-                            <m:t>𝑢</m:t>
-                          </m:r>
-                        </m:e>
-                        <m:sub>
-                          <m:r>
-                            <a:rPr kumimoji="1" lang="en-US" altLang="ja-JP" b="0" i="1" smtClean="0">
-                              <a:latin typeface="Cambria Math" panose="02040503050406030204" pitchFamily="18" charset="0"/>
-                            </a:rPr>
-                            <m:t>𝑚𝑝𝑐</m:t>
-                          </m:r>
-                        </m:sub>
-                      </m:sSub>
-                    </m:oMath>
-                  </m:oMathPara>
+                  <m:oMath xmlns:m="http://schemas.openxmlformats.org/officeDocument/2006/math">
+                    <m:acc>
+                      <m:accPr>
+                        <m:chr m:val="̂"/>
+                        <m:ctrlPr>
+                          <a:rPr lang="en-US" b="0" i="1" smtClean="0">
+                            <a:latin typeface="Cambria Math" panose="02040503050406030204" pitchFamily="18" charset="0"/>
+                          </a:rPr>
+                        </m:ctrlPr>
+                      </m:accPr>
+                      <m:e>
+                        <m:r>
+                          <a:rPr lang="en-US" b="0" i="1" smtClean="0">
+                            <a:latin typeface="Cambria Math" panose="02040503050406030204" pitchFamily="18" charset="0"/>
+                          </a:rPr>
+                          <m:t>𝑦</m:t>
+                        </m:r>
+                      </m:e>
+                    </m:acc>
+                    <m:d>
+                      <m:dPr>
+                        <m:ctrlPr>
+                          <a:rPr lang="en-US" b="0" i="1" smtClean="0">
+                            <a:latin typeface="Cambria Math" panose="02040503050406030204" pitchFamily="18" charset="0"/>
+                          </a:rPr>
+                        </m:ctrlPr>
+                      </m:dPr>
+                      <m:e>
+                        <m:r>
+                          <a:rPr lang="en-US" b="0" i="1" smtClean="0">
+                            <a:latin typeface="Cambria Math" panose="02040503050406030204" pitchFamily="18" charset="0"/>
+                          </a:rPr>
+                          <m:t>𝑘</m:t>
+                        </m:r>
+                      </m:e>
+                    </m:d>
+                    <m:r>
+                      <a:rPr lang="en-US" b="0" i="1" smtClean="0">
+                        <a:latin typeface="Cambria Math" panose="02040503050406030204" pitchFamily="18" charset="0"/>
+                      </a:rPr>
+                      <m:t>=</m:t>
+                    </m:r>
+                    <m:r>
+                      <a:rPr lang="en-US" b="0" i="1" smtClean="0">
+                        <a:latin typeface="Cambria Math" panose="02040503050406030204" pitchFamily="18" charset="0"/>
+                      </a:rPr>
+                      <m:t>𝐶</m:t>
+                    </m:r>
+                    <m:d>
+                      <m:dPr>
+                        <m:ctrlPr>
+                          <a:rPr lang="en-US" b="0" i="1" smtClean="0">
+                            <a:latin typeface="Cambria Math" panose="02040503050406030204" pitchFamily="18" charset="0"/>
+                          </a:rPr>
+                        </m:ctrlPr>
+                      </m:dPr>
+                      <m:e>
+                        <m:r>
+                          <a:rPr lang="en-US" b="0" i="1" smtClean="0">
+                            <a:latin typeface="Cambria Math" panose="02040503050406030204" pitchFamily="18" charset="0"/>
+                          </a:rPr>
+                          <m:t>𝑥</m:t>
+                        </m:r>
+                        <m:d>
+                          <m:dPr>
+                            <m:ctrlPr>
+                              <a:rPr lang="en-US" b="0" i="1" smtClean="0">
+                                <a:latin typeface="Cambria Math" panose="02040503050406030204" pitchFamily="18" charset="0"/>
+                              </a:rPr>
+                            </m:ctrlPr>
+                          </m:dPr>
+                          <m:e>
+                            <m:r>
+                              <a:rPr lang="en-US" b="0" i="1" smtClean="0">
+                                <a:latin typeface="Cambria Math" panose="02040503050406030204" pitchFamily="18" charset="0"/>
+                              </a:rPr>
+                              <m:t>𝑘</m:t>
+                            </m:r>
+                          </m:e>
+                        </m:d>
+                      </m:e>
+                    </m:d>
+                    <m:r>
+                      <a:rPr lang="en-US" b="0" i="1" smtClean="0">
+                        <a:latin typeface="Cambria Math" panose="02040503050406030204" pitchFamily="18" charset="0"/>
+                      </a:rPr>
+                      <m:t>,</m:t>
+                    </m:r>
+                    <m:r>
+                      <a:rPr lang="en-US" b="0" i="1" smtClean="0">
+                        <a:latin typeface="Cambria Math" panose="02040503050406030204" pitchFamily="18" charset="0"/>
+                      </a:rPr>
+                      <m:t>𝑥</m:t>
+                    </m:r>
+                    <m:d>
+                      <m:dPr>
+                        <m:ctrlPr>
+                          <a:rPr lang="en-US" b="0" i="1" smtClean="0">
+                            <a:latin typeface="Cambria Math" panose="02040503050406030204" pitchFamily="18" charset="0"/>
+                          </a:rPr>
+                        </m:ctrlPr>
+                      </m:dPr>
+                      <m:e>
+                        <m:r>
+                          <a:rPr lang="en-US" b="0" i="1" smtClean="0">
+                            <a:latin typeface="Cambria Math" panose="02040503050406030204" pitchFamily="18" charset="0"/>
+                          </a:rPr>
+                          <m:t>0</m:t>
+                        </m:r>
+                      </m:e>
+                    </m:d>
+                    <m:r>
+                      <a:rPr lang="en-US" b="0" i="1" smtClean="0">
+                        <a:latin typeface="Cambria Math" panose="02040503050406030204" pitchFamily="18" charset="0"/>
+                      </a:rPr>
+                      <m:t>=</m:t>
+                    </m:r>
+                    <m:sSub>
+                      <m:sSubPr>
+                        <m:ctrlPr>
+                          <a:rPr lang="en-US" b="0" i="1" smtClean="0">
+                            <a:latin typeface="Cambria Math" panose="02040503050406030204" pitchFamily="18" charset="0"/>
+                          </a:rPr>
+                        </m:ctrlPr>
+                      </m:sSubPr>
+                      <m:e>
+                        <m:r>
+                          <a:rPr lang="en-US" b="0" i="1" smtClean="0">
+                            <a:latin typeface="Cambria Math" panose="02040503050406030204" pitchFamily="18" charset="0"/>
+                          </a:rPr>
+                          <m:t>𝑥</m:t>
+                        </m:r>
+                      </m:e>
+                      <m:sub>
+                        <m:r>
+                          <a:rPr lang="en-US" b="0" i="1" smtClean="0">
+                            <a:latin typeface="Cambria Math" panose="02040503050406030204" pitchFamily="18" charset="0"/>
+                          </a:rPr>
+                          <m:t>0</m:t>
+                        </m:r>
+                      </m:sub>
+                    </m:sSub>
+                  </m:oMath>
                 </a14:m>
-                <a:endParaRPr kumimoji="1" lang="ja-JP" altLang="en-US"/>
+                <a:r>
+                  <a:rPr lang="en-JP" sz="1600" dirty="0"/>
+                  <a:t>, </a:t>
+                </a:r>
+              </a:p>
+              <a:p>
+                <a14:m>
+                  <m:oMath xmlns:m="http://schemas.openxmlformats.org/officeDocument/2006/math">
+                    <m:r>
+                      <a:rPr lang="en-US" i="1">
+                        <a:latin typeface="Cambria Math" panose="02040503050406030204" pitchFamily="18" charset="0"/>
+                      </a:rPr>
+                      <m:t>𝑆</m:t>
+                    </m:r>
+                    <m:r>
+                      <a:rPr lang="en-US" i="1">
+                        <a:latin typeface="Cambria Math" panose="02040503050406030204" pitchFamily="18" charset="0"/>
+                      </a:rPr>
+                      <m:t>=</m:t>
+                    </m:r>
+                    <m:d>
+                      <m:dPr>
+                        <m:begChr m:val="["/>
+                        <m:endChr m:val="]"/>
+                        <m:ctrlPr>
+                          <a:rPr lang="en-US" i="1">
+                            <a:latin typeface="Cambria Math" panose="02040503050406030204" pitchFamily="18" charset="0"/>
+                          </a:rPr>
+                        </m:ctrlPr>
+                      </m:dPr>
+                      <m:e>
+                        <m:r>
+                          <a:rPr lang="en-US" i="1">
+                            <a:latin typeface="Cambria Math" panose="02040503050406030204" pitchFamily="18" charset="0"/>
+                          </a:rPr>
+                          <m:t>0 0 1 1 0 0 0</m:t>
+                        </m:r>
+                      </m:e>
+                    </m:d>
+                    <m:r>
+                      <a:rPr lang="en-US" i="1">
+                        <a:latin typeface="Cambria Math" panose="02040503050406030204" pitchFamily="18" charset="0"/>
+                      </a:rPr>
+                      <m:t>, </m:t>
+                    </m:r>
+                  </m:oMath>
+                </a14:m>
+                <a:r>
+                  <a:rPr lang="en-JP" i="1" dirty="0">
+                    <a:latin typeface="Cambria Math" panose="02040503050406030204" pitchFamily="18" charset="0"/>
+                  </a:rPr>
+                  <a:t>C </a:t>
+                </a:r>
+                <a14:m>
+                  <m:oMath xmlns:m="http://schemas.openxmlformats.org/officeDocument/2006/math">
+                    <m:r>
+                      <a:rPr lang="en-US" i="1">
+                        <a:latin typeface="Cambria Math" panose="02040503050406030204" pitchFamily="18" charset="0"/>
+                      </a:rPr>
+                      <m:t>=</m:t>
+                    </m:r>
+                    <m:d>
+                      <m:dPr>
+                        <m:begChr m:val="["/>
+                        <m:endChr m:val="]"/>
+                        <m:ctrlPr>
+                          <a:rPr lang="en-US" i="1">
+                            <a:latin typeface="Cambria Math" panose="02040503050406030204" pitchFamily="18" charset="0"/>
+                          </a:rPr>
+                        </m:ctrlPr>
+                      </m:dPr>
+                      <m:e>
+                        <m:r>
+                          <a:rPr lang="en-US" i="1">
+                            <a:latin typeface="Cambria Math" panose="02040503050406030204" pitchFamily="18" charset="0"/>
+                          </a:rPr>
+                          <m:t>1 0 0 0 0 0 0</m:t>
+                        </m:r>
+                      </m:e>
+                    </m:d>
+                    <m:r>
+                      <a:rPr lang="en-US" b="0" i="1" smtClean="0">
+                        <a:latin typeface="Cambria Math" panose="02040503050406030204" pitchFamily="18" charset="0"/>
+                      </a:rPr>
+                      <m:t>,</m:t>
+                    </m:r>
+                    <m:r>
+                      <a:rPr lang="en-US" i="1">
+                        <a:latin typeface="Cambria Math" panose="02040503050406030204" pitchFamily="18" charset="0"/>
+                      </a:rPr>
+                      <m:t> </m:t>
+                    </m:r>
+                  </m:oMath>
+                </a14:m>
+                <a:r>
+                  <a:rPr lang="en-JP" sz="1600" i="1" dirty="0">
+                    <a:latin typeface="Cambria Math" panose="02040503050406030204" pitchFamily="18" charset="0"/>
+                  </a:rPr>
+                  <a:t> </a:t>
+                </a:r>
+                <a:endParaRPr lang="en-US" sz="1600" i="1" dirty="0">
+                  <a:latin typeface="Cambria Math" panose="02040503050406030204" pitchFamily="18" charset="0"/>
+                </a:endParaRPr>
+              </a:p>
+              <a:p>
+                <a:endParaRPr lang="en-JP" sz="1600" dirty="0"/>
               </a:p>
             </p:txBody>
           </p:sp>
         </mc:Choice>
-        <mc:Fallback>
+        <mc:Fallback xmlns="">
           <p:sp>
             <p:nvSpPr>
-              <p:cNvPr id="74" name="テキスト ボックス 73">
+              <p:cNvPr id="9" name="TextBox 404">
                 <a:extLst>
                   <a:ext uri="{FF2B5EF4-FFF2-40B4-BE49-F238E27FC236}">
-                    <a16:creationId xmlns:a16="http://schemas.microsoft.com/office/drawing/2014/main" id="{9FDA9973-9DCF-AE99-4F98-E6956E59CEFE}"/>
+                    <a16:creationId xmlns:a16="http://schemas.microsoft.com/office/drawing/2014/main" id="{D22B2661-4C85-FD6A-32E0-01DE88002FCE}"/>
                   </a:ext>
                 </a:extLst>
               </p:cNvPr>
@@ -8623,16 +11682,16 @@
             </p:nvSpPr>
             <p:spPr>
               <a:xfrm>
-                <a:off x="8381703" y="3586482"/>
-                <a:ext cx="561500" cy="298415"/>
+                <a:off x="1120620" y="3713329"/>
+                <a:ext cx="4289444" cy="835870"/>
               </a:xfrm>
               <a:prstGeom prst="rect">
                 <a:avLst/>
               </a:prstGeom>
               <a:blipFill>
-                <a:blip r:embed="rId5"/>
+                <a:blip r:embed="rId6"/>
                 <a:stretch>
-                  <a:fillRect l="-4444" r="-2222" b="-25000"/>
+                  <a:fillRect l="-2071" t="-1493"/>
                 </a:stretch>
               </a:blipFill>
             </p:spPr>
@@ -8651,14 +11710,106 @@
           </p:sp>
         </mc:Fallback>
       </mc:AlternateContent>
-      <mc:AlternateContent xmlns:mc="http://schemas.openxmlformats.org/markup-compatibility/2006">
-        <mc:Choice xmlns:a14="http://schemas.microsoft.com/office/drawing/2010/main" Requires="a14">
+      <p:grpSp>
+        <p:nvGrpSpPr>
+          <p:cNvPr id="10" name="Group 407">
+            <a:extLst>
+              <a:ext uri="{FF2B5EF4-FFF2-40B4-BE49-F238E27FC236}">
+                <a16:creationId xmlns:a16="http://schemas.microsoft.com/office/drawing/2014/main" id="{FD73BDEA-3E98-6766-9BE7-1983375D4910}"/>
+              </a:ext>
+            </a:extLst>
+          </p:cNvPr>
+          <p:cNvGrpSpPr/>
+          <p:nvPr/>
+        </p:nvGrpSpPr>
+        <p:grpSpPr>
+          <a:xfrm>
+            <a:off x="6242614" y="2965892"/>
+            <a:ext cx="5339552" cy="3468849"/>
+            <a:chOff x="492246" y="2763288"/>
+            <a:chExt cx="6971214" cy="3735506"/>
+          </a:xfrm>
+        </p:grpSpPr>
+        <p:grpSp>
+          <p:nvGrpSpPr>
+            <p:cNvPr id="11" name="グループ化 91">
+              <a:extLst>
+                <a:ext uri="{FF2B5EF4-FFF2-40B4-BE49-F238E27FC236}">
+                  <a16:creationId xmlns:a16="http://schemas.microsoft.com/office/drawing/2014/main" id="{EFACD701-2AB5-C157-2767-5710CB808D72}"/>
+                </a:ext>
+              </a:extLst>
+            </p:cNvPr>
+            <p:cNvGrpSpPr/>
+            <p:nvPr/>
+          </p:nvGrpSpPr>
+          <p:grpSpPr>
+            <a:xfrm>
+              <a:off x="1650590" y="2897727"/>
+              <a:ext cx="2636019" cy="1235034"/>
+              <a:chOff x="1074479" y="1180107"/>
+              <a:chExt cx="2636019" cy="1235034"/>
+            </a:xfrm>
+          </p:grpSpPr>
           <p:sp>
             <p:nvSpPr>
-              <p:cNvPr id="75" name="テキスト ボックス 74">
+              <p:cNvPr id="30" name="角丸四角形 28">
                 <a:extLst>
                   <a:ext uri="{FF2B5EF4-FFF2-40B4-BE49-F238E27FC236}">
-                    <a16:creationId xmlns:a16="http://schemas.microsoft.com/office/drawing/2014/main" id="{CC83AA41-DA11-9576-A0AD-900FD8E7C2B6}"/>
+                    <a16:creationId xmlns:a16="http://schemas.microsoft.com/office/drawing/2014/main" id="{A05DFE2F-FA44-EEF6-117E-74DD2FEE68F2}"/>
+                  </a:ext>
+                </a:extLst>
+              </p:cNvPr>
+              <p:cNvSpPr/>
+              <p:nvPr/>
+            </p:nvSpPr>
+            <p:spPr>
+              <a:xfrm>
+                <a:off x="1074479" y="1180107"/>
+                <a:ext cx="2163040" cy="1235034"/>
+              </a:xfrm>
+              <a:prstGeom prst="roundRect">
+                <a:avLst/>
+              </a:prstGeom>
+              <a:solidFill>
+                <a:schemeClr val="bg1"/>
+              </a:solidFill>
+              <a:ln w="38100">
+                <a:solidFill>
+                  <a:schemeClr val="tx1"/>
+                </a:solidFill>
+              </a:ln>
+            </p:spPr>
+            <p:style>
+              <a:lnRef idx="2">
+                <a:schemeClr val="accent1">
+                  <a:shade val="15000"/>
+                </a:schemeClr>
+              </a:lnRef>
+              <a:fillRef idx="1">
+                <a:schemeClr val="accent1"/>
+              </a:fillRef>
+              <a:effectRef idx="0">
+                <a:schemeClr val="accent1"/>
+              </a:effectRef>
+              <a:fontRef idx="minor">
+                <a:schemeClr val="lt1"/>
+              </a:fontRef>
+            </p:style>
+            <p:txBody>
+              <a:bodyPr rtlCol="0" anchor="ctr"/>
+              <a:lstStyle/>
+              <a:p>
+                <a:pPr algn="ctr"/>
+                <a:endParaRPr lang="ja-JP" altLang="en-US" sz="1200"/>
+              </a:p>
+            </p:txBody>
+          </p:sp>
+          <p:sp>
+            <p:nvSpPr>
+              <p:cNvPr id="31" name="テキスト ボックス 30">
+                <a:extLst>
+                  <a:ext uri="{FF2B5EF4-FFF2-40B4-BE49-F238E27FC236}">
+                    <a16:creationId xmlns:a16="http://schemas.microsoft.com/office/drawing/2014/main" id="{8C71F86A-1835-DAEC-6F40-F1A28994015E}"/>
                   </a:ext>
                 </a:extLst>
               </p:cNvPr>
@@ -8667,8 +11818,8 @@
             </p:nvSpPr>
             <p:spPr>
               <a:xfrm>
-                <a:off x="11490686" y="3656368"/>
-                <a:ext cx="221727" cy="276999"/>
+                <a:off x="1216679" y="1218058"/>
+                <a:ext cx="2493819" cy="551562"/>
               </a:xfrm>
               <a:prstGeom prst="rect">
                 <a:avLst/>
@@ -8676,421 +11827,471 @@
               <a:noFill/>
             </p:spPr>
             <p:txBody>
-              <a:bodyPr wrap="none" lIns="0" tIns="0" rIns="0" bIns="0" rtlCol="0">
+              <a:bodyPr wrap="square" rtlCol="0">
                 <a:spAutoFit/>
               </a:bodyPr>
               <a:lstStyle/>
               <a:p>
-                <a14:m>
-                  <m:oMathPara xmlns:m="http://schemas.openxmlformats.org/officeDocument/2006/math">
-                    <m:oMathParaPr>
-                      <m:jc m:val="centerGroup"/>
-                    </m:oMathParaPr>
-                    <m:oMath xmlns:m="http://schemas.openxmlformats.org/officeDocument/2006/math">
-                      <m:r>
-                        <a:rPr kumimoji="1" lang="en-US" altLang="ja-JP" b="0" i="1" smtClean="0">
-                          <a:latin typeface="Cambria Math" panose="02040503050406030204" pitchFamily="18" charset="0"/>
-                        </a:rPr>
-                        <m:t>𝐺</m:t>
-                      </m:r>
-                    </m:oMath>
-                  </m:oMathPara>
-                </a14:m>
-                <a:endParaRPr kumimoji="1" lang="ja-JP" altLang="en-US"/>
+                <a:r>
+                  <a:rPr lang="en-US" altLang="ja-JP" sz="1600" b="1" dirty="0"/>
+                  <a:t>Subject (UVA/Padova Model)</a:t>
+                </a:r>
+                <a:endParaRPr lang="ja-JP" altLang="en-US" sz="1600" b="1"/>
               </a:p>
             </p:txBody>
           </p:sp>
-        </mc:Choice>
-        <mc:Fallback>
-          <p:sp>
-            <p:nvSpPr>
-              <p:cNvPr id="75" name="テキスト ボックス 74">
+        </p:grpSp>
+        <p:sp>
+          <p:nvSpPr>
+            <p:cNvPr id="12" name="テキスト ボックス 93">
+              <a:extLst>
+                <a:ext uri="{FF2B5EF4-FFF2-40B4-BE49-F238E27FC236}">
+                  <a16:creationId xmlns:a16="http://schemas.microsoft.com/office/drawing/2014/main" id="{3DEEB9A9-6CF1-8624-9971-4C10907D4222}"/>
+                </a:ext>
+              </a:extLst>
+            </p:cNvPr>
+            <p:cNvSpPr txBox="1"/>
+            <p:nvPr/>
+          </p:nvSpPr>
+          <p:spPr>
+            <a:xfrm>
+              <a:off x="492246" y="3030598"/>
+              <a:ext cx="676700" cy="319325"/>
+            </a:xfrm>
+            <a:prstGeom prst="rect">
+              <a:avLst/>
+            </a:prstGeom>
+            <a:noFill/>
+          </p:spPr>
+          <p:txBody>
+            <a:bodyPr wrap="none" rtlCol="0">
+              <a:spAutoFit/>
+            </a:bodyPr>
+            <a:lstStyle/>
+            <a:p>
+              <a:r>
+                <a:rPr lang="en-US" altLang="ja-JP" sz="1600" b="1" dirty="0"/>
+                <a:t>Input</a:t>
+              </a:r>
+              <a:endParaRPr lang="ja-JP" altLang="en-US" sz="1600" b="1"/>
+            </a:p>
+          </p:txBody>
+        </p:sp>
+        <p:cxnSp>
+          <p:nvCxnSpPr>
+            <p:cNvPr id="13" name="直線矢印コネクタ 94">
+              <a:extLst>
+                <a:ext uri="{FF2B5EF4-FFF2-40B4-BE49-F238E27FC236}">
+                  <a16:creationId xmlns:a16="http://schemas.microsoft.com/office/drawing/2014/main" id="{10F03FB8-FF19-FE51-F037-FA83CBE5D4F6}"/>
+                </a:ext>
+              </a:extLst>
+            </p:cNvPr>
+            <p:cNvCxnSpPr/>
+            <p:nvPr/>
+          </p:nvCxnSpPr>
+          <p:spPr>
+            <a:xfrm>
+              <a:off x="567469" y="3492262"/>
+              <a:ext cx="1083120" cy="0"/>
+            </a:xfrm>
+            <a:prstGeom prst="straightConnector1">
+              <a:avLst/>
+            </a:prstGeom>
+            <a:ln w="38100">
+              <a:solidFill>
+                <a:schemeClr val="tx1"/>
+              </a:solidFill>
+              <a:tailEnd type="triangle" w="lg" len="lg"/>
+            </a:ln>
+          </p:spPr>
+          <p:style>
+            <a:lnRef idx="2">
+              <a:schemeClr val="accent1"/>
+            </a:lnRef>
+            <a:fillRef idx="0">
+              <a:schemeClr val="accent1"/>
+            </a:fillRef>
+            <a:effectRef idx="1">
+              <a:schemeClr val="accent1"/>
+            </a:effectRef>
+            <a:fontRef idx="minor">
+              <a:schemeClr val="tx1"/>
+            </a:fontRef>
+          </p:style>
+        </p:cxnSp>
+        <p:cxnSp>
+          <p:nvCxnSpPr>
+            <p:cNvPr id="14" name="直線矢印コネクタ 99">
+              <a:extLst>
+                <a:ext uri="{FF2B5EF4-FFF2-40B4-BE49-F238E27FC236}">
+                  <a16:creationId xmlns:a16="http://schemas.microsoft.com/office/drawing/2014/main" id="{D8A896FC-5CE2-B646-C265-A2C0BE3F270B}"/>
+                </a:ext>
+              </a:extLst>
+            </p:cNvPr>
+            <p:cNvCxnSpPr/>
+            <p:nvPr/>
+          </p:nvCxnSpPr>
+          <p:spPr>
+            <a:xfrm>
+              <a:off x="4524347" y="3592324"/>
+              <a:ext cx="0" cy="1557652"/>
+            </a:xfrm>
+            <a:prstGeom prst="straightConnector1">
+              <a:avLst/>
+            </a:prstGeom>
+            <a:ln w="38100">
+              <a:solidFill>
+                <a:schemeClr val="tx1"/>
+              </a:solidFill>
+              <a:prstDash val="solid"/>
+              <a:tailEnd type="triangle" w="lg" len="lg"/>
+            </a:ln>
+          </p:spPr>
+          <p:style>
+            <a:lnRef idx="2">
+              <a:schemeClr val="accent1"/>
+            </a:lnRef>
+            <a:fillRef idx="0">
+              <a:schemeClr val="accent1"/>
+            </a:fillRef>
+            <a:effectRef idx="1">
+              <a:schemeClr val="accent1"/>
+            </a:effectRef>
+            <a:fontRef idx="minor">
+              <a:schemeClr val="tx1"/>
+            </a:fontRef>
+          </p:style>
+        </p:cxnSp>
+        <p:cxnSp>
+          <p:nvCxnSpPr>
+            <p:cNvPr id="15" name="直線矢印コネクタ 103">
+              <a:extLst>
+                <a:ext uri="{FF2B5EF4-FFF2-40B4-BE49-F238E27FC236}">
+                  <a16:creationId xmlns:a16="http://schemas.microsoft.com/office/drawing/2014/main" id="{88040747-12FF-A55B-E6DF-83C92B51E100}"/>
+                </a:ext>
+              </a:extLst>
+            </p:cNvPr>
+            <p:cNvCxnSpPr/>
+            <p:nvPr/>
+          </p:nvCxnSpPr>
+          <p:spPr>
+            <a:xfrm>
+              <a:off x="3813630" y="3499881"/>
+              <a:ext cx="1223164" cy="0"/>
+            </a:xfrm>
+            <a:prstGeom prst="straightConnector1">
+              <a:avLst/>
+            </a:prstGeom>
+            <a:ln w="38100">
+              <a:solidFill>
+                <a:schemeClr val="tx1"/>
+              </a:solidFill>
+              <a:tailEnd type="triangle" w="lg" len="lg"/>
+            </a:ln>
+          </p:spPr>
+          <p:style>
+            <a:lnRef idx="2">
+              <a:schemeClr val="accent1"/>
+            </a:lnRef>
+            <a:fillRef idx="0">
+              <a:schemeClr val="accent1"/>
+            </a:fillRef>
+            <a:effectRef idx="1">
+              <a:schemeClr val="accent1"/>
+            </a:effectRef>
+            <a:fontRef idx="minor">
+              <a:schemeClr val="tx1"/>
+            </a:fontRef>
+          </p:style>
+        </p:cxnSp>
+        <p:sp>
+          <p:nvSpPr>
+            <p:cNvPr id="16" name="円/楕円 111">
+              <a:extLst>
+                <a:ext uri="{FF2B5EF4-FFF2-40B4-BE49-F238E27FC236}">
+                  <a16:creationId xmlns:a16="http://schemas.microsoft.com/office/drawing/2014/main" id="{6141A2B9-2A49-2896-3760-5E4D8B76538F}"/>
+                </a:ext>
+              </a:extLst>
+            </p:cNvPr>
+            <p:cNvSpPr/>
+            <p:nvPr/>
+          </p:nvSpPr>
+          <p:spPr>
+            <a:xfrm>
+              <a:off x="4447267" y="3422801"/>
+              <a:ext cx="154161" cy="154161"/>
+            </a:xfrm>
+            <a:prstGeom prst="ellipse">
+              <a:avLst/>
+            </a:prstGeom>
+            <a:solidFill>
+              <a:schemeClr val="tx1"/>
+            </a:solidFill>
+            <a:ln w="31750">
+              <a:solidFill>
+                <a:schemeClr val="tx1"/>
+              </a:solidFill>
+            </a:ln>
+          </p:spPr>
+          <p:style>
+            <a:lnRef idx="2">
+              <a:schemeClr val="accent1">
+                <a:shade val="15000"/>
+              </a:schemeClr>
+            </a:lnRef>
+            <a:fillRef idx="1">
+              <a:schemeClr val="accent1"/>
+            </a:fillRef>
+            <a:effectRef idx="0">
+              <a:schemeClr val="accent1"/>
+            </a:effectRef>
+            <a:fontRef idx="minor">
+              <a:schemeClr val="lt1"/>
+            </a:fontRef>
+          </p:style>
+          <p:txBody>
+            <a:bodyPr rtlCol="0" anchor="ctr"/>
+            <a:lstStyle/>
+            <a:p>
+              <a:pPr algn="ctr"/>
+              <a:endParaRPr lang="ja-JP" altLang="en-US" sz="1200"/>
+            </a:p>
+          </p:txBody>
+        </p:sp>
+        <p:cxnSp>
+          <p:nvCxnSpPr>
+            <p:cNvPr id="17" name="直線矢印コネクタ 130">
+              <a:extLst>
+                <a:ext uri="{FF2B5EF4-FFF2-40B4-BE49-F238E27FC236}">
+                  <a16:creationId xmlns:a16="http://schemas.microsoft.com/office/drawing/2014/main" id="{C7811525-FBC4-56A2-4211-BC1C6067C310}"/>
+                </a:ext>
+              </a:extLst>
+            </p:cNvPr>
+            <p:cNvCxnSpPr>
+              <a:stCxn id="21" idx="2"/>
+            </p:cNvCxnSpPr>
+            <p:nvPr/>
+          </p:nvCxnSpPr>
+          <p:spPr>
+            <a:xfrm>
+              <a:off x="5966722" y="4589678"/>
+              <a:ext cx="4143" cy="580889"/>
+            </a:xfrm>
+            <a:prstGeom prst="straightConnector1">
+              <a:avLst/>
+            </a:prstGeom>
+            <a:ln w="38100">
+              <a:solidFill>
+                <a:schemeClr val="tx1"/>
+              </a:solidFill>
+              <a:prstDash val="solid"/>
+              <a:tailEnd type="triangle" w="lg" len="lg"/>
+            </a:ln>
+          </p:spPr>
+          <p:style>
+            <a:lnRef idx="2">
+              <a:schemeClr val="accent1"/>
+            </a:lnRef>
+            <a:fillRef idx="0">
+              <a:schemeClr val="accent1"/>
+            </a:fillRef>
+            <a:effectRef idx="1">
+              <a:schemeClr val="accent1"/>
+            </a:effectRef>
+            <a:fontRef idx="minor">
+              <a:schemeClr val="tx1"/>
+            </a:fontRef>
+          </p:style>
+        </p:cxnSp>
+        <p:grpSp>
+          <p:nvGrpSpPr>
+            <p:cNvPr id="18" name="グループ化 138">
+              <a:extLst>
+                <a:ext uri="{FF2B5EF4-FFF2-40B4-BE49-F238E27FC236}">
+                  <a16:creationId xmlns:a16="http://schemas.microsoft.com/office/drawing/2014/main" id="{DAA016FD-F02C-56E0-DCE8-51658CCD5883}"/>
+                </a:ext>
+              </a:extLst>
+            </p:cNvPr>
+            <p:cNvGrpSpPr/>
+            <p:nvPr/>
+          </p:nvGrpSpPr>
+          <p:grpSpPr>
+            <a:xfrm>
+              <a:off x="3343067" y="5189686"/>
+              <a:ext cx="3611630" cy="1309108"/>
+              <a:chOff x="4289083" y="8237024"/>
+              <a:chExt cx="3611630" cy="1309108"/>
+            </a:xfrm>
+          </p:grpSpPr>
+          <p:grpSp>
+            <p:nvGrpSpPr>
+              <p:cNvPr id="25" name="グループ化 139">
                 <a:extLst>
                   <a:ext uri="{FF2B5EF4-FFF2-40B4-BE49-F238E27FC236}">
-                    <a16:creationId xmlns:a16="http://schemas.microsoft.com/office/drawing/2014/main" id="{CC83AA41-DA11-9576-A0AD-900FD8E7C2B6}"/>
+                    <a16:creationId xmlns:a16="http://schemas.microsoft.com/office/drawing/2014/main" id="{8797F719-230B-9C03-D232-5AEAE01AF172}"/>
                   </a:ext>
                 </a:extLst>
               </p:cNvPr>
-              <p:cNvSpPr txBox="1">
-                <a:spLocks noRot="1" noChangeAspect="1" noMove="1" noResize="1" noEditPoints="1" noAdjustHandles="1" noChangeArrowheads="1" noChangeShapeType="1" noTextEdit="1"/>
-              </p:cNvSpPr>
+              <p:cNvGrpSpPr/>
               <p:nvPr/>
-            </p:nvSpPr>
-            <p:spPr>
+            </p:nvGrpSpPr>
+            <p:grpSpPr>
               <a:xfrm>
-                <a:off x="11490686" y="3656368"/>
-                <a:ext cx="221727" cy="276999"/>
+                <a:off x="4289083" y="8237024"/>
+                <a:ext cx="3611630" cy="1309108"/>
+                <a:chOff x="4289083" y="8260008"/>
+                <a:chExt cx="3611630" cy="1309108"/>
               </a:xfrm>
-              <a:prstGeom prst="rect">
-                <a:avLst/>
-              </a:prstGeom>
-              <a:blipFill>
-                <a:blip r:embed="rId6"/>
-                <a:stretch>
-                  <a:fillRect l="-21053" r="-10526" b="-9091"/>
-                </a:stretch>
-              </a:blipFill>
-            </p:spPr>
-            <p:txBody>
-              <a:bodyPr/>
-              <a:lstStyle/>
-              <a:p>
-                <a:r>
-                  <a:rPr lang="ja-JP" altLang="en-US">
-                    <a:noFill/>
-                  </a:rPr>
-                  <a:t> </a:t>
-                </a:r>
-              </a:p>
-            </p:txBody>
-          </p:sp>
-        </mc:Fallback>
-      </mc:AlternateContent>
-      <p:cxnSp>
-        <p:nvCxnSpPr>
-          <p:cNvPr id="79" name="カギ線コネクタ 78">
-            <a:extLst>
-              <a:ext uri="{FF2B5EF4-FFF2-40B4-BE49-F238E27FC236}">
-                <a16:creationId xmlns:a16="http://schemas.microsoft.com/office/drawing/2014/main" id="{50349986-A90A-AFCF-4624-C12BD347F9D8}"/>
-              </a:ext>
-            </a:extLst>
-          </p:cNvPr>
-          <p:cNvCxnSpPr>
-            <a:cxnSpLocks/>
-          </p:cNvCxnSpPr>
-          <p:nvPr/>
-        </p:nvCxnSpPr>
-        <p:spPr>
-          <a:xfrm rot="10800000">
-            <a:off x="2244780" y="4522090"/>
-            <a:ext cx="2993900" cy="916761"/>
-          </a:xfrm>
-          <a:prstGeom prst="bentConnector3">
-            <a:avLst>
-              <a:gd name="adj1" fmla="val 115337"/>
-            </a:avLst>
-          </a:prstGeom>
-          <a:ln>
-            <a:tailEnd type="triangle"/>
-          </a:ln>
-        </p:spPr>
-        <p:style>
-          <a:lnRef idx="2">
-            <a:schemeClr val="dk1"/>
-          </a:lnRef>
-          <a:fillRef idx="0">
-            <a:schemeClr val="dk1"/>
-          </a:fillRef>
-          <a:effectRef idx="1">
-            <a:schemeClr val="dk1"/>
-          </a:effectRef>
-          <a:fontRef idx="minor">
-            <a:schemeClr val="tx1"/>
-          </a:fontRef>
-        </p:style>
-      </p:cxnSp>
-      <p:cxnSp>
-        <p:nvCxnSpPr>
-          <p:cNvPr id="88" name="直線矢印コネクタ 87">
-            <a:extLst>
-              <a:ext uri="{FF2B5EF4-FFF2-40B4-BE49-F238E27FC236}">
-                <a16:creationId xmlns:a16="http://schemas.microsoft.com/office/drawing/2014/main" id="{BD00C7EF-FF0D-8573-20CA-F2BF761707E2}"/>
-              </a:ext>
-            </a:extLst>
-          </p:cNvPr>
-          <p:cNvCxnSpPr>
-            <a:cxnSpLocks/>
-          </p:cNvCxnSpPr>
-          <p:nvPr/>
-        </p:nvCxnSpPr>
-        <p:spPr>
-          <a:xfrm>
-            <a:off x="10126767" y="1296365"/>
-            <a:ext cx="0" cy="2251586"/>
-          </a:xfrm>
-          <a:prstGeom prst="straightConnector1">
-            <a:avLst/>
-          </a:prstGeom>
-          <a:ln>
-            <a:tailEnd type="triangle"/>
-          </a:ln>
-        </p:spPr>
-        <p:style>
-          <a:lnRef idx="2">
-            <a:schemeClr val="dk1"/>
-          </a:lnRef>
-          <a:fillRef idx="0">
-            <a:schemeClr val="dk1"/>
-          </a:fillRef>
-          <a:effectRef idx="1">
-            <a:schemeClr val="dk1"/>
-          </a:effectRef>
-          <a:fontRef idx="minor">
-            <a:schemeClr val="tx1"/>
-          </a:fontRef>
-        </p:style>
-      </p:cxnSp>
-      <p:cxnSp>
-        <p:nvCxnSpPr>
-          <p:cNvPr id="92" name="直線矢印コネクタ 91">
-            <a:extLst>
-              <a:ext uri="{FF2B5EF4-FFF2-40B4-BE49-F238E27FC236}">
-                <a16:creationId xmlns:a16="http://schemas.microsoft.com/office/drawing/2014/main" id="{0C522CAA-070B-AEE0-DE27-45FD4C8D549F}"/>
-              </a:ext>
-            </a:extLst>
-          </p:cNvPr>
-          <p:cNvCxnSpPr>
-            <a:cxnSpLocks/>
-            <a:endCxn id="6" idx="3"/>
-          </p:cNvCxnSpPr>
-          <p:nvPr/>
-        </p:nvCxnSpPr>
-        <p:spPr>
-          <a:xfrm flipH="1">
-            <a:off x="6665170" y="2298932"/>
-            <a:ext cx="3461597" cy="0"/>
-          </a:xfrm>
-          <a:prstGeom prst="straightConnector1">
-            <a:avLst/>
-          </a:prstGeom>
-          <a:ln>
-            <a:tailEnd type="triangle"/>
-          </a:ln>
-        </p:spPr>
-        <p:style>
-          <a:lnRef idx="2">
-            <a:schemeClr val="dk1"/>
-          </a:lnRef>
-          <a:fillRef idx="0">
-            <a:schemeClr val="dk1"/>
-          </a:fillRef>
-          <a:effectRef idx="1">
-            <a:schemeClr val="dk1"/>
-          </a:effectRef>
-          <a:fontRef idx="minor">
-            <a:schemeClr val="tx1"/>
-          </a:fontRef>
-        </p:style>
-      </p:cxnSp>
-      <p:sp>
-        <p:nvSpPr>
-          <p:cNvPr id="97" name="円/楕円 96">
-            <a:extLst>
-              <a:ext uri="{FF2B5EF4-FFF2-40B4-BE49-F238E27FC236}">
-                <a16:creationId xmlns:a16="http://schemas.microsoft.com/office/drawing/2014/main" id="{894A0E35-E11A-82D3-5917-FC6051558DEC}"/>
-              </a:ext>
-            </a:extLst>
-          </p:cNvPr>
-          <p:cNvSpPr>
-            <a:spLocks noChangeAspect="1"/>
-          </p:cNvSpPr>
-          <p:nvPr/>
-        </p:nvSpPr>
-        <p:spPr>
-          <a:xfrm>
-            <a:off x="10090768" y="2262931"/>
-            <a:ext cx="72000" cy="72001"/>
-          </a:xfrm>
-          <a:prstGeom prst="ellipse">
-            <a:avLst/>
-          </a:prstGeom>
-        </p:spPr>
-        <p:style>
-          <a:lnRef idx="2">
-            <a:schemeClr val="dk1">
-              <a:shade val="15000"/>
-            </a:schemeClr>
-          </a:lnRef>
-          <a:fillRef idx="1">
-            <a:schemeClr val="dk1"/>
-          </a:fillRef>
-          <a:effectRef idx="0">
-            <a:schemeClr val="dk1"/>
-          </a:effectRef>
-          <a:fontRef idx="minor">
-            <a:schemeClr val="lt1"/>
-          </a:fontRef>
-        </p:style>
-        <p:txBody>
-          <a:bodyPr rtlCol="0" anchor="ctr"/>
-          <a:lstStyle/>
-          <a:p>
-            <a:pPr algn="ctr"/>
-            <a:endParaRPr kumimoji="1" lang="ja-JP" altLang="en-US"/>
-          </a:p>
-        </p:txBody>
-      </p:sp>
-      <p:cxnSp>
-        <p:nvCxnSpPr>
-          <p:cNvPr id="99" name="カギ線コネクタ 98">
-            <a:extLst>
-              <a:ext uri="{FF2B5EF4-FFF2-40B4-BE49-F238E27FC236}">
-                <a16:creationId xmlns:a16="http://schemas.microsoft.com/office/drawing/2014/main" id="{DF5FA035-754E-8CF8-440A-F74CBE797D24}"/>
-              </a:ext>
-            </a:extLst>
-          </p:cNvPr>
-          <p:cNvCxnSpPr>
-            <a:stCxn id="6" idx="1"/>
-          </p:cNvCxnSpPr>
-          <p:nvPr/>
-        </p:nvCxnSpPr>
-        <p:spPr>
-          <a:xfrm rot="10800000" flipH="1" flipV="1">
-            <a:off x="4712321" y="2298932"/>
-            <a:ext cx="526358" cy="3471948"/>
-          </a:xfrm>
-          <a:prstGeom prst="bentConnector4">
-            <a:avLst>
-              <a:gd name="adj1" fmla="val -618644"/>
-              <a:gd name="adj2" fmla="val 100062"/>
-            </a:avLst>
-          </a:prstGeom>
-          <a:ln>
-            <a:tailEnd type="triangle"/>
-          </a:ln>
-        </p:spPr>
-        <p:style>
-          <a:lnRef idx="2">
-            <a:schemeClr val="dk1"/>
-          </a:lnRef>
-          <a:fillRef idx="0">
-            <a:schemeClr val="dk1"/>
-          </a:fillRef>
-          <a:effectRef idx="1">
-            <a:schemeClr val="dk1"/>
-          </a:effectRef>
-          <a:fontRef idx="minor">
-            <a:schemeClr val="tx1"/>
-          </a:fontRef>
-        </p:style>
-      </p:cxnSp>
-      <p:cxnSp>
-        <p:nvCxnSpPr>
-          <p:cNvPr id="103" name="直線矢印コネクタ 102">
-            <a:extLst>
-              <a:ext uri="{FF2B5EF4-FFF2-40B4-BE49-F238E27FC236}">
-                <a16:creationId xmlns:a16="http://schemas.microsoft.com/office/drawing/2014/main" id="{6A63A33D-5255-7D80-7D0C-698AFB29E7DF}"/>
-              </a:ext>
-            </a:extLst>
-          </p:cNvPr>
-          <p:cNvCxnSpPr/>
-          <p:nvPr/>
-        </p:nvCxnSpPr>
-        <p:spPr>
-          <a:xfrm>
-            <a:off x="1453480" y="4076528"/>
-            <a:ext cx="791299" cy="0"/>
-          </a:xfrm>
-          <a:prstGeom prst="straightConnector1">
-            <a:avLst/>
-          </a:prstGeom>
-          <a:ln>
-            <a:tailEnd type="triangle"/>
-          </a:ln>
-        </p:spPr>
-        <p:style>
-          <a:lnRef idx="2">
-            <a:schemeClr val="dk1"/>
-          </a:lnRef>
-          <a:fillRef idx="0">
-            <a:schemeClr val="dk1"/>
-          </a:fillRef>
-          <a:effectRef idx="1">
-            <a:schemeClr val="dk1"/>
-          </a:effectRef>
-          <a:fontRef idx="minor">
-            <a:schemeClr val="tx1"/>
-          </a:fontRef>
-        </p:style>
-      </p:cxnSp>
-      <p:cxnSp>
-        <p:nvCxnSpPr>
-          <p:cNvPr id="105" name="直線矢印コネクタ 104">
-            <a:extLst>
-              <a:ext uri="{FF2B5EF4-FFF2-40B4-BE49-F238E27FC236}">
-                <a16:creationId xmlns:a16="http://schemas.microsoft.com/office/drawing/2014/main" id="{1EB33FF0-3AC0-7E5B-F59B-47EF6E6A2F11}"/>
-              </a:ext>
-            </a:extLst>
-          </p:cNvPr>
-          <p:cNvCxnSpPr>
-            <a:stCxn id="3" idx="3"/>
-          </p:cNvCxnSpPr>
-          <p:nvPr/>
-        </p:nvCxnSpPr>
-        <p:spPr>
-          <a:xfrm>
-            <a:off x="11224459" y="3933367"/>
-            <a:ext cx="754181" cy="0"/>
-          </a:xfrm>
-          <a:prstGeom prst="straightConnector1">
-            <a:avLst/>
-          </a:prstGeom>
-          <a:ln>
-            <a:tailEnd type="triangle"/>
-          </a:ln>
-        </p:spPr>
-        <p:style>
-          <a:lnRef idx="2">
-            <a:schemeClr val="dk1"/>
-          </a:lnRef>
-          <a:fillRef idx="0">
-            <a:schemeClr val="dk1"/>
-          </a:fillRef>
-          <a:effectRef idx="1">
-            <a:schemeClr val="dk1"/>
-          </a:effectRef>
-          <a:fontRef idx="minor">
-            <a:schemeClr val="tx1"/>
-          </a:fontRef>
-        </p:style>
-      </p:cxnSp>
-      <p:cxnSp>
-        <p:nvCxnSpPr>
-          <p:cNvPr id="109" name="直線矢印コネクタ 108">
-            <a:extLst>
-              <a:ext uri="{FF2B5EF4-FFF2-40B4-BE49-F238E27FC236}">
-                <a16:creationId xmlns:a16="http://schemas.microsoft.com/office/drawing/2014/main" id="{D5FFFEFB-A69F-8142-7E20-B37C1E4E2A59}"/>
-              </a:ext>
-            </a:extLst>
-          </p:cNvPr>
-          <p:cNvCxnSpPr/>
-          <p:nvPr/>
-        </p:nvCxnSpPr>
-        <p:spPr>
-          <a:xfrm>
-            <a:off x="666370" y="3614840"/>
-            <a:ext cx="1574219" cy="0"/>
-          </a:xfrm>
-          <a:prstGeom prst="straightConnector1">
-            <a:avLst/>
-          </a:prstGeom>
-          <a:ln>
-            <a:tailEnd type="triangle"/>
-          </a:ln>
-        </p:spPr>
-        <p:style>
-          <a:lnRef idx="2">
-            <a:schemeClr val="dk1"/>
-          </a:lnRef>
-          <a:fillRef idx="0">
-            <a:schemeClr val="dk1"/>
-          </a:fillRef>
-          <a:effectRef idx="1">
-            <a:schemeClr val="dk1"/>
-          </a:effectRef>
-          <a:fontRef idx="minor">
-            <a:schemeClr val="tx1"/>
-          </a:fontRef>
-        </p:style>
-      </p:cxnSp>
-      <mc:AlternateContent xmlns:mc="http://schemas.openxmlformats.org/markup-compatibility/2006">
-        <mc:Choice xmlns:a14="http://schemas.microsoft.com/office/drawing/2010/main" Requires="a14">
+            </p:grpSpPr>
+            <p:sp>
+              <p:nvSpPr>
+                <p:cNvPr id="27" name="角丸四角形 141">
+                  <a:extLst>
+                    <a:ext uri="{FF2B5EF4-FFF2-40B4-BE49-F238E27FC236}">
+                      <a16:creationId xmlns:a16="http://schemas.microsoft.com/office/drawing/2014/main" id="{FDAEA3CE-A202-3902-8A92-65C55D916597}"/>
+                    </a:ext>
+                  </a:extLst>
+                </p:cNvPr>
+                <p:cNvSpPr/>
+                <p:nvPr/>
+              </p:nvSpPr>
+              <p:spPr>
+                <a:xfrm>
+                  <a:off x="4289083" y="8260008"/>
+                  <a:ext cx="3490927" cy="1309108"/>
+                </a:xfrm>
+                <a:prstGeom prst="roundRect">
+                  <a:avLst/>
+                </a:prstGeom>
+                <a:solidFill>
+                  <a:schemeClr val="bg1"/>
+                </a:solidFill>
+                <a:ln w="38100">
+                  <a:solidFill>
+                    <a:schemeClr val="tx1"/>
+                  </a:solidFill>
+                </a:ln>
+              </p:spPr>
+              <p:style>
+                <a:lnRef idx="2">
+                  <a:schemeClr val="accent1">
+                    <a:shade val="15000"/>
+                  </a:schemeClr>
+                </a:lnRef>
+                <a:fillRef idx="1">
+                  <a:schemeClr val="accent1"/>
+                </a:fillRef>
+                <a:effectRef idx="0">
+                  <a:schemeClr val="accent1"/>
+                </a:effectRef>
+                <a:fontRef idx="minor">
+                  <a:schemeClr val="lt1"/>
+                </a:fontRef>
+              </p:style>
+              <p:txBody>
+                <a:bodyPr rtlCol="0" anchor="ctr"/>
+                <a:lstStyle/>
+                <a:p>
+                  <a:pPr algn="ctr"/>
+                  <a:endParaRPr lang="ja-JP" altLang="en-US" sz="1200"/>
+                </a:p>
+              </p:txBody>
+            </p:sp>
+            <p:sp>
+              <p:nvSpPr>
+                <p:cNvPr id="28" name="テキスト ボックス 142">
+                  <a:extLst>
+                    <a:ext uri="{FF2B5EF4-FFF2-40B4-BE49-F238E27FC236}">
+                      <a16:creationId xmlns:a16="http://schemas.microsoft.com/office/drawing/2014/main" id="{7D27B85E-8881-6E38-70B8-C94EADA13C84}"/>
+                    </a:ext>
+                  </a:extLst>
+                </p:cNvPr>
+                <p:cNvSpPr txBox="1"/>
+                <p:nvPr/>
+              </p:nvSpPr>
+              <p:spPr>
+                <a:xfrm>
+                  <a:off x="4473674" y="8294099"/>
+                  <a:ext cx="3427039" cy="319325"/>
+                </a:xfrm>
+                <a:prstGeom prst="rect">
+                  <a:avLst/>
+                </a:prstGeom>
+                <a:noFill/>
+              </p:spPr>
+              <p:txBody>
+                <a:bodyPr wrap="square" rtlCol="0">
+                  <a:spAutoFit/>
+                </a:bodyPr>
+                <a:lstStyle/>
+                <a:p>
+                  <a:r>
+                    <a:rPr lang="en-US" altLang="ja-JP" sz="1600" b="1" dirty="0"/>
+                    <a:t>Parameter Estimation</a:t>
+                  </a:r>
+                  <a:endParaRPr lang="ja-JP" altLang="en-US" sz="1600" b="1"/>
+                </a:p>
+              </p:txBody>
+            </p:sp>
+            <p:sp>
+              <p:nvSpPr>
+                <p:cNvPr id="29" name="角丸四角形 143">
+                  <a:extLst>
+                    <a:ext uri="{FF2B5EF4-FFF2-40B4-BE49-F238E27FC236}">
+                      <a16:creationId xmlns:a16="http://schemas.microsoft.com/office/drawing/2014/main" id="{2039E6AC-BA06-F5F2-39E4-EE5FDB546D68}"/>
+                    </a:ext>
+                  </a:extLst>
+                </p:cNvPr>
+                <p:cNvSpPr/>
+                <p:nvPr/>
+              </p:nvSpPr>
+              <p:spPr>
+                <a:xfrm>
+                  <a:off x="4694198" y="8776287"/>
+                  <a:ext cx="2718860" cy="659537"/>
+                </a:xfrm>
+                <a:prstGeom prst="roundRect">
+                  <a:avLst/>
+                </a:prstGeom>
+                <a:noFill/>
+                <a:ln w="38100">
+                  <a:solidFill>
+                    <a:schemeClr val="tx1"/>
+                  </a:solidFill>
+                </a:ln>
+              </p:spPr>
+              <p:style>
+                <a:lnRef idx="2">
+                  <a:schemeClr val="accent1">
+                    <a:shade val="15000"/>
+                  </a:schemeClr>
+                </a:lnRef>
+                <a:fillRef idx="1">
+                  <a:schemeClr val="accent1"/>
+                </a:fillRef>
+                <a:effectRef idx="0">
+                  <a:schemeClr val="accent1"/>
+                </a:effectRef>
+                <a:fontRef idx="minor">
+                  <a:schemeClr val="lt1"/>
+                </a:fontRef>
+              </p:style>
+              <p:txBody>
+                <a:bodyPr rtlCol="0" anchor="ctr"/>
+                <a:lstStyle/>
+                <a:p>
+                  <a:pPr algn="ctr"/>
+                  <a:endParaRPr lang="ja-JP" altLang="en-US" sz="1200"/>
+                </a:p>
+              </p:txBody>
+            </p:sp>
+          </p:grpSp>
           <p:sp>
             <p:nvSpPr>
-              <p:cNvPr id="110" name="テキスト ボックス 109">
+              <p:cNvPr id="26" name="テキスト ボックス 140">
                 <a:extLst>
                   <a:ext uri="{FF2B5EF4-FFF2-40B4-BE49-F238E27FC236}">
-                    <a16:creationId xmlns:a16="http://schemas.microsoft.com/office/drawing/2014/main" id="{4BDAC5DB-32E2-5FC1-E68E-0F2E891DE56B}"/>
+                    <a16:creationId xmlns:a16="http://schemas.microsoft.com/office/drawing/2014/main" id="{54ECFBFC-1506-0221-DEFA-4CF3917CAF4A}"/>
                   </a:ext>
                 </a:extLst>
               </p:cNvPr>
@@ -9099,8 +12300,8 @@
             </p:nvSpPr>
             <p:spPr>
               <a:xfrm>
-                <a:off x="4956521" y="5166843"/>
-                <a:ext cx="177933" cy="276999"/>
+                <a:off x="5328057" y="8863648"/>
+                <a:ext cx="1666516" cy="319325"/>
               </a:xfrm>
               <a:prstGeom prst="rect">
                 <a:avLst/>
@@ -9108,209 +12309,433 @@
               <a:noFill/>
             </p:spPr>
             <p:txBody>
-              <a:bodyPr wrap="none" lIns="0" tIns="0" rIns="0" bIns="0" rtlCol="0">
+              <a:bodyPr wrap="square" rtlCol="0">
                 <a:spAutoFit/>
               </a:bodyPr>
               <a:lstStyle/>
               <a:p>
-                <a14:m>
-                  <m:oMathPara xmlns:m="http://schemas.openxmlformats.org/officeDocument/2006/math">
-                    <m:oMathParaPr>
-                      <m:jc m:val="centerGroup"/>
-                    </m:oMathParaPr>
-                    <m:oMath xmlns:m="http://schemas.openxmlformats.org/officeDocument/2006/math">
-                      <m:r>
-                        <m:rPr>
-                          <m:sty m:val="p"/>
-                        </m:rPr>
-                        <a:rPr kumimoji="1" lang="en-US" altLang="ja-JP" b="0" i="1" smtClean="0">
-                          <a:latin typeface="Cambria Math" panose="02040503050406030204" pitchFamily="18" charset="0"/>
-                        </a:rPr>
-                        <m:t>x</m:t>
-                      </m:r>
-                      <m:r>
-                        <a:rPr kumimoji="1" lang="en-US" altLang="ja-JP" b="0" i="1" smtClean="0">
-                          <a:latin typeface="Cambria Math" panose="02040503050406030204" pitchFamily="18" charset="0"/>
-                        </a:rPr>
-                        <m:t>̂</m:t>
-                      </m:r>
-                    </m:oMath>
-                  </m:oMathPara>
-                </a14:m>
-                <a:endParaRPr kumimoji="1" lang="ja-JP" altLang="en-US"/>
+                <a:r>
+                  <a:rPr lang="en-US" altLang="ja-JP" sz="1600" b="1" dirty="0"/>
+                  <a:t>SSOGMM</a:t>
+                </a:r>
+                <a:endParaRPr lang="ja-JP" altLang="en-US" sz="1600" b="1"/>
               </a:p>
             </p:txBody>
           </p:sp>
-        </mc:Choice>
-        <mc:Fallback>
-          <p:sp>
-            <p:nvSpPr>
-              <p:cNvPr id="110" name="テキスト ボックス 109">
-                <a:extLst>
-                  <a:ext uri="{FF2B5EF4-FFF2-40B4-BE49-F238E27FC236}">
-                    <a16:creationId xmlns:a16="http://schemas.microsoft.com/office/drawing/2014/main" id="{4BDAC5DB-32E2-5FC1-E68E-0F2E891DE56B}"/>
-                  </a:ext>
-                </a:extLst>
-              </p:cNvPr>
-              <p:cNvSpPr txBox="1">
-                <a:spLocks noRot="1" noChangeAspect="1" noMove="1" noResize="1" noEditPoints="1" noAdjustHandles="1" noChangeArrowheads="1" noChangeShapeType="1" noTextEdit="1"/>
-              </p:cNvSpPr>
-              <p:nvPr/>
-            </p:nvSpPr>
-            <p:spPr>
-              <a:xfrm>
-                <a:off x="4956521" y="5166843"/>
-                <a:ext cx="177933" cy="276999"/>
-              </a:xfrm>
-              <a:prstGeom prst="rect">
-                <a:avLst/>
-              </a:prstGeom>
-              <a:blipFill>
-                <a:blip r:embed="rId7"/>
-                <a:stretch>
-                  <a:fillRect l="-26667" r="-26667" b="-9091"/>
-                </a:stretch>
-              </a:blipFill>
-            </p:spPr>
-            <p:txBody>
-              <a:bodyPr/>
-              <a:lstStyle/>
-              <a:p>
-                <a:r>
-                  <a:rPr lang="ja-JP" altLang="en-US">
-                    <a:noFill/>
-                  </a:rPr>
-                  <a:t> </a:t>
-                </a:r>
-              </a:p>
-            </p:txBody>
-          </p:sp>
-        </mc:Fallback>
-      </mc:AlternateContent>
-      <mc:AlternateContent xmlns:mc="http://schemas.openxmlformats.org/markup-compatibility/2006">
-        <mc:Choice xmlns:a14="http://schemas.microsoft.com/office/drawing/2010/main" Requires="a14">
-          <p:sp>
-            <p:nvSpPr>
-              <p:cNvPr id="111" name="テキスト ボックス 110">
-                <a:extLst>
-                  <a:ext uri="{FF2B5EF4-FFF2-40B4-BE49-F238E27FC236}">
-                    <a16:creationId xmlns:a16="http://schemas.microsoft.com/office/drawing/2014/main" id="{7B4D38FE-EB13-DA17-7BEF-90D8A0C3BBD1}"/>
-                  </a:ext>
-                </a:extLst>
-              </p:cNvPr>
-              <p:cNvSpPr txBox="1"/>
-              <p:nvPr/>
-            </p:nvSpPr>
-            <p:spPr>
-              <a:xfrm>
-                <a:off x="717023" y="3237572"/>
-                <a:ext cx="501035" cy="299249"/>
-              </a:xfrm>
-              <a:prstGeom prst="rect">
-                <a:avLst/>
-              </a:prstGeom>
-              <a:noFill/>
-            </p:spPr>
-            <p:txBody>
-              <a:bodyPr wrap="none" lIns="0" tIns="0" rIns="0" bIns="0" rtlCol="0">
-                <a:spAutoFit/>
-              </a:bodyPr>
-              <a:lstStyle/>
-              <a:p>
-                <a14:m>
-                  <m:oMathPara xmlns:m="http://schemas.openxmlformats.org/officeDocument/2006/math">
-                    <m:oMathParaPr>
-                      <m:jc m:val="centerGroup"/>
-                    </m:oMathParaPr>
-                    <m:oMath xmlns:m="http://schemas.openxmlformats.org/officeDocument/2006/math">
-                      <m:sSub>
-                        <m:sSubPr>
-                          <m:ctrlPr>
-                            <a:rPr kumimoji="1" lang="en-US" altLang="ja-JP" b="0" i="1" smtClean="0">
-                              <a:latin typeface="Cambria Math" panose="02040503050406030204" pitchFamily="18" charset="0"/>
-                            </a:rPr>
-                          </m:ctrlPr>
-                        </m:sSubPr>
-                        <m:e>
-                          <m:r>
-                            <a:rPr kumimoji="1" lang="en-US" altLang="ja-JP" b="0" i="1" smtClean="0">
-                              <a:latin typeface="Cambria Math" panose="02040503050406030204" pitchFamily="18" charset="0"/>
-                            </a:rPr>
-                            <m:t>𝐺</m:t>
-                          </m:r>
-                        </m:e>
-                        <m:sub>
-                          <m:r>
-                            <a:rPr kumimoji="1" lang="en-US" altLang="ja-JP" b="0" i="1" smtClean="0">
-                              <a:latin typeface="Cambria Math" panose="02040503050406030204" pitchFamily="18" charset="0"/>
-                            </a:rPr>
-                            <m:t>𝑟𝑒𝑓</m:t>
-                          </m:r>
-                        </m:sub>
-                      </m:sSub>
-                    </m:oMath>
-                  </m:oMathPara>
-                </a14:m>
-                <a:endParaRPr kumimoji="1" lang="ja-JP" altLang="en-US"/>
-              </a:p>
-            </p:txBody>
-          </p:sp>
-        </mc:Choice>
-        <mc:Fallback>
-          <p:sp>
-            <p:nvSpPr>
-              <p:cNvPr id="111" name="テキスト ボックス 110">
-                <a:extLst>
-                  <a:ext uri="{FF2B5EF4-FFF2-40B4-BE49-F238E27FC236}">
-                    <a16:creationId xmlns:a16="http://schemas.microsoft.com/office/drawing/2014/main" id="{7B4D38FE-EB13-DA17-7BEF-90D8A0C3BBD1}"/>
-                  </a:ext>
-                </a:extLst>
-              </p:cNvPr>
-              <p:cNvSpPr txBox="1">
-                <a:spLocks noRot="1" noChangeAspect="1" noMove="1" noResize="1" noEditPoints="1" noAdjustHandles="1" noChangeArrowheads="1" noChangeShapeType="1" noTextEdit="1"/>
-              </p:cNvSpPr>
-              <p:nvPr/>
-            </p:nvSpPr>
-            <p:spPr>
-              <a:xfrm>
-                <a:off x="717023" y="3237572"/>
-                <a:ext cx="501035" cy="299249"/>
-              </a:xfrm>
-              <a:prstGeom prst="rect">
-                <a:avLst/>
-              </a:prstGeom>
-              <a:blipFill>
-                <a:blip r:embed="rId8"/>
-                <a:stretch>
-                  <a:fillRect l="-10000" r="-7500" b="-24000"/>
-                </a:stretch>
-              </a:blipFill>
-            </p:spPr>
-            <p:txBody>
-              <a:bodyPr/>
-              <a:lstStyle/>
-              <a:p>
-                <a:r>
-                  <a:rPr lang="ja-JP" altLang="en-US">
-                    <a:noFill/>
-                  </a:rPr>
-                  <a:t> </a:t>
-                </a:r>
-              </a:p>
-            </p:txBody>
-          </p:sp>
-        </mc:Fallback>
-      </mc:AlternateContent>
+        </p:grpSp>
+        <p:cxnSp>
+          <p:nvCxnSpPr>
+            <p:cNvPr id="19" name="直線矢印コネクタ 144">
+              <a:extLst>
+                <a:ext uri="{FF2B5EF4-FFF2-40B4-BE49-F238E27FC236}">
+                  <a16:creationId xmlns:a16="http://schemas.microsoft.com/office/drawing/2014/main" id="{4CE97991-EE88-5600-0DAE-C72A8EFDFADB}"/>
+                </a:ext>
+              </a:extLst>
+            </p:cNvPr>
+            <p:cNvCxnSpPr/>
+            <p:nvPr/>
+          </p:nvCxnSpPr>
+          <p:spPr>
+            <a:xfrm>
+              <a:off x="6833995" y="5844240"/>
+              <a:ext cx="629465" cy="0"/>
+            </a:xfrm>
+            <a:prstGeom prst="straightConnector1">
+              <a:avLst/>
+            </a:prstGeom>
+            <a:ln w="38100">
+              <a:solidFill>
+                <a:schemeClr val="tx1"/>
+              </a:solidFill>
+              <a:tailEnd type="triangle" w="lg" len="lg"/>
+            </a:ln>
+          </p:spPr>
+          <p:style>
+            <a:lnRef idx="2">
+              <a:schemeClr val="accent1"/>
+            </a:lnRef>
+            <a:fillRef idx="0">
+              <a:schemeClr val="accent1"/>
+            </a:fillRef>
+            <a:effectRef idx="1">
+              <a:schemeClr val="accent1"/>
+            </a:effectRef>
+            <a:fontRef idx="minor">
+              <a:schemeClr val="tx1"/>
+            </a:fontRef>
+          </p:style>
+        </p:cxnSp>
+        <mc:AlternateContent xmlns:mc="http://schemas.openxmlformats.org/markup-compatibility/2006" xmlns:a14="http://schemas.microsoft.com/office/drawing/2010/main">
+          <mc:Choice Requires="a14">
+            <p:sp>
+              <p:nvSpPr>
+                <p:cNvPr id="20" name="テキスト ボックス 145">
+                  <a:extLst>
+                    <a:ext uri="{FF2B5EF4-FFF2-40B4-BE49-F238E27FC236}">
+                      <a16:creationId xmlns:a16="http://schemas.microsoft.com/office/drawing/2014/main" id="{F3904DB0-02CE-39DD-9744-DD3D00569253}"/>
+                    </a:ext>
+                  </a:extLst>
+                </p:cNvPr>
+                <p:cNvSpPr txBox="1"/>
+                <p:nvPr/>
+              </p:nvSpPr>
+              <p:spPr>
+                <a:xfrm>
+                  <a:off x="7061851" y="5446978"/>
+                  <a:ext cx="253992" cy="232236"/>
+                </a:xfrm>
+                <a:prstGeom prst="rect">
+                  <a:avLst/>
+                </a:prstGeom>
+                <a:noFill/>
+              </p:spPr>
+              <p:txBody>
+                <a:bodyPr wrap="none" lIns="0" tIns="0" rIns="0" bIns="0" rtlCol="0">
+                  <a:spAutoFit/>
+                </a:bodyPr>
+                <a:lstStyle/>
+                <a:p>
+                  <a:pPr/>
+                  <a14:m>
+                    <m:oMathPara xmlns:m="http://schemas.openxmlformats.org/officeDocument/2006/math">
+                      <m:oMathParaPr>
+                        <m:jc m:val="centerGroup"/>
+                      </m:oMathParaPr>
+                      <m:oMath xmlns:m="http://schemas.openxmlformats.org/officeDocument/2006/math">
+                        <m:sSup>
+                          <m:sSupPr>
+                            <m:ctrlPr>
+                              <a:rPr lang="en-US" altLang="ja-JP" sz="1600" i="1">
+                                <a:latin typeface="Cambria Math" panose="02040503050406030204" pitchFamily="18" charset="0"/>
+                              </a:rPr>
+                            </m:ctrlPr>
+                          </m:sSupPr>
+                          <m:e>
+                            <m:r>
+                              <a:rPr lang="en-US" altLang="ja-JP" sz="1600" i="1">
+                                <a:latin typeface="Cambria Math" panose="02040503050406030204" pitchFamily="18" charset="0"/>
+                              </a:rPr>
+                              <m:t>𝜃</m:t>
+                            </m:r>
+                          </m:e>
+                          <m:sup>
+                            <m:r>
+                              <a:rPr lang="en-US" altLang="ja-JP" sz="1600" i="1">
+                                <a:latin typeface="Cambria Math" panose="02040503050406030204" pitchFamily="18" charset="0"/>
+                              </a:rPr>
+                              <m:t>∗</m:t>
+                            </m:r>
+                          </m:sup>
+                        </m:sSup>
+                      </m:oMath>
+                    </m:oMathPara>
+                  </a14:m>
+                  <a:endParaRPr lang="ja-JP" altLang="en-US" sz="1600"/>
+                </a:p>
+              </p:txBody>
+            </p:sp>
+          </mc:Choice>
+          <mc:Fallback xmlns="">
+            <p:sp>
+              <p:nvSpPr>
+                <p:cNvPr id="20" name="テキスト ボックス 145">
+                  <a:extLst>
+                    <a:ext uri="{FF2B5EF4-FFF2-40B4-BE49-F238E27FC236}">
+                      <a16:creationId xmlns:a16="http://schemas.microsoft.com/office/drawing/2014/main" id="{F3904DB0-02CE-39DD-9744-DD3D00569253}"/>
+                    </a:ext>
+                  </a:extLst>
+                </p:cNvPr>
+                <p:cNvSpPr txBox="1">
+                  <a:spLocks noRot="1" noChangeAspect="1" noMove="1" noResize="1" noEditPoints="1" noAdjustHandles="1" noChangeArrowheads="1" noChangeShapeType="1" noTextEdit="1"/>
+                </p:cNvSpPr>
+                <p:nvPr/>
+              </p:nvSpPr>
+              <p:spPr>
+                <a:xfrm>
+                  <a:off x="7061851" y="5446978"/>
+                  <a:ext cx="253992" cy="232236"/>
+                </a:xfrm>
+                <a:prstGeom prst="rect">
+                  <a:avLst/>
+                </a:prstGeom>
+                <a:blipFill>
+                  <a:blip r:embed="rId7"/>
+                  <a:stretch>
+                    <a:fillRect l="-40000" r="-26667" b="-22222"/>
+                  </a:stretch>
+                </a:blipFill>
+              </p:spPr>
+              <p:txBody>
+                <a:bodyPr/>
+                <a:lstStyle/>
+                <a:p>
+                  <a:r>
+                    <a:rPr lang="ja-JP" altLang="en-US">
+                      <a:noFill/>
+                    </a:rPr>
+                    <a:t> </a:t>
+                  </a:r>
+                </a:p>
+              </p:txBody>
+            </p:sp>
+          </mc:Fallback>
+        </mc:AlternateContent>
+        <p:sp>
+          <p:nvSpPr>
+            <p:cNvPr id="21" name="角丸四角形 168">
+              <a:extLst>
+                <a:ext uri="{FF2B5EF4-FFF2-40B4-BE49-F238E27FC236}">
+                  <a16:creationId xmlns:a16="http://schemas.microsoft.com/office/drawing/2014/main" id="{626151C9-A1EB-4DA0-E99F-85C28718C0A5}"/>
+                </a:ext>
+              </a:extLst>
+            </p:cNvPr>
+            <p:cNvSpPr/>
+            <p:nvPr/>
+          </p:nvSpPr>
+          <p:spPr>
+            <a:xfrm>
+              <a:off x="5045235" y="2763288"/>
+              <a:ext cx="1842973" cy="1826390"/>
+            </a:xfrm>
+            <a:prstGeom prst="roundRect">
+              <a:avLst/>
+            </a:prstGeom>
+            <a:solidFill>
+              <a:schemeClr val="bg1"/>
+            </a:solidFill>
+            <a:ln w="38100">
+              <a:solidFill>
+                <a:schemeClr val="tx1"/>
+              </a:solidFill>
+              <a:prstDash val="sysDot"/>
+            </a:ln>
+          </p:spPr>
+          <p:style>
+            <a:lnRef idx="2">
+              <a:schemeClr val="accent1">
+                <a:shade val="15000"/>
+              </a:schemeClr>
+            </a:lnRef>
+            <a:fillRef idx="1">
+              <a:schemeClr val="accent1"/>
+            </a:fillRef>
+            <a:effectRef idx="0">
+              <a:schemeClr val="accent1"/>
+            </a:effectRef>
+            <a:fontRef idx="minor">
+              <a:schemeClr val="lt1"/>
+            </a:fontRef>
+          </p:style>
+          <p:txBody>
+            <a:bodyPr rtlCol="0" anchor="ctr"/>
+            <a:lstStyle/>
+            <a:p>
+              <a:pPr algn="ctr"/>
+              <a:endParaRPr lang="ja-JP" altLang="en-US" sz="1200"/>
+            </a:p>
+          </p:txBody>
+        </p:sp>
+        <p:sp>
+          <p:nvSpPr>
+            <p:cNvPr id="22" name="テキスト ボックス 169">
+              <a:extLst>
+                <a:ext uri="{FF2B5EF4-FFF2-40B4-BE49-F238E27FC236}">
+                  <a16:creationId xmlns:a16="http://schemas.microsoft.com/office/drawing/2014/main" id="{C9B057F9-3118-45B2-A782-5EAF444AC887}"/>
+                </a:ext>
+              </a:extLst>
+            </p:cNvPr>
+            <p:cNvSpPr txBox="1"/>
+            <p:nvPr/>
+          </p:nvSpPr>
+          <p:spPr>
+            <a:xfrm>
+              <a:off x="5193632" y="3199429"/>
+              <a:ext cx="1897657" cy="609621"/>
+            </a:xfrm>
+            <a:prstGeom prst="rect">
+              <a:avLst/>
+            </a:prstGeom>
+            <a:noFill/>
+          </p:spPr>
+          <p:txBody>
+            <a:bodyPr wrap="square">
+              <a:spAutoFit/>
+            </a:bodyPr>
+            <a:lstStyle/>
+            <a:p>
+              <a:r>
+                <a:rPr lang="en-US" altLang="ja-JP" b="1" dirty="0"/>
+                <a:t>Mode </a:t>
+              </a:r>
+              <a:br>
+                <a:rPr lang="en-US" altLang="ja-JP" b="1" dirty="0"/>
+              </a:br>
+              <a:r>
+                <a:rPr lang="en-US" altLang="ja-JP" b="1" dirty="0"/>
+                <a:t>Estimator</a:t>
+              </a:r>
+              <a:endParaRPr lang="ja-JP" altLang="en-US"/>
+            </a:p>
+          </p:txBody>
+        </p:sp>
+        <p:sp>
+          <p:nvSpPr>
+            <p:cNvPr id="23" name="テキスト ボックス 93">
+              <a:extLst>
+                <a:ext uri="{FF2B5EF4-FFF2-40B4-BE49-F238E27FC236}">
+                  <a16:creationId xmlns:a16="http://schemas.microsoft.com/office/drawing/2014/main" id="{C534665F-17CF-82BD-2E7D-C454ECFA671F}"/>
+                </a:ext>
+              </a:extLst>
+            </p:cNvPr>
+            <p:cNvSpPr txBox="1"/>
+            <p:nvPr/>
+          </p:nvSpPr>
+          <p:spPr>
+            <a:xfrm>
+              <a:off x="3801038" y="3005609"/>
+              <a:ext cx="949710" cy="319325"/>
+            </a:xfrm>
+            <a:prstGeom prst="rect">
+              <a:avLst/>
+            </a:prstGeom>
+            <a:noFill/>
+          </p:spPr>
+          <p:txBody>
+            <a:bodyPr wrap="none" rtlCol="0">
+              <a:spAutoFit/>
+            </a:bodyPr>
+            <a:lstStyle/>
+            <a:p>
+              <a:r>
+                <a:rPr lang="en-US" altLang="ja-JP" sz="1600" b="1" dirty="0"/>
+                <a:t>Glucose</a:t>
+              </a:r>
+              <a:endParaRPr lang="ja-JP" altLang="en-US" sz="1600" b="1"/>
+            </a:p>
+          </p:txBody>
+        </p:sp>
+        <p:sp>
+          <p:nvSpPr>
+            <p:cNvPr id="24" name="テキスト ボックス 93">
+              <a:extLst>
+                <a:ext uri="{FF2B5EF4-FFF2-40B4-BE49-F238E27FC236}">
+                  <a16:creationId xmlns:a16="http://schemas.microsoft.com/office/drawing/2014/main" id="{679466FF-D6CF-65CC-F692-0B998C961E05}"/>
+                </a:ext>
+              </a:extLst>
+            </p:cNvPr>
+            <p:cNvSpPr txBox="1"/>
+            <p:nvPr/>
+          </p:nvSpPr>
+          <p:spPr>
+            <a:xfrm>
+              <a:off x="6080291" y="4649290"/>
+              <a:ext cx="716578" cy="319325"/>
+            </a:xfrm>
+            <a:prstGeom prst="rect">
+              <a:avLst/>
+            </a:prstGeom>
+            <a:noFill/>
+          </p:spPr>
+          <p:txBody>
+            <a:bodyPr wrap="none" rtlCol="0">
+              <a:spAutoFit/>
+            </a:bodyPr>
+            <a:lstStyle/>
+            <a:p>
+              <a:r>
+                <a:rPr lang="en-US" altLang="ja-JP" sz="1600" b="1" dirty="0"/>
+                <a:t>Mode</a:t>
+              </a:r>
+              <a:endParaRPr lang="ja-JP" altLang="en-US" sz="1600" b="1"/>
+            </a:p>
+          </p:txBody>
+        </p:sp>
+      </p:grpSp>
     </p:spTree>
     <p:extLst>
       <p:ext uri="{BB962C8B-B14F-4D97-AF65-F5344CB8AC3E}">
-        <p14:creationId xmlns:p14="http://schemas.microsoft.com/office/powerpoint/2010/main" val="3016828487"/>
+        <p14:creationId xmlns:p14="http://schemas.microsoft.com/office/powerpoint/2010/main" val="2163760532"/>
       </p:ext>
     </p:extLst>
   </p:cSld>
   <p:clrMapOvr>
     <a:masterClrMapping/>
   </p:clrMapOvr>
+  <p:timing>
+    <p:tnLst>
+      <p:par>
+        <p:cTn id="1" dur="indefinite" restart="never" nodeType="tmRoot">
+          <p:childTnLst>
+            <p:seq concurrent="1" nextAc="seek">
+              <p:cTn id="2" dur="indefinite" nodeType="mainSeq">
+                <p:childTnLst>
+                  <p:par>
+                    <p:cTn id="3" fill="hold">
+                      <p:stCondLst>
+                        <p:cond delay="indefinite"/>
+                      </p:stCondLst>
+                      <p:childTnLst>
+                        <p:par>
+                          <p:cTn id="4" fill="hold">
+                            <p:stCondLst>
+                              <p:cond delay="0"/>
+                            </p:stCondLst>
+                            <p:childTnLst>
+                              <p:par>
+                                <p:cTn id="5" presetID="1" presetClass="entr" presetSubtype="0" fill="hold" nodeType="clickEffect">
+                                  <p:stCondLst>
+                                    <p:cond delay="0"/>
+                                  </p:stCondLst>
+                                  <p:childTnLst>
+                                    <p:set>
+                                      <p:cBhvr>
+                                        <p:cTn id="6" dur="1" fill="hold">
+                                          <p:stCondLst>
+                                            <p:cond delay="0"/>
+                                          </p:stCondLst>
+                                        </p:cTn>
+                                        <p:tgtEl>
+                                          <p:spTgt spid="10"/>
+                                        </p:tgtEl>
+                                        <p:attrNameLst>
+                                          <p:attrName>style.visibility</p:attrName>
+                                        </p:attrNameLst>
+                                      </p:cBhvr>
+                                      <p:to>
+                                        <p:strVal val="visible"/>
+                                      </p:to>
+                                    </p:set>
+                                  </p:childTnLst>
+                                </p:cTn>
+                              </p:par>
+                            </p:childTnLst>
+                          </p:cTn>
+                        </p:par>
+                      </p:childTnLst>
+                    </p:cTn>
+                  </p:par>
+                </p:childTnLst>
+              </p:cTn>
+              <p:prevCondLst>
+                <p:cond evt="onPrev" delay="0">
+                  <p:tgtEl>
+                    <p:sldTgt/>
+                  </p:tgtEl>
+                </p:cond>
+              </p:prevCondLst>
+              <p:nextCondLst>
+                <p:cond evt="onNext" delay="0">
+                  <p:tgtEl>
+                    <p:sldTgt/>
+                  </p:tgtEl>
+                </p:cond>
+              </p:nextCondLst>
+            </p:seq>
+          </p:childTnLst>
+        </p:cTn>
+      </p:par>
+    </p:tnLst>
+  </p:timing>
 </p:sld>
 </file>
 

--- a/fig_block.pptx
+++ b/fig_block.pptx
@@ -5,13 +5,16 @@
     <p:sldMasterId id="2147483648" r:id="rId1"/>
   </p:sldMasterIdLst>
   <p:notesMasterIdLst>
-    <p:notesMasterId r:id="rId6"/>
+    <p:notesMasterId r:id="rId9"/>
   </p:notesMasterIdLst>
   <p:sldIdLst>
     <p:sldId id="257" r:id="rId2"/>
     <p:sldId id="258" r:id="rId3"/>
     <p:sldId id="256" r:id="rId4"/>
     <p:sldId id="259" r:id="rId5"/>
+    <p:sldId id="261" r:id="rId6"/>
+    <p:sldId id="262" r:id="rId7"/>
+    <p:sldId id="264" r:id="rId8"/>
   </p:sldIdLst>
   <p:sldSz cx="12192000" cy="6858000"/>
   <p:notesSz cx="6858000" cy="9144000"/>
@@ -200,7 +203,7 @@
           <a:p>
             <a:fld id="{6E5555FC-1C24-D242-9DBA-D8E21E687854}" type="datetimeFigureOut">
               <a:rPr kumimoji="1" lang="ja-JP" altLang="en-US" smtClean="0"/>
-              <a:t>2025/12/1</a:t>
+              <a:t>2025/12/2</a:t>
             </a:fld>
             <a:endParaRPr kumimoji="1" lang="ja-JP" altLang="en-US"/>
           </a:p>
@@ -583,6 +586,106 @@
 </p:notes>
 </file>
 
+<file path=ppt/notesSlides/notesSlide2.xml><?xml version="1.0" encoding="utf-8"?>
+<p:notes xmlns:a="http://schemas.openxmlformats.org/drawingml/2006/main" xmlns:r="http://schemas.openxmlformats.org/officeDocument/2006/relationships" xmlns:p="http://schemas.openxmlformats.org/presentationml/2006/main">
+  <p:cSld>
+    <p:spTree>
+      <p:nvGrpSpPr>
+        <p:cNvPr id="1" name=""/>
+        <p:cNvGrpSpPr/>
+        <p:nvPr/>
+      </p:nvGrpSpPr>
+      <p:grpSpPr>
+        <a:xfrm>
+          <a:off x="0" y="0"/>
+          <a:ext cx="0" cy="0"/>
+          <a:chOff x="0" y="0"/>
+          <a:chExt cx="0" cy="0"/>
+        </a:xfrm>
+      </p:grpSpPr>
+      <p:sp>
+        <p:nvSpPr>
+          <p:cNvPr id="2" name="スライド イメージ プレースホルダー 1"/>
+          <p:cNvSpPr>
+            <a:spLocks noGrp="1" noRot="1" noChangeAspect="1"/>
+          </p:cNvSpPr>
+          <p:nvPr>
+            <p:ph type="sldImg"/>
+          </p:nvPr>
+        </p:nvSpPr>
+        <p:spPr/>
+      </p:sp>
+      <p:sp>
+        <p:nvSpPr>
+          <p:cNvPr id="3" name="ノート プレースホルダー 2"/>
+          <p:cNvSpPr>
+            <a:spLocks noGrp="1"/>
+          </p:cNvSpPr>
+          <p:nvPr>
+            <p:ph type="body" idx="1"/>
+          </p:nvPr>
+        </p:nvSpPr>
+        <p:spPr/>
+        <p:txBody>
+          <a:bodyPr/>
+          <a:lstStyle/>
+          <a:p>
+            <a:r>
+              <a:rPr kumimoji="1" lang="en-US" altLang="ja-JP" dirty="0"/>
+              <a:t>Uva/</a:t>
+            </a:r>
+            <a:r>
+              <a:rPr kumimoji="1" lang="en-US" altLang="ja-JP" dirty="0" err="1"/>
+              <a:t>padova</a:t>
+            </a:r>
+            <a:r>
+              <a:rPr kumimoji="1" lang="en-US" altLang="ja-JP" dirty="0"/>
+              <a:t> </a:t>
+            </a:r>
+            <a:r>
+              <a:rPr kumimoji="1" lang="en-US" altLang="ja-JP"/>
+              <a:t>schematic diagram</a:t>
+            </a:r>
+            <a:endParaRPr kumimoji="1" lang="ja-JP" altLang="en-US"/>
+          </a:p>
+        </p:txBody>
+      </p:sp>
+      <p:sp>
+        <p:nvSpPr>
+          <p:cNvPr id="4" name="スライド番号プレースホルダー 3"/>
+          <p:cNvSpPr>
+            <a:spLocks noGrp="1"/>
+          </p:cNvSpPr>
+          <p:nvPr>
+            <p:ph type="sldNum" sz="quarter" idx="5"/>
+          </p:nvPr>
+        </p:nvSpPr>
+        <p:spPr/>
+        <p:txBody>
+          <a:bodyPr/>
+          <a:lstStyle/>
+          <a:p>
+            <a:fld id="{C55A8268-EDFD-7C4D-910B-5F90A4537433}" type="slidenum">
+              <a:rPr kumimoji="1" lang="ja-JP" altLang="en-US" smtClean="0"/>
+              <a:t>5</a:t>
+            </a:fld>
+            <a:endParaRPr kumimoji="1" lang="ja-JP" altLang="en-US"/>
+          </a:p>
+        </p:txBody>
+      </p:sp>
+    </p:spTree>
+    <p:extLst>
+      <p:ext uri="{BB962C8B-B14F-4D97-AF65-F5344CB8AC3E}">
+        <p14:creationId xmlns:p14="http://schemas.microsoft.com/office/powerpoint/2010/main" val="2114350299"/>
+      </p:ext>
+    </p:extLst>
+  </p:cSld>
+  <p:clrMapOvr>
+    <a:masterClrMapping/>
+  </p:clrMapOvr>
+</p:notes>
+</file>
+
 <file path=ppt/slideLayouts/slideLayout1.xml><?xml version="1.0" encoding="utf-8"?>
 <p:sldLayout xmlns:a="http://schemas.openxmlformats.org/drawingml/2006/main" xmlns:r="http://schemas.openxmlformats.org/officeDocument/2006/relationships" xmlns:p="http://schemas.openxmlformats.org/presentationml/2006/main" type="title" preserve="1">
   <p:cSld name="タイトル スライド">
@@ -730,7 +833,7 @@
           <a:p>
             <a:fld id="{7D9FA69C-DAD2-554C-9FC0-6F806BE9F0DF}" type="datetimeFigureOut">
               <a:rPr kumimoji="1" lang="ja-JP" altLang="en-US" smtClean="0"/>
-              <a:t>2025/12/1</a:t>
+              <a:t>2025/12/2</a:t>
             </a:fld>
             <a:endParaRPr kumimoji="1" lang="ja-JP" altLang="en-US"/>
           </a:p>
@@ -960,7 +1063,7 @@
           <a:p>
             <a:fld id="{7D9FA69C-DAD2-554C-9FC0-6F806BE9F0DF}" type="datetimeFigureOut">
               <a:rPr kumimoji="1" lang="ja-JP" altLang="en-US" smtClean="0"/>
-              <a:t>2025/12/1</a:t>
+              <a:t>2025/12/2</a:t>
             </a:fld>
             <a:endParaRPr kumimoji="1" lang="ja-JP" altLang="en-US"/>
           </a:p>
@@ -1200,7 +1303,7 @@
           <a:p>
             <a:fld id="{7D9FA69C-DAD2-554C-9FC0-6F806BE9F0DF}" type="datetimeFigureOut">
               <a:rPr kumimoji="1" lang="ja-JP" altLang="en-US" smtClean="0"/>
-              <a:t>2025/12/1</a:t>
+              <a:t>2025/12/2</a:t>
             </a:fld>
             <a:endParaRPr kumimoji="1" lang="ja-JP" altLang="en-US"/>
           </a:p>
@@ -1430,7 +1533,7 @@
           <a:p>
             <a:fld id="{7D9FA69C-DAD2-554C-9FC0-6F806BE9F0DF}" type="datetimeFigureOut">
               <a:rPr kumimoji="1" lang="ja-JP" altLang="en-US" smtClean="0"/>
-              <a:t>2025/12/1</a:t>
+              <a:t>2025/12/2</a:t>
             </a:fld>
             <a:endParaRPr kumimoji="1" lang="ja-JP" altLang="en-US"/>
           </a:p>
@@ -1705,7 +1808,7 @@
           <a:p>
             <a:fld id="{7D9FA69C-DAD2-554C-9FC0-6F806BE9F0DF}" type="datetimeFigureOut">
               <a:rPr kumimoji="1" lang="ja-JP" altLang="en-US" smtClean="0"/>
-              <a:t>2025/12/1</a:t>
+              <a:t>2025/12/2</a:t>
             </a:fld>
             <a:endParaRPr kumimoji="1" lang="ja-JP" altLang="en-US"/>
           </a:p>
@@ -2034,7 +2137,7 @@
           <a:p>
             <a:fld id="{7D9FA69C-DAD2-554C-9FC0-6F806BE9F0DF}" type="datetimeFigureOut">
               <a:rPr kumimoji="1" lang="ja-JP" altLang="en-US" smtClean="0"/>
-              <a:t>2025/12/1</a:t>
+              <a:t>2025/12/2</a:t>
             </a:fld>
             <a:endParaRPr kumimoji="1" lang="ja-JP" altLang="en-US"/>
           </a:p>
@@ -2510,7 +2613,7 @@
           <a:p>
             <a:fld id="{7D9FA69C-DAD2-554C-9FC0-6F806BE9F0DF}" type="datetimeFigureOut">
               <a:rPr kumimoji="1" lang="ja-JP" altLang="en-US" smtClean="0"/>
-              <a:t>2025/12/1</a:t>
+              <a:t>2025/12/2</a:t>
             </a:fld>
             <a:endParaRPr kumimoji="1" lang="ja-JP" altLang="en-US"/>
           </a:p>
@@ -2651,7 +2754,7 @@
           <a:p>
             <a:fld id="{7D9FA69C-DAD2-554C-9FC0-6F806BE9F0DF}" type="datetimeFigureOut">
               <a:rPr kumimoji="1" lang="ja-JP" altLang="en-US" smtClean="0"/>
-              <a:t>2025/12/1</a:t>
+              <a:t>2025/12/2</a:t>
             </a:fld>
             <a:endParaRPr kumimoji="1" lang="ja-JP" altLang="en-US"/>
           </a:p>
@@ -2764,7 +2867,7 @@
           <a:p>
             <a:fld id="{7D9FA69C-DAD2-554C-9FC0-6F806BE9F0DF}" type="datetimeFigureOut">
               <a:rPr kumimoji="1" lang="ja-JP" altLang="en-US" smtClean="0"/>
-              <a:t>2025/12/1</a:t>
+              <a:t>2025/12/2</a:t>
             </a:fld>
             <a:endParaRPr kumimoji="1" lang="ja-JP" altLang="en-US"/>
           </a:p>
@@ -3107,7 +3210,7 @@
           <a:p>
             <a:fld id="{7D9FA69C-DAD2-554C-9FC0-6F806BE9F0DF}" type="datetimeFigureOut">
               <a:rPr kumimoji="1" lang="ja-JP" altLang="en-US" smtClean="0"/>
-              <a:t>2025/12/1</a:t>
+              <a:t>2025/12/2</a:t>
             </a:fld>
             <a:endParaRPr kumimoji="1" lang="ja-JP" altLang="en-US"/>
           </a:p>
@@ -3395,7 +3498,7 @@
           <a:p>
             <a:fld id="{7D9FA69C-DAD2-554C-9FC0-6F806BE9F0DF}" type="datetimeFigureOut">
               <a:rPr kumimoji="1" lang="ja-JP" altLang="en-US" smtClean="0"/>
-              <a:t>2025/12/1</a:t>
+              <a:t>2025/12/2</a:t>
             </a:fld>
             <a:endParaRPr kumimoji="1" lang="ja-JP" altLang="en-US"/>
           </a:p>
@@ -3668,7 +3771,7 @@
           <a:p>
             <a:fld id="{7D9FA69C-DAD2-554C-9FC0-6F806BE9F0DF}" type="datetimeFigureOut">
               <a:rPr kumimoji="1" lang="ja-JP" altLang="en-US" smtClean="0"/>
-              <a:t>2025/12/1</a:t>
+              <a:t>2025/12/2</a:t>
             </a:fld>
             <a:endParaRPr kumimoji="1" lang="ja-JP" altLang="en-US"/>
           </a:p>
@@ -8212,8 +8315,8 @@
             </p:txBody>
           </p:sp>
         </p:grpSp>
-        <mc:AlternateContent xmlns:mc="http://schemas.openxmlformats.org/markup-compatibility/2006">
-          <mc:Choice xmlns:a14="http://schemas.microsoft.com/office/drawing/2010/main" Requires="a14">
+        <mc:AlternateContent xmlns:mc="http://schemas.openxmlformats.org/markup-compatibility/2006" xmlns:a14="http://schemas.microsoft.com/office/drawing/2010/main">
+          <mc:Choice Requires="a14">
             <p:sp>
               <p:nvSpPr>
                 <p:cNvPr id="40" name="テキスト ボックス 39">
@@ -8284,7 +8387,7 @@
               </p:txBody>
             </p:sp>
           </mc:Choice>
-          <mc:Fallback>
+          <mc:Fallback xmlns="">
             <p:sp>
               <p:nvSpPr>
                 <p:cNvPr id="40" name="テキスト ボックス 39">
@@ -8329,8 +8432,8 @@
             </p:sp>
           </mc:Fallback>
         </mc:AlternateContent>
-        <mc:AlternateContent xmlns:mc="http://schemas.openxmlformats.org/markup-compatibility/2006">
-          <mc:Choice xmlns:a14="http://schemas.microsoft.com/office/drawing/2010/main" Requires="a14">
+        <mc:AlternateContent xmlns:mc="http://schemas.openxmlformats.org/markup-compatibility/2006" xmlns:a14="http://schemas.microsoft.com/office/drawing/2010/main">
+          <mc:Choice Requires="a14">
             <p:sp>
               <p:nvSpPr>
                 <p:cNvPr id="58" name="テキスト ボックス 57">
@@ -8401,7 +8504,7 @@
               </p:txBody>
             </p:sp>
           </mc:Choice>
-          <mc:Fallback>
+          <mc:Fallback xmlns="">
             <p:sp>
               <p:nvSpPr>
                 <p:cNvPr id="58" name="テキスト ボックス 57">
@@ -8637,8 +8740,8 @@
             </a:fontRef>
           </p:style>
         </p:cxnSp>
-        <mc:AlternateContent xmlns:mc="http://schemas.openxmlformats.org/markup-compatibility/2006">
-          <mc:Choice xmlns:a14="http://schemas.microsoft.com/office/drawing/2010/main" Requires="a14">
+        <mc:AlternateContent xmlns:mc="http://schemas.openxmlformats.org/markup-compatibility/2006" xmlns:a14="http://schemas.microsoft.com/office/drawing/2010/main">
+          <mc:Choice Requires="a14">
             <p:sp>
               <p:nvSpPr>
                 <p:cNvPr id="74" name="テキスト ボックス 73">
@@ -8709,7 +8812,7 @@
               </p:txBody>
             </p:sp>
           </mc:Choice>
-          <mc:Fallback>
+          <mc:Fallback xmlns="">
             <p:sp>
               <p:nvSpPr>
                 <p:cNvPr id="74" name="テキスト ボックス 73">
@@ -8754,8 +8857,8 @@
             </p:sp>
           </mc:Fallback>
         </mc:AlternateContent>
-        <mc:AlternateContent xmlns:mc="http://schemas.openxmlformats.org/markup-compatibility/2006">
-          <mc:Choice xmlns:a14="http://schemas.microsoft.com/office/drawing/2010/main" Requires="a14">
+        <mc:AlternateContent xmlns:mc="http://schemas.openxmlformats.org/markup-compatibility/2006" xmlns:a14="http://schemas.microsoft.com/office/drawing/2010/main">
+          <mc:Choice Requires="a14">
             <p:sp>
               <p:nvSpPr>
                 <p:cNvPr id="75" name="テキスト ボックス 74">
@@ -8807,7 +8910,7 @@
               </p:txBody>
             </p:sp>
           </mc:Choice>
-          <mc:Fallback>
+          <mc:Fallback xmlns="">
             <p:sp>
               <p:nvSpPr>
                 <p:cNvPr id="75" name="テキスト ボックス 74">
@@ -9195,8 +9298,8 @@
             </a:fontRef>
           </p:style>
         </p:cxnSp>
-        <mc:AlternateContent xmlns:mc="http://schemas.openxmlformats.org/markup-compatibility/2006">
-          <mc:Choice xmlns:a14="http://schemas.microsoft.com/office/drawing/2010/main" Requires="a14">
+        <mc:AlternateContent xmlns:mc="http://schemas.openxmlformats.org/markup-compatibility/2006" xmlns:a14="http://schemas.microsoft.com/office/drawing/2010/main">
+          <mc:Choice Requires="a14">
             <p:sp>
               <p:nvSpPr>
                 <p:cNvPr id="110" name="テキスト ボックス 109">
@@ -9257,7 +9360,7 @@
               </p:txBody>
             </p:sp>
           </mc:Choice>
-          <mc:Fallback>
+          <mc:Fallback xmlns="">
             <p:sp>
               <p:nvSpPr>
                 <p:cNvPr id="110" name="テキスト ボックス 109">
@@ -9302,8 +9405,8 @@
             </p:sp>
           </mc:Fallback>
         </mc:AlternateContent>
-        <mc:AlternateContent xmlns:mc="http://schemas.openxmlformats.org/markup-compatibility/2006">
-          <mc:Choice xmlns:a14="http://schemas.microsoft.com/office/drawing/2010/main" Requires="a14">
+        <mc:AlternateContent xmlns:mc="http://schemas.openxmlformats.org/markup-compatibility/2006" xmlns:a14="http://schemas.microsoft.com/office/drawing/2010/main">
+          <mc:Choice Requires="a14">
             <p:sp>
               <p:nvSpPr>
                 <p:cNvPr id="111" name="テキスト ボックス 110">
@@ -9374,7 +9477,7 @@
               </p:txBody>
             </p:sp>
           </mc:Choice>
-          <mc:Fallback>
+          <mc:Fallback xmlns="">
             <p:sp>
               <p:nvSpPr>
                 <p:cNvPr id="111" name="テキスト ボックス 110">
@@ -12739,6 +12842,9598 @@
 </p:sld>
 </file>
 
+<file path=ppt/slides/slide5.xml><?xml version="1.0" encoding="utf-8"?>
+<p:sld xmlns:a="http://schemas.openxmlformats.org/drawingml/2006/main" xmlns:r="http://schemas.openxmlformats.org/officeDocument/2006/relationships" xmlns:p="http://schemas.openxmlformats.org/presentationml/2006/main">
+  <p:cSld>
+    <p:spTree>
+      <p:nvGrpSpPr>
+        <p:cNvPr id="1" name="">
+          <a:extLst>
+            <a:ext uri="{FF2B5EF4-FFF2-40B4-BE49-F238E27FC236}">
+              <a16:creationId xmlns:a16="http://schemas.microsoft.com/office/drawing/2014/main" id="{68851994-31ED-C1CE-9A98-902F1F3F80CA}"/>
+            </a:ext>
+          </a:extLst>
+        </p:cNvPr>
+        <p:cNvGrpSpPr/>
+        <p:nvPr/>
+      </p:nvGrpSpPr>
+      <p:grpSpPr>
+        <a:xfrm>
+          <a:off x="0" y="0"/>
+          <a:ext cx="0" cy="0"/>
+          <a:chOff x="0" y="0"/>
+          <a:chExt cx="0" cy="0"/>
+        </a:xfrm>
+      </p:grpSpPr>
+      <p:grpSp>
+        <p:nvGrpSpPr>
+          <p:cNvPr id="139" name="グループ化 138">
+            <a:extLst>
+              <a:ext uri="{FF2B5EF4-FFF2-40B4-BE49-F238E27FC236}">
+                <a16:creationId xmlns:a16="http://schemas.microsoft.com/office/drawing/2014/main" id="{0645DA81-0C31-B71D-4D04-27FF3B10F869}"/>
+              </a:ext>
+            </a:extLst>
+          </p:cNvPr>
+          <p:cNvGrpSpPr>
+            <a:grpSpLocks noGrp="1" noUngrp="1" noRot="1" noMove="1" noResize="1"/>
+          </p:cNvGrpSpPr>
+          <p:nvPr/>
+        </p:nvGrpSpPr>
+        <p:grpSpPr>
+          <a:xfrm>
+            <a:off x="1645329" y="248441"/>
+            <a:ext cx="7794165" cy="6213784"/>
+            <a:chOff x="1645329" y="248441"/>
+            <a:chExt cx="7794165" cy="6213784"/>
+          </a:xfrm>
+        </p:grpSpPr>
+        <p:sp>
+          <p:nvSpPr>
+            <p:cNvPr id="2" name="正方形/長方形 1">
+              <a:extLst>
+                <a:ext uri="{FF2B5EF4-FFF2-40B4-BE49-F238E27FC236}">
+                  <a16:creationId xmlns:a16="http://schemas.microsoft.com/office/drawing/2014/main" id="{370E2FA5-25D8-51E8-E0CF-1FDF0EEACA98}"/>
+                </a:ext>
+              </a:extLst>
+            </p:cNvPr>
+            <p:cNvSpPr>
+              <a:spLocks noGrp="1" noRot="1" noMove="1" noResize="1" noEditPoints="1" noAdjustHandles="1" noChangeArrowheads="1" noChangeShapeType="1"/>
+            </p:cNvSpPr>
+            <p:nvPr/>
+          </p:nvSpPr>
+          <p:spPr>
+            <a:xfrm>
+              <a:off x="2801783" y="3492190"/>
+              <a:ext cx="1883626" cy="766710"/>
+            </a:xfrm>
+            <a:prstGeom prst="rect">
+              <a:avLst/>
+            </a:prstGeom>
+            <a:ln w="25400"/>
+          </p:spPr>
+          <p:style>
+            <a:lnRef idx="2">
+              <a:schemeClr val="dk1"/>
+            </a:lnRef>
+            <a:fillRef idx="1">
+              <a:schemeClr val="lt1"/>
+            </a:fillRef>
+            <a:effectRef idx="0">
+              <a:schemeClr val="dk1"/>
+            </a:effectRef>
+            <a:fontRef idx="minor">
+              <a:schemeClr val="dk1"/>
+            </a:fontRef>
+          </p:style>
+          <p:txBody>
+            <a:bodyPr rtlCol="0" anchor="ctr"/>
+            <a:lstStyle/>
+            <a:p>
+              <a:pPr algn="ctr"/>
+              <a:r>
+                <a:rPr kumimoji="1" lang="en-US" altLang="ja-JP" sz="1400" b="1" dirty="0">
+                  <a:latin typeface="Hiragino Kaku Gothic ProN W3" panose="020B0300000000000000" pitchFamily="34" charset="-128"/>
+                  <a:ea typeface="Hiragino Kaku Gothic ProN W3" panose="020B0300000000000000" pitchFamily="34" charset="-128"/>
+                  <a:cs typeface="Arial" panose="020B0604020202020204" pitchFamily="34" charset="0"/>
+                </a:rPr>
+                <a:t>Subcutaneous</a:t>
+              </a:r>
+            </a:p>
+            <a:p>
+              <a:pPr algn="ctr"/>
+              <a:r>
+                <a:rPr lang="en-US" altLang="ja-JP" sz="1400" b="1" dirty="0">
+                  <a:latin typeface="Hiragino Kaku Gothic ProN W3" panose="020B0300000000000000" pitchFamily="34" charset="-128"/>
+                  <a:ea typeface="Hiragino Kaku Gothic ProN W3" panose="020B0300000000000000" pitchFamily="34" charset="-128"/>
+                  <a:cs typeface="Arial" panose="020B0604020202020204" pitchFamily="34" charset="0"/>
+                </a:rPr>
+                <a:t>Insulin</a:t>
+              </a:r>
+              <a:endParaRPr kumimoji="1" lang="en-US" altLang="ja-JP" sz="1400" b="1" dirty="0">
+                <a:latin typeface="Hiragino Kaku Gothic ProN W3" panose="020B0300000000000000" pitchFamily="34" charset="-128"/>
+                <a:ea typeface="Hiragino Kaku Gothic ProN W3" panose="020B0300000000000000" pitchFamily="34" charset="-128"/>
+                <a:cs typeface="Arial" panose="020B0604020202020204" pitchFamily="34" charset="0"/>
+              </a:endParaRPr>
+            </a:p>
+          </p:txBody>
+        </p:sp>
+        <p:sp>
+          <p:nvSpPr>
+            <p:cNvPr id="3" name="正方形/長方形 2">
+              <a:extLst>
+                <a:ext uri="{FF2B5EF4-FFF2-40B4-BE49-F238E27FC236}">
+                  <a16:creationId xmlns:a16="http://schemas.microsoft.com/office/drawing/2014/main" id="{256B09F8-F1B6-46D4-060D-07435EAB70A6}"/>
+                </a:ext>
+              </a:extLst>
+            </p:cNvPr>
+            <p:cNvSpPr>
+              <a:spLocks noGrp="1" noRot="1" noMove="1" noResize="1" noEditPoints="1" noAdjustHandles="1" noChangeArrowheads="1" noChangeShapeType="1"/>
+            </p:cNvSpPr>
+            <p:nvPr/>
+          </p:nvSpPr>
+          <p:spPr>
+            <a:xfrm>
+              <a:off x="5432188" y="3492190"/>
+              <a:ext cx="1655818" cy="766710"/>
+            </a:xfrm>
+            <a:prstGeom prst="rect">
+              <a:avLst/>
+            </a:prstGeom>
+            <a:ln w="25400"/>
+          </p:spPr>
+          <p:style>
+            <a:lnRef idx="2">
+              <a:schemeClr val="dk1"/>
+            </a:lnRef>
+            <a:fillRef idx="1">
+              <a:schemeClr val="lt1"/>
+            </a:fillRef>
+            <a:effectRef idx="0">
+              <a:schemeClr val="dk1"/>
+            </a:effectRef>
+            <a:fontRef idx="minor">
+              <a:schemeClr val="dk1"/>
+            </a:fontRef>
+          </p:style>
+          <p:txBody>
+            <a:bodyPr rtlCol="0" anchor="ctr"/>
+            <a:lstStyle/>
+            <a:p>
+              <a:pPr algn="ctr"/>
+              <a:r>
+                <a:rPr lang="en-US" altLang="ja-JP" sz="1400" b="1" dirty="0">
+                  <a:latin typeface="Hiragino Kaku Gothic ProN W3" panose="020B0300000000000000" pitchFamily="34" charset="-128"/>
+                  <a:ea typeface="Hiragino Kaku Gothic ProN W3" panose="020B0300000000000000" pitchFamily="34" charset="-128"/>
+                  <a:cs typeface="Arial" panose="020B0604020202020204" pitchFamily="34" charset="0"/>
+                </a:rPr>
+                <a:t>Insulin</a:t>
+              </a:r>
+            </a:p>
+            <a:p>
+              <a:pPr algn="ctr"/>
+              <a:r>
+                <a:rPr lang="en-US" altLang="ja-JP" sz="1400" b="1" dirty="0">
+                  <a:latin typeface="Hiragino Kaku Gothic ProN W3" panose="020B0300000000000000" pitchFamily="34" charset="-128"/>
+                  <a:ea typeface="Hiragino Kaku Gothic ProN W3" panose="020B0300000000000000" pitchFamily="34" charset="-128"/>
+                  <a:cs typeface="Arial" panose="020B0604020202020204" pitchFamily="34" charset="0"/>
+                </a:rPr>
+                <a:t>system</a:t>
+              </a:r>
+              <a:endParaRPr kumimoji="1" lang="en-US" altLang="ja-JP" sz="1400" b="1" dirty="0">
+                <a:latin typeface="Hiragino Kaku Gothic ProN W3" panose="020B0300000000000000" pitchFamily="34" charset="-128"/>
+                <a:ea typeface="Hiragino Kaku Gothic ProN W3" panose="020B0300000000000000" pitchFamily="34" charset="-128"/>
+                <a:cs typeface="Arial" panose="020B0604020202020204" pitchFamily="34" charset="0"/>
+              </a:endParaRPr>
+            </a:p>
+          </p:txBody>
+        </p:sp>
+        <p:sp>
+          <p:nvSpPr>
+            <p:cNvPr id="4" name="正方形/長方形 3">
+              <a:extLst>
+                <a:ext uri="{FF2B5EF4-FFF2-40B4-BE49-F238E27FC236}">
+                  <a16:creationId xmlns:a16="http://schemas.microsoft.com/office/drawing/2014/main" id="{F7F047B6-FE45-F3A4-FA8E-7866C84AF6A9}"/>
+                </a:ext>
+              </a:extLst>
+            </p:cNvPr>
+            <p:cNvSpPr>
+              <a:spLocks noGrp="1" noRot="1" noMove="1" noResize="1" noEditPoints="1" noAdjustHandles="1" noChangeArrowheads="1" noChangeShapeType="1"/>
+            </p:cNvSpPr>
+            <p:nvPr/>
+          </p:nvSpPr>
+          <p:spPr>
+            <a:xfrm>
+              <a:off x="5432188" y="1936125"/>
+              <a:ext cx="1655819" cy="766710"/>
+            </a:xfrm>
+            <a:prstGeom prst="rect">
+              <a:avLst/>
+            </a:prstGeom>
+            <a:ln w="25400"/>
+          </p:spPr>
+          <p:style>
+            <a:lnRef idx="2">
+              <a:schemeClr val="dk1"/>
+            </a:lnRef>
+            <a:fillRef idx="1">
+              <a:schemeClr val="lt1"/>
+            </a:fillRef>
+            <a:effectRef idx="0">
+              <a:schemeClr val="dk1"/>
+            </a:effectRef>
+            <a:fontRef idx="minor">
+              <a:schemeClr val="dk1"/>
+            </a:fontRef>
+          </p:style>
+          <p:txBody>
+            <a:bodyPr rtlCol="0" anchor="ctr"/>
+            <a:lstStyle/>
+            <a:p>
+              <a:pPr algn="ctr"/>
+              <a:r>
+                <a:rPr lang="en-US" altLang="ja-JP" sz="1400" b="1" dirty="0">
+                  <a:latin typeface="Hiragino Kaku Gothic ProN W3" panose="020B0300000000000000" pitchFamily="34" charset="-128"/>
+                  <a:ea typeface="Hiragino Kaku Gothic ProN W3" panose="020B0300000000000000" pitchFamily="34" charset="-128"/>
+                  <a:cs typeface="Arial" panose="020B0604020202020204" pitchFamily="34" charset="0"/>
+                </a:rPr>
+                <a:t>Glucose</a:t>
+              </a:r>
+            </a:p>
+            <a:p>
+              <a:pPr algn="ctr"/>
+              <a:r>
+                <a:rPr kumimoji="1" lang="en-US" altLang="ja-JP" sz="1400" b="1" dirty="0">
+                  <a:latin typeface="Hiragino Kaku Gothic ProN W3" panose="020B0300000000000000" pitchFamily="34" charset="-128"/>
+                  <a:ea typeface="Hiragino Kaku Gothic ProN W3" panose="020B0300000000000000" pitchFamily="34" charset="-128"/>
+                  <a:cs typeface="Arial" panose="020B0604020202020204" pitchFamily="34" charset="0"/>
+                </a:rPr>
+                <a:t>system</a:t>
+              </a:r>
+            </a:p>
+          </p:txBody>
+        </p:sp>
+        <p:sp>
+          <p:nvSpPr>
+            <p:cNvPr id="5" name="正方形/長方形 4">
+              <a:extLst>
+                <a:ext uri="{FF2B5EF4-FFF2-40B4-BE49-F238E27FC236}">
+                  <a16:creationId xmlns:a16="http://schemas.microsoft.com/office/drawing/2014/main" id="{34E26454-62B5-A701-7685-03E346FC0D43}"/>
+                </a:ext>
+              </a:extLst>
+            </p:cNvPr>
+            <p:cNvSpPr>
+              <a:spLocks noGrp="1" noRot="1" noMove="1" noResize="1" noEditPoints="1" noAdjustHandles="1" noChangeArrowheads="1" noChangeShapeType="1"/>
+            </p:cNvSpPr>
+            <p:nvPr/>
+          </p:nvSpPr>
+          <p:spPr>
+            <a:xfrm>
+              <a:off x="7753522" y="1988677"/>
+              <a:ext cx="1655818" cy="766710"/>
+            </a:xfrm>
+            <a:prstGeom prst="rect">
+              <a:avLst/>
+            </a:prstGeom>
+            <a:ln w="25400"/>
+          </p:spPr>
+          <p:style>
+            <a:lnRef idx="2">
+              <a:schemeClr val="dk1"/>
+            </a:lnRef>
+            <a:fillRef idx="1">
+              <a:schemeClr val="lt1"/>
+            </a:fillRef>
+            <a:effectRef idx="0">
+              <a:schemeClr val="dk1"/>
+            </a:effectRef>
+            <a:fontRef idx="minor">
+              <a:schemeClr val="dk1"/>
+            </a:fontRef>
+          </p:style>
+          <p:txBody>
+            <a:bodyPr rtlCol="0" anchor="ctr"/>
+            <a:lstStyle/>
+            <a:p>
+              <a:pPr algn="ctr"/>
+              <a:r>
+                <a:rPr lang="en-US" altLang="ja-JP" sz="1400" b="1" dirty="0">
+                  <a:latin typeface="Hiragino Kaku Gothic ProN W3" panose="020B0300000000000000" pitchFamily="34" charset="-128"/>
+                  <a:ea typeface="Hiragino Kaku Gothic ProN W3" panose="020B0300000000000000" pitchFamily="34" charset="-128"/>
+                  <a:cs typeface="Arial" panose="020B0604020202020204" pitchFamily="34" charset="0"/>
+                </a:rPr>
+                <a:t>Muscle and</a:t>
+              </a:r>
+            </a:p>
+            <a:p>
+              <a:pPr algn="ctr"/>
+              <a:r>
+                <a:rPr lang="en-US" altLang="ja-JP" sz="1400" b="1" dirty="0">
+                  <a:latin typeface="Hiragino Kaku Gothic ProN W3" panose="020B0300000000000000" pitchFamily="34" charset="-128"/>
+                  <a:ea typeface="Hiragino Kaku Gothic ProN W3" panose="020B0300000000000000" pitchFamily="34" charset="-128"/>
+                  <a:cs typeface="Arial" panose="020B0604020202020204" pitchFamily="34" charset="0"/>
+                </a:rPr>
+                <a:t>adipose tissues</a:t>
+              </a:r>
+              <a:endParaRPr kumimoji="1" lang="en-US" altLang="ja-JP" sz="1400" b="1" dirty="0">
+                <a:latin typeface="Hiragino Kaku Gothic ProN W3" panose="020B0300000000000000" pitchFamily="34" charset="-128"/>
+                <a:ea typeface="Hiragino Kaku Gothic ProN W3" panose="020B0300000000000000" pitchFamily="34" charset="-128"/>
+                <a:cs typeface="Arial" panose="020B0604020202020204" pitchFamily="34" charset="0"/>
+              </a:endParaRPr>
+            </a:p>
+          </p:txBody>
+        </p:sp>
+        <p:sp>
+          <p:nvSpPr>
+            <p:cNvPr id="7" name="正方形/長方形 6">
+              <a:extLst>
+                <a:ext uri="{FF2B5EF4-FFF2-40B4-BE49-F238E27FC236}">
+                  <a16:creationId xmlns:a16="http://schemas.microsoft.com/office/drawing/2014/main" id="{AEB58372-586A-D97C-EACF-18ED875426C1}"/>
+                </a:ext>
+              </a:extLst>
+            </p:cNvPr>
+            <p:cNvSpPr>
+              <a:spLocks noGrp="1" noRot="1" noMove="1" noResize="1" noEditPoints="1" noAdjustHandles="1" noChangeArrowheads="1" noChangeShapeType="1"/>
+            </p:cNvSpPr>
+            <p:nvPr/>
+          </p:nvSpPr>
+          <p:spPr>
+            <a:xfrm>
+              <a:off x="3106528" y="1956709"/>
+              <a:ext cx="1311631" cy="766710"/>
+            </a:xfrm>
+            <a:prstGeom prst="rect">
+              <a:avLst/>
+            </a:prstGeom>
+            <a:ln w="25400"/>
+          </p:spPr>
+          <p:style>
+            <a:lnRef idx="2">
+              <a:schemeClr val="dk1"/>
+            </a:lnRef>
+            <a:fillRef idx="1">
+              <a:schemeClr val="lt1"/>
+            </a:fillRef>
+            <a:effectRef idx="0">
+              <a:schemeClr val="dk1"/>
+            </a:effectRef>
+            <a:fontRef idx="minor">
+              <a:schemeClr val="dk1"/>
+            </a:fontRef>
+          </p:style>
+          <p:txBody>
+            <a:bodyPr rtlCol="0" anchor="ctr"/>
+            <a:lstStyle/>
+            <a:p>
+              <a:pPr algn="ctr"/>
+              <a:r>
+                <a:rPr kumimoji="1" lang="en-US" altLang="ja-JP" sz="1400" b="1" dirty="0">
+                  <a:latin typeface="Hiragino Kaku Gothic ProN W3" panose="020B0300000000000000" pitchFamily="34" charset="-128"/>
+                  <a:ea typeface="Hiragino Kaku Gothic ProN W3" panose="020B0300000000000000" pitchFamily="34" charset="-128"/>
+                  <a:cs typeface="Arial" panose="020B0604020202020204" pitchFamily="34" charset="0"/>
+                </a:rPr>
+                <a:t>LIVER</a:t>
+              </a:r>
+            </a:p>
+          </p:txBody>
+        </p:sp>
+        <p:sp>
+          <p:nvSpPr>
+            <p:cNvPr id="8" name="正方形/長方形 7">
+              <a:extLst>
+                <a:ext uri="{FF2B5EF4-FFF2-40B4-BE49-F238E27FC236}">
+                  <a16:creationId xmlns:a16="http://schemas.microsoft.com/office/drawing/2014/main" id="{20BE72D6-3529-5215-B844-30B9C14B585D}"/>
+                </a:ext>
+              </a:extLst>
+            </p:cNvPr>
+            <p:cNvSpPr>
+              <a:spLocks noGrp="1" noRot="1" noMove="1" noResize="1" noEditPoints="1" noAdjustHandles="1" noChangeArrowheads="1" noChangeShapeType="1"/>
+            </p:cNvSpPr>
+            <p:nvPr/>
+          </p:nvSpPr>
+          <p:spPr>
+            <a:xfrm>
+              <a:off x="3080738" y="651335"/>
+              <a:ext cx="2078640" cy="766710"/>
+            </a:xfrm>
+            <a:prstGeom prst="rect">
+              <a:avLst/>
+            </a:prstGeom>
+            <a:ln w="25400"/>
+          </p:spPr>
+          <p:style>
+            <a:lnRef idx="2">
+              <a:schemeClr val="dk1"/>
+            </a:lnRef>
+            <a:fillRef idx="1">
+              <a:schemeClr val="lt1"/>
+            </a:fillRef>
+            <a:effectRef idx="0">
+              <a:schemeClr val="dk1"/>
+            </a:effectRef>
+            <a:fontRef idx="minor">
+              <a:schemeClr val="dk1"/>
+            </a:fontRef>
+          </p:style>
+          <p:txBody>
+            <a:bodyPr rtlCol="0" anchor="ctr"/>
+            <a:lstStyle/>
+            <a:p>
+              <a:pPr algn="ctr"/>
+              <a:r>
+                <a:rPr kumimoji="1" lang="en-US" altLang="ja-JP" sz="1400" b="1" dirty="0">
+                  <a:latin typeface="Hiragino Kaku Gothic ProN W3" panose="020B0300000000000000" pitchFamily="34" charset="-128"/>
+                  <a:ea typeface="Hiragino Kaku Gothic ProN W3" panose="020B0300000000000000" pitchFamily="34" charset="-128"/>
+                  <a:cs typeface="Arial" panose="020B0604020202020204" pitchFamily="34" charset="0"/>
+                </a:rPr>
+                <a:t>Gastrointestinal</a:t>
+              </a:r>
+            </a:p>
+            <a:p>
+              <a:pPr algn="ctr"/>
+              <a:r>
+                <a:rPr lang="en-US" altLang="ja-JP" sz="1400" b="1" dirty="0">
+                  <a:latin typeface="Hiragino Kaku Gothic ProN W3" panose="020B0300000000000000" pitchFamily="34" charset="-128"/>
+                  <a:ea typeface="Hiragino Kaku Gothic ProN W3" panose="020B0300000000000000" pitchFamily="34" charset="-128"/>
+                  <a:cs typeface="Arial" panose="020B0604020202020204" pitchFamily="34" charset="0"/>
+                </a:rPr>
+                <a:t>tract</a:t>
+              </a:r>
+              <a:endParaRPr kumimoji="1" lang="en-US" altLang="ja-JP" sz="1400" b="1" dirty="0">
+                <a:latin typeface="Hiragino Kaku Gothic ProN W3" panose="020B0300000000000000" pitchFamily="34" charset="-128"/>
+                <a:ea typeface="Hiragino Kaku Gothic ProN W3" panose="020B0300000000000000" pitchFamily="34" charset="-128"/>
+                <a:cs typeface="Arial" panose="020B0604020202020204" pitchFamily="34" charset="0"/>
+              </a:endParaRPr>
+            </a:p>
+          </p:txBody>
+        </p:sp>
+        <p:sp>
+          <p:nvSpPr>
+            <p:cNvPr id="9" name="正方形/長方形 8">
+              <a:extLst>
+                <a:ext uri="{FF2B5EF4-FFF2-40B4-BE49-F238E27FC236}">
+                  <a16:creationId xmlns:a16="http://schemas.microsoft.com/office/drawing/2014/main" id="{DC3196D1-A996-DF08-899E-2E5119193152}"/>
+                </a:ext>
+              </a:extLst>
+            </p:cNvPr>
+            <p:cNvSpPr>
+              <a:spLocks noGrp="1" noRot="1" noMove="1" noResize="1" noEditPoints="1" noAdjustHandles="1" noChangeArrowheads="1" noChangeShapeType="1"/>
+            </p:cNvSpPr>
+            <p:nvPr/>
+          </p:nvSpPr>
+          <p:spPr>
+            <a:xfrm>
+              <a:off x="6222475" y="1074386"/>
+              <a:ext cx="1531047" cy="335109"/>
+            </a:xfrm>
+            <a:prstGeom prst="rect">
+              <a:avLst/>
+            </a:prstGeom>
+            <a:ln w="25400"/>
+          </p:spPr>
+          <p:style>
+            <a:lnRef idx="2">
+              <a:schemeClr val="dk1"/>
+            </a:lnRef>
+            <a:fillRef idx="1">
+              <a:schemeClr val="lt1"/>
+            </a:fillRef>
+            <a:effectRef idx="0">
+              <a:schemeClr val="dk1"/>
+            </a:effectRef>
+            <a:fontRef idx="minor">
+              <a:schemeClr val="dk1"/>
+            </a:fontRef>
+          </p:style>
+          <p:txBody>
+            <a:bodyPr rtlCol="0" anchor="ctr"/>
+            <a:lstStyle/>
+            <a:p>
+              <a:pPr algn="ctr"/>
+              <a:r>
+                <a:rPr kumimoji="1" lang="en-US" altLang="ja-JP" sz="1400" b="1" dirty="0">
+                  <a:latin typeface="Hiragino Kaku Gothic ProN W3" panose="020B0300000000000000" pitchFamily="34" charset="-128"/>
+                  <a:ea typeface="Hiragino Kaku Gothic ProN W3" panose="020B0300000000000000" pitchFamily="34" charset="-128"/>
+                  <a:cs typeface="Arial" panose="020B0604020202020204" pitchFamily="34" charset="0"/>
+                </a:rPr>
+                <a:t>Renal</a:t>
+              </a:r>
+            </a:p>
+          </p:txBody>
+        </p:sp>
+        <p:sp>
+          <p:nvSpPr>
+            <p:cNvPr id="10" name="正方形/長方形 9">
+              <a:extLst>
+                <a:ext uri="{FF2B5EF4-FFF2-40B4-BE49-F238E27FC236}">
+                  <a16:creationId xmlns:a16="http://schemas.microsoft.com/office/drawing/2014/main" id="{C8CC9939-CD1B-AADE-E2AF-9DAEC61DDCDB}"/>
+                </a:ext>
+              </a:extLst>
+            </p:cNvPr>
+            <p:cNvSpPr>
+              <a:spLocks noGrp="1" noRot="1" noMove="1" noResize="1" noEditPoints="1" noAdjustHandles="1" noChangeArrowheads="1" noChangeShapeType="1"/>
+            </p:cNvSpPr>
+            <p:nvPr/>
+          </p:nvSpPr>
+          <p:spPr>
+            <a:xfrm>
+              <a:off x="6453278" y="356078"/>
+              <a:ext cx="2986216" cy="383355"/>
+            </a:xfrm>
+            <a:prstGeom prst="rect">
+              <a:avLst/>
+            </a:prstGeom>
+            <a:ln w="25400"/>
+          </p:spPr>
+          <p:style>
+            <a:lnRef idx="2">
+              <a:schemeClr val="dk1"/>
+            </a:lnRef>
+            <a:fillRef idx="1">
+              <a:schemeClr val="lt1"/>
+            </a:fillRef>
+            <a:effectRef idx="0">
+              <a:schemeClr val="dk1"/>
+            </a:effectRef>
+            <a:fontRef idx="minor">
+              <a:schemeClr val="dk1"/>
+            </a:fontRef>
+          </p:style>
+          <p:txBody>
+            <a:bodyPr rtlCol="0" anchor="ctr"/>
+            <a:lstStyle/>
+            <a:p>
+              <a:pPr algn="ctr"/>
+              <a:r>
+                <a:rPr lang="en-US" altLang="ja-JP" sz="1400" b="1" dirty="0">
+                  <a:latin typeface="Hiragino Kaku Gothic ProN W3" panose="020B0300000000000000" pitchFamily="34" charset="-128"/>
+                  <a:ea typeface="Hiragino Kaku Gothic ProN W3" panose="020B0300000000000000" pitchFamily="34" charset="-128"/>
+                  <a:cs typeface="Arial" panose="020B0604020202020204" pitchFamily="34" charset="0"/>
+                </a:rPr>
+                <a:t>Brain and erythrocytes</a:t>
+              </a:r>
+              <a:endParaRPr kumimoji="1" lang="en-US" altLang="ja-JP" sz="1400" b="1" dirty="0">
+                <a:latin typeface="Hiragino Kaku Gothic ProN W3" panose="020B0300000000000000" pitchFamily="34" charset="-128"/>
+                <a:ea typeface="Hiragino Kaku Gothic ProN W3" panose="020B0300000000000000" pitchFamily="34" charset="-128"/>
+                <a:cs typeface="Arial" panose="020B0604020202020204" pitchFamily="34" charset="0"/>
+              </a:endParaRPr>
+            </a:p>
+          </p:txBody>
+        </p:sp>
+        <p:sp>
+          <p:nvSpPr>
+            <p:cNvPr id="11" name="正方形/長方形 10">
+              <a:extLst>
+                <a:ext uri="{FF2B5EF4-FFF2-40B4-BE49-F238E27FC236}">
+                  <a16:creationId xmlns:a16="http://schemas.microsoft.com/office/drawing/2014/main" id="{ACFB68CC-69CE-A244-FA41-6CE6170C5CBB}"/>
+                </a:ext>
+              </a:extLst>
+            </p:cNvPr>
+            <p:cNvSpPr>
+              <a:spLocks noGrp="1" noRot="1" noMove="1" noResize="1" noEditPoints="1" noAdjustHandles="1" noChangeArrowheads="1" noChangeShapeType="1"/>
+            </p:cNvSpPr>
+            <p:nvPr/>
+          </p:nvSpPr>
+          <p:spPr>
+            <a:xfrm>
+              <a:off x="5432188" y="4785530"/>
+              <a:ext cx="1655819" cy="766710"/>
+            </a:xfrm>
+            <a:prstGeom prst="rect">
+              <a:avLst/>
+            </a:prstGeom>
+            <a:ln w="25400"/>
+          </p:spPr>
+          <p:style>
+            <a:lnRef idx="2">
+              <a:schemeClr val="dk1"/>
+            </a:lnRef>
+            <a:fillRef idx="1">
+              <a:schemeClr val="lt1"/>
+            </a:fillRef>
+            <a:effectRef idx="0">
+              <a:schemeClr val="dk1"/>
+            </a:effectRef>
+            <a:fontRef idx="minor">
+              <a:schemeClr val="dk1"/>
+            </a:fontRef>
+          </p:style>
+          <p:txBody>
+            <a:bodyPr rtlCol="0" anchor="ctr"/>
+            <a:lstStyle/>
+            <a:p>
+              <a:pPr algn="ctr"/>
+              <a:r>
+                <a:rPr kumimoji="1" lang="en-US" altLang="ja-JP" sz="1400" b="1" dirty="0">
+                  <a:latin typeface="Hiragino Kaku Gothic ProN W3" panose="020B0300000000000000" pitchFamily="34" charset="-128"/>
+                  <a:ea typeface="Hiragino Kaku Gothic ProN W3" panose="020B0300000000000000" pitchFamily="34" charset="-128"/>
+                  <a:cs typeface="Arial" panose="020B0604020202020204" pitchFamily="34" charset="0"/>
+                </a:rPr>
+                <a:t>Glucagon</a:t>
+              </a:r>
+            </a:p>
+            <a:p>
+              <a:pPr algn="ctr"/>
+              <a:r>
+                <a:rPr lang="en-US" altLang="ja-JP" sz="1400" b="1" dirty="0">
+                  <a:latin typeface="Hiragino Kaku Gothic ProN W3" panose="020B0300000000000000" pitchFamily="34" charset="-128"/>
+                  <a:ea typeface="Hiragino Kaku Gothic ProN W3" panose="020B0300000000000000" pitchFamily="34" charset="-128"/>
+                  <a:cs typeface="Arial" panose="020B0604020202020204" pitchFamily="34" charset="0"/>
+                </a:rPr>
+                <a:t>system</a:t>
+              </a:r>
+              <a:endParaRPr kumimoji="1" lang="en-US" altLang="ja-JP" sz="1400" b="1" dirty="0">
+                <a:latin typeface="Hiragino Kaku Gothic ProN W3" panose="020B0300000000000000" pitchFamily="34" charset="-128"/>
+                <a:ea typeface="Hiragino Kaku Gothic ProN W3" panose="020B0300000000000000" pitchFamily="34" charset="-128"/>
+                <a:cs typeface="Arial" panose="020B0604020202020204" pitchFamily="34" charset="0"/>
+              </a:endParaRPr>
+            </a:p>
+          </p:txBody>
+        </p:sp>
+        <p:sp>
+          <p:nvSpPr>
+            <p:cNvPr id="12" name="正方形/長方形 11">
+              <a:extLst>
+                <a:ext uri="{FF2B5EF4-FFF2-40B4-BE49-F238E27FC236}">
+                  <a16:creationId xmlns:a16="http://schemas.microsoft.com/office/drawing/2014/main" id="{BF10C92F-6448-8A8B-D871-C21098164560}"/>
+                </a:ext>
+              </a:extLst>
+            </p:cNvPr>
+            <p:cNvSpPr>
+              <a:spLocks noGrp="1" noRot="1" noMove="1" noResize="1" noEditPoints="1" noAdjustHandles="1" noChangeArrowheads="1" noChangeShapeType="1"/>
+            </p:cNvSpPr>
+            <p:nvPr/>
+          </p:nvSpPr>
+          <p:spPr>
+            <a:xfrm>
+              <a:off x="3013194" y="4785530"/>
+              <a:ext cx="1655818" cy="766710"/>
+            </a:xfrm>
+            <a:prstGeom prst="rect">
+              <a:avLst/>
+            </a:prstGeom>
+            <a:ln w="25400"/>
+          </p:spPr>
+          <p:style>
+            <a:lnRef idx="2">
+              <a:schemeClr val="dk1"/>
+            </a:lnRef>
+            <a:fillRef idx="1">
+              <a:schemeClr val="lt1"/>
+            </a:fillRef>
+            <a:effectRef idx="0">
+              <a:schemeClr val="dk1"/>
+            </a:effectRef>
+            <a:fontRef idx="minor">
+              <a:schemeClr val="dk1"/>
+            </a:fontRef>
+          </p:style>
+          <p:txBody>
+            <a:bodyPr rtlCol="0" anchor="ctr"/>
+            <a:lstStyle/>
+            <a:p>
+              <a:pPr algn="ctr"/>
+              <a:r>
+                <a:rPr kumimoji="1" lang="en-US" altLang="ja-JP" sz="1400" b="1" dirty="0">
+                  <a:latin typeface="Hiragino Kaku Gothic ProN W3" panose="020B0300000000000000" pitchFamily="34" charset="-128"/>
+                  <a:ea typeface="Hiragino Kaku Gothic ProN W3" panose="020B0300000000000000" pitchFamily="34" charset="-128"/>
+                  <a:cs typeface="Arial" panose="020B0604020202020204" pitchFamily="34" charset="0"/>
+                </a:rPr>
+                <a:t>Alpha-cell</a:t>
+              </a:r>
+            </a:p>
+          </p:txBody>
+        </p:sp>
+        <p:sp>
+          <p:nvSpPr>
+            <p:cNvPr id="13" name="正方形/長方形 12">
+              <a:extLst>
+                <a:ext uri="{FF2B5EF4-FFF2-40B4-BE49-F238E27FC236}">
+                  <a16:creationId xmlns:a16="http://schemas.microsoft.com/office/drawing/2014/main" id="{4437E01D-17CA-EFB6-3B96-DF774367A861}"/>
+                </a:ext>
+              </a:extLst>
+            </p:cNvPr>
+            <p:cNvSpPr>
+              <a:spLocks noGrp="1" noRot="1" noMove="1" noResize="1" noEditPoints="1" noAdjustHandles="1" noChangeArrowheads="1" noChangeShapeType="1"/>
+            </p:cNvSpPr>
+            <p:nvPr/>
+          </p:nvSpPr>
+          <p:spPr>
+            <a:xfrm>
+              <a:off x="3013194" y="5695515"/>
+              <a:ext cx="1655818" cy="766710"/>
+            </a:xfrm>
+            <a:prstGeom prst="rect">
+              <a:avLst/>
+            </a:prstGeom>
+            <a:ln w="25400"/>
+          </p:spPr>
+          <p:style>
+            <a:lnRef idx="2">
+              <a:schemeClr val="dk1"/>
+            </a:lnRef>
+            <a:fillRef idx="1">
+              <a:schemeClr val="lt1"/>
+            </a:fillRef>
+            <a:effectRef idx="0">
+              <a:schemeClr val="dk1"/>
+            </a:effectRef>
+            <a:fontRef idx="minor">
+              <a:schemeClr val="dk1"/>
+            </a:fontRef>
+          </p:style>
+          <p:txBody>
+            <a:bodyPr rtlCol="0" anchor="ctr"/>
+            <a:lstStyle/>
+            <a:p>
+              <a:pPr algn="ctr"/>
+              <a:r>
+                <a:rPr kumimoji="1" lang="en-US" altLang="ja-JP" sz="1400" b="1" dirty="0">
+                  <a:latin typeface="Hiragino Kaku Gothic ProN W3" panose="020B0300000000000000" pitchFamily="34" charset="-128"/>
+                  <a:ea typeface="Hiragino Kaku Gothic ProN W3" panose="020B0300000000000000" pitchFamily="34" charset="-128"/>
+                  <a:cs typeface="Arial" panose="020B0604020202020204" pitchFamily="34" charset="0"/>
+                </a:rPr>
+                <a:t>Subcutaneous</a:t>
+              </a:r>
+            </a:p>
+            <a:p>
+              <a:pPr algn="ctr"/>
+              <a:r>
+                <a:rPr kumimoji="1" lang="en-US" altLang="ja-JP" sz="1400" b="1" dirty="0">
+                  <a:latin typeface="Hiragino Kaku Gothic ProN W3" panose="020B0300000000000000" pitchFamily="34" charset="-128"/>
+                  <a:ea typeface="Hiragino Kaku Gothic ProN W3" panose="020B0300000000000000" pitchFamily="34" charset="-128"/>
+                  <a:cs typeface="Arial" panose="020B0604020202020204" pitchFamily="34" charset="0"/>
+                </a:rPr>
+                <a:t>Glucagon</a:t>
+              </a:r>
+            </a:p>
+          </p:txBody>
+        </p:sp>
+        <p:cxnSp>
+          <p:nvCxnSpPr>
+            <p:cNvPr id="15" name="直線矢印コネクタ 14">
+              <a:extLst>
+                <a:ext uri="{FF2B5EF4-FFF2-40B4-BE49-F238E27FC236}">
+                  <a16:creationId xmlns:a16="http://schemas.microsoft.com/office/drawing/2014/main" id="{B7F9DA07-C82D-59D6-6FFE-0D16A5A38277}"/>
+                </a:ext>
+              </a:extLst>
+            </p:cNvPr>
+            <p:cNvCxnSpPr>
+              <a:cxnSpLocks noGrp="1" noRot="1" noMove="1" noResize="1" noEditPoints="1" noAdjustHandles="1" noChangeArrowheads="1" noChangeShapeType="1"/>
+              <a:stCxn id="7" idx="3"/>
+            </p:cNvCxnSpPr>
+            <p:nvPr/>
+          </p:nvCxnSpPr>
+          <p:spPr>
+            <a:xfrm>
+              <a:off x="4418159" y="2340064"/>
+              <a:ext cx="1014029" cy="3042"/>
+            </a:xfrm>
+            <a:prstGeom prst="straightConnector1">
+              <a:avLst/>
+            </a:prstGeom>
+            <a:ln>
+              <a:tailEnd type="triangle"/>
+            </a:ln>
+          </p:spPr>
+          <p:style>
+            <a:lnRef idx="2">
+              <a:schemeClr val="dk1"/>
+            </a:lnRef>
+            <a:fillRef idx="0">
+              <a:schemeClr val="dk1"/>
+            </a:fillRef>
+            <a:effectRef idx="1">
+              <a:schemeClr val="dk1"/>
+            </a:effectRef>
+            <a:fontRef idx="minor">
+              <a:schemeClr val="tx1"/>
+            </a:fontRef>
+          </p:style>
+        </p:cxnSp>
+        <p:cxnSp>
+          <p:nvCxnSpPr>
+            <p:cNvPr id="16" name="直線矢印コネクタ 15">
+              <a:extLst>
+                <a:ext uri="{FF2B5EF4-FFF2-40B4-BE49-F238E27FC236}">
+                  <a16:creationId xmlns:a16="http://schemas.microsoft.com/office/drawing/2014/main" id="{81DE0830-BB30-1CB7-09D2-FF3979FFF5E2}"/>
+                </a:ext>
+              </a:extLst>
+            </p:cNvPr>
+            <p:cNvCxnSpPr>
+              <a:cxnSpLocks noGrp="1" noRot="1" noMove="1" noResize="1" noEditPoints="1" noAdjustHandles="1" noChangeArrowheads="1" noChangeShapeType="1"/>
+            </p:cNvCxnSpPr>
+            <p:nvPr/>
+          </p:nvCxnSpPr>
+          <p:spPr>
+            <a:xfrm>
+              <a:off x="7088006" y="2428813"/>
+              <a:ext cx="665516" cy="0"/>
+            </a:xfrm>
+            <a:prstGeom prst="straightConnector1">
+              <a:avLst/>
+            </a:prstGeom>
+            <a:ln>
+              <a:tailEnd type="triangle"/>
+            </a:ln>
+          </p:spPr>
+          <p:style>
+            <a:lnRef idx="2">
+              <a:schemeClr val="dk1"/>
+            </a:lnRef>
+            <a:fillRef idx="0">
+              <a:schemeClr val="dk1"/>
+            </a:fillRef>
+            <a:effectRef idx="1">
+              <a:schemeClr val="dk1"/>
+            </a:effectRef>
+            <a:fontRef idx="minor">
+              <a:schemeClr val="tx1"/>
+            </a:fontRef>
+          </p:style>
+        </p:cxnSp>
+        <p:grpSp>
+          <p:nvGrpSpPr>
+            <p:cNvPr id="25" name="グループ化 24">
+              <a:extLst>
+                <a:ext uri="{FF2B5EF4-FFF2-40B4-BE49-F238E27FC236}">
+                  <a16:creationId xmlns:a16="http://schemas.microsoft.com/office/drawing/2014/main" id="{5899876C-C614-29D0-BBDD-9E6347A46BC3}"/>
+                </a:ext>
+              </a:extLst>
+            </p:cNvPr>
+            <p:cNvGrpSpPr>
+              <a:grpSpLocks noGrp="1" noUngrp="1" noRot="1" noMove="1" noResize="1"/>
+            </p:cNvGrpSpPr>
+            <p:nvPr/>
+          </p:nvGrpSpPr>
+          <p:grpSpPr>
+            <a:xfrm>
+              <a:off x="5159378" y="1006298"/>
+              <a:ext cx="444654" cy="929827"/>
+              <a:chOff x="5159378" y="1006298"/>
+              <a:chExt cx="444654" cy="929827"/>
+            </a:xfrm>
+          </p:grpSpPr>
+          <p:cxnSp>
+            <p:nvCxnSpPr>
+              <p:cNvPr id="18" name="直線コネクタ 17">
+                <a:extLst>
+                  <a:ext uri="{FF2B5EF4-FFF2-40B4-BE49-F238E27FC236}">
+                    <a16:creationId xmlns:a16="http://schemas.microsoft.com/office/drawing/2014/main" id="{F9DFDAA7-A431-84FE-09A2-CB44764F44C3}"/>
+                  </a:ext>
+                </a:extLst>
+              </p:cNvPr>
+              <p:cNvCxnSpPr>
+                <a:cxnSpLocks noGrp="1" noRot="1" noMove="1" noResize="1" noEditPoints="1" noAdjustHandles="1" noChangeArrowheads="1" noChangeShapeType="1"/>
+              </p:cNvCxnSpPr>
+              <p:nvPr/>
+            </p:nvCxnSpPr>
+            <p:spPr>
+              <a:xfrm>
+                <a:off x="5159378" y="1006298"/>
+                <a:ext cx="444654" cy="0"/>
+              </a:xfrm>
+              <a:prstGeom prst="line">
+                <a:avLst/>
+              </a:prstGeom>
+            </p:spPr>
+            <p:style>
+              <a:lnRef idx="2">
+                <a:schemeClr val="dk1"/>
+              </a:lnRef>
+              <a:fillRef idx="0">
+                <a:schemeClr val="dk1"/>
+              </a:fillRef>
+              <a:effectRef idx="1">
+                <a:schemeClr val="dk1"/>
+              </a:effectRef>
+              <a:fontRef idx="minor">
+                <a:schemeClr val="tx1"/>
+              </a:fontRef>
+            </p:style>
+          </p:cxnSp>
+          <p:cxnSp>
+            <p:nvCxnSpPr>
+              <p:cNvPr id="22" name="直線矢印コネクタ 21">
+                <a:extLst>
+                  <a:ext uri="{FF2B5EF4-FFF2-40B4-BE49-F238E27FC236}">
+                    <a16:creationId xmlns:a16="http://schemas.microsoft.com/office/drawing/2014/main" id="{52736315-6E77-864D-A923-D2B64945B9B8}"/>
+                  </a:ext>
+                </a:extLst>
+              </p:cNvPr>
+              <p:cNvCxnSpPr>
+                <a:cxnSpLocks noGrp="1" noRot="1" noMove="1" noResize="1" noEditPoints="1" noAdjustHandles="1" noChangeArrowheads="1" noChangeShapeType="1"/>
+              </p:cNvCxnSpPr>
+              <p:nvPr/>
+            </p:nvCxnSpPr>
+            <p:spPr>
+              <a:xfrm>
+                <a:off x="5604032" y="1006298"/>
+                <a:ext cx="0" cy="929827"/>
+              </a:xfrm>
+              <a:prstGeom prst="straightConnector1">
+                <a:avLst/>
+              </a:prstGeom>
+              <a:ln>
+                <a:tailEnd type="triangle"/>
+              </a:ln>
+            </p:spPr>
+            <p:style>
+              <a:lnRef idx="2">
+                <a:schemeClr val="dk1"/>
+              </a:lnRef>
+              <a:fillRef idx="0">
+                <a:schemeClr val="dk1"/>
+              </a:fillRef>
+              <a:effectRef idx="1">
+                <a:schemeClr val="dk1"/>
+              </a:effectRef>
+              <a:fontRef idx="minor">
+                <a:schemeClr val="tx1"/>
+              </a:fontRef>
+            </p:style>
+          </p:cxnSp>
+        </p:grpSp>
+        <p:grpSp>
+          <p:nvGrpSpPr>
+            <p:cNvPr id="34" name="グループ化 33">
+              <a:extLst>
+                <a:ext uri="{FF2B5EF4-FFF2-40B4-BE49-F238E27FC236}">
+                  <a16:creationId xmlns:a16="http://schemas.microsoft.com/office/drawing/2014/main" id="{98A4A4B7-8320-DC53-F31B-344F85199536}"/>
+                </a:ext>
+              </a:extLst>
+            </p:cNvPr>
+            <p:cNvGrpSpPr>
+              <a:grpSpLocks noGrp="1" noUngrp="1" noRot="1" noMove="1" noResize="1"/>
+            </p:cNvGrpSpPr>
+            <p:nvPr/>
+          </p:nvGrpSpPr>
+          <p:grpSpPr>
+            <a:xfrm>
+              <a:off x="5949206" y="547756"/>
+              <a:ext cx="504072" cy="1388369"/>
+              <a:chOff x="5949206" y="547756"/>
+              <a:chExt cx="504072" cy="1388369"/>
+            </a:xfrm>
+          </p:grpSpPr>
+          <p:cxnSp>
+            <p:nvCxnSpPr>
+              <p:cNvPr id="28" name="直線コネクタ 27">
+                <a:extLst>
+                  <a:ext uri="{FF2B5EF4-FFF2-40B4-BE49-F238E27FC236}">
+                    <a16:creationId xmlns:a16="http://schemas.microsoft.com/office/drawing/2014/main" id="{611D6914-78F4-5D3E-7B7C-D1FF9A5A30DD}"/>
+                  </a:ext>
+                </a:extLst>
+              </p:cNvPr>
+              <p:cNvCxnSpPr>
+                <a:cxnSpLocks noGrp="1" noRot="1" noMove="1" noResize="1" noEditPoints="1" noAdjustHandles="1" noChangeArrowheads="1" noChangeShapeType="1"/>
+              </p:cNvCxnSpPr>
+              <p:nvPr/>
+            </p:nvCxnSpPr>
+            <p:spPr>
+              <a:xfrm flipV="1">
+                <a:off x="5954812" y="547756"/>
+                <a:ext cx="0" cy="1388369"/>
+              </a:xfrm>
+              <a:prstGeom prst="line">
+                <a:avLst/>
+              </a:prstGeom>
+            </p:spPr>
+            <p:style>
+              <a:lnRef idx="2">
+                <a:schemeClr val="dk1"/>
+              </a:lnRef>
+              <a:fillRef idx="0">
+                <a:schemeClr val="dk1"/>
+              </a:fillRef>
+              <a:effectRef idx="1">
+                <a:schemeClr val="dk1"/>
+              </a:effectRef>
+              <a:fontRef idx="minor">
+                <a:schemeClr val="tx1"/>
+              </a:fontRef>
+            </p:style>
+          </p:cxnSp>
+          <p:cxnSp>
+            <p:nvCxnSpPr>
+              <p:cNvPr id="30" name="直線矢印コネクタ 29">
+                <a:extLst>
+                  <a:ext uri="{FF2B5EF4-FFF2-40B4-BE49-F238E27FC236}">
+                    <a16:creationId xmlns:a16="http://schemas.microsoft.com/office/drawing/2014/main" id="{BEC33001-CCB0-8D2A-11D2-2FEE104A605D}"/>
+                  </a:ext>
+                </a:extLst>
+              </p:cNvPr>
+              <p:cNvCxnSpPr>
+                <a:cxnSpLocks noGrp="1" noRot="1" noMove="1" noResize="1" noEditPoints="1" noAdjustHandles="1" noChangeArrowheads="1" noChangeShapeType="1"/>
+                <a:endCxn id="10" idx="1"/>
+              </p:cNvCxnSpPr>
+              <p:nvPr/>
+            </p:nvCxnSpPr>
+            <p:spPr>
+              <a:xfrm>
+                <a:off x="5949206" y="547756"/>
+                <a:ext cx="504072" cy="0"/>
+              </a:xfrm>
+              <a:prstGeom prst="straightConnector1">
+                <a:avLst/>
+              </a:prstGeom>
+              <a:ln>
+                <a:tailEnd type="triangle"/>
+              </a:ln>
+            </p:spPr>
+            <p:style>
+              <a:lnRef idx="2">
+                <a:schemeClr val="dk1"/>
+              </a:lnRef>
+              <a:fillRef idx="0">
+                <a:schemeClr val="dk1"/>
+              </a:fillRef>
+              <a:effectRef idx="1">
+                <a:schemeClr val="dk1"/>
+              </a:effectRef>
+              <a:fontRef idx="minor">
+                <a:schemeClr val="tx1"/>
+              </a:fontRef>
+            </p:style>
+          </p:cxnSp>
+        </p:grpSp>
+        <p:cxnSp>
+          <p:nvCxnSpPr>
+            <p:cNvPr id="36" name="直線矢印コネクタ 35">
+              <a:extLst>
+                <a:ext uri="{FF2B5EF4-FFF2-40B4-BE49-F238E27FC236}">
+                  <a16:creationId xmlns:a16="http://schemas.microsoft.com/office/drawing/2014/main" id="{16F0A0F5-EC10-1362-BACE-65313BC4450E}"/>
+                </a:ext>
+              </a:extLst>
+            </p:cNvPr>
+            <p:cNvCxnSpPr>
+              <a:cxnSpLocks noGrp="1" noRot="1" noMove="1" noResize="1" noEditPoints="1" noAdjustHandles="1" noChangeArrowheads="1" noChangeShapeType="1"/>
+            </p:cNvCxnSpPr>
+            <p:nvPr/>
+          </p:nvCxnSpPr>
+          <p:spPr>
+            <a:xfrm flipV="1">
+              <a:off x="6537785" y="1409495"/>
+              <a:ext cx="0" cy="526630"/>
+            </a:xfrm>
+            <a:prstGeom prst="straightConnector1">
+              <a:avLst/>
+            </a:prstGeom>
+            <a:ln>
+              <a:tailEnd type="triangle"/>
+            </a:ln>
+          </p:spPr>
+          <p:style>
+            <a:lnRef idx="2">
+              <a:schemeClr val="dk1"/>
+            </a:lnRef>
+            <a:fillRef idx="0">
+              <a:schemeClr val="dk1"/>
+            </a:fillRef>
+            <a:effectRef idx="1">
+              <a:schemeClr val="dk1"/>
+            </a:effectRef>
+            <a:fontRef idx="minor">
+              <a:schemeClr val="tx1"/>
+            </a:fontRef>
+          </p:style>
+        </p:cxnSp>
+        <p:cxnSp>
+          <p:nvCxnSpPr>
+            <p:cNvPr id="38" name="直線矢印コネクタ 37">
+              <a:extLst>
+                <a:ext uri="{FF2B5EF4-FFF2-40B4-BE49-F238E27FC236}">
+                  <a16:creationId xmlns:a16="http://schemas.microsoft.com/office/drawing/2014/main" id="{BF9E0711-CC5E-F5CA-8A35-8A1FE5C1F928}"/>
+                </a:ext>
+              </a:extLst>
+            </p:cNvPr>
+            <p:cNvCxnSpPr>
+              <a:cxnSpLocks noGrp="1" noRot="1" noMove="1" noResize="1" noEditPoints="1" noAdjustHandles="1" noChangeArrowheads="1" noChangeShapeType="1"/>
+              <a:endCxn id="9" idx="2"/>
+            </p:cNvCxnSpPr>
+            <p:nvPr/>
+          </p:nvCxnSpPr>
+          <p:spPr>
+            <a:xfrm flipV="1">
+              <a:off x="6987998" y="1409495"/>
+              <a:ext cx="1" cy="526630"/>
+            </a:xfrm>
+            <a:prstGeom prst="straightConnector1">
+              <a:avLst/>
+            </a:prstGeom>
+            <a:ln>
+              <a:prstDash val="dash"/>
+              <a:tailEnd type="triangle"/>
+            </a:ln>
+          </p:spPr>
+          <p:style>
+            <a:lnRef idx="2">
+              <a:schemeClr val="dk1"/>
+            </a:lnRef>
+            <a:fillRef idx="0">
+              <a:schemeClr val="dk1"/>
+            </a:fillRef>
+            <a:effectRef idx="1">
+              <a:schemeClr val="dk1"/>
+            </a:effectRef>
+            <a:fontRef idx="minor">
+              <a:schemeClr val="tx1"/>
+            </a:fontRef>
+          </p:style>
+        </p:cxnSp>
+        <p:cxnSp>
+          <p:nvCxnSpPr>
+            <p:cNvPr id="39" name="直線矢印コネクタ 38">
+              <a:extLst>
+                <a:ext uri="{FF2B5EF4-FFF2-40B4-BE49-F238E27FC236}">
+                  <a16:creationId xmlns:a16="http://schemas.microsoft.com/office/drawing/2014/main" id="{DEE8B95E-9FDE-634A-B5F5-5070D96EE828}"/>
+                </a:ext>
+              </a:extLst>
+            </p:cNvPr>
+            <p:cNvCxnSpPr>
+              <a:cxnSpLocks noGrp="1" noRot="1" noMove="1" noResize="1" noEditPoints="1" noAdjustHandles="1" noChangeArrowheads="1" noChangeShapeType="1"/>
+            </p:cNvCxnSpPr>
+            <p:nvPr/>
+          </p:nvCxnSpPr>
+          <p:spPr>
+            <a:xfrm>
+              <a:off x="7088006" y="2213351"/>
+              <a:ext cx="665516" cy="0"/>
+            </a:xfrm>
+            <a:prstGeom prst="straightConnector1">
+              <a:avLst/>
+            </a:prstGeom>
+            <a:ln>
+              <a:prstDash val="dash"/>
+              <a:tailEnd type="triangle"/>
+            </a:ln>
+          </p:spPr>
+          <p:style>
+            <a:lnRef idx="2">
+              <a:schemeClr val="dk1"/>
+            </a:lnRef>
+            <a:fillRef idx="0">
+              <a:schemeClr val="dk1"/>
+            </a:fillRef>
+            <a:effectRef idx="1">
+              <a:schemeClr val="dk1"/>
+            </a:effectRef>
+            <a:fontRef idx="minor">
+              <a:schemeClr val="tx1"/>
+            </a:fontRef>
+          </p:style>
+        </p:cxnSp>
+        <p:cxnSp>
+          <p:nvCxnSpPr>
+            <p:cNvPr id="43" name="直線矢印コネクタ 42">
+              <a:extLst>
+                <a:ext uri="{FF2B5EF4-FFF2-40B4-BE49-F238E27FC236}">
+                  <a16:creationId xmlns:a16="http://schemas.microsoft.com/office/drawing/2014/main" id="{4586A139-8B22-110D-F0EA-E41F5D73F43E}"/>
+                </a:ext>
+              </a:extLst>
+            </p:cNvPr>
+            <p:cNvCxnSpPr>
+              <a:cxnSpLocks noGrp="1" noRot="1" noMove="1" noResize="1" noEditPoints="1" noAdjustHandles="1" noChangeArrowheads="1" noChangeShapeType="1"/>
+              <a:stCxn id="2" idx="3"/>
+              <a:endCxn id="3" idx="1"/>
+            </p:cNvCxnSpPr>
+            <p:nvPr/>
+          </p:nvCxnSpPr>
+          <p:spPr>
+            <a:xfrm>
+              <a:off x="4685409" y="3875545"/>
+              <a:ext cx="746779" cy="0"/>
+            </a:xfrm>
+            <a:prstGeom prst="straightConnector1">
+              <a:avLst/>
+            </a:prstGeom>
+            <a:ln>
+              <a:tailEnd type="triangle"/>
+            </a:ln>
+          </p:spPr>
+          <p:style>
+            <a:lnRef idx="2">
+              <a:schemeClr val="dk1"/>
+            </a:lnRef>
+            <a:fillRef idx="0">
+              <a:schemeClr val="dk1"/>
+            </a:fillRef>
+            <a:effectRef idx="1">
+              <a:schemeClr val="dk1"/>
+            </a:effectRef>
+            <a:fontRef idx="minor">
+              <a:schemeClr val="tx1"/>
+            </a:fontRef>
+          </p:style>
+        </p:cxnSp>
+        <p:cxnSp>
+          <p:nvCxnSpPr>
+            <p:cNvPr id="45" name="直線矢印コネクタ 44">
+              <a:extLst>
+                <a:ext uri="{FF2B5EF4-FFF2-40B4-BE49-F238E27FC236}">
+                  <a16:creationId xmlns:a16="http://schemas.microsoft.com/office/drawing/2014/main" id="{D8EFAB3C-745C-EBC5-53D2-A08966298A18}"/>
+                </a:ext>
+              </a:extLst>
+            </p:cNvPr>
+            <p:cNvCxnSpPr>
+              <a:cxnSpLocks noGrp="1" noRot="1" noMove="1" noResize="1" noEditPoints="1" noAdjustHandles="1" noChangeArrowheads="1" noChangeShapeType="1"/>
+            </p:cNvCxnSpPr>
+            <p:nvPr/>
+          </p:nvCxnSpPr>
+          <p:spPr>
+            <a:xfrm flipV="1">
+              <a:off x="7088006" y="3875545"/>
+              <a:ext cx="1194496" cy="10129"/>
+            </a:xfrm>
+            <a:prstGeom prst="straightConnector1">
+              <a:avLst/>
+            </a:prstGeom>
+            <a:ln>
+              <a:tailEnd type="triangle"/>
+            </a:ln>
+          </p:spPr>
+          <p:style>
+            <a:lnRef idx="2">
+              <a:schemeClr val="dk1"/>
+            </a:lnRef>
+            <a:fillRef idx="0">
+              <a:schemeClr val="dk1"/>
+            </a:fillRef>
+            <a:effectRef idx="1">
+              <a:schemeClr val="dk1"/>
+            </a:effectRef>
+            <a:fontRef idx="minor">
+              <a:schemeClr val="tx1"/>
+            </a:fontRef>
+          </p:style>
+        </p:cxnSp>
+        <p:cxnSp>
+          <p:nvCxnSpPr>
+            <p:cNvPr id="48" name="直線コネクタ 47">
+              <a:extLst>
+                <a:ext uri="{FF2B5EF4-FFF2-40B4-BE49-F238E27FC236}">
+                  <a16:creationId xmlns:a16="http://schemas.microsoft.com/office/drawing/2014/main" id="{8B76EDD2-B68D-AD13-29B4-50A5D3EAF15A}"/>
+                </a:ext>
+              </a:extLst>
+            </p:cNvPr>
+            <p:cNvCxnSpPr>
+              <a:cxnSpLocks noGrp="1" noRot="1" noMove="1" noResize="1" noEditPoints="1" noAdjustHandles="1" noChangeArrowheads="1" noChangeShapeType="1"/>
+              <a:stCxn id="3" idx="0"/>
+            </p:cNvCxnSpPr>
+            <p:nvPr/>
+          </p:nvCxnSpPr>
+          <p:spPr>
+            <a:xfrm flipV="1">
+              <a:off x="6260097" y="3291840"/>
+              <a:ext cx="0" cy="200350"/>
+            </a:xfrm>
+            <a:prstGeom prst="line">
+              <a:avLst/>
+            </a:prstGeom>
+            <a:ln>
+              <a:prstDash val="dash"/>
+            </a:ln>
+          </p:spPr>
+          <p:style>
+            <a:lnRef idx="2">
+              <a:schemeClr val="dk1"/>
+            </a:lnRef>
+            <a:fillRef idx="0">
+              <a:schemeClr val="dk1"/>
+            </a:fillRef>
+            <a:effectRef idx="1">
+              <a:schemeClr val="dk1"/>
+            </a:effectRef>
+            <a:fontRef idx="minor">
+              <a:schemeClr val="tx1"/>
+            </a:fontRef>
+          </p:style>
+        </p:cxnSp>
+        <p:cxnSp>
+          <p:nvCxnSpPr>
+            <p:cNvPr id="52" name="カギ線コネクタ 51">
+              <a:extLst>
+                <a:ext uri="{FF2B5EF4-FFF2-40B4-BE49-F238E27FC236}">
+                  <a16:creationId xmlns:a16="http://schemas.microsoft.com/office/drawing/2014/main" id="{03F42795-979C-DB87-84AB-1BB4FD2A9B1F}"/>
+                </a:ext>
+              </a:extLst>
+            </p:cNvPr>
+            <p:cNvCxnSpPr>
+              <a:cxnSpLocks noGrp="1" noRot="1" noMove="1" noResize="1" noEditPoints="1" noAdjustHandles="1" noChangeArrowheads="1" noChangeShapeType="1"/>
+              <a:stCxn id="55" idx="2"/>
+              <a:endCxn id="7" idx="2"/>
+            </p:cNvCxnSpPr>
+            <p:nvPr/>
+          </p:nvCxnSpPr>
+          <p:spPr>
+            <a:xfrm rot="10800000">
+              <a:off x="3762345" y="2723419"/>
+              <a:ext cx="2461753" cy="550354"/>
+            </a:xfrm>
+            <a:prstGeom prst="bentConnector2">
+              <a:avLst/>
+            </a:prstGeom>
+            <a:ln>
+              <a:prstDash val="dash"/>
+              <a:tailEnd type="triangle"/>
+            </a:ln>
+          </p:spPr>
+          <p:style>
+            <a:lnRef idx="2">
+              <a:schemeClr val="dk1"/>
+            </a:lnRef>
+            <a:fillRef idx="0">
+              <a:schemeClr val="dk1"/>
+            </a:fillRef>
+            <a:effectRef idx="1">
+              <a:schemeClr val="dk1"/>
+            </a:effectRef>
+            <a:fontRef idx="minor">
+              <a:schemeClr val="tx1"/>
+            </a:fontRef>
+          </p:style>
+        </p:cxnSp>
+        <p:cxnSp>
+          <p:nvCxnSpPr>
+            <p:cNvPr id="54" name="カギ線コネクタ 53">
+              <a:extLst>
+                <a:ext uri="{FF2B5EF4-FFF2-40B4-BE49-F238E27FC236}">
+                  <a16:creationId xmlns:a16="http://schemas.microsoft.com/office/drawing/2014/main" id="{D0564C69-2DF6-1651-0031-673D3BD0CE36}"/>
+                </a:ext>
+              </a:extLst>
+            </p:cNvPr>
+            <p:cNvCxnSpPr>
+              <a:cxnSpLocks noGrp="1" noRot="1" noMove="1" noResize="1" noEditPoints="1" noAdjustHandles="1" noChangeArrowheads="1" noChangeShapeType="1"/>
+              <a:stCxn id="55" idx="6"/>
+              <a:endCxn id="5" idx="2"/>
+            </p:cNvCxnSpPr>
+            <p:nvPr/>
+          </p:nvCxnSpPr>
+          <p:spPr>
+            <a:xfrm flipV="1">
+              <a:off x="6296097" y="2755387"/>
+              <a:ext cx="2285334" cy="518386"/>
+            </a:xfrm>
+            <a:prstGeom prst="bentConnector2">
+              <a:avLst/>
+            </a:prstGeom>
+            <a:ln>
+              <a:prstDash val="dash"/>
+              <a:tailEnd type="triangle"/>
+            </a:ln>
+          </p:spPr>
+          <p:style>
+            <a:lnRef idx="2">
+              <a:schemeClr val="dk1"/>
+            </a:lnRef>
+            <a:fillRef idx="0">
+              <a:schemeClr val="dk1"/>
+            </a:fillRef>
+            <a:effectRef idx="1">
+              <a:schemeClr val="dk1"/>
+            </a:effectRef>
+            <a:fontRef idx="minor">
+              <a:schemeClr val="tx1"/>
+            </a:fontRef>
+          </p:style>
+        </p:cxnSp>
+        <p:sp>
+          <p:nvSpPr>
+            <p:cNvPr id="55" name="円/楕円 54">
+              <a:extLst>
+                <a:ext uri="{FF2B5EF4-FFF2-40B4-BE49-F238E27FC236}">
+                  <a16:creationId xmlns:a16="http://schemas.microsoft.com/office/drawing/2014/main" id="{10946CBB-FE92-5EAB-3074-7A0346290781}"/>
+                </a:ext>
+              </a:extLst>
+            </p:cNvPr>
+            <p:cNvSpPr>
+              <a:spLocks noGrp="1" noRot="1" noChangeAspect="1" noMove="1" noResize="1" noEditPoints="1" noAdjustHandles="1" noChangeArrowheads="1" noChangeShapeType="1"/>
+            </p:cNvSpPr>
+            <p:nvPr/>
+          </p:nvSpPr>
+          <p:spPr>
+            <a:xfrm>
+              <a:off x="6224097" y="3237773"/>
+              <a:ext cx="72000" cy="72000"/>
+            </a:xfrm>
+            <a:prstGeom prst="ellipse">
+              <a:avLst/>
+            </a:prstGeom>
+          </p:spPr>
+          <p:style>
+            <a:lnRef idx="2">
+              <a:schemeClr val="dk1">
+                <a:shade val="15000"/>
+              </a:schemeClr>
+            </a:lnRef>
+            <a:fillRef idx="1">
+              <a:schemeClr val="dk1"/>
+            </a:fillRef>
+            <a:effectRef idx="0">
+              <a:schemeClr val="dk1"/>
+            </a:effectRef>
+            <a:fontRef idx="minor">
+              <a:schemeClr val="lt1"/>
+            </a:fontRef>
+          </p:style>
+          <p:txBody>
+            <a:bodyPr rtlCol="0" anchor="ctr"/>
+            <a:lstStyle/>
+            <a:p>
+              <a:pPr algn="ctr"/>
+              <a:endParaRPr kumimoji="1" lang="ja-JP" altLang="en-US"/>
+            </a:p>
+          </p:txBody>
+        </p:sp>
+        <p:sp>
+          <p:nvSpPr>
+            <p:cNvPr id="72" name="円/楕円 71">
+              <a:extLst>
+                <a:ext uri="{FF2B5EF4-FFF2-40B4-BE49-F238E27FC236}">
+                  <a16:creationId xmlns:a16="http://schemas.microsoft.com/office/drawing/2014/main" id="{8F4B8D99-2A71-73DE-4548-B97331CC290E}"/>
+                </a:ext>
+              </a:extLst>
+            </p:cNvPr>
+            <p:cNvSpPr>
+              <a:spLocks noGrp="1" noRot="1" noChangeAspect="1" noMove="1" noResize="1" noEditPoints="1" noAdjustHandles="1" noChangeArrowheads="1" noChangeShapeType="1"/>
+            </p:cNvSpPr>
+            <p:nvPr/>
+          </p:nvSpPr>
+          <p:spPr>
+            <a:xfrm>
+              <a:off x="6224097" y="2866458"/>
+              <a:ext cx="72000" cy="72000"/>
+            </a:xfrm>
+            <a:prstGeom prst="ellipse">
+              <a:avLst/>
+            </a:prstGeom>
+          </p:spPr>
+          <p:style>
+            <a:lnRef idx="2">
+              <a:schemeClr val="dk1">
+                <a:shade val="15000"/>
+              </a:schemeClr>
+            </a:lnRef>
+            <a:fillRef idx="1">
+              <a:schemeClr val="dk1"/>
+            </a:fillRef>
+            <a:effectRef idx="0">
+              <a:schemeClr val="dk1"/>
+            </a:effectRef>
+            <a:fontRef idx="minor">
+              <a:schemeClr val="lt1"/>
+            </a:fontRef>
+          </p:style>
+          <p:txBody>
+            <a:bodyPr rtlCol="0" anchor="ctr"/>
+            <a:lstStyle/>
+            <a:p>
+              <a:pPr algn="ctr"/>
+              <a:endParaRPr kumimoji="1" lang="ja-JP" altLang="en-US"/>
+            </a:p>
+          </p:txBody>
+        </p:sp>
+        <p:cxnSp>
+          <p:nvCxnSpPr>
+            <p:cNvPr id="73" name="直線コネクタ 72">
+              <a:extLst>
+                <a:ext uri="{FF2B5EF4-FFF2-40B4-BE49-F238E27FC236}">
+                  <a16:creationId xmlns:a16="http://schemas.microsoft.com/office/drawing/2014/main" id="{5F85FFCB-8CB0-05C0-A7DA-513285AC7878}"/>
+                </a:ext>
+              </a:extLst>
+            </p:cNvPr>
+            <p:cNvCxnSpPr>
+              <a:cxnSpLocks noGrp="1" noRot="1" noMove="1" noResize="1" noEditPoints="1" noAdjustHandles="1" noChangeArrowheads="1" noChangeShapeType="1"/>
+            </p:cNvCxnSpPr>
+            <p:nvPr/>
+          </p:nvCxnSpPr>
+          <p:spPr>
+            <a:xfrm flipV="1">
+              <a:off x="6260097" y="2702835"/>
+              <a:ext cx="0" cy="200350"/>
+            </a:xfrm>
+            <a:prstGeom prst="line">
+              <a:avLst/>
+            </a:prstGeom>
+            <a:ln>
+              <a:prstDash val="dash"/>
+            </a:ln>
+          </p:spPr>
+          <p:style>
+            <a:lnRef idx="2">
+              <a:schemeClr val="dk1"/>
+            </a:lnRef>
+            <a:fillRef idx="0">
+              <a:schemeClr val="dk1"/>
+            </a:fillRef>
+            <a:effectRef idx="1">
+              <a:schemeClr val="dk1"/>
+            </a:effectRef>
+            <a:fontRef idx="minor">
+              <a:schemeClr val="tx1"/>
+            </a:fontRef>
+          </p:style>
+        </p:cxnSp>
+        <p:cxnSp>
+          <p:nvCxnSpPr>
+            <p:cNvPr id="78" name="直線コネクタ 77">
+              <a:extLst>
+                <a:ext uri="{FF2B5EF4-FFF2-40B4-BE49-F238E27FC236}">
+                  <a16:creationId xmlns:a16="http://schemas.microsoft.com/office/drawing/2014/main" id="{E8A68DAE-4DC2-A5AF-74C8-7E68AD129B43}"/>
+                </a:ext>
+              </a:extLst>
+            </p:cNvPr>
+            <p:cNvCxnSpPr>
+              <a:cxnSpLocks noGrp="1" noRot="1" noMove="1" noResize="1" noEditPoints="1" noAdjustHandles="1" noChangeArrowheads="1" noChangeShapeType="1"/>
+              <a:stCxn id="72" idx="6"/>
+            </p:cNvCxnSpPr>
+            <p:nvPr/>
+          </p:nvCxnSpPr>
+          <p:spPr>
+            <a:xfrm>
+              <a:off x="6296097" y="2902458"/>
+              <a:ext cx="1888418" cy="0"/>
+            </a:xfrm>
+            <a:prstGeom prst="line">
+              <a:avLst/>
+            </a:prstGeom>
+            <a:ln>
+              <a:prstDash val="dash"/>
+            </a:ln>
+          </p:spPr>
+          <p:style>
+            <a:lnRef idx="2">
+              <a:schemeClr val="dk1"/>
+            </a:lnRef>
+            <a:fillRef idx="0">
+              <a:schemeClr val="dk1"/>
+            </a:fillRef>
+            <a:effectRef idx="1">
+              <a:schemeClr val="dk1"/>
+            </a:effectRef>
+            <a:fontRef idx="minor">
+              <a:schemeClr val="tx1"/>
+            </a:fontRef>
+          </p:style>
+        </p:cxnSp>
+        <p:cxnSp>
+          <p:nvCxnSpPr>
+            <p:cNvPr id="80" name="直線矢印コネクタ 79">
+              <a:extLst>
+                <a:ext uri="{FF2B5EF4-FFF2-40B4-BE49-F238E27FC236}">
+                  <a16:creationId xmlns:a16="http://schemas.microsoft.com/office/drawing/2014/main" id="{109079B7-EBDF-482D-58A6-509AE359B2F0}"/>
+                </a:ext>
+              </a:extLst>
+            </p:cNvPr>
+            <p:cNvCxnSpPr>
+              <a:cxnSpLocks noGrp="1" noRot="1" noMove="1" noResize="1" noEditPoints="1" noAdjustHandles="1" noChangeArrowheads="1" noChangeShapeType="1"/>
+            </p:cNvCxnSpPr>
+            <p:nvPr/>
+          </p:nvCxnSpPr>
+          <p:spPr>
+            <a:xfrm flipV="1">
+              <a:off x="8184515" y="2755387"/>
+              <a:ext cx="0" cy="147071"/>
+            </a:xfrm>
+            <a:prstGeom prst="straightConnector1">
+              <a:avLst/>
+            </a:prstGeom>
+            <a:ln>
+              <a:prstDash val="dash"/>
+              <a:tailEnd type="triangle"/>
+            </a:ln>
+          </p:spPr>
+          <p:style>
+            <a:lnRef idx="2">
+              <a:schemeClr val="dk1"/>
+            </a:lnRef>
+            <a:fillRef idx="0">
+              <a:schemeClr val="dk1"/>
+            </a:fillRef>
+            <a:effectRef idx="1">
+              <a:schemeClr val="dk1"/>
+            </a:effectRef>
+            <a:fontRef idx="minor">
+              <a:schemeClr val="tx1"/>
+            </a:fontRef>
+          </p:style>
+        </p:cxnSp>
+        <p:cxnSp>
+          <p:nvCxnSpPr>
+            <p:cNvPr id="85" name="直線コネクタ 84">
+              <a:extLst>
+                <a:ext uri="{FF2B5EF4-FFF2-40B4-BE49-F238E27FC236}">
+                  <a16:creationId xmlns:a16="http://schemas.microsoft.com/office/drawing/2014/main" id="{959D07F6-1337-363F-7FF8-A616E5ECF238}"/>
+                </a:ext>
+              </a:extLst>
+            </p:cNvPr>
+            <p:cNvCxnSpPr>
+              <a:cxnSpLocks noGrp="1" noRot="1" noMove="1" noResize="1" noEditPoints="1" noAdjustHandles="1" noChangeArrowheads="1" noChangeShapeType="1"/>
+              <a:endCxn id="72" idx="2"/>
+            </p:cNvCxnSpPr>
+            <p:nvPr/>
+          </p:nvCxnSpPr>
+          <p:spPr>
+            <a:xfrm>
+              <a:off x="2629912" y="2902031"/>
+              <a:ext cx="3594185" cy="427"/>
+            </a:xfrm>
+            <a:prstGeom prst="line">
+              <a:avLst/>
+            </a:prstGeom>
+            <a:ln>
+              <a:prstDash val="dash"/>
+            </a:ln>
+          </p:spPr>
+          <p:style>
+            <a:lnRef idx="2">
+              <a:schemeClr val="dk1"/>
+            </a:lnRef>
+            <a:fillRef idx="0">
+              <a:schemeClr val="dk1"/>
+            </a:fillRef>
+            <a:effectRef idx="1">
+              <a:schemeClr val="dk1"/>
+            </a:effectRef>
+            <a:fontRef idx="minor">
+              <a:schemeClr val="tx1"/>
+            </a:fontRef>
+          </p:style>
+        </p:cxnSp>
+        <p:cxnSp>
+          <p:nvCxnSpPr>
+            <p:cNvPr id="89" name="直線コネクタ 88">
+              <a:extLst>
+                <a:ext uri="{FF2B5EF4-FFF2-40B4-BE49-F238E27FC236}">
+                  <a16:creationId xmlns:a16="http://schemas.microsoft.com/office/drawing/2014/main" id="{FFCDF10F-DE24-EA5E-82B6-0697B5D770C9}"/>
+                </a:ext>
+              </a:extLst>
+            </p:cNvPr>
+            <p:cNvCxnSpPr>
+              <a:cxnSpLocks noGrp="1" noRot="1" noMove="1" noResize="1" noEditPoints="1" noAdjustHandles="1" noChangeArrowheads="1" noChangeShapeType="1"/>
+            </p:cNvCxnSpPr>
+            <p:nvPr/>
+          </p:nvCxnSpPr>
+          <p:spPr>
+            <a:xfrm>
+              <a:off x="2623037" y="2902458"/>
+              <a:ext cx="0" cy="2266427"/>
+            </a:xfrm>
+            <a:prstGeom prst="line">
+              <a:avLst/>
+            </a:prstGeom>
+            <a:ln>
+              <a:prstDash val="dash"/>
+            </a:ln>
+          </p:spPr>
+          <p:style>
+            <a:lnRef idx="2">
+              <a:schemeClr val="dk1"/>
+            </a:lnRef>
+            <a:fillRef idx="0">
+              <a:schemeClr val="dk1"/>
+            </a:fillRef>
+            <a:effectRef idx="1">
+              <a:schemeClr val="dk1"/>
+            </a:effectRef>
+            <a:fontRef idx="minor">
+              <a:schemeClr val="tx1"/>
+            </a:fontRef>
+          </p:style>
+        </p:cxnSp>
+        <p:cxnSp>
+          <p:nvCxnSpPr>
+            <p:cNvPr id="92" name="直線矢印コネクタ 91">
+              <a:extLst>
+                <a:ext uri="{FF2B5EF4-FFF2-40B4-BE49-F238E27FC236}">
+                  <a16:creationId xmlns:a16="http://schemas.microsoft.com/office/drawing/2014/main" id="{CDA56AA4-6CE7-78C8-B506-B938BEA3C6F8}"/>
+                </a:ext>
+              </a:extLst>
+            </p:cNvPr>
+            <p:cNvCxnSpPr>
+              <a:cxnSpLocks noGrp="1" noRot="1" noMove="1" noResize="1" noEditPoints="1" noAdjustHandles="1" noChangeArrowheads="1" noChangeShapeType="1"/>
+              <a:endCxn id="12" idx="1"/>
+            </p:cNvCxnSpPr>
+            <p:nvPr/>
+          </p:nvCxnSpPr>
+          <p:spPr>
+            <a:xfrm>
+              <a:off x="2629912" y="5168885"/>
+              <a:ext cx="383282" cy="0"/>
+            </a:xfrm>
+            <a:prstGeom prst="straightConnector1">
+              <a:avLst/>
+            </a:prstGeom>
+            <a:ln>
+              <a:prstDash val="dash"/>
+              <a:tailEnd type="triangle"/>
+            </a:ln>
+          </p:spPr>
+          <p:style>
+            <a:lnRef idx="2">
+              <a:schemeClr val="dk1"/>
+            </a:lnRef>
+            <a:fillRef idx="0">
+              <a:schemeClr val="dk1"/>
+            </a:fillRef>
+            <a:effectRef idx="1">
+              <a:schemeClr val="dk1"/>
+            </a:effectRef>
+            <a:fontRef idx="minor">
+              <a:schemeClr val="tx1"/>
+            </a:fontRef>
+          </p:style>
+        </p:cxnSp>
+        <p:cxnSp>
+          <p:nvCxnSpPr>
+            <p:cNvPr id="94" name="直線矢印コネクタ 93">
+              <a:extLst>
+                <a:ext uri="{FF2B5EF4-FFF2-40B4-BE49-F238E27FC236}">
+                  <a16:creationId xmlns:a16="http://schemas.microsoft.com/office/drawing/2014/main" id="{1DAA10E5-B074-F826-BE3E-D7F2ED7C355D}"/>
+                </a:ext>
+              </a:extLst>
+            </p:cNvPr>
+            <p:cNvCxnSpPr>
+              <a:cxnSpLocks noGrp="1" noRot="1" noMove="1" noResize="1" noEditPoints="1" noAdjustHandles="1" noChangeArrowheads="1" noChangeShapeType="1"/>
+            </p:cNvCxnSpPr>
+            <p:nvPr/>
+          </p:nvCxnSpPr>
+          <p:spPr>
+            <a:xfrm flipV="1">
+              <a:off x="3358682" y="2723419"/>
+              <a:ext cx="0" cy="178612"/>
+            </a:xfrm>
+            <a:prstGeom prst="straightConnector1">
+              <a:avLst/>
+            </a:prstGeom>
+            <a:ln>
+              <a:prstDash val="dash"/>
+              <a:tailEnd type="triangle"/>
+            </a:ln>
+          </p:spPr>
+          <p:style>
+            <a:lnRef idx="2">
+              <a:schemeClr val="dk1"/>
+            </a:lnRef>
+            <a:fillRef idx="0">
+              <a:schemeClr val="dk1"/>
+            </a:fillRef>
+            <a:effectRef idx="1">
+              <a:schemeClr val="dk1"/>
+            </a:effectRef>
+            <a:fontRef idx="minor">
+              <a:schemeClr val="tx1"/>
+            </a:fontRef>
+          </p:style>
+        </p:cxnSp>
+        <p:sp>
+          <p:nvSpPr>
+            <p:cNvPr id="95" name="円/楕円 94">
+              <a:extLst>
+                <a:ext uri="{FF2B5EF4-FFF2-40B4-BE49-F238E27FC236}">
+                  <a16:creationId xmlns:a16="http://schemas.microsoft.com/office/drawing/2014/main" id="{11FF9719-D197-F085-E53F-8F327CC33BA7}"/>
+                </a:ext>
+              </a:extLst>
+            </p:cNvPr>
+            <p:cNvSpPr>
+              <a:spLocks noGrp="1" noRot="1" noChangeAspect="1" noMove="1" noResize="1" noEditPoints="1" noAdjustHandles="1" noChangeArrowheads="1" noChangeShapeType="1"/>
+            </p:cNvSpPr>
+            <p:nvPr/>
+          </p:nvSpPr>
+          <p:spPr>
+            <a:xfrm>
+              <a:off x="3322682" y="2865668"/>
+              <a:ext cx="72000" cy="72000"/>
+            </a:xfrm>
+            <a:prstGeom prst="ellipse">
+              <a:avLst/>
+            </a:prstGeom>
+          </p:spPr>
+          <p:style>
+            <a:lnRef idx="2">
+              <a:schemeClr val="dk1">
+                <a:shade val="15000"/>
+              </a:schemeClr>
+            </a:lnRef>
+            <a:fillRef idx="1">
+              <a:schemeClr val="dk1"/>
+            </a:fillRef>
+            <a:effectRef idx="0">
+              <a:schemeClr val="dk1"/>
+            </a:effectRef>
+            <a:fontRef idx="minor">
+              <a:schemeClr val="lt1"/>
+            </a:fontRef>
+          </p:style>
+          <p:txBody>
+            <a:bodyPr rtlCol="0" anchor="ctr"/>
+            <a:lstStyle/>
+            <a:p>
+              <a:pPr algn="ctr"/>
+              <a:endParaRPr kumimoji="1" lang="ja-JP" altLang="en-US"/>
+            </a:p>
+          </p:txBody>
+        </p:sp>
+        <p:cxnSp>
+          <p:nvCxnSpPr>
+            <p:cNvPr id="98" name="直線矢印コネクタ 97">
+              <a:extLst>
+                <a:ext uri="{FF2B5EF4-FFF2-40B4-BE49-F238E27FC236}">
+                  <a16:creationId xmlns:a16="http://schemas.microsoft.com/office/drawing/2014/main" id="{A7D00C63-E68D-CD82-F1D0-F49671B892F0}"/>
+                </a:ext>
+              </a:extLst>
+            </p:cNvPr>
+            <p:cNvCxnSpPr>
+              <a:cxnSpLocks noGrp="1" noRot="1" noMove="1" noResize="1" noEditPoints="1" noAdjustHandles="1" noChangeArrowheads="1" noChangeShapeType="1"/>
+              <a:stCxn id="12" idx="3"/>
+              <a:endCxn id="11" idx="1"/>
+            </p:cNvCxnSpPr>
+            <p:nvPr/>
+          </p:nvCxnSpPr>
+          <p:spPr>
+            <a:xfrm>
+              <a:off x="4669012" y="5168885"/>
+              <a:ext cx="763176" cy="0"/>
+            </a:xfrm>
+            <a:prstGeom prst="straightConnector1">
+              <a:avLst/>
+            </a:prstGeom>
+            <a:ln>
+              <a:tailEnd type="triangle"/>
+            </a:ln>
+          </p:spPr>
+          <p:style>
+            <a:lnRef idx="2">
+              <a:schemeClr val="dk1"/>
+            </a:lnRef>
+            <a:fillRef idx="0">
+              <a:schemeClr val="dk1"/>
+            </a:fillRef>
+            <a:effectRef idx="1">
+              <a:schemeClr val="dk1"/>
+            </a:effectRef>
+            <a:fontRef idx="minor">
+              <a:schemeClr val="tx1"/>
+            </a:fontRef>
+          </p:style>
+        </p:cxnSp>
+        <p:cxnSp>
+          <p:nvCxnSpPr>
+            <p:cNvPr id="100" name="カギ線コネクタ 99">
+              <a:extLst>
+                <a:ext uri="{FF2B5EF4-FFF2-40B4-BE49-F238E27FC236}">
+                  <a16:creationId xmlns:a16="http://schemas.microsoft.com/office/drawing/2014/main" id="{3933751B-D5A3-E409-CD3C-329B31E64A2B}"/>
+                </a:ext>
+              </a:extLst>
+            </p:cNvPr>
+            <p:cNvCxnSpPr>
+              <a:cxnSpLocks noGrp="1" noRot="1" noMove="1" noResize="1" noEditPoints="1" noAdjustHandles="1" noChangeArrowheads="1" noChangeShapeType="1"/>
+              <a:stCxn id="3" idx="2"/>
+              <a:endCxn id="12" idx="0"/>
+            </p:cNvCxnSpPr>
+            <p:nvPr/>
+          </p:nvCxnSpPr>
+          <p:spPr>
+            <a:xfrm rot="5400000">
+              <a:off x="4787285" y="3312718"/>
+              <a:ext cx="526630" cy="2418994"/>
+            </a:xfrm>
+            <a:prstGeom prst="bentConnector3">
+              <a:avLst>
+                <a:gd name="adj1" fmla="val 50000"/>
+              </a:avLst>
+            </a:prstGeom>
+            <a:ln>
+              <a:prstDash val="dash"/>
+              <a:tailEnd type="triangle"/>
+            </a:ln>
+          </p:spPr>
+          <p:style>
+            <a:lnRef idx="2">
+              <a:schemeClr val="dk1"/>
+            </a:lnRef>
+            <a:fillRef idx="0">
+              <a:schemeClr val="dk1"/>
+            </a:fillRef>
+            <a:effectRef idx="1">
+              <a:schemeClr val="dk1"/>
+            </a:effectRef>
+            <a:fontRef idx="minor">
+              <a:schemeClr val="tx1"/>
+            </a:fontRef>
+          </p:style>
+        </p:cxnSp>
+        <p:cxnSp>
+          <p:nvCxnSpPr>
+            <p:cNvPr id="105" name="直線コネクタ 104">
+              <a:extLst>
+                <a:ext uri="{FF2B5EF4-FFF2-40B4-BE49-F238E27FC236}">
+                  <a16:creationId xmlns:a16="http://schemas.microsoft.com/office/drawing/2014/main" id="{22918D29-BE12-B469-858C-DF471CD312E4}"/>
+                </a:ext>
+              </a:extLst>
+            </p:cNvPr>
+            <p:cNvCxnSpPr>
+              <a:cxnSpLocks noGrp="1" noRot="1" noMove="1" noResize="1" noEditPoints="1" noAdjustHandles="1" noChangeArrowheads="1" noChangeShapeType="1"/>
+              <a:stCxn id="13" idx="3"/>
+            </p:cNvCxnSpPr>
+            <p:nvPr/>
+          </p:nvCxnSpPr>
+          <p:spPr>
+            <a:xfrm>
+              <a:off x="4669012" y="6078870"/>
+              <a:ext cx="1183148" cy="0"/>
+            </a:xfrm>
+            <a:prstGeom prst="line">
+              <a:avLst/>
+            </a:prstGeom>
+          </p:spPr>
+          <p:style>
+            <a:lnRef idx="2">
+              <a:schemeClr val="dk1"/>
+            </a:lnRef>
+            <a:fillRef idx="0">
+              <a:schemeClr val="dk1"/>
+            </a:fillRef>
+            <a:effectRef idx="1">
+              <a:schemeClr val="dk1"/>
+            </a:effectRef>
+            <a:fontRef idx="minor">
+              <a:schemeClr val="tx1"/>
+            </a:fontRef>
+          </p:style>
+        </p:cxnSp>
+        <p:cxnSp>
+          <p:nvCxnSpPr>
+            <p:cNvPr id="107" name="直線矢印コネクタ 106">
+              <a:extLst>
+                <a:ext uri="{FF2B5EF4-FFF2-40B4-BE49-F238E27FC236}">
+                  <a16:creationId xmlns:a16="http://schemas.microsoft.com/office/drawing/2014/main" id="{F9513065-AD29-7415-88A7-B47CDBB2A776}"/>
+                </a:ext>
+              </a:extLst>
+            </p:cNvPr>
+            <p:cNvCxnSpPr>
+              <a:cxnSpLocks noGrp="1" noRot="1" noMove="1" noResize="1" noEditPoints="1" noAdjustHandles="1" noChangeArrowheads="1" noChangeShapeType="1"/>
+            </p:cNvCxnSpPr>
+            <p:nvPr/>
+          </p:nvCxnSpPr>
+          <p:spPr>
+            <a:xfrm flipV="1">
+              <a:off x="5872480" y="5552240"/>
+              <a:ext cx="0" cy="526630"/>
+            </a:xfrm>
+            <a:prstGeom prst="straightConnector1">
+              <a:avLst/>
+            </a:prstGeom>
+            <a:ln>
+              <a:tailEnd type="triangle"/>
+            </a:ln>
+          </p:spPr>
+          <p:style>
+            <a:lnRef idx="2">
+              <a:schemeClr val="dk1"/>
+            </a:lnRef>
+            <a:fillRef idx="0">
+              <a:schemeClr val="dk1"/>
+            </a:fillRef>
+            <a:effectRef idx="1">
+              <a:schemeClr val="dk1"/>
+            </a:effectRef>
+            <a:fontRef idx="minor">
+              <a:schemeClr val="tx1"/>
+            </a:fontRef>
+          </p:style>
+        </p:cxnSp>
+        <p:cxnSp>
+          <p:nvCxnSpPr>
+            <p:cNvPr id="109" name="カギ線コネクタ 108">
+              <a:extLst>
+                <a:ext uri="{FF2B5EF4-FFF2-40B4-BE49-F238E27FC236}">
+                  <a16:creationId xmlns:a16="http://schemas.microsoft.com/office/drawing/2014/main" id="{E94292DA-A1DD-4A7A-0E63-7965BE05439C}"/>
+                </a:ext>
+              </a:extLst>
+            </p:cNvPr>
+            <p:cNvCxnSpPr>
+              <a:cxnSpLocks noGrp="1" noRot="1" noMove="1" noResize="1" noEditPoints="1" noAdjustHandles="1" noChangeArrowheads="1" noChangeShapeType="1"/>
+              <a:stCxn id="11" idx="2"/>
+              <a:endCxn id="7" idx="1"/>
+            </p:cNvCxnSpPr>
+            <p:nvPr/>
+          </p:nvCxnSpPr>
+          <p:spPr>
+            <a:xfrm rot="5400000" flipH="1">
+              <a:off x="3077225" y="2369367"/>
+              <a:ext cx="3212176" cy="3153570"/>
+            </a:xfrm>
+            <a:prstGeom prst="bentConnector4">
+              <a:avLst>
+                <a:gd name="adj1" fmla="val -31788"/>
+                <a:gd name="adj2" fmla="val 126902"/>
+              </a:avLst>
+            </a:prstGeom>
+            <a:ln>
+              <a:prstDash val="dash"/>
+              <a:tailEnd type="triangle"/>
+            </a:ln>
+          </p:spPr>
+          <p:style>
+            <a:lnRef idx="2">
+              <a:schemeClr val="dk1"/>
+            </a:lnRef>
+            <a:fillRef idx="0">
+              <a:schemeClr val="dk1"/>
+            </a:fillRef>
+            <a:effectRef idx="1">
+              <a:schemeClr val="dk1"/>
+            </a:effectRef>
+            <a:fontRef idx="minor">
+              <a:schemeClr val="tx1"/>
+            </a:fontRef>
+          </p:style>
+        </p:cxnSp>
+        <p:cxnSp>
+          <p:nvCxnSpPr>
+            <p:cNvPr id="112" name="直線矢印コネクタ 111">
+              <a:extLst>
+                <a:ext uri="{FF2B5EF4-FFF2-40B4-BE49-F238E27FC236}">
+                  <a16:creationId xmlns:a16="http://schemas.microsoft.com/office/drawing/2014/main" id="{183B256A-CA79-F6D9-AEFE-2D4C0FBDCEE4}"/>
+                </a:ext>
+              </a:extLst>
+            </p:cNvPr>
+            <p:cNvCxnSpPr>
+              <a:cxnSpLocks noGrp="1" noRot="1" noMove="1" noResize="1" noEditPoints="1" noAdjustHandles="1" noChangeArrowheads="1" noChangeShapeType="1"/>
+            </p:cNvCxnSpPr>
+            <p:nvPr/>
+          </p:nvCxnSpPr>
+          <p:spPr>
+            <a:xfrm flipV="1">
+              <a:off x="7088006" y="5158756"/>
+              <a:ext cx="1194496" cy="10129"/>
+            </a:xfrm>
+            <a:prstGeom prst="straightConnector1">
+              <a:avLst/>
+            </a:prstGeom>
+            <a:ln>
+              <a:tailEnd type="triangle"/>
+            </a:ln>
+          </p:spPr>
+          <p:style>
+            <a:lnRef idx="2">
+              <a:schemeClr val="dk1"/>
+            </a:lnRef>
+            <a:fillRef idx="0">
+              <a:schemeClr val="dk1"/>
+            </a:fillRef>
+            <a:effectRef idx="1">
+              <a:schemeClr val="dk1"/>
+            </a:effectRef>
+            <a:fontRef idx="minor">
+              <a:schemeClr val="tx1"/>
+            </a:fontRef>
+          </p:style>
+        </p:cxnSp>
+        <p:cxnSp>
+          <p:nvCxnSpPr>
+            <p:cNvPr id="114" name="直線矢印コネクタ 113">
+              <a:extLst>
+                <a:ext uri="{FF2B5EF4-FFF2-40B4-BE49-F238E27FC236}">
+                  <a16:creationId xmlns:a16="http://schemas.microsoft.com/office/drawing/2014/main" id="{89D2D710-FCA6-2D81-0510-348AD739C0EA}"/>
+                </a:ext>
+              </a:extLst>
+            </p:cNvPr>
+            <p:cNvCxnSpPr>
+              <a:cxnSpLocks noGrp="1" noRot="1" noMove="1" noResize="1" noEditPoints="1" noAdjustHandles="1" noChangeArrowheads="1" noChangeShapeType="1"/>
+              <a:endCxn id="8" idx="1"/>
+            </p:cNvCxnSpPr>
+            <p:nvPr/>
+          </p:nvCxnSpPr>
+          <p:spPr>
+            <a:xfrm>
+              <a:off x="1808480" y="1034690"/>
+              <a:ext cx="1272258" cy="0"/>
+            </a:xfrm>
+            <a:prstGeom prst="straightConnector1">
+              <a:avLst/>
+            </a:prstGeom>
+            <a:ln>
+              <a:tailEnd type="triangle"/>
+            </a:ln>
+          </p:spPr>
+          <p:style>
+            <a:lnRef idx="2">
+              <a:schemeClr val="dk1"/>
+            </a:lnRef>
+            <a:fillRef idx="0">
+              <a:schemeClr val="dk1"/>
+            </a:fillRef>
+            <a:effectRef idx="1">
+              <a:schemeClr val="dk1"/>
+            </a:effectRef>
+            <a:fontRef idx="minor">
+              <a:schemeClr val="tx1"/>
+            </a:fontRef>
+          </p:style>
+        </p:cxnSp>
+        <p:cxnSp>
+          <p:nvCxnSpPr>
+            <p:cNvPr id="116" name="直線矢印コネクタ 115">
+              <a:extLst>
+                <a:ext uri="{FF2B5EF4-FFF2-40B4-BE49-F238E27FC236}">
+                  <a16:creationId xmlns:a16="http://schemas.microsoft.com/office/drawing/2014/main" id="{1F86F35E-15F3-D4F5-A55F-2832D506F113}"/>
+                </a:ext>
+              </a:extLst>
+            </p:cNvPr>
+            <p:cNvCxnSpPr>
+              <a:cxnSpLocks noGrp="1" noRot="1" noMove="1" noResize="1" noEditPoints="1" noAdjustHandles="1" noChangeArrowheads="1" noChangeShapeType="1"/>
+            </p:cNvCxnSpPr>
+            <p:nvPr/>
+          </p:nvCxnSpPr>
+          <p:spPr>
+            <a:xfrm flipV="1">
+              <a:off x="1676400" y="3875545"/>
+              <a:ext cx="1145153" cy="10129"/>
+            </a:xfrm>
+            <a:prstGeom prst="straightConnector1">
+              <a:avLst/>
+            </a:prstGeom>
+            <a:ln>
+              <a:tailEnd type="triangle"/>
+            </a:ln>
+          </p:spPr>
+          <p:style>
+            <a:lnRef idx="2">
+              <a:schemeClr val="dk1"/>
+            </a:lnRef>
+            <a:fillRef idx="0">
+              <a:schemeClr val="dk1"/>
+            </a:fillRef>
+            <a:effectRef idx="1">
+              <a:schemeClr val="dk1"/>
+            </a:effectRef>
+            <a:fontRef idx="minor">
+              <a:schemeClr val="tx1"/>
+            </a:fontRef>
+          </p:style>
+        </p:cxnSp>
+        <mc:AlternateContent xmlns:mc="http://schemas.openxmlformats.org/markup-compatibility/2006" xmlns:a14="http://schemas.microsoft.com/office/drawing/2010/main">
+          <mc:Choice Requires="a14">
+            <p:sp>
+              <p:nvSpPr>
+                <p:cNvPr id="118" name="テキスト ボックス 117">
+                  <a:extLst>
+                    <a:ext uri="{FF2B5EF4-FFF2-40B4-BE49-F238E27FC236}">
+                      <a16:creationId xmlns:a16="http://schemas.microsoft.com/office/drawing/2014/main" id="{EBD6B057-4C9A-9F1C-A258-1FB8BCBE00D0}"/>
+                    </a:ext>
+                  </a:extLst>
+                </p:cNvPr>
+                <p:cNvSpPr txBox="1">
+                  <a:spLocks noGrp="1" noRot="1" noMove="1" noResize="1" noEditPoints="1" noAdjustHandles="1" noChangeArrowheads="1" noChangeShapeType="1"/>
+                </p:cNvSpPr>
+                <p:nvPr/>
+              </p:nvSpPr>
+              <p:spPr>
+                <a:xfrm>
+                  <a:off x="5189986" y="715245"/>
+                  <a:ext cx="393919" cy="276999"/>
+                </a:xfrm>
+                <a:prstGeom prst="rect">
+                  <a:avLst/>
+                </a:prstGeom>
+                <a:noFill/>
+              </p:spPr>
+              <p:txBody>
+                <a:bodyPr wrap="square" lIns="0" tIns="0" rIns="0" bIns="0" rtlCol="0">
+                  <a:spAutoFit/>
+                </a:bodyPr>
+                <a:lstStyle/>
+                <a:p>
+                  <a:pPr/>
+                  <a14:m>
+                    <m:oMathPara xmlns:m="http://schemas.openxmlformats.org/officeDocument/2006/math">
+                      <m:oMathParaPr>
+                        <m:jc m:val="centerGroup"/>
+                      </m:oMathParaPr>
+                      <m:oMath xmlns:m="http://schemas.openxmlformats.org/officeDocument/2006/math">
+                        <m:sSub>
+                          <m:sSubPr>
+                            <m:ctrlPr>
+                              <a:rPr kumimoji="1" lang="en-US" altLang="ja-JP" b="0" i="1" smtClean="0">
+                                <a:latin typeface="Cambria Math" panose="02040503050406030204" pitchFamily="18" charset="0"/>
+                              </a:rPr>
+                            </m:ctrlPr>
+                          </m:sSubPr>
+                          <m:e>
+                            <m:r>
+                              <a:rPr kumimoji="1" lang="en-US" altLang="ja-JP" b="0" i="1" smtClean="0">
+                                <a:latin typeface="Cambria Math" panose="02040503050406030204" pitchFamily="18" charset="0"/>
+                              </a:rPr>
+                              <m:t>𝑅</m:t>
+                            </m:r>
+                          </m:e>
+                          <m:sub>
+                            <m:r>
+                              <a:rPr kumimoji="1" lang="en-US" altLang="ja-JP" b="0" i="1" smtClean="0">
+                                <a:latin typeface="Cambria Math" panose="02040503050406030204" pitchFamily="18" charset="0"/>
+                              </a:rPr>
+                              <m:t>𝑎</m:t>
+                            </m:r>
+                          </m:sub>
+                        </m:sSub>
+                      </m:oMath>
+                    </m:oMathPara>
+                  </a14:m>
+                  <a:endParaRPr kumimoji="1" lang="en-US" altLang="ja-JP" b="0" dirty="0"/>
+                </a:p>
+              </p:txBody>
+            </p:sp>
+          </mc:Choice>
+          <mc:Fallback xmlns="">
+            <p:sp>
+              <p:nvSpPr>
+                <p:cNvPr id="118" name="テキスト ボックス 117">
+                  <a:extLst>
+                    <a:ext uri="{FF2B5EF4-FFF2-40B4-BE49-F238E27FC236}">
+                      <a16:creationId xmlns:a16="http://schemas.microsoft.com/office/drawing/2014/main" id="{EBD6B057-4C9A-9F1C-A258-1FB8BCBE00D0}"/>
+                    </a:ext>
+                  </a:extLst>
+                </p:cNvPr>
+                <p:cNvSpPr txBox="1">
+                  <a:spLocks noGrp="1" noRot="1" noChangeAspect="1" noMove="1" noResize="1" noEditPoints="1" noAdjustHandles="1" noChangeArrowheads="1" noChangeShapeType="1" noTextEdit="1"/>
+                </p:cNvSpPr>
+                <p:nvPr/>
+              </p:nvSpPr>
+              <p:spPr>
+                <a:xfrm>
+                  <a:off x="5189986" y="715245"/>
+                  <a:ext cx="393919" cy="276999"/>
+                </a:xfrm>
+                <a:prstGeom prst="rect">
+                  <a:avLst/>
+                </a:prstGeom>
+                <a:blipFill>
+                  <a:blip r:embed="rId3"/>
+                  <a:stretch>
+                    <a:fillRect l="-3125" b="-8696"/>
+                  </a:stretch>
+                </a:blipFill>
+              </p:spPr>
+              <p:txBody>
+                <a:bodyPr/>
+                <a:lstStyle/>
+                <a:p>
+                  <a:r>
+                    <a:rPr lang="ja-JP" altLang="en-US">
+                      <a:noFill/>
+                    </a:rPr>
+                    <a:t> </a:t>
+                  </a:r>
+                </a:p>
+              </p:txBody>
+            </p:sp>
+          </mc:Fallback>
+        </mc:AlternateContent>
+        <mc:AlternateContent xmlns:mc="http://schemas.openxmlformats.org/markup-compatibility/2006" xmlns:a14="http://schemas.microsoft.com/office/drawing/2010/main">
+          <mc:Choice Requires="a14">
+            <p:sp>
+              <p:nvSpPr>
+                <p:cNvPr id="120" name="テキスト ボックス 119">
+                  <a:extLst>
+                    <a:ext uri="{FF2B5EF4-FFF2-40B4-BE49-F238E27FC236}">
+                      <a16:creationId xmlns:a16="http://schemas.microsoft.com/office/drawing/2014/main" id="{E24743C2-FE07-FFDE-28EB-272F97CDB65C}"/>
+                    </a:ext>
+                  </a:extLst>
+                </p:cNvPr>
+                <p:cNvSpPr txBox="1">
+                  <a:spLocks noGrp="1" noRot="1" noMove="1" noResize="1" noEditPoints="1" noAdjustHandles="1" noChangeArrowheads="1" noChangeShapeType="1"/>
+                </p:cNvSpPr>
+                <p:nvPr/>
+              </p:nvSpPr>
+              <p:spPr>
+                <a:xfrm>
+                  <a:off x="4550004" y="2055158"/>
+                  <a:ext cx="504177" cy="276999"/>
+                </a:xfrm>
+                <a:prstGeom prst="rect">
+                  <a:avLst/>
+                </a:prstGeom>
+                <a:noFill/>
+              </p:spPr>
+              <p:txBody>
+                <a:bodyPr wrap="none" lIns="0" tIns="0" rIns="0" bIns="0" rtlCol="0">
+                  <a:spAutoFit/>
+                </a:bodyPr>
+                <a:lstStyle/>
+                <a:p>
+                  <a:pPr/>
+                  <a14:m>
+                    <m:oMathPara xmlns:m="http://schemas.openxmlformats.org/officeDocument/2006/math">
+                      <m:oMathParaPr>
+                        <m:jc m:val="centerGroup"/>
+                      </m:oMathParaPr>
+                      <m:oMath xmlns:m="http://schemas.openxmlformats.org/officeDocument/2006/math">
+                        <m:r>
+                          <a:rPr kumimoji="1" lang="en-US" altLang="ja-JP" b="0" i="1" smtClean="0">
+                            <a:latin typeface="Cambria Math" panose="02040503050406030204" pitchFamily="18" charset="0"/>
+                          </a:rPr>
+                          <m:t>𝐸𝐺𝑃</m:t>
+                        </m:r>
+                      </m:oMath>
+                    </m:oMathPara>
+                  </a14:m>
+                  <a:endParaRPr kumimoji="1" lang="en-US" altLang="ja-JP" b="0" dirty="0"/>
+                </a:p>
+              </p:txBody>
+            </p:sp>
+          </mc:Choice>
+          <mc:Fallback xmlns="">
+            <p:sp>
+              <p:nvSpPr>
+                <p:cNvPr id="120" name="テキスト ボックス 119">
+                  <a:extLst>
+                    <a:ext uri="{FF2B5EF4-FFF2-40B4-BE49-F238E27FC236}">
+                      <a16:creationId xmlns:a16="http://schemas.microsoft.com/office/drawing/2014/main" id="{E24743C2-FE07-FFDE-28EB-272F97CDB65C}"/>
+                    </a:ext>
+                  </a:extLst>
+                </p:cNvPr>
+                <p:cNvSpPr txBox="1">
+                  <a:spLocks noGrp="1" noRot="1" noChangeAspect="1" noMove="1" noResize="1" noEditPoints="1" noAdjustHandles="1" noChangeArrowheads="1" noChangeShapeType="1" noTextEdit="1"/>
+                </p:cNvSpPr>
+                <p:nvPr/>
+              </p:nvSpPr>
+              <p:spPr>
+                <a:xfrm>
+                  <a:off x="4550004" y="2055158"/>
+                  <a:ext cx="504177" cy="276999"/>
+                </a:xfrm>
+                <a:prstGeom prst="rect">
+                  <a:avLst/>
+                </a:prstGeom>
+                <a:blipFill>
+                  <a:blip r:embed="rId4"/>
+                  <a:stretch>
+                    <a:fillRect l="-10000" r="-7500" b="-8696"/>
+                  </a:stretch>
+                </a:blipFill>
+              </p:spPr>
+              <p:txBody>
+                <a:bodyPr/>
+                <a:lstStyle/>
+                <a:p>
+                  <a:r>
+                    <a:rPr lang="ja-JP" altLang="en-US">
+                      <a:noFill/>
+                    </a:rPr>
+                    <a:t> </a:t>
+                  </a:r>
+                </a:p>
+              </p:txBody>
+            </p:sp>
+          </mc:Fallback>
+        </mc:AlternateContent>
+        <mc:AlternateContent xmlns:mc="http://schemas.openxmlformats.org/markup-compatibility/2006" xmlns:a14="http://schemas.microsoft.com/office/drawing/2010/main">
+          <mc:Choice Requires="a14">
+            <p:sp>
+              <p:nvSpPr>
+                <p:cNvPr id="121" name="テキスト ボックス 120">
+                  <a:extLst>
+                    <a:ext uri="{FF2B5EF4-FFF2-40B4-BE49-F238E27FC236}">
+                      <a16:creationId xmlns:a16="http://schemas.microsoft.com/office/drawing/2014/main" id="{A513DF73-3A96-F07B-2BBB-3C71CE08A283}"/>
+                    </a:ext>
+                  </a:extLst>
+                </p:cNvPr>
+                <p:cNvSpPr txBox="1">
+                  <a:spLocks noGrp="1" noRot="1" noMove="1" noResize="1" noEditPoints="1" noAdjustHandles="1" noChangeArrowheads="1" noChangeShapeType="1"/>
+                </p:cNvSpPr>
+                <p:nvPr/>
+              </p:nvSpPr>
+              <p:spPr>
+                <a:xfrm>
+                  <a:off x="5941677" y="248441"/>
+                  <a:ext cx="344260" cy="276999"/>
+                </a:xfrm>
+                <a:prstGeom prst="rect">
+                  <a:avLst/>
+                </a:prstGeom>
+                <a:noFill/>
+              </p:spPr>
+              <p:txBody>
+                <a:bodyPr wrap="none" lIns="0" tIns="0" rIns="0" bIns="0" rtlCol="0">
+                  <a:spAutoFit/>
+                </a:bodyPr>
+                <a:lstStyle/>
+                <a:p>
+                  <a:pPr/>
+                  <a14:m>
+                    <m:oMathPara xmlns:m="http://schemas.openxmlformats.org/officeDocument/2006/math">
+                      <m:oMathParaPr>
+                        <m:jc m:val="centerGroup"/>
+                      </m:oMathParaPr>
+                      <m:oMath xmlns:m="http://schemas.openxmlformats.org/officeDocument/2006/math">
+                        <m:sSub>
+                          <m:sSubPr>
+                            <m:ctrlPr>
+                              <a:rPr kumimoji="1" lang="en-US" altLang="ja-JP" b="0" i="1" smtClean="0">
+                                <a:latin typeface="Cambria Math" panose="02040503050406030204" pitchFamily="18" charset="0"/>
+                              </a:rPr>
+                            </m:ctrlPr>
+                          </m:sSubPr>
+                          <m:e>
+                            <m:r>
+                              <a:rPr kumimoji="1" lang="en-US" altLang="ja-JP" b="0" i="1" smtClean="0">
+                                <a:latin typeface="Cambria Math" panose="02040503050406030204" pitchFamily="18" charset="0"/>
+                              </a:rPr>
+                              <m:t>𝑈</m:t>
+                            </m:r>
+                          </m:e>
+                          <m:sub>
+                            <m:r>
+                              <a:rPr kumimoji="1" lang="en-US" altLang="ja-JP" b="0" i="1" smtClean="0">
+                                <a:latin typeface="Cambria Math" panose="02040503050406030204" pitchFamily="18" charset="0"/>
+                              </a:rPr>
+                              <m:t>𝑖𝑖</m:t>
+                            </m:r>
+                          </m:sub>
+                        </m:sSub>
+                      </m:oMath>
+                    </m:oMathPara>
+                  </a14:m>
+                  <a:endParaRPr kumimoji="1" lang="en-US" altLang="ja-JP" b="0" dirty="0"/>
+                </a:p>
+              </p:txBody>
+            </p:sp>
+          </mc:Choice>
+          <mc:Fallback xmlns="">
+            <p:sp>
+              <p:nvSpPr>
+                <p:cNvPr id="121" name="テキスト ボックス 120">
+                  <a:extLst>
+                    <a:ext uri="{FF2B5EF4-FFF2-40B4-BE49-F238E27FC236}">
+                      <a16:creationId xmlns:a16="http://schemas.microsoft.com/office/drawing/2014/main" id="{A513DF73-3A96-F07B-2BBB-3C71CE08A283}"/>
+                    </a:ext>
+                  </a:extLst>
+                </p:cNvPr>
+                <p:cNvSpPr txBox="1">
+                  <a:spLocks noGrp="1" noRot="1" noChangeAspect="1" noMove="1" noResize="1" noEditPoints="1" noAdjustHandles="1" noChangeArrowheads="1" noChangeShapeType="1" noTextEdit="1"/>
+                </p:cNvSpPr>
+                <p:nvPr/>
+              </p:nvSpPr>
+              <p:spPr>
+                <a:xfrm>
+                  <a:off x="5941677" y="248441"/>
+                  <a:ext cx="344260" cy="276999"/>
+                </a:xfrm>
+                <a:prstGeom prst="rect">
+                  <a:avLst/>
+                </a:prstGeom>
+                <a:blipFill>
+                  <a:blip r:embed="rId5"/>
+                  <a:stretch>
+                    <a:fillRect l="-14815" r="-3704" b="-17391"/>
+                  </a:stretch>
+                </a:blipFill>
+              </p:spPr>
+              <p:txBody>
+                <a:bodyPr/>
+                <a:lstStyle/>
+                <a:p>
+                  <a:r>
+                    <a:rPr lang="ja-JP" altLang="en-US">
+                      <a:noFill/>
+                    </a:rPr>
+                    <a:t> </a:t>
+                  </a:r>
+                </a:p>
+              </p:txBody>
+            </p:sp>
+          </mc:Fallback>
+        </mc:AlternateContent>
+        <mc:AlternateContent xmlns:mc="http://schemas.openxmlformats.org/markup-compatibility/2006" xmlns:a14="http://schemas.microsoft.com/office/drawing/2010/main">
+          <mc:Choice Requires="a14">
+            <p:sp>
+              <p:nvSpPr>
+                <p:cNvPr id="122" name="テキスト ボックス 121">
+                  <a:extLst>
+                    <a:ext uri="{FF2B5EF4-FFF2-40B4-BE49-F238E27FC236}">
+                      <a16:creationId xmlns:a16="http://schemas.microsoft.com/office/drawing/2014/main" id="{B20C92A4-1BF5-A1C6-00D0-338C6DCCC9B5}"/>
+                    </a:ext>
+                  </a:extLst>
+                </p:cNvPr>
+                <p:cNvSpPr txBox="1">
+                  <a:spLocks noGrp="1" noRot="1" noMove="1" noResize="1" noEditPoints="1" noAdjustHandles="1" noChangeArrowheads="1" noChangeShapeType="1"/>
+                </p:cNvSpPr>
+                <p:nvPr/>
+              </p:nvSpPr>
+              <p:spPr>
+                <a:xfrm>
+                  <a:off x="6285937" y="1560586"/>
+                  <a:ext cx="219034" cy="276999"/>
+                </a:xfrm>
+                <a:prstGeom prst="rect">
+                  <a:avLst/>
+                </a:prstGeom>
+                <a:noFill/>
+              </p:spPr>
+              <p:txBody>
+                <a:bodyPr wrap="none" lIns="0" tIns="0" rIns="0" bIns="0" rtlCol="0">
+                  <a:spAutoFit/>
+                </a:bodyPr>
+                <a:lstStyle/>
+                <a:p>
+                  <a:pPr/>
+                  <a14:m>
+                    <m:oMathPara xmlns:m="http://schemas.openxmlformats.org/officeDocument/2006/math">
+                      <m:oMathParaPr>
+                        <m:jc m:val="centerGroup"/>
+                      </m:oMathParaPr>
+                      <m:oMath xmlns:m="http://schemas.openxmlformats.org/officeDocument/2006/math">
+                        <m:r>
+                          <a:rPr kumimoji="1" lang="en-US" altLang="ja-JP" b="0" i="1" smtClean="0">
+                            <a:latin typeface="Cambria Math" panose="02040503050406030204" pitchFamily="18" charset="0"/>
+                          </a:rPr>
+                          <m:t>𝐸</m:t>
+                        </m:r>
+                      </m:oMath>
+                    </m:oMathPara>
+                  </a14:m>
+                  <a:endParaRPr kumimoji="1" lang="ja-JP" altLang="en-US"/>
+                </a:p>
+              </p:txBody>
+            </p:sp>
+          </mc:Choice>
+          <mc:Fallback xmlns="">
+            <p:sp>
+              <p:nvSpPr>
+                <p:cNvPr id="122" name="テキスト ボックス 121">
+                  <a:extLst>
+                    <a:ext uri="{FF2B5EF4-FFF2-40B4-BE49-F238E27FC236}">
+                      <a16:creationId xmlns:a16="http://schemas.microsoft.com/office/drawing/2014/main" id="{B20C92A4-1BF5-A1C6-00D0-338C6DCCC9B5}"/>
+                    </a:ext>
+                  </a:extLst>
+                </p:cNvPr>
+                <p:cNvSpPr txBox="1">
+                  <a:spLocks noGrp="1" noRot="1" noChangeAspect="1" noMove="1" noResize="1" noEditPoints="1" noAdjustHandles="1" noChangeArrowheads="1" noChangeShapeType="1" noTextEdit="1"/>
+                </p:cNvSpPr>
+                <p:nvPr/>
+              </p:nvSpPr>
+              <p:spPr>
+                <a:xfrm>
+                  <a:off x="6285937" y="1560586"/>
+                  <a:ext cx="219034" cy="276999"/>
+                </a:xfrm>
+                <a:prstGeom prst="rect">
+                  <a:avLst/>
+                </a:prstGeom>
+                <a:blipFill>
+                  <a:blip r:embed="rId6"/>
+                  <a:stretch>
+                    <a:fillRect l="-15789" r="-15789" b="-4348"/>
+                  </a:stretch>
+                </a:blipFill>
+              </p:spPr>
+              <p:txBody>
+                <a:bodyPr/>
+                <a:lstStyle/>
+                <a:p>
+                  <a:r>
+                    <a:rPr lang="ja-JP" altLang="en-US">
+                      <a:noFill/>
+                    </a:rPr>
+                    <a:t> </a:t>
+                  </a:r>
+                </a:p>
+              </p:txBody>
+            </p:sp>
+          </mc:Fallback>
+        </mc:AlternateContent>
+        <mc:AlternateContent xmlns:mc="http://schemas.openxmlformats.org/markup-compatibility/2006" xmlns:a14="http://schemas.microsoft.com/office/drawing/2010/main">
+          <mc:Choice Requires="a14">
+            <p:sp>
+              <p:nvSpPr>
+                <p:cNvPr id="123" name="テキスト ボックス 122">
+                  <a:extLst>
+                    <a:ext uri="{FF2B5EF4-FFF2-40B4-BE49-F238E27FC236}">
+                      <a16:creationId xmlns:a16="http://schemas.microsoft.com/office/drawing/2014/main" id="{21841AD7-AF90-5540-7747-57C00E7C77CD}"/>
+                    </a:ext>
+                  </a:extLst>
+                </p:cNvPr>
+                <p:cNvSpPr txBox="1">
+                  <a:spLocks noGrp="1" noRot="1" noMove="1" noResize="1" noEditPoints="1" noAdjustHandles="1" noChangeArrowheads="1" noChangeShapeType="1"/>
+                </p:cNvSpPr>
+                <p:nvPr/>
+              </p:nvSpPr>
+              <p:spPr>
+                <a:xfrm>
+                  <a:off x="6672527" y="1611434"/>
+                  <a:ext cx="315471" cy="298415"/>
+                </a:xfrm>
+                <a:prstGeom prst="rect">
+                  <a:avLst/>
+                </a:prstGeom>
+                <a:noFill/>
+              </p:spPr>
+              <p:txBody>
+                <a:bodyPr wrap="none" lIns="0" tIns="0" rIns="0" bIns="0" rtlCol="0">
+                  <a:spAutoFit/>
+                </a:bodyPr>
+                <a:lstStyle/>
+                <a:p>
+                  <a:pPr/>
+                  <a14:m>
+                    <m:oMathPara xmlns:m="http://schemas.openxmlformats.org/officeDocument/2006/math">
+                      <m:oMathParaPr>
+                        <m:jc m:val="centerGroup"/>
+                      </m:oMathParaPr>
+                      <m:oMath xmlns:m="http://schemas.openxmlformats.org/officeDocument/2006/math">
+                        <m:sSub>
+                          <m:sSubPr>
+                            <m:ctrlPr>
+                              <a:rPr kumimoji="1" lang="en-US" altLang="ja-JP" b="0" i="1" smtClean="0">
+                                <a:latin typeface="Cambria Math" panose="02040503050406030204" pitchFamily="18" charset="0"/>
+                              </a:rPr>
+                            </m:ctrlPr>
+                          </m:sSubPr>
+                          <m:e>
+                            <m:r>
+                              <a:rPr kumimoji="1" lang="en-US" altLang="ja-JP" b="0" i="1" smtClean="0">
+                                <a:latin typeface="Cambria Math" panose="02040503050406030204" pitchFamily="18" charset="0"/>
+                              </a:rPr>
+                              <m:t>𝐺</m:t>
+                            </m:r>
+                          </m:e>
+                          <m:sub>
+                            <m:r>
+                              <a:rPr kumimoji="1" lang="en-US" altLang="ja-JP" b="0" i="1" smtClean="0">
+                                <a:latin typeface="Cambria Math" panose="02040503050406030204" pitchFamily="18" charset="0"/>
+                              </a:rPr>
+                              <m:t>𝑝</m:t>
+                            </m:r>
+                          </m:sub>
+                        </m:sSub>
+                      </m:oMath>
+                    </m:oMathPara>
+                  </a14:m>
+                  <a:endParaRPr kumimoji="1" lang="ja-JP" altLang="en-US"/>
+                </a:p>
+              </p:txBody>
+            </p:sp>
+          </mc:Choice>
+          <mc:Fallback xmlns="">
+            <p:sp>
+              <p:nvSpPr>
+                <p:cNvPr id="123" name="テキスト ボックス 122">
+                  <a:extLst>
+                    <a:ext uri="{FF2B5EF4-FFF2-40B4-BE49-F238E27FC236}">
+                      <a16:creationId xmlns:a16="http://schemas.microsoft.com/office/drawing/2014/main" id="{21841AD7-AF90-5540-7747-57C00E7C77CD}"/>
+                    </a:ext>
+                  </a:extLst>
+                </p:cNvPr>
+                <p:cNvSpPr txBox="1">
+                  <a:spLocks noGrp="1" noRot="1" noChangeAspect="1" noMove="1" noResize="1" noEditPoints="1" noAdjustHandles="1" noChangeArrowheads="1" noChangeShapeType="1" noTextEdit="1"/>
+                </p:cNvSpPr>
+                <p:nvPr/>
+              </p:nvSpPr>
+              <p:spPr>
+                <a:xfrm>
+                  <a:off x="6672527" y="1611434"/>
+                  <a:ext cx="315471" cy="298415"/>
+                </a:xfrm>
+                <a:prstGeom prst="rect">
+                  <a:avLst/>
+                </a:prstGeom>
+                <a:blipFill>
+                  <a:blip r:embed="rId7"/>
+                  <a:stretch>
+                    <a:fillRect l="-15385" r="-3846" b="-20000"/>
+                  </a:stretch>
+                </a:blipFill>
+              </p:spPr>
+              <p:txBody>
+                <a:bodyPr/>
+                <a:lstStyle/>
+                <a:p>
+                  <a:r>
+                    <a:rPr lang="ja-JP" altLang="en-US">
+                      <a:noFill/>
+                    </a:rPr>
+                    <a:t> </a:t>
+                  </a:r>
+                </a:p>
+              </p:txBody>
+            </p:sp>
+          </mc:Fallback>
+        </mc:AlternateContent>
+        <mc:AlternateContent xmlns:mc="http://schemas.openxmlformats.org/markup-compatibility/2006" xmlns:a14="http://schemas.microsoft.com/office/drawing/2010/main">
+          <mc:Choice Requires="a14">
+            <p:sp>
+              <p:nvSpPr>
+                <p:cNvPr id="124" name="テキスト ボックス 123">
+                  <a:extLst>
+                    <a:ext uri="{FF2B5EF4-FFF2-40B4-BE49-F238E27FC236}">
+                      <a16:creationId xmlns:a16="http://schemas.microsoft.com/office/drawing/2014/main" id="{2E770358-9AD6-1F75-497C-7DEA7060DA43}"/>
+                    </a:ext>
+                  </a:extLst>
+                </p:cNvPr>
+                <p:cNvSpPr txBox="1">
+                  <a:spLocks noGrp="1" noRot="1" noMove="1" noResize="1" noEditPoints="1" noAdjustHandles="1" noChangeArrowheads="1" noChangeShapeType="1"/>
+                </p:cNvSpPr>
+                <p:nvPr/>
+              </p:nvSpPr>
+              <p:spPr>
+                <a:xfrm>
+                  <a:off x="7161116" y="2422569"/>
+                  <a:ext cx="391902" cy="276999"/>
+                </a:xfrm>
+                <a:prstGeom prst="rect">
+                  <a:avLst/>
+                </a:prstGeom>
+                <a:noFill/>
+              </p:spPr>
+              <p:txBody>
+                <a:bodyPr wrap="none" lIns="0" tIns="0" rIns="0" bIns="0" rtlCol="0">
+                  <a:spAutoFit/>
+                </a:bodyPr>
+                <a:lstStyle/>
+                <a:p>
+                  <a:pPr/>
+                  <a14:m>
+                    <m:oMathPara xmlns:m="http://schemas.openxmlformats.org/officeDocument/2006/math">
+                      <m:oMathParaPr>
+                        <m:jc m:val="centerGroup"/>
+                      </m:oMathParaPr>
+                      <m:oMath xmlns:m="http://schemas.openxmlformats.org/officeDocument/2006/math">
+                        <m:sSub>
+                          <m:sSubPr>
+                            <m:ctrlPr>
+                              <a:rPr kumimoji="1" lang="en-US" altLang="ja-JP" b="0" i="1" smtClean="0">
+                                <a:latin typeface="Cambria Math" panose="02040503050406030204" pitchFamily="18" charset="0"/>
+                              </a:rPr>
+                            </m:ctrlPr>
+                          </m:sSubPr>
+                          <m:e>
+                            <m:r>
+                              <a:rPr kumimoji="1" lang="en-US" altLang="ja-JP" b="0" i="1" smtClean="0">
+                                <a:latin typeface="Cambria Math" panose="02040503050406030204" pitchFamily="18" charset="0"/>
+                              </a:rPr>
+                              <m:t>𝑈</m:t>
+                            </m:r>
+                          </m:e>
+                          <m:sub>
+                            <m:r>
+                              <a:rPr kumimoji="1" lang="en-US" altLang="ja-JP" b="0" i="1" smtClean="0">
+                                <a:latin typeface="Cambria Math" panose="02040503050406030204" pitchFamily="18" charset="0"/>
+                              </a:rPr>
+                              <m:t>𝑖𝑑</m:t>
+                            </m:r>
+                          </m:sub>
+                        </m:sSub>
+                      </m:oMath>
+                    </m:oMathPara>
+                  </a14:m>
+                  <a:endParaRPr kumimoji="1" lang="ja-JP" altLang="en-US"/>
+                </a:p>
+              </p:txBody>
+            </p:sp>
+          </mc:Choice>
+          <mc:Fallback xmlns="">
+            <p:sp>
+              <p:nvSpPr>
+                <p:cNvPr id="124" name="テキスト ボックス 123">
+                  <a:extLst>
+                    <a:ext uri="{FF2B5EF4-FFF2-40B4-BE49-F238E27FC236}">
+                      <a16:creationId xmlns:a16="http://schemas.microsoft.com/office/drawing/2014/main" id="{2E770358-9AD6-1F75-497C-7DEA7060DA43}"/>
+                    </a:ext>
+                  </a:extLst>
+                </p:cNvPr>
+                <p:cNvSpPr txBox="1">
+                  <a:spLocks noGrp="1" noRot="1" noChangeAspect="1" noMove="1" noResize="1" noEditPoints="1" noAdjustHandles="1" noChangeArrowheads="1" noChangeShapeType="1" noTextEdit="1"/>
+                </p:cNvSpPr>
+                <p:nvPr/>
+              </p:nvSpPr>
+              <p:spPr>
+                <a:xfrm>
+                  <a:off x="7161116" y="2422569"/>
+                  <a:ext cx="391902" cy="276999"/>
+                </a:xfrm>
+                <a:prstGeom prst="rect">
+                  <a:avLst/>
+                </a:prstGeom>
+                <a:blipFill>
+                  <a:blip r:embed="rId8"/>
+                  <a:stretch>
+                    <a:fillRect l="-12903" r="-3226" b="-17391"/>
+                  </a:stretch>
+                </a:blipFill>
+              </p:spPr>
+              <p:txBody>
+                <a:bodyPr/>
+                <a:lstStyle/>
+                <a:p>
+                  <a:r>
+                    <a:rPr lang="ja-JP" altLang="en-US">
+                      <a:noFill/>
+                    </a:rPr>
+                    <a:t> </a:t>
+                  </a:r>
+                </a:p>
+              </p:txBody>
+            </p:sp>
+          </mc:Fallback>
+        </mc:AlternateContent>
+        <mc:AlternateContent xmlns:mc="http://schemas.openxmlformats.org/markup-compatibility/2006" xmlns:a14="http://schemas.microsoft.com/office/drawing/2010/main">
+          <mc:Choice Requires="a14">
+            <p:sp>
+              <p:nvSpPr>
+                <p:cNvPr id="125" name="テキスト ボックス 124">
+                  <a:extLst>
+                    <a:ext uri="{FF2B5EF4-FFF2-40B4-BE49-F238E27FC236}">
+                      <a16:creationId xmlns:a16="http://schemas.microsoft.com/office/drawing/2014/main" id="{720598FC-760E-0843-AE1C-59113C79EB93}"/>
+                    </a:ext>
+                  </a:extLst>
+                </p:cNvPr>
+                <p:cNvSpPr txBox="1">
+                  <a:spLocks noGrp="1" noRot="1" noMove="1" noResize="1" noEditPoints="1" noAdjustHandles="1" noChangeArrowheads="1" noChangeShapeType="1"/>
+                </p:cNvSpPr>
+                <p:nvPr/>
+              </p:nvSpPr>
+              <p:spPr>
+                <a:xfrm>
+                  <a:off x="7260374" y="1891363"/>
+                  <a:ext cx="292644" cy="276999"/>
+                </a:xfrm>
+                <a:prstGeom prst="rect">
+                  <a:avLst/>
+                </a:prstGeom>
+                <a:noFill/>
+              </p:spPr>
+              <p:txBody>
+                <a:bodyPr wrap="none" lIns="0" tIns="0" rIns="0" bIns="0" rtlCol="0">
+                  <a:spAutoFit/>
+                </a:bodyPr>
+                <a:lstStyle/>
+                <a:p>
+                  <a:pPr/>
+                  <a14:m>
+                    <m:oMathPara xmlns:m="http://schemas.openxmlformats.org/officeDocument/2006/math">
+                      <m:oMathParaPr>
+                        <m:jc m:val="centerGroup"/>
+                      </m:oMathParaPr>
+                      <m:oMath xmlns:m="http://schemas.openxmlformats.org/officeDocument/2006/math">
+                        <m:sSub>
+                          <m:sSubPr>
+                            <m:ctrlPr>
+                              <a:rPr kumimoji="1" lang="en-US" altLang="ja-JP" b="0" i="1" smtClean="0">
+                                <a:latin typeface="Cambria Math" panose="02040503050406030204" pitchFamily="18" charset="0"/>
+                              </a:rPr>
+                            </m:ctrlPr>
+                          </m:sSubPr>
+                          <m:e>
+                            <m:r>
+                              <a:rPr kumimoji="1" lang="en-US" altLang="ja-JP" b="0" i="1" smtClean="0">
+                                <a:latin typeface="Cambria Math" panose="02040503050406030204" pitchFamily="18" charset="0"/>
+                              </a:rPr>
+                              <m:t>𝐺</m:t>
+                            </m:r>
+                          </m:e>
+                          <m:sub>
+                            <m:r>
+                              <a:rPr kumimoji="1" lang="en-US" altLang="ja-JP" b="0" i="1" smtClean="0">
+                                <a:latin typeface="Cambria Math" panose="02040503050406030204" pitchFamily="18" charset="0"/>
+                              </a:rPr>
+                              <m:t>𝑡</m:t>
+                            </m:r>
+                          </m:sub>
+                        </m:sSub>
+                      </m:oMath>
+                    </m:oMathPara>
+                  </a14:m>
+                  <a:endParaRPr kumimoji="1" lang="ja-JP" altLang="en-US"/>
+                </a:p>
+              </p:txBody>
+            </p:sp>
+          </mc:Choice>
+          <mc:Fallback xmlns="">
+            <p:sp>
+              <p:nvSpPr>
+                <p:cNvPr id="125" name="テキスト ボックス 124">
+                  <a:extLst>
+                    <a:ext uri="{FF2B5EF4-FFF2-40B4-BE49-F238E27FC236}">
+                      <a16:creationId xmlns:a16="http://schemas.microsoft.com/office/drawing/2014/main" id="{720598FC-760E-0843-AE1C-59113C79EB93}"/>
+                    </a:ext>
+                  </a:extLst>
+                </p:cNvPr>
+                <p:cNvSpPr txBox="1">
+                  <a:spLocks noGrp="1" noRot="1" noChangeAspect="1" noMove="1" noResize="1" noEditPoints="1" noAdjustHandles="1" noChangeArrowheads="1" noChangeShapeType="1" noTextEdit="1"/>
+                </p:cNvSpPr>
+                <p:nvPr/>
+              </p:nvSpPr>
+              <p:spPr>
+                <a:xfrm>
+                  <a:off x="7260374" y="1891363"/>
+                  <a:ext cx="292644" cy="276999"/>
+                </a:xfrm>
+                <a:prstGeom prst="rect">
+                  <a:avLst/>
+                </a:prstGeom>
+                <a:blipFill>
+                  <a:blip r:embed="rId9"/>
+                  <a:stretch>
+                    <a:fillRect l="-12500" r="-4167" b="-13043"/>
+                  </a:stretch>
+                </a:blipFill>
+              </p:spPr>
+              <p:txBody>
+                <a:bodyPr/>
+                <a:lstStyle/>
+                <a:p>
+                  <a:r>
+                    <a:rPr lang="ja-JP" altLang="en-US">
+                      <a:noFill/>
+                    </a:rPr>
+                    <a:t> </a:t>
+                  </a:r>
+                </a:p>
+              </p:txBody>
+            </p:sp>
+          </mc:Fallback>
+        </mc:AlternateContent>
+        <mc:AlternateContent xmlns:mc="http://schemas.openxmlformats.org/markup-compatibility/2006" xmlns:a14="http://schemas.microsoft.com/office/drawing/2010/main">
+          <mc:Choice Requires="a14">
+            <p:sp>
+              <p:nvSpPr>
+                <p:cNvPr id="126" name="テキスト ボックス 125">
+                  <a:extLst>
+                    <a:ext uri="{FF2B5EF4-FFF2-40B4-BE49-F238E27FC236}">
+                      <a16:creationId xmlns:a16="http://schemas.microsoft.com/office/drawing/2014/main" id="{52CFAD19-5F47-5252-7EEC-7EFFCECB02BE}"/>
+                    </a:ext>
+                  </a:extLst>
+                </p:cNvPr>
+                <p:cNvSpPr txBox="1">
+                  <a:spLocks noGrp="1" noRot="1" noMove="1" noResize="1" noEditPoints="1" noAdjustHandles="1" noChangeArrowheads="1" noChangeShapeType="1"/>
+                </p:cNvSpPr>
+                <p:nvPr/>
+              </p:nvSpPr>
+              <p:spPr>
+                <a:xfrm>
+                  <a:off x="4769721" y="3558742"/>
+                  <a:ext cx="389657" cy="276999"/>
+                </a:xfrm>
+                <a:prstGeom prst="rect">
+                  <a:avLst/>
+                </a:prstGeom>
+                <a:noFill/>
+              </p:spPr>
+              <p:txBody>
+                <a:bodyPr wrap="none" lIns="0" tIns="0" rIns="0" bIns="0" rtlCol="0">
+                  <a:spAutoFit/>
+                </a:bodyPr>
+                <a:lstStyle/>
+                <a:p>
+                  <a:pPr/>
+                  <a14:m>
+                    <m:oMathPara xmlns:m="http://schemas.openxmlformats.org/officeDocument/2006/math">
+                      <m:oMathParaPr>
+                        <m:jc m:val="centerGroup"/>
+                      </m:oMathParaPr>
+                      <m:oMath xmlns:m="http://schemas.openxmlformats.org/officeDocument/2006/math">
+                        <m:sSub>
+                          <m:sSubPr>
+                            <m:ctrlPr>
+                              <a:rPr kumimoji="1" lang="en-US" altLang="ja-JP" b="0" i="1" smtClean="0">
+                                <a:latin typeface="Cambria Math" panose="02040503050406030204" pitchFamily="18" charset="0"/>
+                              </a:rPr>
+                            </m:ctrlPr>
+                          </m:sSubPr>
+                          <m:e>
+                            <m:r>
+                              <a:rPr kumimoji="1" lang="en-US" altLang="ja-JP" b="0" i="1" smtClean="0">
+                                <a:latin typeface="Cambria Math" panose="02040503050406030204" pitchFamily="18" charset="0"/>
+                              </a:rPr>
+                              <m:t>𝑅</m:t>
+                            </m:r>
+                          </m:e>
+                          <m:sub>
+                            <m:r>
+                              <a:rPr kumimoji="1" lang="en-US" altLang="ja-JP" b="0" i="1" smtClean="0">
+                                <a:latin typeface="Cambria Math" panose="02040503050406030204" pitchFamily="18" charset="0"/>
+                              </a:rPr>
+                              <m:t>𝑎𝑖</m:t>
+                            </m:r>
+                          </m:sub>
+                        </m:sSub>
+                      </m:oMath>
+                    </m:oMathPara>
+                  </a14:m>
+                  <a:endParaRPr kumimoji="1" lang="ja-JP" altLang="en-US"/>
+                </a:p>
+              </p:txBody>
+            </p:sp>
+          </mc:Choice>
+          <mc:Fallback xmlns="">
+            <p:sp>
+              <p:nvSpPr>
+                <p:cNvPr id="126" name="テキスト ボックス 125">
+                  <a:extLst>
+                    <a:ext uri="{FF2B5EF4-FFF2-40B4-BE49-F238E27FC236}">
+                      <a16:creationId xmlns:a16="http://schemas.microsoft.com/office/drawing/2014/main" id="{52CFAD19-5F47-5252-7EEC-7EFFCECB02BE}"/>
+                    </a:ext>
+                  </a:extLst>
+                </p:cNvPr>
+                <p:cNvSpPr txBox="1">
+                  <a:spLocks noGrp="1" noRot="1" noChangeAspect="1" noMove="1" noResize="1" noEditPoints="1" noAdjustHandles="1" noChangeArrowheads="1" noChangeShapeType="1" noTextEdit="1"/>
+                </p:cNvSpPr>
+                <p:nvPr/>
+              </p:nvSpPr>
+              <p:spPr>
+                <a:xfrm>
+                  <a:off x="4769721" y="3558742"/>
+                  <a:ext cx="389657" cy="276999"/>
+                </a:xfrm>
+                <a:prstGeom prst="rect">
+                  <a:avLst/>
+                </a:prstGeom>
+                <a:blipFill>
+                  <a:blip r:embed="rId10"/>
+                  <a:stretch>
+                    <a:fillRect l="-9375" r="-3125" b="-18182"/>
+                  </a:stretch>
+                </a:blipFill>
+              </p:spPr>
+              <p:txBody>
+                <a:bodyPr/>
+                <a:lstStyle/>
+                <a:p>
+                  <a:r>
+                    <a:rPr lang="ja-JP" altLang="en-US">
+                      <a:noFill/>
+                    </a:rPr>
+                    <a:t> </a:t>
+                  </a:r>
+                </a:p>
+              </p:txBody>
+            </p:sp>
+          </mc:Fallback>
+        </mc:AlternateContent>
+        <mc:AlternateContent xmlns:mc="http://schemas.openxmlformats.org/markup-compatibility/2006" xmlns:a14="http://schemas.microsoft.com/office/drawing/2010/main">
+          <mc:Choice Requires="a14">
+            <p:sp>
+              <p:nvSpPr>
+                <p:cNvPr id="127" name="テキスト ボックス 126">
+                  <a:extLst>
+                    <a:ext uri="{FF2B5EF4-FFF2-40B4-BE49-F238E27FC236}">
+                      <a16:creationId xmlns:a16="http://schemas.microsoft.com/office/drawing/2014/main" id="{E33055A9-5026-A8B9-035B-35D170A938D2}"/>
+                    </a:ext>
+                  </a:extLst>
+                </p:cNvPr>
+                <p:cNvSpPr txBox="1">
+                  <a:spLocks noGrp="1" noRot="1" noMove="1" noResize="1" noEditPoints="1" noAdjustHandles="1" noChangeArrowheads="1" noChangeShapeType="1"/>
+                </p:cNvSpPr>
+                <p:nvPr/>
+              </p:nvSpPr>
+              <p:spPr>
+                <a:xfrm>
+                  <a:off x="4762390" y="5789160"/>
+                  <a:ext cx="488852" cy="276999"/>
+                </a:xfrm>
+                <a:prstGeom prst="rect">
+                  <a:avLst/>
+                </a:prstGeom>
+                <a:noFill/>
+              </p:spPr>
+              <p:txBody>
+                <a:bodyPr wrap="none" lIns="0" tIns="0" rIns="0" bIns="0" rtlCol="0">
+                  <a:spAutoFit/>
+                </a:bodyPr>
+                <a:lstStyle/>
+                <a:p>
+                  <a:pPr/>
+                  <a14:m>
+                    <m:oMathPara xmlns:m="http://schemas.openxmlformats.org/officeDocument/2006/math">
+                      <m:oMathParaPr>
+                        <m:jc m:val="centerGroup"/>
+                      </m:oMathParaPr>
+                      <m:oMath xmlns:m="http://schemas.openxmlformats.org/officeDocument/2006/math">
+                        <m:r>
+                          <a:rPr kumimoji="1" lang="en-US" altLang="ja-JP" b="0" i="1" smtClean="0">
+                            <a:latin typeface="Cambria Math" panose="02040503050406030204" pitchFamily="18" charset="0"/>
+                          </a:rPr>
+                          <m:t>𝑅</m:t>
+                        </m:r>
+                        <m:sSub>
+                          <m:sSubPr>
+                            <m:ctrlPr>
+                              <a:rPr kumimoji="1" lang="en-US" altLang="ja-JP" b="0" i="1" smtClean="0">
+                                <a:latin typeface="Cambria Math" panose="02040503050406030204" pitchFamily="18" charset="0"/>
+                              </a:rPr>
+                            </m:ctrlPr>
+                          </m:sSubPr>
+                          <m:e>
+                            <m:r>
+                              <a:rPr kumimoji="1" lang="en-US" altLang="ja-JP" b="0" i="1" smtClean="0">
+                                <a:latin typeface="Cambria Math" panose="02040503050406030204" pitchFamily="18" charset="0"/>
+                              </a:rPr>
+                              <m:t>𝑎</m:t>
+                            </m:r>
+                          </m:e>
+                          <m:sub>
+                            <m:r>
+                              <a:rPr kumimoji="1" lang="en-US" altLang="ja-JP" b="0" i="1" smtClean="0">
+                                <a:latin typeface="Cambria Math" panose="02040503050406030204" pitchFamily="18" charset="0"/>
+                              </a:rPr>
+                              <m:t>𝐻</m:t>
+                            </m:r>
+                          </m:sub>
+                        </m:sSub>
+                      </m:oMath>
+                    </m:oMathPara>
+                  </a14:m>
+                  <a:endParaRPr kumimoji="1" lang="ja-JP" altLang="en-US"/>
+                </a:p>
+              </p:txBody>
+            </p:sp>
+          </mc:Choice>
+          <mc:Fallback xmlns="">
+            <p:sp>
+              <p:nvSpPr>
+                <p:cNvPr id="127" name="テキスト ボックス 126">
+                  <a:extLst>
+                    <a:ext uri="{FF2B5EF4-FFF2-40B4-BE49-F238E27FC236}">
+                      <a16:creationId xmlns:a16="http://schemas.microsoft.com/office/drawing/2014/main" id="{E33055A9-5026-A8B9-035B-35D170A938D2}"/>
+                    </a:ext>
+                  </a:extLst>
+                </p:cNvPr>
+                <p:cNvSpPr txBox="1">
+                  <a:spLocks noGrp="1" noRot="1" noChangeAspect="1" noMove="1" noResize="1" noEditPoints="1" noAdjustHandles="1" noChangeArrowheads="1" noChangeShapeType="1" noTextEdit="1"/>
+                </p:cNvSpPr>
+                <p:nvPr/>
+              </p:nvSpPr>
+              <p:spPr>
+                <a:xfrm>
+                  <a:off x="4762390" y="5789160"/>
+                  <a:ext cx="488852" cy="276999"/>
+                </a:xfrm>
+                <a:prstGeom prst="rect">
+                  <a:avLst/>
+                </a:prstGeom>
+                <a:blipFill>
+                  <a:blip r:embed="rId11"/>
+                  <a:stretch>
+                    <a:fillRect l="-7500" b="-13636"/>
+                  </a:stretch>
+                </a:blipFill>
+              </p:spPr>
+              <p:txBody>
+                <a:bodyPr/>
+                <a:lstStyle/>
+                <a:p>
+                  <a:r>
+                    <a:rPr lang="ja-JP" altLang="en-US">
+                      <a:noFill/>
+                    </a:rPr>
+                    <a:t> </a:t>
+                  </a:r>
+                </a:p>
+              </p:txBody>
+            </p:sp>
+          </mc:Fallback>
+        </mc:AlternateContent>
+        <p:sp>
+          <p:nvSpPr>
+            <p:cNvPr id="129" name="テキスト ボックス 128">
+              <a:extLst>
+                <a:ext uri="{FF2B5EF4-FFF2-40B4-BE49-F238E27FC236}">
+                  <a16:creationId xmlns:a16="http://schemas.microsoft.com/office/drawing/2014/main" id="{3DD773BA-E796-2D09-726F-2D87489D5B4A}"/>
+                </a:ext>
+              </a:extLst>
+            </p:cNvPr>
+            <p:cNvSpPr txBox="1">
+              <a:spLocks noGrp="1" noRot="1" noMove="1" noResize="1" noEditPoints="1" noAdjustHandles="1" noChangeArrowheads="1" noChangeShapeType="1"/>
+            </p:cNvSpPr>
+            <p:nvPr/>
+          </p:nvSpPr>
+          <p:spPr>
+            <a:xfrm>
+              <a:off x="7357067" y="5004868"/>
+              <a:ext cx="766235" cy="153888"/>
+            </a:xfrm>
+            <a:prstGeom prst="rect">
+              <a:avLst/>
+            </a:prstGeom>
+            <a:noFill/>
+          </p:spPr>
+          <p:txBody>
+            <a:bodyPr wrap="none" lIns="0" tIns="0" rIns="0" bIns="0" rtlCol="0">
+              <a:spAutoFit/>
+            </a:bodyPr>
+            <a:lstStyle/>
+            <a:p>
+              <a:r>
+                <a:rPr kumimoji="1" lang="en-US" altLang="ja-JP" sz="1000" b="1" dirty="0"/>
+                <a:t>Degradation</a:t>
+              </a:r>
+              <a:endParaRPr kumimoji="1" lang="ja-JP" altLang="en-US" sz="1000" b="1"/>
+            </a:p>
+          </p:txBody>
+        </p:sp>
+        <p:sp>
+          <p:nvSpPr>
+            <p:cNvPr id="130" name="テキスト ボックス 129">
+              <a:extLst>
+                <a:ext uri="{FF2B5EF4-FFF2-40B4-BE49-F238E27FC236}">
+                  <a16:creationId xmlns:a16="http://schemas.microsoft.com/office/drawing/2014/main" id="{541A2624-E015-429B-1FE6-84ECDF0EE5D2}"/>
+                </a:ext>
+              </a:extLst>
+            </p:cNvPr>
+            <p:cNvSpPr txBox="1">
+              <a:spLocks noGrp="1" noRot="1" noMove="1" noResize="1" noEditPoints="1" noAdjustHandles="1" noChangeArrowheads="1" noChangeShapeType="1"/>
+            </p:cNvSpPr>
+            <p:nvPr/>
+          </p:nvSpPr>
+          <p:spPr>
+            <a:xfrm>
+              <a:off x="7406696" y="3697241"/>
+              <a:ext cx="766235" cy="153888"/>
+            </a:xfrm>
+            <a:prstGeom prst="rect">
+              <a:avLst/>
+            </a:prstGeom>
+            <a:noFill/>
+          </p:spPr>
+          <p:txBody>
+            <a:bodyPr wrap="none" lIns="0" tIns="0" rIns="0" bIns="0" rtlCol="0">
+              <a:spAutoFit/>
+            </a:bodyPr>
+            <a:lstStyle/>
+            <a:p>
+              <a:r>
+                <a:rPr kumimoji="1" lang="en-US" altLang="ja-JP" sz="1000" b="1" dirty="0"/>
+                <a:t>Degradation</a:t>
+              </a:r>
+              <a:endParaRPr kumimoji="1" lang="ja-JP" altLang="en-US" sz="1000" b="1"/>
+            </a:p>
+          </p:txBody>
+        </p:sp>
+        <mc:AlternateContent xmlns:mc="http://schemas.openxmlformats.org/markup-compatibility/2006" xmlns:a14="http://schemas.microsoft.com/office/drawing/2010/main">
+          <mc:Choice Requires="a14">
+            <p:sp>
+              <p:nvSpPr>
+                <p:cNvPr id="131" name="テキスト ボックス 130">
+                  <a:extLst>
+                    <a:ext uri="{FF2B5EF4-FFF2-40B4-BE49-F238E27FC236}">
+                      <a16:creationId xmlns:a16="http://schemas.microsoft.com/office/drawing/2014/main" id="{D4EDF3CD-3723-BD98-4E38-1190DFE52C19}"/>
+                    </a:ext>
+                  </a:extLst>
+                </p:cNvPr>
+                <p:cNvSpPr txBox="1">
+                  <a:spLocks noGrp="1" noRot="1" noMove="1" noResize="1" noEditPoints="1" noAdjustHandles="1" noChangeArrowheads="1" noChangeShapeType="1"/>
+                </p:cNvSpPr>
+                <p:nvPr/>
+              </p:nvSpPr>
+              <p:spPr>
+                <a:xfrm>
+                  <a:off x="5977407" y="3253735"/>
+                  <a:ext cx="161198" cy="276999"/>
+                </a:xfrm>
+                <a:prstGeom prst="rect">
+                  <a:avLst/>
+                </a:prstGeom>
+                <a:noFill/>
+              </p:spPr>
+              <p:txBody>
+                <a:bodyPr wrap="none" lIns="0" tIns="0" rIns="0" bIns="0" rtlCol="0">
+                  <a:spAutoFit/>
+                </a:bodyPr>
+                <a:lstStyle/>
+                <a:p>
+                  <a:pPr/>
+                  <a14:m>
+                    <m:oMathPara xmlns:m="http://schemas.openxmlformats.org/officeDocument/2006/math">
+                      <m:oMathParaPr>
+                        <m:jc m:val="centerGroup"/>
+                      </m:oMathParaPr>
+                      <m:oMath xmlns:m="http://schemas.openxmlformats.org/officeDocument/2006/math">
+                        <m:r>
+                          <a:rPr kumimoji="1" lang="en-US" altLang="ja-JP" b="0" i="1" smtClean="0">
+                            <a:latin typeface="Cambria Math" panose="02040503050406030204" pitchFamily="18" charset="0"/>
+                          </a:rPr>
+                          <m:t>𝐼</m:t>
+                        </m:r>
+                      </m:oMath>
+                    </m:oMathPara>
+                  </a14:m>
+                  <a:endParaRPr kumimoji="1" lang="ja-JP" altLang="en-US"/>
+                </a:p>
+              </p:txBody>
+            </p:sp>
+          </mc:Choice>
+          <mc:Fallback xmlns="">
+            <p:sp>
+              <p:nvSpPr>
+                <p:cNvPr id="131" name="テキスト ボックス 130">
+                  <a:extLst>
+                    <a:ext uri="{FF2B5EF4-FFF2-40B4-BE49-F238E27FC236}">
+                      <a16:creationId xmlns:a16="http://schemas.microsoft.com/office/drawing/2014/main" id="{D4EDF3CD-3723-BD98-4E38-1190DFE52C19}"/>
+                    </a:ext>
+                  </a:extLst>
+                </p:cNvPr>
+                <p:cNvSpPr txBox="1">
+                  <a:spLocks noGrp="1" noRot="1" noChangeAspect="1" noMove="1" noResize="1" noEditPoints="1" noAdjustHandles="1" noChangeArrowheads="1" noChangeShapeType="1" noTextEdit="1"/>
+                </p:cNvSpPr>
+                <p:nvPr/>
+              </p:nvSpPr>
+              <p:spPr>
+                <a:xfrm>
+                  <a:off x="5977407" y="3253735"/>
+                  <a:ext cx="161198" cy="276999"/>
+                </a:xfrm>
+                <a:prstGeom prst="rect">
+                  <a:avLst/>
+                </a:prstGeom>
+                <a:blipFill>
+                  <a:blip r:embed="rId12"/>
+                  <a:stretch>
+                    <a:fillRect l="-21429" r="-21429" b="-9091"/>
+                  </a:stretch>
+                </a:blipFill>
+              </p:spPr>
+              <p:txBody>
+                <a:bodyPr/>
+                <a:lstStyle/>
+                <a:p>
+                  <a:r>
+                    <a:rPr lang="ja-JP" altLang="en-US">
+                      <a:noFill/>
+                    </a:rPr>
+                    <a:t> </a:t>
+                  </a:r>
+                </a:p>
+              </p:txBody>
+            </p:sp>
+          </mc:Fallback>
+        </mc:AlternateContent>
+        <mc:AlternateContent xmlns:mc="http://schemas.openxmlformats.org/markup-compatibility/2006" xmlns:a14="http://schemas.microsoft.com/office/drawing/2010/main">
+          <mc:Choice Requires="a14">
+            <p:sp>
+              <p:nvSpPr>
+                <p:cNvPr id="132" name="テキスト ボックス 131">
+                  <a:extLst>
+                    <a:ext uri="{FF2B5EF4-FFF2-40B4-BE49-F238E27FC236}">
+                      <a16:creationId xmlns:a16="http://schemas.microsoft.com/office/drawing/2014/main" id="{84723B7C-2831-DD2E-BA3C-2CAA7522DCCC}"/>
+                    </a:ext>
+                  </a:extLst>
+                </p:cNvPr>
+                <p:cNvSpPr txBox="1">
+                  <a:spLocks noGrp="1" noRot="1" noMove="1" noResize="1" noEditPoints="1" noAdjustHandles="1" noChangeArrowheads="1" noChangeShapeType="1"/>
+                </p:cNvSpPr>
+                <p:nvPr/>
+              </p:nvSpPr>
+              <p:spPr>
+                <a:xfrm>
+                  <a:off x="1645329" y="3547233"/>
+                  <a:ext cx="461858" cy="276999"/>
+                </a:xfrm>
+                <a:prstGeom prst="rect">
+                  <a:avLst/>
+                </a:prstGeom>
+                <a:noFill/>
+              </p:spPr>
+              <p:txBody>
+                <a:bodyPr wrap="none" lIns="0" tIns="0" rIns="0" bIns="0" rtlCol="0">
+                  <a:spAutoFit/>
+                </a:bodyPr>
+                <a:lstStyle/>
+                <a:p>
+                  <a:pPr/>
+                  <a14:m>
+                    <m:oMathPara xmlns:m="http://schemas.openxmlformats.org/officeDocument/2006/math">
+                      <m:oMathParaPr>
+                        <m:jc m:val="centerGroup"/>
+                      </m:oMathParaPr>
+                      <m:oMath xmlns:m="http://schemas.openxmlformats.org/officeDocument/2006/math">
+                        <m:sSub>
+                          <m:sSubPr>
+                            <m:ctrlPr>
+                              <a:rPr kumimoji="1" lang="en-US" altLang="ja-JP" b="0" i="1" smtClean="0">
+                                <a:latin typeface="Cambria Math" panose="02040503050406030204" pitchFamily="18" charset="0"/>
+                              </a:rPr>
+                            </m:ctrlPr>
+                          </m:sSubPr>
+                          <m:e>
+                            <m:r>
+                              <a:rPr kumimoji="1" lang="en-US" altLang="ja-JP" b="0" i="1" smtClean="0">
+                                <a:latin typeface="Cambria Math" panose="02040503050406030204" pitchFamily="18" charset="0"/>
+                              </a:rPr>
+                              <m:t>𝑢</m:t>
+                            </m:r>
+                          </m:e>
+                          <m:sub>
+                            <m:r>
+                              <a:rPr kumimoji="1" lang="en-US" altLang="ja-JP" b="0" i="1" smtClean="0">
+                                <a:latin typeface="Cambria Math" panose="02040503050406030204" pitchFamily="18" charset="0"/>
+                              </a:rPr>
+                              <m:t>𝑖𝑛𝑠</m:t>
+                            </m:r>
+                          </m:sub>
+                        </m:sSub>
+                      </m:oMath>
+                    </m:oMathPara>
+                  </a14:m>
+                  <a:endParaRPr kumimoji="1" lang="ja-JP" altLang="en-US"/>
+                </a:p>
+              </p:txBody>
+            </p:sp>
+          </mc:Choice>
+          <mc:Fallback xmlns="">
+            <p:sp>
+              <p:nvSpPr>
+                <p:cNvPr id="132" name="テキスト ボックス 131">
+                  <a:extLst>
+                    <a:ext uri="{FF2B5EF4-FFF2-40B4-BE49-F238E27FC236}">
+                      <a16:creationId xmlns:a16="http://schemas.microsoft.com/office/drawing/2014/main" id="{84723B7C-2831-DD2E-BA3C-2CAA7522DCCC}"/>
+                    </a:ext>
+                  </a:extLst>
+                </p:cNvPr>
+                <p:cNvSpPr txBox="1">
+                  <a:spLocks noGrp="1" noRot="1" noChangeAspect="1" noMove="1" noResize="1" noEditPoints="1" noAdjustHandles="1" noChangeArrowheads="1" noChangeShapeType="1" noTextEdit="1"/>
+                </p:cNvSpPr>
+                <p:nvPr/>
+              </p:nvSpPr>
+              <p:spPr>
+                <a:xfrm>
+                  <a:off x="1645329" y="3547233"/>
+                  <a:ext cx="461858" cy="276999"/>
+                </a:xfrm>
+                <a:prstGeom prst="rect">
+                  <a:avLst/>
+                </a:prstGeom>
+                <a:blipFill>
+                  <a:blip r:embed="rId13"/>
+                  <a:stretch>
+                    <a:fillRect l="-5263" r="-2632" b="-18182"/>
+                  </a:stretch>
+                </a:blipFill>
+              </p:spPr>
+              <p:txBody>
+                <a:bodyPr/>
+                <a:lstStyle/>
+                <a:p>
+                  <a:r>
+                    <a:rPr lang="ja-JP" altLang="en-US">
+                      <a:noFill/>
+                    </a:rPr>
+                    <a:t> </a:t>
+                  </a:r>
+                </a:p>
+              </p:txBody>
+            </p:sp>
+          </mc:Fallback>
+        </mc:AlternateContent>
+        <mc:AlternateContent xmlns:mc="http://schemas.openxmlformats.org/markup-compatibility/2006" xmlns:a14="http://schemas.microsoft.com/office/drawing/2010/main">
+          <mc:Choice Requires="a14">
+            <p:sp>
+              <p:nvSpPr>
+                <p:cNvPr id="133" name="テキスト ボックス 132">
+                  <a:extLst>
+                    <a:ext uri="{FF2B5EF4-FFF2-40B4-BE49-F238E27FC236}">
+                      <a16:creationId xmlns:a16="http://schemas.microsoft.com/office/drawing/2014/main" id="{421F2915-18A0-8A17-4D93-CF27EC8CABE2}"/>
+                    </a:ext>
+                  </a:extLst>
+                </p:cNvPr>
+                <p:cNvSpPr txBox="1">
+                  <a:spLocks noGrp="1" noRot="1" noMove="1" noResize="1" noEditPoints="1" noAdjustHandles="1" noChangeArrowheads="1" noChangeShapeType="1"/>
+                </p:cNvSpPr>
+                <p:nvPr/>
+              </p:nvSpPr>
+              <p:spPr>
+                <a:xfrm>
+                  <a:off x="1731576" y="715245"/>
+                  <a:ext cx="627672" cy="276999"/>
+                </a:xfrm>
+                <a:prstGeom prst="rect">
+                  <a:avLst/>
+                </a:prstGeom>
+                <a:noFill/>
+              </p:spPr>
+              <p:txBody>
+                <a:bodyPr wrap="none" lIns="0" tIns="0" rIns="0" bIns="0" rtlCol="0">
+                  <a:spAutoFit/>
+                </a:bodyPr>
+                <a:lstStyle/>
+                <a:p>
+                  <a:pPr/>
+                  <a14:m>
+                    <m:oMathPara xmlns:m="http://schemas.openxmlformats.org/officeDocument/2006/math">
+                      <m:oMathParaPr>
+                        <m:jc m:val="centerGroup"/>
+                      </m:oMathParaPr>
+                      <m:oMath xmlns:m="http://schemas.openxmlformats.org/officeDocument/2006/math">
+                        <m:sSub>
+                          <m:sSubPr>
+                            <m:ctrlPr>
+                              <a:rPr kumimoji="1" lang="en-US" altLang="ja-JP" b="0" i="1" smtClean="0">
+                                <a:latin typeface="Cambria Math" panose="02040503050406030204" pitchFamily="18" charset="0"/>
+                              </a:rPr>
+                            </m:ctrlPr>
+                          </m:sSubPr>
+                          <m:e>
+                            <m:r>
+                              <a:rPr kumimoji="1" lang="en-US" altLang="ja-JP" b="0" i="1" smtClean="0">
+                                <a:latin typeface="Cambria Math" panose="02040503050406030204" pitchFamily="18" charset="0"/>
+                              </a:rPr>
+                              <m:t>𝑑</m:t>
+                            </m:r>
+                          </m:e>
+                          <m:sub>
+                            <m:r>
+                              <a:rPr kumimoji="1" lang="en-US" altLang="ja-JP" b="0" i="1" smtClean="0">
+                                <a:latin typeface="Cambria Math" panose="02040503050406030204" pitchFamily="18" charset="0"/>
+                              </a:rPr>
+                              <m:t>𝑚𝑒𝑎𝑙</m:t>
+                            </m:r>
+                          </m:sub>
+                        </m:sSub>
+                      </m:oMath>
+                    </m:oMathPara>
+                  </a14:m>
+                  <a:endParaRPr kumimoji="1" lang="ja-JP" altLang="en-US"/>
+                </a:p>
+              </p:txBody>
+            </p:sp>
+          </mc:Choice>
+          <mc:Fallback xmlns="">
+            <p:sp>
+              <p:nvSpPr>
+                <p:cNvPr id="133" name="テキスト ボックス 132">
+                  <a:extLst>
+                    <a:ext uri="{FF2B5EF4-FFF2-40B4-BE49-F238E27FC236}">
+                      <a16:creationId xmlns:a16="http://schemas.microsoft.com/office/drawing/2014/main" id="{421F2915-18A0-8A17-4D93-CF27EC8CABE2}"/>
+                    </a:ext>
+                  </a:extLst>
+                </p:cNvPr>
+                <p:cNvSpPr txBox="1">
+                  <a:spLocks noGrp="1" noRot="1" noChangeAspect="1" noMove="1" noResize="1" noEditPoints="1" noAdjustHandles="1" noChangeArrowheads="1" noChangeShapeType="1" noTextEdit="1"/>
+                </p:cNvSpPr>
+                <p:nvPr/>
+              </p:nvSpPr>
+              <p:spPr>
+                <a:xfrm>
+                  <a:off x="1731576" y="715245"/>
+                  <a:ext cx="627672" cy="276999"/>
+                </a:xfrm>
+                <a:prstGeom prst="rect">
+                  <a:avLst/>
+                </a:prstGeom>
+                <a:blipFill>
+                  <a:blip r:embed="rId14"/>
+                  <a:stretch>
+                    <a:fillRect l="-8000" b="-13043"/>
+                  </a:stretch>
+                </a:blipFill>
+              </p:spPr>
+              <p:txBody>
+                <a:bodyPr/>
+                <a:lstStyle/>
+                <a:p>
+                  <a:r>
+                    <a:rPr lang="ja-JP" altLang="en-US">
+                      <a:noFill/>
+                    </a:rPr>
+                    <a:t> </a:t>
+                  </a:r>
+                </a:p>
+              </p:txBody>
+            </p:sp>
+          </mc:Fallback>
+        </mc:AlternateContent>
+        <mc:AlternateContent xmlns:mc="http://schemas.openxmlformats.org/markup-compatibility/2006" xmlns:a14="http://schemas.microsoft.com/office/drawing/2010/main">
+          <mc:Choice Requires="a14">
+            <p:sp>
+              <p:nvSpPr>
+                <p:cNvPr id="134" name="テキスト ボックス 133">
+                  <a:extLst>
+                    <a:ext uri="{FF2B5EF4-FFF2-40B4-BE49-F238E27FC236}">
+                      <a16:creationId xmlns:a16="http://schemas.microsoft.com/office/drawing/2014/main" id="{7032C0D8-F786-DB4F-2FA5-4336F2581E52}"/>
+                    </a:ext>
+                  </a:extLst>
+                </p:cNvPr>
+                <p:cNvSpPr txBox="1">
+                  <a:spLocks noGrp="1" noRot="1" noMove="1" noResize="1" noEditPoints="1" noAdjustHandles="1" noChangeArrowheads="1" noChangeShapeType="1"/>
+                </p:cNvSpPr>
+                <p:nvPr/>
+              </p:nvSpPr>
+              <p:spPr>
+                <a:xfrm>
+                  <a:off x="6350161" y="2672355"/>
+                  <a:ext cx="221727" cy="276999"/>
+                </a:xfrm>
+                <a:prstGeom prst="rect">
+                  <a:avLst/>
+                </a:prstGeom>
+                <a:noFill/>
+              </p:spPr>
+              <p:txBody>
+                <a:bodyPr wrap="none" lIns="0" tIns="0" rIns="0" bIns="0" rtlCol="0">
+                  <a:spAutoFit/>
+                </a:bodyPr>
+                <a:lstStyle/>
+                <a:p>
+                  <a:pPr/>
+                  <a14:m>
+                    <m:oMathPara xmlns:m="http://schemas.openxmlformats.org/officeDocument/2006/math">
+                      <m:oMathParaPr>
+                        <m:jc m:val="centerGroup"/>
+                      </m:oMathParaPr>
+                      <m:oMath xmlns:m="http://schemas.openxmlformats.org/officeDocument/2006/math">
+                        <m:r>
+                          <a:rPr kumimoji="1" lang="en-US" altLang="ja-JP" b="0" i="1" smtClean="0">
+                            <a:latin typeface="Cambria Math" panose="02040503050406030204" pitchFamily="18" charset="0"/>
+                          </a:rPr>
+                          <m:t>𝐺</m:t>
+                        </m:r>
+                      </m:oMath>
+                    </m:oMathPara>
+                  </a14:m>
+                  <a:endParaRPr kumimoji="1" lang="ja-JP" altLang="en-US"/>
+                </a:p>
+              </p:txBody>
+            </p:sp>
+          </mc:Choice>
+          <mc:Fallback xmlns="">
+            <p:sp>
+              <p:nvSpPr>
+                <p:cNvPr id="134" name="テキスト ボックス 133">
+                  <a:extLst>
+                    <a:ext uri="{FF2B5EF4-FFF2-40B4-BE49-F238E27FC236}">
+                      <a16:creationId xmlns:a16="http://schemas.microsoft.com/office/drawing/2014/main" id="{7032C0D8-F786-DB4F-2FA5-4336F2581E52}"/>
+                    </a:ext>
+                  </a:extLst>
+                </p:cNvPr>
+                <p:cNvSpPr txBox="1">
+                  <a:spLocks noGrp="1" noRot="1" noChangeAspect="1" noMove="1" noResize="1" noEditPoints="1" noAdjustHandles="1" noChangeArrowheads="1" noChangeShapeType="1" noTextEdit="1"/>
+                </p:cNvSpPr>
+                <p:nvPr/>
+              </p:nvSpPr>
+              <p:spPr>
+                <a:xfrm>
+                  <a:off x="6350161" y="2672355"/>
+                  <a:ext cx="221727" cy="276999"/>
+                </a:xfrm>
+                <a:prstGeom prst="rect">
+                  <a:avLst/>
+                </a:prstGeom>
+                <a:blipFill>
+                  <a:blip r:embed="rId15"/>
+                  <a:stretch>
+                    <a:fillRect l="-22222" r="-16667" b="-4348"/>
+                  </a:stretch>
+                </a:blipFill>
+              </p:spPr>
+              <p:txBody>
+                <a:bodyPr/>
+                <a:lstStyle/>
+                <a:p>
+                  <a:r>
+                    <a:rPr lang="ja-JP" altLang="en-US">
+                      <a:noFill/>
+                    </a:rPr>
+                    <a:t> </a:t>
+                  </a:r>
+                </a:p>
+              </p:txBody>
+            </p:sp>
+          </mc:Fallback>
+        </mc:AlternateContent>
+        <mc:AlternateContent xmlns:mc="http://schemas.openxmlformats.org/markup-compatibility/2006" xmlns:a14="http://schemas.microsoft.com/office/drawing/2010/main">
+          <mc:Choice Requires="a14">
+            <p:sp>
+              <p:nvSpPr>
+                <p:cNvPr id="136" name="テキスト ボックス 135">
+                  <a:extLst>
+                    <a:ext uri="{FF2B5EF4-FFF2-40B4-BE49-F238E27FC236}">
+                      <a16:creationId xmlns:a16="http://schemas.microsoft.com/office/drawing/2014/main" id="{57C941E7-F4C2-3BFA-8059-A4C23F30BCD9}"/>
+                    </a:ext>
+                  </a:extLst>
+                </p:cNvPr>
+                <p:cNvSpPr txBox="1">
+                  <a:spLocks noGrp="1" noRot="1" noMove="1" noResize="1" noEditPoints="1" noAdjustHandles="1" noChangeArrowheads="1" noChangeShapeType="1"/>
+                </p:cNvSpPr>
+                <p:nvPr/>
+              </p:nvSpPr>
+              <p:spPr>
+                <a:xfrm>
+                  <a:off x="6293609" y="4338816"/>
+                  <a:ext cx="161198" cy="276999"/>
+                </a:xfrm>
+                <a:prstGeom prst="rect">
+                  <a:avLst/>
+                </a:prstGeom>
+                <a:noFill/>
+              </p:spPr>
+              <p:txBody>
+                <a:bodyPr wrap="none" lIns="0" tIns="0" rIns="0" bIns="0" rtlCol="0">
+                  <a:spAutoFit/>
+                </a:bodyPr>
+                <a:lstStyle/>
+                <a:p>
+                  <a:pPr/>
+                  <a14:m>
+                    <m:oMathPara xmlns:m="http://schemas.openxmlformats.org/officeDocument/2006/math">
+                      <m:oMathParaPr>
+                        <m:jc m:val="centerGroup"/>
+                      </m:oMathParaPr>
+                      <m:oMath xmlns:m="http://schemas.openxmlformats.org/officeDocument/2006/math">
+                        <m:r>
+                          <a:rPr kumimoji="1" lang="en-US" altLang="ja-JP" b="0" i="1" smtClean="0">
+                            <a:latin typeface="Cambria Math" panose="02040503050406030204" pitchFamily="18" charset="0"/>
+                          </a:rPr>
+                          <m:t>𝐼</m:t>
+                        </m:r>
+                      </m:oMath>
+                    </m:oMathPara>
+                  </a14:m>
+                  <a:endParaRPr kumimoji="1" lang="ja-JP" altLang="en-US"/>
+                </a:p>
+              </p:txBody>
+            </p:sp>
+          </mc:Choice>
+          <mc:Fallback xmlns="">
+            <p:sp>
+              <p:nvSpPr>
+                <p:cNvPr id="136" name="テキスト ボックス 135">
+                  <a:extLst>
+                    <a:ext uri="{FF2B5EF4-FFF2-40B4-BE49-F238E27FC236}">
+                      <a16:creationId xmlns:a16="http://schemas.microsoft.com/office/drawing/2014/main" id="{57C941E7-F4C2-3BFA-8059-A4C23F30BCD9}"/>
+                    </a:ext>
+                  </a:extLst>
+                </p:cNvPr>
+                <p:cNvSpPr txBox="1">
+                  <a:spLocks noGrp="1" noRot="1" noChangeAspect="1" noMove="1" noResize="1" noEditPoints="1" noAdjustHandles="1" noChangeArrowheads="1" noChangeShapeType="1" noTextEdit="1"/>
+                </p:cNvSpPr>
+                <p:nvPr/>
+              </p:nvSpPr>
+              <p:spPr>
+                <a:xfrm>
+                  <a:off x="6293609" y="4338816"/>
+                  <a:ext cx="161198" cy="276999"/>
+                </a:xfrm>
+                <a:prstGeom prst="rect">
+                  <a:avLst/>
+                </a:prstGeom>
+                <a:blipFill>
+                  <a:blip r:embed="rId16"/>
+                  <a:stretch>
+                    <a:fillRect l="-21429" r="-21429" b="-4348"/>
+                  </a:stretch>
+                </a:blipFill>
+              </p:spPr>
+              <p:txBody>
+                <a:bodyPr/>
+                <a:lstStyle/>
+                <a:p>
+                  <a:r>
+                    <a:rPr lang="ja-JP" altLang="en-US">
+                      <a:noFill/>
+                    </a:rPr>
+                    <a:t> </a:t>
+                  </a:r>
+                </a:p>
+              </p:txBody>
+            </p:sp>
+          </mc:Fallback>
+        </mc:AlternateContent>
+        <mc:AlternateContent xmlns:mc="http://schemas.openxmlformats.org/markup-compatibility/2006" xmlns:a14="http://schemas.microsoft.com/office/drawing/2010/main">
+          <mc:Choice Requires="a14">
+            <p:sp>
+              <p:nvSpPr>
+                <p:cNvPr id="137" name="テキスト ボックス 136">
+                  <a:extLst>
+                    <a:ext uri="{FF2B5EF4-FFF2-40B4-BE49-F238E27FC236}">
+                      <a16:creationId xmlns:a16="http://schemas.microsoft.com/office/drawing/2014/main" id="{79FEA850-D4A7-CA71-98E5-055174BE99EE}"/>
+                    </a:ext>
+                  </a:extLst>
+                </p:cNvPr>
+                <p:cNvSpPr txBox="1">
+                  <a:spLocks noGrp="1" noRot="1" noMove="1" noResize="1" noEditPoints="1" noAdjustHandles="1" noChangeArrowheads="1" noChangeShapeType="1"/>
+                </p:cNvSpPr>
+                <p:nvPr/>
+              </p:nvSpPr>
+              <p:spPr>
+                <a:xfrm>
+                  <a:off x="4713765" y="4883950"/>
+                  <a:ext cx="476221" cy="276999"/>
+                </a:xfrm>
+                <a:prstGeom prst="rect">
+                  <a:avLst/>
+                </a:prstGeom>
+                <a:noFill/>
+              </p:spPr>
+              <p:txBody>
+                <a:bodyPr wrap="none" lIns="0" tIns="0" rIns="0" bIns="0" rtlCol="0">
+                  <a:spAutoFit/>
+                </a:bodyPr>
+                <a:lstStyle/>
+                <a:p>
+                  <a:pPr/>
+                  <a14:m>
+                    <m:oMathPara xmlns:m="http://schemas.openxmlformats.org/officeDocument/2006/math">
+                      <m:oMathParaPr>
+                        <m:jc m:val="centerGroup"/>
+                      </m:oMathParaPr>
+                      <m:oMath xmlns:m="http://schemas.openxmlformats.org/officeDocument/2006/math">
+                        <m:r>
+                          <a:rPr kumimoji="1" lang="en-US" altLang="ja-JP" b="0" i="1" smtClean="0">
+                            <a:latin typeface="Cambria Math" panose="02040503050406030204" pitchFamily="18" charset="0"/>
+                          </a:rPr>
+                          <m:t>𝑆</m:t>
+                        </m:r>
+                        <m:sSub>
+                          <m:sSubPr>
+                            <m:ctrlPr>
+                              <a:rPr kumimoji="1" lang="en-US" altLang="ja-JP" b="0" i="1" smtClean="0">
+                                <a:latin typeface="Cambria Math" panose="02040503050406030204" pitchFamily="18" charset="0"/>
+                              </a:rPr>
+                            </m:ctrlPr>
+                          </m:sSubPr>
+                          <m:e>
+                            <m:r>
+                              <a:rPr kumimoji="1" lang="en-US" altLang="ja-JP" b="0" i="1" smtClean="0">
+                                <a:latin typeface="Cambria Math" panose="02040503050406030204" pitchFamily="18" charset="0"/>
+                              </a:rPr>
+                              <m:t>𝑅</m:t>
+                            </m:r>
+                          </m:e>
+                          <m:sub>
+                            <m:r>
+                              <a:rPr kumimoji="1" lang="en-US" altLang="ja-JP" b="0" i="1" smtClean="0">
+                                <a:latin typeface="Cambria Math" panose="02040503050406030204" pitchFamily="18" charset="0"/>
+                              </a:rPr>
+                              <m:t>𝐻</m:t>
+                            </m:r>
+                          </m:sub>
+                        </m:sSub>
+                      </m:oMath>
+                    </m:oMathPara>
+                  </a14:m>
+                  <a:endParaRPr kumimoji="1" lang="ja-JP" altLang="en-US"/>
+                </a:p>
+              </p:txBody>
+            </p:sp>
+          </mc:Choice>
+          <mc:Fallback xmlns="">
+            <p:sp>
+              <p:nvSpPr>
+                <p:cNvPr id="137" name="テキスト ボックス 136">
+                  <a:extLst>
+                    <a:ext uri="{FF2B5EF4-FFF2-40B4-BE49-F238E27FC236}">
+                      <a16:creationId xmlns:a16="http://schemas.microsoft.com/office/drawing/2014/main" id="{79FEA850-D4A7-CA71-98E5-055174BE99EE}"/>
+                    </a:ext>
+                  </a:extLst>
+                </p:cNvPr>
+                <p:cNvSpPr txBox="1">
+                  <a:spLocks noGrp="1" noRot="1" noChangeAspect="1" noMove="1" noResize="1" noEditPoints="1" noAdjustHandles="1" noChangeArrowheads="1" noChangeShapeType="1" noTextEdit="1"/>
+                </p:cNvSpPr>
+                <p:nvPr/>
+              </p:nvSpPr>
+              <p:spPr>
+                <a:xfrm>
+                  <a:off x="4713765" y="4883950"/>
+                  <a:ext cx="476221" cy="276999"/>
+                </a:xfrm>
+                <a:prstGeom prst="rect">
+                  <a:avLst/>
+                </a:prstGeom>
+                <a:blipFill>
+                  <a:blip r:embed="rId17"/>
+                  <a:stretch>
+                    <a:fillRect l="-10526" b="-13043"/>
+                  </a:stretch>
+                </a:blipFill>
+              </p:spPr>
+              <p:txBody>
+                <a:bodyPr/>
+                <a:lstStyle/>
+                <a:p>
+                  <a:r>
+                    <a:rPr lang="ja-JP" altLang="en-US">
+                      <a:noFill/>
+                    </a:rPr>
+                    <a:t> </a:t>
+                  </a:r>
+                </a:p>
+              </p:txBody>
+            </p:sp>
+          </mc:Fallback>
+        </mc:AlternateContent>
+        <mc:AlternateContent xmlns:mc="http://schemas.openxmlformats.org/markup-compatibility/2006" xmlns:a14="http://schemas.microsoft.com/office/drawing/2010/main">
+          <mc:Choice Requires="a14">
+            <p:sp>
+              <p:nvSpPr>
+                <p:cNvPr id="138" name="テキスト ボックス 137">
+                  <a:extLst>
+                    <a:ext uri="{FF2B5EF4-FFF2-40B4-BE49-F238E27FC236}">
+                      <a16:creationId xmlns:a16="http://schemas.microsoft.com/office/drawing/2014/main" id="{C03A6BAF-8D4E-EF26-3BA0-820816EF17FF}"/>
+                    </a:ext>
+                  </a:extLst>
+                </p:cNvPr>
+                <p:cNvSpPr txBox="1">
+                  <a:spLocks noGrp="1" noRot="1" noMove="1" noResize="1" noEditPoints="1" noAdjustHandles="1" noChangeArrowheads="1" noChangeShapeType="1"/>
+                </p:cNvSpPr>
+                <p:nvPr/>
+              </p:nvSpPr>
+              <p:spPr>
+                <a:xfrm>
+                  <a:off x="6319521" y="5658719"/>
+                  <a:ext cx="240772" cy="276999"/>
+                </a:xfrm>
+                <a:prstGeom prst="rect">
+                  <a:avLst/>
+                </a:prstGeom>
+                <a:noFill/>
+              </p:spPr>
+              <p:txBody>
+                <a:bodyPr wrap="none" lIns="0" tIns="0" rIns="0" bIns="0" rtlCol="0">
+                  <a:spAutoFit/>
+                </a:bodyPr>
+                <a:lstStyle/>
+                <a:p>
+                  <a:pPr/>
+                  <a14:m>
+                    <m:oMathPara xmlns:m="http://schemas.openxmlformats.org/officeDocument/2006/math">
+                      <m:oMathParaPr>
+                        <m:jc m:val="centerGroup"/>
+                      </m:oMathParaPr>
+                      <m:oMath xmlns:m="http://schemas.openxmlformats.org/officeDocument/2006/math">
+                        <m:r>
+                          <a:rPr kumimoji="1" lang="en-US" altLang="ja-JP" b="0" i="1" smtClean="0">
+                            <a:latin typeface="Cambria Math" panose="02040503050406030204" pitchFamily="18" charset="0"/>
+                          </a:rPr>
+                          <m:t>𝐻</m:t>
+                        </m:r>
+                      </m:oMath>
+                    </m:oMathPara>
+                  </a14:m>
+                  <a:endParaRPr kumimoji="1" lang="ja-JP" altLang="en-US"/>
+                </a:p>
+              </p:txBody>
+            </p:sp>
+          </mc:Choice>
+          <mc:Fallback xmlns="">
+            <p:sp>
+              <p:nvSpPr>
+                <p:cNvPr id="138" name="テキスト ボックス 137">
+                  <a:extLst>
+                    <a:ext uri="{FF2B5EF4-FFF2-40B4-BE49-F238E27FC236}">
+                      <a16:creationId xmlns:a16="http://schemas.microsoft.com/office/drawing/2014/main" id="{C03A6BAF-8D4E-EF26-3BA0-820816EF17FF}"/>
+                    </a:ext>
+                  </a:extLst>
+                </p:cNvPr>
+                <p:cNvSpPr txBox="1">
+                  <a:spLocks noGrp="1" noRot="1" noChangeAspect="1" noMove="1" noResize="1" noEditPoints="1" noAdjustHandles="1" noChangeArrowheads="1" noChangeShapeType="1" noTextEdit="1"/>
+                </p:cNvSpPr>
+                <p:nvPr/>
+              </p:nvSpPr>
+              <p:spPr>
+                <a:xfrm>
+                  <a:off x="6319521" y="5658719"/>
+                  <a:ext cx="240772" cy="276999"/>
+                </a:xfrm>
+                <a:prstGeom prst="rect">
+                  <a:avLst/>
+                </a:prstGeom>
+                <a:blipFill>
+                  <a:blip r:embed="rId18"/>
+                  <a:stretch>
+                    <a:fillRect l="-20000" r="-15000" b="-4348"/>
+                  </a:stretch>
+                </a:blipFill>
+              </p:spPr>
+              <p:txBody>
+                <a:bodyPr/>
+                <a:lstStyle/>
+                <a:p>
+                  <a:r>
+                    <a:rPr lang="ja-JP" altLang="en-US">
+                      <a:noFill/>
+                    </a:rPr>
+                    <a:t> </a:t>
+                  </a:r>
+                </a:p>
+              </p:txBody>
+            </p:sp>
+          </mc:Fallback>
+        </mc:AlternateContent>
+      </p:grpSp>
+    </p:spTree>
+    <p:extLst>
+      <p:ext uri="{BB962C8B-B14F-4D97-AF65-F5344CB8AC3E}">
+        <p14:creationId xmlns:p14="http://schemas.microsoft.com/office/powerpoint/2010/main" val="3850279461"/>
+      </p:ext>
+    </p:extLst>
+  </p:cSld>
+  <p:clrMapOvr>
+    <a:masterClrMapping/>
+  </p:clrMapOvr>
+</p:sld>
+</file>
+
+<file path=ppt/slides/slide6.xml><?xml version="1.0" encoding="utf-8"?>
+<p:sld xmlns:a="http://schemas.openxmlformats.org/drawingml/2006/main" xmlns:r="http://schemas.openxmlformats.org/officeDocument/2006/relationships" xmlns:p="http://schemas.openxmlformats.org/presentationml/2006/main">
+  <p:cSld>
+    <p:spTree>
+      <p:nvGrpSpPr>
+        <p:cNvPr id="1" name="">
+          <a:extLst>
+            <a:ext uri="{FF2B5EF4-FFF2-40B4-BE49-F238E27FC236}">
+              <a16:creationId xmlns:a16="http://schemas.microsoft.com/office/drawing/2014/main" id="{4857323E-589C-F08A-0FB1-2BE24D5D332F}"/>
+            </a:ext>
+          </a:extLst>
+        </p:cNvPr>
+        <p:cNvGrpSpPr/>
+        <p:nvPr/>
+      </p:nvGrpSpPr>
+      <p:grpSpPr>
+        <a:xfrm>
+          <a:off x="0" y="0"/>
+          <a:ext cx="0" cy="0"/>
+          <a:chOff x="0" y="0"/>
+          <a:chExt cx="0" cy="0"/>
+        </a:xfrm>
+      </p:grpSpPr>
+      <p:grpSp>
+        <p:nvGrpSpPr>
+          <p:cNvPr id="123" name="グループ化 122">
+            <a:extLst>
+              <a:ext uri="{FF2B5EF4-FFF2-40B4-BE49-F238E27FC236}">
+                <a16:creationId xmlns:a16="http://schemas.microsoft.com/office/drawing/2014/main" id="{237195C0-2B7D-DEE1-5868-FED54BBCE443}"/>
+              </a:ext>
+            </a:extLst>
+          </p:cNvPr>
+          <p:cNvGrpSpPr/>
+          <p:nvPr/>
+        </p:nvGrpSpPr>
+        <p:grpSpPr>
+          <a:xfrm>
+            <a:off x="563828" y="315646"/>
+            <a:ext cx="10800545" cy="4010459"/>
+            <a:chOff x="563828" y="315646"/>
+            <a:chExt cx="10800545" cy="4010459"/>
+          </a:xfrm>
+        </p:grpSpPr>
+        <p:sp>
+          <p:nvSpPr>
+            <p:cNvPr id="3" name="正方形/長方形 2">
+              <a:extLst>
+                <a:ext uri="{FF2B5EF4-FFF2-40B4-BE49-F238E27FC236}">
+                  <a16:creationId xmlns:a16="http://schemas.microsoft.com/office/drawing/2014/main" id="{04BCDC73-C31C-B0D1-257B-DC6F5816CDA1}"/>
+                </a:ext>
+              </a:extLst>
+            </p:cNvPr>
+            <p:cNvSpPr/>
+            <p:nvPr/>
+          </p:nvSpPr>
+          <p:spPr>
+            <a:xfrm>
+              <a:off x="4726662" y="3559395"/>
+              <a:ext cx="1883626" cy="766710"/>
+            </a:xfrm>
+            <a:prstGeom prst="rect">
+              <a:avLst/>
+            </a:prstGeom>
+            <a:ln w="25400"/>
+          </p:spPr>
+          <p:style>
+            <a:lnRef idx="2">
+              <a:schemeClr val="dk1"/>
+            </a:lnRef>
+            <a:fillRef idx="1">
+              <a:schemeClr val="lt1"/>
+            </a:fillRef>
+            <a:effectRef idx="0">
+              <a:schemeClr val="dk1"/>
+            </a:effectRef>
+            <a:fontRef idx="minor">
+              <a:schemeClr val="dk1"/>
+            </a:fontRef>
+          </p:style>
+          <p:txBody>
+            <a:bodyPr rtlCol="0" anchor="ctr"/>
+            <a:lstStyle/>
+            <a:p>
+              <a:pPr algn="ctr"/>
+              <a:r>
+                <a:rPr kumimoji="1" lang="en-US" altLang="ja-JP" sz="1400" b="1" dirty="0">
+                  <a:latin typeface="Hiragino Kaku Gothic ProN W3" panose="020B0300000000000000" pitchFamily="34" charset="-128"/>
+                  <a:ea typeface="Hiragino Kaku Gothic ProN W3" panose="020B0300000000000000" pitchFamily="34" charset="-128"/>
+                  <a:cs typeface="Arial" panose="020B0604020202020204" pitchFamily="34" charset="0"/>
+                </a:rPr>
+                <a:t>Subcutaneous</a:t>
+              </a:r>
+            </a:p>
+            <a:p>
+              <a:pPr algn="ctr"/>
+              <a:r>
+                <a:rPr lang="en-US" altLang="ja-JP" sz="1400" b="1" dirty="0">
+                  <a:latin typeface="Hiragino Kaku Gothic ProN W3" panose="020B0300000000000000" pitchFamily="34" charset="-128"/>
+                  <a:ea typeface="Hiragino Kaku Gothic ProN W3" panose="020B0300000000000000" pitchFamily="34" charset="-128"/>
+                  <a:cs typeface="Arial" panose="020B0604020202020204" pitchFamily="34" charset="0"/>
+                </a:rPr>
+                <a:t>Insulin</a:t>
+              </a:r>
+              <a:endParaRPr kumimoji="1" lang="en-US" altLang="ja-JP" sz="1400" b="1" dirty="0">
+                <a:latin typeface="Hiragino Kaku Gothic ProN W3" panose="020B0300000000000000" pitchFamily="34" charset="-128"/>
+                <a:ea typeface="Hiragino Kaku Gothic ProN W3" panose="020B0300000000000000" pitchFamily="34" charset="-128"/>
+                <a:cs typeface="Arial" panose="020B0604020202020204" pitchFamily="34" charset="0"/>
+              </a:endParaRPr>
+            </a:p>
+          </p:txBody>
+        </p:sp>
+        <p:sp>
+          <p:nvSpPr>
+            <p:cNvPr id="4" name="正方形/長方形 3">
+              <a:extLst>
+                <a:ext uri="{FF2B5EF4-FFF2-40B4-BE49-F238E27FC236}">
+                  <a16:creationId xmlns:a16="http://schemas.microsoft.com/office/drawing/2014/main" id="{354CC162-4A40-FC49-804E-51073FF411C2}"/>
+                </a:ext>
+              </a:extLst>
+            </p:cNvPr>
+            <p:cNvSpPr/>
+            <p:nvPr/>
+          </p:nvSpPr>
+          <p:spPr>
+            <a:xfrm>
+              <a:off x="7357067" y="3559395"/>
+              <a:ext cx="1655818" cy="766710"/>
+            </a:xfrm>
+            <a:prstGeom prst="rect">
+              <a:avLst/>
+            </a:prstGeom>
+            <a:ln w="25400"/>
+          </p:spPr>
+          <p:style>
+            <a:lnRef idx="2">
+              <a:schemeClr val="dk1"/>
+            </a:lnRef>
+            <a:fillRef idx="1">
+              <a:schemeClr val="lt1"/>
+            </a:fillRef>
+            <a:effectRef idx="0">
+              <a:schemeClr val="dk1"/>
+            </a:effectRef>
+            <a:fontRef idx="minor">
+              <a:schemeClr val="dk1"/>
+            </a:fontRef>
+          </p:style>
+          <p:txBody>
+            <a:bodyPr rtlCol="0" anchor="ctr"/>
+            <a:lstStyle/>
+            <a:p>
+              <a:pPr algn="ctr"/>
+              <a:r>
+                <a:rPr lang="en-US" altLang="ja-JP" sz="1400" b="1" dirty="0">
+                  <a:latin typeface="Hiragino Kaku Gothic ProN W3" panose="020B0300000000000000" pitchFamily="34" charset="-128"/>
+                  <a:ea typeface="Hiragino Kaku Gothic ProN W3" panose="020B0300000000000000" pitchFamily="34" charset="-128"/>
+                  <a:cs typeface="Arial" panose="020B0604020202020204" pitchFamily="34" charset="0"/>
+                </a:rPr>
+                <a:t>Insulin</a:t>
+              </a:r>
+            </a:p>
+            <a:p>
+              <a:pPr algn="ctr"/>
+              <a:r>
+                <a:rPr lang="en-US" altLang="ja-JP" sz="1400" b="1" dirty="0">
+                  <a:latin typeface="Hiragino Kaku Gothic ProN W3" panose="020B0300000000000000" pitchFamily="34" charset="-128"/>
+                  <a:ea typeface="Hiragino Kaku Gothic ProN W3" panose="020B0300000000000000" pitchFamily="34" charset="-128"/>
+                  <a:cs typeface="Arial" panose="020B0604020202020204" pitchFamily="34" charset="0"/>
+                </a:rPr>
+                <a:t>system</a:t>
+              </a:r>
+              <a:endParaRPr kumimoji="1" lang="en-US" altLang="ja-JP" sz="1400" b="1" dirty="0">
+                <a:latin typeface="Hiragino Kaku Gothic ProN W3" panose="020B0300000000000000" pitchFamily="34" charset="-128"/>
+                <a:ea typeface="Hiragino Kaku Gothic ProN W3" panose="020B0300000000000000" pitchFamily="34" charset="-128"/>
+                <a:cs typeface="Arial" panose="020B0604020202020204" pitchFamily="34" charset="0"/>
+              </a:endParaRPr>
+            </a:p>
+          </p:txBody>
+        </p:sp>
+        <p:sp>
+          <p:nvSpPr>
+            <p:cNvPr id="5" name="正方形/長方形 4">
+              <a:extLst>
+                <a:ext uri="{FF2B5EF4-FFF2-40B4-BE49-F238E27FC236}">
+                  <a16:creationId xmlns:a16="http://schemas.microsoft.com/office/drawing/2014/main" id="{BB5A6017-D349-FDEE-36D1-92D58F0C3D2B}"/>
+                </a:ext>
+              </a:extLst>
+            </p:cNvPr>
+            <p:cNvSpPr/>
+            <p:nvPr/>
+          </p:nvSpPr>
+          <p:spPr>
+            <a:xfrm>
+              <a:off x="7357067" y="2003330"/>
+              <a:ext cx="1655819" cy="766710"/>
+            </a:xfrm>
+            <a:prstGeom prst="rect">
+              <a:avLst/>
+            </a:prstGeom>
+            <a:ln w="25400"/>
+          </p:spPr>
+          <p:style>
+            <a:lnRef idx="2">
+              <a:schemeClr val="dk1"/>
+            </a:lnRef>
+            <a:fillRef idx="1">
+              <a:schemeClr val="lt1"/>
+            </a:fillRef>
+            <a:effectRef idx="0">
+              <a:schemeClr val="dk1"/>
+            </a:effectRef>
+            <a:fontRef idx="minor">
+              <a:schemeClr val="dk1"/>
+            </a:fontRef>
+          </p:style>
+          <p:txBody>
+            <a:bodyPr rtlCol="0" anchor="ctr"/>
+            <a:lstStyle/>
+            <a:p>
+              <a:pPr algn="ctr"/>
+              <a:r>
+                <a:rPr lang="en-US" altLang="ja-JP" sz="1400" b="1" dirty="0">
+                  <a:latin typeface="Hiragino Kaku Gothic ProN W3" panose="020B0300000000000000" pitchFamily="34" charset="-128"/>
+                  <a:ea typeface="Hiragino Kaku Gothic ProN W3" panose="020B0300000000000000" pitchFamily="34" charset="-128"/>
+                  <a:cs typeface="Arial" panose="020B0604020202020204" pitchFamily="34" charset="0"/>
+                </a:rPr>
+                <a:t>Glucose</a:t>
+              </a:r>
+            </a:p>
+            <a:p>
+              <a:pPr algn="ctr"/>
+              <a:r>
+                <a:rPr kumimoji="1" lang="en-US" altLang="ja-JP" sz="1400" b="1" dirty="0">
+                  <a:latin typeface="Hiragino Kaku Gothic ProN W3" panose="020B0300000000000000" pitchFamily="34" charset="-128"/>
+                  <a:ea typeface="Hiragino Kaku Gothic ProN W3" panose="020B0300000000000000" pitchFamily="34" charset="-128"/>
+                  <a:cs typeface="Arial" panose="020B0604020202020204" pitchFamily="34" charset="0"/>
+                </a:rPr>
+                <a:t>system</a:t>
+              </a:r>
+            </a:p>
+          </p:txBody>
+        </p:sp>
+        <p:sp>
+          <p:nvSpPr>
+            <p:cNvPr id="6" name="正方形/長方形 5">
+              <a:extLst>
+                <a:ext uri="{FF2B5EF4-FFF2-40B4-BE49-F238E27FC236}">
+                  <a16:creationId xmlns:a16="http://schemas.microsoft.com/office/drawing/2014/main" id="{8AC9B0CB-0F6A-729D-0BC1-55D21C36EB0D}"/>
+                </a:ext>
+              </a:extLst>
+            </p:cNvPr>
+            <p:cNvSpPr/>
+            <p:nvPr/>
+          </p:nvSpPr>
+          <p:spPr>
+            <a:xfrm>
+              <a:off x="9678401" y="2055882"/>
+              <a:ext cx="1655818" cy="766710"/>
+            </a:xfrm>
+            <a:prstGeom prst="rect">
+              <a:avLst/>
+            </a:prstGeom>
+            <a:ln w="25400"/>
+          </p:spPr>
+          <p:style>
+            <a:lnRef idx="2">
+              <a:schemeClr val="dk1"/>
+            </a:lnRef>
+            <a:fillRef idx="1">
+              <a:schemeClr val="lt1"/>
+            </a:fillRef>
+            <a:effectRef idx="0">
+              <a:schemeClr val="dk1"/>
+            </a:effectRef>
+            <a:fontRef idx="minor">
+              <a:schemeClr val="dk1"/>
+            </a:fontRef>
+          </p:style>
+          <p:txBody>
+            <a:bodyPr rtlCol="0" anchor="ctr"/>
+            <a:lstStyle/>
+            <a:p>
+              <a:pPr algn="ctr"/>
+              <a:r>
+                <a:rPr lang="en-US" altLang="ja-JP" sz="1400" b="1" dirty="0">
+                  <a:latin typeface="Hiragino Kaku Gothic ProN W3" panose="020B0300000000000000" pitchFamily="34" charset="-128"/>
+                  <a:ea typeface="Hiragino Kaku Gothic ProN W3" panose="020B0300000000000000" pitchFamily="34" charset="-128"/>
+                  <a:cs typeface="Arial" panose="020B0604020202020204" pitchFamily="34" charset="0"/>
+                </a:rPr>
+                <a:t>Muscle and</a:t>
+              </a:r>
+            </a:p>
+            <a:p>
+              <a:pPr algn="ctr"/>
+              <a:r>
+                <a:rPr lang="en-US" altLang="ja-JP" sz="1400" b="1" dirty="0">
+                  <a:latin typeface="Hiragino Kaku Gothic ProN W3" panose="020B0300000000000000" pitchFamily="34" charset="-128"/>
+                  <a:ea typeface="Hiragino Kaku Gothic ProN W3" panose="020B0300000000000000" pitchFamily="34" charset="-128"/>
+                  <a:cs typeface="Arial" panose="020B0604020202020204" pitchFamily="34" charset="0"/>
+                </a:rPr>
+                <a:t>adipose tissues</a:t>
+              </a:r>
+              <a:endParaRPr kumimoji="1" lang="en-US" altLang="ja-JP" sz="1400" b="1" dirty="0">
+                <a:latin typeface="Hiragino Kaku Gothic ProN W3" panose="020B0300000000000000" pitchFamily="34" charset="-128"/>
+                <a:ea typeface="Hiragino Kaku Gothic ProN W3" panose="020B0300000000000000" pitchFamily="34" charset="-128"/>
+                <a:cs typeface="Arial" panose="020B0604020202020204" pitchFamily="34" charset="0"/>
+              </a:endParaRPr>
+            </a:p>
+          </p:txBody>
+        </p:sp>
+        <p:sp>
+          <p:nvSpPr>
+            <p:cNvPr id="7" name="正方形/長方形 6">
+              <a:extLst>
+                <a:ext uri="{FF2B5EF4-FFF2-40B4-BE49-F238E27FC236}">
+                  <a16:creationId xmlns:a16="http://schemas.microsoft.com/office/drawing/2014/main" id="{A25F31D4-9756-2A9C-6705-1FAB7B0F6108}"/>
+                </a:ext>
+              </a:extLst>
+            </p:cNvPr>
+            <p:cNvSpPr/>
+            <p:nvPr/>
+          </p:nvSpPr>
+          <p:spPr>
+            <a:xfrm>
+              <a:off x="5031407" y="2023914"/>
+              <a:ext cx="1311631" cy="766710"/>
+            </a:xfrm>
+            <a:prstGeom prst="rect">
+              <a:avLst/>
+            </a:prstGeom>
+            <a:ln w="25400"/>
+          </p:spPr>
+          <p:style>
+            <a:lnRef idx="2">
+              <a:schemeClr val="dk1"/>
+            </a:lnRef>
+            <a:fillRef idx="1">
+              <a:schemeClr val="lt1"/>
+            </a:fillRef>
+            <a:effectRef idx="0">
+              <a:schemeClr val="dk1"/>
+            </a:effectRef>
+            <a:fontRef idx="minor">
+              <a:schemeClr val="dk1"/>
+            </a:fontRef>
+          </p:style>
+          <p:txBody>
+            <a:bodyPr rtlCol="0" anchor="ctr"/>
+            <a:lstStyle/>
+            <a:p>
+              <a:pPr algn="ctr"/>
+              <a:r>
+                <a:rPr kumimoji="1" lang="en-US" altLang="ja-JP" sz="1400" b="1" dirty="0">
+                  <a:latin typeface="Hiragino Kaku Gothic ProN W3" panose="020B0300000000000000" pitchFamily="34" charset="-128"/>
+                  <a:ea typeface="Hiragino Kaku Gothic ProN W3" panose="020B0300000000000000" pitchFamily="34" charset="-128"/>
+                  <a:cs typeface="Arial" panose="020B0604020202020204" pitchFamily="34" charset="0"/>
+                </a:rPr>
+                <a:t>LIVER</a:t>
+              </a:r>
+            </a:p>
+          </p:txBody>
+        </p:sp>
+        <p:sp>
+          <p:nvSpPr>
+            <p:cNvPr id="8" name="正方形/長方形 7">
+              <a:extLst>
+                <a:ext uri="{FF2B5EF4-FFF2-40B4-BE49-F238E27FC236}">
+                  <a16:creationId xmlns:a16="http://schemas.microsoft.com/office/drawing/2014/main" id="{DFEA0715-2307-0042-096E-B889DCECD087}"/>
+                </a:ext>
+              </a:extLst>
+            </p:cNvPr>
+            <p:cNvSpPr/>
+            <p:nvPr/>
+          </p:nvSpPr>
+          <p:spPr>
+            <a:xfrm>
+              <a:off x="5005617" y="718540"/>
+              <a:ext cx="2078640" cy="766710"/>
+            </a:xfrm>
+            <a:prstGeom prst="rect">
+              <a:avLst/>
+            </a:prstGeom>
+            <a:ln w="25400"/>
+          </p:spPr>
+          <p:style>
+            <a:lnRef idx="2">
+              <a:schemeClr val="dk1"/>
+            </a:lnRef>
+            <a:fillRef idx="1">
+              <a:schemeClr val="lt1"/>
+            </a:fillRef>
+            <a:effectRef idx="0">
+              <a:schemeClr val="dk1"/>
+            </a:effectRef>
+            <a:fontRef idx="minor">
+              <a:schemeClr val="dk1"/>
+            </a:fontRef>
+          </p:style>
+          <p:txBody>
+            <a:bodyPr rtlCol="0" anchor="ctr"/>
+            <a:lstStyle/>
+            <a:p>
+              <a:pPr algn="ctr"/>
+              <a:r>
+                <a:rPr kumimoji="1" lang="en-US" altLang="ja-JP" sz="1400" b="1" dirty="0">
+                  <a:latin typeface="Hiragino Kaku Gothic ProN W3" panose="020B0300000000000000" pitchFamily="34" charset="-128"/>
+                  <a:ea typeface="Hiragino Kaku Gothic ProN W3" panose="020B0300000000000000" pitchFamily="34" charset="-128"/>
+                  <a:cs typeface="Arial" panose="020B0604020202020204" pitchFamily="34" charset="0"/>
+                </a:rPr>
+                <a:t>Gastrointestinal</a:t>
+              </a:r>
+            </a:p>
+            <a:p>
+              <a:pPr algn="ctr"/>
+              <a:r>
+                <a:rPr lang="en-US" altLang="ja-JP" sz="1400" b="1" dirty="0">
+                  <a:latin typeface="Hiragino Kaku Gothic ProN W3" panose="020B0300000000000000" pitchFamily="34" charset="-128"/>
+                  <a:ea typeface="Hiragino Kaku Gothic ProN W3" panose="020B0300000000000000" pitchFamily="34" charset="-128"/>
+                  <a:cs typeface="Arial" panose="020B0604020202020204" pitchFamily="34" charset="0"/>
+                </a:rPr>
+                <a:t>tract</a:t>
+              </a:r>
+              <a:endParaRPr kumimoji="1" lang="en-US" altLang="ja-JP" sz="1400" b="1" dirty="0">
+                <a:latin typeface="Hiragino Kaku Gothic ProN W3" panose="020B0300000000000000" pitchFamily="34" charset="-128"/>
+                <a:ea typeface="Hiragino Kaku Gothic ProN W3" panose="020B0300000000000000" pitchFamily="34" charset="-128"/>
+                <a:cs typeface="Arial" panose="020B0604020202020204" pitchFamily="34" charset="0"/>
+              </a:endParaRPr>
+            </a:p>
+          </p:txBody>
+        </p:sp>
+        <p:sp>
+          <p:nvSpPr>
+            <p:cNvPr id="9" name="正方形/長方形 8">
+              <a:extLst>
+                <a:ext uri="{FF2B5EF4-FFF2-40B4-BE49-F238E27FC236}">
+                  <a16:creationId xmlns:a16="http://schemas.microsoft.com/office/drawing/2014/main" id="{A73F29DF-382D-05B8-6E03-083325A461F9}"/>
+                </a:ext>
+              </a:extLst>
+            </p:cNvPr>
+            <p:cNvSpPr/>
+            <p:nvPr/>
+          </p:nvSpPr>
+          <p:spPr>
+            <a:xfrm>
+              <a:off x="8147354" y="1141591"/>
+              <a:ext cx="1531047" cy="335109"/>
+            </a:xfrm>
+            <a:prstGeom prst="rect">
+              <a:avLst/>
+            </a:prstGeom>
+            <a:ln w="25400"/>
+          </p:spPr>
+          <p:style>
+            <a:lnRef idx="2">
+              <a:schemeClr val="dk1"/>
+            </a:lnRef>
+            <a:fillRef idx="1">
+              <a:schemeClr val="lt1"/>
+            </a:fillRef>
+            <a:effectRef idx="0">
+              <a:schemeClr val="dk1"/>
+            </a:effectRef>
+            <a:fontRef idx="minor">
+              <a:schemeClr val="dk1"/>
+            </a:fontRef>
+          </p:style>
+          <p:txBody>
+            <a:bodyPr rtlCol="0" anchor="ctr"/>
+            <a:lstStyle/>
+            <a:p>
+              <a:pPr algn="ctr"/>
+              <a:r>
+                <a:rPr kumimoji="1" lang="en-US" altLang="ja-JP" sz="1400" b="1" dirty="0">
+                  <a:latin typeface="Hiragino Kaku Gothic ProN W3" panose="020B0300000000000000" pitchFamily="34" charset="-128"/>
+                  <a:ea typeface="Hiragino Kaku Gothic ProN W3" panose="020B0300000000000000" pitchFamily="34" charset="-128"/>
+                  <a:cs typeface="Arial" panose="020B0604020202020204" pitchFamily="34" charset="0"/>
+                </a:rPr>
+                <a:t>Renal</a:t>
+              </a:r>
+            </a:p>
+          </p:txBody>
+        </p:sp>
+        <p:sp>
+          <p:nvSpPr>
+            <p:cNvPr id="10" name="正方形/長方形 9">
+              <a:extLst>
+                <a:ext uri="{FF2B5EF4-FFF2-40B4-BE49-F238E27FC236}">
+                  <a16:creationId xmlns:a16="http://schemas.microsoft.com/office/drawing/2014/main" id="{AE645705-4C82-16CC-2308-4B025EDB5841}"/>
+                </a:ext>
+              </a:extLst>
+            </p:cNvPr>
+            <p:cNvSpPr/>
+            <p:nvPr/>
+          </p:nvSpPr>
+          <p:spPr>
+            <a:xfrm>
+              <a:off x="8378157" y="423283"/>
+              <a:ext cx="2986216" cy="383355"/>
+            </a:xfrm>
+            <a:prstGeom prst="rect">
+              <a:avLst/>
+            </a:prstGeom>
+            <a:ln w="25400"/>
+          </p:spPr>
+          <p:style>
+            <a:lnRef idx="2">
+              <a:schemeClr val="dk1"/>
+            </a:lnRef>
+            <a:fillRef idx="1">
+              <a:schemeClr val="lt1"/>
+            </a:fillRef>
+            <a:effectRef idx="0">
+              <a:schemeClr val="dk1"/>
+            </a:effectRef>
+            <a:fontRef idx="minor">
+              <a:schemeClr val="dk1"/>
+            </a:fontRef>
+          </p:style>
+          <p:txBody>
+            <a:bodyPr rtlCol="0" anchor="ctr"/>
+            <a:lstStyle/>
+            <a:p>
+              <a:pPr algn="ctr"/>
+              <a:r>
+                <a:rPr lang="en-US" altLang="ja-JP" sz="1400" b="1" dirty="0">
+                  <a:latin typeface="Hiragino Kaku Gothic ProN W3" panose="020B0300000000000000" pitchFamily="34" charset="-128"/>
+                  <a:ea typeface="Hiragino Kaku Gothic ProN W3" panose="020B0300000000000000" pitchFamily="34" charset="-128"/>
+                  <a:cs typeface="Arial" panose="020B0604020202020204" pitchFamily="34" charset="0"/>
+                </a:rPr>
+                <a:t>Brain and erythrocytes</a:t>
+              </a:r>
+              <a:endParaRPr kumimoji="1" lang="en-US" altLang="ja-JP" sz="1400" b="1" dirty="0">
+                <a:latin typeface="Hiragino Kaku Gothic ProN W3" panose="020B0300000000000000" pitchFamily="34" charset="-128"/>
+                <a:ea typeface="Hiragino Kaku Gothic ProN W3" panose="020B0300000000000000" pitchFamily="34" charset="-128"/>
+                <a:cs typeface="Arial" panose="020B0604020202020204" pitchFamily="34" charset="0"/>
+              </a:endParaRPr>
+            </a:p>
+          </p:txBody>
+        </p:sp>
+        <p:sp>
+          <p:nvSpPr>
+            <p:cNvPr id="11" name="正方形/長方形 10">
+              <a:extLst>
+                <a:ext uri="{FF2B5EF4-FFF2-40B4-BE49-F238E27FC236}">
+                  <a16:creationId xmlns:a16="http://schemas.microsoft.com/office/drawing/2014/main" id="{A6EF46CD-6DEB-7214-683A-C00A2A17B544}"/>
+                </a:ext>
+              </a:extLst>
+            </p:cNvPr>
+            <p:cNvSpPr/>
+            <p:nvPr/>
+          </p:nvSpPr>
+          <p:spPr>
+            <a:xfrm>
+              <a:off x="2997581" y="2029443"/>
+              <a:ext cx="1655819" cy="766710"/>
+            </a:xfrm>
+            <a:prstGeom prst="rect">
+              <a:avLst/>
+            </a:prstGeom>
+            <a:ln w="25400"/>
+          </p:spPr>
+          <p:style>
+            <a:lnRef idx="2">
+              <a:schemeClr val="dk1"/>
+            </a:lnRef>
+            <a:fillRef idx="1">
+              <a:schemeClr val="lt1"/>
+            </a:fillRef>
+            <a:effectRef idx="0">
+              <a:schemeClr val="dk1"/>
+            </a:effectRef>
+            <a:fontRef idx="minor">
+              <a:schemeClr val="dk1"/>
+            </a:fontRef>
+          </p:style>
+          <p:txBody>
+            <a:bodyPr rtlCol="0" anchor="ctr"/>
+            <a:lstStyle/>
+            <a:p>
+              <a:pPr algn="ctr"/>
+              <a:r>
+                <a:rPr kumimoji="1" lang="en-US" altLang="ja-JP" sz="1400" b="1" dirty="0">
+                  <a:latin typeface="Hiragino Kaku Gothic ProN W3" panose="020B0300000000000000" pitchFamily="34" charset="-128"/>
+                  <a:ea typeface="Hiragino Kaku Gothic ProN W3" panose="020B0300000000000000" pitchFamily="34" charset="-128"/>
+                  <a:cs typeface="Arial" panose="020B0604020202020204" pitchFamily="34" charset="0"/>
+                </a:rPr>
+                <a:t>Glucagon</a:t>
+              </a:r>
+            </a:p>
+            <a:p>
+              <a:pPr algn="ctr"/>
+              <a:r>
+                <a:rPr lang="en-US" altLang="ja-JP" sz="1400" b="1" dirty="0">
+                  <a:latin typeface="Hiragino Kaku Gothic ProN W3" panose="020B0300000000000000" pitchFamily="34" charset="-128"/>
+                  <a:ea typeface="Hiragino Kaku Gothic ProN W3" panose="020B0300000000000000" pitchFamily="34" charset="-128"/>
+                  <a:cs typeface="Arial" panose="020B0604020202020204" pitchFamily="34" charset="0"/>
+                </a:rPr>
+                <a:t>system</a:t>
+              </a:r>
+              <a:endParaRPr kumimoji="1" lang="en-US" altLang="ja-JP" sz="1400" b="1" dirty="0">
+                <a:latin typeface="Hiragino Kaku Gothic ProN W3" panose="020B0300000000000000" pitchFamily="34" charset="-128"/>
+                <a:ea typeface="Hiragino Kaku Gothic ProN W3" panose="020B0300000000000000" pitchFamily="34" charset="-128"/>
+                <a:cs typeface="Arial" panose="020B0604020202020204" pitchFamily="34" charset="0"/>
+              </a:endParaRPr>
+            </a:p>
+          </p:txBody>
+        </p:sp>
+        <p:sp>
+          <p:nvSpPr>
+            <p:cNvPr id="12" name="正方形/長方形 11">
+              <a:extLst>
+                <a:ext uri="{FF2B5EF4-FFF2-40B4-BE49-F238E27FC236}">
+                  <a16:creationId xmlns:a16="http://schemas.microsoft.com/office/drawing/2014/main" id="{8ACBA3DF-3BD3-F9CE-C6C0-0D554E476714}"/>
+                </a:ext>
+              </a:extLst>
+            </p:cNvPr>
+            <p:cNvSpPr/>
+            <p:nvPr/>
+          </p:nvSpPr>
+          <p:spPr>
+            <a:xfrm>
+              <a:off x="563828" y="2035324"/>
+              <a:ext cx="1655818" cy="766710"/>
+            </a:xfrm>
+            <a:prstGeom prst="rect">
+              <a:avLst/>
+            </a:prstGeom>
+            <a:ln w="25400"/>
+          </p:spPr>
+          <p:style>
+            <a:lnRef idx="2">
+              <a:schemeClr val="dk1"/>
+            </a:lnRef>
+            <a:fillRef idx="1">
+              <a:schemeClr val="lt1"/>
+            </a:fillRef>
+            <a:effectRef idx="0">
+              <a:schemeClr val="dk1"/>
+            </a:effectRef>
+            <a:fontRef idx="minor">
+              <a:schemeClr val="dk1"/>
+            </a:fontRef>
+          </p:style>
+          <p:txBody>
+            <a:bodyPr rtlCol="0" anchor="ctr"/>
+            <a:lstStyle/>
+            <a:p>
+              <a:pPr algn="ctr"/>
+              <a:r>
+                <a:rPr kumimoji="1" lang="en-US" altLang="ja-JP" sz="1400" b="1" dirty="0">
+                  <a:latin typeface="Hiragino Kaku Gothic ProN W3" panose="020B0300000000000000" pitchFamily="34" charset="-128"/>
+                  <a:ea typeface="Hiragino Kaku Gothic ProN W3" panose="020B0300000000000000" pitchFamily="34" charset="-128"/>
+                  <a:cs typeface="Arial" panose="020B0604020202020204" pitchFamily="34" charset="0"/>
+                </a:rPr>
+                <a:t>Alpha-cell</a:t>
+              </a:r>
+            </a:p>
+          </p:txBody>
+        </p:sp>
+        <p:sp>
+          <p:nvSpPr>
+            <p:cNvPr id="13" name="正方形/長方形 12">
+              <a:extLst>
+                <a:ext uri="{FF2B5EF4-FFF2-40B4-BE49-F238E27FC236}">
+                  <a16:creationId xmlns:a16="http://schemas.microsoft.com/office/drawing/2014/main" id="{CB00687B-2056-7478-3B48-1CF276192695}"/>
+                </a:ext>
+              </a:extLst>
+            </p:cNvPr>
+            <p:cNvSpPr/>
+            <p:nvPr/>
+          </p:nvSpPr>
+          <p:spPr>
+            <a:xfrm>
+              <a:off x="1566837" y="1249756"/>
+              <a:ext cx="1539084" cy="623678"/>
+            </a:xfrm>
+            <a:prstGeom prst="rect">
+              <a:avLst/>
+            </a:prstGeom>
+            <a:ln w="25400"/>
+          </p:spPr>
+          <p:style>
+            <a:lnRef idx="2">
+              <a:schemeClr val="dk1"/>
+            </a:lnRef>
+            <a:fillRef idx="1">
+              <a:schemeClr val="lt1"/>
+            </a:fillRef>
+            <a:effectRef idx="0">
+              <a:schemeClr val="dk1"/>
+            </a:effectRef>
+            <a:fontRef idx="minor">
+              <a:schemeClr val="dk1"/>
+            </a:fontRef>
+          </p:style>
+          <p:txBody>
+            <a:bodyPr rtlCol="0" anchor="ctr"/>
+            <a:lstStyle/>
+            <a:p>
+              <a:pPr algn="ctr"/>
+              <a:r>
+                <a:rPr kumimoji="1" lang="en-US" altLang="ja-JP" sz="1400" b="1" dirty="0">
+                  <a:latin typeface="Hiragino Kaku Gothic ProN W3" panose="020B0300000000000000" pitchFamily="34" charset="-128"/>
+                  <a:ea typeface="Hiragino Kaku Gothic ProN W3" panose="020B0300000000000000" pitchFamily="34" charset="-128"/>
+                  <a:cs typeface="Arial" panose="020B0604020202020204" pitchFamily="34" charset="0"/>
+                </a:rPr>
+                <a:t>Subcutaneous</a:t>
+              </a:r>
+            </a:p>
+            <a:p>
+              <a:pPr algn="ctr"/>
+              <a:r>
+                <a:rPr kumimoji="1" lang="en-US" altLang="ja-JP" sz="1400" b="1" dirty="0">
+                  <a:latin typeface="Hiragino Kaku Gothic ProN W3" panose="020B0300000000000000" pitchFamily="34" charset="-128"/>
+                  <a:ea typeface="Hiragino Kaku Gothic ProN W3" panose="020B0300000000000000" pitchFamily="34" charset="-128"/>
+                  <a:cs typeface="Arial" panose="020B0604020202020204" pitchFamily="34" charset="0"/>
+                </a:rPr>
+                <a:t>Glucagon</a:t>
+              </a:r>
+            </a:p>
+          </p:txBody>
+        </p:sp>
+        <p:cxnSp>
+          <p:nvCxnSpPr>
+            <p:cNvPr id="14" name="直線矢印コネクタ 13">
+              <a:extLst>
+                <a:ext uri="{FF2B5EF4-FFF2-40B4-BE49-F238E27FC236}">
+                  <a16:creationId xmlns:a16="http://schemas.microsoft.com/office/drawing/2014/main" id="{2D2B1A73-F22E-A4B3-32A1-7059CED78201}"/>
+                </a:ext>
+              </a:extLst>
+            </p:cNvPr>
+            <p:cNvCxnSpPr>
+              <a:stCxn id="7" idx="3"/>
+            </p:cNvCxnSpPr>
+            <p:nvPr/>
+          </p:nvCxnSpPr>
+          <p:spPr>
+            <a:xfrm>
+              <a:off x="6343038" y="2407269"/>
+              <a:ext cx="1014029" cy="0"/>
+            </a:xfrm>
+            <a:prstGeom prst="straightConnector1">
+              <a:avLst/>
+            </a:prstGeom>
+            <a:ln>
+              <a:tailEnd type="triangle"/>
+            </a:ln>
+          </p:spPr>
+          <p:style>
+            <a:lnRef idx="2">
+              <a:schemeClr val="dk1"/>
+            </a:lnRef>
+            <a:fillRef idx="0">
+              <a:schemeClr val="dk1"/>
+            </a:fillRef>
+            <a:effectRef idx="1">
+              <a:schemeClr val="dk1"/>
+            </a:effectRef>
+            <a:fontRef idx="minor">
+              <a:schemeClr val="tx1"/>
+            </a:fontRef>
+          </p:style>
+        </p:cxnSp>
+        <p:cxnSp>
+          <p:nvCxnSpPr>
+            <p:cNvPr id="15" name="直線矢印コネクタ 14">
+              <a:extLst>
+                <a:ext uri="{FF2B5EF4-FFF2-40B4-BE49-F238E27FC236}">
+                  <a16:creationId xmlns:a16="http://schemas.microsoft.com/office/drawing/2014/main" id="{7DE5644C-670B-9A7B-127A-23ED2609E27F}"/>
+                </a:ext>
+              </a:extLst>
+            </p:cNvPr>
+            <p:cNvCxnSpPr/>
+            <p:nvPr/>
+          </p:nvCxnSpPr>
+          <p:spPr>
+            <a:xfrm>
+              <a:off x="9012885" y="2496018"/>
+              <a:ext cx="665516" cy="0"/>
+            </a:xfrm>
+            <a:prstGeom prst="straightConnector1">
+              <a:avLst/>
+            </a:prstGeom>
+            <a:ln>
+              <a:tailEnd type="triangle"/>
+            </a:ln>
+          </p:spPr>
+          <p:style>
+            <a:lnRef idx="2">
+              <a:schemeClr val="dk1"/>
+            </a:lnRef>
+            <a:fillRef idx="0">
+              <a:schemeClr val="dk1"/>
+            </a:fillRef>
+            <a:effectRef idx="1">
+              <a:schemeClr val="dk1"/>
+            </a:effectRef>
+            <a:fontRef idx="minor">
+              <a:schemeClr val="tx1"/>
+            </a:fontRef>
+          </p:style>
+        </p:cxnSp>
+        <p:grpSp>
+          <p:nvGrpSpPr>
+            <p:cNvPr id="16" name="グループ化 15">
+              <a:extLst>
+                <a:ext uri="{FF2B5EF4-FFF2-40B4-BE49-F238E27FC236}">
+                  <a16:creationId xmlns:a16="http://schemas.microsoft.com/office/drawing/2014/main" id="{3FCA5496-3DE3-9494-23E4-4B4CBF9CB817}"/>
+                </a:ext>
+              </a:extLst>
+            </p:cNvPr>
+            <p:cNvGrpSpPr/>
+            <p:nvPr/>
+          </p:nvGrpSpPr>
+          <p:grpSpPr>
+            <a:xfrm>
+              <a:off x="7084257" y="1073503"/>
+              <a:ext cx="444654" cy="929827"/>
+              <a:chOff x="5159378" y="1006298"/>
+              <a:chExt cx="444654" cy="929827"/>
+            </a:xfrm>
+          </p:grpSpPr>
+          <p:cxnSp>
+            <p:nvCxnSpPr>
+              <p:cNvPr id="64" name="直線コネクタ 63">
+                <a:extLst>
+                  <a:ext uri="{FF2B5EF4-FFF2-40B4-BE49-F238E27FC236}">
+                    <a16:creationId xmlns:a16="http://schemas.microsoft.com/office/drawing/2014/main" id="{7FF0BD11-3381-7257-B7D3-5E1AD0401CD7}"/>
+                  </a:ext>
+                </a:extLst>
+              </p:cNvPr>
+              <p:cNvCxnSpPr/>
+              <p:nvPr/>
+            </p:nvCxnSpPr>
+            <p:spPr>
+              <a:xfrm>
+                <a:off x="5159378" y="1006298"/>
+                <a:ext cx="444654" cy="0"/>
+              </a:xfrm>
+              <a:prstGeom prst="line">
+                <a:avLst/>
+              </a:prstGeom>
+            </p:spPr>
+            <p:style>
+              <a:lnRef idx="2">
+                <a:schemeClr val="dk1"/>
+              </a:lnRef>
+              <a:fillRef idx="0">
+                <a:schemeClr val="dk1"/>
+              </a:fillRef>
+              <a:effectRef idx="1">
+                <a:schemeClr val="dk1"/>
+              </a:effectRef>
+              <a:fontRef idx="minor">
+                <a:schemeClr val="tx1"/>
+              </a:fontRef>
+            </p:style>
+          </p:cxnSp>
+          <p:cxnSp>
+            <p:nvCxnSpPr>
+              <p:cNvPr id="65" name="直線矢印コネクタ 64">
+                <a:extLst>
+                  <a:ext uri="{FF2B5EF4-FFF2-40B4-BE49-F238E27FC236}">
+                    <a16:creationId xmlns:a16="http://schemas.microsoft.com/office/drawing/2014/main" id="{55D60BD9-AA2B-AD48-757F-A85B77E778A0}"/>
+                  </a:ext>
+                </a:extLst>
+              </p:cNvPr>
+              <p:cNvCxnSpPr/>
+              <p:nvPr/>
+            </p:nvCxnSpPr>
+            <p:spPr>
+              <a:xfrm>
+                <a:off x="5604032" y="1006298"/>
+                <a:ext cx="0" cy="929827"/>
+              </a:xfrm>
+              <a:prstGeom prst="straightConnector1">
+                <a:avLst/>
+              </a:prstGeom>
+              <a:ln>
+                <a:tailEnd type="triangle"/>
+              </a:ln>
+            </p:spPr>
+            <p:style>
+              <a:lnRef idx="2">
+                <a:schemeClr val="dk1"/>
+              </a:lnRef>
+              <a:fillRef idx="0">
+                <a:schemeClr val="dk1"/>
+              </a:fillRef>
+              <a:effectRef idx="1">
+                <a:schemeClr val="dk1"/>
+              </a:effectRef>
+              <a:fontRef idx="minor">
+                <a:schemeClr val="tx1"/>
+              </a:fontRef>
+            </p:style>
+          </p:cxnSp>
+        </p:grpSp>
+        <p:grpSp>
+          <p:nvGrpSpPr>
+            <p:cNvPr id="17" name="グループ化 16">
+              <a:extLst>
+                <a:ext uri="{FF2B5EF4-FFF2-40B4-BE49-F238E27FC236}">
+                  <a16:creationId xmlns:a16="http://schemas.microsoft.com/office/drawing/2014/main" id="{86900CD0-B6E8-DA8E-AD5F-CD0296940B7B}"/>
+                </a:ext>
+              </a:extLst>
+            </p:cNvPr>
+            <p:cNvGrpSpPr/>
+            <p:nvPr/>
+          </p:nvGrpSpPr>
+          <p:grpSpPr>
+            <a:xfrm>
+              <a:off x="7874085" y="614961"/>
+              <a:ext cx="504072" cy="1388369"/>
+              <a:chOff x="5954812" y="547756"/>
+              <a:chExt cx="504072" cy="1388369"/>
+            </a:xfrm>
+          </p:grpSpPr>
+          <p:cxnSp>
+            <p:nvCxnSpPr>
+              <p:cNvPr id="62" name="直線コネクタ 61">
+                <a:extLst>
+                  <a:ext uri="{FF2B5EF4-FFF2-40B4-BE49-F238E27FC236}">
+                    <a16:creationId xmlns:a16="http://schemas.microsoft.com/office/drawing/2014/main" id="{D077EC3D-193D-0A89-6636-7BB2E9469B6B}"/>
+                  </a:ext>
+                </a:extLst>
+              </p:cNvPr>
+              <p:cNvCxnSpPr/>
+              <p:nvPr/>
+            </p:nvCxnSpPr>
+            <p:spPr>
+              <a:xfrm flipV="1">
+                <a:off x="5954812" y="547756"/>
+                <a:ext cx="0" cy="1388369"/>
+              </a:xfrm>
+              <a:prstGeom prst="line">
+                <a:avLst/>
+              </a:prstGeom>
+            </p:spPr>
+            <p:style>
+              <a:lnRef idx="2">
+                <a:schemeClr val="dk1"/>
+              </a:lnRef>
+              <a:fillRef idx="0">
+                <a:schemeClr val="dk1"/>
+              </a:fillRef>
+              <a:effectRef idx="1">
+                <a:schemeClr val="dk1"/>
+              </a:effectRef>
+              <a:fontRef idx="minor">
+                <a:schemeClr val="tx1"/>
+              </a:fontRef>
+            </p:style>
+          </p:cxnSp>
+          <p:cxnSp>
+            <p:nvCxnSpPr>
+              <p:cNvPr id="63" name="直線矢印コネクタ 62">
+                <a:extLst>
+                  <a:ext uri="{FF2B5EF4-FFF2-40B4-BE49-F238E27FC236}">
+                    <a16:creationId xmlns:a16="http://schemas.microsoft.com/office/drawing/2014/main" id="{63EC8201-FB90-BDC9-8E73-1841DC4542FB}"/>
+                  </a:ext>
+                </a:extLst>
+              </p:cNvPr>
+              <p:cNvCxnSpPr>
+                <a:cxnSpLocks/>
+              </p:cNvCxnSpPr>
+              <p:nvPr/>
+            </p:nvCxnSpPr>
+            <p:spPr>
+              <a:xfrm>
+                <a:off x="5954812" y="547756"/>
+                <a:ext cx="504072" cy="0"/>
+              </a:xfrm>
+              <a:prstGeom prst="straightConnector1">
+                <a:avLst/>
+              </a:prstGeom>
+              <a:ln>
+                <a:tailEnd type="triangle"/>
+              </a:ln>
+            </p:spPr>
+            <p:style>
+              <a:lnRef idx="2">
+                <a:schemeClr val="dk1"/>
+              </a:lnRef>
+              <a:fillRef idx="0">
+                <a:schemeClr val="dk1"/>
+              </a:fillRef>
+              <a:effectRef idx="1">
+                <a:schemeClr val="dk1"/>
+              </a:effectRef>
+              <a:fontRef idx="minor">
+                <a:schemeClr val="tx1"/>
+              </a:fontRef>
+            </p:style>
+          </p:cxnSp>
+        </p:grpSp>
+        <p:cxnSp>
+          <p:nvCxnSpPr>
+            <p:cNvPr id="18" name="直線矢印コネクタ 17">
+              <a:extLst>
+                <a:ext uri="{FF2B5EF4-FFF2-40B4-BE49-F238E27FC236}">
+                  <a16:creationId xmlns:a16="http://schemas.microsoft.com/office/drawing/2014/main" id="{9EBA550A-D177-5D54-CC2A-FED3282463B1}"/>
+                </a:ext>
+              </a:extLst>
+            </p:cNvPr>
+            <p:cNvCxnSpPr/>
+            <p:nvPr/>
+          </p:nvCxnSpPr>
+          <p:spPr>
+            <a:xfrm flipV="1">
+              <a:off x="8462664" y="1476700"/>
+              <a:ext cx="0" cy="526630"/>
+            </a:xfrm>
+            <a:prstGeom prst="straightConnector1">
+              <a:avLst/>
+            </a:prstGeom>
+            <a:ln>
+              <a:tailEnd type="triangle"/>
+            </a:ln>
+          </p:spPr>
+          <p:style>
+            <a:lnRef idx="2">
+              <a:schemeClr val="dk1"/>
+            </a:lnRef>
+            <a:fillRef idx="0">
+              <a:schemeClr val="dk1"/>
+            </a:fillRef>
+            <a:effectRef idx="1">
+              <a:schemeClr val="dk1"/>
+            </a:effectRef>
+            <a:fontRef idx="minor">
+              <a:schemeClr val="tx1"/>
+            </a:fontRef>
+          </p:style>
+        </p:cxnSp>
+        <p:cxnSp>
+          <p:nvCxnSpPr>
+            <p:cNvPr id="19" name="直線矢印コネクタ 18">
+              <a:extLst>
+                <a:ext uri="{FF2B5EF4-FFF2-40B4-BE49-F238E27FC236}">
+                  <a16:creationId xmlns:a16="http://schemas.microsoft.com/office/drawing/2014/main" id="{F2F1AB71-4BB0-8501-F0E1-37A214628378}"/>
+                </a:ext>
+              </a:extLst>
+            </p:cNvPr>
+            <p:cNvCxnSpPr>
+              <a:cxnSpLocks/>
+              <a:endCxn id="9" idx="2"/>
+            </p:cNvCxnSpPr>
+            <p:nvPr/>
+          </p:nvCxnSpPr>
+          <p:spPr>
+            <a:xfrm flipV="1">
+              <a:off x="8912877" y="1476700"/>
+              <a:ext cx="1" cy="526630"/>
+            </a:xfrm>
+            <a:prstGeom prst="straightConnector1">
+              <a:avLst/>
+            </a:prstGeom>
+            <a:ln>
+              <a:prstDash val="dash"/>
+              <a:tailEnd type="triangle"/>
+            </a:ln>
+          </p:spPr>
+          <p:style>
+            <a:lnRef idx="2">
+              <a:schemeClr val="dk1"/>
+            </a:lnRef>
+            <a:fillRef idx="0">
+              <a:schemeClr val="dk1"/>
+            </a:fillRef>
+            <a:effectRef idx="1">
+              <a:schemeClr val="dk1"/>
+            </a:effectRef>
+            <a:fontRef idx="minor">
+              <a:schemeClr val="tx1"/>
+            </a:fontRef>
+          </p:style>
+        </p:cxnSp>
+        <p:cxnSp>
+          <p:nvCxnSpPr>
+            <p:cNvPr id="20" name="直線矢印コネクタ 19">
+              <a:extLst>
+                <a:ext uri="{FF2B5EF4-FFF2-40B4-BE49-F238E27FC236}">
+                  <a16:creationId xmlns:a16="http://schemas.microsoft.com/office/drawing/2014/main" id="{09DFBED2-44A9-24B1-ED65-2B0DFC14C325}"/>
+                </a:ext>
+              </a:extLst>
+            </p:cNvPr>
+            <p:cNvCxnSpPr/>
+            <p:nvPr/>
+          </p:nvCxnSpPr>
+          <p:spPr>
+            <a:xfrm>
+              <a:off x="9012885" y="2280556"/>
+              <a:ext cx="665516" cy="0"/>
+            </a:xfrm>
+            <a:prstGeom prst="straightConnector1">
+              <a:avLst/>
+            </a:prstGeom>
+            <a:ln>
+              <a:prstDash val="dash"/>
+              <a:tailEnd type="triangle"/>
+            </a:ln>
+          </p:spPr>
+          <p:style>
+            <a:lnRef idx="2">
+              <a:schemeClr val="dk1"/>
+            </a:lnRef>
+            <a:fillRef idx="0">
+              <a:schemeClr val="dk1"/>
+            </a:fillRef>
+            <a:effectRef idx="1">
+              <a:schemeClr val="dk1"/>
+            </a:effectRef>
+            <a:fontRef idx="minor">
+              <a:schemeClr val="tx1"/>
+            </a:fontRef>
+          </p:style>
+        </p:cxnSp>
+        <p:cxnSp>
+          <p:nvCxnSpPr>
+            <p:cNvPr id="21" name="直線矢印コネクタ 20">
+              <a:extLst>
+                <a:ext uri="{FF2B5EF4-FFF2-40B4-BE49-F238E27FC236}">
+                  <a16:creationId xmlns:a16="http://schemas.microsoft.com/office/drawing/2014/main" id="{EB099682-0B7D-BE20-B797-EF62A94C6A64}"/>
+                </a:ext>
+              </a:extLst>
+            </p:cNvPr>
+            <p:cNvCxnSpPr>
+              <a:stCxn id="3" idx="3"/>
+              <a:endCxn id="4" idx="1"/>
+            </p:cNvCxnSpPr>
+            <p:nvPr/>
+          </p:nvCxnSpPr>
+          <p:spPr>
+            <a:xfrm>
+              <a:off x="6610288" y="3942750"/>
+              <a:ext cx="746779" cy="0"/>
+            </a:xfrm>
+            <a:prstGeom prst="straightConnector1">
+              <a:avLst/>
+            </a:prstGeom>
+            <a:ln>
+              <a:tailEnd type="triangle"/>
+            </a:ln>
+          </p:spPr>
+          <p:style>
+            <a:lnRef idx="2">
+              <a:schemeClr val="dk1"/>
+            </a:lnRef>
+            <a:fillRef idx="0">
+              <a:schemeClr val="dk1"/>
+            </a:fillRef>
+            <a:effectRef idx="1">
+              <a:schemeClr val="dk1"/>
+            </a:effectRef>
+            <a:fontRef idx="minor">
+              <a:schemeClr val="tx1"/>
+            </a:fontRef>
+          </p:style>
+        </p:cxnSp>
+        <p:cxnSp>
+          <p:nvCxnSpPr>
+            <p:cNvPr id="22" name="直線矢印コネクタ 21">
+              <a:extLst>
+                <a:ext uri="{FF2B5EF4-FFF2-40B4-BE49-F238E27FC236}">
+                  <a16:creationId xmlns:a16="http://schemas.microsoft.com/office/drawing/2014/main" id="{E4DC5BD9-C081-0D51-426D-4AFED2C534BA}"/>
+                </a:ext>
+              </a:extLst>
+            </p:cNvPr>
+            <p:cNvCxnSpPr/>
+            <p:nvPr/>
+          </p:nvCxnSpPr>
+          <p:spPr>
+            <a:xfrm flipV="1">
+              <a:off x="9012885" y="3942750"/>
+              <a:ext cx="1194496" cy="10129"/>
+            </a:xfrm>
+            <a:prstGeom prst="straightConnector1">
+              <a:avLst/>
+            </a:prstGeom>
+            <a:ln>
+              <a:tailEnd type="triangle"/>
+            </a:ln>
+          </p:spPr>
+          <p:style>
+            <a:lnRef idx="2">
+              <a:schemeClr val="dk1"/>
+            </a:lnRef>
+            <a:fillRef idx="0">
+              <a:schemeClr val="dk1"/>
+            </a:fillRef>
+            <a:effectRef idx="1">
+              <a:schemeClr val="dk1"/>
+            </a:effectRef>
+            <a:fontRef idx="minor">
+              <a:schemeClr val="tx1"/>
+            </a:fontRef>
+          </p:style>
+        </p:cxnSp>
+        <p:cxnSp>
+          <p:nvCxnSpPr>
+            <p:cNvPr id="23" name="直線コネクタ 22">
+              <a:extLst>
+                <a:ext uri="{FF2B5EF4-FFF2-40B4-BE49-F238E27FC236}">
+                  <a16:creationId xmlns:a16="http://schemas.microsoft.com/office/drawing/2014/main" id="{5DA950BF-68CC-978B-0656-8B0B63D96DAA}"/>
+                </a:ext>
+              </a:extLst>
+            </p:cNvPr>
+            <p:cNvCxnSpPr>
+              <a:stCxn id="4" idx="0"/>
+            </p:cNvCxnSpPr>
+            <p:nvPr/>
+          </p:nvCxnSpPr>
+          <p:spPr>
+            <a:xfrm flipV="1">
+              <a:off x="8184976" y="3359045"/>
+              <a:ext cx="0" cy="200350"/>
+            </a:xfrm>
+            <a:prstGeom prst="line">
+              <a:avLst/>
+            </a:prstGeom>
+            <a:ln>
+              <a:prstDash val="dash"/>
+            </a:ln>
+          </p:spPr>
+          <p:style>
+            <a:lnRef idx="2">
+              <a:schemeClr val="dk1"/>
+            </a:lnRef>
+            <a:fillRef idx="0">
+              <a:schemeClr val="dk1"/>
+            </a:fillRef>
+            <a:effectRef idx="1">
+              <a:schemeClr val="dk1"/>
+            </a:effectRef>
+            <a:fontRef idx="minor">
+              <a:schemeClr val="tx1"/>
+            </a:fontRef>
+          </p:style>
+        </p:cxnSp>
+        <p:cxnSp>
+          <p:nvCxnSpPr>
+            <p:cNvPr id="24" name="カギ線コネクタ 51">
+              <a:extLst>
+                <a:ext uri="{FF2B5EF4-FFF2-40B4-BE49-F238E27FC236}">
+                  <a16:creationId xmlns:a16="http://schemas.microsoft.com/office/drawing/2014/main" id="{24DBD345-9828-79C5-EC4C-970C93812731}"/>
+                </a:ext>
+              </a:extLst>
+            </p:cNvPr>
+            <p:cNvCxnSpPr>
+              <a:stCxn id="26" idx="2"/>
+              <a:endCxn id="7" idx="2"/>
+            </p:cNvCxnSpPr>
+            <p:nvPr/>
+          </p:nvCxnSpPr>
+          <p:spPr>
+            <a:xfrm rot="10800000">
+              <a:off x="5687224" y="2790624"/>
+              <a:ext cx="2461753" cy="550354"/>
+            </a:xfrm>
+            <a:prstGeom prst="bentConnector2">
+              <a:avLst/>
+            </a:prstGeom>
+            <a:ln>
+              <a:prstDash val="dash"/>
+              <a:tailEnd type="triangle"/>
+            </a:ln>
+          </p:spPr>
+          <p:style>
+            <a:lnRef idx="2">
+              <a:schemeClr val="dk1"/>
+            </a:lnRef>
+            <a:fillRef idx="0">
+              <a:schemeClr val="dk1"/>
+            </a:fillRef>
+            <a:effectRef idx="1">
+              <a:schemeClr val="dk1"/>
+            </a:effectRef>
+            <a:fontRef idx="minor">
+              <a:schemeClr val="tx1"/>
+            </a:fontRef>
+          </p:style>
+        </p:cxnSp>
+        <p:cxnSp>
+          <p:nvCxnSpPr>
+            <p:cNvPr id="25" name="カギ線コネクタ 53">
+              <a:extLst>
+                <a:ext uri="{FF2B5EF4-FFF2-40B4-BE49-F238E27FC236}">
+                  <a16:creationId xmlns:a16="http://schemas.microsoft.com/office/drawing/2014/main" id="{A79268C1-97F7-4FE4-7A3B-77438D6C3E6E}"/>
+                </a:ext>
+              </a:extLst>
+            </p:cNvPr>
+            <p:cNvCxnSpPr>
+              <a:stCxn id="26" idx="6"/>
+              <a:endCxn id="6" idx="2"/>
+            </p:cNvCxnSpPr>
+            <p:nvPr/>
+          </p:nvCxnSpPr>
+          <p:spPr>
+            <a:xfrm flipV="1">
+              <a:off x="8220976" y="2822592"/>
+              <a:ext cx="2285334" cy="504000"/>
+            </a:xfrm>
+            <a:prstGeom prst="bentConnector2">
+              <a:avLst/>
+            </a:prstGeom>
+            <a:ln>
+              <a:prstDash val="dash"/>
+              <a:tailEnd type="triangle"/>
+            </a:ln>
+          </p:spPr>
+          <p:style>
+            <a:lnRef idx="2">
+              <a:schemeClr val="dk1"/>
+            </a:lnRef>
+            <a:fillRef idx="0">
+              <a:schemeClr val="dk1"/>
+            </a:fillRef>
+            <a:effectRef idx="1">
+              <a:schemeClr val="dk1"/>
+            </a:effectRef>
+            <a:fontRef idx="minor">
+              <a:schemeClr val="tx1"/>
+            </a:fontRef>
+          </p:style>
+        </p:cxnSp>
+        <p:sp>
+          <p:nvSpPr>
+            <p:cNvPr id="26" name="円/楕円 54">
+              <a:extLst>
+                <a:ext uri="{FF2B5EF4-FFF2-40B4-BE49-F238E27FC236}">
+                  <a16:creationId xmlns:a16="http://schemas.microsoft.com/office/drawing/2014/main" id="{190AFD85-5AFD-A542-F15C-69AEC8CA4D88}"/>
+                </a:ext>
+              </a:extLst>
+            </p:cNvPr>
+            <p:cNvSpPr/>
+            <p:nvPr/>
+          </p:nvSpPr>
+          <p:spPr>
+            <a:xfrm>
+              <a:off x="8148976" y="3304978"/>
+              <a:ext cx="72000" cy="72000"/>
+            </a:xfrm>
+            <a:prstGeom prst="ellipse">
+              <a:avLst/>
+            </a:prstGeom>
+          </p:spPr>
+          <p:style>
+            <a:lnRef idx="2">
+              <a:schemeClr val="dk1">
+                <a:shade val="15000"/>
+              </a:schemeClr>
+            </a:lnRef>
+            <a:fillRef idx="1">
+              <a:schemeClr val="dk1"/>
+            </a:fillRef>
+            <a:effectRef idx="0">
+              <a:schemeClr val="dk1"/>
+            </a:effectRef>
+            <a:fontRef idx="minor">
+              <a:schemeClr val="lt1"/>
+            </a:fontRef>
+          </p:style>
+          <p:txBody>
+            <a:bodyPr rtlCol="0" anchor="ctr"/>
+            <a:lstStyle/>
+            <a:p>
+              <a:pPr algn="ctr"/>
+              <a:endParaRPr kumimoji="1" lang="ja-JP" altLang="en-US"/>
+            </a:p>
+          </p:txBody>
+        </p:sp>
+        <p:sp>
+          <p:nvSpPr>
+            <p:cNvPr id="27" name="円/楕円 71">
+              <a:extLst>
+                <a:ext uri="{FF2B5EF4-FFF2-40B4-BE49-F238E27FC236}">
+                  <a16:creationId xmlns:a16="http://schemas.microsoft.com/office/drawing/2014/main" id="{C809990B-EE65-F8C3-CD9B-8FF9DB685DEA}"/>
+                </a:ext>
+              </a:extLst>
+            </p:cNvPr>
+            <p:cNvSpPr/>
+            <p:nvPr/>
+          </p:nvSpPr>
+          <p:spPr>
+            <a:xfrm>
+              <a:off x="8148976" y="2995945"/>
+              <a:ext cx="72000" cy="72000"/>
+            </a:xfrm>
+            <a:prstGeom prst="ellipse">
+              <a:avLst/>
+            </a:prstGeom>
+          </p:spPr>
+          <p:style>
+            <a:lnRef idx="2">
+              <a:schemeClr val="dk1">
+                <a:shade val="15000"/>
+              </a:schemeClr>
+            </a:lnRef>
+            <a:fillRef idx="1">
+              <a:schemeClr val="dk1"/>
+            </a:fillRef>
+            <a:effectRef idx="0">
+              <a:schemeClr val="dk1"/>
+            </a:effectRef>
+            <a:fontRef idx="minor">
+              <a:schemeClr val="lt1"/>
+            </a:fontRef>
+          </p:style>
+          <p:txBody>
+            <a:bodyPr rtlCol="0" anchor="ctr"/>
+            <a:lstStyle/>
+            <a:p>
+              <a:pPr algn="ctr"/>
+              <a:endParaRPr kumimoji="1" lang="ja-JP" altLang="en-US"/>
+            </a:p>
+          </p:txBody>
+        </p:sp>
+        <p:cxnSp>
+          <p:nvCxnSpPr>
+            <p:cNvPr id="28" name="直線コネクタ 27">
+              <a:extLst>
+                <a:ext uri="{FF2B5EF4-FFF2-40B4-BE49-F238E27FC236}">
+                  <a16:creationId xmlns:a16="http://schemas.microsoft.com/office/drawing/2014/main" id="{C84DDBAF-7F3B-6C9A-0948-40330ECD0C2F}"/>
+                </a:ext>
+              </a:extLst>
+            </p:cNvPr>
+            <p:cNvCxnSpPr>
+              <a:cxnSpLocks/>
+            </p:cNvCxnSpPr>
+            <p:nvPr/>
+          </p:nvCxnSpPr>
+          <p:spPr>
+            <a:xfrm flipV="1">
+              <a:off x="8184976" y="2802195"/>
+              <a:ext cx="0" cy="200350"/>
+            </a:xfrm>
+            <a:prstGeom prst="line">
+              <a:avLst/>
+            </a:prstGeom>
+            <a:ln>
+              <a:prstDash val="dash"/>
+            </a:ln>
+          </p:spPr>
+          <p:style>
+            <a:lnRef idx="2">
+              <a:schemeClr val="dk1"/>
+            </a:lnRef>
+            <a:fillRef idx="0">
+              <a:schemeClr val="dk1"/>
+            </a:fillRef>
+            <a:effectRef idx="1">
+              <a:schemeClr val="dk1"/>
+            </a:effectRef>
+            <a:fontRef idx="minor">
+              <a:schemeClr val="tx1"/>
+            </a:fontRef>
+          </p:style>
+        </p:cxnSp>
+        <p:cxnSp>
+          <p:nvCxnSpPr>
+            <p:cNvPr id="29" name="直線コネクタ 28">
+              <a:extLst>
+                <a:ext uri="{FF2B5EF4-FFF2-40B4-BE49-F238E27FC236}">
+                  <a16:creationId xmlns:a16="http://schemas.microsoft.com/office/drawing/2014/main" id="{99475FA5-3A60-4581-C1EB-2B0C3C5663B4}"/>
+                </a:ext>
+              </a:extLst>
+            </p:cNvPr>
+            <p:cNvCxnSpPr>
+              <a:cxnSpLocks/>
+            </p:cNvCxnSpPr>
+            <p:nvPr/>
+          </p:nvCxnSpPr>
+          <p:spPr>
+            <a:xfrm>
+              <a:off x="8220977" y="3035727"/>
+              <a:ext cx="1888418" cy="0"/>
+            </a:xfrm>
+            <a:prstGeom prst="line">
+              <a:avLst/>
+            </a:prstGeom>
+            <a:ln>
+              <a:prstDash val="dash"/>
+            </a:ln>
+          </p:spPr>
+          <p:style>
+            <a:lnRef idx="2">
+              <a:schemeClr val="dk1"/>
+            </a:lnRef>
+            <a:fillRef idx="0">
+              <a:schemeClr val="dk1"/>
+            </a:fillRef>
+            <a:effectRef idx="1">
+              <a:schemeClr val="dk1"/>
+            </a:effectRef>
+            <a:fontRef idx="minor">
+              <a:schemeClr val="tx1"/>
+            </a:fontRef>
+          </p:style>
+        </p:cxnSp>
+        <p:cxnSp>
+          <p:nvCxnSpPr>
+            <p:cNvPr id="30" name="直線矢印コネクタ 29">
+              <a:extLst>
+                <a:ext uri="{FF2B5EF4-FFF2-40B4-BE49-F238E27FC236}">
+                  <a16:creationId xmlns:a16="http://schemas.microsoft.com/office/drawing/2014/main" id="{82E724D6-4852-466E-221B-7D36D305BCF5}"/>
+                </a:ext>
+              </a:extLst>
+            </p:cNvPr>
+            <p:cNvCxnSpPr>
+              <a:cxnSpLocks/>
+            </p:cNvCxnSpPr>
+            <p:nvPr/>
+          </p:nvCxnSpPr>
+          <p:spPr>
+            <a:xfrm flipH="1" flipV="1">
+              <a:off x="10097810" y="2819015"/>
+              <a:ext cx="11585" cy="216712"/>
+            </a:xfrm>
+            <a:prstGeom prst="straightConnector1">
+              <a:avLst/>
+            </a:prstGeom>
+            <a:ln>
+              <a:prstDash val="dash"/>
+              <a:tailEnd type="triangle"/>
+            </a:ln>
+          </p:spPr>
+          <p:style>
+            <a:lnRef idx="2">
+              <a:schemeClr val="dk1"/>
+            </a:lnRef>
+            <a:fillRef idx="0">
+              <a:schemeClr val="dk1"/>
+            </a:fillRef>
+            <a:effectRef idx="1">
+              <a:schemeClr val="dk1"/>
+            </a:effectRef>
+            <a:fontRef idx="minor">
+              <a:schemeClr val="tx1"/>
+            </a:fontRef>
+          </p:style>
+        </p:cxnSp>
+        <p:cxnSp>
+          <p:nvCxnSpPr>
+            <p:cNvPr id="31" name="直線コネクタ 30">
+              <a:extLst>
+                <a:ext uri="{FF2B5EF4-FFF2-40B4-BE49-F238E27FC236}">
+                  <a16:creationId xmlns:a16="http://schemas.microsoft.com/office/drawing/2014/main" id="{83D13FF6-2495-3BB9-950F-F41CA2C94747}"/>
+                </a:ext>
+              </a:extLst>
+            </p:cNvPr>
+            <p:cNvCxnSpPr>
+              <a:cxnSpLocks/>
+            </p:cNvCxnSpPr>
+            <p:nvPr/>
+          </p:nvCxnSpPr>
+          <p:spPr>
+            <a:xfrm flipV="1">
+              <a:off x="1772900" y="3039419"/>
+              <a:ext cx="6412076" cy="0"/>
+            </a:xfrm>
+            <a:prstGeom prst="line">
+              <a:avLst/>
+            </a:prstGeom>
+            <a:ln>
+              <a:prstDash val="dash"/>
+            </a:ln>
+          </p:spPr>
+          <p:style>
+            <a:lnRef idx="2">
+              <a:schemeClr val="dk1"/>
+            </a:lnRef>
+            <a:fillRef idx="0">
+              <a:schemeClr val="dk1"/>
+            </a:fillRef>
+            <a:effectRef idx="1">
+              <a:schemeClr val="dk1"/>
+            </a:effectRef>
+            <a:fontRef idx="minor">
+              <a:schemeClr val="tx1"/>
+            </a:fontRef>
+          </p:style>
+        </p:cxnSp>
+        <p:cxnSp>
+          <p:nvCxnSpPr>
+            <p:cNvPr id="33" name="直線矢印コネクタ 32">
+              <a:extLst>
+                <a:ext uri="{FF2B5EF4-FFF2-40B4-BE49-F238E27FC236}">
+                  <a16:creationId xmlns:a16="http://schemas.microsoft.com/office/drawing/2014/main" id="{3C967AD9-74FD-700C-AD09-CBE068C1CBA6}"/>
+                </a:ext>
+              </a:extLst>
+            </p:cNvPr>
+            <p:cNvCxnSpPr>
+              <a:cxnSpLocks/>
+            </p:cNvCxnSpPr>
+            <p:nvPr/>
+          </p:nvCxnSpPr>
+          <p:spPr>
+            <a:xfrm flipV="1">
+              <a:off x="1772900" y="2790623"/>
+              <a:ext cx="0" cy="258438"/>
+            </a:xfrm>
+            <a:prstGeom prst="straightConnector1">
+              <a:avLst/>
+            </a:prstGeom>
+            <a:ln>
+              <a:prstDash val="dash"/>
+              <a:tailEnd type="triangle"/>
+            </a:ln>
+          </p:spPr>
+          <p:style>
+            <a:lnRef idx="2">
+              <a:schemeClr val="dk1"/>
+            </a:lnRef>
+            <a:fillRef idx="0">
+              <a:schemeClr val="dk1"/>
+            </a:fillRef>
+            <a:effectRef idx="1">
+              <a:schemeClr val="dk1"/>
+            </a:effectRef>
+            <a:fontRef idx="minor">
+              <a:schemeClr val="tx1"/>
+            </a:fontRef>
+          </p:style>
+        </p:cxnSp>
+        <p:cxnSp>
+          <p:nvCxnSpPr>
+            <p:cNvPr id="34" name="直線矢印コネクタ 33">
+              <a:extLst>
+                <a:ext uri="{FF2B5EF4-FFF2-40B4-BE49-F238E27FC236}">
+                  <a16:creationId xmlns:a16="http://schemas.microsoft.com/office/drawing/2014/main" id="{025D7535-1239-70D7-F046-66A637D251DC}"/>
+                </a:ext>
+              </a:extLst>
+            </p:cNvPr>
+            <p:cNvCxnSpPr>
+              <a:cxnSpLocks/>
+            </p:cNvCxnSpPr>
+            <p:nvPr/>
+          </p:nvCxnSpPr>
+          <p:spPr>
+            <a:xfrm flipV="1">
+              <a:off x="5283562" y="2790623"/>
+              <a:ext cx="0" cy="244677"/>
+            </a:xfrm>
+            <a:prstGeom prst="straightConnector1">
+              <a:avLst/>
+            </a:prstGeom>
+            <a:ln>
+              <a:prstDash val="dash"/>
+              <a:tailEnd type="triangle"/>
+            </a:ln>
+          </p:spPr>
+          <p:style>
+            <a:lnRef idx="2">
+              <a:schemeClr val="dk1"/>
+            </a:lnRef>
+            <a:fillRef idx="0">
+              <a:schemeClr val="dk1"/>
+            </a:fillRef>
+            <a:effectRef idx="1">
+              <a:schemeClr val="dk1"/>
+            </a:effectRef>
+            <a:fontRef idx="minor">
+              <a:schemeClr val="tx1"/>
+            </a:fontRef>
+          </p:style>
+        </p:cxnSp>
+        <p:sp>
+          <p:nvSpPr>
+            <p:cNvPr id="35" name="円/楕円 94">
+              <a:extLst>
+                <a:ext uri="{FF2B5EF4-FFF2-40B4-BE49-F238E27FC236}">
+                  <a16:creationId xmlns:a16="http://schemas.microsoft.com/office/drawing/2014/main" id="{3F1A1F53-D0AA-DC29-356D-52CCFF3561C0}"/>
+                </a:ext>
+              </a:extLst>
+            </p:cNvPr>
+            <p:cNvSpPr/>
+            <p:nvPr/>
+          </p:nvSpPr>
+          <p:spPr>
+            <a:xfrm>
+              <a:off x="5247562" y="3013061"/>
+              <a:ext cx="72000" cy="72000"/>
+            </a:xfrm>
+            <a:prstGeom prst="ellipse">
+              <a:avLst/>
+            </a:prstGeom>
+          </p:spPr>
+          <p:style>
+            <a:lnRef idx="2">
+              <a:schemeClr val="dk1">
+                <a:shade val="15000"/>
+              </a:schemeClr>
+            </a:lnRef>
+            <a:fillRef idx="1">
+              <a:schemeClr val="dk1"/>
+            </a:fillRef>
+            <a:effectRef idx="0">
+              <a:schemeClr val="dk1"/>
+            </a:effectRef>
+            <a:fontRef idx="minor">
+              <a:schemeClr val="lt1"/>
+            </a:fontRef>
+          </p:style>
+          <p:txBody>
+            <a:bodyPr rtlCol="0" anchor="ctr"/>
+            <a:lstStyle/>
+            <a:p>
+              <a:pPr algn="ctr"/>
+              <a:endParaRPr kumimoji="1" lang="ja-JP" altLang="en-US"/>
+            </a:p>
+          </p:txBody>
+        </p:sp>
+        <p:cxnSp>
+          <p:nvCxnSpPr>
+            <p:cNvPr id="36" name="直線矢印コネクタ 35">
+              <a:extLst>
+                <a:ext uri="{FF2B5EF4-FFF2-40B4-BE49-F238E27FC236}">
+                  <a16:creationId xmlns:a16="http://schemas.microsoft.com/office/drawing/2014/main" id="{12F639B0-DB44-C3BF-081A-E4998616835A}"/>
+                </a:ext>
+              </a:extLst>
+            </p:cNvPr>
+            <p:cNvCxnSpPr>
+              <a:cxnSpLocks/>
+              <a:stCxn id="12" idx="3"/>
+              <a:endCxn id="11" idx="1"/>
+            </p:cNvCxnSpPr>
+            <p:nvPr/>
+          </p:nvCxnSpPr>
+          <p:spPr>
+            <a:xfrm flipV="1">
+              <a:off x="2219646" y="2412798"/>
+              <a:ext cx="777935" cy="0"/>
+            </a:xfrm>
+            <a:prstGeom prst="straightConnector1">
+              <a:avLst/>
+            </a:prstGeom>
+            <a:ln>
+              <a:tailEnd type="triangle"/>
+            </a:ln>
+          </p:spPr>
+          <p:style>
+            <a:lnRef idx="2">
+              <a:schemeClr val="dk1"/>
+            </a:lnRef>
+            <a:fillRef idx="0">
+              <a:schemeClr val="dk1"/>
+            </a:fillRef>
+            <a:effectRef idx="1">
+              <a:schemeClr val="dk1"/>
+            </a:effectRef>
+            <a:fontRef idx="minor">
+              <a:schemeClr val="tx1"/>
+            </a:fontRef>
+          </p:style>
+        </p:cxnSp>
+        <p:cxnSp>
+          <p:nvCxnSpPr>
+            <p:cNvPr id="38" name="直線コネクタ 37">
+              <a:extLst>
+                <a:ext uri="{FF2B5EF4-FFF2-40B4-BE49-F238E27FC236}">
+                  <a16:creationId xmlns:a16="http://schemas.microsoft.com/office/drawing/2014/main" id="{B5060BC2-4F46-02E6-A158-E7600B5A461B}"/>
+                </a:ext>
+              </a:extLst>
+            </p:cNvPr>
+            <p:cNvCxnSpPr>
+              <a:cxnSpLocks/>
+            </p:cNvCxnSpPr>
+            <p:nvPr/>
+          </p:nvCxnSpPr>
+          <p:spPr>
+            <a:xfrm>
+              <a:off x="3105921" y="1561595"/>
+              <a:ext cx="721490" cy="0"/>
+            </a:xfrm>
+            <a:prstGeom prst="line">
+              <a:avLst/>
+            </a:prstGeom>
+          </p:spPr>
+          <p:style>
+            <a:lnRef idx="2">
+              <a:schemeClr val="dk1"/>
+            </a:lnRef>
+            <a:fillRef idx="0">
+              <a:schemeClr val="dk1"/>
+            </a:fillRef>
+            <a:effectRef idx="1">
+              <a:schemeClr val="dk1"/>
+            </a:effectRef>
+            <a:fontRef idx="minor">
+              <a:schemeClr val="tx1"/>
+            </a:fontRef>
+          </p:style>
+        </p:cxnSp>
+        <p:cxnSp>
+          <p:nvCxnSpPr>
+            <p:cNvPr id="39" name="直線矢印コネクタ 38">
+              <a:extLst>
+                <a:ext uri="{FF2B5EF4-FFF2-40B4-BE49-F238E27FC236}">
+                  <a16:creationId xmlns:a16="http://schemas.microsoft.com/office/drawing/2014/main" id="{C01852AD-0A0A-3767-42AE-1677B0C99E3E}"/>
+                </a:ext>
+              </a:extLst>
+            </p:cNvPr>
+            <p:cNvCxnSpPr>
+              <a:cxnSpLocks/>
+              <a:endCxn id="11" idx="0"/>
+            </p:cNvCxnSpPr>
+            <p:nvPr/>
+          </p:nvCxnSpPr>
+          <p:spPr>
+            <a:xfrm>
+              <a:off x="3825491" y="1558602"/>
+              <a:ext cx="0" cy="470841"/>
+            </a:xfrm>
+            <a:prstGeom prst="straightConnector1">
+              <a:avLst/>
+            </a:prstGeom>
+            <a:ln>
+              <a:tailEnd type="triangle"/>
+            </a:ln>
+          </p:spPr>
+          <p:style>
+            <a:lnRef idx="2">
+              <a:schemeClr val="dk1"/>
+            </a:lnRef>
+            <a:fillRef idx="0">
+              <a:schemeClr val="dk1"/>
+            </a:fillRef>
+            <a:effectRef idx="1">
+              <a:schemeClr val="dk1"/>
+            </a:effectRef>
+            <a:fontRef idx="minor">
+              <a:schemeClr val="tx1"/>
+            </a:fontRef>
+          </p:style>
+        </p:cxnSp>
+        <p:cxnSp>
+          <p:nvCxnSpPr>
+            <p:cNvPr id="42" name="直線矢印コネクタ 41">
+              <a:extLst>
+                <a:ext uri="{FF2B5EF4-FFF2-40B4-BE49-F238E27FC236}">
+                  <a16:creationId xmlns:a16="http://schemas.microsoft.com/office/drawing/2014/main" id="{538FB0F2-8BDF-F77A-F4E9-B17BCDBEE889}"/>
+                </a:ext>
+              </a:extLst>
+            </p:cNvPr>
+            <p:cNvCxnSpPr>
+              <a:endCxn id="8" idx="1"/>
+            </p:cNvCxnSpPr>
+            <p:nvPr/>
+          </p:nvCxnSpPr>
+          <p:spPr>
+            <a:xfrm>
+              <a:off x="3733359" y="1101895"/>
+              <a:ext cx="1272258" cy="0"/>
+            </a:xfrm>
+            <a:prstGeom prst="straightConnector1">
+              <a:avLst/>
+            </a:prstGeom>
+            <a:ln>
+              <a:tailEnd type="triangle"/>
+            </a:ln>
+          </p:spPr>
+          <p:style>
+            <a:lnRef idx="2">
+              <a:schemeClr val="dk1"/>
+            </a:lnRef>
+            <a:fillRef idx="0">
+              <a:schemeClr val="dk1"/>
+            </a:fillRef>
+            <a:effectRef idx="1">
+              <a:schemeClr val="dk1"/>
+            </a:effectRef>
+            <a:fontRef idx="minor">
+              <a:schemeClr val="tx1"/>
+            </a:fontRef>
+          </p:style>
+        </p:cxnSp>
+        <p:cxnSp>
+          <p:nvCxnSpPr>
+            <p:cNvPr id="43" name="直線矢印コネクタ 42">
+              <a:extLst>
+                <a:ext uri="{FF2B5EF4-FFF2-40B4-BE49-F238E27FC236}">
+                  <a16:creationId xmlns:a16="http://schemas.microsoft.com/office/drawing/2014/main" id="{C452AC9E-F072-ABBB-5E41-E62D5C61DC20}"/>
+                </a:ext>
+              </a:extLst>
+            </p:cNvPr>
+            <p:cNvCxnSpPr/>
+            <p:nvPr/>
+          </p:nvCxnSpPr>
+          <p:spPr>
+            <a:xfrm flipV="1">
+              <a:off x="3582773" y="3952879"/>
+              <a:ext cx="1145153" cy="10129"/>
+            </a:xfrm>
+            <a:prstGeom prst="straightConnector1">
+              <a:avLst/>
+            </a:prstGeom>
+            <a:ln>
+              <a:tailEnd type="triangle"/>
+            </a:ln>
+          </p:spPr>
+          <p:style>
+            <a:lnRef idx="2">
+              <a:schemeClr val="dk1"/>
+            </a:lnRef>
+            <a:fillRef idx="0">
+              <a:schemeClr val="dk1"/>
+            </a:fillRef>
+            <a:effectRef idx="1">
+              <a:schemeClr val="dk1"/>
+            </a:effectRef>
+            <a:fontRef idx="minor">
+              <a:schemeClr val="tx1"/>
+            </a:fontRef>
+          </p:style>
+        </p:cxnSp>
+        <mc:AlternateContent xmlns:mc="http://schemas.openxmlformats.org/markup-compatibility/2006" xmlns:a14="http://schemas.microsoft.com/office/drawing/2010/main">
+          <mc:Choice Requires="a14">
+            <p:sp>
+              <p:nvSpPr>
+                <p:cNvPr id="44" name="テキスト ボックス 43">
+                  <a:extLst>
+                    <a:ext uri="{FF2B5EF4-FFF2-40B4-BE49-F238E27FC236}">
+                      <a16:creationId xmlns:a16="http://schemas.microsoft.com/office/drawing/2014/main" id="{7C6E5D1D-81FB-F1D9-9449-2BC426B2A43F}"/>
+                    </a:ext>
+                  </a:extLst>
+                </p:cNvPr>
+                <p:cNvSpPr txBox="1"/>
+                <p:nvPr/>
+              </p:nvSpPr>
+              <p:spPr>
+                <a:xfrm>
+                  <a:off x="7114865" y="782450"/>
+                  <a:ext cx="393919" cy="276999"/>
+                </a:xfrm>
+                <a:prstGeom prst="rect">
+                  <a:avLst/>
+                </a:prstGeom>
+                <a:noFill/>
+              </p:spPr>
+              <p:txBody>
+                <a:bodyPr wrap="square" lIns="0" tIns="0" rIns="0" bIns="0" rtlCol="0">
+                  <a:spAutoFit/>
+                </a:bodyPr>
+                <a:lstStyle/>
+                <a:p>
+                  <a:pPr/>
+                  <a14:m>
+                    <m:oMathPara xmlns:m="http://schemas.openxmlformats.org/officeDocument/2006/math">
+                      <m:oMathParaPr>
+                        <m:jc m:val="centerGroup"/>
+                      </m:oMathParaPr>
+                      <m:oMath xmlns:m="http://schemas.openxmlformats.org/officeDocument/2006/math">
+                        <m:sSub>
+                          <m:sSubPr>
+                            <m:ctrlPr>
+                              <a:rPr kumimoji="1" lang="en-US" altLang="ja-JP" b="0" i="1" smtClean="0">
+                                <a:latin typeface="Cambria Math" panose="02040503050406030204" pitchFamily="18" charset="0"/>
+                              </a:rPr>
+                            </m:ctrlPr>
+                          </m:sSubPr>
+                          <m:e>
+                            <m:r>
+                              <a:rPr kumimoji="1" lang="en-US" altLang="ja-JP" b="0" i="1" smtClean="0">
+                                <a:latin typeface="Cambria Math" panose="02040503050406030204" pitchFamily="18" charset="0"/>
+                              </a:rPr>
+                              <m:t>𝑅</m:t>
+                            </m:r>
+                          </m:e>
+                          <m:sub>
+                            <m:r>
+                              <a:rPr kumimoji="1" lang="en-US" altLang="ja-JP" b="0" i="1" smtClean="0">
+                                <a:latin typeface="Cambria Math" panose="02040503050406030204" pitchFamily="18" charset="0"/>
+                              </a:rPr>
+                              <m:t>𝑎</m:t>
+                            </m:r>
+                          </m:sub>
+                        </m:sSub>
+                      </m:oMath>
+                    </m:oMathPara>
+                  </a14:m>
+                  <a:endParaRPr kumimoji="1" lang="en-US" altLang="ja-JP" b="0" dirty="0"/>
+                </a:p>
+              </p:txBody>
+            </p:sp>
+          </mc:Choice>
+          <mc:Fallback xmlns="">
+            <p:sp>
+              <p:nvSpPr>
+                <p:cNvPr id="44" name="テキスト ボックス 43">
+                  <a:extLst>
+                    <a:ext uri="{FF2B5EF4-FFF2-40B4-BE49-F238E27FC236}">
+                      <a16:creationId xmlns:a16="http://schemas.microsoft.com/office/drawing/2014/main" id="{7C6E5D1D-81FB-F1D9-9449-2BC426B2A43F}"/>
+                    </a:ext>
+                  </a:extLst>
+                </p:cNvPr>
+                <p:cNvSpPr txBox="1">
+                  <a:spLocks noRot="1" noChangeAspect="1" noMove="1" noResize="1" noEditPoints="1" noAdjustHandles="1" noChangeArrowheads="1" noChangeShapeType="1" noTextEdit="1"/>
+                </p:cNvSpPr>
+                <p:nvPr/>
+              </p:nvSpPr>
+              <p:spPr>
+                <a:xfrm>
+                  <a:off x="7114865" y="782450"/>
+                  <a:ext cx="393919" cy="276999"/>
+                </a:xfrm>
+                <a:prstGeom prst="rect">
+                  <a:avLst/>
+                </a:prstGeom>
+                <a:blipFill>
+                  <a:blip r:embed="rId2"/>
+                  <a:stretch>
+                    <a:fillRect l="-3077" b="-8696"/>
+                  </a:stretch>
+                </a:blipFill>
+              </p:spPr>
+              <p:txBody>
+                <a:bodyPr/>
+                <a:lstStyle/>
+                <a:p>
+                  <a:r>
+                    <a:rPr lang="ja-JP" altLang="en-US">
+                      <a:noFill/>
+                    </a:rPr>
+                    <a:t> </a:t>
+                  </a:r>
+                </a:p>
+              </p:txBody>
+            </p:sp>
+          </mc:Fallback>
+        </mc:AlternateContent>
+        <mc:AlternateContent xmlns:mc="http://schemas.openxmlformats.org/markup-compatibility/2006" xmlns:a14="http://schemas.microsoft.com/office/drawing/2010/main">
+          <mc:Choice Requires="a14">
+            <p:sp>
+              <p:nvSpPr>
+                <p:cNvPr id="45" name="テキスト ボックス 44">
+                  <a:extLst>
+                    <a:ext uri="{FF2B5EF4-FFF2-40B4-BE49-F238E27FC236}">
+                      <a16:creationId xmlns:a16="http://schemas.microsoft.com/office/drawing/2014/main" id="{7D8DAF0D-646A-9EC7-70C1-65DB39FB63D7}"/>
+                    </a:ext>
+                  </a:extLst>
+                </p:cNvPr>
+                <p:cNvSpPr txBox="1"/>
+                <p:nvPr/>
+              </p:nvSpPr>
+              <p:spPr>
+                <a:xfrm>
+                  <a:off x="6474883" y="2122363"/>
+                  <a:ext cx="504177" cy="276999"/>
+                </a:xfrm>
+                <a:prstGeom prst="rect">
+                  <a:avLst/>
+                </a:prstGeom>
+                <a:noFill/>
+              </p:spPr>
+              <p:txBody>
+                <a:bodyPr wrap="none" lIns="0" tIns="0" rIns="0" bIns="0" rtlCol="0">
+                  <a:spAutoFit/>
+                </a:bodyPr>
+                <a:lstStyle/>
+                <a:p>
+                  <a:pPr/>
+                  <a14:m>
+                    <m:oMathPara xmlns:m="http://schemas.openxmlformats.org/officeDocument/2006/math">
+                      <m:oMathParaPr>
+                        <m:jc m:val="centerGroup"/>
+                      </m:oMathParaPr>
+                      <m:oMath xmlns:m="http://schemas.openxmlformats.org/officeDocument/2006/math">
+                        <m:r>
+                          <a:rPr kumimoji="1" lang="en-US" altLang="ja-JP" b="0" i="1" smtClean="0">
+                            <a:latin typeface="Cambria Math" panose="02040503050406030204" pitchFamily="18" charset="0"/>
+                          </a:rPr>
+                          <m:t>𝐸𝐺𝑃</m:t>
+                        </m:r>
+                      </m:oMath>
+                    </m:oMathPara>
+                  </a14:m>
+                  <a:endParaRPr kumimoji="1" lang="en-US" altLang="ja-JP" b="0" dirty="0"/>
+                </a:p>
+              </p:txBody>
+            </p:sp>
+          </mc:Choice>
+          <mc:Fallback xmlns="">
+            <p:sp>
+              <p:nvSpPr>
+                <p:cNvPr id="45" name="テキスト ボックス 44">
+                  <a:extLst>
+                    <a:ext uri="{FF2B5EF4-FFF2-40B4-BE49-F238E27FC236}">
+                      <a16:creationId xmlns:a16="http://schemas.microsoft.com/office/drawing/2014/main" id="{7D8DAF0D-646A-9EC7-70C1-65DB39FB63D7}"/>
+                    </a:ext>
+                  </a:extLst>
+                </p:cNvPr>
+                <p:cNvSpPr txBox="1">
+                  <a:spLocks noRot="1" noChangeAspect="1" noMove="1" noResize="1" noEditPoints="1" noAdjustHandles="1" noChangeArrowheads="1" noChangeShapeType="1" noTextEdit="1"/>
+                </p:cNvSpPr>
+                <p:nvPr/>
+              </p:nvSpPr>
+              <p:spPr>
+                <a:xfrm>
+                  <a:off x="6474883" y="2122363"/>
+                  <a:ext cx="504177" cy="276999"/>
+                </a:xfrm>
+                <a:prstGeom prst="rect">
+                  <a:avLst/>
+                </a:prstGeom>
+                <a:blipFill>
+                  <a:blip r:embed="rId3"/>
+                  <a:stretch>
+                    <a:fillRect l="-8434" r="-9639" b="-6522"/>
+                  </a:stretch>
+                </a:blipFill>
+              </p:spPr>
+              <p:txBody>
+                <a:bodyPr/>
+                <a:lstStyle/>
+                <a:p>
+                  <a:r>
+                    <a:rPr lang="ja-JP" altLang="en-US">
+                      <a:noFill/>
+                    </a:rPr>
+                    <a:t> </a:t>
+                  </a:r>
+                </a:p>
+              </p:txBody>
+            </p:sp>
+          </mc:Fallback>
+        </mc:AlternateContent>
+        <mc:AlternateContent xmlns:mc="http://schemas.openxmlformats.org/markup-compatibility/2006" xmlns:a14="http://schemas.microsoft.com/office/drawing/2010/main">
+          <mc:Choice Requires="a14">
+            <p:sp>
+              <p:nvSpPr>
+                <p:cNvPr id="46" name="テキスト ボックス 45">
+                  <a:extLst>
+                    <a:ext uri="{FF2B5EF4-FFF2-40B4-BE49-F238E27FC236}">
+                      <a16:creationId xmlns:a16="http://schemas.microsoft.com/office/drawing/2014/main" id="{B5334768-3ECF-942E-C367-19E0E294A346}"/>
+                    </a:ext>
+                  </a:extLst>
+                </p:cNvPr>
+                <p:cNvSpPr txBox="1"/>
+                <p:nvPr/>
+              </p:nvSpPr>
+              <p:spPr>
+                <a:xfrm>
+                  <a:off x="7866556" y="315646"/>
+                  <a:ext cx="344260" cy="276999"/>
+                </a:xfrm>
+                <a:prstGeom prst="rect">
+                  <a:avLst/>
+                </a:prstGeom>
+                <a:noFill/>
+              </p:spPr>
+              <p:txBody>
+                <a:bodyPr wrap="none" lIns="0" tIns="0" rIns="0" bIns="0" rtlCol="0">
+                  <a:spAutoFit/>
+                </a:bodyPr>
+                <a:lstStyle/>
+                <a:p>
+                  <a:pPr/>
+                  <a14:m>
+                    <m:oMathPara xmlns:m="http://schemas.openxmlformats.org/officeDocument/2006/math">
+                      <m:oMathParaPr>
+                        <m:jc m:val="centerGroup"/>
+                      </m:oMathParaPr>
+                      <m:oMath xmlns:m="http://schemas.openxmlformats.org/officeDocument/2006/math">
+                        <m:sSub>
+                          <m:sSubPr>
+                            <m:ctrlPr>
+                              <a:rPr kumimoji="1" lang="en-US" altLang="ja-JP" b="0" i="1" smtClean="0">
+                                <a:latin typeface="Cambria Math" panose="02040503050406030204" pitchFamily="18" charset="0"/>
+                              </a:rPr>
+                            </m:ctrlPr>
+                          </m:sSubPr>
+                          <m:e>
+                            <m:r>
+                              <a:rPr kumimoji="1" lang="en-US" altLang="ja-JP" b="0" i="1" smtClean="0">
+                                <a:latin typeface="Cambria Math" panose="02040503050406030204" pitchFamily="18" charset="0"/>
+                              </a:rPr>
+                              <m:t>𝑈</m:t>
+                            </m:r>
+                          </m:e>
+                          <m:sub>
+                            <m:r>
+                              <a:rPr kumimoji="1" lang="en-US" altLang="ja-JP" b="0" i="1" smtClean="0">
+                                <a:latin typeface="Cambria Math" panose="02040503050406030204" pitchFamily="18" charset="0"/>
+                              </a:rPr>
+                              <m:t>𝑖𝑖</m:t>
+                            </m:r>
+                          </m:sub>
+                        </m:sSub>
+                      </m:oMath>
+                    </m:oMathPara>
+                  </a14:m>
+                  <a:endParaRPr kumimoji="1" lang="en-US" altLang="ja-JP" b="0" dirty="0"/>
+                </a:p>
+              </p:txBody>
+            </p:sp>
+          </mc:Choice>
+          <mc:Fallback xmlns="">
+            <p:sp>
+              <p:nvSpPr>
+                <p:cNvPr id="46" name="テキスト ボックス 45">
+                  <a:extLst>
+                    <a:ext uri="{FF2B5EF4-FFF2-40B4-BE49-F238E27FC236}">
+                      <a16:creationId xmlns:a16="http://schemas.microsoft.com/office/drawing/2014/main" id="{B5334768-3ECF-942E-C367-19E0E294A346}"/>
+                    </a:ext>
+                  </a:extLst>
+                </p:cNvPr>
+                <p:cNvSpPr txBox="1">
+                  <a:spLocks noRot="1" noChangeAspect="1" noMove="1" noResize="1" noEditPoints="1" noAdjustHandles="1" noChangeArrowheads="1" noChangeShapeType="1" noTextEdit="1"/>
+                </p:cNvSpPr>
+                <p:nvPr/>
+              </p:nvSpPr>
+              <p:spPr>
+                <a:xfrm>
+                  <a:off x="7866556" y="315646"/>
+                  <a:ext cx="344260" cy="276999"/>
+                </a:xfrm>
+                <a:prstGeom prst="rect">
+                  <a:avLst/>
+                </a:prstGeom>
+                <a:blipFill>
+                  <a:blip r:embed="rId4"/>
+                  <a:stretch>
+                    <a:fillRect l="-12281" r="-1754" b="-15556"/>
+                  </a:stretch>
+                </a:blipFill>
+              </p:spPr>
+              <p:txBody>
+                <a:bodyPr/>
+                <a:lstStyle/>
+                <a:p>
+                  <a:r>
+                    <a:rPr lang="ja-JP" altLang="en-US">
+                      <a:noFill/>
+                    </a:rPr>
+                    <a:t> </a:t>
+                  </a:r>
+                </a:p>
+              </p:txBody>
+            </p:sp>
+          </mc:Fallback>
+        </mc:AlternateContent>
+        <mc:AlternateContent xmlns:mc="http://schemas.openxmlformats.org/markup-compatibility/2006" xmlns:a14="http://schemas.microsoft.com/office/drawing/2010/main">
+          <mc:Choice Requires="a14">
+            <p:sp>
+              <p:nvSpPr>
+                <p:cNvPr id="47" name="テキスト ボックス 46">
+                  <a:extLst>
+                    <a:ext uri="{FF2B5EF4-FFF2-40B4-BE49-F238E27FC236}">
+                      <a16:creationId xmlns:a16="http://schemas.microsoft.com/office/drawing/2014/main" id="{C0E6470F-0BF5-A391-5D87-B89E990B618C}"/>
+                    </a:ext>
+                  </a:extLst>
+                </p:cNvPr>
+                <p:cNvSpPr txBox="1"/>
+                <p:nvPr/>
+              </p:nvSpPr>
+              <p:spPr>
+                <a:xfrm>
+                  <a:off x="8210816" y="1627791"/>
+                  <a:ext cx="219034" cy="276999"/>
+                </a:xfrm>
+                <a:prstGeom prst="rect">
+                  <a:avLst/>
+                </a:prstGeom>
+                <a:noFill/>
+              </p:spPr>
+              <p:txBody>
+                <a:bodyPr wrap="none" lIns="0" tIns="0" rIns="0" bIns="0" rtlCol="0">
+                  <a:spAutoFit/>
+                </a:bodyPr>
+                <a:lstStyle/>
+                <a:p>
+                  <a:pPr/>
+                  <a14:m>
+                    <m:oMathPara xmlns:m="http://schemas.openxmlformats.org/officeDocument/2006/math">
+                      <m:oMathParaPr>
+                        <m:jc m:val="centerGroup"/>
+                      </m:oMathParaPr>
+                      <m:oMath xmlns:m="http://schemas.openxmlformats.org/officeDocument/2006/math">
+                        <m:r>
+                          <a:rPr kumimoji="1" lang="en-US" altLang="ja-JP" b="0" i="1" smtClean="0">
+                            <a:latin typeface="Cambria Math" panose="02040503050406030204" pitchFamily="18" charset="0"/>
+                          </a:rPr>
+                          <m:t>𝐸</m:t>
+                        </m:r>
+                      </m:oMath>
+                    </m:oMathPara>
+                  </a14:m>
+                  <a:endParaRPr kumimoji="1" lang="ja-JP" altLang="en-US"/>
+                </a:p>
+              </p:txBody>
+            </p:sp>
+          </mc:Choice>
+          <mc:Fallback xmlns="">
+            <p:sp>
+              <p:nvSpPr>
+                <p:cNvPr id="47" name="テキスト ボックス 46">
+                  <a:extLst>
+                    <a:ext uri="{FF2B5EF4-FFF2-40B4-BE49-F238E27FC236}">
+                      <a16:creationId xmlns:a16="http://schemas.microsoft.com/office/drawing/2014/main" id="{C0E6470F-0BF5-A391-5D87-B89E990B618C}"/>
+                    </a:ext>
+                  </a:extLst>
+                </p:cNvPr>
+                <p:cNvSpPr txBox="1">
+                  <a:spLocks noRot="1" noChangeAspect="1" noMove="1" noResize="1" noEditPoints="1" noAdjustHandles="1" noChangeArrowheads="1" noChangeShapeType="1" noTextEdit="1"/>
+                </p:cNvSpPr>
+                <p:nvPr/>
+              </p:nvSpPr>
+              <p:spPr>
+                <a:xfrm>
+                  <a:off x="8210816" y="1627791"/>
+                  <a:ext cx="219034" cy="276999"/>
+                </a:xfrm>
+                <a:prstGeom prst="rect">
+                  <a:avLst/>
+                </a:prstGeom>
+                <a:blipFill>
+                  <a:blip r:embed="rId5"/>
+                  <a:stretch>
+                    <a:fillRect l="-25000" r="-16667" b="-8889"/>
+                  </a:stretch>
+                </a:blipFill>
+              </p:spPr>
+              <p:txBody>
+                <a:bodyPr/>
+                <a:lstStyle/>
+                <a:p>
+                  <a:r>
+                    <a:rPr lang="ja-JP" altLang="en-US">
+                      <a:noFill/>
+                    </a:rPr>
+                    <a:t> </a:t>
+                  </a:r>
+                </a:p>
+              </p:txBody>
+            </p:sp>
+          </mc:Fallback>
+        </mc:AlternateContent>
+        <mc:AlternateContent xmlns:mc="http://schemas.openxmlformats.org/markup-compatibility/2006" xmlns:a14="http://schemas.microsoft.com/office/drawing/2010/main">
+          <mc:Choice Requires="a14">
+            <p:sp>
+              <p:nvSpPr>
+                <p:cNvPr id="48" name="テキスト ボックス 47">
+                  <a:extLst>
+                    <a:ext uri="{FF2B5EF4-FFF2-40B4-BE49-F238E27FC236}">
+                      <a16:creationId xmlns:a16="http://schemas.microsoft.com/office/drawing/2014/main" id="{B1DA947B-9A7C-7244-BBB1-58634C6CEB5E}"/>
+                    </a:ext>
+                  </a:extLst>
+                </p:cNvPr>
+                <p:cNvSpPr txBox="1"/>
+                <p:nvPr/>
+              </p:nvSpPr>
+              <p:spPr>
+                <a:xfrm>
+                  <a:off x="8597406" y="1678639"/>
+                  <a:ext cx="315471" cy="298415"/>
+                </a:xfrm>
+                <a:prstGeom prst="rect">
+                  <a:avLst/>
+                </a:prstGeom>
+                <a:noFill/>
+              </p:spPr>
+              <p:txBody>
+                <a:bodyPr wrap="none" lIns="0" tIns="0" rIns="0" bIns="0" rtlCol="0">
+                  <a:spAutoFit/>
+                </a:bodyPr>
+                <a:lstStyle/>
+                <a:p>
+                  <a:pPr/>
+                  <a14:m>
+                    <m:oMathPara xmlns:m="http://schemas.openxmlformats.org/officeDocument/2006/math">
+                      <m:oMathParaPr>
+                        <m:jc m:val="centerGroup"/>
+                      </m:oMathParaPr>
+                      <m:oMath xmlns:m="http://schemas.openxmlformats.org/officeDocument/2006/math">
+                        <m:sSub>
+                          <m:sSubPr>
+                            <m:ctrlPr>
+                              <a:rPr kumimoji="1" lang="en-US" altLang="ja-JP" b="0" i="1" smtClean="0">
+                                <a:latin typeface="Cambria Math" panose="02040503050406030204" pitchFamily="18" charset="0"/>
+                              </a:rPr>
+                            </m:ctrlPr>
+                          </m:sSubPr>
+                          <m:e>
+                            <m:r>
+                              <a:rPr kumimoji="1" lang="en-US" altLang="ja-JP" b="0" i="1" smtClean="0">
+                                <a:latin typeface="Cambria Math" panose="02040503050406030204" pitchFamily="18" charset="0"/>
+                              </a:rPr>
+                              <m:t>𝐺</m:t>
+                            </m:r>
+                          </m:e>
+                          <m:sub>
+                            <m:r>
+                              <a:rPr kumimoji="1" lang="en-US" altLang="ja-JP" b="0" i="1" smtClean="0">
+                                <a:latin typeface="Cambria Math" panose="02040503050406030204" pitchFamily="18" charset="0"/>
+                              </a:rPr>
+                              <m:t>𝑝</m:t>
+                            </m:r>
+                          </m:sub>
+                        </m:sSub>
+                      </m:oMath>
+                    </m:oMathPara>
+                  </a14:m>
+                  <a:endParaRPr kumimoji="1" lang="ja-JP" altLang="en-US"/>
+                </a:p>
+              </p:txBody>
+            </p:sp>
+          </mc:Choice>
+          <mc:Fallback xmlns="">
+            <p:sp>
+              <p:nvSpPr>
+                <p:cNvPr id="48" name="テキスト ボックス 47">
+                  <a:extLst>
+                    <a:ext uri="{FF2B5EF4-FFF2-40B4-BE49-F238E27FC236}">
+                      <a16:creationId xmlns:a16="http://schemas.microsoft.com/office/drawing/2014/main" id="{B1DA947B-9A7C-7244-BBB1-58634C6CEB5E}"/>
+                    </a:ext>
+                  </a:extLst>
+                </p:cNvPr>
+                <p:cNvSpPr txBox="1">
+                  <a:spLocks noRot="1" noChangeAspect="1" noMove="1" noResize="1" noEditPoints="1" noAdjustHandles="1" noChangeArrowheads="1" noChangeShapeType="1" noTextEdit="1"/>
+                </p:cNvSpPr>
+                <p:nvPr/>
+              </p:nvSpPr>
+              <p:spPr>
+                <a:xfrm>
+                  <a:off x="8597406" y="1678639"/>
+                  <a:ext cx="315471" cy="298415"/>
+                </a:xfrm>
+                <a:prstGeom prst="rect">
+                  <a:avLst/>
+                </a:prstGeom>
+                <a:blipFill>
+                  <a:blip r:embed="rId6"/>
+                  <a:stretch>
+                    <a:fillRect l="-15385" r="-3846" b="-20408"/>
+                  </a:stretch>
+                </a:blipFill>
+              </p:spPr>
+              <p:txBody>
+                <a:bodyPr/>
+                <a:lstStyle/>
+                <a:p>
+                  <a:r>
+                    <a:rPr lang="ja-JP" altLang="en-US">
+                      <a:noFill/>
+                    </a:rPr>
+                    <a:t> </a:t>
+                  </a:r>
+                </a:p>
+              </p:txBody>
+            </p:sp>
+          </mc:Fallback>
+        </mc:AlternateContent>
+        <mc:AlternateContent xmlns:mc="http://schemas.openxmlformats.org/markup-compatibility/2006" xmlns:a14="http://schemas.microsoft.com/office/drawing/2010/main">
+          <mc:Choice Requires="a14">
+            <p:sp>
+              <p:nvSpPr>
+                <p:cNvPr id="49" name="テキスト ボックス 48">
+                  <a:extLst>
+                    <a:ext uri="{FF2B5EF4-FFF2-40B4-BE49-F238E27FC236}">
+                      <a16:creationId xmlns:a16="http://schemas.microsoft.com/office/drawing/2014/main" id="{C4B83CF7-2F03-C89B-72B8-D389609B75EA}"/>
+                    </a:ext>
+                  </a:extLst>
+                </p:cNvPr>
+                <p:cNvSpPr txBox="1"/>
+                <p:nvPr/>
+              </p:nvSpPr>
+              <p:spPr>
+                <a:xfrm>
+                  <a:off x="9085995" y="2489774"/>
+                  <a:ext cx="391902" cy="276999"/>
+                </a:xfrm>
+                <a:prstGeom prst="rect">
+                  <a:avLst/>
+                </a:prstGeom>
+                <a:noFill/>
+              </p:spPr>
+              <p:txBody>
+                <a:bodyPr wrap="none" lIns="0" tIns="0" rIns="0" bIns="0" rtlCol="0">
+                  <a:spAutoFit/>
+                </a:bodyPr>
+                <a:lstStyle/>
+                <a:p>
+                  <a:pPr/>
+                  <a14:m>
+                    <m:oMathPara xmlns:m="http://schemas.openxmlformats.org/officeDocument/2006/math">
+                      <m:oMathParaPr>
+                        <m:jc m:val="centerGroup"/>
+                      </m:oMathParaPr>
+                      <m:oMath xmlns:m="http://schemas.openxmlformats.org/officeDocument/2006/math">
+                        <m:sSub>
+                          <m:sSubPr>
+                            <m:ctrlPr>
+                              <a:rPr kumimoji="1" lang="en-US" altLang="ja-JP" b="0" i="1" smtClean="0">
+                                <a:latin typeface="Cambria Math" panose="02040503050406030204" pitchFamily="18" charset="0"/>
+                              </a:rPr>
+                            </m:ctrlPr>
+                          </m:sSubPr>
+                          <m:e>
+                            <m:r>
+                              <a:rPr kumimoji="1" lang="en-US" altLang="ja-JP" b="0" i="1" smtClean="0">
+                                <a:latin typeface="Cambria Math" panose="02040503050406030204" pitchFamily="18" charset="0"/>
+                              </a:rPr>
+                              <m:t>𝑈</m:t>
+                            </m:r>
+                          </m:e>
+                          <m:sub>
+                            <m:r>
+                              <a:rPr kumimoji="1" lang="en-US" altLang="ja-JP" b="0" i="1" smtClean="0">
+                                <a:latin typeface="Cambria Math" panose="02040503050406030204" pitchFamily="18" charset="0"/>
+                              </a:rPr>
+                              <m:t>𝑖𝑑</m:t>
+                            </m:r>
+                          </m:sub>
+                        </m:sSub>
+                      </m:oMath>
+                    </m:oMathPara>
+                  </a14:m>
+                  <a:endParaRPr kumimoji="1" lang="ja-JP" altLang="en-US"/>
+                </a:p>
+              </p:txBody>
+            </p:sp>
+          </mc:Choice>
+          <mc:Fallback xmlns="">
+            <p:sp>
+              <p:nvSpPr>
+                <p:cNvPr id="49" name="テキスト ボックス 48">
+                  <a:extLst>
+                    <a:ext uri="{FF2B5EF4-FFF2-40B4-BE49-F238E27FC236}">
+                      <a16:creationId xmlns:a16="http://schemas.microsoft.com/office/drawing/2014/main" id="{C4B83CF7-2F03-C89B-72B8-D389609B75EA}"/>
+                    </a:ext>
+                  </a:extLst>
+                </p:cNvPr>
+                <p:cNvSpPr txBox="1">
+                  <a:spLocks noRot="1" noChangeAspect="1" noMove="1" noResize="1" noEditPoints="1" noAdjustHandles="1" noChangeArrowheads="1" noChangeShapeType="1" noTextEdit="1"/>
+                </p:cNvSpPr>
+                <p:nvPr/>
+              </p:nvSpPr>
+              <p:spPr>
+                <a:xfrm>
+                  <a:off x="9085995" y="2489774"/>
+                  <a:ext cx="391902" cy="276999"/>
+                </a:xfrm>
+                <a:prstGeom prst="rect">
+                  <a:avLst/>
+                </a:prstGeom>
+                <a:blipFill>
+                  <a:blip r:embed="rId7"/>
+                  <a:stretch>
+                    <a:fillRect l="-10769" r="-1538" b="-15217"/>
+                  </a:stretch>
+                </a:blipFill>
+              </p:spPr>
+              <p:txBody>
+                <a:bodyPr/>
+                <a:lstStyle/>
+                <a:p>
+                  <a:r>
+                    <a:rPr lang="ja-JP" altLang="en-US">
+                      <a:noFill/>
+                    </a:rPr>
+                    <a:t> </a:t>
+                  </a:r>
+                </a:p>
+              </p:txBody>
+            </p:sp>
+          </mc:Fallback>
+        </mc:AlternateContent>
+        <mc:AlternateContent xmlns:mc="http://schemas.openxmlformats.org/markup-compatibility/2006" xmlns:a14="http://schemas.microsoft.com/office/drawing/2010/main">
+          <mc:Choice Requires="a14">
+            <p:sp>
+              <p:nvSpPr>
+                <p:cNvPr id="50" name="テキスト ボックス 49">
+                  <a:extLst>
+                    <a:ext uri="{FF2B5EF4-FFF2-40B4-BE49-F238E27FC236}">
+                      <a16:creationId xmlns:a16="http://schemas.microsoft.com/office/drawing/2014/main" id="{446C8926-8469-AC36-C02B-38A570C1B439}"/>
+                    </a:ext>
+                  </a:extLst>
+                </p:cNvPr>
+                <p:cNvSpPr txBox="1"/>
+                <p:nvPr/>
+              </p:nvSpPr>
+              <p:spPr>
+                <a:xfrm>
+                  <a:off x="9185253" y="1958568"/>
+                  <a:ext cx="292644" cy="276999"/>
+                </a:xfrm>
+                <a:prstGeom prst="rect">
+                  <a:avLst/>
+                </a:prstGeom>
+                <a:noFill/>
+              </p:spPr>
+              <p:txBody>
+                <a:bodyPr wrap="none" lIns="0" tIns="0" rIns="0" bIns="0" rtlCol="0">
+                  <a:spAutoFit/>
+                </a:bodyPr>
+                <a:lstStyle/>
+                <a:p>
+                  <a:pPr/>
+                  <a14:m>
+                    <m:oMathPara xmlns:m="http://schemas.openxmlformats.org/officeDocument/2006/math">
+                      <m:oMathParaPr>
+                        <m:jc m:val="centerGroup"/>
+                      </m:oMathParaPr>
+                      <m:oMath xmlns:m="http://schemas.openxmlformats.org/officeDocument/2006/math">
+                        <m:sSub>
+                          <m:sSubPr>
+                            <m:ctrlPr>
+                              <a:rPr kumimoji="1" lang="en-US" altLang="ja-JP" b="0" i="1" smtClean="0">
+                                <a:latin typeface="Cambria Math" panose="02040503050406030204" pitchFamily="18" charset="0"/>
+                              </a:rPr>
+                            </m:ctrlPr>
+                          </m:sSubPr>
+                          <m:e>
+                            <m:r>
+                              <a:rPr kumimoji="1" lang="en-US" altLang="ja-JP" b="0" i="1" smtClean="0">
+                                <a:latin typeface="Cambria Math" panose="02040503050406030204" pitchFamily="18" charset="0"/>
+                              </a:rPr>
+                              <m:t>𝐺</m:t>
+                            </m:r>
+                          </m:e>
+                          <m:sub>
+                            <m:r>
+                              <a:rPr kumimoji="1" lang="en-US" altLang="ja-JP" b="0" i="1" smtClean="0">
+                                <a:latin typeface="Cambria Math" panose="02040503050406030204" pitchFamily="18" charset="0"/>
+                              </a:rPr>
+                              <m:t>𝑡</m:t>
+                            </m:r>
+                          </m:sub>
+                        </m:sSub>
+                      </m:oMath>
+                    </m:oMathPara>
+                  </a14:m>
+                  <a:endParaRPr kumimoji="1" lang="ja-JP" altLang="en-US"/>
+                </a:p>
+              </p:txBody>
+            </p:sp>
+          </mc:Choice>
+          <mc:Fallback xmlns="">
+            <p:sp>
+              <p:nvSpPr>
+                <p:cNvPr id="50" name="テキスト ボックス 49">
+                  <a:extLst>
+                    <a:ext uri="{FF2B5EF4-FFF2-40B4-BE49-F238E27FC236}">
+                      <a16:creationId xmlns:a16="http://schemas.microsoft.com/office/drawing/2014/main" id="{446C8926-8469-AC36-C02B-38A570C1B439}"/>
+                    </a:ext>
+                  </a:extLst>
+                </p:cNvPr>
+                <p:cNvSpPr txBox="1">
+                  <a:spLocks noRot="1" noChangeAspect="1" noMove="1" noResize="1" noEditPoints="1" noAdjustHandles="1" noChangeArrowheads="1" noChangeShapeType="1" noTextEdit="1"/>
+                </p:cNvSpPr>
+                <p:nvPr/>
+              </p:nvSpPr>
+              <p:spPr>
+                <a:xfrm>
+                  <a:off x="9185253" y="1958568"/>
+                  <a:ext cx="292644" cy="276999"/>
+                </a:xfrm>
+                <a:prstGeom prst="rect">
+                  <a:avLst/>
+                </a:prstGeom>
+                <a:blipFill>
+                  <a:blip r:embed="rId8"/>
+                  <a:stretch>
+                    <a:fillRect l="-16667" r="-2083" b="-13043"/>
+                  </a:stretch>
+                </a:blipFill>
+              </p:spPr>
+              <p:txBody>
+                <a:bodyPr/>
+                <a:lstStyle/>
+                <a:p>
+                  <a:r>
+                    <a:rPr lang="ja-JP" altLang="en-US">
+                      <a:noFill/>
+                    </a:rPr>
+                    <a:t> </a:t>
+                  </a:r>
+                </a:p>
+              </p:txBody>
+            </p:sp>
+          </mc:Fallback>
+        </mc:AlternateContent>
+        <mc:AlternateContent xmlns:mc="http://schemas.openxmlformats.org/markup-compatibility/2006" xmlns:a14="http://schemas.microsoft.com/office/drawing/2010/main">
+          <mc:Choice Requires="a14">
+            <p:sp>
+              <p:nvSpPr>
+                <p:cNvPr id="51" name="テキスト ボックス 50">
+                  <a:extLst>
+                    <a:ext uri="{FF2B5EF4-FFF2-40B4-BE49-F238E27FC236}">
+                      <a16:creationId xmlns:a16="http://schemas.microsoft.com/office/drawing/2014/main" id="{AEAB4BB8-E62A-994B-A159-10B17CF3210C}"/>
+                    </a:ext>
+                  </a:extLst>
+                </p:cNvPr>
+                <p:cNvSpPr txBox="1"/>
+                <p:nvPr/>
+              </p:nvSpPr>
+              <p:spPr>
+                <a:xfrm>
+                  <a:off x="6694600" y="3625947"/>
+                  <a:ext cx="389657" cy="276999"/>
+                </a:xfrm>
+                <a:prstGeom prst="rect">
+                  <a:avLst/>
+                </a:prstGeom>
+                <a:noFill/>
+              </p:spPr>
+              <p:txBody>
+                <a:bodyPr wrap="none" lIns="0" tIns="0" rIns="0" bIns="0" rtlCol="0">
+                  <a:spAutoFit/>
+                </a:bodyPr>
+                <a:lstStyle/>
+                <a:p>
+                  <a:pPr/>
+                  <a14:m>
+                    <m:oMathPara xmlns:m="http://schemas.openxmlformats.org/officeDocument/2006/math">
+                      <m:oMathParaPr>
+                        <m:jc m:val="centerGroup"/>
+                      </m:oMathParaPr>
+                      <m:oMath xmlns:m="http://schemas.openxmlformats.org/officeDocument/2006/math">
+                        <m:sSub>
+                          <m:sSubPr>
+                            <m:ctrlPr>
+                              <a:rPr kumimoji="1" lang="en-US" altLang="ja-JP" b="0" i="1" smtClean="0">
+                                <a:latin typeface="Cambria Math" panose="02040503050406030204" pitchFamily="18" charset="0"/>
+                              </a:rPr>
+                            </m:ctrlPr>
+                          </m:sSubPr>
+                          <m:e>
+                            <m:r>
+                              <a:rPr kumimoji="1" lang="en-US" altLang="ja-JP" b="0" i="1" smtClean="0">
+                                <a:latin typeface="Cambria Math" panose="02040503050406030204" pitchFamily="18" charset="0"/>
+                              </a:rPr>
+                              <m:t>𝑅</m:t>
+                            </m:r>
+                          </m:e>
+                          <m:sub>
+                            <m:r>
+                              <a:rPr kumimoji="1" lang="en-US" altLang="ja-JP" b="0" i="1" smtClean="0">
+                                <a:latin typeface="Cambria Math" panose="02040503050406030204" pitchFamily="18" charset="0"/>
+                              </a:rPr>
+                              <m:t>𝑎𝑖</m:t>
+                            </m:r>
+                          </m:sub>
+                        </m:sSub>
+                      </m:oMath>
+                    </m:oMathPara>
+                  </a14:m>
+                  <a:endParaRPr kumimoji="1" lang="ja-JP" altLang="en-US"/>
+                </a:p>
+              </p:txBody>
+            </p:sp>
+          </mc:Choice>
+          <mc:Fallback xmlns="">
+            <p:sp>
+              <p:nvSpPr>
+                <p:cNvPr id="51" name="テキスト ボックス 50">
+                  <a:extLst>
+                    <a:ext uri="{FF2B5EF4-FFF2-40B4-BE49-F238E27FC236}">
+                      <a16:creationId xmlns:a16="http://schemas.microsoft.com/office/drawing/2014/main" id="{AEAB4BB8-E62A-994B-A159-10B17CF3210C}"/>
+                    </a:ext>
+                  </a:extLst>
+                </p:cNvPr>
+                <p:cNvSpPr txBox="1">
+                  <a:spLocks noRot="1" noChangeAspect="1" noMove="1" noResize="1" noEditPoints="1" noAdjustHandles="1" noChangeArrowheads="1" noChangeShapeType="1" noTextEdit="1"/>
+                </p:cNvSpPr>
+                <p:nvPr/>
+              </p:nvSpPr>
+              <p:spPr>
+                <a:xfrm>
+                  <a:off x="6694600" y="3625947"/>
+                  <a:ext cx="389657" cy="276999"/>
+                </a:xfrm>
+                <a:prstGeom prst="rect">
+                  <a:avLst/>
+                </a:prstGeom>
+                <a:blipFill>
+                  <a:blip r:embed="rId9"/>
+                  <a:stretch>
+                    <a:fillRect l="-10938" r="-1563" b="-15556"/>
+                  </a:stretch>
+                </a:blipFill>
+              </p:spPr>
+              <p:txBody>
+                <a:bodyPr/>
+                <a:lstStyle/>
+                <a:p>
+                  <a:r>
+                    <a:rPr lang="ja-JP" altLang="en-US">
+                      <a:noFill/>
+                    </a:rPr>
+                    <a:t> </a:t>
+                  </a:r>
+                </a:p>
+              </p:txBody>
+            </p:sp>
+          </mc:Fallback>
+        </mc:AlternateContent>
+        <mc:AlternateContent xmlns:mc="http://schemas.openxmlformats.org/markup-compatibility/2006" xmlns:a14="http://schemas.microsoft.com/office/drawing/2010/main">
+          <mc:Choice Requires="a14">
+            <p:sp>
+              <p:nvSpPr>
+                <p:cNvPr id="52" name="テキスト ボックス 51">
+                  <a:extLst>
+                    <a:ext uri="{FF2B5EF4-FFF2-40B4-BE49-F238E27FC236}">
+                      <a16:creationId xmlns:a16="http://schemas.microsoft.com/office/drawing/2014/main" id="{0C05B516-E4DB-BA23-D20D-C0C529B8F834}"/>
+                    </a:ext>
+                  </a:extLst>
+                </p:cNvPr>
+                <p:cNvSpPr txBox="1"/>
+                <p:nvPr/>
+              </p:nvSpPr>
+              <p:spPr>
+                <a:xfrm>
+                  <a:off x="3186151" y="1550847"/>
+                  <a:ext cx="488852" cy="276999"/>
+                </a:xfrm>
+                <a:prstGeom prst="rect">
+                  <a:avLst/>
+                </a:prstGeom>
+                <a:noFill/>
+              </p:spPr>
+              <p:txBody>
+                <a:bodyPr wrap="none" lIns="0" tIns="0" rIns="0" bIns="0" rtlCol="0">
+                  <a:spAutoFit/>
+                </a:bodyPr>
+                <a:lstStyle/>
+                <a:p>
+                  <a:pPr/>
+                  <a14:m>
+                    <m:oMathPara xmlns:m="http://schemas.openxmlformats.org/officeDocument/2006/math">
+                      <m:oMathParaPr>
+                        <m:jc m:val="centerGroup"/>
+                      </m:oMathParaPr>
+                      <m:oMath xmlns:m="http://schemas.openxmlformats.org/officeDocument/2006/math">
+                        <m:r>
+                          <a:rPr kumimoji="1" lang="en-US" altLang="ja-JP" b="0" i="1" smtClean="0">
+                            <a:latin typeface="Cambria Math" panose="02040503050406030204" pitchFamily="18" charset="0"/>
+                          </a:rPr>
+                          <m:t>𝑅</m:t>
+                        </m:r>
+                        <m:sSub>
+                          <m:sSubPr>
+                            <m:ctrlPr>
+                              <a:rPr kumimoji="1" lang="en-US" altLang="ja-JP" b="0" i="1" smtClean="0">
+                                <a:latin typeface="Cambria Math" panose="02040503050406030204" pitchFamily="18" charset="0"/>
+                              </a:rPr>
+                            </m:ctrlPr>
+                          </m:sSubPr>
+                          <m:e>
+                            <m:r>
+                              <a:rPr kumimoji="1" lang="en-US" altLang="ja-JP" b="0" i="1" smtClean="0">
+                                <a:latin typeface="Cambria Math" panose="02040503050406030204" pitchFamily="18" charset="0"/>
+                              </a:rPr>
+                              <m:t>𝑎</m:t>
+                            </m:r>
+                          </m:e>
+                          <m:sub>
+                            <m:r>
+                              <a:rPr kumimoji="1" lang="en-US" altLang="ja-JP" b="0" i="1" smtClean="0">
+                                <a:latin typeface="Cambria Math" panose="02040503050406030204" pitchFamily="18" charset="0"/>
+                              </a:rPr>
+                              <m:t>𝐻</m:t>
+                            </m:r>
+                          </m:sub>
+                        </m:sSub>
+                      </m:oMath>
+                    </m:oMathPara>
+                  </a14:m>
+                  <a:endParaRPr kumimoji="1" lang="ja-JP" altLang="en-US" dirty="0"/>
+                </a:p>
+              </p:txBody>
+            </p:sp>
+          </mc:Choice>
+          <mc:Fallback xmlns="">
+            <p:sp>
+              <p:nvSpPr>
+                <p:cNvPr id="52" name="テキスト ボックス 51">
+                  <a:extLst>
+                    <a:ext uri="{FF2B5EF4-FFF2-40B4-BE49-F238E27FC236}">
+                      <a16:creationId xmlns:a16="http://schemas.microsoft.com/office/drawing/2014/main" id="{0C05B516-E4DB-BA23-D20D-C0C529B8F834}"/>
+                    </a:ext>
+                  </a:extLst>
+                </p:cNvPr>
+                <p:cNvSpPr txBox="1">
+                  <a:spLocks noRot="1" noChangeAspect="1" noMove="1" noResize="1" noEditPoints="1" noAdjustHandles="1" noChangeArrowheads="1" noChangeShapeType="1" noTextEdit="1"/>
+                </p:cNvSpPr>
+                <p:nvPr/>
+              </p:nvSpPr>
+              <p:spPr>
+                <a:xfrm>
+                  <a:off x="3186151" y="1550847"/>
+                  <a:ext cx="488852" cy="276999"/>
+                </a:xfrm>
+                <a:prstGeom prst="rect">
+                  <a:avLst/>
+                </a:prstGeom>
+                <a:blipFill>
+                  <a:blip r:embed="rId10"/>
+                  <a:stretch>
+                    <a:fillRect l="-10000" r="-1250" b="-13043"/>
+                  </a:stretch>
+                </a:blipFill>
+              </p:spPr>
+              <p:txBody>
+                <a:bodyPr/>
+                <a:lstStyle/>
+                <a:p>
+                  <a:r>
+                    <a:rPr lang="ja-JP" altLang="en-US">
+                      <a:noFill/>
+                    </a:rPr>
+                    <a:t> </a:t>
+                  </a:r>
+                </a:p>
+              </p:txBody>
+            </p:sp>
+          </mc:Fallback>
+        </mc:AlternateContent>
+        <p:sp>
+          <p:nvSpPr>
+            <p:cNvPr id="54" name="テキスト ボックス 53">
+              <a:extLst>
+                <a:ext uri="{FF2B5EF4-FFF2-40B4-BE49-F238E27FC236}">
+                  <a16:creationId xmlns:a16="http://schemas.microsoft.com/office/drawing/2014/main" id="{A13D6234-E6C0-0F4E-18B4-575CE37AB17F}"/>
+                </a:ext>
+              </a:extLst>
+            </p:cNvPr>
+            <p:cNvSpPr txBox="1"/>
+            <p:nvPr/>
+          </p:nvSpPr>
+          <p:spPr>
+            <a:xfrm>
+              <a:off x="9331575" y="3764446"/>
+              <a:ext cx="766235" cy="153888"/>
+            </a:xfrm>
+            <a:prstGeom prst="rect">
+              <a:avLst/>
+            </a:prstGeom>
+            <a:noFill/>
+          </p:spPr>
+          <p:txBody>
+            <a:bodyPr wrap="none" lIns="0" tIns="0" rIns="0" bIns="0" rtlCol="0">
+              <a:spAutoFit/>
+            </a:bodyPr>
+            <a:lstStyle/>
+            <a:p>
+              <a:r>
+                <a:rPr kumimoji="1" lang="en-US" altLang="ja-JP" sz="1000" b="1" dirty="0"/>
+                <a:t>Degradation</a:t>
+              </a:r>
+              <a:endParaRPr kumimoji="1" lang="ja-JP" altLang="en-US" sz="1000" b="1"/>
+            </a:p>
+          </p:txBody>
+        </p:sp>
+        <mc:AlternateContent xmlns:mc="http://schemas.openxmlformats.org/markup-compatibility/2006" xmlns:a14="http://schemas.microsoft.com/office/drawing/2010/main">
+          <mc:Choice Requires="a14">
+            <p:sp>
+              <p:nvSpPr>
+                <p:cNvPr id="55" name="テキスト ボックス 54">
+                  <a:extLst>
+                    <a:ext uri="{FF2B5EF4-FFF2-40B4-BE49-F238E27FC236}">
+                      <a16:creationId xmlns:a16="http://schemas.microsoft.com/office/drawing/2014/main" id="{A6C757F7-24A6-86BA-71D3-ED07BC653A6F}"/>
+                    </a:ext>
+                  </a:extLst>
+                </p:cNvPr>
+                <p:cNvSpPr txBox="1"/>
+                <p:nvPr/>
+              </p:nvSpPr>
+              <p:spPr>
+                <a:xfrm>
+                  <a:off x="7902286" y="3320940"/>
+                  <a:ext cx="161198" cy="276999"/>
+                </a:xfrm>
+                <a:prstGeom prst="rect">
+                  <a:avLst/>
+                </a:prstGeom>
+                <a:noFill/>
+              </p:spPr>
+              <p:txBody>
+                <a:bodyPr wrap="none" lIns="0" tIns="0" rIns="0" bIns="0" rtlCol="0">
+                  <a:spAutoFit/>
+                </a:bodyPr>
+                <a:lstStyle/>
+                <a:p>
+                  <a:pPr/>
+                  <a14:m>
+                    <m:oMathPara xmlns:m="http://schemas.openxmlformats.org/officeDocument/2006/math">
+                      <m:oMathParaPr>
+                        <m:jc m:val="centerGroup"/>
+                      </m:oMathParaPr>
+                      <m:oMath xmlns:m="http://schemas.openxmlformats.org/officeDocument/2006/math">
+                        <m:r>
+                          <a:rPr kumimoji="1" lang="en-US" altLang="ja-JP" b="0" i="1" smtClean="0">
+                            <a:latin typeface="Cambria Math" panose="02040503050406030204" pitchFamily="18" charset="0"/>
+                          </a:rPr>
+                          <m:t>𝐼</m:t>
+                        </m:r>
+                      </m:oMath>
+                    </m:oMathPara>
+                  </a14:m>
+                  <a:endParaRPr kumimoji="1" lang="ja-JP" altLang="en-US"/>
+                </a:p>
+              </p:txBody>
+            </p:sp>
+          </mc:Choice>
+          <mc:Fallback xmlns="">
+            <p:sp>
+              <p:nvSpPr>
+                <p:cNvPr id="55" name="テキスト ボックス 54">
+                  <a:extLst>
+                    <a:ext uri="{FF2B5EF4-FFF2-40B4-BE49-F238E27FC236}">
+                      <a16:creationId xmlns:a16="http://schemas.microsoft.com/office/drawing/2014/main" id="{A6C757F7-24A6-86BA-71D3-ED07BC653A6F}"/>
+                    </a:ext>
+                  </a:extLst>
+                </p:cNvPr>
+                <p:cNvSpPr txBox="1">
+                  <a:spLocks noRot="1" noChangeAspect="1" noMove="1" noResize="1" noEditPoints="1" noAdjustHandles="1" noChangeArrowheads="1" noChangeShapeType="1" noTextEdit="1"/>
+                </p:cNvSpPr>
+                <p:nvPr/>
+              </p:nvSpPr>
+              <p:spPr>
+                <a:xfrm>
+                  <a:off x="7902286" y="3320940"/>
+                  <a:ext cx="161198" cy="276999"/>
+                </a:xfrm>
+                <a:prstGeom prst="rect">
+                  <a:avLst/>
+                </a:prstGeom>
+                <a:blipFill>
+                  <a:blip r:embed="rId11"/>
+                  <a:stretch>
+                    <a:fillRect l="-29630" r="-22222" b="-6667"/>
+                  </a:stretch>
+                </a:blipFill>
+              </p:spPr>
+              <p:txBody>
+                <a:bodyPr/>
+                <a:lstStyle/>
+                <a:p>
+                  <a:r>
+                    <a:rPr lang="ja-JP" altLang="en-US">
+                      <a:noFill/>
+                    </a:rPr>
+                    <a:t> </a:t>
+                  </a:r>
+                </a:p>
+              </p:txBody>
+            </p:sp>
+          </mc:Fallback>
+        </mc:AlternateContent>
+        <mc:AlternateContent xmlns:mc="http://schemas.openxmlformats.org/markup-compatibility/2006" xmlns:a14="http://schemas.microsoft.com/office/drawing/2010/main">
+          <mc:Choice Requires="a14">
+            <p:sp>
+              <p:nvSpPr>
+                <p:cNvPr id="56" name="テキスト ボックス 55">
+                  <a:extLst>
+                    <a:ext uri="{FF2B5EF4-FFF2-40B4-BE49-F238E27FC236}">
+                      <a16:creationId xmlns:a16="http://schemas.microsoft.com/office/drawing/2014/main" id="{C8668FFC-3752-6D22-5D46-5E0B5F0C7F67}"/>
+                    </a:ext>
+                  </a:extLst>
+                </p:cNvPr>
+                <p:cNvSpPr txBox="1"/>
+                <p:nvPr/>
+              </p:nvSpPr>
+              <p:spPr>
+                <a:xfrm>
+                  <a:off x="3656455" y="3633128"/>
+                  <a:ext cx="461858" cy="276999"/>
+                </a:xfrm>
+                <a:prstGeom prst="rect">
+                  <a:avLst/>
+                </a:prstGeom>
+                <a:noFill/>
+              </p:spPr>
+              <p:txBody>
+                <a:bodyPr wrap="none" lIns="0" tIns="0" rIns="0" bIns="0" rtlCol="0">
+                  <a:spAutoFit/>
+                </a:bodyPr>
+                <a:lstStyle/>
+                <a:p>
+                  <a:pPr/>
+                  <a14:m>
+                    <m:oMathPara xmlns:m="http://schemas.openxmlformats.org/officeDocument/2006/math">
+                      <m:oMathParaPr>
+                        <m:jc m:val="centerGroup"/>
+                      </m:oMathParaPr>
+                      <m:oMath xmlns:m="http://schemas.openxmlformats.org/officeDocument/2006/math">
+                        <m:sSub>
+                          <m:sSubPr>
+                            <m:ctrlPr>
+                              <a:rPr kumimoji="1" lang="en-US" altLang="ja-JP" b="0" i="1" smtClean="0">
+                                <a:latin typeface="Cambria Math" panose="02040503050406030204" pitchFamily="18" charset="0"/>
+                              </a:rPr>
+                            </m:ctrlPr>
+                          </m:sSubPr>
+                          <m:e>
+                            <m:r>
+                              <a:rPr kumimoji="1" lang="en-US" altLang="ja-JP" b="0" i="1" smtClean="0">
+                                <a:latin typeface="Cambria Math" panose="02040503050406030204" pitchFamily="18" charset="0"/>
+                              </a:rPr>
+                              <m:t>𝑢</m:t>
+                            </m:r>
+                          </m:e>
+                          <m:sub>
+                            <m:r>
+                              <a:rPr kumimoji="1" lang="en-US" altLang="ja-JP" b="0" i="1" smtClean="0">
+                                <a:latin typeface="Cambria Math" panose="02040503050406030204" pitchFamily="18" charset="0"/>
+                              </a:rPr>
+                              <m:t>𝑖𝑛𝑠</m:t>
+                            </m:r>
+                          </m:sub>
+                        </m:sSub>
+                      </m:oMath>
+                    </m:oMathPara>
+                  </a14:m>
+                  <a:endParaRPr kumimoji="1" lang="ja-JP" altLang="en-US" dirty="0"/>
+                </a:p>
+              </p:txBody>
+            </p:sp>
+          </mc:Choice>
+          <mc:Fallback xmlns="">
+            <p:sp>
+              <p:nvSpPr>
+                <p:cNvPr id="56" name="テキスト ボックス 55">
+                  <a:extLst>
+                    <a:ext uri="{FF2B5EF4-FFF2-40B4-BE49-F238E27FC236}">
+                      <a16:creationId xmlns:a16="http://schemas.microsoft.com/office/drawing/2014/main" id="{C8668FFC-3752-6D22-5D46-5E0B5F0C7F67}"/>
+                    </a:ext>
+                  </a:extLst>
+                </p:cNvPr>
+                <p:cNvSpPr txBox="1">
+                  <a:spLocks noRot="1" noChangeAspect="1" noMove="1" noResize="1" noEditPoints="1" noAdjustHandles="1" noChangeArrowheads="1" noChangeShapeType="1" noTextEdit="1"/>
+                </p:cNvSpPr>
+                <p:nvPr/>
+              </p:nvSpPr>
+              <p:spPr>
+                <a:xfrm>
+                  <a:off x="3656455" y="3633128"/>
+                  <a:ext cx="461858" cy="276999"/>
+                </a:xfrm>
+                <a:prstGeom prst="rect">
+                  <a:avLst/>
+                </a:prstGeom>
+                <a:blipFill>
+                  <a:blip r:embed="rId12"/>
+                  <a:stretch>
+                    <a:fillRect l="-5263" r="-1316" b="-15556"/>
+                  </a:stretch>
+                </a:blipFill>
+              </p:spPr>
+              <p:txBody>
+                <a:bodyPr/>
+                <a:lstStyle/>
+                <a:p>
+                  <a:r>
+                    <a:rPr lang="ja-JP" altLang="en-US">
+                      <a:noFill/>
+                    </a:rPr>
+                    <a:t> </a:t>
+                  </a:r>
+                </a:p>
+              </p:txBody>
+            </p:sp>
+          </mc:Fallback>
+        </mc:AlternateContent>
+        <mc:AlternateContent xmlns:mc="http://schemas.openxmlformats.org/markup-compatibility/2006" xmlns:a14="http://schemas.microsoft.com/office/drawing/2010/main">
+          <mc:Choice Requires="a14">
+            <p:sp>
+              <p:nvSpPr>
+                <p:cNvPr id="57" name="テキスト ボックス 56">
+                  <a:extLst>
+                    <a:ext uri="{FF2B5EF4-FFF2-40B4-BE49-F238E27FC236}">
+                      <a16:creationId xmlns:a16="http://schemas.microsoft.com/office/drawing/2014/main" id="{6A31BB64-ABD3-DE18-933F-AAB4C94CF31C}"/>
+                    </a:ext>
+                  </a:extLst>
+                </p:cNvPr>
+                <p:cNvSpPr txBox="1"/>
+                <p:nvPr/>
+              </p:nvSpPr>
+              <p:spPr>
+                <a:xfrm>
+                  <a:off x="3656455" y="782450"/>
+                  <a:ext cx="627672" cy="276999"/>
+                </a:xfrm>
+                <a:prstGeom prst="rect">
+                  <a:avLst/>
+                </a:prstGeom>
+                <a:noFill/>
+              </p:spPr>
+              <p:txBody>
+                <a:bodyPr wrap="none" lIns="0" tIns="0" rIns="0" bIns="0" rtlCol="0">
+                  <a:spAutoFit/>
+                </a:bodyPr>
+                <a:lstStyle/>
+                <a:p>
+                  <a:pPr/>
+                  <a14:m>
+                    <m:oMathPara xmlns:m="http://schemas.openxmlformats.org/officeDocument/2006/math">
+                      <m:oMathParaPr>
+                        <m:jc m:val="centerGroup"/>
+                      </m:oMathParaPr>
+                      <m:oMath xmlns:m="http://schemas.openxmlformats.org/officeDocument/2006/math">
+                        <m:sSub>
+                          <m:sSubPr>
+                            <m:ctrlPr>
+                              <a:rPr kumimoji="1" lang="en-US" altLang="ja-JP" b="0" i="1" smtClean="0">
+                                <a:latin typeface="Cambria Math" panose="02040503050406030204" pitchFamily="18" charset="0"/>
+                              </a:rPr>
+                            </m:ctrlPr>
+                          </m:sSubPr>
+                          <m:e>
+                            <m:r>
+                              <a:rPr kumimoji="1" lang="en-US" altLang="ja-JP" b="0" i="1" smtClean="0">
+                                <a:latin typeface="Cambria Math" panose="02040503050406030204" pitchFamily="18" charset="0"/>
+                              </a:rPr>
+                              <m:t>𝑑</m:t>
+                            </m:r>
+                          </m:e>
+                          <m:sub>
+                            <m:r>
+                              <a:rPr kumimoji="1" lang="en-US" altLang="ja-JP" b="0" i="1" smtClean="0">
+                                <a:latin typeface="Cambria Math" panose="02040503050406030204" pitchFamily="18" charset="0"/>
+                              </a:rPr>
+                              <m:t>𝑚𝑒𝑎𝑙</m:t>
+                            </m:r>
+                          </m:sub>
+                        </m:sSub>
+                      </m:oMath>
+                    </m:oMathPara>
+                  </a14:m>
+                  <a:endParaRPr kumimoji="1" lang="ja-JP" altLang="en-US"/>
+                </a:p>
+              </p:txBody>
+            </p:sp>
+          </mc:Choice>
+          <mc:Fallback xmlns="">
+            <p:sp>
+              <p:nvSpPr>
+                <p:cNvPr id="57" name="テキスト ボックス 56">
+                  <a:extLst>
+                    <a:ext uri="{FF2B5EF4-FFF2-40B4-BE49-F238E27FC236}">
+                      <a16:creationId xmlns:a16="http://schemas.microsoft.com/office/drawing/2014/main" id="{6A31BB64-ABD3-DE18-933F-AAB4C94CF31C}"/>
+                    </a:ext>
+                  </a:extLst>
+                </p:cNvPr>
+                <p:cNvSpPr txBox="1">
+                  <a:spLocks noRot="1" noChangeAspect="1" noMove="1" noResize="1" noEditPoints="1" noAdjustHandles="1" noChangeArrowheads="1" noChangeShapeType="1" noTextEdit="1"/>
+                </p:cNvSpPr>
+                <p:nvPr/>
+              </p:nvSpPr>
+              <p:spPr>
+                <a:xfrm>
+                  <a:off x="3656455" y="782450"/>
+                  <a:ext cx="627672" cy="276999"/>
+                </a:xfrm>
+                <a:prstGeom prst="rect">
+                  <a:avLst/>
+                </a:prstGeom>
+                <a:blipFill>
+                  <a:blip r:embed="rId13"/>
+                  <a:stretch>
+                    <a:fillRect l="-7767" r="-971" b="-15217"/>
+                  </a:stretch>
+                </a:blipFill>
+              </p:spPr>
+              <p:txBody>
+                <a:bodyPr/>
+                <a:lstStyle/>
+                <a:p>
+                  <a:r>
+                    <a:rPr lang="ja-JP" altLang="en-US">
+                      <a:noFill/>
+                    </a:rPr>
+                    <a:t> </a:t>
+                  </a:r>
+                </a:p>
+              </p:txBody>
+            </p:sp>
+          </mc:Fallback>
+        </mc:AlternateContent>
+        <mc:AlternateContent xmlns:mc="http://schemas.openxmlformats.org/markup-compatibility/2006" xmlns:a14="http://schemas.microsoft.com/office/drawing/2010/main">
+          <mc:Choice Requires="a14">
+            <p:sp>
+              <p:nvSpPr>
+                <p:cNvPr id="58" name="テキスト ボックス 57">
+                  <a:extLst>
+                    <a:ext uri="{FF2B5EF4-FFF2-40B4-BE49-F238E27FC236}">
+                      <a16:creationId xmlns:a16="http://schemas.microsoft.com/office/drawing/2014/main" id="{BB4BF146-78A8-D715-B041-7214B36756A1}"/>
+                    </a:ext>
+                  </a:extLst>
+                </p:cNvPr>
+                <p:cNvSpPr txBox="1"/>
+                <p:nvPr/>
+              </p:nvSpPr>
+              <p:spPr>
+                <a:xfrm>
+                  <a:off x="8275040" y="2739560"/>
+                  <a:ext cx="221727" cy="276999"/>
+                </a:xfrm>
+                <a:prstGeom prst="rect">
+                  <a:avLst/>
+                </a:prstGeom>
+                <a:noFill/>
+              </p:spPr>
+              <p:txBody>
+                <a:bodyPr wrap="none" lIns="0" tIns="0" rIns="0" bIns="0" rtlCol="0">
+                  <a:spAutoFit/>
+                </a:bodyPr>
+                <a:lstStyle/>
+                <a:p>
+                  <a:pPr/>
+                  <a14:m>
+                    <m:oMathPara xmlns:m="http://schemas.openxmlformats.org/officeDocument/2006/math">
+                      <m:oMathParaPr>
+                        <m:jc m:val="centerGroup"/>
+                      </m:oMathParaPr>
+                      <m:oMath xmlns:m="http://schemas.openxmlformats.org/officeDocument/2006/math">
+                        <m:r>
+                          <a:rPr kumimoji="1" lang="en-US" altLang="ja-JP" b="0" i="1" smtClean="0">
+                            <a:latin typeface="Cambria Math" panose="02040503050406030204" pitchFamily="18" charset="0"/>
+                          </a:rPr>
+                          <m:t>𝐺</m:t>
+                        </m:r>
+                      </m:oMath>
+                    </m:oMathPara>
+                  </a14:m>
+                  <a:endParaRPr kumimoji="1" lang="ja-JP" altLang="en-US"/>
+                </a:p>
+              </p:txBody>
+            </p:sp>
+          </mc:Choice>
+          <mc:Fallback xmlns="">
+            <p:sp>
+              <p:nvSpPr>
+                <p:cNvPr id="58" name="テキスト ボックス 57">
+                  <a:extLst>
+                    <a:ext uri="{FF2B5EF4-FFF2-40B4-BE49-F238E27FC236}">
+                      <a16:creationId xmlns:a16="http://schemas.microsoft.com/office/drawing/2014/main" id="{BB4BF146-78A8-D715-B041-7214B36756A1}"/>
+                    </a:ext>
+                  </a:extLst>
+                </p:cNvPr>
+                <p:cNvSpPr txBox="1">
+                  <a:spLocks noRot="1" noChangeAspect="1" noMove="1" noResize="1" noEditPoints="1" noAdjustHandles="1" noChangeArrowheads="1" noChangeShapeType="1" noTextEdit="1"/>
+                </p:cNvSpPr>
+                <p:nvPr/>
+              </p:nvSpPr>
+              <p:spPr>
+                <a:xfrm>
+                  <a:off x="8275040" y="2739560"/>
+                  <a:ext cx="221727" cy="276999"/>
+                </a:xfrm>
+                <a:prstGeom prst="rect">
+                  <a:avLst/>
+                </a:prstGeom>
+                <a:blipFill>
+                  <a:blip r:embed="rId14"/>
+                  <a:stretch>
+                    <a:fillRect l="-21622" r="-16216" b="-6522"/>
+                  </a:stretch>
+                </a:blipFill>
+              </p:spPr>
+              <p:txBody>
+                <a:bodyPr/>
+                <a:lstStyle/>
+                <a:p>
+                  <a:r>
+                    <a:rPr lang="ja-JP" altLang="en-US">
+                      <a:noFill/>
+                    </a:rPr>
+                    <a:t> </a:t>
+                  </a:r>
+                </a:p>
+              </p:txBody>
+            </p:sp>
+          </mc:Fallback>
+        </mc:AlternateContent>
+        <mc:AlternateContent xmlns:mc="http://schemas.openxmlformats.org/markup-compatibility/2006" xmlns:a14="http://schemas.microsoft.com/office/drawing/2010/main">
+          <mc:Choice Requires="a14">
+            <p:sp>
+              <p:nvSpPr>
+                <p:cNvPr id="60" name="テキスト ボックス 59">
+                  <a:extLst>
+                    <a:ext uri="{FF2B5EF4-FFF2-40B4-BE49-F238E27FC236}">
+                      <a16:creationId xmlns:a16="http://schemas.microsoft.com/office/drawing/2014/main" id="{404863C7-AB49-4B94-169F-10D3D748E185}"/>
+                    </a:ext>
+                  </a:extLst>
+                </p:cNvPr>
+                <p:cNvSpPr txBox="1"/>
+                <p:nvPr/>
+              </p:nvSpPr>
+              <p:spPr>
+                <a:xfrm>
+                  <a:off x="2278782" y="2056988"/>
+                  <a:ext cx="476221" cy="276999"/>
+                </a:xfrm>
+                <a:prstGeom prst="rect">
+                  <a:avLst/>
+                </a:prstGeom>
+                <a:noFill/>
+              </p:spPr>
+              <p:txBody>
+                <a:bodyPr wrap="none" lIns="0" tIns="0" rIns="0" bIns="0" rtlCol="0">
+                  <a:spAutoFit/>
+                </a:bodyPr>
+                <a:lstStyle/>
+                <a:p>
+                  <a:pPr/>
+                  <a14:m>
+                    <m:oMathPara xmlns:m="http://schemas.openxmlformats.org/officeDocument/2006/math">
+                      <m:oMathParaPr>
+                        <m:jc m:val="centerGroup"/>
+                      </m:oMathParaPr>
+                      <m:oMath xmlns:m="http://schemas.openxmlformats.org/officeDocument/2006/math">
+                        <m:r>
+                          <a:rPr kumimoji="1" lang="en-US" altLang="ja-JP" b="0" i="1" smtClean="0">
+                            <a:latin typeface="Cambria Math" panose="02040503050406030204" pitchFamily="18" charset="0"/>
+                          </a:rPr>
+                          <m:t>𝑆</m:t>
+                        </m:r>
+                        <m:sSub>
+                          <m:sSubPr>
+                            <m:ctrlPr>
+                              <a:rPr kumimoji="1" lang="en-US" altLang="ja-JP" b="0" i="1" smtClean="0">
+                                <a:latin typeface="Cambria Math" panose="02040503050406030204" pitchFamily="18" charset="0"/>
+                              </a:rPr>
+                            </m:ctrlPr>
+                          </m:sSubPr>
+                          <m:e>
+                            <m:r>
+                              <a:rPr kumimoji="1" lang="en-US" altLang="ja-JP" b="0" i="1" smtClean="0">
+                                <a:latin typeface="Cambria Math" panose="02040503050406030204" pitchFamily="18" charset="0"/>
+                              </a:rPr>
+                              <m:t>𝑅</m:t>
+                            </m:r>
+                          </m:e>
+                          <m:sub>
+                            <m:r>
+                              <a:rPr kumimoji="1" lang="en-US" altLang="ja-JP" b="0" i="1" smtClean="0">
+                                <a:latin typeface="Cambria Math" panose="02040503050406030204" pitchFamily="18" charset="0"/>
+                              </a:rPr>
+                              <m:t>𝐻</m:t>
+                            </m:r>
+                          </m:sub>
+                        </m:sSub>
+                      </m:oMath>
+                    </m:oMathPara>
+                  </a14:m>
+                  <a:endParaRPr kumimoji="1" lang="ja-JP" altLang="en-US"/>
+                </a:p>
+              </p:txBody>
+            </p:sp>
+          </mc:Choice>
+          <mc:Fallback xmlns="">
+            <p:sp>
+              <p:nvSpPr>
+                <p:cNvPr id="60" name="テキスト ボックス 59">
+                  <a:extLst>
+                    <a:ext uri="{FF2B5EF4-FFF2-40B4-BE49-F238E27FC236}">
+                      <a16:creationId xmlns:a16="http://schemas.microsoft.com/office/drawing/2014/main" id="{404863C7-AB49-4B94-169F-10D3D748E185}"/>
+                    </a:ext>
+                  </a:extLst>
+                </p:cNvPr>
+                <p:cNvSpPr txBox="1">
+                  <a:spLocks noRot="1" noChangeAspect="1" noMove="1" noResize="1" noEditPoints="1" noAdjustHandles="1" noChangeArrowheads="1" noChangeShapeType="1" noTextEdit="1"/>
+                </p:cNvSpPr>
+                <p:nvPr/>
+              </p:nvSpPr>
+              <p:spPr>
+                <a:xfrm>
+                  <a:off x="2278782" y="2056988"/>
+                  <a:ext cx="476221" cy="276999"/>
+                </a:xfrm>
+                <a:prstGeom prst="rect">
+                  <a:avLst/>
+                </a:prstGeom>
+                <a:blipFill>
+                  <a:blip r:embed="rId15"/>
+                  <a:stretch>
+                    <a:fillRect l="-10256" b="-13043"/>
+                  </a:stretch>
+                </a:blipFill>
+              </p:spPr>
+              <p:txBody>
+                <a:bodyPr/>
+                <a:lstStyle/>
+                <a:p>
+                  <a:r>
+                    <a:rPr lang="ja-JP" altLang="en-US">
+                      <a:noFill/>
+                    </a:rPr>
+                    <a:t> </a:t>
+                  </a:r>
+                </a:p>
+              </p:txBody>
+            </p:sp>
+          </mc:Fallback>
+        </mc:AlternateContent>
+        <mc:AlternateContent xmlns:mc="http://schemas.openxmlformats.org/markup-compatibility/2006" xmlns:a14="http://schemas.microsoft.com/office/drawing/2010/main">
+          <mc:Choice Requires="a14">
+            <p:sp>
+              <p:nvSpPr>
+                <p:cNvPr id="61" name="テキスト ボックス 60">
+                  <a:extLst>
+                    <a:ext uri="{FF2B5EF4-FFF2-40B4-BE49-F238E27FC236}">
+                      <a16:creationId xmlns:a16="http://schemas.microsoft.com/office/drawing/2014/main" id="{140C76C9-A000-EF91-1220-202EB0CECFAC}"/>
+                    </a:ext>
+                  </a:extLst>
+                </p:cNvPr>
+                <p:cNvSpPr txBox="1"/>
+                <p:nvPr/>
+              </p:nvSpPr>
+              <p:spPr>
+                <a:xfrm>
+                  <a:off x="4672362" y="2158579"/>
+                  <a:ext cx="240772" cy="276999"/>
+                </a:xfrm>
+                <a:prstGeom prst="rect">
+                  <a:avLst/>
+                </a:prstGeom>
+                <a:noFill/>
+              </p:spPr>
+              <p:txBody>
+                <a:bodyPr wrap="none" lIns="0" tIns="0" rIns="0" bIns="0" rtlCol="0">
+                  <a:spAutoFit/>
+                </a:bodyPr>
+                <a:lstStyle/>
+                <a:p>
+                  <a:pPr/>
+                  <a14:m>
+                    <m:oMathPara xmlns:m="http://schemas.openxmlformats.org/officeDocument/2006/math">
+                      <m:oMathParaPr>
+                        <m:jc m:val="centerGroup"/>
+                      </m:oMathParaPr>
+                      <m:oMath xmlns:m="http://schemas.openxmlformats.org/officeDocument/2006/math">
+                        <m:r>
+                          <a:rPr kumimoji="1" lang="en-US" altLang="ja-JP" b="0" i="1" smtClean="0">
+                            <a:latin typeface="Cambria Math" panose="02040503050406030204" pitchFamily="18" charset="0"/>
+                          </a:rPr>
+                          <m:t>𝐻</m:t>
+                        </m:r>
+                      </m:oMath>
+                    </m:oMathPara>
+                  </a14:m>
+                  <a:endParaRPr kumimoji="1" lang="ja-JP" altLang="en-US" dirty="0"/>
+                </a:p>
+              </p:txBody>
+            </p:sp>
+          </mc:Choice>
+          <mc:Fallback xmlns="">
+            <p:sp>
+              <p:nvSpPr>
+                <p:cNvPr id="61" name="テキスト ボックス 60">
+                  <a:extLst>
+                    <a:ext uri="{FF2B5EF4-FFF2-40B4-BE49-F238E27FC236}">
+                      <a16:creationId xmlns:a16="http://schemas.microsoft.com/office/drawing/2014/main" id="{140C76C9-A000-EF91-1220-202EB0CECFAC}"/>
+                    </a:ext>
+                  </a:extLst>
+                </p:cNvPr>
+                <p:cNvSpPr txBox="1">
+                  <a:spLocks noRot="1" noChangeAspect="1" noMove="1" noResize="1" noEditPoints="1" noAdjustHandles="1" noChangeArrowheads="1" noChangeShapeType="1" noTextEdit="1"/>
+                </p:cNvSpPr>
+                <p:nvPr/>
+              </p:nvSpPr>
+              <p:spPr>
+                <a:xfrm>
+                  <a:off x="4672362" y="2158579"/>
+                  <a:ext cx="240772" cy="276999"/>
+                </a:xfrm>
+                <a:prstGeom prst="rect">
+                  <a:avLst/>
+                </a:prstGeom>
+                <a:blipFill>
+                  <a:blip r:embed="rId16"/>
+                  <a:stretch>
+                    <a:fillRect l="-20000" r="-17500" b="-6522"/>
+                  </a:stretch>
+                </a:blipFill>
+              </p:spPr>
+              <p:txBody>
+                <a:bodyPr/>
+                <a:lstStyle/>
+                <a:p>
+                  <a:r>
+                    <a:rPr lang="ja-JP" altLang="en-US">
+                      <a:noFill/>
+                    </a:rPr>
+                    <a:t> </a:t>
+                  </a:r>
+                </a:p>
+              </p:txBody>
+            </p:sp>
+          </mc:Fallback>
+        </mc:AlternateContent>
+        <p:cxnSp>
+          <p:nvCxnSpPr>
+            <p:cNvPr id="95" name="直線矢印コネクタ 94">
+              <a:extLst>
+                <a:ext uri="{FF2B5EF4-FFF2-40B4-BE49-F238E27FC236}">
+                  <a16:creationId xmlns:a16="http://schemas.microsoft.com/office/drawing/2014/main" id="{3CAA771E-9A73-5BFC-6BD0-87A64E7A3666}"/>
+                </a:ext>
+              </a:extLst>
+            </p:cNvPr>
+            <p:cNvCxnSpPr>
+              <a:cxnSpLocks/>
+              <a:stCxn id="11" idx="3"/>
+              <a:endCxn id="7" idx="1"/>
+            </p:cNvCxnSpPr>
+            <p:nvPr/>
+          </p:nvCxnSpPr>
+          <p:spPr>
+            <a:xfrm flipV="1">
+              <a:off x="4653400" y="2407269"/>
+              <a:ext cx="378007" cy="0"/>
+            </a:xfrm>
+            <a:prstGeom prst="straightConnector1">
+              <a:avLst/>
+            </a:prstGeom>
+            <a:ln>
+              <a:prstDash val="dash"/>
+              <a:tailEnd type="triangle"/>
+            </a:ln>
+          </p:spPr>
+          <p:style>
+            <a:lnRef idx="2">
+              <a:schemeClr val="dk1"/>
+            </a:lnRef>
+            <a:fillRef idx="0">
+              <a:schemeClr val="dk1"/>
+            </a:fillRef>
+            <a:effectRef idx="1">
+              <a:schemeClr val="dk1"/>
+            </a:effectRef>
+            <a:fontRef idx="minor">
+              <a:schemeClr val="tx1"/>
+            </a:fontRef>
+          </p:style>
+        </p:cxnSp>
+        <p:cxnSp>
+          <p:nvCxnSpPr>
+            <p:cNvPr id="116" name="直線コネクタ 115">
+              <a:extLst>
+                <a:ext uri="{FF2B5EF4-FFF2-40B4-BE49-F238E27FC236}">
+                  <a16:creationId xmlns:a16="http://schemas.microsoft.com/office/drawing/2014/main" id="{D0A65BD2-1019-F829-AFB4-B3C77A79ADCA}"/>
+                </a:ext>
+              </a:extLst>
+            </p:cNvPr>
+            <p:cNvCxnSpPr>
+              <a:cxnSpLocks/>
+            </p:cNvCxnSpPr>
+            <p:nvPr/>
+          </p:nvCxnSpPr>
+          <p:spPr>
+            <a:xfrm>
+              <a:off x="1391737" y="3323158"/>
+              <a:ext cx="4276477" cy="0"/>
+            </a:xfrm>
+            <a:prstGeom prst="line">
+              <a:avLst/>
+            </a:prstGeom>
+            <a:ln>
+              <a:prstDash val="dash"/>
+            </a:ln>
+          </p:spPr>
+          <p:style>
+            <a:lnRef idx="2">
+              <a:schemeClr val="dk1"/>
+            </a:lnRef>
+            <a:fillRef idx="0">
+              <a:schemeClr val="dk1"/>
+            </a:fillRef>
+            <a:effectRef idx="1">
+              <a:schemeClr val="dk1"/>
+            </a:effectRef>
+            <a:fontRef idx="minor">
+              <a:schemeClr val="tx1"/>
+            </a:fontRef>
+          </p:style>
+        </p:cxnSp>
+        <p:cxnSp>
+          <p:nvCxnSpPr>
+            <p:cNvPr id="120" name="直線矢印コネクタ 119">
+              <a:extLst>
+                <a:ext uri="{FF2B5EF4-FFF2-40B4-BE49-F238E27FC236}">
+                  <a16:creationId xmlns:a16="http://schemas.microsoft.com/office/drawing/2014/main" id="{0D691829-E008-F3C8-1528-562F932ECA8C}"/>
+                </a:ext>
+              </a:extLst>
+            </p:cNvPr>
+            <p:cNvCxnSpPr>
+              <a:cxnSpLocks/>
+            </p:cNvCxnSpPr>
+            <p:nvPr/>
+          </p:nvCxnSpPr>
+          <p:spPr>
+            <a:xfrm flipV="1">
+              <a:off x="1391737" y="2802034"/>
+              <a:ext cx="0" cy="521124"/>
+            </a:xfrm>
+            <a:prstGeom prst="straightConnector1">
+              <a:avLst/>
+            </a:prstGeom>
+            <a:ln>
+              <a:prstDash val="dash"/>
+              <a:tailEnd type="triangle"/>
+            </a:ln>
+          </p:spPr>
+          <p:style>
+            <a:lnRef idx="2">
+              <a:schemeClr val="dk1"/>
+            </a:lnRef>
+            <a:fillRef idx="0">
+              <a:schemeClr val="dk1"/>
+            </a:fillRef>
+            <a:effectRef idx="1">
+              <a:schemeClr val="dk1"/>
+            </a:effectRef>
+            <a:fontRef idx="minor">
+              <a:schemeClr val="tx1"/>
+            </a:fontRef>
+          </p:style>
+        </p:cxnSp>
+      </p:grpSp>
+    </p:spTree>
+    <p:extLst>
+      <p:ext uri="{BB962C8B-B14F-4D97-AF65-F5344CB8AC3E}">
+        <p14:creationId xmlns:p14="http://schemas.microsoft.com/office/powerpoint/2010/main" val="1863112322"/>
+      </p:ext>
+    </p:extLst>
+  </p:cSld>
+  <p:clrMapOvr>
+    <a:masterClrMapping/>
+  </p:clrMapOvr>
+</p:sld>
+</file>
+
+<file path=ppt/slides/slide7.xml><?xml version="1.0" encoding="utf-8"?>
+<p:sld xmlns:a="http://schemas.openxmlformats.org/drawingml/2006/main" xmlns:r="http://schemas.openxmlformats.org/officeDocument/2006/relationships" xmlns:p="http://schemas.openxmlformats.org/presentationml/2006/main">
+  <p:cSld>
+    <p:spTree>
+      <p:nvGrpSpPr>
+        <p:cNvPr id="1" name="">
+          <a:extLst>
+            <a:ext uri="{FF2B5EF4-FFF2-40B4-BE49-F238E27FC236}">
+              <a16:creationId xmlns:a16="http://schemas.microsoft.com/office/drawing/2014/main" id="{9EA241BD-B6D3-C22E-3C0A-39D1392D3146}"/>
+            </a:ext>
+          </a:extLst>
+        </p:cNvPr>
+        <p:cNvGrpSpPr/>
+        <p:nvPr/>
+      </p:nvGrpSpPr>
+      <p:grpSpPr>
+        <a:xfrm>
+          <a:off x="0" y="0"/>
+          <a:ext cx="0" cy="0"/>
+          <a:chOff x="0" y="0"/>
+          <a:chExt cx="0" cy="0"/>
+        </a:xfrm>
+      </p:grpSpPr>
+      <p:sp>
+        <p:nvSpPr>
+          <p:cNvPr id="2" name="正方形/長方形 1">
+            <a:extLst>
+              <a:ext uri="{FF2B5EF4-FFF2-40B4-BE49-F238E27FC236}">
+                <a16:creationId xmlns:a16="http://schemas.microsoft.com/office/drawing/2014/main" id="{185BC4B5-5C2B-6FD7-52D6-70060B559FE9}"/>
+              </a:ext>
+            </a:extLst>
+          </p:cNvPr>
+          <p:cNvSpPr/>
+          <p:nvPr/>
+        </p:nvSpPr>
+        <p:spPr>
+          <a:xfrm>
+            <a:off x="3195189" y="3756790"/>
+            <a:ext cx="2310564" cy="717781"/>
+          </a:xfrm>
+          <a:prstGeom prst="rect">
+            <a:avLst/>
+          </a:prstGeom>
+          <a:ln w="25400"/>
+        </p:spPr>
+        <p:style>
+          <a:lnRef idx="2">
+            <a:schemeClr val="dk1"/>
+          </a:lnRef>
+          <a:fillRef idx="1">
+            <a:schemeClr val="lt1"/>
+          </a:fillRef>
+          <a:effectRef idx="0">
+            <a:schemeClr val="dk1"/>
+          </a:effectRef>
+          <a:fontRef idx="minor">
+            <a:schemeClr val="dk1"/>
+          </a:fontRef>
+        </p:style>
+        <p:txBody>
+          <a:bodyPr rtlCol="0" anchor="ctr"/>
+          <a:lstStyle/>
+          <a:p>
+            <a:pPr algn="ctr"/>
+            <a:r>
+              <a:rPr lang="en-US" altLang="ja-JP" sz="1400" b="1" dirty="0">
+                <a:latin typeface="メイリオ" panose="020B0604030504040204" pitchFamily="50" charset="-128"/>
+                <a:ea typeface="メイリオ" panose="020B0604030504040204" pitchFamily="50" charset="-128"/>
+                <a:cs typeface="Arial" panose="020B0604020202020204" pitchFamily="34" charset="0"/>
+              </a:rPr>
+              <a:t>Subject</a:t>
+            </a:r>
+          </a:p>
+          <a:p>
+            <a:pPr algn="ctr"/>
+            <a:r>
+              <a:rPr lang="en-US" altLang="ja-JP" sz="1400" b="1" dirty="0">
+                <a:latin typeface="メイリオ" panose="020B0604030504040204" pitchFamily="50" charset="-128"/>
+                <a:ea typeface="メイリオ" panose="020B0604030504040204" pitchFamily="50" charset="-128"/>
+                <a:cs typeface="Arial" panose="020B0604020202020204" pitchFamily="34" charset="0"/>
+              </a:rPr>
+              <a:t>(UVA/Padova Model</a:t>
+            </a:r>
+            <a:r>
+              <a:rPr lang="en-US" altLang="ja-JP" sz="1400" b="1" dirty="0">
+                <a:latin typeface="Hiragino Kaku Gothic ProN W3" panose="020B0300000000000000" pitchFamily="34" charset="-128"/>
+                <a:ea typeface="Hiragino Kaku Gothic ProN W3" panose="020B0300000000000000" pitchFamily="34" charset="-128"/>
+                <a:cs typeface="Arial" panose="020B0604020202020204" pitchFamily="34" charset="0"/>
+              </a:rPr>
+              <a:t>)</a:t>
+            </a:r>
+            <a:r>
+              <a:rPr lang="ja-JP" altLang="en-US" sz="1400" b="1" dirty="0">
+                <a:latin typeface="Hiragino Kaku Gothic ProN W3" panose="020B0300000000000000" pitchFamily="34" charset="-128"/>
+                <a:ea typeface="Hiragino Kaku Gothic ProN W3" panose="020B0300000000000000" pitchFamily="34" charset="-128"/>
+                <a:cs typeface="Arial" panose="020B0604020202020204" pitchFamily="34" charset="0"/>
+              </a:rPr>
+              <a:t>　</a:t>
+            </a:r>
+            <a:endParaRPr lang="en-US" altLang="ja-JP" sz="1400" b="1" dirty="0">
+              <a:latin typeface="Hiragino Kaku Gothic ProN W3" panose="020B0300000000000000" pitchFamily="34" charset="-128"/>
+              <a:ea typeface="Hiragino Kaku Gothic ProN W3" panose="020B0300000000000000" pitchFamily="34" charset="-128"/>
+              <a:cs typeface="Arial" panose="020B0604020202020204" pitchFamily="34" charset="0"/>
+            </a:endParaRPr>
+          </a:p>
+        </p:txBody>
+      </p:sp>
+      <mc:AlternateContent xmlns:mc="http://schemas.openxmlformats.org/markup-compatibility/2006" xmlns:a14="http://schemas.microsoft.com/office/drawing/2010/main">
+        <mc:Choice Requires="a14">
+          <p:sp>
+            <p:nvSpPr>
+              <p:cNvPr id="3" name="テキスト ボックス 2">
+                <a:extLst>
+                  <a:ext uri="{FF2B5EF4-FFF2-40B4-BE49-F238E27FC236}">
+                    <a16:creationId xmlns:a16="http://schemas.microsoft.com/office/drawing/2014/main" id="{42EFACA3-A988-659B-D023-5FC7CD64A51D}"/>
+                  </a:ext>
+                </a:extLst>
+              </p:cNvPr>
+              <p:cNvSpPr txBox="1"/>
+              <p:nvPr/>
+            </p:nvSpPr>
+            <p:spPr>
+              <a:xfrm>
+                <a:off x="1520242" y="3977180"/>
+                <a:ext cx="618054" cy="276999"/>
+              </a:xfrm>
+              <a:prstGeom prst="rect">
+                <a:avLst/>
+              </a:prstGeom>
+              <a:noFill/>
+            </p:spPr>
+            <p:txBody>
+              <a:bodyPr wrap="square" lIns="0" tIns="0" rIns="0" bIns="0" rtlCol="0">
+                <a:spAutoFit/>
+              </a:bodyPr>
+              <a:lstStyle/>
+              <a:p>
+                <a:pPr/>
+                <a14:m>
+                  <m:oMathPara xmlns:m="http://schemas.openxmlformats.org/officeDocument/2006/math">
+                    <m:oMathParaPr>
+                      <m:jc m:val="centerGroup"/>
+                    </m:oMathParaPr>
+                    <m:oMath xmlns:m="http://schemas.openxmlformats.org/officeDocument/2006/math">
+                      <m:sSub>
+                        <m:sSubPr>
+                          <m:ctrlPr>
+                            <a:rPr kumimoji="1" lang="en-US" altLang="ja-JP" i="1" smtClean="0">
+                              <a:latin typeface="Cambria Math" panose="02040503050406030204" pitchFamily="18" charset="0"/>
+                            </a:rPr>
+                          </m:ctrlPr>
+                        </m:sSubPr>
+                        <m:e>
+                          <m:r>
+                            <a:rPr kumimoji="1" lang="en-US" altLang="ja-JP" b="0" i="1" smtClean="0">
+                              <a:latin typeface="Cambria Math" panose="02040503050406030204" pitchFamily="18" charset="0"/>
+                            </a:rPr>
+                            <m:t>𝑑</m:t>
+                          </m:r>
+                        </m:e>
+                        <m:sub>
+                          <m:r>
+                            <a:rPr kumimoji="1" lang="en-US" altLang="ja-JP" b="0" i="1" smtClean="0">
+                              <a:latin typeface="Cambria Math" panose="02040503050406030204" pitchFamily="18" charset="0"/>
+                            </a:rPr>
+                            <m:t>𝑚𝑒𝑎𝑙</m:t>
+                          </m:r>
+                        </m:sub>
+                      </m:sSub>
+                      <m:r>
+                        <a:rPr kumimoji="1" lang="en-US" altLang="ja-JP" b="0" i="1" smtClean="0">
+                          <a:latin typeface="Cambria Math" panose="02040503050406030204" pitchFamily="18" charset="0"/>
+                        </a:rPr>
+                        <m:t>(</m:t>
+                      </m:r>
+                      <m:r>
+                        <a:rPr kumimoji="1" lang="en-US" altLang="ja-JP" b="0" i="1" smtClean="0">
+                          <a:latin typeface="Cambria Math" panose="02040503050406030204" pitchFamily="18" charset="0"/>
+                        </a:rPr>
+                        <m:t>𝑡</m:t>
+                      </m:r>
+                      <m:r>
+                        <a:rPr kumimoji="1" lang="en-US" altLang="ja-JP" b="0" i="1" smtClean="0">
+                          <a:latin typeface="Cambria Math" panose="02040503050406030204" pitchFamily="18" charset="0"/>
+                        </a:rPr>
+                        <m:t>)</m:t>
+                      </m:r>
+                    </m:oMath>
+                  </m:oMathPara>
+                </a14:m>
+                <a:endParaRPr kumimoji="1" lang="ja-JP" altLang="en-US" dirty="0"/>
+              </a:p>
+            </p:txBody>
+          </p:sp>
+        </mc:Choice>
+        <mc:Fallback xmlns="">
+          <p:sp>
+            <p:nvSpPr>
+              <p:cNvPr id="3" name="テキスト ボックス 2">
+                <a:extLst>
+                  <a:ext uri="{FF2B5EF4-FFF2-40B4-BE49-F238E27FC236}">
+                    <a16:creationId xmlns:a16="http://schemas.microsoft.com/office/drawing/2014/main" id="{42EFACA3-A988-659B-D023-5FC7CD64A51D}"/>
+                  </a:ext>
+                </a:extLst>
+              </p:cNvPr>
+              <p:cNvSpPr txBox="1">
+                <a:spLocks noRot="1" noChangeAspect="1" noMove="1" noResize="1" noEditPoints="1" noAdjustHandles="1" noChangeArrowheads="1" noChangeShapeType="1" noTextEdit="1"/>
+              </p:cNvSpPr>
+              <p:nvPr/>
+            </p:nvSpPr>
+            <p:spPr>
+              <a:xfrm>
+                <a:off x="1520242" y="3977180"/>
+                <a:ext cx="618054" cy="276999"/>
+              </a:xfrm>
+              <a:prstGeom prst="rect">
+                <a:avLst/>
+              </a:prstGeom>
+              <a:blipFill>
+                <a:blip r:embed="rId2"/>
+                <a:stretch>
+                  <a:fillRect l="-13725" t="-2174" r="-53922" b="-32609"/>
+                </a:stretch>
+              </a:blipFill>
+            </p:spPr>
+            <p:txBody>
+              <a:bodyPr/>
+              <a:lstStyle/>
+              <a:p>
+                <a:r>
+                  <a:rPr lang="ja-JP" altLang="en-US">
+                    <a:noFill/>
+                  </a:rPr>
+                  <a:t> </a:t>
+                </a:r>
+              </a:p>
+            </p:txBody>
+          </p:sp>
+        </mc:Fallback>
+      </mc:AlternateContent>
+      <mc:AlternateContent xmlns:mc="http://schemas.openxmlformats.org/markup-compatibility/2006" xmlns:a14="http://schemas.microsoft.com/office/drawing/2010/main">
+        <mc:Choice Requires="a14">
+          <p:sp>
+            <p:nvSpPr>
+              <p:cNvPr id="4" name="テキスト ボックス 3">
+                <a:extLst>
+                  <a:ext uri="{FF2B5EF4-FFF2-40B4-BE49-F238E27FC236}">
+                    <a16:creationId xmlns:a16="http://schemas.microsoft.com/office/drawing/2014/main" id="{101877AF-0E02-24C6-C40A-6A5277C5090F}"/>
+                  </a:ext>
+                </a:extLst>
+              </p:cNvPr>
+              <p:cNvSpPr txBox="1"/>
+              <p:nvPr/>
+            </p:nvSpPr>
+            <p:spPr>
+              <a:xfrm>
+                <a:off x="1741793" y="3544550"/>
+                <a:ext cx="751231" cy="276999"/>
+              </a:xfrm>
+              <a:prstGeom prst="rect">
+                <a:avLst/>
+              </a:prstGeom>
+              <a:noFill/>
+            </p:spPr>
+            <p:txBody>
+              <a:bodyPr wrap="square" lIns="0" tIns="0" rIns="0" bIns="0" rtlCol="0">
+                <a:spAutoFit/>
+              </a:bodyPr>
+              <a:lstStyle/>
+              <a:p>
+                <a:pPr/>
+                <a14:m>
+                  <m:oMathPara xmlns:m="http://schemas.openxmlformats.org/officeDocument/2006/math">
+                    <m:oMathParaPr>
+                      <m:jc m:val="centerGroup"/>
+                    </m:oMathParaPr>
+                    <m:oMath xmlns:m="http://schemas.openxmlformats.org/officeDocument/2006/math">
+                      <m:sSub>
+                        <m:sSubPr>
+                          <m:ctrlPr>
+                            <a:rPr kumimoji="1" lang="en-US" altLang="ja-JP" i="1" smtClean="0">
+                              <a:latin typeface="Cambria Math" panose="02040503050406030204" pitchFamily="18" charset="0"/>
+                            </a:rPr>
+                          </m:ctrlPr>
+                        </m:sSubPr>
+                        <m:e>
+                          <m:r>
+                            <a:rPr kumimoji="1" lang="en-US" altLang="ja-JP" b="0" i="1" smtClean="0">
+                              <a:latin typeface="Cambria Math" panose="02040503050406030204" pitchFamily="18" charset="0"/>
+                            </a:rPr>
+                            <m:t>𝑢</m:t>
+                          </m:r>
+                        </m:e>
+                        <m:sub>
+                          <m:r>
+                            <a:rPr kumimoji="1" lang="en-US" altLang="ja-JP" b="0" i="1" smtClean="0">
+                              <a:latin typeface="Cambria Math" panose="02040503050406030204" pitchFamily="18" charset="0"/>
+                            </a:rPr>
+                            <m:t>𝑖𝑛𝑠</m:t>
+                          </m:r>
+                        </m:sub>
+                      </m:sSub>
+                      <m:r>
+                        <a:rPr kumimoji="1" lang="en-US" altLang="ja-JP" b="0" i="1" smtClean="0">
+                          <a:latin typeface="Cambria Math" panose="02040503050406030204" pitchFamily="18" charset="0"/>
+                        </a:rPr>
+                        <m:t>(</m:t>
+                      </m:r>
+                      <m:r>
+                        <a:rPr kumimoji="1" lang="en-US" altLang="ja-JP" b="0" i="1" smtClean="0">
+                          <a:latin typeface="Cambria Math" panose="02040503050406030204" pitchFamily="18" charset="0"/>
+                        </a:rPr>
+                        <m:t>𝑡</m:t>
+                      </m:r>
+                      <m:r>
+                        <a:rPr kumimoji="1" lang="en-US" altLang="ja-JP" b="0" i="1" smtClean="0">
+                          <a:latin typeface="Cambria Math" panose="02040503050406030204" pitchFamily="18" charset="0"/>
+                        </a:rPr>
+                        <m:t>)</m:t>
+                      </m:r>
+                    </m:oMath>
+                  </m:oMathPara>
+                </a14:m>
+                <a:endParaRPr kumimoji="1" lang="ja-JP" altLang="en-US" dirty="0"/>
+              </a:p>
+            </p:txBody>
+          </p:sp>
+        </mc:Choice>
+        <mc:Fallback xmlns="">
+          <p:sp>
+            <p:nvSpPr>
+              <p:cNvPr id="4" name="テキスト ボックス 3">
+                <a:extLst>
+                  <a:ext uri="{FF2B5EF4-FFF2-40B4-BE49-F238E27FC236}">
+                    <a16:creationId xmlns:a16="http://schemas.microsoft.com/office/drawing/2014/main" id="{101877AF-0E02-24C6-C40A-6A5277C5090F}"/>
+                  </a:ext>
+                </a:extLst>
+              </p:cNvPr>
+              <p:cNvSpPr txBox="1">
+                <a:spLocks noRot="1" noChangeAspect="1" noMove="1" noResize="1" noEditPoints="1" noAdjustHandles="1" noChangeArrowheads="1" noChangeShapeType="1" noTextEdit="1"/>
+              </p:cNvSpPr>
+              <p:nvPr/>
+            </p:nvSpPr>
+            <p:spPr>
+              <a:xfrm>
+                <a:off x="1741793" y="3544550"/>
+                <a:ext cx="751231" cy="276999"/>
+              </a:xfrm>
+              <a:prstGeom prst="rect">
+                <a:avLst/>
+              </a:prstGeom>
+              <a:blipFill>
+                <a:blip r:embed="rId3"/>
+                <a:stretch>
+                  <a:fillRect l="-3252" t="-2174" r="-10569" b="-32609"/>
+                </a:stretch>
+              </a:blipFill>
+            </p:spPr>
+            <p:txBody>
+              <a:bodyPr/>
+              <a:lstStyle/>
+              <a:p>
+                <a:r>
+                  <a:rPr lang="ja-JP" altLang="en-US">
+                    <a:noFill/>
+                  </a:rPr>
+                  <a:t> </a:t>
+                </a:r>
+              </a:p>
+            </p:txBody>
+          </p:sp>
+        </mc:Fallback>
+      </mc:AlternateContent>
+      <p:cxnSp>
+        <p:nvCxnSpPr>
+          <p:cNvPr id="5" name="直線矢印コネクタ 4">
+            <a:extLst>
+              <a:ext uri="{FF2B5EF4-FFF2-40B4-BE49-F238E27FC236}">
+                <a16:creationId xmlns:a16="http://schemas.microsoft.com/office/drawing/2014/main" id="{782E68C8-22F6-B370-A23D-523EE5C44791}"/>
+              </a:ext>
+            </a:extLst>
+          </p:cNvPr>
+          <p:cNvCxnSpPr>
+            <a:cxnSpLocks/>
+          </p:cNvCxnSpPr>
+          <p:nvPr/>
+        </p:nvCxnSpPr>
+        <p:spPr>
+          <a:xfrm>
+            <a:off x="1829269" y="4344659"/>
+            <a:ext cx="1364398" cy="0"/>
+          </a:xfrm>
+          <a:prstGeom prst="straightConnector1">
+            <a:avLst/>
+          </a:prstGeom>
+          <a:ln>
+            <a:tailEnd type="triangle"/>
+          </a:ln>
+        </p:spPr>
+        <p:style>
+          <a:lnRef idx="2">
+            <a:schemeClr val="dk1"/>
+          </a:lnRef>
+          <a:fillRef idx="0">
+            <a:schemeClr val="dk1"/>
+          </a:fillRef>
+          <a:effectRef idx="1">
+            <a:schemeClr val="dk1"/>
+          </a:effectRef>
+          <a:fontRef idx="minor">
+            <a:schemeClr val="tx1"/>
+          </a:fontRef>
+        </p:style>
+      </p:cxnSp>
+      <p:cxnSp>
+        <p:nvCxnSpPr>
+          <p:cNvPr id="6" name="直線矢印コネクタ 5">
+            <a:extLst>
+              <a:ext uri="{FF2B5EF4-FFF2-40B4-BE49-F238E27FC236}">
+                <a16:creationId xmlns:a16="http://schemas.microsoft.com/office/drawing/2014/main" id="{3829EBE7-2C7D-3DAA-43FC-D878E80971D2}"/>
+              </a:ext>
+            </a:extLst>
+          </p:cNvPr>
+          <p:cNvCxnSpPr>
+            <a:cxnSpLocks/>
+          </p:cNvCxnSpPr>
+          <p:nvPr/>
+        </p:nvCxnSpPr>
+        <p:spPr>
+          <a:xfrm>
+            <a:off x="1829269" y="3919567"/>
+            <a:ext cx="1364398" cy="0"/>
+          </a:xfrm>
+          <a:prstGeom prst="straightConnector1">
+            <a:avLst/>
+          </a:prstGeom>
+          <a:ln>
+            <a:tailEnd type="triangle"/>
+          </a:ln>
+        </p:spPr>
+        <p:style>
+          <a:lnRef idx="2">
+            <a:schemeClr val="dk1"/>
+          </a:lnRef>
+          <a:fillRef idx="0">
+            <a:schemeClr val="dk1"/>
+          </a:fillRef>
+          <a:effectRef idx="1">
+            <a:schemeClr val="dk1"/>
+          </a:effectRef>
+          <a:fontRef idx="minor">
+            <a:schemeClr val="tx1"/>
+          </a:fontRef>
+        </p:style>
+      </p:cxnSp>
+      <p:cxnSp>
+        <p:nvCxnSpPr>
+          <p:cNvPr id="7" name="直線矢印コネクタ 6">
+            <a:extLst>
+              <a:ext uri="{FF2B5EF4-FFF2-40B4-BE49-F238E27FC236}">
+                <a16:creationId xmlns:a16="http://schemas.microsoft.com/office/drawing/2014/main" id="{93F59F29-993F-BD6E-3BBB-C1547CD431EA}"/>
+              </a:ext>
+            </a:extLst>
+          </p:cNvPr>
+          <p:cNvCxnSpPr>
+            <a:cxnSpLocks/>
+          </p:cNvCxnSpPr>
+          <p:nvPr/>
+        </p:nvCxnSpPr>
+        <p:spPr>
+          <a:xfrm>
+            <a:off x="2733015" y="3429000"/>
+            <a:ext cx="1047781" cy="0"/>
+          </a:xfrm>
+          <a:prstGeom prst="straightConnector1">
+            <a:avLst/>
+          </a:prstGeom>
+          <a:ln>
+            <a:tailEnd type="triangle"/>
+          </a:ln>
+        </p:spPr>
+        <p:style>
+          <a:lnRef idx="2">
+            <a:schemeClr val="dk1"/>
+          </a:lnRef>
+          <a:fillRef idx="0">
+            <a:schemeClr val="dk1"/>
+          </a:fillRef>
+          <a:effectRef idx="1">
+            <a:schemeClr val="dk1"/>
+          </a:effectRef>
+          <a:fontRef idx="minor">
+            <a:schemeClr val="tx1"/>
+          </a:fontRef>
+        </p:style>
+      </p:cxnSp>
+      <p:cxnSp>
+        <p:nvCxnSpPr>
+          <p:cNvPr id="8" name="直線コネクタ 7">
+            <a:extLst>
+              <a:ext uri="{FF2B5EF4-FFF2-40B4-BE49-F238E27FC236}">
+                <a16:creationId xmlns:a16="http://schemas.microsoft.com/office/drawing/2014/main" id="{BDC23396-0150-24AD-CB1B-839BE0559CEA}"/>
+              </a:ext>
+            </a:extLst>
+          </p:cNvPr>
+          <p:cNvCxnSpPr/>
+          <p:nvPr/>
+        </p:nvCxnSpPr>
+        <p:spPr>
+          <a:xfrm flipV="1">
+            <a:off x="3993645" y="3254162"/>
+            <a:ext cx="356826" cy="174219"/>
+          </a:xfrm>
+          <a:prstGeom prst="line">
+            <a:avLst/>
+          </a:prstGeom>
+          <a:ln>
+            <a:tailEnd type="none"/>
+          </a:ln>
+        </p:spPr>
+        <p:style>
+          <a:lnRef idx="2">
+            <a:schemeClr val="dk1"/>
+          </a:lnRef>
+          <a:fillRef idx="0">
+            <a:schemeClr val="dk1"/>
+          </a:fillRef>
+          <a:effectRef idx="1">
+            <a:schemeClr val="dk1"/>
+          </a:effectRef>
+          <a:fontRef idx="minor">
+            <a:schemeClr val="tx1"/>
+          </a:fontRef>
+        </p:style>
+      </p:cxnSp>
+      <p:cxnSp>
+        <p:nvCxnSpPr>
+          <p:cNvPr id="9" name="直線コネクタ 8">
+            <a:extLst>
+              <a:ext uri="{FF2B5EF4-FFF2-40B4-BE49-F238E27FC236}">
+                <a16:creationId xmlns:a16="http://schemas.microsoft.com/office/drawing/2014/main" id="{DEB149C6-D4F4-EF79-A959-6D1668BD6547}"/>
+              </a:ext>
+            </a:extLst>
+          </p:cNvPr>
+          <p:cNvCxnSpPr>
+            <a:cxnSpLocks/>
+          </p:cNvCxnSpPr>
+          <p:nvPr/>
+        </p:nvCxnSpPr>
+        <p:spPr>
+          <a:xfrm>
+            <a:off x="3567947" y="3429619"/>
+            <a:ext cx="425698" cy="0"/>
+          </a:xfrm>
+          <a:prstGeom prst="line">
+            <a:avLst/>
+          </a:prstGeom>
+          <a:ln>
+            <a:tailEnd type="none"/>
+          </a:ln>
+        </p:spPr>
+        <p:style>
+          <a:lnRef idx="2">
+            <a:schemeClr val="dk1"/>
+          </a:lnRef>
+          <a:fillRef idx="0">
+            <a:schemeClr val="dk1"/>
+          </a:fillRef>
+          <a:effectRef idx="1">
+            <a:schemeClr val="dk1"/>
+          </a:effectRef>
+          <a:fontRef idx="minor">
+            <a:schemeClr val="tx1"/>
+          </a:fontRef>
+        </p:style>
+      </p:cxnSp>
+      <p:sp>
+        <p:nvSpPr>
+          <p:cNvPr id="10" name="正方形/長方形 9">
+            <a:extLst>
+              <a:ext uri="{FF2B5EF4-FFF2-40B4-BE49-F238E27FC236}">
+                <a16:creationId xmlns:a16="http://schemas.microsoft.com/office/drawing/2014/main" id="{61BEA950-29FE-5AB4-0CB8-40A4E1158BD6}"/>
+              </a:ext>
+            </a:extLst>
+          </p:cNvPr>
+          <p:cNvSpPr/>
+          <p:nvPr/>
+        </p:nvSpPr>
+        <p:spPr>
+          <a:xfrm>
+            <a:off x="6900220" y="3047103"/>
+            <a:ext cx="2422866" cy="1161753"/>
+          </a:xfrm>
+          <a:prstGeom prst="rect">
+            <a:avLst/>
+          </a:prstGeom>
+          <a:ln w="25400">
+            <a:solidFill>
+              <a:schemeClr val="tx1"/>
+            </a:solidFill>
+          </a:ln>
+        </p:spPr>
+        <p:style>
+          <a:lnRef idx="2">
+            <a:schemeClr val="accent6"/>
+          </a:lnRef>
+          <a:fillRef idx="1">
+            <a:schemeClr val="lt1"/>
+          </a:fillRef>
+          <a:effectRef idx="0">
+            <a:schemeClr val="accent6"/>
+          </a:effectRef>
+          <a:fontRef idx="minor">
+            <a:schemeClr val="dk1"/>
+          </a:fontRef>
+        </p:style>
+        <p:txBody>
+          <a:bodyPr rtlCol="0" anchor="ctr"/>
+          <a:lstStyle/>
+          <a:p>
+            <a:pPr algn="ctr"/>
+            <a:r>
+              <a:rPr kumimoji="1" lang="en-US" altLang="ja-JP" b="1" dirty="0">
+                <a:ln w="0"/>
+                <a:solidFill>
+                  <a:schemeClr val="tx1"/>
+                </a:solidFill>
+                <a:effectLst>
+                  <a:outerShdw blurRad="38100" dist="19050" dir="2700000" algn="tl" rotWithShape="0">
+                    <a:schemeClr val="dk1">
+                      <a:alpha val="40000"/>
+                    </a:schemeClr>
+                  </a:outerShdw>
+                </a:effectLst>
+                <a:latin typeface="メイリオ" panose="020B0604030504040204" pitchFamily="50" charset="-128"/>
+                <a:ea typeface="メイリオ" panose="020B0604030504040204" pitchFamily="50" charset="-128"/>
+              </a:rPr>
+              <a:t>Observer</a:t>
+            </a:r>
+          </a:p>
+          <a:p>
+            <a:pPr algn="ctr"/>
+            <a:r>
+              <a:rPr lang="en-US" altLang="ja-JP" dirty="0">
+                <a:ln w="0"/>
+                <a:solidFill>
+                  <a:schemeClr val="tx1"/>
+                </a:solidFill>
+                <a:effectLst>
+                  <a:outerShdw blurRad="38100" dist="19050" dir="2700000" algn="tl" rotWithShape="0">
+                    <a:schemeClr val="dk1">
+                      <a:alpha val="40000"/>
+                    </a:schemeClr>
+                  </a:outerShdw>
+                </a:effectLst>
+                <a:latin typeface="メイリオ" panose="020B0604030504040204" pitchFamily="50" charset="-128"/>
+                <a:ea typeface="メイリオ" panose="020B0604030504040204" pitchFamily="50" charset="-128"/>
+              </a:rPr>
+              <a:t>or</a:t>
+            </a:r>
+          </a:p>
+          <a:p>
+            <a:pPr algn="ctr"/>
+            <a:r>
+              <a:rPr kumimoji="1" lang="en-US" altLang="ja-JP" b="1" dirty="0">
+                <a:ln w="0"/>
+                <a:solidFill>
+                  <a:schemeClr val="tx1"/>
+                </a:solidFill>
+                <a:effectLst>
+                  <a:outerShdw blurRad="38100" dist="19050" dir="2700000" algn="tl" rotWithShape="0">
+                    <a:schemeClr val="dk1">
+                      <a:alpha val="40000"/>
+                    </a:schemeClr>
+                  </a:outerShdw>
+                </a:effectLst>
+                <a:latin typeface="メイリオ" panose="020B0604030504040204" pitchFamily="50" charset="-128"/>
+                <a:ea typeface="メイリオ" panose="020B0604030504040204" pitchFamily="50" charset="-128"/>
+              </a:rPr>
+              <a:t>Extended </a:t>
+            </a:r>
+            <a:r>
+              <a:rPr lang="en-US" altLang="ja-JP" b="1" dirty="0">
+                <a:ln w="0"/>
+                <a:solidFill>
+                  <a:schemeClr val="tx1"/>
+                </a:solidFill>
+                <a:effectLst>
+                  <a:outerShdw blurRad="38100" dist="19050" dir="2700000" algn="tl" rotWithShape="0">
+                    <a:schemeClr val="dk1">
+                      <a:alpha val="40000"/>
+                    </a:schemeClr>
+                  </a:outerShdw>
+                </a:effectLst>
+                <a:latin typeface="メイリオ" panose="020B0604030504040204" pitchFamily="50" charset="-128"/>
+                <a:ea typeface="メイリオ" panose="020B0604030504040204" pitchFamily="50" charset="-128"/>
+              </a:rPr>
+              <a:t>Kalma filter</a:t>
+            </a:r>
+            <a:endParaRPr kumimoji="1" lang="ja-JP" altLang="en-US" b="1" dirty="0">
+              <a:ln w="0"/>
+              <a:solidFill>
+                <a:schemeClr val="tx1"/>
+              </a:solidFill>
+              <a:effectLst>
+                <a:outerShdw blurRad="38100" dist="19050" dir="2700000" algn="tl" rotWithShape="0">
+                  <a:schemeClr val="dk1">
+                    <a:alpha val="40000"/>
+                  </a:schemeClr>
+                </a:outerShdw>
+              </a:effectLst>
+              <a:latin typeface="メイリオ" panose="020B0604030504040204" pitchFamily="50" charset="-128"/>
+              <a:ea typeface="メイリオ" panose="020B0604030504040204" pitchFamily="50" charset="-128"/>
+            </a:endParaRPr>
+          </a:p>
+        </p:txBody>
+      </p:sp>
+      <p:cxnSp>
+        <p:nvCxnSpPr>
+          <p:cNvPr id="11" name="直線コネクタ 10">
+            <a:extLst>
+              <a:ext uri="{FF2B5EF4-FFF2-40B4-BE49-F238E27FC236}">
+                <a16:creationId xmlns:a16="http://schemas.microsoft.com/office/drawing/2014/main" id="{77EF8C51-CB58-C13B-7502-C235C4091565}"/>
+              </a:ext>
+            </a:extLst>
+          </p:cNvPr>
+          <p:cNvCxnSpPr>
+            <a:cxnSpLocks/>
+          </p:cNvCxnSpPr>
+          <p:nvPr/>
+        </p:nvCxnSpPr>
+        <p:spPr>
+          <a:xfrm>
+            <a:off x="2733015" y="3429000"/>
+            <a:ext cx="0" cy="490567"/>
+          </a:xfrm>
+          <a:prstGeom prst="line">
+            <a:avLst/>
+          </a:prstGeom>
+          <a:ln>
+            <a:tailEnd type="none"/>
+          </a:ln>
+        </p:spPr>
+        <p:style>
+          <a:lnRef idx="2">
+            <a:schemeClr val="dk1"/>
+          </a:lnRef>
+          <a:fillRef idx="0">
+            <a:schemeClr val="dk1"/>
+          </a:fillRef>
+          <a:effectRef idx="1">
+            <a:schemeClr val="dk1"/>
+          </a:effectRef>
+          <a:fontRef idx="minor">
+            <a:schemeClr val="tx1"/>
+          </a:fontRef>
+        </p:style>
+      </p:cxnSp>
+      <p:cxnSp>
+        <p:nvCxnSpPr>
+          <p:cNvPr id="15" name="直線矢印コネクタ 14">
+            <a:extLst>
+              <a:ext uri="{FF2B5EF4-FFF2-40B4-BE49-F238E27FC236}">
+                <a16:creationId xmlns:a16="http://schemas.microsoft.com/office/drawing/2014/main" id="{C03C82D0-62DE-E3B0-6C07-459E985364A1}"/>
+              </a:ext>
+            </a:extLst>
+          </p:cNvPr>
+          <p:cNvCxnSpPr>
+            <a:cxnSpLocks/>
+          </p:cNvCxnSpPr>
+          <p:nvPr/>
+        </p:nvCxnSpPr>
+        <p:spPr>
+          <a:xfrm>
+            <a:off x="4350471" y="3428381"/>
+            <a:ext cx="2549748" cy="0"/>
+          </a:xfrm>
+          <a:prstGeom prst="straightConnector1">
+            <a:avLst/>
+          </a:prstGeom>
+          <a:ln>
+            <a:solidFill>
+              <a:schemeClr val="dk1"/>
+            </a:solidFill>
+            <a:prstDash val="dash"/>
+            <a:tailEnd type="triangle"/>
+          </a:ln>
+        </p:spPr>
+        <p:style>
+          <a:lnRef idx="2">
+            <a:schemeClr val="dk1"/>
+          </a:lnRef>
+          <a:fillRef idx="0">
+            <a:schemeClr val="dk1"/>
+          </a:fillRef>
+          <a:effectRef idx="1">
+            <a:schemeClr val="dk1"/>
+          </a:effectRef>
+          <a:fontRef idx="minor">
+            <a:schemeClr val="tx1"/>
+          </a:fontRef>
+        </p:style>
+      </p:cxnSp>
+      <mc:AlternateContent xmlns:mc="http://schemas.openxmlformats.org/markup-compatibility/2006" xmlns:a14="http://schemas.microsoft.com/office/drawing/2010/main">
+        <mc:Choice Requires="a14">
+          <p:sp>
+            <p:nvSpPr>
+              <p:cNvPr id="17" name="テキスト ボックス 16">
+                <a:extLst>
+                  <a:ext uri="{FF2B5EF4-FFF2-40B4-BE49-F238E27FC236}">
+                    <a16:creationId xmlns:a16="http://schemas.microsoft.com/office/drawing/2014/main" id="{9F872A14-B10E-44B8-7A1D-00BC059F75DD}"/>
+                  </a:ext>
+                </a:extLst>
+              </p:cNvPr>
+              <p:cNvSpPr txBox="1"/>
+              <p:nvPr/>
+            </p:nvSpPr>
+            <p:spPr>
+              <a:xfrm>
+                <a:off x="5718236" y="3064272"/>
+                <a:ext cx="755528" cy="276999"/>
+              </a:xfrm>
+              <a:prstGeom prst="rect">
+                <a:avLst/>
+              </a:prstGeom>
+              <a:noFill/>
+            </p:spPr>
+            <p:txBody>
+              <a:bodyPr wrap="none" lIns="0" tIns="0" rIns="0" bIns="0" rtlCol="0">
+                <a:spAutoFit/>
+              </a:bodyPr>
+              <a:lstStyle/>
+              <a:p>
+                <a:pPr/>
+                <a14:m>
+                  <m:oMathPara xmlns:m="http://schemas.openxmlformats.org/officeDocument/2006/math">
+                    <m:oMathParaPr>
+                      <m:jc m:val="centerGroup"/>
+                    </m:oMathParaPr>
+                    <m:oMath xmlns:m="http://schemas.openxmlformats.org/officeDocument/2006/math">
+                      <m:sSub>
+                        <m:sSubPr>
+                          <m:ctrlPr>
+                            <a:rPr kumimoji="1" lang="en-US" altLang="ja-JP" i="1" smtClean="0">
+                              <a:latin typeface="Cambria Math" panose="02040503050406030204" pitchFamily="18" charset="0"/>
+                            </a:rPr>
+                          </m:ctrlPr>
+                        </m:sSubPr>
+                        <m:e>
+                          <m:r>
+                            <a:rPr kumimoji="1" lang="en-US" altLang="ja-JP" b="0" i="1" smtClean="0">
+                              <a:latin typeface="Cambria Math" panose="02040503050406030204" pitchFamily="18" charset="0"/>
+                            </a:rPr>
+                            <m:t>𝑢</m:t>
+                          </m:r>
+                        </m:e>
+                        <m:sub>
+                          <m:r>
+                            <a:rPr kumimoji="1" lang="en-US" altLang="ja-JP" b="0" i="1" smtClean="0">
+                              <a:latin typeface="Cambria Math" panose="02040503050406030204" pitchFamily="18" charset="0"/>
+                            </a:rPr>
+                            <m:t>𝑖𝑛𝑠</m:t>
+                          </m:r>
+                        </m:sub>
+                      </m:sSub>
+                      <m:r>
+                        <a:rPr kumimoji="1" lang="en-US" altLang="ja-JP" b="0" i="1" smtClean="0">
+                          <a:latin typeface="Cambria Math" panose="02040503050406030204" pitchFamily="18" charset="0"/>
+                        </a:rPr>
+                        <m:t>[</m:t>
+                      </m:r>
+                      <m:r>
+                        <a:rPr kumimoji="1" lang="en-US" altLang="ja-JP" b="0" i="1" smtClean="0">
+                          <a:latin typeface="Cambria Math" panose="02040503050406030204" pitchFamily="18" charset="0"/>
+                        </a:rPr>
+                        <m:t>𝑘</m:t>
+                      </m:r>
+                      <m:r>
+                        <a:rPr kumimoji="1" lang="en-US" altLang="ja-JP" b="0" i="1" smtClean="0">
+                          <a:latin typeface="Cambria Math" panose="02040503050406030204" pitchFamily="18" charset="0"/>
+                        </a:rPr>
+                        <m:t>]</m:t>
+                      </m:r>
+                    </m:oMath>
+                  </m:oMathPara>
+                </a14:m>
+                <a:endParaRPr kumimoji="1" lang="ja-JP" altLang="en-US" dirty="0"/>
+              </a:p>
+            </p:txBody>
+          </p:sp>
+        </mc:Choice>
+        <mc:Fallback xmlns="">
+          <p:sp>
+            <p:nvSpPr>
+              <p:cNvPr id="17" name="テキスト ボックス 16">
+                <a:extLst>
+                  <a:ext uri="{FF2B5EF4-FFF2-40B4-BE49-F238E27FC236}">
+                    <a16:creationId xmlns:a16="http://schemas.microsoft.com/office/drawing/2014/main" id="{9F872A14-B10E-44B8-7A1D-00BC059F75DD}"/>
+                  </a:ext>
+                </a:extLst>
+              </p:cNvPr>
+              <p:cNvSpPr txBox="1">
+                <a:spLocks noRot="1" noChangeAspect="1" noMove="1" noResize="1" noEditPoints="1" noAdjustHandles="1" noChangeArrowheads="1" noChangeShapeType="1" noTextEdit="1"/>
+              </p:cNvSpPr>
+              <p:nvPr/>
+            </p:nvSpPr>
+            <p:spPr>
+              <a:xfrm>
+                <a:off x="5718236" y="3064272"/>
+                <a:ext cx="755528" cy="276999"/>
+              </a:xfrm>
+              <a:prstGeom prst="rect">
+                <a:avLst/>
+              </a:prstGeom>
+              <a:blipFill>
+                <a:blip r:embed="rId4"/>
+                <a:stretch>
+                  <a:fillRect l="-3226" t="-4444" r="-10484" b="-37778"/>
+                </a:stretch>
+              </a:blipFill>
+            </p:spPr>
+            <p:txBody>
+              <a:bodyPr/>
+              <a:lstStyle/>
+              <a:p>
+                <a:r>
+                  <a:rPr lang="ja-JP" altLang="en-US">
+                    <a:noFill/>
+                  </a:rPr>
+                  <a:t> </a:t>
+                </a:r>
+              </a:p>
+            </p:txBody>
+          </p:sp>
+        </mc:Fallback>
+      </mc:AlternateContent>
+      <mc:AlternateContent xmlns:mc="http://schemas.openxmlformats.org/markup-compatibility/2006" xmlns:a14="http://schemas.microsoft.com/office/drawing/2010/main">
+        <mc:Choice Requires="a14">
+          <p:sp>
+            <p:nvSpPr>
+              <p:cNvPr id="18" name="テキスト ボックス 17">
+                <a:extLst>
+                  <a:ext uri="{FF2B5EF4-FFF2-40B4-BE49-F238E27FC236}">
+                    <a16:creationId xmlns:a16="http://schemas.microsoft.com/office/drawing/2014/main" id="{797E330D-A60B-6D7E-4E92-64998C887693}"/>
+                  </a:ext>
+                </a:extLst>
+              </p:cNvPr>
+              <p:cNvSpPr txBox="1"/>
+              <p:nvPr/>
+            </p:nvSpPr>
+            <p:spPr>
+              <a:xfrm>
+                <a:off x="5686682" y="4398075"/>
+                <a:ext cx="485518" cy="276999"/>
+              </a:xfrm>
+              <a:prstGeom prst="rect">
+                <a:avLst/>
+              </a:prstGeom>
+              <a:noFill/>
+            </p:spPr>
+            <p:txBody>
+              <a:bodyPr wrap="square" lIns="0" tIns="0" rIns="0" bIns="0" rtlCol="0">
+                <a:spAutoFit/>
+              </a:bodyPr>
+              <a:lstStyle/>
+              <a:p>
+                <a:pPr/>
+                <a14:m>
+                  <m:oMathPara xmlns:m="http://schemas.openxmlformats.org/officeDocument/2006/math">
+                    <m:oMathParaPr>
+                      <m:jc m:val="centerGroup"/>
+                    </m:oMathParaPr>
+                    <m:oMath xmlns:m="http://schemas.openxmlformats.org/officeDocument/2006/math">
+                      <m:r>
+                        <a:rPr kumimoji="1" lang="en-US" altLang="ja-JP" b="0" i="1" smtClean="0">
+                          <a:latin typeface="Cambria Math" panose="02040503050406030204" pitchFamily="18" charset="0"/>
+                        </a:rPr>
+                        <m:t>𝑥</m:t>
+                      </m:r>
+                      <m:r>
+                        <a:rPr kumimoji="1" lang="en-US" altLang="ja-JP" b="0" i="1" smtClean="0">
+                          <a:latin typeface="Cambria Math" panose="02040503050406030204" pitchFamily="18" charset="0"/>
+                        </a:rPr>
+                        <m:t>(</m:t>
+                      </m:r>
+                      <m:r>
+                        <a:rPr kumimoji="1" lang="en-US" altLang="ja-JP" b="0" i="1" smtClean="0">
+                          <a:latin typeface="Cambria Math" panose="02040503050406030204" pitchFamily="18" charset="0"/>
+                        </a:rPr>
+                        <m:t>𝑡</m:t>
+                      </m:r>
+                      <m:r>
+                        <a:rPr kumimoji="1" lang="en-US" altLang="ja-JP" b="0" i="1" smtClean="0">
+                          <a:latin typeface="Cambria Math" panose="02040503050406030204" pitchFamily="18" charset="0"/>
+                        </a:rPr>
+                        <m:t>)</m:t>
+                      </m:r>
+                    </m:oMath>
+                  </m:oMathPara>
+                </a14:m>
+                <a:endParaRPr kumimoji="1" lang="ja-JP" altLang="en-US" dirty="0"/>
+              </a:p>
+            </p:txBody>
+          </p:sp>
+        </mc:Choice>
+        <mc:Fallback xmlns="">
+          <p:sp>
+            <p:nvSpPr>
+              <p:cNvPr id="18" name="テキスト ボックス 17">
+                <a:extLst>
+                  <a:ext uri="{FF2B5EF4-FFF2-40B4-BE49-F238E27FC236}">
+                    <a16:creationId xmlns:a16="http://schemas.microsoft.com/office/drawing/2014/main" id="{797E330D-A60B-6D7E-4E92-64998C887693}"/>
+                  </a:ext>
+                </a:extLst>
+              </p:cNvPr>
+              <p:cNvSpPr txBox="1">
+                <a:spLocks noRot="1" noChangeAspect="1" noMove="1" noResize="1" noEditPoints="1" noAdjustHandles="1" noChangeArrowheads="1" noChangeShapeType="1" noTextEdit="1"/>
+              </p:cNvSpPr>
+              <p:nvPr/>
+            </p:nvSpPr>
+            <p:spPr>
+              <a:xfrm>
+                <a:off x="5686682" y="4398075"/>
+                <a:ext cx="485518" cy="276999"/>
+              </a:xfrm>
+              <a:prstGeom prst="rect">
+                <a:avLst/>
+              </a:prstGeom>
+              <a:blipFill>
+                <a:blip r:embed="rId5"/>
+                <a:stretch>
+                  <a:fillRect l="-5000" t="-2174" r="-15000" b="-32609"/>
+                </a:stretch>
+              </a:blipFill>
+            </p:spPr>
+            <p:txBody>
+              <a:bodyPr/>
+              <a:lstStyle/>
+              <a:p>
+                <a:r>
+                  <a:rPr lang="ja-JP" altLang="en-US">
+                    <a:noFill/>
+                  </a:rPr>
+                  <a:t> </a:t>
+                </a:r>
+              </a:p>
+            </p:txBody>
+          </p:sp>
+        </mc:Fallback>
+      </mc:AlternateContent>
+      <p:cxnSp>
+        <p:nvCxnSpPr>
+          <p:cNvPr id="19" name="直線矢印コネクタ 18">
+            <a:extLst>
+              <a:ext uri="{FF2B5EF4-FFF2-40B4-BE49-F238E27FC236}">
+                <a16:creationId xmlns:a16="http://schemas.microsoft.com/office/drawing/2014/main" id="{99A987F3-3A28-F0E8-1811-622CA0E9D725}"/>
+              </a:ext>
+            </a:extLst>
+          </p:cNvPr>
+          <p:cNvCxnSpPr>
+            <a:cxnSpLocks/>
+          </p:cNvCxnSpPr>
+          <p:nvPr/>
+        </p:nvCxnSpPr>
+        <p:spPr>
+          <a:xfrm>
+            <a:off x="5505753" y="3982478"/>
+            <a:ext cx="437847" cy="0"/>
+          </a:xfrm>
+          <a:prstGeom prst="straightConnector1">
+            <a:avLst/>
+          </a:prstGeom>
+          <a:ln>
+            <a:tailEnd type="triangle"/>
+          </a:ln>
+        </p:spPr>
+        <p:style>
+          <a:lnRef idx="2">
+            <a:schemeClr val="dk1"/>
+          </a:lnRef>
+          <a:fillRef idx="0">
+            <a:schemeClr val="dk1"/>
+          </a:fillRef>
+          <a:effectRef idx="1">
+            <a:schemeClr val="dk1"/>
+          </a:effectRef>
+          <a:fontRef idx="minor">
+            <a:schemeClr val="tx1"/>
+          </a:fontRef>
+        </p:style>
+      </p:cxnSp>
+      <p:cxnSp>
+        <p:nvCxnSpPr>
+          <p:cNvPr id="20" name="直線矢印コネクタ 19">
+            <a:extLst>
+              <a:ext uri="{FF2B5EF4-FFF2-40B4-BE49-F238E27FC236}">
+                <a16:creationId xmlns:a16="http://schemas.microsoft.com/office/drawing/2014/main" id="{C5BA800E-5055-7433-2387-C7460A63330E}"/>
+              </a:ext>
+            </a:extLst>
+          </p:cNvPr>
+          <p:cNvCxnSpPr>
+            <a:cxnSpLocks/>
+          </p:cNvCxnSpPr>
+          <p:nvPr/>
+        </p:nvCxnSpPr>
+        <p:spPr>
+          <a:xfrm>
+            <a:off x="5505753" y="4322977"/>
+            <a:ext cx="605110" cy="0"/>
+          </a:xfrm>
+          <a:prstGeom prst="straightConnector1">
+            <a:avLst/>
+          </a:prstGeom>
+          <a:ln>
+            <a:tailEnd type="triangle"/>
+          </a:ln>
+        </p:spPr>
+        <p:style>
+          <a:lnRef idx="2">
+            <a:schemeClr val="dk1"/>
+          </a:lnRef>
+          <a:fillRef idx="0">
+            <a:schemeClr val="dk1"/>
+          </a:fillRef>
+          <a:effectRef idx="1">
+            <a:schemeClr val="dk1"/>
+          </a:effectRef>
+          <a:fontRef idx="minor">
+            <a:schemeClr val="tx1"/>
+          </a:fontRef>
+        </p:style>
+      </p:cxnSp>
+      <p:cxnSp>
+        <p:nvCxnSpPr>
+          <p:cNvPr id="23" name="直線コネクタ 22">
+            <a:extLst>
+              <a:ext uri="{FF2B5EF4-FFF2-40B4-BE49-F238E27FC236}">
+                <a16:creationId xmlns:a16="http://schemas.microsoft.com/office/drawing/2014/main" id="{702026E0-F238-27E4-8063-6C145295EF73}"/>
+              </a:ext>
+            </a:extLst>
+          </p:cNvPr>
+          <p:cNvCxnSpPr>
+            <a:cxnSpLocks/>
+          </p:cNvCxnSpPr>
+          <p:nvPr/>
+        </p:nvCxnSpPr>
+        <p:spPr>
+          <a:xfrm flipV="1">
+            <a:off x="5993787" y="3810898"/>
+            <a:ext cx="356826" cy="174219"/>
+          </a:xfrm>
+          <a:prstGeom prst="line">
+            <a:avLst/>
+          </a:prstGeom>
+          <a:ln>
+            <a:tailEnd type="none"/>
+          </a:ln>
+        </p:spPr>
+        <p:style>
+          <a:lnRef idx="2">
+            <a:schemeClr val="dk1"/>
+          </a:lnRef>
+          <a:fillRef idx="0">
+            <a:schemeClr val="dk1"/>
+          </a:fillRef>
+          <a:effectRef idx="1">
+            <a:schemeClr val="dk1"/>
+          </a:effectRef>
+          <a:fontRef idx="minor">
+            <a:schemeClr val="tx1"/>
+          </a:fontRef>
+        </p:style>
+      </p:cxnSp>
+      <p:cxnSp>
+        <p:nvCxnSpPr>
+          <p:cNvPr id="24" name="直線コネクタ 23">
+            <a:extLst>
+              <a:ext uri="{FF2B5EF4-FFF2-40B4-BE49-F238E27FC236}">
+                <a16:creationId xmlns:a16="http://schemas.microsoft.com/office/drawing/2014/main" id="{23520E89-2247-D812-762F-6E659B4697F1}"/>
+              </a:ext>
+            </a:extLst>
+          </p:cNvPr>
+          <p:cNvCxnSpPr>
+            <a:cxnSpLocks/>
+          </p:cNvCxnSpPr>
+          <p:nvPr/>
+        </p:nvCxnSpPr>
+        <p:spPr>
+          <a:xfrm>
+            <a:off x="5568089" y="3981592"/>
+            <a:ext cx="446870" cy="0"/>
+          </a:xfrm>
+          <a:prstGeom prst="line">
+            <a:avLst/>
+          </a:prstGeom>
+          <a:ln>
+            <a:tailEnd type="none"/>
+          </a:ln>
+        </p:spPr>
+        <p:style>
+          <a:lnRef idx="2">
+            <a:schemeClr val="dk1"/>
+          </a:lnRef>
+          <a:fillRef idx="0">
+            <a:schemeClr val="dk1"/>
+          </a:fillRef>
+          <a:effectRef idx="1">
+            <a:schemeClr val="dk1"/>
+          </a:effectRef>
+          <a:fontRef idx="minor">
+            <a:schemeClr val="tx1"/>
+          </a:fontRef>
+        </p:style>
+      </p:cxnSp>
+      <p:cxnSp>
+        <p:nvCxnSpPr>
+          <p:cNvPr id="28" name="直線矢印コネクタ 27">
+            <a:extLst>
+              <a:ext uri="{FF2B5EF4-FFF2-40B4-BE49-F238E27FC236}">
+                <a16:creationId xmlns:a16="http://schemas.microsoft.com/office/drawing/2014/main" id="{46F1D868-9153-F7C2-FCD1-EF1694A317B0}"/>
+              </a:ext>
+            </a:extLst>
+          </p:cNvPr>
+          <p:cNvCxnSpPr>
+            <a:cxnSpLocks/>
+          </p:cNvCxnSpPr>
+          <p:nvPr/>
+        </p:nvCxnSpPr>
+        <p:spPr>
+          <a:xfrm flipV="1">
+            <a:off x="6219825" y="3981943"/>
+            <a:ext cx="680394" cy="3174"/>
+          </a:xfrm>
+          <a:prstGeom prst="straightConnector1">
+            <a:avLst/>
+          </a:prstGeom>
+          <a:ln>
+            <a:solidFill>
+              <a:schemeClr val="dk1"/>
+            </a:solidFill>
+            <a:prstDash val="dash"/>
+            <a:tailEnd type="triangle"/>
+          </a:ln>
+        </p:spPr>
+        <p:style>
+          <a:lnRef idx="2">
+            <a:schemeClr val="dk1"/>
+          </a:lnRef>
+          <a:fillRef idx="0">
+            <a:schemeClr val="dk1"/>
+          </a:fillRef>
+          <a:effectRef idx="1">
+            <a:schemeClr val="dk1"/>
+          </a:effectRef>
+          <a:fontRef idx="minor">
+            <a:schemeClr val="tx1"/>
+          </a:fontRef>
+        </p:style>
+      </p:cxnSp>
+      <mc:AlternateContent xmlns:mc="http://schemas.openxmlformats.org/markup-compatibility/2006" xmlns:a14="http://schemas.microsoft.com/office/drawing/2010/main">
+        <mc:Choice Requires="a14">
+          <p:sp>
+            <p:nvSpPr>
+              <p:cNvPr id="31" name="テキスト ボックス 30">
+                <a:extLst>
+                  <a:ext uri="{FF2B5EF4-FFF2-40B4-BE49-F238E27FC236}">
+                    <a16:creationId xmlns:a16="http://schemas.microsoft.com/office/drawing/2014/main" id="{8A61CBAB-21B1-9481-AE63-0D92CE127FD7}"/>
+                  </a:ext>
+                </a:extLst>
+              </p:cNvPr>
+              <p:cNvSpPr txBox="1"/>
+              <p:nvPr/>
+            </p:nvSpPr>
+            <p:spPr>
+              <a:xfrm>
+                <a:off x="5568089" y="3667044"/>
+                <a:ext cx="511102" cy="276999"/>
+              </a:xfrm>
+              <a:prstGeom prst="rect">
+                <a:avLst/>
+              </a:prstGeom>
+              <a:noFill/>
+            </p:spPr>
+            <p:txBody>
+              <a:bodyPr wrap="square" lIns="0" tIns="0" rIns="0" bIns="0" rtlCol="0">
+                <a:spAutoFit/>
+              </a:bodyPr>
+              <a:lstStyle/>
+              <a:p>
+                <a:pPr/>
+                <a14:m>
+                  <m:oMathPara xmlns:m="http://schemas.openxmlformats.org/officeDocument/2006/math">
+                    <m:oMathParaPr>
+                      <m:jc m:val="centerGroup"/>
+                    </m:oMathParaPr>
+                    <m:oMath xmlns:m="http://schemas.openxmlformats.org/officeDocument/2006/math">
+                      <m:r>
+                        <a:rPr kumimoji="1" lang="en-US" altLang="ja-JP" b="0" i="1" smtClean="0">
+                          <a:latin typeface="Cambria Math" panose="02040503050406030204" pitchFamily="18" charset="0"/>
+                        </a:rPr>
+                        <m:t>𝐺</m:t>
+                      </m:r>
+                      <m:r>
+                        <a:rPr kumimoji="1" lang="en-US" altLang="ja-JP" b="0" i="1" smtClean="0">
+                          <a:latin typeface="Cambria Math" panose="02040503050406030204" pitchFamily="18" charset="0"/>
+                        </a:rPr>
+                        <m:t>(</m:t>
+                      </m:r>
+                      <m:r>
+                        <a:rPr kumimoji="1" lang="en-US" altLang="ja-JP" b="0" i="1" smtClean="0">
+                          <a:latin typeface="Cambria Math" panose="02040503050406030204" pitchFamily="18" charset="0"/>
+                        </a:rPr>
+                        <m:t>𝑡</m:t>
+                      </m:r>
+                      <m:r>
+                        <a:rPr kumimoji="1" lang="en-US" altLang="ja-JP" b="0" i="1" smtClean="0">
+                          <a:latin typeface="Cambria Math" panose="02040503050406030204" pitchFamily="18" charset="0"/>
+                        </a:rPr>
+                        <m:t>)</m:t>
+                      </m:r>
+                    </m:oMath>
+                  </m:oMathPara>
+                </a14:m>
+                <a:endParaRPr kumimoji="1" lang="ja-JP" altLang="en-US" dirty="0"/>
+              </a:p>
+            </p:txBody>
+          </p:sp>
+        </mc:Choice>
+        <mc:Fallback xmlns="">
+          <p:sp>
+            <p:nvSpPr>
+              <p:cNvPr id="31" name="テキスト ボックス 30">
+                <a:extLst>
+                  <a:ext uri="{FF2B5EF4-FFF2-40B4-BE49-F238E27FC236}">
+                    <a16:creationId xmlns:a16="http://schemas.microsoft.com/office/drawing/2014/main" id="{8A61CBAB-21B1-9481-AE63-0D92CE127FD7}"/>
+                  </a:ext>
+                </a:extLst>
+              </p:cNvPr>
+              <p:cNvSpPr txBox="1">
+                <a:spLocks noRot="1" noChangeAspect="1" noMove="1" noResize="1" noEditPoints="1" noAdjustHandles="1" noChangeArrowheads="1" noChangeShapeType="1" noTextEdit="1"/>
+              </p:cNvSpPr>
+              <p:nvPr/>
+            </p:nvSpPr>
+            <p:spPr>
+              <a:xfrm>
+                <a:off x="5568089" y="3667044"/>
+                <a:ext cx="511102" cy="276999"/>
+              </a:xfrm>
+              <a:prstGeom prst="rect">
+                <a:avLst/>
+              </a:prstGeom>
+              <a:blipFill>
+                <a:blip r:embed="rId6"/>
+                <a:stretch>
+                  <a:fillRect l="-8333" t="-4444" r="-14286" b="-35556"/>
+                </a:stretch>
+              </a:blipFill>
+            </p:spPr>
+            <p:txBody>
+              <a:bodyPr/>
+              <a:lstStyle/>
+              <a:p>
+                <a:r>
+                  <a:rPr lang="ja-JP" altLang="en-US">
+                    <a:noFill/>
+                  </a:rPr>
+                  <a:t> </a:t>
+                </a:r>
+              </a:p>
+            </p:txBody>
+          </p:sp>
+        </mc:Fallback>
+      </mc:AlternateContent>
+      <mc:AlternateContent xmlns:mc="http://schemas.openxmlformats.org/markup-compatibility/2006" xmlns:a14="http://schemas.microsoft.com/office/drawing/2010/main">
+        <mc:Choice Requires="a14">
+          <p:sp>
+            <p:nvSpPr>
+              <p:cNvPr id="32" name="テキスト ボックス 31">
+                <a:extLst>
+                  <a:ext uri="{FF2B5EF4-FFF2-40B4-BE49-F238E27FC236}">
+                    <a16:creationId xmlns:a16="http://schemas.microsoft.com/office/drawing/2014/main" id="{3741F6FC-5BB4-DBA6-1F0F-9E4175A5D72D}"/>
+                  </a:ext>
+                </a:extLst>
+              </p:cNvPr>
+              <p:cNvSpPr txBox="1"/>
+              <p:nvPr/>
+            </p:nvSpPr>
+            <p:spPr>
+              <a:xfrm>
+                <a:off x="6350613" y="4017662"/>
+                <a:ext cx="515398" cy="276999"/>
+              </a:xfrm>
+              <a:prstGeom prst="rect">
+                <a:avLst/>
+              </a:prstGeom>
+              <a:noFill/>
+            </p:spPr>
+            <p:txBody>
+              <a:bodyPr wrap="square" lIns="0" tIns="0" rIns="0" bIns="0" rtlCol="0">
+                <a:spAutoFit/>
+              </a:bodyPr>
+              <a:lstStyle/>
+              <a:p>
+                <a:pPr/>
+                <a14:m>
+                  <m:oMathPara xmlns:m="http://schemas.openxmlformats.org/officeDocument/2006/math">
+                    <m:oMathParaPr>
+                      <m:jc m:val="centerGroup"/>
+                    </m:oMathParaPr>
+                    <m:oMath xmlns:m="http://schemas.openxmlformats.org/officeDocument/2006/math">
+                      <m:r>
+                        <a:rPr kumimoji="1" lang="en-US" altLang="ja-JP" b="0" i="1" smtClean="0">
+                          <a:latin typeface="Cambria Math" panose="02040503050406030204" pitchFamily="18" charset="0"/>
+                        </a:rPr>
+                        <m:t>𝐺</m:t>
+                      </m:r>
+                      <m:r>
+                        <a:rPr kumimoji="1" lang="en-US" altLang="ja-JP" b="0" i="1" smtClean="0">
+                          <a:latin typeface="Cambria Math" panose="02040503050406030204" pitchFamily="18" charset="0"/>
+                        </a:rPr>
+                        <m:t>[</m:t>
+                      </m:r>
+                      <m:r>
+                        <a:rPr kumimoji="1" lang="en-US" altLang="ja-JP" b="0" i="1" smtClean="0">
+                          <a:latin typeface="Cambria Math" panose="02040503050406030204" pitchFamily="18" charset="0"/>
+                        </a:rPr>
+                        <m:t>𝑘</m:t>
+                      </m:r>
+                      <m:r>
+                        <a:rPr kumimoji="1" lang="en-US" altLang="ja-JP" b="0" i="1" smtClean="0">
+                          <a:latin typeface="Cambria Math" panose="02040503050406030204" pitchFamily="18" charset="0"/>
+                        </a:rPr>
+                        <m:t>]</m:t>
+                      </m:r>
+                    </m:oMath>
+                  </m:oMathPara>
+                </a14:m>
+                <a:endParaRPr kumimoji="1" lang="ja-JP" altLang="en-US" dirty="0"/>
+              </a:p>
+            </p:txBody>
+          </p:sp>
+        </mc:Choice>
+        <mc:Fallback xmlns="">
+          <p:sp>
+            <p:nvSpPr>
+              <p:cNvPr id="32" name="テキスト ボックス 31">
+                <a:extLst>
+                  <a:ext uri="{FF2B5EF4-FFF2-40B4-BE49-F238E27FC236}">
+                    <a16:creationId xmlns:a16="http://schemas.microsoft.com/office/drawing/2014/main" id="{3741F6FC-5BB4-DBA6-1F0F-9E4175A5D72D}"/>
+                  </a:ext>
+                </a:extLst>
+              </p:cNvPr>
+              <p:cNvSpPr txBox="1">
+                <a:spLocks noRot="1" noChangeAspect="1" noMove="1" noResize="1" noEditPoints="1" noAdjustHandles="1" noChangeArrowheads="1" noChangeShapeType="1" noTextEdit="1"/>
+              </p:cNvSpPr>
+              <p:nvPr/>
+            </p:nvSpPr>
+            <p:spPr>
+              <a:xfrm>
+                <a:off x="6350613" y="4017662"/>
+                <a:ext cx="515398" cy="276999"/>
+              </a:xfrm>
+              <a:prstGeom prst="rect">
+                <a:avLst/>
+              </a:prstGeom>
+              <a:blipFill>
+                <a:blip r:embed="rId7"/>
+                <a:stretch>
+                  <a:fillRect l="-9524" t="-2174" r="-15476" b="-36957"/>
+                </a:stretch>
+              </a:blipFill>
+            </p:spPr>
+            <p:txBody>
+              <a:bodyPr/>
+              <a:lstStyle/>
+              <a:p>
+                <a:r>
+                  <a:rPr lang="ja-JP" altLang="en-US">
+                    <a:noFill/>
+                  </a:rPr>
+                  <a:t> </a:t>
+                </a:r>
+              </a:p>
+            </p:txBody>
+          </p:sp>
+        </mc:Fallback>
+      </mc:AlternateContent>
+      <mc:AlternateContent xmlns:mc="http://schemas.openxmlformats.org/markup-compatibility/2006" xmlns:a14="http://schemas.microsoft.com/office/drawing/2010/main">
+        <mc:Choice Requires="a14">
+          <p:sp>
+            <p:nvSpPr>
+              <p:cNvPr id="33" name="テキスト ボックス 32">
+                <a:extLst>
+                  <a:ext uri="{FF2B5EF4-FFF2-40B4-BE49-F238E27FC236}">
+                    <a16:creationId xmlns:a16="http://schemas.microsoft.com/office/drawing/2014/main" id="{D4C78661-056E-62D5-CC4A-26A56509117A}"/>
+                  </a:ext>
+                </a:extLst>
+              </p:cNvPr>
+              <p:cNvSpPr txBox="1"/>
+              <p:nvPr/>
+            </p:nvSpPr>
+            <p:spPr>
+              <a:xfrm>
+                <a:off x="9759971" y="3428381"/>
+                <a:ext cx="489814" cy="276999"/>
+              </a:xfrm>
+              <a:prstGeom prst="rect">
+                <a:avLst/>
+              </a:prstGeom>
+              <a:noFill/>
+            </p:spPr>
+            <p:txBody>
+              <a:bodyPr wrap="none" lIns="0" tIns="0" rIns="0" bIns="0" rtlCol="0">
+                <a:spAutoFit/>
+              </a:bodyPr>
+              <a:lstStyle/>
+              <a:p>
+                <a:pPr/>
+                <a14:m>
+                  <m:oMathPara xmlns:m="http://schemas.openxmlformats.org/officeDocument/2006/math">
+                    <m:oMathParaPr>
+                      <m:jc m:val="centerGroup"/>
+                    </m:oMathParaPr>
+                    <m:oMath xmlns:m="http://schemas.openxmlformats.org/officeDocument/2006/math">
+                      <m:acc>
+                        <m:accPr>
+                          <m:chr m:val="̂"/>
+                          <m:ctrlPr>
+                            <a:rPr kumimoji="1" lang="ja-JP" altLang="en-US" i="1" smtClean="0">
+                              <a:latin typeface="Cambria Math" panose="02040503050406030204" pitchFamily="18" charset="0"/>
+                            </a:rPr>
+                          </m:ctrlPr>
+                        </m:accPr>
+                        <m:e>
+                          <m:r>
+                            <a:rPr kumimoji="1" lang="en-US" altLang="ja-JP" b="0" i="1" smtClean="0">
+                              <a:latin typeface="Cambria Math" panose="02040503050406030204" pitchFamily="18" charset="0"/>
+                            </a:rPr>
+                            <m:t>𝑥</m:t>
+                          </m:r>
+                        </m:e>
+                      </m:acc>
+                      <m:r>
+                        <a:rPr kumimoji="1" lang="en-US" altLang="ja-JP" b="0" i="1" smtClean="0">
+                          <a:latin typeface="Cambria Math" panose="02040503050406030204" pitchFamily="18" charset="0"/>
+                        </a:rPr>
+                        <m:t>[</m:t>
+                      </m:r>
+                      <m:r>
+                        <a:rPr kumimoji="1" lang="en-US" altLang="ja-JP" b="0" i="1" smtClean="0">
+                          <a:latin typeface="Cambria Math" panose="02040503050406030204" pitchFamily="18" charset="0"/>
+                        </a:rPr>
+                        <m:t>𝑘</m:t>
+                      </m:r>
+                      <m:r>
+                        <a:rPr kumimoji="1" lang="en-US" altLang="ja-JP" b="0" i="1" smtClean="0">
+                          <a:latin typeface="Cambria Math" panose="02040503050406030204" pitchFamily="18" charset="0"/>
+                        </a:rPr>
+                        <m:t>]</m:t>
+                      </m:r>
+                    </m:oMath>
+                  </m:oMathPara>
+                </a14:m>
+                <a:endParaRPr kumimoji="1" lang="ja-JP" altLang="en-US" dirty="0"/>
+              </a:p>
+            </p:txBody>
+          </p:sp>
+        </mc:Choice>
+        <mc:Fallback xmlns="">
+          <p:sp>
+            <p:nvSpPr>
+              <p:cNvPr id="33" name="テキスト ボックス 32">
+                <a:extLst>
+                  <a:ext uri="{FF2B5EF4-FFF2-40B4-BE49-F238E27FC236}">
+                    <a16:creationId xmlns:a16="http://schemas.microsoft.com/office/drawing/2014/main" id="{D4C78661-056E-62D5-CC4A-26A56509117A}"/>
+                  </a:ext>
+                </a:extLst>
+              </p:cNvPr>
+              <p:cNvSpPr txBox="1">
+                <a:spLocks noRot="1" noChangeAspect="1" noMove="1" noResize="1" noEditPoints="1" noAdjustHandles="1" noChangeArrowheads="1" noChangeShapeType="1" noTextEdit="1"/>
+              </p:cNvSpPr>
+              <p:nvPr/>
+            </p:nvSpPr>
+            <p:spPr>
+              <a:xfrm>
+                <a:off x="9759971" y="3428381"/>
+                <a:ext cx="489814" cy="276999"/>
+              </a:xfrm>
+              <a:prstGeom prst="rect">
+                <a:avLst/>
+              </a:prstGeom>
+              <a:blipFill>
+                <a:blip r:embed="rId8"/>
+                <a:stretch>
+                  <a:fillRect l="-5000" t="-23913" r="-17500" b="-36957"/>
+                </a:stretch>
+              </a:blipFill>
+            </p:spPr>
+            <p:txBody>
+              <a:bodyPr/>
+              <a:lstStyle/>
+              <a:p>
+                <a:r>
+                  <a:rPr lang="ja-JP" altLang="en-US">
+                    <a:noFill/>
+                  </a:rPr>
+                  <a:t> </a:t>
+                </a:r>
+              </a:p>
+            </p:txBody>
+          </p:sp>
+        </mc:Fallback>
+      </mc:AlternateContent>
+      <p:cxnSp>
+        <p:nvCxnSpPr>
+          <p:cNvPr id="34" name="直線矢印コネクタ 33">
+            <a:extLst>
+              <a:ext uri="{FF2B5EF4-FFF2-40B4-BE49-F238E27FC236}">
+                <a16:creationId xmlns:a16="http://schemas.microsoft.com/office/drawing/2014/main" id="{FAEE8979-F8E0-4E5E-DD1E-2534DA097528}"/>
+              </a:ext>
+            </a:extLst>
+          </p:cNvPr>
+          <p:cNvCxnSpPr>
+            <a:cxnSpLocks/>
+          </p:cNvCxnSpPr>
+          <p:nvPr/>
+        </p:nvCxnSpPr>
+        <p:spPr>
+          <a:xfrm>
+            <a:off x="9323086" y="3810897"/>
+            <a:ext cx="822426" cy="10652"/>
+          </a:xfrm>
+          <a:prstGeom prst="straightConnector1">
+            <a:avLst/>
+          </a:prstGeom>
+          <a:ln>
+            <a:solidFill>
+              <a:schemeClr val="dk1"/>
+            </a:solidFill>
+            <a:prstDash val="dash"/>
+            <a:tailEnd type="triangle"/>
+          </a:ln>
+        </p:spPr>
+        <p:style>
+          <a:lnRef idx="2">
+            <a:schemeClr val="dk1"/>
+          </a:lnRef>
+          <a:fillRef idx="0">
+            <a:schemeClr val="dk1"/>
+          </a:fillRef>
+          <a:effectRef idx="1">
+            <a:schemeClr val="dk1"/>
+          </a:effectRef>
+          <a:fontRef idx="minor">
+            <a:schemeClr val="tx1"/>
+          </a:fontRef>
+        </p:style>
+      </p:cxnSp>
+      <p:cxnSp>
+        <p:nvCxnSpPr>
+          <p:cNvPr id="35" name="直線矢印コネクタ 34">
+            <a:extLst>
+              <a:ext uri="{FF2B5EF4-FFF2-40B4-BE49-F238E27FC236}">
+                <a16:creationId xmlns:a16="http://schemas.microsoft.com/office/drawing/2014/main" id="{661682D0-05AE-34CA-C363-A96AEEECBECB}"/>
+              </a:ext>
+            </a:extLst>
+          </p:cNvPr>
+          <p:cNvCxnSpPr>
+            <a:cxnSpLocks/>
+          </p:cNvCxnSpPr>
+          <p:nvPr/>
+        </p:nvCxnSpPr>
+        <p:spPr>
+          <a:xfrm flipV="1">
+            <a:off x="7600058" y="4201067"/>
+            <a:ext cx="0" cy="612506"/>
+          </a:xfrm>
+          <a:prstGeom prst="straightConnector1">
+            <a:avLst/>
+          </a:prstGeom>
+          <a:ln>
+            <a:prstDash val="dash"/>
+            <a:tailEnd type="triangle"/>
+          </a:ln>
+        </p:spPr>
+        <p:style>
+          <a:lnRef idx="2">
+            <a:schemeClr val="dk1"/>
+          </a:lnRef>
+          <a:fillRef idx="0">
+            <a:schemeClr val="dk1"/>
+          </a:fillRef>
+          <a:effectRef idx="1">
+            <a:schemeClr val="dk1"/>
+          </a:effectRef>
+          <a:fontRef idx="minor">
+            <a:schemeClr val="tx1"/>
+          </a:fontRef>
+        </p:style>
+      </p:cxnSp>
+      <mc:AlternateContent xmlns:mc="http://schemas.openxmlformats.org/markup-compatibility/2006" xmlns:a14="http://schemas.microsoft.com/office/drawing/2010/main">
+        <mc:Choice Requires="a14">
+          <p:sp>
+            <p:nvSpPr>
+              <p:cNvPr id="36" name="テキスト ボックス 35">
+                <a:extLst>
+                  <a:ext uri="{FF2B5EF4-FFF2-40B4-BE49-F238E27FC236}">
+                    <a16:creationId xmlns:a16="http://schemas.microsoft.com/office/drawing/2014/main" id="{F0A04FF5-0F0B-97BB-5668-6AD9BDC77787}"/>
+                  </a:ext>
+                </a:extLst>
+              </p:cNvPr>
+              <p:cNvSpPr txBox="1"/>
+              <p:nvPr/>
+            </p:nvSpPr>
+            <p:spPr>
+              <a:xfrm>
+                <a:off x="7677548" y="4536574"/>
+                <a:ext cx="622350" cy="276999"/>
+              </a:xfrm>
+              <a:prstGeom prst="rect">
+                <a:avLst/>
+              </a:prstGeom>
+              <a:noFill/>
+            </p:spPr>
+            <p:txBody>
+              <a:bodyPr wrap="none" lIns="0" tIns="0" rIns="0" bIns="0" rtlCol="0">
+                <a:spAutoFit/>
+              </a:bodyPr>
+              <a:lstStyle/>
+              <a:p>
+                <a:pPr/>
+                <a14:m>
+                  <m:oMathPara xmlns:m="http://schemas.openxmlformats.org/officeDocument/2006/math">
+                    <m:oMathParaPr>
+                      <m:jc m:val="centerGroup"/>
+                    </m:oMathParaPr>
+                    <m:oMath xmlns:m="http://schemas.openxmlformats.org/officeDocument/2006/math">
+                      <m:sSub>
+                        <m:sSubPr>
+                          <m:ctrlPr>
+                            <a:rPr kumimoji="1" lang="en-US" altLang="ja-JP" i="1" smtClean="0">
+                              <a:latin typeface="Cambria Math" panose="02040503050406030204" pitchFamily="18" charset="0"/>
+                            </a:rPr>
+                          </m:ctrlPr>
+                        </m:sSubPr>
+                        <m:e>
+                          <m:r>
+                            <a:rPr kumimoji="1" lang="en-US" altLang="ja-JP" b="0" i="1" smtClean="0">
+                              <a:latin typeface="Cambria Math" panose="02040503050406030204" pitchFamily="18" charset="0"/>
+                            </a:rPr>
+                            <m:t>𝑅</m:t>
+                          </m:r>
+                        </m:e>
+                        <m:sub>
+                          <m:r>
+                            <a:rPr kumimoji="1" lang="en-US" altLang="ja-JP" b="0" i="1" smtClean="0">
+                              <a:latin typeface="Cambria Math" panose="02040503050406030204" pitchFamily="18" charset="0"/>
+                            </a:rPr>
+                            <m:t>𝑎</m:t>
+                          </m:r>
+                        </m:sub>
+                      </m:sSub>
+                      <m:r>
+                        <a:rPr kumimoji="1" lang="en-US" altLang="ja-JP" b="0" i="1" smtClean="0">
+                          <a:latin typeface="Cambria Math" panose="02040503050406030204" pitchFamily="18" charset="0"/>
+                        </a:rPr>
+                        <m:t>[</m:t>
+                      </m:r>
+                      <m:r>
+                        <a:rPr kumimoji="1" lang="en-US" altLang="ja-JP" b="0" i="1" smtClean="0">
+                          <a:latin typeface="Cambria Math" panose="02040503050406030204" pitchFamily="18" charset="0"/>
+                        </a:rPr>
+                        <m:t>𝑘</m:t>
+                      </m:r>
+                      <m:r>
+                        <a:rPr kumimoji="1" lang="en-US" altLang="ja-JP" b="0" i="1" smtClean="0">
+                          <a:latin typeface="Cambria Math" panose="02040503050406030204" pitchFamily="18" charset="0"/>
+                        </a:rPr>
+                        <m:t>]</m:t>
+                      </m:r>
+                    </m:oMath>
+                  </m:oMathPara>
+                </a14:m>
+                <a:endParaRPr kumimoji="1" lang="ja-JP" altLang="en-US" dirty="0"/>
+              </a:p>
+            </p:txBody>
+          </p:sp>
+        </mc:Choice>
+        <mc:Fallback xmlns="">
+          <p:sp>
+            <p:nvSpPr>
+              <p:cNvPr id="36" name="テキスト ボックス 35">
+                <a:extLst>
+                  <a:ext uri="{FF2B5EF4-FFF2-40B4-BE49-F238E27FC236}">
+                    <a16:creationId xmlns:a16="http://schemas.microsoft.com/office/drawing/2014/main" id="{F0A04FF5-0F0B-97BB-5668-6AD9BDC77787}"/>
+                  </a:ext>
+                </a:extLst>
+              </p:cNvPr>
+              <p:cNvSpPr txBox="1">
+                <a:spLocks noRot="1" noChangeAspect="1" noMove="1" noResize="1" noEditPoints="1" noAdjustHandles="1" noChangeArrowheads="1" noChangeShapeType="1" noTextEdit="1"/>
+              </p:cNvSpPr>
+              <p:nvPr/>
+            </p:nvSpPr>
+            <p:spPr>
+              <a:xfrm>
+                <a:off x="7677548" y="4536574"/>
+                <a:ext cx="622350" cy="276999"/>
+              </a:xfrm>
+              <a:prstGeom prst="rect">
+                <a:avLst/>
+              </a:prstGeom>
+              <a:blipFill>
+                <a:blip r:embed="rId9"/>
+                <a:stretch>
+                  <a:fillRect l="-6796" t="-2174" r="-11650" b="-36957"/>
+                </a:stretch>
+              </a:blipFill>
+            </p:spPr>
+            <p:txBody>
+              <a:bodyPr/>
+              <a:lstStyle/>
+              <a:p>
+                <a:r>
+                  <a:rPr lang="ja-JP" altLang="en-US">
+                    <a:noFill/>
+                  </a:rPr>
+                  <a:t> </a:t>
+                </a:r>
+              </a:p>
+            </p:txBody>
+          </p:sp>
+        </mc:Fallback>
+      </mc:AlternateContent>
+    </p:spTree>
+    <p:extLst>
+      <p:ext uri="{BB962C8B-B14F-4D97-AF65-F5344CB8AC3E}">
+        <p14:creationId xmlns:p14="http://schemas.microsoft.com/office/powerpoint/2010/main" val="3057387853"/>
+      </p:ext>
+    </p:extLst>
+  </p:cSld>
+  <p:clrMapOvr>
+    <a:masterClrMapping/>
+  </p:clrMapOvr>
+</p:sld>
+</file>
+
 <file path=ppt/theme/theme1.xml><?xml version="1.0" encoding="utf-8"?>
 <a:theme xmlns:a="http://schemas.openxmlformats.org/drawingml/2006/main" name="Office テーマ">
   <a:themeElements>

--- a/fig_block.pptx
+++ b/fig_block.pptx
@@ -5,7 +5,7 @@
     <p:sldMasterId id="2147483648" r:id="rId1"/>
   </p:sldMasterIdLst>
   <p:notesMasterIdLst>
-    <p:notesMasterId r:id="rId9"/>
+    <p:notesMasterId r:id="rId10"/>
   </p:notesMasterIdLst>
   <p:sldIdLst>
     <p:sldId id="257" r:id="rId2"/>
@@ -15,6 +15,7 @@
     <p:sldId id="261" r:id="rId6"/>
     <p:sldId id="262" r:id="rId7"/>
     <p:sldId id="264" r:id="rId8"/>
+    <p:sldId id="265" r:id="rId9"/>
   </p:sldIdLst>
   <p:sldSz cx="12192000" cy="6858000"/>
   <p:notesSz cx="6858000" cy="9144000"/>
@@ -4190,10 +4191,10 @@
       </p:grpSpPr>
       <p:grpSp>
         <p:nvGrpSpPr>
-          <p:cNvPr id="24" name="グループ化 23">
+          <p:cNvPr id="29" name="グループ化 28">
             <a:extLst>
               <a:ext uri="{FF2B5EF4-FFF2-40B4-BE49-F238E27FC236}">
-                <a16:creationId xmlns:a16="http://schemas.microsoft.com/office/drawing/2014/main" id="{0DA62A59-6E08-BE7F-812F-5D92D0341882}"/>
+                <a16:creationId xmlns:a16="http://schemas.microsoft.com/office/drawing/2014/main" id="{EBFC2C77-6511-50FC-B05D-6D69FC7CF846}"/>
               </a:ext>
             </a:extLst>
           </p:cNvPr>
@@ -4202,10 +4203,10 @@
         </p:nvGrpSpPr>
         <p:grpSpPr>
           <a:xfrm>
-            <a:off x="1816395" y="2085539"/>
-            <a:ext cx="8559210" cy="2686921"/>
-            <a:chOff x="3000969" y="2447527"/>
-            <a:chExt cx="7642222" cy="1940603"/>
+            <a:off x="2867114" y="2676606"/>
+            <a:ext cx="6800954" cy="1939314"/>
+            <a:chOff x="2867114" y="2676606"/>
+            <a:chExt cx="6800954" cy="1939314"/>
           </a:xfrm>
         </p:grpSpPr>
         <p:sp>
@@ -4222,8 +4223,8 @@
           </p:nvSpPr>
           <p:spPr>
             <a:xfrm>
-              <a:off x="4937048" y="2449892"/>
-              <a:ext cx="1952849" cy="734540"/>
+              <a:off x="3968160" y="2676606"/>
+              <a:ext cx="2027641" cy="810862"/>
             </a:xfrm>
             <a:prstGeom prst="rect">
               <a:avLst/>
@@ -4325,8 +4326,8 @@
           </p:nvSpPr>
           <p:spPr>
             <a:xfrm>
-              <a:off x="4937048" y="3653590"/>
-              <a:ext cx="1952849" cy="734540"/>
+              <a:off x="3968160" y="3805058"/>
+              <a:ext cx="2027641" cy="810862"/>
             </a:xfrm>
             <a:prstGeom prst="rect">
               <a:avLst/>
@@ -4412,8 +4413,8 @@
           </p:nvSpPr>
           <p:spPr>
             <a:xfrm>
-              <a:off x="7350268" y="3061734"/>
-              <a:ext cx="1810410" cy="734532"/>
+              <a:off x="7009621" y="3143369"/>
+              <a:ext cx="2027641" cy="1017019"/>
             </a:xfrm>
             <a:prstGeom prst="rect">
               <a:avLst/>
@@ -4495,8 +4496,8 @@
           </p:nvCxnSpPr>
           <p:spPr>
             <a:xfrm>
-              <a:off x="3050396" y="2817162"/>
-              <a:ext cx="1886652" cy="12700"/>
+              <a:off x="3367668" y="3082037"/>
+              <a:ext cx="600492" cy="0"/>
             </a:xfrm>
             <a:prstGeom prst="straightConnector1">
               <a:avLst/>
@@ -4521,8 +4522,8 @@
             </a:fontRef>
           </p:style>
         </p:cxnSp>
-        <mc:AlternateContent xmlns:mc="http://schemas.openxmlformats.org/markup-compatibility/2006" xmlns:a14="http://schemas.microsoft.com/office/drawing/2010/main">
-          <mc:Choice Requires="a14">
+        <mc:AlternateContent xmlns:mc="http://schemas.openxmlformats.org/markup-compatibility/2006">
+          <mc:Choice xmlns:a14="http://schemas.microsoft.com/office/drawing/2010/main" Requires="a14">
             <p:sp>
               <p:nvSpPr>
                 <p:cNvPr id="10" name="テキスト ボックス 9">
@@ -4537,8 +4538,8 @@
               </p:nvSpPr>
               <p:spPr>
                 <a:xfrm>
-                  <a:off x="3000969" y="2461629"/>
-                  <a:ext cx="812337" cy="369332"/>
+                  <a:off x="2867114" y="2676606"/>
+                  <a:ext cx="909809" cy="511370"/>
                 </a:xfrm>
                 <a:prstGeom prst="rect">
                   <a:avLst/>
@@ -4586,12 +4587,12 @@
                       </m:oMath>
                     </m:oMathPara>
                   </a14:m>
-                  <a:endParaRPr kumimoji="1" lang="ja-JP" altLang="en-US"/>
+                  <a:endParaRPr kumimoji="1" lang="ja-JP" altLang="en-US" dirty="0"/>
                 </a:p>
               </p:txBody>
             </p:sp>
           </mc:Choice>
-          <mc:Fallback xmlns="">
+          <mc:Fallback>
             <p:sp>
               <p:nvSpPr>
                 <p:cNvPr id="10" name="テキスト ボックス 9">
@@ -4608,8 +4609,8 @@
               </p:nvSpPr>
               <p:spPr>
                 <a:xfrm>
-                  <a:off x="3000969" y="2461629"/>
-                  <a:ext cx="812337" cy="369332"/>
+                  <a:off x="2867114" y="2676606"/>
+                  <a:ext cx="909809" cy="511370"/>
                 </a:xfrm>
                 <a:prstGeom prst="rect">
                   <a:avLst/>
@@ -4636,94 +4637,8 @@
             </p:sp>
           </mc:Fallback>
         </mc:AlternateContent>
-        <p:cxnSp>
-          <p:nvCxnSpPr>
-            <p:cNvPr id="11" name="カギ線コネクタ 10">
-              <a:extLst>
-                <a:ext uri="{FF2B5EF4-FFF2-40B4-BE49-F238E27FC236}">
-                  <a16:creationId xmlns:a16="http://schemas.microsoft.com/office/drawing/2014/main" id="{684A6C9A-7117-2740-67C6-9DDE2A0CD0B8}"/>
-                </a:ext>
-              </a:extLst>
-            </p:cNvPr>
-            <p:cNvCxnSpPr>
-              <a:cxnSpLocks/>
-              <a:stCxn id="4" idx="3"/>
-              <a:endCxn id="6" idx="0"/>
-            </p:cNvCxnSpPr>
-            <p:nvPr/>
-          </p:nvCxnSpPr>
-          <p:spPr>
-            <a:xfrm>
-              <a:off x="6889897" y="2817162"/>
-              <a:ext cx="1365576" cy="244572"/>
-            </a:xfrm>
-            <a:prstGeom prst="bentConnector2">
-              <a:avLst/>
-            </a:prstGeom>
-            <a:ln>
-              <a:tailEnd type="triangle"/>
-            </a:ln>
-          </p:spPr>
-          <p:style>
-            <a:lnRef idx="2">
-              <a:schemeClr val="dk1"/>
-            </a:lnRef>
-            <a:fillRef idx="0">
-              <a:schemeClr val="dk1"/>
-            </a:fillRef>
-            <a:effectRef idx="1">
-              <a:schemeClr val="dk1"/>
-            </a:effectRef>
-            <a:fontRef idx="minor">
-              <a:schemeClr val="tx1"/>
-            </a:fontRef>
-          </p:style>
-        </p:cxnSp>
-        <p:cxnSp>
-          <p:nvCxnSpPr>
-            <p:cNvPr id="12" name="カギ線コネクタ 11">
-              <a:extLst>
-                <a:ext uri="{FF2B5EF4-FFF2-40B4-BE49-F238E27FC236}">
-                  <a16:creationId xmlns:a16="http://schemas.microsoft.com/office/drawing/2014/main" id="{D129AD1D-1A37-5B24-7C77-BCD1C523EE20}"/>
-                </a:ext>
-              </a:extLst>
-            </p:cNvPr>
-            <p:cNvCxnSpPr>
-              <a:cxnSpLocks/>
-              <a:stCxn id="5" idx="3"/>
-              <a:endCxn id="6" idx="2"/>
-            </p:cNvCxnSpPr>
-            <p:nvPr/>
-          </p:nvCxnSpPr>
-          <p:spPr>
-            <a:xfrm flipV="1">
-              <a:off x="6889897" y="3796266"/>
-              <a:ext cx="1365576" cy="224594"/>
-            </a:xfrm>
-            <a:prstGeom prst="bentConnector2">
-              <a:avLst/>
-            </a:prstGeom>
-            <a:ln>
-              <a:tailEnd type="triangle"/>
-            </a:ln>
-          </p:spPr>
-          <p:style>
-            <a:lnRef idx="2">
-              <a:schemeClr val="dk1"/>
-            </a:lnRef>
-            <a:fillRef idx="0">
-              <a:schemeClr val="dk1"/>
-            </a:fillRef>
-            <a:effectRef idx="1">
-              <a:schemeClr val="dk1"/>
-            </a:effectRef>
-            <a:fontRef idx="minor">
-              <a:schemeClr val="tx1"/>
-            </a:fontRef>
-          </p:style>
-        </p:cxnSp>
-        <mc:AlternateContent xmlns:mc="http://schemas.openxmlformats.org/markup-compatibility/2006" xmlns:a14="http://schemas.microsoft.com/office/drawing/2010/main">
-          <mc:Choice Requires="a14">
+        <mc:AlternateContent xmlns:mc="http://schemas.openxmlformats.org/markup-compatibility/2006">
+          <mc:Choice xmlns:a14="http://schemas.microsoft.com/office/drawing/2010/main" Requires="a14">
             <p:sp>
               <p:nvSpPr>
                 <p:cNvPr id="13" name="テキスト ボックス 12">
@@ -4738,8 +4653,8 @@
               </p:nvSpPr>
               <p:spPr>
                 <a:xfrm>
-                  <a:off x="7589471" y="2447527"/>
-                  <a:ext cx="513346" cy="369332"/>
+                  <a:off x="6251256" y="2945434"/>
+                  <a:ext cx="574942" cy="511370"/>
                 </a:xfrm>
                 <a:prstGeom prst="rect">
                   <a:avLst/>
@@ -4787,12 +4702,12 @@
                       </m:oMath>
                     </m:oMathPara>
                   </a14:m>
-                  <a:endParaRPr kumimoji="1" lang="ja-JP" altLang="en-US"/>
+                  <a:endParaRPr kumimoji="1" lang="ja-JP" altLang="en-US" dirty="0"/>
                 </a:p>
               </p:txBody>
             </p:sp>
           </mc:Choice>
-          <mc:Fallback xmlns="">
+          <mc:Fallback>
             <p:sp>
               <p:nvSpPr>
                 <p:cNvPr id="13" name="テキスト ボックス 12">
@@ -4809,8 +4724,8 @@
               </p:nvSpPr>
               <p:spPr>
                 <a:xfrm>
-                  <a:off x="7589471" y="2447527"/>
-                  <a:ext cx="513346" cy="369332"/>
+                  <a:off x="6251256" y="2945434"/>
+                  <a:ext cx="574942" cy="511370"/>
                 </a:xfrm>
                 <a:prstGeom prst="rect">
                   <a:avLst/>
@@ -4837,8 +4752,8 @@
             </p:sp>
           </mc:Fallback>
         </mc:AlternateContent>
-        <mc:AlternateContent xmlns:mc="http://schemas.openxmlformats.org/markup-compatibility/2006" xmlns:a14="http://schemas.microsoft.com/office/drawing/2010/main">
-          <mc:Choice Requires="a14">
+        <mc:AlternateContent xmlns:mc="http://schemas.openxmlformats.org/markup-compatibility/2006">
+          <mc:Choice xmlns:a14="http://schemas.microsoft.com/office/drawing/2010/main" Requires="a14">
             <p:sp>
               <p:nvSpPr>
                 <p:cNvPr id="14" name="テキスト ボックス 13">
@@ -4853,8 +4768,8 @@
               </p:nvSpPr>
               <p:spPr>
                 <a:xfrm>
-                  <a:off x="7619628" y="3984791"/>
-                  <a:ext cx="345864" cy="369332"/>
+                  <a:off x="6366802" y="3959438"/>
+                  <a:ext cx="387364" cy="511370"/>
                 </a:xfrm>
                 <a:prstGeom prst="rect">
                   <a:avLst/>
@@ -4883,12 +4798,12 @@
                       </m:oMath>
                     </m:oMathPara>
                   </a14:m>
-                  <a:endParaRPr kumimoji="1" lang="ja-JP" altLang="en-US"/>
+                  <a:endParaRPr kumimoji="1" lang="ja-JP" altLang="en-US" dirty="0"/>
                 </a:p>
               </p:txBody>
             </p:sp>
           </mc:Choice>
-          <mc:Fallback xmlns="">
+          <mc:Fallback>
             <p:sp>
               <p:nvSpPr>
                 <p:cNvPr id="14" name="テキスト ボックス 13">
@@ -4905,8 +4820,8 @@
               </p:nvSpPr>
               <p:spPr>
                 <a:xfrm>
-                  <a:off x="7619628" y="3984791"/>
-                  <a:ext cx="345864" cy="369332"/>
+                  <a:off x="6366802" y="3959438"/>
+                  <a:ext cx="387364" cy="511370"/>
                 </a:xfrm>
                 <a:prstGeom prst="rect">
                   <a:avLst/>
@@ -4933,50 +4848,8 @@
             </p:sp>
           </mc:Fallback>
         </mc:AlternateContent>
-        <p:cxnSp>
-          <p:nvCxnSpPr>
-            <p:cNvPr id="16" name="直線矢印コネクタ 15">
-              <a:extLst>
-                <a:ext uri="{FF2B5EF4-FFF2-40B4-BE49-F238E27FC236}">
-                  <a16:creationId xmlns:a16="http://schemas.microsoft.com/office/drawing/2014/main" id="{2C25E650-A72A-9990-DBAD-36A7C4AC9D15}"/>
-                </a:ext>
-              </a:extLst>
-            </p:cNvPr>
-            <p:cNvCxnSpPr>
-              <a:cxnSpLocks/>
-            </p:cNvCxnSpPr>
-            <p:nvPr/>
-          </p:nvCxnSpPr>
-          <p:spPr>
-            <a:xfrm>
-              <a:off x="3050396" y="4020860"/>
-              <a:ext cx="1886652" cy="12700"/>
-            </a:xfrm>
-            <a:prstGeom prst="straightConnector1">
-              <a:avLst/>
-            </a:prstGeom>
-            <a:ln>
-              <a:round/>
-              <a:tailEnd type="triangle"/>
-            </a:ln>
-          </p:spPr>
-          <p:style>
-            <a:lnRef idx="2">
-              <a:schemeClr val="dk1"/>
-            </a:lnRef>
-            <a:fillRef idx="0">
-              <a:schemeClr val="dk1"/>
-            </a:fillRef>
-            <a:effectRef idx="1">
-              <a:schemeClr val="dk1"/>
-            </a:effectRef>
-            <a:fontRef idx="minor">
-              <a:schemeClr val="tx1"/>
-            </a:fontRef>
-          </p:style>
-        </p:cxnSp>
-        <mc:AlternateContent xmlns:mc="http://schemas.openxmlformats.org/markup-compatibility/2006" xmlns:a14="http://schemas.microsoft.com/office/drawing/2010/main">
-          <mc:Choice Requires="a14">
+        <mc:AlternateContent xmlns:mc="http://schemas.openxmlformats.org/markup-compatibility/2006">
+          <mc:Choice xmlns:a14="http://schemas.microsoft.com/office/drawing/2010/main" Requires="a14">
             <p:sp>
               <p:nvSpPr>
                 <p:cNvPr id="17" name="テキスト ボックス 16">
@@ -4991,8 +4864,8 @@
               </p:nvSpPr>
               <p:spPr>
                 <a:xfrm>
-                  <a:off x="3176208" y="3631564"/>
-                  <a:ext cx="461858" cy="276999"/>
+                  <a:off x="3063380" y="3767675"/>
+                  <a:ext cx="517276" cy="383527"/>
                 </a:xfrm>
                 <a:prstGeom prst="rect">
                   <a:avLst/>
@@ -5040,12 +4913,12 @@
                       </m:oMath>
                     </m:oMathPara>
                   </a14:m>
-                  <a:endParaRPr kumimoji="1" lang="ja-JP" altLang="en-US"/>
+                  <a:endParaRPr kumimoji="1" lang="ja-JP" altLang="en-US" dirty="0"/>
                 </a:p>
               </p:txBody>
             </p:sp>
           </mc:Choice>
-          <mc:Fallback xmlns="">
+          <mc:Fallback>
             <p:sp>
               <p:nvSpPr>
                 <p:cNvPr id="17" name="テキスト ボックス 16">
@@ -5062,8 +4935,8 @@
               </p:nvSpPr>
               <p:spPr>
                 <a:xfrm>
-                  <a:off x="3176208" y="3631564"/>
-                  <a:ext cx="461858" cy="276999"/>
+                  <a:off x="3063380" y="3767675"/>
+                  <a:ext cx="517276" cy="383527"/>
                 </a:xfrm>
                 <a:prstGeom prst="rect">
                   <a:avLst/>
@@ -5106,8 +4979,8 @@
           </p:nvCxnSpPr>
           <p:spPr>
             <a:xfrm>
-              <a:off x="9160678" y="3429000"/>
-              <a:ext cx="1482513" cy="0"/>
+              <a:off x="9037262" y="3645125"/>
+              <a:ext cx="630806" cy="0"/>
             </a:xfrm>
             <a:prstGeom prst="straightConnector1">
               <a:avLst/>
@@ -5132,8 +5005,8 @@
             </a:fontRef>
           </p:style>
         </p:cxnSp>
-        <mc:AlternateContent xmlns:mc="http://schemas.openxmlformats.org/markup-compatibility/2006" xmlns:a14="http://schemas.microsoft.com/office/drawing/2010/main">
-          <mc:Choice Requires="a14">
+        <mc:AlternateContent xmlns:mc="http://schemas.openxmlformats.org/markup-compatibility/2006">
+          <mc:Choice xmlns:a14="http://schemas.microsoft.com/office/drawing/2010/main" Requires="a14">
             <p:sp>
               <p:nvSpPr>
                 <p:cNvPr id="20" name="テキスト ボックス 19">
@@ -5148,8 +5021,8 @@
               </p:nvSpPr>
               <p:spPr>
                 <a:xfrm>
-                  <a:off x="9901934" y="3152001"/>
-                  <a:ext cx="221727" cy="276999"/>
+                  <a:off x="9228499" y="3362220"/>
+                  <a:ext cx="248332" cy="383527"/>
                 </a:xfrm>
                 <a:prstGeom prst="rect">
                   <a:avLst/>
@@ -5178,12 +5051,12 @@
                       </m:oMath>
                     </m:oMathPara>
                   </a14:m>
-                  <a:endParaRPr kumimoji="1" lang="ja-JP" altLang="en-US"/>
+                  <a:endParaRPr kumimoji="1" lang="ja-JP" altLang="en-US" dirty="0"/>
                 </a:p>
               </p:txBody>
             </p:sp>
           </mc:Choice>
-          <mc:Fallback xmlns="">
+          <mc:Fallback>
             <p:sp>
               <p:nvSpPr>
                 <p:cNvPr id="20" name="テキスト ボックス 19">
@@ -5200,8 +5073,8 @@
               </p:nvSpPr>
               <p:spPr>
                 <a:xfrm>
-                  <a:off x="9901934" y="3152001"/>
-                  <a:ext cx="221727" cy="276999"/>
+                  <a:off x="9228499" y="3362220"/>
+                  <a:ext cx="248332" cy="383527"/>
                 </a:xfrm>
                 <a:prstGeom prst="rect">
                   <a:avLst/>
@@ -5209,7 +5082,7 @@
                 <a:blipFill>
                   <a:blip r:embed="rId6"/>
                   <a:stretch>
-                    <a:fillRect l="-14286" r="-4762"/>
+                    <a:fillRect l="-14634" r="-9756"/>
                   </a:stretch>
                 </a:blipFill>
               </p:spPr>
@@ -5228,6 +5101,132 @@
             </p:sp>
           </mc:Fallback>
         </mc:AlternateContent>
+        <p:cxnSp>
+          <p:nvCxnSpPr>
+            <p:cNvPr id="8" name="直線矢印コネクタ 7">
+              <a:extLst>
+                <a:ext uri="{FF2B5EF4-FFF2-40B4-BE49-F238E27FC236}">
+                  <a16:creationId xmlns:a16="http://schemas.microsoft.com/office/drawing/2014/main" id="{A2250CED-3F4D-6006-E208-12ACF870EA1A}"/>
+                </a:ext>
+              </a:extLst>
+            </p:cNvPr>
+            <p:cNvCxnSpPr>
+              <a:cxnSpLocks/>
+            </p:cNvCxnSpPr>
+            <p:nvPr/>
+          </p:nvCxnSpPr>
+          <p:spPr>
+            <a:xfrm>
+              <a:off x="5995801" y="3328639"/>
+              <a:ext cx="1021052" cy="0"/>
+            </a:xfrm>
+            <a:prstGeom prst="straightConnector1">
+              <a:avLst/>
+            </a:prstGeom>
+            <a:ln>
+              <a:round/>
+              <a:tailEnd type="triangle"/>
+            </a:ln>
+          </p:spPr>
+          <p:style>
+            <a:lnRef idx="2">
+              <a:schemeClr val="dk1"/>
+            </a:lnRef>
+            <a:fillRef idx="0">
+              <a:schemeClr val="dk1"/>
+            </a:fillRef>
+            <a:effectRef idx="1">
+              <a:schemeClr val="dk1"/>
+            </a:effectRef>
+            <a:fontRef idx="minor">
+              <a:schemeClr val="tx1"/>
+            </a:fontRef>
+          </p:style>
+        </p:cxnSp>
+        <p:cxnSp>
+          <p:nvCxnSpPr>
+            <p:cNvPr id="23" name="直線矢印コネクタ 22">
+              <a:extLst>
+                <a:ext uri="{FF2B5EF4-FFF2-40B4-BE49-F238E27FC236}">
+                  <a16:creationId xmlns:a16="http://schemas.microsoft.com/office/drawing/2014/main" id="{E336E1A4-FF22-58AD-E28E-2C0245DCCAF8}"/>
+                </a:ext>
+              </a:extLst>
+            </p:cNvPr>
+            <p:cNvCxnSpPr>
+              <a:cxnSpLocks/>
+            </p:cNvCxnSpPr>
+            <p:nvPr/>
+          </p:nvCxnSpPr>
+          <p:spPr>
+            <a:xfrm>
+              <a:off x="5995801" y="3937510"/>
+              <a:ext cx="1021052" cy="0"/>
+            </a:xfrm>
+            <a:prstGeom prst="straightConnector1">
+              <a:avLst/>
+            </a:prstGeom>
+            <a:ln>
+              <a:round/>
+              <a:tailEnd type="triangle"/>
+            </a:ln>
+          </p:spPr>
+          <p:style>
+            <a:lnRef idx="2">
+              <a:schemeClr val="dk1"/>
+            </a:lnRef>
+            <a:fillRef idx="0">
+              <a:schemeClr val="dk1"/>
+            </a:fillRef>
+            <a:effectRef idx="1">
+              <a:schemeClr val="dk1"/>
+            </a:effectRef>
+            <a:fontRef idx="minor">
+              <a:schemeClr val="tx1"/>
+            </a:fontRef>
+          </p:style>
+        </p:cxnSp>
+        <p:cxnSp>
+          <p:nvCxnSpPr>
+            <p:cNvPr id="28" name="直線矢印コネクタ 27">
+              <a:extLst>
+                <a:ext uri="{FF2B5EF4-FFF2-40B4-BE49-F238E27FC236}">
+                  <a16:creationId xmlns:a16="http://schemas.microsoft.com/office/drawing/2014/main" id="{9B3F2889-7AB2-06CC-74F5-F345633C8D32}"/>
+                </a:ext>
+              </a:extLst>
+            </p:cNvPr>
+            <p:cNvCxnSpPr>
+              <a:cxnSpLocks/>
+            </p:cNvCxnSpPr>
+            <p:nvPr/>
+          </p:nvCxnSpPr>
+          <p:spPr>
+            <a:xfrm>
+              <a:off x="3367668" y="4160971"/>
+              <a:ext cx="600492" cy="0"/>
+            </a:xfrm>
+            <a:prstGeom prst="straightConnector1">
+              <a:avLst/>
+            </a:prstGeom>
+            <a:ln>
+              <a:round/>
+              <a:tailEnd type="triangle"/>
+            </a:ln>
+          </p:spPr>
+          <p:style>
+            <a:lnRef idx="2">
+              <a:schemeClr val="dk1"/>
+            </a:lnRef>
+            <a:fillRef idx="0">
+              <a:schemeClr val="dk1"/>
+            </a:fillRef>
+            <a:effectRef idx="1">
+              <a:schemeClr val="dk1"/>
+            </a:effectRef>
+            <a:fontRef idx="minor">
+              <a:schemeClr val="tx1"/>
+            </a:fontRef>
+          </p:style>
+        </p:cxnSp>
       </p:grpSp>
     </p:spTree>
     <p:extLst>
@@ -9615,7 +9614,13 @@
                             <a:rPr lang="en-US" b="0" i="1" smtClean="0">
                               <a:latin typeface="Cambria Math" panose="02040503050406030204" pitchFamily="18" charset="0"/>
                             </a:rPr>
-                            <m:t>+1</m:t>
+                            <m:t>+</m:t>
+                          </m:r>
+                          <m:r>
+                            <a:rPr lang="en-US" b="0" i="1" smtClean="0">
+                              <a:latin typeface="Cambria Math" panose="02040503050406030204" pitchFamily="18" charset="0"/>
+                            </a:rPr>
+                            <m:t>1</m:t>
                           </m:r>
                         </m:e>
                       </m:d>
@@ -9985,7 +9990,19 @@
                                 <a:rPr lang="en-US" altLang="ja-JP" b="0" i="1" smtClean="0">
                                   <a:latin typeface="Cambria Math" panose="02040503050406030204" pitchFamily="18" charset="0"/>
                                 </a:rPr>
-                                <m:t> 0)</m:t>
+                                <m:t> </m:t>
+                              </m:r>
+                              <m:r>
+                                <a:rPr lang="en-US" altLang="ja-JP" b="0" i="1" smtClean="0">
+                                  <a:latin typeface="Cambria Math" panose="02040503050406030204" pitchFamily="18" charset="0"/>
+                                </a:rPr>
+                                <m:t>0</m:t>
+                              </m:r>
+                              <m:r>
+                                <a:rPr lang="en-US" altLang="ja-JP" b="0" i="1" smtClean="0">
+                                  <a:latin typeface="Cambria Math" panose="02040503050406030204" pitchFamily="18" charset="0"/>
+                                </a:rPr>
+                                <m:t>)</m:t>
                               </m:r>
                             </m:e>
                             <m:e>
@@ -10162,7 +10179,19 @@
                                 <a:rPr lang="en-US" b="0" i="1" smtClean="0">
                                   <a:latin typeface="Cambria Math" panose="02040503050406030204" pitchFamily="18" charset="0"/>
                                 </a:rPr>
-                                <m:t> 1)</m:t>
+                                <m:t> </m:t>
+                              </m:r>
+                              <m:r>
+                                <a:rPr lang="en-US" b="0" i="1" smtClean="0">
+                                  <a:latin typeface="Cambria Math" panose="02040503050406030204" pitchFamily="18" charset="0"/>
+                                </a:rPr>
+                                <m:t>1</m:t>
+                              </m:r>
+                              <m:r>
+                                <a:rPr lang="en-US" b="0" i="1" smtClean="0">
+                                  <a:latin typeface="Cambria Math" panose="02040503050406030204" pitchFamily="18" charset="0"/>
+                                </a:rPr>
+                                <m:t>)</m:t>
                               </m:r>
                             </m:e>
                           </m:eqArr>
@@ -10283,7 +10312,13 @@
                             <a:rPr lang="en-US" b="0" i="1" smtClean="0">
                               <a:latin typeface="Cambria Math" panose="02040503050406030204" pitchFamily="18" charset="0"/>
                             </a:rPr>
-                            <m:t>+1</m:t>
+                            <m:t>+</m:t>
+                          </m:r>
+                          <m:r>
+                            <a:rPr lang="en-US" b="0" i="1" smtClean="0">
+                              <a:latin typeface="Cambria Math" panose="02040503050406030204" pitchFamily="18" charset="0"/>
+                            </a:rPr>
+                            <m:t>1</m:t>
                           </m:r>
                         </m:e>
                       </m:d>
@@ -10507,7 +10542,13 @@
                                 <a:rPr lang="en-US" b="0" i="1" smtClean="0">
                                   <a:latin typeface="Cambria Math" panose="02040503050406030204" pitchFamily="18" charset="0"/>
                                 </a:rPr>
-                                <m:t>)=0</m:t>
+                                <m:t>)=</m:t>
+                              </m:r>
+                              <m:r>
+                                <a:rPr lang="en-US" b="0" i="1" smtClean="0">
+                                  <a:latin typeface="Cambria Math" panose="02040503050406030204" pitchFamily="18" charset="0"/>
+                                </a:rPr>
+                                <m:t>0</m:t>
                               </m:r>
                             </m:e>
                             <m:e>
@@ -10705,7 +10746,13 @@
                                 <a:rPr lang="en-US" i="1">
                                   <a:latin typeface="Cambria Math" panose="02040503050406030204" pitchFamily="18" charset="0"/>
                                 </a:rPr>
-                                <m:t>)=1</m:t>
+                                <m:t>)=</m:t>
+                              </m:r>
+                              <m:r>
+                                <a:rPr lang="en-US" i="1">
+                                  <a:latin typeface="Cambria Math" panose="02040503050406030204" pitchFamily="18" charset="0"/>
+                                </a:rPr>
+                                <m:t>1</m:t>
                               </m:r>
                             </m:e>
                           </m:eqArr>
@@ -11318,7 +11365,13 @@
                                 <a:rPr lang="en-US" b="0" i="1" smtClean="0">
                                   <a:latin typeface="Cambria Math" panose="02040503050406030204" pitchFamily="18" charset="0"/>
                                 </a:rPr>
-                                <m:t>=0</m:t>
+                                <m:t>=</m:t>
+                              </m:r>
+                              <m:r>
+                                <a:rPr lang="en-US" b="0" i="1" smtClean="0">
+                                  <a:latin typeface="Cambria Math" panose="02040503050406030204" pitchFamily="18" charset="0"/>
+                                </a:rPr>
+                                <m:t>0</m:t>
                               </m:r>
                             </m:sub>
                             <m:sup>
@@ -11693,7 +11746,79 @@
                           <a:rPr lang="en-US" i="1">
                             <a:latin typeface="Cambria Math" panose="02040503050406030204" pitchFamily="18" charset="0"/>
                           </a:rPr>
-                          <m:t>0 0 1 1 0 0 0</m:t>
+                          <m:t>0</m:t>
+                        </m:r>
+                        <m:r>
+                          <a:rPr lang="en-US" i="1">
+                            <a:latin typeface="Cambria Math" panose="02040503050406030204" pitchFamily="18" charset="0"/>
+                          </a:rPr>
+                          <m:t> </m:t>
+                        </m:r>
+                        <m:r>
+                          <a:rPr lang="en-US" i="1">
+                            <a:latin typeface="Cambria Math" panose="02040503050406030204" pitchFamily="18" charset="0"/>
+                          </a:rPr>
+                          <m:t>0</m:t>
+                        </m:r>
+                        <m:r>
+                          <a:rPr lang="en-US" i="1">
+                            <a:latin typeface="Cambria Math" panose="02040503050406030204" pitchFamily="18" charset="0"/>
+                          </a:rPr>
+                          <m:t> </m:t>
+                        </m:r>
+                        <m:r>
+                          <a:rPr lang="en-US" i="1">
+                            <a:latin typeface="Cambria Math" panose="02040503050406030204" pitchFamily="18" charset="0"/>
+                          </a:rPr>
+                          <m:t>1</m:t>
+                        </m:r>
+                        <m:r>
+                          <a:rPr lang="en-US" i="1">
+                            <a:latin typeface="Cambria Math" panose="02040503050406030204" pitchFamily="18" charset="0"/>
+                          </a:rPr>
+                          <m:t> </m:t>
+                        </m:r>
+                        <m:r>
+                          <a:rPr lang="en-US" i="1">
+                            <a:latin typeface="Cambria Math" panose="02040503050406030204" pitchFamily="18" charset="0"/>
+                          </a:rPr>
+                          <m:t>1</m:t>
+                        </m:r>
+                        <m:r>
+                          <a:rPr lang="en-US" i="1">
+                            <a:latin typeface="Cambria Math" panose="02040503050406030204" pitchFamily="18" charset="0"/>
+                          </a:rPr>
+                          <m:t> </m:t>
+                        </m:r>
+                        <m:r>
+                          <a:rPr lang="en-US" i="1">
+                            <a:latin typeface="Cambria Math" panose="02040503050406030204" pitchFamily="18" charset="0"/>
+                          </a:rPr>
+                          <m:t>0</m:t>
+                        </m:r>
+                        <m:r>
+                          <a:rPr lang="en-US" i="1">
+                            <a:latin typeface="Cambria Math" panose="02040503050406030204" pitchFamily="18" charset="0"/>
+                          </a:rPr>
+                          <m:t> </m:t>
+                        </m:r>
+                        <m:r>
+                          <a:rPr lang="en-US" i="1">
+                            <a:latin typeface="Cambria Math" panose="02040503050406030204" pitchFamily="18" charset="0"/>
+                          </a:rPr>
+                          <m:t>0</m:t>
+                        </m:r>
+                        <m:r>
+                          <a:rPr lang="en-US" i="1">
+                            <a:latin typeface="Cambria Math" panose="02040503050406030204" pitchFamily="18" charset="0"/>
+                          </a:rPr>
+                          <m:t> </m:t>
+                        </m:r>
+                        <m:r>
+                          <a:rPr lang="en-US" i="1">
+                            <a:latin typeface="Cambria Math" panose="02040503050406030204" pitchFamily="18" charset="0"/>
+                          </a:rPr>
+                          <m:t>0</m:t>
                         </m:r>
                       </m:e>
                     </m:d>
@@ -11734,7 +11859,79 @@
                           <a:rPr lang="en-US" i="1">
                             <a:latin typeface="Cambria Math" panose="02040503050406030204" pitchFamily="18" charset="0"/>
                           </a:rPr>
-                          <m:t>1 0 0 0 0 0 0</m:t>
+                          <m:t>1</m:t>
+                        </m:r>
+                        <m:r>
+                          <a:rPr lang="en-US" i="1">
+                            <a:latin typeface="Cambria Math" panose="02040503050406030204" pitchFamily="18" charset="0"/>
+                          </a:rPr>
+                          <m:t> </m:t>
+                        </m:r>
+                        <m:r>
+                          <a:rPr lang="en-US" i="1">
+                            <a:latin typeface="Cambria Math" panose="02040503050406030204" pitchFamily="18" charset="0"/>
+                          </a:rPr>
+                          <m:t>0</m:t>
+                        </m:r>
+                        <m:r>
+                          <a:rPr lang="en-US" i="1">
+                            <a:latin typeface="Cambria Math" panose="02040503050406030204" pitchFamily="18" charset="0"/>
+                          </a:rPr>
+                          <m:t> </m:t>
+                        </m:r>
+                        <m:r>
+                          <a:rPr lang="en-US" i="1">
+                            <a:latin typeface="Cambria Math" panose="02040503050406030204" pitchFamily="18" charset="0"/>
+                          </a:rPr>
+                          <m:t>0</m:t>
+                        </m:r>
+                        <m:r>
+                          <a:rPr lang="en-US" i="1">
+                            <a:latin typeface="Cambria Math" panose="02040503050406030204" pitchFamily="18" charset="0"/>
+                          </a:rPr>
+                          <m:t> </m:t>
+                        </m:r>
+                        <m:r>
+                          <a:rPr lang="en-US" i="1">
+                            <a:latin typeface="Cambria Math" panose="02040503050406030204" pitchFamily="18" charset="0"/>
+                          </a:rPr>
+                          <m:t>0</m:t>
+                        </m:r>
+                        <m:r>
+                          <a:rPr lang="en-US" i="1">
+                            <a:latin typeface="Cambria Math" panose="02040503050406030204" pitchFamily="18" charset="0"/>
+                          </a:rPr>
+                          <m:t> </m:t>
+                        </m:r>
+                        <m:r>
+                          <a:rPr lang="en-US" i="1">
+                            <a:latin typeface="Cambria Math" panose="02040503050406030204" pitchFamily="18" charset="0"/>
+                          </a:rPr>
+                          <m:t>0</m:t>
+                        </m:r>
+                        <m:r>
+                          <a:rPr lang="en-US" i="1">
+                            <a:latin typeface="Cambria Math" panose="02040503050406030204" pitchFamily="18" charset="0"/>
+                          </a:rPr>
+                          <m:t> </m:t>
+                        </m:r>
+                        <m:r>
+                          <a:rPr lang="en-US" i="1">
+                            <a:latin typeface="Cambria Math" panose="02040503050406030204" pitchFamily="18" charset="0"/>
+                          </a:rPr>
+                          <m:t>0</m:t>
+                        </m:r>
+                        <m:r>
+                          <a:rPr lang="en-US" i="1">
+                            <a:latin typeface="Cambria Math" panose="02040503050406030204" pitchFamily="18" charset="0"/>
+                          </a:rPr>
+                          <m:t> </m:t>
+                        </m:r>
+                        <m:r>
+                          <a:rPr lang="en-US" i="1">
+                            <a:latin typeface="Cambria Math" panose="02040503050406030204" pitchFamily="18" charset="0"/>
+                          </a:rPr>
+                          <m:t>0</m:t>
                         </m:r>
                       </m:e>
                     </m:d>
@@ -22434,6 +22631,1890 @@
 </p:sld>
 </file>
 
+<file path=ppt/slides/slide8.xml><?xml version="1.0" encoding="utf-8"?>
+<p:sld xmlns:a="http://schemas.openxmlformats.org/drawingml/2006/main" xmlns:r="http://schemas.openxmlformats.org/officeDocument/2006/relationships" xmlns:p="http://schemas.openxmlformats.org/presentationml/2006/main">
+  <p:cSld>
+    <p:spTree>
+      <p:nvGrpSpPr>
+        <p:cNvPr id="1" name=""/>
+        <p:cNvGrpSpPr/>
+        <p:nvPr/>
+      </p:nvGrpSpPr>
+      <p:grpSpPr>
+        <a:xfrm>
+          <a:off x="0" y="0"/>
+          <a:ext cx="0" cy="0"/>
+          <a:chOff x="0" y="0"/>
+          <a:chExt cx="0" cy="0"/>
+        </a:xfrm>
+      </p:grpSpPr>
+      <p:sp>
+        <p:nvSpPr>
+          <p:cNvPr id="33" name="角丸四角形 3">
+            <a:extLst>
+              <a:ext uri="{FF2B5EF4-FFF2-40B4-BE49-F238E27FC236}">
+                <a16:creationId xmlns:a16="http://schemas.microsoft.com/office/drawing/2014/main" id="{E86F3C50-6F64-989E-FF87-C9E832C60EC2}"/>
+              </a:ext>
+            </a:extLst>
+          </p:cNvPr>
+          <p:cNvSpPr/>
+          <p:nvPr/>
+        </p:nvSpPr>
+        <p:spPr>
+          <a:xfrm>
+            <a:off x="4897629" y="5021397"/>
+            <a:ext cx="2275368" cy="956930"/>
+          </a:xfrm>
+          <a:prstGeom prst="roundRect">
+            <a:avLst/>
+          </a:prstGeom>
+          <a:noFill/>
+          <a:ln w="60325">
+            <a:solidFill>
+              <a:srgbClr val="FF0000"/>
+            </a:solidFill>
+          </a:ln>
+        </p:spPr>
+        <p:style>
+          <a:lnRef idx="2">
+            <a:schemeClr val="accent1">
+              <a:shade val="15000"/>
+            </a:schemeClr>
+          </a:lnRef>
+          <a:fillRef idx="1">
+            <a:schemeClr val="accent1"/>
+          </a:fillRef>
+          <a:effectRef idx="0">
+            <a:schemeClr val="accent1"/>
+          </a:effectRef>
+          <a:fontRef idx="minor">
+            <a:schemeClr val="lt1"/>
+          </a:fontRef>
+        </p:style>
+        <p:txBody>
+          <a:bodyPr rtlCol="0" anchor="ctr"/>
+          <a:lstStyle/>
+          <a:p>
+            <a:pPr algn="ctr"/>
+            <a:endParaRPr kumimoji="1" lang="ja-JP" altLang="en-US"/>
+          </a:p>
+        </p:txBody>
+      </p:sp>
+      <p:grpSp>
+        <p:nvGrpSpPr>
+          <p:cNvPr id="34" name="グループ化 33">
+            <a:extLst>
+              <a:ext uri="{FF2B5EF4-FFF2-40B4-BE49-F238E27FC236}">
+                <a16:creationId xmlns:a16="http://schemas.microsoft.com/office/drawing/2014/main" id="{EEFF5905-72AA-9F6D-0B48-4AAF09E4C5D9}"/>
+              </a:ext>
+            </a:extLst>
+          </p:cNvPr>
+          <p:cNvGrpSpPr/>
+          <p:nvPr/>
+        </p:nvGrpSpPr>
+        <p:grpSpPr>
+          <a:xfrm>
+            <a:off x="666370" y="1296365"/>
+            <a:ext cx="11312270" cy="4549579"/>
+            <a:chOff x="666370" y="1296365"/>
+            <a:chExt cx="11312270" cy="4549579"/>
+          </a:xfrm>
+        </p:grpSpPr>
+        <p:sp>
+          <p:nvSpPr>
+            <p:cNvPr id="35" name="正方形/長方形 34">
+              <a:extLst>
+                <a:ext uri="{FF2B5EF4-FFF2-40B4-BE49-F238E27FC236}">
+                  <a16:creationId xmlns:a16="http://schemas.microsoft.com/office/drawing/2014/main" id="{9F7A3DAB-3351-0127-E97A-EA57078860CF}"/>
+                </a:ext>
+              </a:extLst>
+            </p:cNvPr>
+            <p:cNvSpPr/>
+            <p:nvPr/>
+          </p:nvSpPr>
+          <p:spPr>
+            <a:xfrm>
+              <a:off x="9029075" y="3536821"/>
+              <a:ext cx="2195384" cy="793092"/>
+            </a:xfrm>
+            <a:prstGeom prst="rect">
+              <a:avLst/>
+            </a:prstGeom>
+            <a:ln>
+              <a:solidFill>
+                <a:schemeClr val="tx2">
+                  <a:lumMod val="90000"/>
+                  <a:lumOff val="10000"/>
+                </a:schemeClr>
+              </a:solidFill>
+            </a:ln>
+          </p:spPr>
+          <p:style>
+            <a:lnRef idx="2">
+              <a:schemeClr val="accent1"/>
+            </a:lnRef>
+            <a:fillRef idx="1">
+              <a:schemeClr val="lt1"/>
+            </a:fillRef>
+            <a:effectRef idx="0">
+              <a:schemeClr val="accent1"/>
+            </a:effectRef>
+            <a:fontRef idx="minor">
+              <a:schemeClr val="dk1"/>
+            </a:fontRef>
+          </p:style>
+          <p:txBody>
+            <a:bodyPr rtlCol="0" anchor="ctr"/>
+            <a:lstStyle/>
+            <a:p>
+              <a:pPr algn="ctr"/>
+              <a:r>
+                <a:rPr lang="en-US" altLang="ja-JP" b="1" dirty="0">
+                  <a:latin typeface="Hiragino Kaku Gothic ProN W3" panose="020B0300000000000000" pitchFamily="34" charset="-128"/>
+                  <a:ea typeface="Hiragino Kaku Gothic ProN W3" panose="020B0300000000000000" pitchFamily="34" charset="-128"/>
+                  <a:cs typeface="Arial" panose="020B0604020202020204" pitchFamily="34" charset="0"/>
+                </a:rPr>
+                <a:t>Subject</a:t>
+              </a:r>
+            </a:p>
+            <a:p>
+              <a:pPr algn="ctr"/>
+              <a:r>
+                <a:rPr lang="en-US" altLang="ja-JP" sz="1400" b="1" dirty="0">
+                  <a:latin typeface="Hiragino Kaku Gothic ProN W3" panose="020B0300000000000000" pitchFamily="34" charset="-128"/>
+                  <a:ea typeface="Hiragino Kaku Gothic ProN W3" panose="020B0300000000000000" pitchFamily="34" charset="-128"/>
+                  <a:cs typeface="Arial" panose="020B0604020202020204" pitchFamily="34" charset="0"/>
+                </a:rPr>
+                <a:t>(UVA/Padova Model)</a:t>
+              </a:r>
+              <a:endParaRPr kumimoji="1" lang="ja-JP" altLang="en-US" sz="1400" b="1">
+                <a:latin typeface="Hiragino Kaku Gothic ProN W3" panose="020B0300000000000000" pitchFamily="34" charset="-128"/>
+                <a:ea typeface="Hiragino Kaku Gothic ProN W3" panose="020B0300000000000000" pitchFamily="34" charset="-128"/>
+                <a:cs typeface="Arial" panose="020B0604020202020204" pitchFamily="34" charset="0"/>
+              </a:endParaRPr>
+            </a:p>
+          </p:txBody>
+        </p:sp>
+        <p:sp>
+          <p:nvSpPr>
+            <p:cNvPr id="36" name="正方形/長方形 35">
+              <a:extLst>
+                <a:ext uri="{FF2B5EF4-FFF2-40B4-BE49-F238E27FC236}">
+                  <a16:creationId xmlns:a16="http://schemas.microsoft.com/office/drawing/2014/main" id="{88628EB9-B154-EA0B-2EE2-43C3E741FF43}"/>
+                </a:ext>
+              </a:extLst>
+            </p:cNvPr>
+            <p:cNvSpPr/>
+            <p:nvPr/>
+          </p:nvSpPr>
+          <p:spPr>
+            <a:xfrm>
+              <a:off x="4712321" y="1931662"/>
+              <a:ext cx="1952849" cy="734540"/>
+            </a:xfrm>
+            <a:prstGeom prst="rect">
+              <a:avLst/>
+            </a:prstGeom>
+            <a:ln>
+              <a:solidFill>
+                <a:schemeClr val="tx2">
+                  <a:lumMod val="90000"/>
+                  <a:lumOff val="10000"/>
+                </a:schemeClr>
+              </a:solidFill>
+            </a:ln>
+          </p:spPr>
+          <p:style>
+            <a:lnRef idx="2">
+              <a:schemeClr val="accent1"/>
+            </a:lnRef>
+            <a:fillRef idx="1">
+              <a:schemeClr val="lt1"/>
+            </a:fillRef>
+            <a:effectRef idx="0">
+              <a:schemeClr val="accent1"/>
+            </a:effectRef>
+            <a:fontRef idx="minor">
+              <a:schemeClr val="dk1"/>
+            </a:fontRef>
+          </p:style>
+          <p:txBody>
+            <a:bodyPr rtlCol="0" anchor="ctr"/>
+            <a:lstStyle/>
+            <a:p>
+              <a:pPr algn="ctr"/>
+              <a:r>
+                <a:rPr kumimoji="1" lang="en-US" altLang="ja-JP" sz="1400" b="1" dirty="0">
+                  <a:latin typeface="Hiragino Kaku Gothic ProN W3" panose="020B0300000000000000" pitchFamily="34" charset="-128"/>
+                  <a:ea typeface="Hiragino Kaku Gothic ProN W3" panose="020B0300000000000000" pitchFamily="34" charset="-128"/>
+                  <a:cs typeface="Arial" panose="020B0604020202020204" pitchFamily="34" charset="0"/>
+                </a:rPr>
+                <a:t>Gastrointestinal</a:t>
+              </a:r>
+            </a:p>
+            <a:p>
+              <a:pPr algn="ctr"/>
+              <a:r>
+                <a:rPr lang="en-US" altLang="ja-JP" sz="1400" b="1" dirty="0" err="1">
+                  <a:latin typeface="Hiragino Kaku Gothic ProN W3" panose="020B0300000000000000" pitchFamily="34" charset="-128"/>
+                  <a:ea typeface="Hiragino Kaku Gothic ProN W3" panose="020B0300000000000000" pitchFamily="34" charset="-128"/>
+                  <a:cs typeface="Arial" panose="020B0604020202020204" pitchFamily="34" charset="0"/>
+                </a:rPr>
+                <a:t>submodel</a:t>
+              </a:r>
+              <a:endParaRPr lang="en-US" altLang="ja-JP" sz="1400" b="1" dirty="0">
+                <a:latin typeface="Hiragino Kaku Gothic ProN W3" panose="020B0300000000000000" pitchFamily="34" charset="-128"/>
+                <a:ea typeface="Hiragino Kaku Gothic ProN W3" panose="020B0300000000000000" pitchFamily="34" charset="-128"/>
+                <a:cs typeface="Arial" panose="020B0604020202020204" pitchFamily="34" charset="0"/>
+              </a:endParaRPr>
+            </a:p>
+            <a:p>
+              <a:pPr algn="ctr"/>
+              <a:r>
+                <a:rPr kumimoji="1" lang="en-US" altLang="ja-JP" sz="1400" b="1" dirty="0">
+                  <a:latin typeface="Hiragino Kaku Gothic ProN W3" panose="020B0300000000000000" pitchFamily="34" charset="-128"/>
+                  <a:ea typeface="Hiragino Kaku Gothic ProN W3" panose="020B0300000000000000" pitchFamily="34" charset="-128"/>
+                  <a:cs typeface="Arial" panose="020B0604020202020204" pitchFamily="34" charset="0"/>
+                </a:rPr>
+                <a:t>(</a:t>
+              </a:r>
+              <a:r>
+                <a:rPr kumimoji="1" lang="en-US" altLang="ja-JP" sz="1400" b="1" dirty="0">
+                  <a:solidFill>
+                    <a:srgbClr val="FF0000"/>
+                  </a:solidFill>
+                  <a:latin typeface="Hiragino Kaku Gothic ProN W3" panose="020B0300000000000000" pitchFamily="34" charset="-128"/>
+                  <a:ea typeface="Hiragino Kaku Gothic ProN W3" panose="020B0300000000000000" pitchFamily="34" charset="-128"/>
+                  <a:cs typeface="Arial" panose="020B0604020202020204" pitchFamily="34" charset="0"/>
+                </a:rPr>
+                <a:t>switched system</a:t>
+              </a:r>
+              <a:r>
+                <a:rPr kumimoji="1" lang="en-US" altLang="ja-JP" sz="1400" b="1" dirty="0">
+                  <a:latin typeface="Hiragino Kaku Gothic ProN W3" panose="020B0300000000000000" pitchFamily="34" charset="-128"/>
+                  <a:ea typeface="Hiragino Kaku Gothic ProN W3" panose="020B0300000000000000" pitchFamily="34" charset="-128"/>
+                  <a:cs typeface="Arial" panose="020B0604020202020204" pitchFamily="34" charset="0"/>
+                </a:rPr>
+                <a:t>)</a:t>
+              </a:r>
+              <a:endParaRPr kumimoji="1" lang="ja-JP" altLang="en-US" sz="1400" b="1">
+                <a:latin typeface="Hiragino Kaku Gothic ProN W3" panose="020B0300000000000000" pitchFamily="34" charset="-128"/>
+                <a:ea typeface="Hiragino Kaku Gothic ProN W3" panose="020B0300000000000000" pitchFamily="34" charset="-128"/>
+                <a:cs typeface="Arial" panose="020B0604020202020204" pitchFamily="34" charset="0"/>
+              </a:endParaRPr>
+            </a:p>
+          </p:txBody>
+        </p:sp>
+        <p:grpSp>
+          <p:nvGrpSpPr>
+            <p:cNvPr id="37" name="グループ化 36">
+              <a:extLst>
+                <a:ext uri="{FF2B5EF4-FFF2-40B4-BE49-F238E27FC236}">
+                  <a16:creationId xmlns:a16="http://schemas.microsoft.com/office/drawing/2014/main" id="{08769810-9C5D-E5D8-76CC-A2A21A89734F}"/>
+                </a:ext>
+              </a:extLst>
+            </p:cNvPr>
+            <p:cNvGrpSpPr/>
+            <p:nvPr/>
+          </p:nvGrpSpPr>
+          <p:grpSpPr>
+            <a:xfrm>
+              <a:off x="2244780" y="2938800"/>
+              <a:ext cx="6094482" cy="1989135"/>
+              <a:chOff x="3047283" y="2904075"/>
+              <a:chExt cx="6094482" cy="1989135"/>
+            </a:xfrm>
+          </p:grpSpPr>
+          <p:sp>
+            <p:nvSpPr>
+              <p:cNvPr id="56" name="正方形/長方形 55">
+                <a:extLst>
+                  <a:ext uri="{FF2B5EF4-FFF2-40B4-BE49-F238E27FC236}">
+                    <a16:creationId xmlns:a16="http://schemas.microsoft.com/office/drawing/2014/main" id="{5A194D74-6CCC-5ECB-ECC8-BA20F9E869E5}"/>
+                  </a:ext>
+                </a:extLst>
+              </p:cNvPr>
+              <p:cNvSpPr/>
+              <p:nvPr/>
+            </p:nvSpPr>
+            <p:spPr>
+              <a:xfrm>
+                <a:off x="3047283" y="2904075"/>
+                <a:ext cx="6094482" cy="1989135"/>
+              </a:xfrm>
+              <a:prstGeom prst="rect">
+                <a:avLst/>
+              </a:prstGeom>
+              <a:ln>
+                <a:solidFill>
+                  <a:schemeClr val="tx2">
+                    <a:lumMod val="90000"/>
+                    <a:lumOff val="10000"/>
+                  </a:schemeClr>
+                </a:solidFill>
+              </a:ln>
+            </p:spPr>
+            <p:style>
+              <a:lnRef idx="2">
+                <a:schemeClr val="accent1"/>
+              </a:lnRef>
+              <a:fillRef idx="1">
+                <a:schemeClr val="lt1"/>
+              </a:fillRef>
+              <a:effectRef idx="0">
+                <a:schemeClr val="accent1"/>
+              </a:effectRef>
+              <a:fontRef idx="minor">
+                <a:schemeClr val="dk1"/>
+              </a:fontRef>
+            </p:style>
+            <p:txBody>
+              <a:bodyPr rtlCol="0" anchor="ctr"/>
+              <a:lstStyle/>
+              <a:p>
+                <a:pPr algn="ctr"/>
+                <a:endParaRPr kumimoji="1" lang="ja-JP" altLang="en-US">
+                  <a:ln w="0"/>
+                  <a:solidFill>
+                    <a:schemeClr val="tx1"/>
+                  </a:solidFill>
+                  <a:effectLst>
+                    <a:outerShdw blurRad="38100" dist="19050" dir="2700000" algn="tl" rotWithShape="0">
+                      <a:schemeClr val="dk1">
+                        <a:alpha val="40000"/>
+                      </a:schemeClr>
+                    </a:outerShdw>
+                  </a:effectLst>
+                </a:endParaRPr>
+              </a:p>
+            </p:txBody>
+          </p:sp>
+          <p:sp>
+            <p:nvSpPr>
+              <p:cNvPr id="57" name="正方形/長方形 56">
+                <a:extLst>
+                  <a:ext uri="{FF2B5EF4-FFF2-40B4-BE49-F238E27FC236}">
+                    <a16:creationId xmlns:a16="http://schemas.microsoft.com/office/drawing/2014/main" id="{4D9D3A09-ACFD-1D10-436D-756EB42E59F2}"/>
+                  </a:ext>
+                </a:extLst>
+              </p:cNvPr>
+              <p:cNvSpPr/>
+              <p:nvPr/>
+            </p:nvSpPr>
+            <p:spPr>
+              <a:xfrm>
+                <a:off x="3175590" y="3899127"/>
+                <a:ext cx="1952849" cy="734540"/>
+              </a:xfrm>
+              <a:prstGeom prst="rect">
+                <a:avLst/>
+              </a:prstGeom>
+              <a:ln>
+                <a:solidFill>
+                  <a:schemeClr val="tx2">
+                    <a:lumMod val="90000"/>
+                    <a:lumOff val="10000"/>
+                  </a:schemeClr>
+                </a:solidFill>
+              </a:ln>
+            </p:spPr>
+            <p:style>
+              <a:lnRef idx="2">
+                <a:schemeClr val="accent1"/>
+              </a:lnRef>
+              <a:fillRef idx="1">
+                <a:schemeClr val="lt1"/>
+              </a:fillRef>
+              <a:effectRef idx="0">
+                <a:schemeClr val="accent1"/>
+              </a:effectRef>
+              <a:fontRef idx="minor">
+                <a:schemeClr val="dk1"/>
+              </a:fontRef>
+            </p:style>
+            <p:txBody>
+              <a:bodyPr rtlCol="0" anchor="ctr"/>
+              <a:lstStyle/>
+              <a:p>
+                <a:pPr algn="ctr"/>
+                <a:r>
+                  <a:rPr kumimoji="1" lang="en-US" altLang="ja-JP" sz="1400" b="1" dirty="0">
+                    <a:latin typeface="Hiragino Kaku Gothic ProN W3" panose="020B0300000000000000" pitchFamily="34" charset="-128"/>
+                    <a:ea typeface="Hiragino Kaku Gothic ProN W3" panose="020B0300000000000000" pitchFamily="34" charset="-128"/>
+                    <a:cs typeface="Arial" panose="020B0604020202020204" pitchFamily="34" charset="0"/>
+                  </a:rPr>
+                  <a:t>Subcutaneous</a:t>
+                </a:r>
+              </a:p>
+              <a:p>
+                <a:pPr algn="ctr"/>
+                <a:r>
+                  <a:rPr lang="en-US" altLang="ja-JP" sz="1400" b="1" dirty="0">
+                    <a:latin typeface="Hiragino Kaku Gothic ProN W3" panose="020B0300000000000000" pitchFamily="34" charset="-128"/>
+                    <a:ea typeface="Hiragino Kaku Gothic ProN W3" panose="020B0300000000000000" pitchFamily="34" charset="-128"/>
+                    <a:cs typeface="Arial" panose="020B0604020202020204" pitchFamily="34" charset="0"/>
+                  </a:rPr>
+                  <a:t>Insulin</a:t>
+                </a:r>
+              </a:p>
+              <a:p>
+                <a:pPr algn="ctr"/>
+                <a:r>
+                  <a:rPr kumimoji="1" lang="en-US" altLang="ja-JP" sz="1400" b="1" dirty="0">
+                    <a:latin typeface="Hiragino Kaku Gothic ProN W3" panose="020B0300000000000000" pitchFamily="34" charset="-128"/>
+                    <a:ea typeface="Hiragino Kaku Gothic ProN W3" panose="020B0300000000000000" pitchFamily="34" charset="-128"/>
+                    <a:cs typeface="Arial" panose="020B0604020202020204" pitchFamily="34" charset="0"/>
+                  </a:rPr>
+                  <a:t>Kinetic </a:t>
+                </a:r>
+                <a:r>
+                  <a:rPr kumimoji="1" lang="en-US" altLang="ja-JP" sz="1400" b="1" dirty="0" err="1">
+                    <a:latin typeface="Hiragino Kaku Gothic ProN W3" panose="020B0300000000000000" pitchFamily="34" charset="-128"/>
+                    <a:ea typeface="Hiragino Kaku Gothic ProN W3" panose="020B0300000000000000" pitchFamily="34" charset="-128"/>
+                    <a:cs typeface="Arial" panose="020B0604020202020204" pitchFamily="34" charset="0"/>
+                  </a:rPr>
+                  <a:t>submodel</a:t>
+                </a:r>
+                <a:endParaRPr kumimoji="1" lang="ja-JP" altLang="en-US" sz="1400" b="1">
+                  <a:latin typeface="Hiragino Kaku Gothic ProN W3" panose="020B0300000000000000" pitchFamily="34" charset="-128"/>
+                  <a:ea typeface="Hiragino Kaku Gothic ProN W3" panose="020B0300000000000000" pitchFamily="34" charset="-128"/>
+                  <a:cs typeface="Arial" panose="020B0604020202020204" pitchFamily="34" charset="0"/>
+                </a:endParaRPr>
+              </a:p>
+            </p:txBody>
+          </p:sp>
+          <p:sp>
+            <p:nvSpPr>
+              <p:cNvPr id="58" name="正方形/長方形 57">
+                <a:extLst>
+                  <a:ext uri="{FF2B5EF4-FFF2-40B4-BE49-F238E27FC236}">
+                    <a16:creationId xmlns:a16="http://schemas.microsoft.com/office/drawing/2014/main" id="{093CBB22-0EEF-6818-74E6-52F0B5571557}"/>
+                  </a:ext>
+                </a:extLst>
+              </p:cNvPr>
+              <p:cNvSpPr/>
+              <p:nvPr/>
+            </p:nvSpPr>
+            <p:spPr>
+              <a:xfrm>
+                <a:off x="5190795" y="3307271"/>
+                <a:ext cx="1810410" cy="734532"/>
+              </a:xfrm>
+              <a:prstGeom prst="rect">
+                <a:avLst/>
+              </a:prstGeom>
+              <a:ln>
+                <a:solidFill>
+                  <a:schemeClr val="tx2">
+                    <a:lumMod val="90000"/>
+                    <a:lumOff val="10000"/>
+                  </a:schemeClr>
+                </a:solidFill>
+              </a:ln>
+            </p:spPr>
+            <p:style>
+              <a:lnRef idx="2">
+                <a:schemeClr val="accent1"/>
+              </a:lnRef>
+              <a:fillRef idx="1">
+                <a:schemeClr val="lt1"/>
+              </a:fillRef>
+              <a:effectRef idx="0">
+                <a:schemeClr val="accent1"/>
+              </a:effectRef>
+              <a:fontRef idx="minor">
+                <a:schemeClr val="dk1"/>
+              </a:fontRef>
+            </p:style>
+            <p:txBody>
+              <a:bodyPr rtlCol="0" anchor="ctr"/>
+              <a:lstStyle/>
+              <a:p>
+                <a:pPr algn="ctr"/>
+                <a:r>
+                  <a:rPr kumimoji="1" lang="en-US" altLang="ja-JP" sz="1400" b="1" dirty="0">
+                    <a:latin typeface="Hiragino Kaku Gothic ProN W3" panose="020B0300000000000000" pitchFamily="34" charset="-128"/>
+                    <a:ea typeface="Hiragino Kaku Gothic ProN W3" panose="020B0300000000000000" pitchFamily="34" charset="-128"/>
+                    <a:cs typeface="Arial" panose="020B0604020202020204" pitchFamily="34" charset="0"/>
+                  </a:rPr>
+                  <a:t>Core </a:t>
+                </a:r>
+                <a:r>
+                  <a:rPr kumimoji="1" lang="en-US" altLang="ja-JP" sz="1400" b="1" dirty="0" err="1">
+                    <a:latin typeface="Hiragino Kaku Gothic ProN W3" panose="020B0300000000000000" pitchFamily="34" charset="-128"/>
+                    <a:ea typeface="Hiragino Kaku Gothic ProN W3" panose="020B0300000000000000" pitchFamily="34" charset="-128"/>
+                    <a:cs typeface="Arial" panose="020B0604020202020204" pitchFamily="34" charset="0"/>
+                  </a:rPr>
+                  <a:t>submodel</a:t>
+                </a:r>
+                <a:endParaRPr kumimoji="1" lang="en-US" altLang="ja-JP" sz="1400" b="1" dirty="0">
+                  <a:latin typeface="Hiragino Kaku Gothic ProN W3" panose="020B0300000000000000" pitchFamily="34" charset="-128"/>
+                  <a:ea typeface="Hiragino Kaku Gothic ProN W3" panose="020B0300000000000000" pitchFamily="34" charset="-128"/>
+                  <a:cs typeface="Arial" panose="020B0604020202020204" pitchFamily="34" charset="0"/>
+                </a:endParaRPr>
+              </a:p>
+              <a:p>
+                <a:pPr algn="ctr"/>
+                <a:r>
+                  <a:rPr lang="en-US" altLang="ja-JP" sz="1400" b="1" dirty="0">
+                    <a:latin typeface="Hiragino Kaku Gothic ProN W3" panose="020B0300000000000000" pitchFamily="34" charset="-128"/>
+                    <a:ea typeface="Hiragino Kaku Gothic ProN W3" panose="020B0300000000000000" pitchFamily="34" charset="-128"/>
+                    <a:cs typeface="Arial" panose="020B0604020202020204" pitchFamily="34" charset="0"/>
+                  </a:rPr>
+                  <a:t>(Bergman model)</a:t>
+                </a:r>
+                <a:endParaRPr kumimoji="1" lang="ja-JP" altLang="en-US" sz="1400" b="1">
+                  <a:latin typeface="Hiragino Kaku Gothic ProN W3" panose="020B0300000000000000" pitchFamily="34" charset="-128"/>
+                  <a:ea typeface="Hiragino Kaku Gothic ProN W3" panose="020B0300000000000000" pitchFamily="34" charset="-128"/>
+                  <a:cs typeface="Arial" panose="020B0604020202020204" pitchFamily="34" charset="0"/>
+                </a:endParaRPr>
+              </a:p>
+            </p:txBody>
+          </p:sp>
+          <p:cxnSp>
+            <p:nvCxnSpPr>
+              <p:cNvPr id="59" name="カギ線コネクタ 12">
+                <a:extLst>
+                  <a:ext uri="{FF2B5EF4-FFF2-40B4-BE49-F238E27FC236}">
+                    <a16:creationId xmlns:a16="http://schemas.microsoft.com/office/drawing/2014/main" id="{A9861458-09C4-7A01-AEEF-6FEDC27E05BC}"/>
+                  </a:ext>
+                </a:extLst>
+              </p:cNvPr>
+              <p:cNvCxnSpPr>
+                <a:stCxn id="57" idx="3"/>
+                <a:endCxn id="58" idx="2"/>
+              </p:cNvCxnSpPr>
+              <p:nvPr/>
+            </p:nvCxnSpPr>
+            <p:spPr>
+              <a:xfrm flipV="1">
+                <a:off x="5128439" y="4041803"/>
+                <a:ext cx="967561" cy="224594"/>
+              </a:xfrm>
+              <a:prstGeom prst="bentConnector2">
+                <a:avLst/>
+              </a:prstGeom>
+              <a:ln>
+                <a:tailEnd type="triangle"/>
+              </a:ln>
+            </p:spPr>
+            <p:style>
+              <a:lnRef idx="2">
+                <a:schemeClr val="dk1"/>
+              </a:lnRef>
+              <a:fillRef idx="0">
+                <a:schemeClr val="dk1"/>
+              </a:fillRef>
+              <a:effectRef idx="1">
+                <a:schemeClr val="dk1"/>
+              </a:effectRef>
+              <a:fontRef idx="minor">
+                <a:schemeClr val="tx1"/>
+              </a:fontRef>
+            </p:style>
+          </p:cxnSp>
+          <p:sp>
+            <p:nvSpPr>
+              <p:cNvPr id="60" name="正方形/長方形 59">
+                <a:extLst>
+                  <a:ext uri="{FF2B5EF4-FFF2-40B4-BE49-F238E27FC236}">
+                    <a16:creationId xmlns:a16="http://schemas.microsoft.com/office/drawing/2014/main" id="{B582AF5A-364B-3C6F-326A-628915DC4172}"/>
+                  </a:ext>
+                </a:extLst>
+              </p:cNvPr>
+              <p:cNvSpPr/>
+              <p:nvPr/>
+            </p:nvSpPr>
+            <p:spPr>
+              <a:xfrm>
+                <a:off x="7215243" y="3307271"/>
+                <a:ext cx="1810410" cy="734532"/>
+              </a:xfrm>
+              <a:prstGeom prst="rect">
+                <a:avLst/>
+              </a:prstGeom>
+              <a:ln>
+                <a:solidFill>
+                  <a:schemeClr val="tx2">
+                    <a:lumMod val="90000"/>
+                    <a:lumOff val="10000"/>
+                  </a:schemeClr>
+                </a:solidFill>
+              </a:ln>
+            </p:spPr>
+            <p:style>
+              <a:lnRef idx="2">
+                <a:schemeClr val="accent1"/>
+              </a:lnRef>
+              <a:fillRef idx="1">
+                <a:schemeClr val="lt1"/>
+              </a:fillRef>
+              <a:effectRef idx="0">
+                <a:schemeClr val="accent1"/>
+              </a:effectRef>
+              <a:fontRef idx="minor">
+                <a:schemeClr val="dk1"/>
+              </a:fontRef>
+            </p:style>
+            <p:txBody>
+              <a:bodyPr rtlCol="0" anchor="ctr"/>
+              <a:lstStyle/>
+              <a:p>
+                <a:pPr algn="ctr"/>
+                <a:r>
+                  <a:rPr kumimoji="1" lang="en-US" altLang="ja-JP" sz="1400" b="1" dirty="0">
+                    <a:latin typeface="Hiragino Kaku Gothic ProN W3" panose="020B0300000000000000" pitchFamily="34" charset="-128"/>
+                    <a:ea typeface="Hiragino Kaku Gothic ProN W3" panose="020B0300000000000000" pitchFamily="34" charset="-128"/>
+                    <a:cs typeface="Arial" panose="020B0604020202020204" pitchFamily="34" charset="0"/>
+                  </a:rPr>
+                  <a:t>Nonlinear</a:t>
+                </a:r>
+              </a:p>
+              <a:p>
+                <a:pPr algn="ctr"/>
+                <a:r>
+                  <a:rPr lang="en-US" altLang="ja-JP" sz="1400" b="1" dirty="0">
+                    <a:latin typeface="Hiragino Kaku Gothic ProN W3" panose="020B0300000000000000" pitchFamily="34" charset="-128"/>
+                    <a:ea typeface="Hiragino Kaku Gothic ProN W3" panose="020B0300000000000000" pitchFamily="34" charset="-128"/>
+                    <a:cs typeface="Arial" panose="020B0604020202020204" pitchFamily="34" charset="0"/>
+                  </a:rPr>
+                  <a:t>Programing</a:t>
+                </a:r>
+                <a:endParaRPr kumimoji="1" lang="ja-JP" altLang="en-US" sz="1400" b="1">
+                  <a:latin typeface="Hiragino Kaku Gothic ProN W3" panose="020B0300000000000000" pitchFamily="34" charset="-128"/>
+                  <a:ea typeface="Hiragino Kaku Gothic ProN W3" panose="020B0300000000000000" pitchFamily="34" charset="-128"/>
+                  <a:cs typeface="Arial" panose="020B0604020202020204" pitchFamily="34" charset="0"/>
+                </a:endParaRPr>
+              </a:p>
+            </p:txBody>
+          </p:sp>
+          <p:sp>
+            <p:nvSpPr>
+              <p:cNvPr id="61" name="テキスト ボックス 60">
+                <a:extLst>
+                  <a:ext uri="{FF2B5EF4-FFF2-40B4-BE49-F238E27FC236}">
+                    <a16:creationId xmlns:a16="http://schemas.microsoft.com/office/drawing/2014/main" id="{D5469634-0A9B-ED7C-35C6-E73B70E556C3}"/>
+                  </a:ext>
+                </a:extLst>
+              </p:cNvPr>
+              <p:cNvSpPr txBox="1"/>
+              <p:nvPr/>
+            </p:nvSpPr>
+            <p:spPr>
+              <a:xfrm>
+                <a:off x="7336463" y="2937939"/>
+                <a:ext cx="1805302" cy="369332"/>
+              </a:xfrm>
+              <a:prstGeom prst="rect">
+                <a:avLst/>
+              </a:prstGeom>
+              <a:noFill/>
+            </p:spPr>
+            <p:txBody>
+              <a:bodyPr wrap="none" rtlCol="0">
+                <a:spAutoFit/>
+              </a:bodyPr>
+              <a:lstStyle/>
+              <a:p>
+                <a:r>
+                  <a:rPr kumimoji="1" lang="en-US" altLang="ja-JP" dirty="0"/>
+                  <a:t>Nonlinear MPC</a:t>
+                </a:r>
+                <a:endParaRPr kumimoji="1" lang="ja-JP" altLang="en-US"/>
+              </a:p>
+            </p:txBody>
+          </p:sp>
+        </p:grpSp>
+        <mc:AlternateContent xmlns:mc="http://schemas.openxmlformats.org/markup-compatibility/2006" xmlns:a14="http://schemas.microsoft.com/office/drawing/2010/main">
+          <mc:Choice Requires="a14">
+            <p:sp>
+              <p:nvSpPr>
+                <p:cNvPr id="38" name="テキスト ボックス 37">
+                  <a:extLst>
+                    <a:ext uri="{FF2B5EF4-FFF2-40B4-BE49-F238E27FC236}">
+                      <a16:creationId xmlns:a16="http://schemas.microsoft.com/office/drawing/2014/main" id="{A90C20A7-8D2E-D198-63C7-039B02F5255F}"/>
+                    </a:ext>
+                  </a:extLst>
+                </p:cNvPr>
+                <p:cNvSpPr txBox="1"/>
+                <p:nvPr/>
+              </p:nvSpPr>
+              <p:spPr>
+                <a:xfrm>
+                  <a:off x="4001906" y="1966727"/>
+                  <a:ext cx="648059" cy="276999"/>
+                </a:xfrm>
+                <a:prstGeom prst="rect">
+                  <a:avLst/>
+                </a:prstGeom>
+                <a:noFill/>
+              </p:spPr>
+              <p:txBody>
+                <a:bodyPr wrap="square" lIns="0" tIns="0" rIns="0" bIns="0" rtlCol="0">
+                  <a:spAutoFit/>
+                </a:bodyPr>
+                <a:lstStyle/>
+                <a:p>
+                  <a:pPr/>
+                  <a14:m>
+                    <m:oMathPara xmlns:m="http://schemas.openxmlformats.org/officeDocument/2006/math">
+                      <m:oMathParaPr>
+                        <m:jc m:val="centerGroup"/>
+                      </m:oMathParaPr>
+                      <m:oMath xmlns:m="http://schemas.openxmlformats.org/officeDocument/2006/math">
+                        <m:sSub>
+                          <m:sSubPr>
+                            <m:ctrlPr>
+                              <a:rPr kumimoji="1" lang="en-US" altLang="ja-JP" b="0" i="1" smtClean="0">
+                                <a:latin typeface="Cambria Math" panose="02040503050406030204" pitchFamily="18" charset="0"/>
+                              </a:rPr>
+                            </m:ctrlPr>
+                          </m:sSubPr>
+                          <m:e>
+                            <m:r>
+                              <a:rPr kumimoji="1" lang="en-US" altLang="ja-JP" b="0" i="1" smtClean="0">
+                                <a:latin typeface="Cambria Math" panose="02040503050406030204" pitchFamily="18" charset="0"/>
+                              </a:rPr>
+                              <m:t>𝑅</m:t>
+                            </m:r>
+                          </m:e>
+                          <m:sub>
+                            <m:r>
+                              <a:rPr kumimoji="1" lang="en-US" altLang="ja-JP" b="0" i="1" smtClean="0">
+                                <a:latin typeface="Cambria Math" panose="02040503050406030204" pitchFamily="18" charset="0"/>
+                              </a:rPr>
+                              <m:t>𝑎</m:t>
+                            </m:r>
+                          </m:sub>
+                        </m:sSub>
+                      </m:oMath>
+                    </m:oMathPara>
+                  </a14:m>
+                  <a:endParaRPr kumimoji="1" lang="ja-JP" altLang="en-US"/>
+                </a:p>
+              </p:txBody>
+            </p:sp>
+          </mc:Choice>
+          <mc:Fallback xmlns="">
+            <p:sp>
+              <p:nvSpPr>
+                <p:cNvPr id="40" name="テキスト ボックス 39">
+                  <a:extLst>
+                    <a:ext uri="{FF2B5EF4-FFF2-40B4-BE49-F238E27FC236}">
+                      <a16:creationId xmlns:a16="http://schemas.microsoft.com/office/drawing/2014/main" id="{734EFFAC-E569-D799-2CFE-8D3033625425}"/>
+                    </a:ext>
+                  </a:extLst>
+                </p:cNvPr>
+                <p:cNvSpPr txBox="1">
+                  <a:spLocks noGrp="1" noRot="1" noChangeAspect="1" noMove="1" noResize="1" noEditPoints="1" noAdjustHandles="1" noChangeArrowheads="1" noChangeShapeType="1" noTextEdit="1"/>
+                </p:cNvSpPr>
+                <p:nvPr/>
+              </p:nvSpPr>
+              <p:spPr>
+                <a:xfrm>
+                  <a:off x="4001906" y="1966727"/>
+                  <a:ext cx="648059" cy="276999"/>
+                </a:xfrm>
+                <a:prstGeom prst="rect">
+                  <a:avLst/>
+                </a:prstGeom>
+                <a:blipFill>
+                  <a:blip r:embed="rId3"/>
+                  <a:stretch>
+                    <a:fillRect b="-9091"/>
+                  </a:stretch>
+                </a:blipFill>
+              </p:spPr>
+              <p:txBody>
+                <a:bodyPr/>
+                <a:lstStyle/>
+                <a:p>
+                  <a:r>
+                    <a:rPr lang="ja-JP" altLang="en-US">
+                      <a:noFill/>
+                    </a:rPr>
+                    <a:t> </a:t>
+                  </a:r>
+                </a:p>
+              </p:txBody>
+            </p:sp>
+          </mc:Fallback>
+        </mc:AlternateContent>
+        <mc:AlternateContent xmlns:mc="http://schemas.openxmlformats.org/markup-compatibility/2006" xmlns:a14="http://schemas.microsoft.com/office/drawing/2010/main">
+          <mc:Choice Requires="a14">
+            <p:sp>
+              <p:nvSpPr>
+                <p:cNvPr id="39" name="テキスト ボックス 38">
+                  <a:extLst>
+                    <a:ext uri="{FF2B5EF4-FFF2-40B4-BE49-F238E27FC236}">
+                      <a16:creationId xmlns:a16="http://schemas.microsoft.com/office/drawing/2014/main" id="{A228CFDF-DBA4-4C19-16A1-02C4FE8C5447}"/>
+                    </a:ext>
+                  </a:extLst>
+                </p:cNvPr>
+                <p:cNvSpPr txBox="1"/>
+                <p:nvPr/>
+              </p:nvSpPr>
+              <p:spPr>
+                <a:xfrm>
+                  <a:off x="10034169" y="1612983"/>
+                  <a:ext cx="812337" cy="369332"/>
+                </a:xfrm>
+                <a:prstGeom prst="rect">
+                  <a:avLst/>
+                </a:prstGeom>
+                <a:noFill/>
+              </p:spPr>
+              <p:txBody>
+                <a:bodyPr wrap="square" rtlCol="0">
+                  <a:spAutoFit/>
+                </a:bodyPr>
+                <a:lstStyle/>
+                <a:p>
+                  <a:pPr/>
+                  <a14:m>
+                    <m:oMathPara xmlns:m="http://schemas.openxmlformats.org/officeDocument/2006/math">
+                      <m:oMathParaPr>
+                        <m:jc m:val="centerGroup"/>
+                      </m:oMathParaPr>
+                      <m:oMath xmlns:m="http://schemas.openxmlformats.org/officeDocument/2006/math">
+                        <m:sSub>
+                          <m:sSubPr>
+                            <m:ctrlPr>
+                              <a:rPr kumimoji="1" lang="en-US" altLang="ja-JP" i="1" smtClean="0">
+                                <a:latin typeface="Cambria Math" panose="02040503050406030204" pitchFamily="18" charset="0"/>
+                              </a:rPr>
+                            </m:ctrlPr>
+                          </m:sSubPr>
+                          <m:e>
+                            <m:r>
+                              <a:rPr kumimoji="1" lang="en-US" altLang="ja-JP" b="0" i="1" smtClean="0">
+                                <a:latin typeface="Cambria Math" panose="02040503050406030204" pitchFamily="18" charset="0"/>
+                              </a:rPr>
+                              <m:t>𝑑</m:t>
+                            </m:r>
+                          </m:e>
+                          <m:sub>
+                            <m:r>
+                              <a:rPr kumimoji="1" lang="en-US" altLang="ja-JP" b="0" i="1" smtClean="0">
+                                <a:latin typeface="Cambria Math" panose="02040503050406030204" pitchFamily="18" charset="0"/>
+                              </a:rPr>
+                              <m:t>𝑚𝑒𝑎𝑙</m:t>
+                            </m:r>
+                          </m:sub>
+                        </m:sSub>
+                      </m:oMath>
+                    </m:oMathPara>
+                  </a14:m>
+                  <a:endParaRPr kumimoji="1" lang="ja-JP" altLang="en-US"/>
+                </a:p>
+              </p:txBody>
+            </p:sp>
+          </mc:Choice>
+          <mc:Fallback xmlns="">
+            <p:sp>
+              <p:nvSpPr>
+                <p:cNvPr id="58" name="テキスト ボックス 57">
+                  <a:extLst>
+                    <a:ext uri="{FF2B5EF4-FFF2-40B4-BE49-F238E27FC236}">
+                      <a16:creationId xmlns:a16="http://schemas.microsoft.com/office/drawing/2014/main" id="{6AFB9704-070A-D042-91BA-9265A08C5AC7}"/>
+                    </a:ext>
+                  </a:extLst>
+                </p:cNvPr>
+                <p:cNvSpPr txBox="1">
+                  <a:spLocks noGrp="1" noRot="1" noChangeAspect="1" noMove="1" noResize="1" noEditPoints="1" noAdjustHandles="1" noChangeArrowheads="1" noChangeShapeType="1" noTextEdit="1"/>
+                </p:cNvSpPr>
+                <p:nvPr/>
+              </p:nvSpPr>
+              <p:spPr>
+                <a:xfrm>
+                  <a:off x="10034169" y="1612983"/>
+                  <a:ext cx="812337" cy="369332"/>
+                </a:xfrm>
+                <a:prstGeom prst="rect">
+                  <a:avLst/>
+                </a:prstGeom>
+                <a:blipFill>
+                  <a:blip r:embed="rId4"/>
+                  <a:stretch>
+                    <a:fillRect/>
+                  </a:stretch>
+                </a:blipFill>
+              </p:spPr>
+              <p:txBody>
+                <a:bodyPr/>
+                <a:lstStyle/>
+                <a:p>
+                  <a:r>
+                    <a:rPr lang="ja-JP" altLang="en-US">
+                      <a:noFill/>
+                    </a:rPr>
+                    <a:t> </a:t>
+                  </a:r>
+                </a:p>
+              </p:txBody>
+            </p:sp>
+          </mc:Fallback>
+        </mc:AlternateContent>
+        <p:cxnSp>
+          <p:nvCxnSpPr>
+            <p:cNvPr id="40" name="直線矢印コネクタ 39">
+              <a:extLst>
+                <a:ext uri="{FF2B5EF4-FFF2-40B4-BE49-F238E27FC236}">
+                  <a16:creationId xmlns:a16="http://schemas.microsoft.com/office/drawing/2014/main" id="{57D287F8-97C7-785E-AB87-450CB48260D9}"/>
+                </a:ext>
+              </a:extLst>
+            </p:cNvPr>
+            <p:cNvCxnSpPr>
+              <a:stCxn id="56" idx="3"/>
+              <a:endCxn id="35" idx="1"/>
+            </p:cNvCxnSpPr>
+            <p:nvPr/>
+          </p:nvCxnSpPr>
+          <p:spPr>
+            <a:xfrm flipV="1">
+              <a:off x="8339262" y="3933367"/>
+              <a:ext cx="689813" cy="1"/>
+            </a:xfrm>
+            <a:prstGeom prst="straightConnector1">
+              <a:avLst/>
+            </a:prstGeom>
+            <a:ln>
+              <a:tailEnd type="triangle"/>
+            </a:ln>
+          </p:spPr>
+          <p:style>
+            <a:lnRef idx="2">
+              <a:schemeClr val="dk1"/>
+            </a:lnRef>
+            <a:fillRef idx="0">
+              <a:schemeClr val="dk1"/>
+            </a:fillRef>
+            <a:effectRef idx="1">
+              <a:schemeClr val="dk1"/>
+            </a:effectRef>
+            <a:fontRef idx="minor">
+              <a:schemeClr val="tx1"/>
+            </a:fontRef>
+          </p:style>
+        </p:cxnSp>
+        <p:sp>
+          <p:nvSpPr>
+            <p:cNvPr id="41" name="正方形/長方形 40">
+              <a:extLst>
+                <a:ext uri="{FF2B5EF4-FFF2-40B4-BE49-F238E27FC236}">
+                  <a16:creationId xmlns:a16="http://schemas.microsoft.com/office/drawing/2014/main" id="{386978BF-39BE-510A-EF4B-D76BD765F3F9}"/>
+                </a:ext>
+              </a:extLst>
+            </p:cNvPr>
+            <p:cNvSpPr/>
+            <p:nvPr/>
+          </p:nvSpPr>
+          <p:spPr>
+            <a:xfrm>
+              <a:off x="5238679" y="5214256"/>
+              <a:ext cx="1756657" cy="631688"/>
+            </a:xfrm>
+            <a:prstGeom prst="rect">
+              <a:avLst/>
+            </a:prstGeom>
+            <a:ln>
+              <a:solidFill>
+                <a:schemeClr val="tx2">
+                  <a:lumMod val="90000"/>
+                  <a:lumOff val="10000"/>
+                </a:schemeClr>
+              </a:solidFill>
+            </a:ln>
+          </p:spPr>
+          <p:style>
+            <a:lnRef idx="2">
+              <a:schemeClr val="accent1"/>
+            </a:lnRef>
+            <a:fillRef idx="1">
+              <a:schemeClr val="lt1"/>
+            </a:fillRef>
+            <a:effectRef idx="0">
+              <a:schemeClr val="accent1"/>
+            </a:effectRef>
+            <a:fontRef idx="minor">
+              <a:schemeClr val="dk1"/>
+            </a:fontRef>
+          </p:style>
+          <p:txBody>
+            <a:bodyPr rtlCol="0" anchor="ctr"/>
+            <a:lstStyle/>
+            <a:p>
+              <a:pPr algn="ctr"/>
+              <a:r>
+                <a:rPr kumimoji="1" lang="en-US" altLang="ja-JP" sz="1400" b="1" dirty="0">
+                  <a:latin typeface="Hiragino Kaku Gothic ProN W3" panose="020B0300000000000000" pitchFamily="34" charset="-128"/>
+                  <a:ea typeface="Hiragino Kaku Gothic ProN W3" panose="020B0300000000000000" pitchFamily="34" charset="-128"/>
+                  <a:cs typeface="Arial" panose="020B0604020202020204" pitchFamily="34" charset="0"/>
+                </a:rPr>
+                <a:t>Extended Kalman filter</a:t>
+              </a:r>
+            </a:p>
+          </p:txBody>
+        </p:sp>
+        <p:cxnSp>
+          <p:nvCxnSpPr>
+            <p:cNvPr id="42" name="カギ線コネクタ 65">
+              <a:extLst>
+                <a:ext uri="{FF2B5EF4-FFF2-40B4-BE49-F238E27FC236}">
+                  <a16:creationId xmlns:a16="http://schemas.microsoft.com/office/drawing/2014/main" id="{C9335BE6-D9C2-309C-6C78-1469C9D83A45}"/>
+                </a:ext>
+              </a:extLst>
+            </p:cNvPr>
+            <p:cNvCxnSpPr>
+              <a:stCxn id="35" idx="3"/>
+            </p:cNvCxnSpPr>
+            <p:nvPr/>
+          </p:nvCxnSpPr>
+          <p:spPr>
+            <a:xfrm flipH="1">
+              <a:off x="6995336" y="3933367"/>
+              <a:ext cx="4229123" cy="1760272"/>
+            </a:xfrm>
+            <a:prstGeom prst="bentConnector3">
+              <a:avLst>
+                <a:gd name="adj1" fmla="val -5405"/>
+              </a:avLst>
+            </a:prstGeom>
+            <a:ln>
+              <a:tailEnd type="triangle"/>
+            </a:ln>
+          </p:spPr>
+          <p:style>
+            <a:lnRef idx="2">
+              <a:schemeClr val="dk1"/>
+            </a:lnRef>
+            <a:fillRef idx="0">
+              <a:schemeClr val="dk1"/>
+            </a:fillRef>
+            <a:effectRef idx="1">
+              <a:schemeClr val="dk1"/>
+            </a:effectRef>
+            <a:fontRef idx="minor">
+              <a:schemeClr val="tx1"/>
+            </a:fontRef>
+          </p:style>
+        </p:cxnSp>
+        <p:cxnSp>
+          <p:nvCxnSpPr>
+            <p:cNvPr id="43" name="カギ線コネクタ 71">
+              <a:extLst>
+                <a:ext uri="{FF2B5EF4-FFF2-40B4-BE49-F238E27FC236}">
+                  <a16:creationId xmlns:a16="http://schemas.microsoft.com/office/drawing/2014/main" id="{6CC7F8C4-EE9E-4CE9-E05D-946D540508B5}"/>
+                </a:ext>
+              </a:extLst>
+            </p:cNvPr>
+            <p:cNvCxnSpPr/>
+            <p:nvPr/>
+          </p:nvCxnSpPr>
+          <p:spPr>
+            <a:xfrm rot="10800000" flipV="1">
+              <a:off x="6995336" y="3933367"/>
+              <a:ext cx="1688832" cy="1472010"/>
+            </a:xfrm>
+            <a:prstGeom prst="bentConnector3">
+              <a:avLst>
+                <a:gd name="adj1" fmla="val 654"/>
+              </a:avLst>
+            </a:prstGeom>
+            <a:ln>
+              <a:tailEnd type="triangle"/>
+            </a:ln>
+          </p:spPr>
+          <p:style>
+            <a:lnRef idx="2">
+              <a:schemeClr val="dk1"/>
+            </a:lnRef>
+            <a:fillRef idx="0">
+              <a:schemeClr val="dk1"/>
+            </a:fillRef>
+            <a:effectRef idx="1">
+              <a:schemeClr val="dk1"/>
+            </a:effectRef>
+            <a:fontRef idx="minor">
+              <a:schemeClr val="tx1"/>
+            </a:fontRef>
+          </p:style>
+        </p:cxnSp>
+        <mc:AlternateContent xmlns:mc="http://schemas.openxmlformats.org/markup-compatibility/2006" xmlns:a14="http://schemas.microsoft.com/office/drawing/2010/main">
+          <mc:Choice Requires="a14">
+            <p:sp>
+              <p:nvSpPr>
+                <p:cNvPr id="44" name="テキスト ボックス 43">
+                  <a:extLst>
+                    <a:ext uri="{FF2B5EF4-FFF2-40B4-BE49-F238E27FC236}">
+                      <a16:creationId xmlns:a16="http://schemas.microsoft.com/office/drawing/2014/main" id="{31FB99FF-E4A2-B1C6-730A-3101BF28CAD1}"/>
+                    </a:ext>
+                  </a:extLst>
+                </p:cNvPr>
+                <p:cNvSpPr txBox="1"/>
+                <p:nvPr/>
+              </p:nvSpPr>
+              <p:spPr>
+                <a:xfrm>
+                  <a:off x="8381703" y="3586482"/>
+                  <a:ext cx="561500" cy="298415"/>
+                </a:xfrm>
+                <a:prstGeom prst="rect">
+                  <a:avLst/>
+                </a:prstGeom>
+                <a:noFill/>
+              </p:spPr>
+              <p:txBody>
+                <a:bodyPr wrap="none" lIns="0" tIns="0" rIns="0" bIns="0" rtlCol="0">
+                  <a:spAutoFit/>
+                </a:bodyPr>
+                <a:lstStyle/>
+                <a:p>
+                  <a:pPr/>
+                  <a14:m>
+                    <m:oMathPara xmlns:m="http://schemas.openxmlformats.org/officeDocument/2006/math">
+                      <m:oMathParaPr>
+                        <m:jc m:val="centerGroup"/>
+                      </m:oMathParaPr>
+                      <m:oMath xmlns:m="http://schemas.openxmlformats.org/officeDocument/2006/math">
+                        <m:sSub>
+                          <m:sSubPr>
+                            <m:ctrlPr>
+                              <a:rPr kumimoji="1" lang="en-US" altLang="ja-JP" b="0" i="1" smtClean="0">
+                                <a:latin typeface="Cambria Math" panose="02040503050406030204" pitchFamily="18" charset="0"/>
+                              </a:rPr>
+                            </m:ctrlPr>
+                          </m:sSubPr>
+                          <m:e>
+                            <m:r>
+                              <a:rPr kumimoji="1" lang="en-US" altLang="ja-JP" b="0" i="1" smtClean="0">
+                                <a:latin typeface="Cambria Math" panose="02040503050406030204" pitchFamily="18" charset="0"/>
+                              </a:rPr>
+                              <m:t>𝑢</m:t>
+                            </m:r>
+                          </m:e>
+                          <m:sub>
+                            <m:r>
+                              <a:rPr kumimoji="1" lang="en-US" altLang="ja-JP" b="0" i="1" smtClean="0">
+                                <a:latin typeface="Cambria Math" panose="02040503050406030204" pitchFamily="18" charset="0"/>
+                              </a:rPr>
+                              <m:t>𝑚𝑝𝑐</m:t>
+                            </m:r>
+                          </m:sub>
+                        </m:sSub>
+                      </m:oMath>
+                    </m:oMathPara>
+                  </a14:m>
+                  <a:endParaRPr kumimoji="1" lang="ja-JP" altLang="en-US"/>
+                </a:p>
+              </p:txBody>
+            </p:sp>
+          </mc:Choice>
+          <mc:Fallback xmlns="">
+            <p:sp>
+              <p:nvSpPr>
+                <p:cNvPr id="74" name="テキスト ボックス 73">
+                  <a:extLst>
+                    <a:ext uri="{FF2B5EF4-FFF2-40B4-BE49-F238E27FC236}">
+                      <a16:creationId xmlns:a16="http://schemas.microsoft.com/office/drawing/2014/main" id="{9FDA9973-9DCF-AE99-4F98-E6956E59CEFE}"/>
+                    </a:ext>
+                  </a:extLst>
+                </p:cNvPr>
+                <p:cNvSpPr txBox="1">
+                  <a:spLocks noGrp="1" noRot="1" noChangeAspect="1" noMove="1" noResize="1" noEditPoints="1" noAdjustHandles="1" noChangeArrowheads="1" noChangeShapeType="1" noTextEdit="1"/>
+                </p:cNvSpPr>
+                <p:nvPr/>
+              </p:nvSpPr>
+              <p:spPr>
+                <a:xfrm>
+                  <a:off x="8381703" y="3586482"/>
+                  <a:ext cx="561500" cy="298415"/>
+                </a:xfrm>
+                <a:prstGeom prst="rect">
+                  <a:avLst/>
+                </a:prstGeom>
+                <a:blipFill>
+                  <a:blip r:embed="rId5"/>
+                  <a:stretch>
+                    <a:fillRect l="-4444" r="-2222" b="-25000"/>
+                  </a:stretch>
+                </a:blipFill>
+              </p:spPr>
+              <p:txBody>
+                <a:bodyPr/>
+                <a:lstStyle/>
+                <a:p>
+                  <a:r>
+                    <a:rPr lang="ja-JP" altLang="en-US">
+                      <a:noFill/>
+                    </a:rPr>
+                    <a:t> </a:t>
+                  </a:r>
+                </a:p>
+              </p:txBody>
+            </p:sp>
+          </mc:Fallback>
+        </mc:AlternateContent>
+        <mc:AlternateContent xmlns:mc="http://schemas.openxmlformats.org/markup-compatibility/2006" xmlns:a14="http://schemas.microsoft.com/office/drawing/2010/main">
+          <mc:Choice Requires="a14">
+            <p:sp>
+              <p:nvSpPr>
+                <p:cNvPr id="45" name="テキスト ボックス 44">
+                  <a:extLst>
+                    <a:ext uri="{FF2B5EF4-FFF2-40B4-BE49-F238E27FC236}">
+                      <a16:creationId xmlns:a16="http://schemas.microsoft.com/office/drawing/2014/main" id="{BE536B92-009A-4CF0-A6AE-604D00A73C80}"/>
+                    </a:ext>
+                  </a:extLst>
+                </p:cNvPr>
+                <p:cNvSpPr txBox="1"/>
+                <p:nvPr/>
+              </p:nvSpPr>
+              <p:spPr>
+                <a:xfrm>
+                  <a:off x="11490686" y="3656368"/>
+                  <a:ext cx="221727" cy="276999"/>
+                </a:xfrm>
+                <a:prstGeom prst="rect">
+                  <a:avLst/>
+                </a:prstGeom>
+                <a:noFill/>
+              </p:spPr>
+              <p:txBody>
+                <a:bodyPr wrap="none" lIns="0" tIns="0" rIns="0" bIns="0" rtlCol="0">
+                  <a:spAutoFit/>
+                </a:bodyPr>
+                <a:lstStyle/>
+                <a:p>
+                  <a:pPr/>
+                  <a14:m>
+                    <m:oMathPara xmlns:m="http://schemas.openxmlformats.org/officeDocument/2006/math">
+                      <m:oMathParaPr>
+                        <m:jc m:val="centerGroup"/>
+                      </m:oMathParaPr>
+                      <m:oMath xmlns:m="http://schemas.openxmlformats.org/officeDocument/2006/math">
+                        <m:r>
+                          <a:rPr kumimoji="1" lang="en-US" altLang="ja-JP" b="0" i="1" smtClean="0">
+                            <a:latin typeface="Cambria Math" panose="02040503050406030204" pitchFamily="18" charset="0"/>
+                          </a:rPr>
+                          <m:t>𝐺</m:t>
+                        </m:r>
+                      </m:oMath>
+                    </m:oMathPara>
+                  </a14:m>
+                  <a:endParaRPr kumimoji="1" lang="ja-JP" altLang="en-US"/>
+                </a:p>
+              </p:txBody>
+            </p:sp>
+          </mc:Choice>
+          <mc:Fallback xmlns="">
+            <p:sp>
+              <p:nvSpPr>
+                <p:cNvPr id="75" name="テキスト ボックス 74">
+                  <a:extLst>
+                    <a:ext uri="{FF2B5EF4-FFF2-40B4-BE49-F238E27FC236}">
+                      <a16:creationId xmlns:a16="http://schemas.microsoft.com/office/drawing/2014/main" id="{CC83AA41-DA11-9576-A0AD-900FD8E7C2B6}"/>
+                    </a:ext>
+                  </a:extLst>
+                </p:cNvPr>
+                <p:cNvSpPr txBox="1">
+                  <a:spLocks noGrp="1" noRot="1" noChangeAspect="1" noMove="1" noResize="1" noEditPoints="1" noAdjustHandles="1" noChangeArrowheads="1" noChangeShapeType="1" noTextEdit="1"/>
+                </p:cNvSpPr>
+                <p:nvPr/>
+              </p:nvSpPr>
+              <p:spPr>
+                <a:xfrm>
+                  <a:off x="11490686" y="3656368"/>
+                  <a:ext cx="221727" cy="276999"/>
+                </a:xfrm>
+                <a:prstGeom prst="rect">
+                  <a:avLst/>
+                </a:prstGeom>
+                <a:blipFill>
+                  <a:blip r:embed="rId6"/>
+                  <a:stretch>
+                    <a:fillRect l="-21053" r="-10526" b="-9091"/>
+                  </a:stretch>
+                </a:blipFill>
+              </p:spPr>
+              <p:txBody>
+                <a:bodyPr/>
+                <a:lstStyle/>
+                <a:p>
+                  <a:r>
+                    <a:rPr lang="ja-JP" altLang="en-US">
+                      <a:noFill/>
+                    </a:rPr>
+                    <a:t> </a:t>
+                  </a:r>
+                </a:p>
+              </p:txBody>
+            </p:sp>
+          </mc:Fallback>
+        </mc:AlternateContent>
+        <p:cxnSp>
+          <p:nvCxnSpPr>
+            <p:cNvPr id="46" name="カギ線コネクタ 78">
+              <a:extLst>
+                <a:ext uri="{FF2B5EF4-FFF2-40B4-BE49-F238E27FC236}">
+                  <a16:creationId xmlns:a16="http://schemas.microsoft.com/office/drawing/2014/main" id="{440FF081-4F20-6831-E3C0-A515445FD864}"/>
+                </a:ext>
+              </a:extLst>
+            </p:cNvPr>
+            <p:cNvCxnSpPr/>
+            <p:nvPr/>
+          </p:nvCxnSpPr>
+          <p:spPr>
+            <a:xfrm rot="10800000">
+              <a:off x="2244780" y="4522090"/>
+              <a:ext cx="2993900" cy="916761"/>
+            </a:xfrm>
+            <a:prstGeom prst="bentConnector3">
+              <a:avLst>
+                <a:gd name="adj1" fmla="val 115337"/>
+              </a:avLst>
+            </a:prstGeom>
+            <a:ln>
+              <a:tailEnd type="triangle"/>
+            </a:ln>
+          </p:spPr>
+          <p:style>
+            <a:lnRef idx="2">
+              <a:schemeClr val="dk1"/>
+            </a:lnRef>
+            <a:fillRef idx="0">
+              <a:schemeClr val="dk1"/>
+            </a:fillRef>
+            <a:effectRef idx="1">
+              <a:schemeClr val="dk1"/>
+            </a:effectRef>
+            <a:fontRef idx="minor">
+              <a:schemeClr val="tx1"/>
+            </a:fontRef>
+          </p:style>
+        </p:cxnSp>
+        <p:cxnSp>
+          <p:nvCxnSpPr>
+            <p:cNvPr id="47" name="直線矢印コネクタ 46">
+              <a:extLst>
+                <a:ext uri="{FF2B5EF4-FFF2-40B4-BE49-F238E27FC236}">
+                  <a16:creationId xmlns:a16="http://schemas.microsoft.com/office/drawing/2014/main" id="{6E12BC35-11D7-8042-5908-1250B8CF72DD}"/>
+                </a:ext>
+              </a:extLst>
+            </p:cNvPr>
+            <p:cNvCxnSpPr/>
+            <p:nvPr/>
+          </p:nvCxnSpPr>
+          <p:spPr>
+            <a:xfrm>
+              <a:off x="10126767" y="1296365"/>
+              <a:ext cx="0" cy="2251586"/>
+            </a:xfrm>
+            <a:prstGeom prst="straightConnector1">
+              <a:avLst/>
+            </a:prstGeom>
+            <a:ln>
+              <a:tailEnd type="triangle"/>
+            </a:ln>
+          </p:spPr>
+          <p:style>
+            <a:lnRef idx="2">
+              <a:schemeClr val="dk1"/>
+            </a:lnRef>
+            <a:fillRef idx="0">
+              <a:schemeClr val="dk1"/>
+            </a:fillRef>
+            <a:effectRef idx="1">
+              <a:schemeClr val="dk1"/>
+            </a:effectRef>
+            <a:fontRef idx="minor">
+              <a:schemeClr val="tx1"/>
+            </a:fontRef>
+          </p:style>
+        </p:cxnSp>
+        <p:cxnSp>
+          <p:nvCxnSpPr>
+            <p:cNvPr id="48" name="直線矢印コネクタ 47">
+              <a:extLst>
+                <a:ext uri="{FF2B5EF4-FFF2-40B4-BE49-F238E27FC236}">
+                  <a16:creationId xmlns:a16="http://schemas.microsoft.com/office/drawing/2014/main" id="{DB39C3A7-BC10-8465-8483-0670E8475080}"/>
+                </a:ext>
+              </a:extLst>
+            </p:cNvPr>
+            <p:cNvCxnSpPr>
+              <a:endCxn id="36" idx="3"/>
+            </p:cNvCxnSpPr>
+            <p:nvPr/>
+          </p:nvCxnSpPr>
+          <p:spPr>
+            <a:xfrm flipH="1">
+              <a:off x="6665170" y="2298932"/>
+              <a:ext cx="3461597" cy="0"/>
+            </a:xfrm>
+            <a:prstGeom prst="straightConnector1">
+              <a:avLst/>
+            </a:prstGeom>
+            <a:ln>
+              <a:tailEnd type="triangle"/>
+            </a:ln>
+          </p:spPr>
+          <p:style>
+            <a:lnRef idx="2">
+              <a:schemeClr val="dk1"/>
+            </a:lnRef>
+            <a:fillRef idx="0">
+              <a:schemeClr val="dk1"/>
+            </a:fillRef>
+            <a:effectRef idx="1">
+              <a:schemeClr val="dk1"/>
+            </a:effectRef>
+            <a:fontRef idx="minor">
+              <a:schemeClr val="tx1"/>
+            </a:fontRef>
+          </p:style>
+        </p:cxnSp>
+        <p:sp>
+          <p:nvSpPr>
+            <p:cNvPr id="49" name="円/楕円 96">
+              <a:extLst>
+                <a:ext uri="{FF2B5EF4-FFF2-40B4-BE49-F238E27FC236}">
+                  <a16:creationId xmlns:a16="http://schemas.microsoft.com/office/drawing/2014/main" id="{20F0D744-28AE-99B2-7213-6868A6C0B0D9}"/>
+                </a:ext>
+              </a:extLst>
+            </p:cNvPr>
+            <p:cNvSpPr/>
+            <p:nvPr/>
+          </p:nvSpPr>
+          <p:spPr>
+            <a:xfrm>
+              <a:off x="10090768" y="2262931"/>
+              <a:ext cx="72000" cy="72001"/>
+            </a:xfrm>
+            <a:prstGeom prst="ellipse">
+              <a:avLst/>
+            </a:prstGeom>
+          </p:spPr>
+          <p:style>
+            <a:lnRef idx="2">
+              <a:schemeClr val="dk1">
+                <a:shade val="15000"/>
+              </a:schemeClr>
+            </a:lnRef>
+            <a:fillRef idx="1">
+              <a:schemeClr val="dk1"/>
+            </a:fillRef>
+            <a:effectRef idx="0">
+              <a:schemeClr val="dk1"/>
+            </a:effectRef>
+            <a:fontRef idx="minor">
+              <a:schemeClr val="lt1"/>
+            </a:fontRef>
+          </p:style>
+          <p:txBody>
+            <a:bodyPr rtlCol="0" anchor="ctr"/>
+            <a:lstStyle/>
+            <a:p>
+              <a:pPr algn="ctr"/>
+              <a:endParaRPr kumimoji="1" lang="ja-JP" altLang="en-US"/>
+            </a:p>
+          </p:txBody>
+        </p:sp>
+        <p:cxnSp>
+          <p:nvCxnSpPr>
+            <p:cNvPr id="50" name="カギ線コネクタ 98">
+              <a:extLst>
+                <a:ext uri="{FF2B5EF4-FFF2-40B4-BE49-F238E27FC236}">
+                  <a16:creationId xmlns:a16="http://schemas.microsoft.com/office/drawing/2014/main" id="{CA7EB96A-C27A-03F5-F83E-D0F15AD02287}"/>
+                </a:ext>
+              </a:extLst>
+            </p:cNvPr>
+            <p:cNvCxnSpPr>
+              <a:stCxn id="36" idx="1"/>
+            </p:cNvCxnSpPr>
+            <p:nvPr/>
+          </p:nvCxnSpPr>
+          <p:spPr>
+            <a:xfrm rot="10800000" flipH="1" flipV="1">
+              <a:off x="4712321" y="2298932"/>
+              <a:ext cx="526358" cy="3471948"/>
+            </a:xfrm>
+            <a:prstGeom prst="bentConnector4">
+              <a:avLst>
+                <a:gd name="adj1" fmla="val -618644"/>
+                <a:gd name="adj2" fmla="val 100062"/>
+              </a:avLst>
+            </a:prstGeom>
+            <a:ln>
+              <a:tailEnd type="triangle"/>
+            </a:ln>
+          </p:spPr>
+          <p:style>
+            <a:lnRef idx="2">
+              <a:schemeClr val="dk1"/>
+            </a:lnRef>
+            <a:fillRef idx="0">
+              <a:schemeClr val="dk1"/>
+            </a:fillRef>
+            <a:effectRef idx="1">
+              <a:schemeClr val="dk1"/>
+            </a:effectRef>
+            <a:fontRef idx="minor">
+              <a:schemeClr val="tx1"/>
+            </a:fontRef>
+          </p:style>
+        </p:cxnSp>
+        <p:cxnSp>
+          <p:nvCxnSpPr>
+            <p:cNvPr id="51" name="直線矢印コネクタ 50">
+              <a:extLst>
+                <a:ext uri="{FF2B5EF4-FFF2-40B4-BE49-F238E27FC236}">
+                  <a16:creationId xmlns:a16="http://schemas.microsoft.com/office/drawing/2014/main" id="{83C3C512-D601-6DEC-E5C6-6BA8AC0B4F62}"/>
+                </a:ext>
+              </a:extLst>
+            </p:cNvPr>
+            <p:cNvCxnSpPr/>
+            <p:nvPr/>
+          </p:nvCxnSpPr>
+          <p:spPr>
+            <a:xfrm>
+              <a:off x="1453480" y="4076528"/>
+              <a:ext cx="791299" cy="0"/>
+            </a:xfrm>
+            <a:prstGeom prst="straightConnector1">
+              <a:avLst/>
+            </a:prstGeom>
+            <a:ln>
+              <a:tailEnd type="triangle"/>
+            </a:ln>
+          </p:spPr>
+          <p:style>
+            <a:lnRef idx="2">
+              <a:schemeClr val="dk1"/>
+            </a:lnRef>
+            <a:fillRef idx="0">
+              <a:schemeClr val="dk1"/>
+            </a:fillRef>
+            <a:effectRef idx="1">
+              <a:schemeClr val="dk1"/>
+            </a:effectRef>
+            <a:fontRef idx="minor">
+              <a:schemeClr val="tx1"/>
+            </a:fontRef>
+          </p:style>
+        </p:cxnSp>
+        <p:cxnSp>
+          <p:nvCxnSpPr>
+            <p:cNvPr id="52" name="直線矢印コネクタ 51">
+              <a:extLst>
+                <a:ext uri="{FF2B5EF4-FFF2-40B4-BE49-F238E27FC236}">
+                  <a16:creationId xmlns:a16="http://schemas.microsoft.com/office/drawing/2014/main" id="{0D16EFCD-ABDD-7E1A-A9D0-0A37CF962AA4}"/>
+                </a:ext>
+              </a:extLst>
+            </p:cNvPr>
+            <p:cNvCxnSpPr>
+              <a:stCxn id="35" idx="3"/>
+            </p:cNvCxnSpPr>
+            <p:nvPr/>
+          </p:nvCxnSpPr>
+          <p:spPr>
+            <a:xfrm>
+              <a:off x="11224459" y="3933367"/>
+              <a:ext cx="754181" cy="0"/>
+            </a:xfrm>
+            <a:prstGeom prst="straightConnector1">
+              <a:avLst/>
+            </a:prstGeom>
+            <a:ln>
+              <a:tailEnd type="triangle"/>
+            </a:ln>
+          </p:spPr>
+          <p:style>
+            <a:lnRef idx="2">
+              <a:schemeClr val="dk1"/>
+            </a:lnRef>
+            <a:fillRef idx="0">
+              <a:schemeClr val="dk1"/>
+            </a:fillRef>
+            <a:effectRef idx="1">
+              <a:schemeClr val="dk1"/>
+            </a:effectRef>
+            <a:fontRef idx="minor">
+              <a:schemeClr val="tx1"/>
+            </a:fontRef>
+          </p:style>
+        </p:cxnSp>
+        <p:cxnSp>
+          <p:nvCxnSpPr>
+            <p:cNvPr id="53" name="直線矢印コネクタ 52">
+              <a:extLst>
+                <a:ext uri="{FF2B5EF4-FFF2-40B4-BE49-F238E27FC236}">
+                  <a16:creationId xmlns:a16="http://schemas.microsoft.com/office/drawing/2014/main" id="{81D8BDB2-FE34-006F-5224-F5025EA63783}"/>
+                </a:ext>
+              </a:extLst>
+            </p:cNvPr>
+            <p:cNvCxnSpPr/>
+            <p:nvPr/>
+          </p:nvCxnSpPr>
+          <p:spPr>
+            <a:xfrm>
+              <a:off x="666370" y="3614840"/>
+              <a:ext cx="1574219" cy="0"/>
+            </a:xfrm>
+            <a:prstGeom prst="straightConnector1">
+              <a:avLst/>
+            </a:prstGeom>
+            <a:ln>
+              <a:tailEnd type="triangle"/>
+            </a:ln>
+          </p:spPr>
+          <p:style>
+            <a:lnRef idx="2">
+              <a:schemeClr val="dk1"/>
+            </a:lnRef>
+            <a:fillRef idx="0">
+              <a:schemeClr val="dk1"/>
+            </a:fillRef>
+            <a:effectRef idx="1">
+              <a:schemeClr val="dk1"/>
+            </a:effectRef>
+            <a:fontRef idx="minor">
+              <a:schemeClr val="tx1"/>
+            </a:fontRef>
+          </p:style>
+        </p:cxnSp>
+        <mc:AlternateContent xmlns:mc="http://schemas.openxmlformats.org/markup-compatibility/2006" xmlns:a14="http://schemas.microsoft.com/office/drawing/2010/main">
+          <mc:Choice Requires="a14">
+            <p:sp>
+              <p:nvSpPr>
+                <p:cNvPr id="54" name="テキスト ボックス 53">
+                  <a:extLst>
+                    <a:ext uri="{FF2B5EF4-FFF2-40B4-BE49-F238E27FC236}">
+                      <a16:creationId xmlns:a16="http://schemas.microsoft.com/office/drawing/2014/main" id="{2894B50E-CB5A-6927-6B63-2269CEAE1ADF}"/>
+                    </a:ext>
+                  </a:extLst>
+                </p:cNvPr>
+                <p:cNvSpPr txBox="1"/>
+                <p:nvPr/>
+              </p:nvSpPr>
+              <p:spPr>
+                <a:xfrm>
+                  <a:off x="4956521" y="5166843"/>
+                  <a:ext cx="177933" cy="276999"/>
+                </a:xfrm>
+                <a:prstGeom prst="rect">
+                  <a:avLst/>
+                </a:prstGeom>
+                <a:noFill/>
+              </p:spPr>
+              <p:txBody>
+                <a:bodyPr wrap="none" lIns="0" tIns="0" rIns="0" bIns="0" rtlCol="0">
+                  <a:spAutoFit/>
+                </a:bodyPr>
+                <a:lstStyle/>
+                <a:p>
+                  <a:pPr/>
+                  <a14:m>
+                    <m:oMathPara xmlns:m="http://schemas.openxmlformats.org/officeDocument/2006/math">
+                      <m:oMathParaPr>
+                        <m:jc m:val="centerGroup"/>
+                      </m:oMathParaPr>
+                      <m:oMath xmlns:m="http://schemas.openxmlformats.org/officeDocument/2006/math">
+                        <m:r>
+                          <m:rPr>
+                            <m:sty m:val="p"/>
+                          </m:rPr>
+                          <a:rPr kumimoji="1" lang="en-US" altLang="ja-JP" b="0" i="1" smtClean="0">
+                            <a:latin typeface="Cambria Math" panose="02040503050406030204" pitchFamily="18" charset="0"/>
+                          </a:rPr>
+                          <m:t>x</m:t>
+                        </m:r>
+                        <m:r>
+                          <a:rPr kumimoji="1" lang="en-US" altLang="ja-JP" b="0" i="1" smtClean="0">
+                            <a:latin typeface="Cambria Math" panose="02040503050406030204" pitchFamily="18" charset="0"/>
+                          </a:rPr>
+                          <m:t>̂</m:t>
+                        </m:r>
+                      </m:oMath>
+                    </m:oMathPara>
+                  </a14:m>
+                  <a:endParaRPr kumimoji="1" lang="ja-JP" altLang="en-US"/>
+                </a:p>
+              </p:txBody>
+            </p:sp>
+          </mc:Choice>
+          <mc:Fallback xmlns="">
+            <p:sp>
+              <p:nvSpPr>
+                <p:cNvPr id="110" name="テキスト ボックス 109">
+                  <a:extLst>
+                    <a:ext uri="{FF2B5EF4-FFF2-40B4-BE49-F238E27FC236}">
+                      <a16:creationId xmlns:a16="http://schemas.microsoft.com/office/drawing/2014/main" id="{4BDAC5DB-32E2-5FC1-E68E-0F2E891DE56B}"/>
+                    </a:ext>
+                  </a:extLst>
+                </p:cNvPr>
+                <p:cNvSpPr txBox="1">
+                  <a:spLocks noGrp="1" noRot="1" noChangeAspect="1" noMove="1" noResize="1" noEditPoints="1" noAdjustHandles="1" noChangeArrowheads="1" noChangeShapeType="1" noTextEdit="1"/>
+                </p:cNvSpPr>
+                <p:nvPr/>
+              </p:nvSpPr>
+              <p:spPr>
+                <a:xfrm>
+                  <a:off x="4956521" y="5166843"/>
+                  <a:ext cx="177933" cy="276999"/>
+                </a:xfrm>
+                <a:prstGeom prst="rect">
+                  <a:avLst/>
+                </a:prstGeom>
+                <a:blipFill>
+                  <a:blip r:embed="rId7"/>
+                  <a:stretch>
+                    <a:fillRect l="-26667" r="-26667" b="-9091"/>
+                  </a:stretch>
+                </a:blipFill>
+              </p:spPr>
+              <p:txBody>
+                <a:bodyPr/>
+                <a:lstStyle/>
+                <a:p>
+                  <a:r>
+                    <a:rPr lang="ja-JP" altLang="en-US">
+                      <a:noFill/>
+                    </a:rPr>
+                    <a:t> </a:t>
+                  </a:r>
+                </a:p>
+              </p:txBody>
+            </p:sp>
+          </mc:Fallback>
+        </mc:AlternateContent>
+        <mc:AlternateContent xmlns:mc="http://schemas.openxmlformats.org/markup-compatibility/2006" xmlns:a14="http://schemas.microsoft.com/office/drawing/2010/main">
+          <mc:Choice Requires="a14">
+            <p:sp>
+              <p:nvSpPr>
+                <p:cNvPr id="55" name="テキスト ボックス 54">
+                  <a:extLst>
+                    <a:ext uri="{FF2B5EF4-FFF2-40B4-BE49-F238E27FC236}">
+                      <a16:creationId xmlns:a16="http://schemas.microsoft.com/office/drawing/2014/main" id="{A0E53887-1B4C-0A1D-3C03-2D44208473ED}"/>
+                    </a:ext>
+                  </a:extLst>
+                </p:cNvPr>
+                <p:cNvSpPr txBox="1"/>
+                <p:nvPr/>
+              </p:nvSpPr>
+              <p:spPr>
+                <a:xfrm>
+                  <a:off x="717023" y="3237572"/>
+                  <a:ext cx="501035" cy="299249"/>
+                </a:xfrm>
+                <a:prstGeom prst="rect">
+                  <a:avLst/>
+                </a:prstGeom>
+                <a:noFill/>
+              </p:spPr>
+              <p:txBody>
+                <a:bodyPr wrap="none" lIns="0" tIns="0" rIns="0" bIns="0" rtlCol="0">
+                  <a:spAutoFit/>
+                </a:bodyPr>
+                <a:lstStyle/>
+                <a:p>
+                  <a:pPr/>
+                  <a14:m>
+                    <m:oMathPara xmlns:m="http://schemas.openxmlformats.org/officeDocument/2006/math">
+                      <m:oMathParaPr>
+                        <m:jc m:val="centerGroup"/>
+                      </m:oMathParaPr>
+                      <m:oMath xmlns:m="http://schemas.openxmlformats.org/officeDocument/2006/math">
+                        <m:sSub>
+                          <m:sSubPr>
+                            <m:ctrlPr>
+                              <a:rPr kumimoji="1" lang="en-US" altLang="ja-JP" b="0" i="1" smtClean="0">
+                                <a:latin typeface="Cambria Math" panose="02040503050406030204" pitchFamily="18" charset="0"/>
+                              </a:rPr>
+                            </m:ctrlPr>
+                          </m:sSubPr>
+                          <m:e>
+                            <m:r>
+                              <a:rPr kumimoji="1" lang="en-US" altLang="ja-JP" b="0" i="1" smtClean="0">
+                                <a:latin typeface="Cambria Math" panose="02040503050406030204" pitchFamily="18" charset="0"/>
+                              </a:rPr>
+                              <m:t>𝐺</m:t>
+                            </m:r>
+                          </m:e>
+                          <m:sub>
+                            <m:r>
+                              <a:rPr kumimoji="1" lang="en-US" altLang="ja-JP" b="0" i="1" smtClean="0">
+                                <a:latin typeface="Cambria Math" panose="02040503050406030204" pitchFamily="18" charset="0"/>
+                              </a:rPr>
+                              <m:t>𝑟𝑒𝑓</m:t>
+                            </m:r>
+                          </m:sub>
+                        </m:sSub>
+                      </m:oMath>
+                    </m:oMathPara>
+                  </a14:m>
+                  <a:endParaRPr kumimoji="1" lang="ja-JP" altLang="en-US"/>
+                </a:p>
+              </p:txBody>
+            </p:sp>
+          </mc:Choice>
+          <mc:Fallback xmlns="">
+            <p:sp>
+              <p:nvSpPr>
+                <p:cNvPr id="111" name="テキスト ボックス 110">
+                  <a:extLst>
+                    <a:ext uri="{FF2B5EF4-FFF2-40B4-BE49-F238E27FC236}">
+                      <a16:creationId xmlns:a16="http://schemas.microsoft.com/office/drawing/2014/main" id="{7B4D38FE-EB13-DA17-7BEF-90D8A0C3BBD1}"/>
+                    </a:ext>
+                  </a:extLst>
+                </p:cNvPr>
+                <p:cNvSpPr txBox="1">
+                  <a:spLocks noGrp="1" noRot="1" noChangeAspect="1" noMove="1" noResize="1" noEditPoints="1" noAdjustHandles="1" noChangeArrowheads="1" noChangeShapeType="1" noTextEdit="1"/>
+                </p:cNvSpPr>
+                <p:nvPr/>
+              </p:nvSpPr>
+              <p:spPr>
+                <a:xfrm>
+                  <a:off x="717023" y="3237572"/>
+                  <a:ext cx="501035" cy="299249"/>
+                </a:xfrm>
+                <a:prstGeom prst="rect">
+                  <a:avLst/>
+                </a:prstGeom>
+                <a:blipFill>
+                  <a:blip r:embed="rId8"/>
+                  <a:stretch>
+                    <a:fillRect l="-10000" r="-7500" b="-24000"/>
+                  </a:stretch>
+                </a:blipFill>
+              </p:spPr>
+              <p:txBody>
+                <a:bodyPr/>
+                <a:lstStyle/>
+                <a:p>
+                  <a:r>
+                    <a:rPr lang="ja-JP" altLang="en-US">
+                      <a:noFill/>
+                    </a:rPr>
+                    <a:t> </a:t>
+                  </a:r>
+                </a:p>
+              </p:txBody>
+            </p:sp>
+          </mc:Fallback>
+        </mc:AlternateContent>
+      </p:grpSp>
+    </p:spTree>
+    <p:extLst>
+      <p:ext uri="{BB962C8B-B14F-4D97-AF65-F5344CB8AC3E}">
+        <p14:creationId xmlns:p14="http://schemas.microsoft.com/office/powerpoint/2010/main" val="826142096"/>
+      </p:ext>
+    </p:extLst>
+  </p:cSld>
+  <p:clrMapOvr>
+    <a:masterClrMapping/>
+  </p:clrMapOvr>
+</p:sld>
+</file>
+
 <file path=ppt/theme/theme1.xml><?xml version="1.0" encoding="utf-8"?>
 <a:theme xmlns:a="http://schemas.openxmlformats.org/drawingml/2006/main" name="Office テーマ">
   <a:themeElements>
